--- a/05_md_advanced/yamagata05.pptx
+++ b/05_md_advanced/yamagata05.pptx
@@ -5,11 +5,14 @@
     <p:sldMasterId id="2147483665" r:id="rId1"/>
   </p:sldMasterIdLst>
   <p:notesMasterIdLst>
-    <p:notesMasterId r:id="rId4"/>
+    <p:notesMasterId r:id="rId7"/>
   </p:notesMasterIdLst>
   <p:sldIdLst>
     <p:sldId id="256" r:id="rId2"/>
     <p:sldId id="339" r:id="rId3"/>
+    <p:sldId id="340" r:id="rId4"/>
+    <p:sldId id="341" r:id="rId5"/>
+    <p:sldId id="342" r:id="rId6"/>
   </p:sldIdLst>
   <p:sldSz cx="9144000" cy="6858000" type="screen4x3"/>
   <p:notesSz cx="6858000" cy="9144000"/>
@@ -1632,6 +1635,526 @@
     <p:extLst>
       <p:ext uri="{BB962C8B-B14F-4D97-AF65-F5344CB8AC3E}">
         <p14:creationId xmlns:p14="http://schemas.microsoft.com/office/powerpoint/2010/main" val="2660997395"/>
+      </p:ext>
+    </p:extLst>
+  </p:cSld>
+  <p:clrMapOvr>
+    <a:masterClrMapping/>
+  </p:clrMapOvr>
+</p:sld>
+</file>
+
+<file path=ppt/slides/slide3.xml><?xml version="1.0" encoding="utf-8"?>
+<p:sld xmlns:a="http://schemas.openxmlformats.org/drawingml/2006/main" xmlns:r="http://schemas.openxmlformats.org/officeDocument/2006/relationships" xmlns:p="http://schemas.openxmlformats.org/presentationml/2006/main">
+  <p:cSld>
+    <p:spTree>
+      <p:nvGrpSpPr>
+        <p:cNvPr id="1" name=""/>
+        <p:cNvGrpSpPr/>
+        <p:nvPr/>
+      </p:nvGrpSpPr>
+      <p:grpSpPr>
+        <a:xfrm>
+          <a:off x="0" y="0"/>
+          <a:ext cx="0" cy="0"/>
+          <a:chOff x="0" y="0"/>
+          <a:chExt cx="0" cy="0"/>
+        </a:xfrm>
+      </p:grpSpPr>
+      <p:sp>
+        <p:nvSpPr>
+          <p:cNvPr id="2" name="テキスト プレースホルダー 1">
+            <a:extLst>
+              <a:ext uri="{FF2B5EF4-FFF2-40B4-BE49-F238E27FC236}">
+                <a16:creationId xmlns:a16="http://schemas.microsoft.com/office/drawing/2014/main" id="{1FB30446-3A88-8762-2F21-CEF37443630C}"/>
+              </a:ext>
+            </a:extLst>
+          </p:cNvPr>
+          <p:cNvSpPr>
+            <a:spLocks noGrp="1"/>
+          </p:cNvSpPr>
+          <p:nvPr>
+            <p:ph type="body" sz="quarter" idx="10"/>
+          </p:nvPr>
+        </p:nvSpPr>
+        <p:spPr/>
+        <p:txBody>
+          <a:bodyPr/>
+          <a:lstStyle/>
+          <a:p>
+            <a:r>
+              <a:rPr lang="ja-JP" altLang="en-US"/>
+              <a:t>分子動力学法でできること</a:t>
+            </a:r>
+            <a:endParaRPr kumimoji="1" lang="ja-JP" altLang="en-US"/>
+          </a:p>
+        </p:txBody>
+      </p:sp>
+      <p:sp>
+        <p:nvSpPr>
+          <p:cNvPr id="5" name="テキスト ボックス 4">
+            <a:extLst>
+              <a:ext uri="{FF2B5EF4-FFF2-40B4-BE49-F238E27FC236}">
+                <a16:creationId xmlns:a16="http://schemas.microsoft.com/office/drawing/2014/main" id="{63686924-B66F-7A42-7698-32B486CA213A}"/>
+              </a:ext>
+            </a:extLst>
+          </p:cNvPr>
+          <p:cNvSpPr txBox="1"/>
+          <p:nvPr/>
+        </p:nvSpPr>
+        <p:spPr>
+          <a:xfrm>
+            <a:off x="179512" y="980728"/>
+            <a:ext cx="1620957" cy="523220"/>
+          </a:xfrm>
+          <a:prstGeom prst="rect">
+            <a:avLst/>
+          </a:prstGeom>
+          <a:noFill/>
+        </p:spPr>
+        <p:txBody>
+          <a:bodyPr wrap="none" rtlCol="0">
+            <a:spAutoFit/>
+          </a:bodyPr>
+          <a:lstStyle/>
+          <a:p>
+            <a:r>
+              <a:rPr lang="ja-JP" altLang="en-US" sz="2800"/>
+              <a:t>創薬分野</a:t>
+            </a:r>
+            <a:endParaRPr kumimoji="1" lang="ja-JP" altLang="en-US" sz="2800"/>
+          </a:p>
+        </p:txBody>
+      </p:sp>
+      <p:pic>
+        <p:nvPicPr>
+          <p:cNvPr id="1026" name="Picture 2" descr="figure1">
+            <a:extLst>
+              <a:ext uri="{FF2B5EF4-FFF2-40B4-BE49-F238E27FC236}">
+                <a16:creationId xmlns:a16="http://schemas.microsoft.com/office/drawing/2014/main" id="{668A0A00-2584-9EC2-5D57-ED756DD90A40}"/>
+              </a:ext>
+            </a:extLst>
+          </p:cNvPr>
+          <p:cNvPicPr>
+            <a:picLocks noChangeAspect="1" noChangeArrowheads="1"/>
+          </p:cNvPicPr>
+          <p:nvPr/>
+        </p:nvPicPr>
+        <p:blipFill>
+          <a:blip r:embed="rId2">
+            <a:extLst>
+              <a:ext uri="{28A0092B-C50C-407E-A947-70E740481C1C}">
+                <a14:useLocalDpi xmlns:a14="http://schemas.microsoft.com/office/drawing/2010/main" val="0"/>
+              </a:ext>
+            </a:extLst>
+          </a:blip>
+          <a:srcRect/>
+          <a:stretch>
+            <a:fillRect/>
+          </a:stretch>
+        </p:blipFill>
+        <p:spPr bwMode="auto">
+          <a:xfrm>
+            <a:off x="899592" y="2564904"/>
+            <a:ext cx="5724128" cy="3749502"/>
+          </a:xfrm>
+          <a:prstGeom prst="rect">
+            <a:avLst/>
+          </a:prstGeom>
+          <a:noFill/>
+          <a:extLst>
+            <a:ext uri="{909E8E84-426E-40DD-AFC4-6F175D3DCCD1}">
+              <a14:hiddenFill xmlns:a14="http://schemas.microsoft.com/office/drawing/2010/main">
+                <a:solidFill>
+                  <a:srgbClr val="FFFFFF"/>
+                </a:solidFill>
+              </a14:hiddenFill>
+            </a:ext>
+          </a:extLst>
+        </p:spPr>
+      </p:pic>
+      <p:sp>
+        <p:nvSpPr>
+          <p:cNvPr id="8" name="テキスト ボックス 7">
+            <a:extLst>
+              <a:ext uri="{FF2B5EF4-FFF2-40B4-BE49-F238E27FC236}">
+                <a16:creationId xmlns:a16="http://schemas.microsoft.com/office/drawing/2014/main" id="{8DCD8A01-B474-4D8A-9ECA-3DF3D9F4B02C}"/>
+              </a:ext>
+            </a:extLst>
+          </p:cNvPr>
+          <p:cNvSpPr txBox="1"/>
+          <p:nvPr/>
+        </p:nvSpPr>
+        <p:spPr>
+          <a:xfrm>
+            <a:off x="1259632" y="6309320"/>
+            <a:ext cx="5886400" cy="369332"/>
+          </a:xfrm>
+          <a:prstGeom prst="rect">
+            <a:avLst/>
+          </a:prstGeom>
+          <a:noFill/>
+        </p:spPr>
+        <p:txBody>
+          <a:bodyPr wrap="square">
+            <a:spAutoFit/>
+          </a:bodyPr>
+          <a:lstStyle/>
+          <a:p>
+            <a:r>
+              <a:rPr lang="ja-JP" altLang="en-US"/>
+              <a:t>http://www.scls.riken.jp/newsletter/Vol.14/openup02.html</a:t>
+            </a:r>
+          </a:p>
+        </p:txBody>
+      </p:sp>
+      <p:sp>
+        <p:nvSpPr>
+          <p:cNvPr id="7" name="テキスト ボックス 6">
+            <a:extLst>
+              <a:ext uri="{FF2B5EF4-FFF2-40B4-BE49-F238E27FC236}">
+                <a16:creationId xmlns:a16="http://schemas.microsoft.com/office/drawing/2014/main" id="{5BF14A1A-AFC4-D7C2-33E9-A95CC22E3E26}"/>
+              </a:ext>
+            </a:extLst>
+          </p:cNvPr>
+          <p:cNvSpPr txBox="1"/>
+          <p:nvPr/>
+        </p:nvSpPr>
+        <p:spPr>
+          <a:xfrm>
+            <a:off x="539552" y="1556792"/>
+            <a:ext cx="8494633" cy="830997"/>
+          </a:xfrm>
+          <a:prstGeom prst="rect">
+            <a:avLst/>
+          </a:prstGeom>
+          <a:noFill/>
+        </p:spPr>
+        <p:txBody>
+          <a:bodyPr wrap="none" rtlCol="0">
+            <a:spAutoFit/>
+          </a:bodyPr>
+          <a:lstStyle/>
+          <a:p>
+            <a:r>
+              <a:rPr kumimoji="1" lang="ja-JP" altLang="en-US" sz="2400"/>
+              <a:t>癌標的タンパク質と薬剤候補の結合ー乖離シミュレーション</a:t>
+            </a:r>
+            <a:endParaRPr kumimoji="1" lang="en-US" altLang="ja-JP" sz="2400"/>
+          </a:p>
+          <a:p>
+            <a:r>
+              <a:rPr kumimoji="1" lang="ja-JP" altLang="en-US" sz="2400"/>
+              <a:t>東京大学先端技術研究センター　藤谷氏 他</a:t>
+            </a:r>
+          </a:p>
+        </p:txBody>
+      </p:sp>
+    </p:spTree>
+    <p:extLst>
+      <p:ext uri="{BB962C8B-B14F-4D97-AF65-F5344CB8AC3E}">
+        <p14:creationId xmlns:p14="http://schemas.microsoft.com/office/powerpoint/2010/main" val="1707362733"/>
+      </p:ext>
+    </p:extLst>
+  </p:cSld>
+  <p:clrMapOvr>
+    <a:masterClrMapping/>
+  </p:clrMapOvr>
+</p:sld>
+</file>
+
+<file path=ppt/slides/slide4.xml><?xml version="1.0" encoding="utf-8"?>
+<p:sld xmlns:a="http://schemas.openxmlformats.org/drawingml/2006/main" xmlns:r="http://schemas.openxmlformats.org/officeDocument/2006/relationships" xmlns:p="http://schemas.openxmlformats.org/presentationml/2006/main">
+  <p:cSld>
+    <p:spTree>
+      <p:nvGrpSpPr>
+        <p:cNvPr id="1" name=""/>
+        <p:cNvGrpSpPr/>
+        <p:nvPr/>
+      </p:nvGrpSpPr>
+      <p:grpSpPr>
+        <a:xfrm>
+          <a:off x="0" y="0"/>
+          <a:ext cx="0" cy="0"/>
+          <a:chOff x="0" y="0"/>
+          <a:chExt cx="0" cy="0"/>
+        </a:xfrm>
+      </p:grpSpPr>
+      <p:sp>
+        <p:nvSpPr>
+          <p:cNvPr id="2" name="テキスト プレースホルダー 1">
+            <a:extLst>
+              <a:ext uri="{FF2B5EF4-FFF2-40B4-BE49-F238E27FC236}">
+                <a16:creationId xmlns:a16="http://schemas.microsoft.com/office/drawing/2014/main" id="{369A7575-97AF-1C4E-6F1D-6265878B9AE6}"/>
+              </a:ext>
+            </a:extLst>
+          </p:cNvPr>
+          <p:cNvSpPr>
+            <a:spLocks noGrp="1"/>
+          </p:cNvSpPr>
+          <p:nvPr>
+            <p:ph type="body" sz="quarter" idx="10"/>
+          </p:nvPr>
+        </p:nvSpPr>
+        <p:spPr/>
+        <p:txBody>
+          <a:bodyPr/>
+          <a:lstStyle/>
+          <a:p>
+            <a:r>
+              <a:rPr lang="ja-JP" altLang="en-US"/>
+              <a:t>分子動力学法でできること</a:t>
+            </a:r>
+            <a:endParaRPr kumimoji="1" lang="ja-JP" altLang="en-US"/>
+          </a:p>
+        </p:txBody>
+      </p:sp>
+      <p:sp>
+        <p:nvSpPr>
+          <p:cNvPr id="3" name="テキスト ボックス 2">
+            <a:extLst>
+              <a:ext uri="{FF2B5EF4-FFF2-40B4-BE49-F238E27FC236}">
+                <a16:creationId xmlns:a16="http://schemas.microsoft.com/office/drawing/2014/main" id="{E2908A71-DFEA-BA66-D5C9-D412D5348496}"/>
+              </a:ext>
+            </a:extLst>
+          </p:cNvPr>
+          <p:cNvSpPr txBox="1"/>
+          <p:nvPr/>
+        </p:nvSpPr>
+        <p:spPr>
+          <a:xfrm>
+            <a:off x="323528" y="980728"/>
+            <a:ext cx="2339102" cy="523220"/>
+          </a:xfrm>
+          <a:prstGeom prst="rect">
+            <a:avLst/>
+          </a:prstGeom>
+          <a:noFill/>
+        </p:spPr>
+        <p:txBody>
+          <a:bodyPr wrap="none" rtlCol="0">
+            <a:spAutoFit/>
+          </a:bodyPr>
+          <a:lstStyle/>
+          <a:p>
+            <a:r>
+              <a:rPr kumimoji="1" lang="ja-JP" altLang="en-US" sz="2800"/>
+              <a:t>デバイス開発</a:t>
+            </a:r>
+          </a:p>
+        </p:txBody>
+      </p:sp>
+      <p:sp>
+        <p:nvSpPr>
+          <p:cNvPr id="5" name="テキスト ボックス 4">
+            <a:extLst>
+              <a:ext uri="{FF2B5EF4-FFF2-40B4-BE49-F238E27FC236}">
+                <a16:creationId xmlns:a16="http://schemas.microsoft.com/office/drawing/2014/main" id="{DCEC9967-841A-29B3-AE12-DE59639AC8B4}"/>
+              </a:ext>
+            </a:extLst>
+          </p:cNvPr>
+          <p:cNvSpPr txBox="1"/>
+          <p:nvPr/>
+        </p:nvSpPr>
+        <p:spPr>
+          <a:xfrm>
+            <a:off x="1115616" y="6093296"/>
+            <a:ext cx="6624736" cy="646331"/>
+          </a:xfrm>
+          <a:prstGeom prst="rect">
+            <a:avLst/>
+          </a:prstGeom>
+          <a:noFill/>
+        </p:spPr>
+        <p:txBody>
+          <a:bodyPr wrap="square">
+            <a:spAutoFit/>
+          </a:bodyPr>
+          <a:lstStyle/>
+          <a:p>
+            <a:r>
+              <a:rPr lang="ja-JP" altLang="en-US"/>
+              <a:t>https://www.nims.go.jp/news/press/2014/07/p201407030.html</a:t>
+            </a:r>
+            <a:endParaRPr lang="en-US" altLang="ja-JP"/>
+          </a:p>
+          <a:p>
+            <a:r>
+              <a:rPr lang="en-US" altLang="ja-JP" b="0" i="1">
+                <a:solidFill>
+                  <a:srgbClr val="000000"/>
+                </a:solidFill>
+                <a:effectLst/>
+                <a:latin typeface="Roboto" panose="02000000000000000000" pitchFamily="2" charset="0"/>
+              </a:rPr>
+              <a:t>Chem. Mater.</a:t>
+            </a:r>
+            <a:r>
+              <a:rPr lang="en-US" altLang="ja-JP" b="0" i="0">
+                <a:solidFill>
+                  <a:srgbClr val="000000"/>
+                </a:solidFill>
+                <a:effectLst/>
+                <a:latin typeface="Roboto" panose="02000000000000000000" pitchFamily="2" charset="0"/>
+              </a:rPr>
+              <a:t> 2014, 26, 14, 4248–4255</a:t>
+            </a:r>
+            <a:endParaRPr lang="ja-JP" altLang="en-US"/>
+          </a:p>
+        </p:txBody>
+      </p:sp>
+      <p:sp>
+        <p:nvSpPr>
+          <p:cNvPr id="6" name="テキスト ボックス 5">
+            <a:extLst>
+              <a:ext uri="{FF2B5EF4-FFF2-40B4-BE49-F238E27FC236}">
+                <a16:creationId xmlns:a16="http://schemas.microsoft.com/office/drawing/2014/main" id="{8C9BF58B-6F03-C17A-1F64-8620DF2ECF82}"/>
+              </a:ext>
+            </a:extLst>
+          </p:cNvPr>
+          <p:cNvSpPr txBox="1"/>
+          <p:nvPr/>
+        </p:nvSpPr>
+        <p:spPr>
+          <a:xfrm>
+            <a:off x="755576" y="1628800"/>
+            <a:ext cx="6647974" cy="830997"/>
+          </a:xfrm>
+          <a:prstGeom prst="rect">
+            <a:avLst/>
+          </a:prstGeom>
+          <a:noFill/>
+        </p:spPr>
+        <p:txBody>
+          <a:bodyPr wrap="none" rtlCol="0">
+            <a:spAutoFit/>
+          </a:bodyPr>
+          <a:lstStyle/>
+          <a:p>
+            <a:r>
+              <a:rPr kumimoji="1" lang="ja-JP" altLang="en-US" sz="2400"/>
+              <a:t>高信頼リチウムイオン電池のシミュレーション</a:t>
+            </a:r>
+            <a:endParaRPr kumimoji="1" lang="en-US" altLang="ja-JP" sz="2400"/>
+          </a:p>
+          <a:p>
+            <a:r>
+              <a:rPr kumimoji="1" lang="ja-JP" altLang="en-US" sz="2400"/>
+              <a:t>物質・材料研究機構 館山氏 他</a:t>
+            </a:r>
+          </a:p>
+        </p:txBody>
+      </p:sp>
+      <p:pic>
+        <p:nvPicPr>
+          <p:cNvPr id="2050" name="Picture 2" descr="「プレス資料中の図 : 酸化物正極−硫化物固体電解質の界面に緩衝層が (1) ない場合と (2) ある場合の高精度計算により得られたリチウムイオン状態 (原子構造 (緑球がリチウムイオン) と濃度分布の充電時の変化) 、と対応する実験結果 (充電曲線と界面抵抗棒グラフ) 。緩衝層がない場合、リチウムイオンの空間電荷層が成長し界面抵抗を増大させるが、緩衝層の導入によりそれが抑制されることが示された。」の画像">
+            <a:extLst>
+              <a:ext uri="{FF2B5EF4-FFF2-40B4-BE49-F238E27FC236}">
+                <a16:creationId xmlns:a16="http://schemas.microsoft.com/office/drawing/2014/main" id="{46DAE963-37CA-D661-5D9A-00C97E2B0DE1}"/>
+              </a:ext>
+            </a:extLst>
+          </p:cNvPr>
+          <p:cNvPicPr>
+            <a:picLocks noChangeAspect="1" noChangeArrowheads="1"/>
+          </p:cNvPicPr>
+          <p:nvPr/>
+        </p:nvPicPr>
+        <p:blipFill>
+          <a:blip r:embed="rId2">
+            <a:extLst>
+              <a:ext uri="{28A0092B-C50C-407E-A947-70E740481C1C}">
+                <a14:useLocalDpi xmlns:a14="http://schemas.microsoft.com/office/drawing/2010/main" val="0"/>
+              </a:ext>
+            </a:extLst>
+          </a:blip>
+          <a:srcRect/>
+          <a:stretch>
+            <a:fillRect/>
+          </a:stretch>
+        </p:blipFill>
+        <p:spPr bwMode="auto">
+          <a:xfrm>
+            <a:off x="1619672" y="2564904"/>
+            <a:ext cx="5688632" cy="3458688"/>
+          </a:xfrm>
+          <a:prstGeom prst="rect">
+            <a:avLst/>
+          </a:prstGeom>
+          <a:noFill/>
+          <a:extLst>
+            <a:ext uri="{909E8E84-426E-40DD-AFC4-6F175D3DCCD1}">
+              <a14:hiddenFill xmlns:a14="http://schemas.microsoft.com/office/drawing/2010/main">
+                <a:solidFill>
+                  <a:srgbClr val="FFFFFF"/>
+                </a:solidFill>
+              </a14:hiddenFill>
+            </a:ext>
+          </a:extLst>
+        </p:spPr>
+      </p:pic>
+    </p:spTree>
+    <p:extLst>
+      <p:ext uri="{BB962C8B-B14F-4D97-AF65-F5344CB8AC3E}">
+        <p14:creationId xmlns:p14="http://schemas.microsoft.com/office/powerpoint/2010/main" val="4123718427"/>
+      </p:ext>
+    </p:extLst>
+  </p:cSld>
+  <p:clrMapOvr>
+    <a:masterClrMapping/>
+  </p:clrMapOvr>
+</p:sld>
+</file>
+
+<file path=ppt/slides/slide5.xml><?xml version="1.0" encoding="utf-8"?>
+<p:sld xmlns:a="http://schemas.openxmlformats.org/drawingml/2006/main" xmlns:r="http://schemas.openxmlformats.org/officeDocument/2006/relationships" xmlns:p="http://schemas.openxmlformats.org/presentationml/2006/main">
+  <p:cSld>
+    <p:spTree>
+      <p:nvGrpSpPr>
+        <p:cNvPr id="1" name=""/>
+        <p:cNvGrpSpPr/>
+        <p:nvPr/>
+      </p:nvGrpSpPr>
+      <p:grpSpPr>
+        <a:xfrm>
+          <a:off x="0" y="0"/>
+          <a:ext cx="0" cy="0"/>
+          <a:chOff x="0" y="0"/>
+          <a:chExt cx="0" cy="0"/>
+        </a:xfrm>
+      </p:grpSpPr>
+      <p:sp>
+        <p:nvSpPr>
+          <p:cNvPr id="2" name="テキスト プレースホルダー 1">
+            <a:extLst>
+              <a:ext uri="{FF2B5EF4-FFF2-40B4-BE49-F238E27FC236}">
+                <a16:creationId xmlns:a16="http://schemas.microsoft.com/office/drawing/2014/main" id="{D4E1967F-5F54-91CF-3A5A-40135EC257FD}"/>
+              </a:ext>
+            </a:extLst>
+          </p:cNvPr>
+          <p:cNvSpPr>
+            <a:spLocks noGrp="1"/>
+          </p:cNvSpPr>
+          <p:nvPr>
+            <p:ph type="body" sz="quarter" idx="10"/>
+          </p:nvPr>
+        </p:nvSpPr>
+        <p:spPr/>
+        <p:txBody>
+          <a:bodyPr/>
+          <a:lstStyle/>
+          <a:p>
+            <a:r>
+              <a:rPr lang="ja-JP" altLang="en-US"/>
+              <a:t>分子動力学法でできること</a:t>
+            </a:r>
+            <a:endParaRPr kumimoji="1" lang="ja-JP" altLang="en-US"/>
+          </a:p>
+        </p:txBody>
+      </p:sp>
+    </p:spTree>
+    <p:extLst>
+      <p:ext uri="{BB962C8B-B14F-4D97-AF65-F5344CB8AC3E}">
+        <p14:creationId xmlns:p14="http://schemas.microsoft.com/office/powerpoint/2010/main" val="2313330695"/>
       </p:ext>
     </p:extLst>
   </p:cSld>

--- a/05_md_advanced/yamagata05.pptx
+++ b/05_md_advanced/yamagata05.pptx
@@ -5,7 +5,7 @@
     <p:sldMasterId id="2147483665" r:id="rId1"/>
   </p:sldMasterIdLst>
   <p:notesMasterIdLst>
-    <p:notesMasterId r:id="rId7"/>
+    <p:notesMasterId r:id="rId9"/>
   </p:notesMasterIdLst>
   <p:sldIdLst>
     <p:sldId id="256" r:id="rId2"/>
@@ -13,6 +13,8 @@
     <p:sldId id="340" r:id="rId4"/>
     <p:sldId id="341" r:id="rId5"/>
     <p:sldId id="342" r:id="rId6"/>
+    <p:sldId id="343" r:id="rId7"/>
+    <p:sldId id="344" r:id="rId8"/>
   </p:sldIdLst>
   <p:sldSz cx="9144000" cy="6858000" type="screen4x3"/>
   <p:notesSz cx="6858000" cy="9144000"/>
@@ -223,7 +225,7 @@
           </a:lstStyle>
           <a:p>
             <a:fld id="{6B8D1B20-A248-FB47-8240-73C0C5F47C9D}" type="datetimeFigureOut">
-              <a:t>2022/8/2</a:t>
+              <a:t>2022/8/3</a:t>
             </a:fld>
             <a:endParaRPr kumimoji="1" lang="ja-JP" altLang="en-US"/>
           </a:p>
@@ -2151,10 +2153,2401 @@
           </a:p>
         </p:txBody>
       </p:sp>
+      <p:sp>
+        <p:nvSpPr>
+          <p:cNvPr id="3" name="テキスト ボックス 2">
+            <a:extLst>
+              <a:ext uri="{FF2B5EF4-FFF2-40B4-BE49-F238E27FC236}">
+                <a16:creationId xmlns:a16="http://schemas.microsoft.com/office/drawing/2014/main" id="{89DE841C-5B1C-5C0F-E0F5-D373AD764569}"/>
+              </a:ext>
+            </a:extLst>
+          </p:cNvPr>
+          <p:cNvSpPr txBox="1"/>
+          <p:nvPr/>
+        </p:nvSpPr>
+        <p:spPr>
+          <a:xfrm>
+            <a:off x="251520" y="1268760"/>
+            <a:ext cx="8443337" cy="1384995"/>
+          </a:xfrm>
+          <a:prstGeom prst="rect">
+            <a:avLst/>
+          </a:prstGeom>
+          <a:noFill/>
+        </p:spPr>
+        <p:txBody>
+          <a:bodyPr wrap="none" rtlCol="0">
+            <a:spAutoFit/>
+          </a:bodyPr>
+          <a:lstStyle/>
+          <a:p>
+            <a:r>
+              <a:rPr kumimoji="1" lang="ja-JP" altLang="en-US" sz="2800"/>
+              <a:t>分子動力学法は原子の時間発展を追うことができる</a:t>
+            </a:r>
+            <a:endParaRPr kumimoji="1" lang="en-US" altLang="ja-JP" sz="2800"/>
+          </a:p>
+          <a:p>
+            <a:r>
+              <a:rPr lang="ja-JP" altLang="en-US" sz="2800"/>
+              <a:t>→タンパク質と薬剤の相互作用を追える</a:t>
+            </a:r>
+            <a:endParaRPr lang="en-US" altLang="ja-JP" sz="2800"/>
+          </a:p>
+          <a:p>
+            <a:r>
+              <a:rPr kumimoji="1" lang="ja-JP" altLang="en-US" sz="2800"/>
+              <a:t>→電極付近のイオンの運動を追える</a:t>
+            </a:r>
+          </a:p>
+        </p:txBody>
+      </p:sp>
+      <p:sp>
+        <p:nvSpPr>
+          <p:cNvPr id="4" name="テキスト ボックス 3">
+            <a:extLst>
+              <a:ext uri="{FF2B5EF4-FFF2-40B4-BE49-F238E27FC236}">
+                <a16:creationId xmlns:a16="http://schemas.microsoft.com/office/drawing/2014/main" id="{04EB4118-F538-EC21-DF17-0A2C1BE9087E}"/>
+              </a:ext>
+            </a:extLst>
+          </p:cNvPr>
+          <p:cNvSpPr txBox="1"/>
+          <p:nvPr/>
+        </p:nvSpPr>
+        <p:spPr>
+          <a:xfrm>
+            <a:off x="251520" y="2996952"/>
+            <a:ext cx="8568951" cy="1384995"/>
+          </a:xfrm>
+          <a:prstGeom prst="rect">
+            <a:avLst/>
+          </a:prstGeom>
+          <a:noFill/>
+        </p:spPr>
+        <p:txBody>
+          <a:bodyPr wrap="square" rtlCol="0">
+            <a:spAutoFit/>
+          </a:bodyPr>
+          <a:lstStyle/>
+          <a:p>
+            <a:r>
+              <a:rPr lang="ja-JP" altLang="en-US" sz="2800"/>
+              <a:t>このように、細かい情報を追えるのが分子動力学法の強みでもあるが、もう少し基礎的な情報を得ることもできる</a:t>
+            </a:r>
+            <a:endParaRPr kumimoji="1" lang="ja-JP" altLang="en-US" sz="2800"/>
+          </a:p>
+        </p:txBody>
+      </p:sp>
+      <p:sp>
+        <p:nvSpPr>
+          <p:cNvPr id="5" name="テキスト ボックス 4">
+            <a:extLst>
+              <a:ext uri="{FF2B5EF4-FFF2-40B4-BE49-F238E27FC236}">
+                <a16:creationId xmlns:a16="http://schemas.microsoft.com/office/drawing/2014/main" id="{C5A2BA36-5015-30F0-65B7-C8DC266C719A}"/>
+              </a:ext>
+            </a:extLst>
+          </p:cNvPr>
+          <p:cNvSpPr txBox="1"/>
+          <p:nvPr/>
+        </p:nvSpPr>
+        <p:spPr>
+          <a:xfrm>
+            <a:off x="251520" y="4725144"/>
+            <a:ext cx="8568951" cy="1384995"/>
+          </a:xfrm>
+          <a:prstGeom prst="rect">
+            <a:avLst/>
+          </a:prstGeom>
+          <a:noFill/>
+        </p:spPr>
+        <p:txBody>
+          <a:bodyPr wrap="square" rtlCol="0">
+            <a:spAutoFit/>
+          </a:bodyPr>
+          <a:lstStyle/>
+          <a:p>
+            <a:r>
+              <a:rPr kumimoji="1" lang="ja-JP" altLang="en-US" sz="2800"/>
+              <a:t>以下では、物質の基礎的な情報である</a:t>
+            </a:r>
+            <a:r>
+              <a:rPr kumimoji="1" lang="ja-JP" altLang="en-US" sz="2800">
+                <a:solidFill>
+                  <a:srgbClr val="FF0000"/>
+                </a:solidFill>
+              </a:rPr>
+              <a:t>相図の決定</a:t>
+            </a:r>
+            <a:r>
+              <a:rPr kumimoji="1" lang="ja-JP" altLang="en-US" sz="2800"/>
+              <a:t>と、基本的な</a:t>
+            </a:r>
+            <a:r>
+              <a:rPr kumimoji="1" lang="ja-JP" altLang="en-US" sz="2800">
+                <a:solidFill>
+                  <a:srgbClr val="FF0000"/>
+                </a:solidFill>
+              </a:rPr>
+              <a:t>相転移のダイナミクス</a:t>
+            </a:r>
+            <a:r>
+              <a:rPr kumimoji="1" lang="ja-JP" altLang="en-US" sz="2800"/>
+              <a:t>を分子動力学法で追った話をします</a:t>
+            </a:r>
+          </a:p>
+        </p:txBody>
+      </p:sp>
     </p:spTree>
     <p:extLst>
       <p:ext uri="{BB962C8B-B14F-4D97-AF65-F5344CB8AC3E}">
         <p14:creationId xmlns:p14="http://schemas.microsoft.com/office/powerpoint/2010/main" val="2313330695"/>
+      </p:ext>
+    </p:extLst>
+  </p:cSld>
+  <p:clrMapOvr>
+    <a:masterClrMapping/>
+  </p:clrMapOvr>
+</p:sld>
+</file>
+
+<file path=ppt/slides/slide6.xml><?xml version="1.0" encoding="utf-8"?>
+<p:sld xmlns:a="http://schemas.openxmlformats.org/drawingml/2006/main" xmlns:r="http://schemas.openxmlformats.org/officeDocument/2006/relationships" xmlns:p="http://schemas.openxmlformats.org/presentationml/2006/main">
+  <p:cSld>
+    <p:spTree>
+      <p:nvGrpSpPr>
+        <p:cNvPr id="1" name=""/>
+        <p:cNvGrpSpPr/>
+        <p:nvPr/>
+      </p:nvGrpSpPr>
+      <p:grpSpPr>
+        <a:xfrm>
+          <a:off x="0" y="0"/>
+          <a:ext cx="0" cy="0"/>
+          <a:chOff x="0" y="0"/>
+          <a:chExt cx="0" cy="0"/>
+        </a:xfrm>
+      </p:grpSpPr>
+      <p:sp>
+        <p:nvSpPr>
+          <p:cNvPr id="2" name="テキスト プレースホルダー 1">
+            <a:extLst>
+              <a:ext uri="{FF2B5EF4-FFF2-40B4-BE49-F238E27FC236}">
+                <a16:creationId xmlns:a16="http://schemas.microsoft.com/office/drawing/2014/main" id="{ACFED11F-91FF-EF21-3A71-8CA1C1E817D0}"/>
+              </a:ext>
+            </a:extLst>
+          </p:cNvPr>
+          <p:cNvSpPr>
+            <a:spLocks noGrp="1"/>
+          </p:cNvSpPr>
+          <p:nvPr>
+            <p:ph type="body" sz="quarter" idx="10"/>
+          </p:nvPr>
+        </p:nvSpPr>
+        <p:spPr/>
+        <p:txBody>
+          <a:bodyPr/>
+          <a:lstStyle/>
+          <a:p>
+            <a:r>
+              <a:rPr lang="ja-JP" altLang="en-US"/>
+              <a:t>相転移とは</a:t>
+            </a:r>
+            <a:endParaRPr kumimoji="1" lang="ja-JP" altLang="en-US"/>
+          </a:p>
+        </p:txBody>
+      </p:sp>
+      <p:pic>
+        <p:nvPicPr>
+          <p:cNvPr id="1026" name="Picture 2" descr="コップと水のイラスト">
+            <a:extLst>
+              <a:ext uri="{FF2B5EF4-FFF2-40B4-BE49-F238E27FC236}">
+                <a16:creationId xmlns:a16="http://schemas.microsoft.com/office/drawing/2014/main" id="{9528EA85-157E-BA0F-9E62-7E9870807A65}"/>
+              </a:ext>
+            </a:extLst>
+          </p:cNvPr>
+          <p:cNvPicPr>
+            <a:picLocks noChangeAspect="1" noChangeArrowheads="1"/>
+          </p:cNvPicPr>
+          <p:nvPr/>
+        </p:nvPicPr>
+        <p:blipFill>
+          <a:blip r:embed="rId2" cstate="print">
+            <a:extLst>
+              <a:ext uri="{28A0092B-C50C-407E-A947-70E740481C1C}">
+                <a14:useLocalDpi xmlns:a14="http://schemas.microsoft.com/office/drawing/2010/main" val="0"/>
+              </a:ext>
+            </a:extLst>
+          </a:blip>
+          <a:srcRect/>
+          <a:stretch>
+            <a:fillRect/>
+          </a:stretch>
+        </p:blipFill>
+        <p:spPr bwMode="auto">
+          <a:xfrm>
+            <a:off x="3707904" y="3284984"/>
+            <a:ext cx="1043396" cy="1512168"/>
+          </a:xfrm>
+          <a:prstGeom prst="rect">
+            <a:avLst/>
+          </a:prstGeom>
+          <a:noFill/>
+          <a:extLst>
+            <a:ext uri="{909E8E84-426E-40DD-AFC4-6F175D3DCCD1}">
+              <a14:hiddenFill xmlns:a14="http://schemas.microsoft.com/office/drawing/2010/main">
+                <a:solidFill>
+                  <a:srgbClr val="FFFFFF"/>
+                </a:solidFill>
+              </a14:hiddenFill>
+            </a:ext>
+          </a:extLst>
+        </p:spPr>
+      </p:pic>
+      <p:pic>
+        <p:nvPicPr>
+          <p:cNvPr id="1028" name="Picture 4" descr="氷のイラスト「アイスキューブ」">
+            <a:extLst>
+              <a:ext uri="{FF2B5EF4-FFF2-40B4-BE49-F238E27FC236}">
+                <a16:creationId xmlns:a16="http://schemas.microsoft.com/office/drawing/2014/main" id="{AABEBCE4-F003-7D48-92D7-FA0A4575F0DF}"/>
+              </a:ext>
+            </a:extLst>
+          </p:cNvPr>
+          <p:cNvPicPr>
+            <a:picLocks noChangeAspect="1" noChangeArrowheads="1"/>
+          </p:cNvPicPr>
+          <p:nvPr/>
+        </p:nvPicPr>
+        <p:blipFill>
+          <a:blip r:embed="rId3">
+            <a:extLst>
+              <a:ext uri="{28A0092B-C50C-407E-A947-70E740481C1C}">
+                <a14:useLocalDpi xmlns:a14="http://schemas.microsoft.com/office/drawing/2010/main" val="0"/>
+              </a:ext>
+            </a:extLst>
+          </a:blip>
+          <a:srcRect/>
+          <a:stretch>
+            <a:fillRect/>
+          </a:stretch>
+        </p:blipFill>
+        <p:spPr bwMode="auto">
+          <a:xfrm>
+            <a:off x="683568" y="3284984"/>
+            <a:ext cx="1909146" cy="1656184"/>
+          </a:xfrm>
+          <a:prstGeom prst="rect">
+            <a:avLst/>
+          </a:prstGeom>
+          <a:noFill/>
+          <a:extLst>
+            <a:ext uri="{909E8E84-426E-40DD-AFC4-6F175D3DCCD1}">
+              <a14:hiddenFill xmlns:a14="http://schemas.microsoft.com/office/drawing/2010/main">
+                <a:solidFill>
+                  <a:srgbClr val="FFFFFF"/>
+                </a:solidFill>
+              </a14:hiddenFill>
+            </a:ext>
+          </a:extLst>
+        </p:spPr>
+      </p:pic>
+      <p:pic>
+        <p:nvPicPr>
+          <p:cNvPr id="1030" name="Picture 6" descr="やかんがストーブの上に置かれたイラスト">
+            <a:extLst>
+              <a:ext uri="{FF2B5EF4-FFF2-40B4-BE49-F238E27FC236}">
+                <a16:creationId xmlns:a16="http://schemas.microsoft.com/office/drawing/2014/main" id="{EC9A345E-FEE2-B888-FA04-1E92C95F39AA}"/>
+              </a:ext>
+            </a:extLst>
+          </p:cNvPr>
+          <p:cNvPicPr>
+            <a:picLocks noChangeAspect="1" noChangeArrowheads="1"/>
+          </p:cNvPicPr>
+          <p:nvPr/>
+        </p:nvPicPr>
+        <p:blipFill>
+          <a:blip r:embed="rId4" cstate="print">
+            <a:extLst>
+              <a:ext uri="{28A0092B-C50C-407E-A947-70E740481C1C}">
+                <a14:useLocalDpi xmlns:a14="http://schemas.microsoft.com/office/drawing/2010/main" val="0"/>
+              </a:ext>
+            </a:extLst>
+          </a:blip>
+          <a:srcRect/>
+          <a:stretch>
+            <a:fillRect/>
+          </a:stretch>
+        </p:blipFill>
+        <p:spPr bwMode="auto">
+          <a:xfrm>
+            <a:off x="6444208" y="3284984"/>
+            <a:ext cx="1263741" cy="1440160"/>
+          </a:xfrm>
+          <a:prstGeom prst="rect">
+            <a:avLst/>
+          </a:prstGeom>
+          <a:noFill/>
+          <a:extLst>
+            <a:ext uri="{909E8E84-426E-40DD-AFC4-6F175D3DCCD1}">
+              <a14:hiddenFill xmlns:a14="http://schemas.microsoft.com/office/drawing/2010/main">
+                <a:solidFill>
+                  <a:srgbClr val="FFFFFF"/>
+                </a:solidFill>
+              </a14:hiddenFill>
+            </a:ext>
+          </a:extLst>
+        </p:spPr>
+      </p:pic>
+      <p:sp>
+        <p:nvSpPr>
+          <p:cNvPr id="3" name="テキスト ボックス 2">
+            <a:extLst>
+              <a:ext uri="{FF2B5EF4-FFF2-40B4-BE49-F238E27FC236}">
+                <a16:creationId xmlns:a16="http://schemas.microsoft.com/office/drawing/2014/main" id="{71C33B41-CC25-7BA4-6BF2-CFE9819CE089}"/>
+              </a:ext>
+            </a:extLst>
+          </p:cNvPr>
+          <p:cNvSpPr txBox="1"/>
+          <p:nvPr/>
+        </p:nvSpPr>
+        <p:spPr>
+          <a:xfrm>
+            <a:off x="755576" y="1988840"/>
+            <a:ext cx="7366119" cy="523220"/>
+          </a:xfrm>
+          <a:prstGeom prst="rect">
+            <a:avLst/>
+          </a:prstGeom>
+          <a:noFill/>
+        </p:spPr>
+        <p:txBody>
+          <a:bodyPr wrap="none" rtlCol="0">
+            <a:spAutoFit/>
+          </a:bodyPr>
+          <a:lstStyle/>
+          <a:p>
+            <a:r>
+              <a:rPr kumimoji="1" lang="ja-JP" altLang="en-US" sz="2800"/>
+              <a:t>水は、温度や圧力によって様々な状態をとる</a:t>
+            </a:r>
+          </a:p>
+        </p:txBody>
+      </p:sp>
+      <p:sp>
+        <p:nvSpPr>
+          <p:cNvPr id="4" name="テキスト ボックス 3">
+            <a:extLst>
+              <a:ext uri="{FF2B5EF4-FFF2-40B4-BE49-F238E27FC236}">
+                <a16:creationId xmlns:a16="http://schemas.microsoft.com/office/drawing/2014/main" id="{4883D76E-1073-4353-F38A-380E4D40E7A2}"/>
+              </a:ext>
+            </a:extLst>
+          </p:cNvPr>
+          <p:cNvSpPr txBox="1"/>
+          <p:nvPr/>
+        </p:nvSpPr>
+        <p:spPr>
+          <a:xfrm>
+            <a:off x="755576" y="2636912"/>
+            <a:ext cx="1502334" cy="523220"/>
+          </a:xfrm>
+          <a:prstGeom prst="rect">
+            <a:avLst/>
+          </a:prstGeom>
+          <a:noFill/>
+        </p:spPr>
+        <p:txBody>
+          <a:bodyPr wrap="none" rtlCol="0">
+            <a:spAutoFit/>
+          </a:bodyPr>
+          <a:lstStyle/>
+          <a:p>
+            <a:r>
+              <a:rPr lang="ja-JP" altLang="en-US" sz="2800"/>
+              <a:t>固体</a:t>
+            </a:r>
+            <a:r>
+              <a:rPr lang="en-US" altLang="ja-JP" sz="2800"/>
+              <a:t>(</a:t>
+            </a:r>
+            <a:r>
+              <a:rPr lang="ja-JP" altLang="en-US" sz="2800"/>
+              <a:t>氷</a:t>
+            </a:r>
+            <a:r>
+              <a:rPr lang="en-US" altLang="ja-JP" sz="2800"/>
+              <a:t>)</a:t>
+            </a:r>
+            <a:endParaRPr kumimoji="1" lang="ja-JP" altLang="en-US" sz="2800"/>
+          </a:p>
+        </p:txBody>
+      </p:sp>
+      <p:sp>
+        <p:nvSpPr>
+          <p:cNvPr id="9" name="テキスト ボックス 8">
+            <a:extLst>
+              <a:ext uri="{FF2B5EF4-FFF2-40B4-BE49-F238E27FC236}">
+                <a16:creationId xmlns:a16="http://schemas.microsoft.com/office/drawing/2014/main" id="{8B75E536-2F03-D6EE-62CA-177468131CFD}"/>
+              </a:ext>
+            </a:extLst>
+          </p:cNvPr>
+          <p:cNvSpPr txBox="1"/>
+          <p:nvPr/>
+        </p:nvSpPr>
+        <p:spPr>
+          <a:xfrm>
+            <a:off x="3563888" y="2636912"/>
+            <a:ext cx="1502334" cy="523220"/>
+          </a:xfrm>
+          <a:prstGeom prst="rect">
+            <a:avLst/>
+          </a:prstGeom>
+          <a:noFill/>
+        </p:spPr>
+        <p:txBody>
+          <a:bodyPr wrap="none" rtlCol="0">
+            <a:spAutoFit/>
+          </a:bodyPr>
+          <a:lstStyle/>
+          <a:p>
+            <a:r>
+              <a:rPr lang="ja-JP" altLang="en-US" sz="2800"/>
+              <a:t>液体</a:t>
+            </a:r>
+            <a:r>
+              <a:rPr lang="en-US" altLang="ja-JP" sz="2800"/>
+              <a:t>(</a:t>
+            </a:r>
+            <a:r>
+              <a:rPr lang="ja-JP" altLang="en-US" sz="2800"/>
+              <a:t>水</a:t>
+            </a:r>
+            <a:r>
+              <a:rPr lang="en-US" altLang="ja-JP" sz="2800"/>
+              <a:t>)</a:t>
+            </a:r>
+            <a:endParaRPr kumimoji="1" lang="ja-JP" altLang="en-US" sz="2800"/>
+          </a:p>
+        </p:txBody>
+      </p:sp>
+      <p:sp>
+        <p:nvSpPr>
+          <p:cNvPr id="10" name="テキスト ボックス 9">
+            <a:extLst>
+              <a:ext uri="{FF2B5EF4-FFF2-40B4-BE49-F238E27FC236}">
+                <a16:creationId xmlns:a16="http://schemas.microsoft.com/office/drawing/2014/main" id="{5116DFD3-8F1E-6B45-B4CD-D9B6606B431F}"/>
+              </a:ext>
+            </a:extLst>
+          </p:cNvPr>
+          <p:cNvSpPr txBox="1"/>
+          <p:nvPr/>
+        </p:nvSpPr>
+        <p:spPr>
+          <a:xfrm>
+            <a:off x="6156176" y="2636912"/>
+            <a:ext cx="2220480" cy="523220"/>
+          </a:xfrm>
+          <a:prstGeom prst="rect">
+            <a:avLst/>
+          </a:prstGeom>
+          <a:noFill/>
+        </p:spPr>
+        <p:txBody>
+          <a:bodyPr wrap="none" rtlCol="0">
+            <a:spAutoFit/>
+          </a:bodyPr>
+          <a:lstStyle/>
+          <a:p>
+            <a:r>
+              <a:rPr lang="ja-JP" altLang="en-US" sz="2800"/>
+              <a:t>気体</a:t>
+            </a:r>
+            <a:r>
+              <a:rPr lang="en-US" altLang="ja-JP" sz="2800"/>
+              <a:t>(</a:t>
+            </a:r>
+            <a:r>
+              <a:rPr lang="ja-JP" altLang="en-US" sz="2800"/>
+              <a:t>水蒸気</a:t>
+            </a:r>
+            <a:r>
+              <a:rPr lang="en-US" altLang="ja-JP" sz="2800"/>
+              <a:t>)</a:t>
+            </a:r>
+            <a:endParaRPr kumimoji="1" lang="ja-JP" altLang="en-US" sz="2800"/>
+          </a:p>
+        </p:txBody>
+      </p:sp>
+      <p:grpSp>
+        <p:nvGrpSpPr>
+          <p:cNvPr id="8" name="グループ化 7">
+            <a:extLst>
+              <a:ext uri="{FF2B5EF4-FFF2-40B4-BE49-F238E27FC236}">
+                <a16:creationId xmlns:a16="http://schemas.microsoft.com/office/drawing/2014/main" id="{49EF7AA4-DC8D-FBF4-08DE-E48047AFBFA0}"/>
+              </a:ext>
+            </a:extLst>
+          </p:cNvPr>
+          <p:cNvGrpSpPr/>
+          <p:nvPr/>
+        </p:nvGrpSpPr>
+        <p:grpSpPr>
+          <a:xfrm>
+            <a:off x="827584" y="5053816"/>
+            <a:ext cx="1258336" cy="1706984"/>
+            <a:chOff x="2483768" y="3774504"/>
+            <a:chExt cx="2310507" cy="3134296"/>
+          </a:xfrm>
+        </p:grpSpPr>
+        <p:pic>
+          <p:nvPicPr>
+            <p:cNvPr id="1034" name="Picture 10">
+              <a:extLst>
+                <a:ext uri="{FF2B5EF4-FFF2-40B4-BE49-F238E27FC236}">
+                  <a16:creationId xmlns:a16="http://schemas.microsoft.com/office/drawing/2014/main" id="{7227DB26-6296-B115-C6F2-1933541BCF93}"/>
+                </a:ext>
+              </a:extLst>
+            </p:cNvPr>
+            <p:cNvPicPr>
+              <a:picLocks noChangeAspect="1" noChangeArrowheads="1"/>
+            </p:cNvPicPr>
+            <p:nvPr/>
+          </p:nvPicPr>
+          <p:blipFill>
+            <a:blip r:embed="rId5" cstate="print">
+              <a:extLst>
+                <a:ext uri="{28A0092B-C50C-407E-A947-70E740481C1C}">
+                  <a14:useLocalDpi xmlns:a14="http://schemas.microsoft.com/office/drawing/2010/main" val="0"/>
+                </a:ext>
+              </a:extLst>
+            </a:blip>
+            <a:srcRect/>
+            <a:stretch>
+              <a:fillRect/>
+            </a:stretch>
+          </p:blipFill>
+          <p:spPr bwMode="auto">
+            <a:xfrm>
+              <a:off x="2483768" y="3774504"/>
+              <a:ext cx="2310507" cy="3134296"/>
+            </a:xfrm>
+            <a:prstGeom prst="rect">
+              <a:avLst/>
+            </a:prstGeom>
+            <a:noFill/>
+            <a:extLst>
+              <a:ext uri="{909E8E84-426E-40DD-AFC4-6F175D3DCCD1}">
+                <a14:hiddenFill xmlns:a14="http://schemas.microsoft.com/office/drawing/2010/main">
+                  <a:solidFill>
+                    <a:srgbClr val="FFFFFF"/>
+                  </a:solidFill>
+                </a14:hiddenFill>
+              </a:ext>
+            </a:extLst>
+          </p:spPr>
+        </p:pic>
+        <p:grpSp>
+          <p:nvGrpSpPr>
+            <p:cNvPr id="7" name="グループ化 6">
+              <a:extLst>
+                <a:ext uri="{FF2B5EF4-FFF2-40B4-BE49-F238E27FC236}">
+                  <a16:creationId xmlns:a16="http://schemas.microsoft.com/office/drawing/2014/main" id="{DBC5A989-25DC-CBAF-425C-B16A83767E4F}"/>
+                </a:ext>
+              </a:extLst>
+            </p:cNvPr>
+            <p:cNvGrpSpPr/>
+            <p:nvPr/>
+          </p:nvGrpSpPr>
+          <p:grpSpPr>
+            <a:xfrm>
+              <a:off x="2843808" y="4703936"/>
+              <a:ext cx="604974" cy="648072"/>
+              <a:chOff x="1331640" y="5373216"/>
+              <a:chExt cx="855712" cy="916672"/>
+            </a:xfrm>
+          </p:grpSpPr>
+          <p:sp>
+            <p:nvSpPr>
+              <p:cNvPr id="14" name="楕円 13">
+                <a:extLst>
+                  <a:ext uri="{FF2B5EF4-FFF2-40B4-BE49-F238E27FC236}">
+                    <a16:creationId xmlns:a16="http://schemas.microsoft.com/office/drawing/2014/main" id="{34DB852F-C98A-76BA-2F2B-4CE035339A8C}"/>
+                  </a:ext>
+                </a:extLst>
+              </p:cNvPr>
+              <p:cNvSpPr/>
+              <p:nvPr/>
+            </p:nvSpPr>
+            <p:spPr>
+              <a:xfrm>
+                <a:off x="1835696" y="5578192"/>
+                <a:ext cx="351656" cy="351656"/>
+              </a:xfrm>
+              <a:prstGeom prst="ellipse">
+                <a:avLst/>
+              </a:prstGeom>
+              <a:solidFill>
+                <a:srgbClr val="011893"/>
+              </a:solidFill>
+              <a:ln>
+                <a:solidFill>
+                  <a:schemeClr val="tx1"/>
+                </a:solidFill>
+              </a:ln>
+            </p:spPr>
+            <p:style>
+              <a:lnRef idx="2">
+                <a:schemeClr val="accent1">
+                  <a:shade val="50000"/>
+                </a:schemeClr>
+              </a:lnRef>
+              <a:fillRef idx="1">
+                <a:schemeClr val="accent1"/>
+              </a:fillRef>
+              <a:effectRef idx="0">
+                <a:schemeClr val="accent1"/>
+              </a:effectRef>
+              <a:fontRef idx="minor">
+                <a:schemeClr val="lt1"/>
+              </a:fontRef>
+            </p:style>
+            <p:txBody>
+              <a:bodyPr rtlCol="0" anchor="ctr"/>
+              <a:lstStyle/>
+              <a:p>
+                <a:pPr algn="ctr"/>
+                <a:endParaRPr kumimoji="1" lang="ja-JP" altLang="en-US"/>
+              </a:p>
+            </p:txBody>
+          </p:sp>
+          <p:sp>
+            <p:nvSpPr>
+              <p:cNvPr id="6" name="楕円 5">
+                <a:extLst>
+                  <a:ext uri="{FF2B5EF4-FFF2-40B4-BE49-F238E27FC236}">
+                    <a16:creationId xmlns:a16="http://schemas.microsoft.com/office/drawing/2014/main" id="{056B9C90-2A85-7A5A-A766-E48C14651C68}"/>
+                  </a:ext>
+                </a:extLst>
+              </p:cNvPr>
+              <p:cNvSpPr/>
+              <p:nvPr/>
+            </p:nvSpPr>
+            <p:spPr>
+              <a:xfrm>
+                <a:off x="1331640" y="5373216"/>
+                <a:ext cx="648072" cy="648072"/>
+              </a:xfrm>
+              <a:prstGeom prst="ellipse">
+                <a:avLst/>
+              </a:prstGeom>
+              <a:solidFill>
+                <a:srgbClr val="00B0F0"/>
+              </a:solidFill>
+              <a:ln>
+                <a:solidFill>
+                  <a:schemeClr val="tx1"/>
+                </a:solidFill>
+              </a:ln>
+            </p:spPr>
+            <p:style>
+              <a:lnRef idx="2">
+                <a:schemeClr val="accent1">
+                  <a:shade val="50000"/>
+                </a:schemeClr>
+              </a:lnRef>
+              <a:fillRef idx="1">
+                <a:schemeClr val="accent1"/>
+              </a:fillRef>
+              <a:effectRef idx="0">
+                <a:schemeClr val="accent1"/>
+              </a:effectRef>
+              <a:fontRef idx="minor">
+                <a:schemeClr val="lt1"/>
+              </a:fontRef>
+            </p:style>
+            <p:txBody>
+              <a:bodyPr rtlCol="0" anchor="ctr"/>
+              <a:lstStyle/>
+              <a:p>
+                <a:pPr algn="ctr"/>
+                <a:endParaRPr kumimoji="1" lang="ja-JP" altLang="en-US"/>
+              </a:p>
+            </p:txBody>
+          </p:sp>
+          <p:sp>
+            <p:nvSpPr>
+              <p:cNvPr id="13" name="楕円 12">
+                <a:extLst>
+                  <a:ext uri="{FF2B5EF4-FFF2-40B4-BE49-F238E27FC236}">
+                    <a16:creationId xmlns:a16="http://schemas.microsoft.com/office/drawing/2014/main" id="{7177E335-15AE-F216-C48F-0245D892CDEF}"/>
+                  </a:ext>
+                </a:extLst>
+              </p:cNvPr>
+              <p:cNvSpPr/>
+              <p:nvPr/>
+            </p:nvSpPr>
+            <p:spPr>
+              <a:xfrm>
+                <a:off x="1331640" y="5938232"/>
+                <a:ext cx="351656" cy="351656"/>
+              </a:xfrm>
+              <a:prstGeom prst="ellipse">
+                <a:avLst/>
+              </a:prstGeom>
+              <a:solidFill>
+                <a:srgbClr val="011893"/>
+              </a:solidFill>
+              <a:ln>
+                <a:solidFill>
+                  <a:schemeClr val="tx1"/>
+                </a:solidFill>
+              </a:ln>
+            </p:spPr>
+            <p:style>
+              <a:lnRef idx="2">
+                <a:schemeClr val="accent1">
+                  <a:shade val="50000"/>
+                </a:schemeClr>
+              </a:lnRef>
+              <a:fillRef idx="1">
+                <a:schemeClr val="accent1"/>
+              </a:fillRef>
+              <a:effectRef idx="0">
+                <a:schemeClr val="accent1"/>
+              </a:effectRef>
+              <a:fontRef idx="minor">
+                <a:schemeClr val="lt1"/>
+              </a:fontRef>
+            </p:style>
+            <p:txBody>
+              <a:bodyPr rtlCol="0" anchor="ctr"/>
+              <a:lstStyle/>
+              <a:p>
+                <a:pPr algn="ctr"/>
+                <a:endParaRPr kumimoji="1" lang="ja-JP" altLang="en-US"/>
+              </a:p>
+            </p:txBody>
+          </p:sp>
+        </p:grpSp>
+        <p:grpSp>
+          <p:nvGrpSpPr>
+            <p:cNvPr id="16" name="グループ化 15">
+              <a:extLst>
+                <a:ext uri="{FF2B5EF4-FFF2-40B4-BE49-F238E27FC236}">
+                  <a16:creationId xmlns:a16="http://schemas.microsoft.com/office/drawing/2014/main" id="{8B0B8AE0-4400-81F2-8FBB-FA5F67F76F57}"/>
+                </a:ext>
+              </a:extLst>
+            </p:cNvPr>
+            <p:cNvGrpSpPr/>
+            <p:nvPr/>
+          </p:nvGrpSpPr>
+          <p:grpSpPr>
+            <a:xfrm rot="4500000">
+              <a:off x="3305127" y="4161125"/>
+              <a:ext cx="690021" cy="739177"/>
+              <a:chOff x="1331640" y="5373216"/>
+              <a:chExt cx="855712" cy="916672"/>
+            </a:xfrm>
+          </p:grpSpPr>
+          <p:sp>
+            <p:nvSpPr>
+              <p:cNvPr id="17" name="楕円 16">
+                <a:extLst>
+                  <a:ext uri="{FF2B5EF4-FFF2-40B4-BE49-F238E27FC236}">
+                    <a16:creationId xmlns:a16="http://schemas.microsoft.com/office/drawing/2014/main" id="{F5905039-CDDA-A449-63C6-3FE2D1A10FE1}"/>
+                  </a:ext>
+                </a:extLst>
+              </p:cNvPr>
+              <p:cNvSpPr/>
+              <p:nvPr/>
+            </p:nvSpPr>
+            <p:spPr>
+              <a:xfrm>
+                <a:off x="1835696" y="5578192"/>
+                <a:ext cx="351656" cy="351656"/>
+              </a:xfrm>
+              <a:prstGeom prst="ellipse">
+                <a:avLst/>
+              </a:prstGeom>
+              <a:solidFill>
+                <a:srgbClr val="011893"/>
+              </a:solidFill>
+              <a:ln>
+                <a:solidFill>
+                  <a:schemeClr val="tx1"/>
+                </a:solidFill>
+              </a:ln>
+            </p:spPr>
+            <p:style>
+              <a:lnRef idx="2">
+                <a:schemeClr val="accent1">
+                  <a:shade val="50000"/>
+                </a:schemeClr>
+              </a:lnRef>
+              <a:fillRef idx="1">
+                <a:schemeClr val="accent1"/>
+              </a:fillRef>
+              <a:effectRef idx="0">
+                <a:schemeClr val="accent1"/>
+              </a:effectRef>
+              <a:fontRef idx="minor">
+                <a:schemeClr val="lt1"/>
+              </a:fontRef>
+            </p:style>
+            <p:txBody>
+              <a:bodyPr rtlCol="0" anchor="ctr"/>
+              <a:lstStyle/>
+              <a:p>
+                <a:pPr algn="ctr"/>
+                <a:endParaRPr kumimoji="1" lang="ja-JP" altLang="en-US"/>
+              </a:p>
+            </p:txBody>
+          </p:sp>
+          <p:sp>
+            <p:nvSpPr>
+              <p:cNvPr id="18" name="楕円 17">
+                <a:extLst>
+                  <a:ext uri="{FF2B5EF4-FFF2-40B4-BE49-F238E27FC236}">
+                    <a16:creationId xmlns:a16="http://schemas.microsoft.com/office/drawing/2014/main" id="{261A90BF-E414-499F-6D12-D88C7AEE06A1}"/>
+                  </a:ext>
+                </a:extLst>
+              </p:cNvPr>
+              <p:cNvSpPr/>
+              <p:nvPr/>
+            </p:nvSpPr>
+            <p:spPr>
+              <a:xfrm>
+                <a:off x="1331640" y="5373216"/>
+                <a:ext cx="648072" cy="648072"/>
+              </a:xfrm>
+              <a:prstGeom prst="ellipse">
+                <a:avLst/>
+              </a:prstGeom>
+              <a:solidFill>
+                <a:srgbClr val="00B0F0"/>
+              </a:solidFill>
+              <a:ln>
+                <a:solidFill>
+                  <a:schemeClr val="tx1"/>
+                </a:solidFill>
+              </a:ln>
+            </p:spPr>
+            <p:style>
+              <a:lnRef idx="2">
+                <a:schemeClr val="accent1">
+                  <a:shade val="50000"/>
+                </a:schemeClr>
+              </a:lnRef>
+              <a:fillRef idx="1">
+                <a:schemeClr val="accent1"/>
+              </a:fillRef>
+              <a:effectRef idx="0">
+                <a:schemeClr val="accent1"/>
+              </a:effectRef>
+              <a:fontRef idx="minor">
+                <a:schemeClr val="lt1"/>
+              </a:fontRef>
+            </p:style>
+            <p:txBody>
+              <a:bodyPr rtlCol="0" anchor="ctr"/>
+              <a:lstStyle/>
+              <a:p>
+                <a:pPr algn="ctr"/>
+                <a:endParaRPr kumimoji="1" lang="ja-JP" altLang="en-US"/>
+              </a:p>
+            </p:txBody>
+          </p:sp>
+          <p:sp>
+            <p:nvSpPr>
+              <p:cNvPr id="19" name="楕円 18">
+                <a:extLst>
+                  <a:ext uri="{FF2B5EF4-FFF2-40B4-BE49-F238E27FC236}">
+                    <a16:creationId xmlns:a16="http://schemas.microsoft.com/office/drawing/2014/main" id="{ECE80AE2-691C-32E8-485C-04BD923B290F}"/>
+                  </a:ext>
+                </a:extLst>
+              </p:cNvPr>
+              <p:cNvSpPr/>
+              <p:nvPr/>
+            </p:nvSpPr>
+            <p:spPr>
+              <a:xfrm>
+                <a:off x="1331640" y="5938232"/>
+                <a:ext cx="351656" cy="351656"/>
+              </a:xfrm>
+              <a:prstGeom prst="ellipse">
+                <a:avLst/>
+              </a:prstGeom>
+              <a:solidFill>
+                <a:srgbClr val="011893"/>
+              </a:solidFill>
+              <a:ln>
+                <a:solidFill>
+                  <a:schemeClr val="tx1"/>
+                </a:solidFill>
+              </a:ln>
+            </p:spPr>
+            <p:style>
+              <a:lnRef idx="2">
+                <a:schemeClr val="accent1">
+                  <a:shade val="50000"/>
+                </a:schemeClr>
+              </a:lnRef>
+              <a:fillRef idx="1">
+                <a:schemeClr val="accent1"/>
+              </a:fillRef>
+              <a:effectRef idx="0">
+                <a:schemeClr val="accent1"/>
+              </a:effectRef>
+              <a:fontRef idx="minor">
+                <a:schemeClr val="lt1"/>
+              </a:fontRef>
+            </p:style>
+            <p:txBody>
+              <a:bodyPr rtlCol="0" anchor="ctr"/>
+              <a:lstStyle/>
+              <a:p>
+                <a:pPr algn="ctr"/>
+                <a:endParaRPr kumimoji="1" lang="ja-JP" altLang="en-US"/>
+              </a:p>
+            </p:txBody>
+          </p:sp>
+        </p:grpSp>
+        <p:grpSp>
+          <p:nvGrpSpPr>
+            <p:cNvPr id="20" name="グループ化 19">
+              <a:extLst>
+                <a:ext uri="{FF2B5EF4-FFF2-40B4-BE49-F238E27FC236}">
+                  <a16:creationId xmlns:a16="http://schemas.microsoft.com/office/drawing/2014/main" id="{F5A8D4B4-D95F-0C88-7BBB-1DF169AB9A5E}"/>
+                </a:ext>
+              </a:extLst>
+            </p:cNvPr>
+            <p:cNvGrpSpPr/>
+            <p:nvPr/>
+          </p:nvGrpSpPr>
+          <p:grpSpPr>
+            <a:xfrm rot="10800000">
+              <a:off x="3491880" y="4631928"/>
+              <a:ext cx="855712" cy="916672"/>
+              <a:chOff x="1331640" y="5373216"/>
+              <a:chExt cx="855712" cy="916672"/>
+            </a:xfrm>
+          </p:grpSpPr>
+          <p:sp>
+            <p:nvSpPr>
+              <p:cNvPr id="21" name="楕円 20">
+                <a:extLst>
+                  <a:ext uri="{FF2B5EF4-FFF2-40B4-BE49-F238E27FC236}">
+                    <a16:creationId xmlns:a16="http://schemas.microsoft.com/office/drawing/2014/main" id="{A3D54C44-E407-FFF6-AD05-B1930773D22E}"/>
+                  </a:ext>
+                </a:extLst>
+              </p:cNvPr>
+              <p:cNvSpPr/>
+              <p:nvPr/>
+            </p:nvSpPr>
+            <p:spPr>
+              <a:xfrm>
+                <a:off x="1835696" y="5578192"/>
+                <a:ext cx="351656" cy="351656"/>
+              </a:xfrm>
+              <a:prstGeom prst="ellipse">
+                <a:avLst/>
+              </a:prstGeom>
+              <a:solidFill>
+                <a:srgbClr val="011893"/>
+              </a:solidFill>
+              <a:ln>
+                <a:solidFill>
+                  <a:schemeClr val="tx1"/>
+                </a:solidFill>
+              </a:ln>
+            </p:spPr>
+            <p:style>
+              <a:lnRef idx="2">
+                <a:schemeClr val="accent1">
+                  <a:shade val="50000"/>
+                </a:schemeClr>
+              </a:lnRef>
+              <a:fillRef idx="1">
+                <a:schemeClr val="accent1"/>
+              </a:fillRef>
+              <a:effectRef idx="0">
+                <a:schemeClr val="accent1"/>
+              </a:effectRef>
+              <a:fontRef idx="minor">
+                <a:schemeClr val="lt1"/>
+              </a:fontRef>
+            </p:style>
+            <p:txBody>
+              <a:bodyPr rtlCol="0" anchor="ctr"/>
+              <a:lstStyle/>
+              <a:p>
+                <a:pPr algn="ctr"/>
+                <a:endParaRPr kumimoji="1" lang="ja-JP" altLang="en-US"/>
+              </a:p>
+            </p:txBody>
+          </p:sp>
+          <p:sp>
+            <p:nvSpPr>
+              <p:cNvPr id="22" name="楕円 21">
+                <a:extLst>
+                  <a:ext uri="{FF2B5EF4-FFF2-40B4-BE49-F238E27FC236}">
+                    <a16:creationId xmlns:a16="http://schemas.microsoft.com/office/drawing/2014/main" id="{3A52BF0F-6182-01F8-7B88-20AD2C1955F7}"/>
+                  </a:ext>
+                </a:extLst>
+              </p:cNvPr>
+              <p:cNvSpPr/>
+              <p:nvPr/>
+            </p:nvSpPr>
+            <p:spPr>
+              <a:xfrm>
+                <a:off x="1331640" y="5373216"/>
+                <a:ext cx="648072" cy="648072"/>
+              </a:xfrm>
+              <a:prstGeom prst="ellipse">
+                <a:avLst/>
+              </a:prstGeom>
+              <a:solidFill>
+                <a:srgbClr val="00B0F0"/>
+              </a:solidFill>
+              <a:ln>
+                <a:solidFill>
+                  <a:schemeClr val="tx1"/>
+                </a:solidFill>
+              </a:ln>
+            </p:spPr>
+            <p:style>
+              <a:lnRef idx="2">
+                <a:schemeClr val="accent1">
+                  <a:shade val="50000"/>
+                </a:schemeClr>
+              </a:lnRef>
+              <a:fillRef idx="1">
+                <a:schemeClr val="accent1"/>
+              </a:fillRef>
+              <a:effectRef idx="0">
+                <a:schemeClr val="accent1"/>
+              </a:effectRef>
+              <a:fontRef idx="minor">
+                <a:schemeClr val="lt1"/>
+              </a:fontRef>
+            </p:style>
+            <p:txBody>
+              <a:bodyPr rtlCol="0" anchor="ctr"/>
+              <a:lstStyle/>
+              <a:p>
+                <a:pPr algn="ctr"/>
+                <a:endParaRPr kumimoji="1" lang="ja-JP" altLang="en-US"/>
+              </a:p>
+            </p:txBody>
+          </p:sp>
+          <p:sp>
+            <p:nvSpPr>
+              <p:cNvPr id="23" name="楕円 22">
+                <a:extLst>
+                  <a:ext uri="{FF2B5EF4-FFF2-40B4-BE49-F238E27FC236}">
+                    <a16:creationId xmlns:a16="http://schemas.microsoft.com/office/drawing/2014/main" id="{4AB1C3B9-F1B8-4430-427C-A14E58FB5354}"/>
+                  </a:ext>
+                </a:extLst>
+              </p:cNvPr>
+              <p:cNvSpPr/>
+              <p:nvPr/>
+            </p:nvSpPr>
+            <p:spPr>
+              <a:xfrm>
+                <a:off x="1331640" y="5938232"/>
+                <a:ext cx="351656" cy="351656"/>
+              </a:xfrm>
+              <a:prstGeom prst="ellipse">
+                <a:avLst/>
+              </a:prstGeom>
+              <a:solidFill>
+                <a:srgbClr val="011893"/>
+              </a:solidFill>
+              <a:ln>
+                <a:solidFill>
+                  <a:schemeClr val="tx1"/>
+                </a:solidFill>
+              </a:ln>
+            </p:spPr>
+            <p:style>
+              <a:lnRef idx="2">
+                <a:schemeClr val="accent1">
+                  <a:shade val="50000"/>
+                </a:schemeClr>
+              </a:lnRef>
+              <a:fillRef idx="1">
+                <a:schemeClr val="accent1"/>
+              </a:fillRef>
+              <a:effectRef idx="0">
+                <a:schemeClr val="accent1"/>
+              </a:effectRef>
+              <a:fontRef idx="minor">
+                <a:schemeClr val="lt1"/>
+              </a:fontRef>
+            </p:style>
+            <p:txBody>
+              <a:bodyPr rtlCol="0" anchor="ctr"/>
+              <a:lstStyle/>
+              <a:p>
+                <a:pPr algn="ctr"/>
+                <a:endParaRPr kumimoji="1" lang="ja-JP" altLang="en-US"/>
+              </a:p>
+            </p:txBody>
+          </p:sp>
+        </p:grpSp>
+      </p:grpSp>
+      <p:cxnSp>
+        <p:nvCxnSpPr>
+          <p:cNvPr id="15" name="直線コネクタ 14">
+            <a:extLst>
+              <a:ext uri="{FF2B5EF4-FFF2-40B4-BE49-F238E27FC236}">
+                <a16:creationId xmlns:a16="http://schemas.microsoft.com/office/drawing/2014/main" id="{6F62E517-590C-3AE0-4BDD-E1F2C4244E4A}"/>
+              </a:ext>
+            </a:extLst>
+          </p:cNvPr>
+          <p:cNvCxnSpPr>
+            <a:cxnSpLocks/>
+          </p:cNvCxnSpPr>
+          <p:nvPr/>
+        </p:nvCxnSpPr>
+        <p:spPr>
+          <a:xfrm flipV="1">
+            <a:off x="1763688" y="4293096"/>
+            <a:ext cx="2304256" cy="1800200"/>
+          </a:xfrm>
+          <a:prstGeom prst="line">
+            <a:avLst/>
+          </a:prstGeom>
+          <a:ln>
+            <a:solidFill>
+              <a:schemeClr val="tx1"/>
+            </a:solidFill>
+            <a:headEnd type="none" w="med" len="med"/>
+            <a:tailEnd type="none" w="med" len="med"/>
+          </a:ln>
+        </p:spPr>
+        <p:style>
+          <a:lnRef idx="1">
+            <a:schemeClr val="accent1"/>
+          </a:lnRef>
+          <a:fillRef idx="0">
+            <a:schemeClr val="accent1"/>
+          </a:fillRef>
+          <a:effectRef idx="0">
+            <a:schemeClr val="accent1"/>
+          </a:effectRef>
+          <a:fontRef idx="minor">
+            <a:schemeClr val="tx1"/>
+          </a:fontRef>
+        </p:style>
+      </p:cxnSp>
+      <p:cxnSp>
+        <p:nvCxnSpPr>
+          <p:cNvPr id="25" name="直線コネクタ 24">
+            <a:extLst>
+              <a:ext uri="{FF2B5EF4-FFF2-40B4-BE49-F238E27FC236}">
+                <a16:creationId xmlns:a16="http://schemas.microsoft.com/office/drawing/2014/main" id="{FFB93485-A9D1-D19F-6EA5-73334B4156B8}"/>
+              </a:ext>
+            </a:extLst>
+          </p:cNvPr>
+          <p:cNvCxnSpPr>
+            <a:cxnSpLocks/>
+          </p:cNvCxnSpPr>
+          <p:nvPr/>
+        </p:nvCxnSpPr>
+        <p:spPr>
+          <a:xfrm flipH="1">
+            <a:off x="1259632" y="4293096"/>
+            <a:ext cx="2808312" cy="864096"/>
+          </a:xfrm>
+          <a:prstGeom prst="line">
+            <a:avLst/>
+          </a:prstGeom>
+          <a:ln>
+            <a:solidFill>
+              <a:schemeClr val="tx1"/>
+            </a:solidFill>
+            <a:headEnd type="none" w="med" len="med"/>
+            <a:tailEnd type="none" w="med" len="med"/>
+          </a:ln>
+        </p:spPr>
+        <p:style>
+          <a:lnRef idx="1">
+            <a:schemeClr val="accent1"/>
+          </a:lnRef>
+          <a:fillRef idx="0">
+            <a:schemeClr val="accent1"/>
+          </a:fillRef>
+          <a:effectRef idx="0">
+            <a:schemeClr val="accent1"/>
+          </a:effectRef>
+          <a:fontRef idx="minor">
+            <a:schemeClr val="tx1"/>
+          </a:fontRef>
+        </p:style>
+      </p:cxnSp>
+      <p:sp>
+        <p:nvSpPr>
+          <p:cNvPr id="28" name="テキスト ボックス 27">
+            <a:extLst>
+              <a:ext uri="{FF2B5EF4-FFF2-40B4-BE49-F238E27FC236}">
+                <a16:creationId xmlns:a16="http://schemas.microsoft.com/office/drawing/2014/main" id="{B6D14E9A-BEF2-C308-A1DC-D2C88F610854}"/>
+              </a:ext>
+            </a:extLst>
+          </p:cNvPr>
+          <p:cNvSpPr txBox="1"/>
+          <p:nvPr/>
+        </p:nvSpPr>
+        <p:spPr>
+          <a:xfrm>
+            <a:off x="2339752" y="5733256"/>
+            <a:ext cx="4680519" cy="830997"/>
+          </a:xfrm>
+          <a:prstGeom prst="rect">
+            <a:avLst/>
+          </a:prstGeom>
+          <a:noFill/>
+        </p:spPr>
+        <p:txBody>
+          <a:bodyPr wrap="square" rtlCol="0">
+            <a:spAutoFit/>
+          </a:bodyPr>
+          <a:lstStyle/>
+          <a:p>
+            <a:r>
+              <a:rPr kumimoji="1" lang="ja-JP" altLang="en-US" sz="2400"/>
+              <a:t>ミクロにみると原子の性質は全く変わっていない</a:t>
+            </a:r>
+          </a:p>
+        </p:txBody>
+      </p:sp>
+      <p:sp>
+        <p:nvSpPr>
+          <p:cNvPr id="38" name="テキスト ボックス 37">
+            <a:extLst>
+              <a:ext uri="{FF2B5EF4-FFF2-40B4-BE49-F238E27FC236}">
+                <a16:creationId xmlns:a16="http://schemas.microsoft.com/office/drawing/2014/main" id="{1FAB2857-0D87-9985-4A18-04A4AC98E8A6}"/>
+              </a:ext>
+            </a:extLst>
+          </p:cNvPr>
+          <p:cNvSpPr txBox="1"/>
+          <p:nvPr/>
+        </p:nvSpPr>
+        <p:spPr>
+          <a:xfrm>
+            <a:off x="1691680" y="908720"/>
+            <a:ext cx="7344816" cy="830997"/>
+          </a:xfrm>
+          <a:prstGeom prst="rect">
+            <a:avLst/>
+          </a:prstGeom>
+          <a:noFill/>
+        </p:spPr>
+        <p:txBody>
+          <a:bodyPr wrap="square" rtlCol="0">
+            <a:spAutoFit/>
+          </a:bodyPr>
+          <a:lstStyle/>
+          <a:p>
+            <a:r>
+              <a:rPr kumimoji="1" lang="ja-JP" altLang="en-US" sz="2400"/>
+              <a:t>ミクロな構成要素が大量に集まり、外部パラメータにより</a:t>
+            </a:r>
+            <a:r>
+              <a:rPr lang="ja-JP" altLang="en-US" sz="2400"/>
+              <a:t>マクロな性質が大きく変わる現象</a:t>
+            </a:r>
+            <a:endParaRPr kumimoji="1" lang="ja-JP" altLang="en-US" sz="2400"/>
+          </a:p>
+        </p:txBody>
+      </p:sp>
+      <p:sp>
+        <p:nvSpPr>
+          <p:cNvPr id="39" name="テキスト ボックス 38">
+            <a:extLst>
+              <a:ext uri="{FF2B5EF4-FFF2-40B4-BE49-F238E27FC236}">
+                <a16:creationId xmlns:a16="http://schemas.microsoft.com/office/drawing/2014/main" id="{2075351B-1FC4-C149-3D89-19B40C8CE175}"/>
+              </a:ext>
+            </a:extLst>
+          </p:cNvPr>
+          <p:cNvSpPr txBox="1"/>
+          <p:nvPr/>
+        </p:nvSpPr>
+        <p:spPr>
+          <a:xfrm>
+            <a:off x="179512" y="1052736"/>
+            <a:ext cx="1415772" cy="584775"/>
+          </a:xfrm>
+          <a:prstGeom prst="rect">
+            <a:avLst/>
+          </a:prstGeom>
+          <a:noFill/>
+        </p:spPr>
+        <p:txBody>
+          <a:bodyPr wrap="none" rtlCol="0">
+            <a:spAutoFit/>
+          </a:bodyPr>
+          <a:lstStyle/>
+          <a:p>
+            <a:r>
+              <a:rPr kumimoji="1" lang="ja-JP" altLang="en-US" sz="3200"/>
+              <a:t>相転移</a:t>
+            </a:r>
+          </a:p>
+        </p:txBody>
+      </p:sp>
+    </p:spTree>
+    <p:extLst>
+      <p:ext uri="{BB962C8B-B14F-4D97-AF65-F5344CB8AC3E}">
+        <p14:creationId xmlns:p14="http://schemas.microsoft.com/office/powerpoint/2010/main" val="3979176541"/>
+      </p:ext>
+    </p:extLst>
+  </p:cSld>
+  <p:clrMapOvr>
+    <a:masterClrMapping/>
+  </p:clrMapOvr>
+</p:sld>
+</file>
+
+<file path=ppt/slides/slide7.xml><?xml version="1.0" encoding="utf-8"?>
+<p:sld xmlns:a="http://schemas.openxmlformats.org/drawingml/2006/main" xmlns:r="http://schemas.openxmlformats.org/officeDocument/2006/relationships" xmlns:p="http://schemas.openxmlformats.org/presentationml/2006/main">
+  <p:cSld>
+    <p:spTree>
+      <p:nvGrpSpPr>
+        <p:cNvPr id="1" name=""/>
+        <p:cNvGrpSpPr/>
+        <p:nvPr/>
+      </p:nvGrpSpPr>
+      <p:grpSpPr>
+        <a:xfrm>
+          <a:off x="0" y="0"/>
+          <a:ext cx="0" cy="0"/>
+          <a:chOff x="0" y="0"/>
+          <a:chExt cx="0" cy="0"/>
+        </a:xfrm>
+      </p:grpSpPr>
+      <p:sp>
+        <p:nvSpPr>
+          <p:cNvPr id="2" name="テキスト プレースホルダー 1">
+            <a:extLst>
+              <a:ext uri="{FF2B5EF4-FFF2-40B4-BE49-F238E27FC236}">
+                <a16:creationId xmlns:a16="http://schemas.microsoft.com/office/drawing/2014/main" id="{4AF6AEDC-3077-98EC-ECD5-AE4C16494C64}"/>
+              </a:ext>
+            </a:extLst>
+          </p:cNvPr>
+          <p:cNvSpPr>
+            <a:spLocks noGrp="1"/>
+          </p:cNvSpPr>
+          <p:nvPr>
+            <p:ph type="body" sz="quarter" idx="10"/>
+          </p:nvPr>
+        </p:nvSpPr>
+        <p:spPr/>
+        <p:txBody>
+          <a:bodyPr/>
+          <a:lstStyle/>
+          <a:p>
+            <a:r>
+              <a:rPr lang="ja-JP" altLang="en-US"/>
+              <a:t>気液転移</a:t>
+            </a:r>
+            <a:endParaRPr kumimoji="1" lang="ja-JP" altLang="en-US"/>
+          </a:p>
+        </p:txBody>
+      </p:sp>
+      <p:sp>
+        <p:nvSpPr>
+          <p:cNvPr id="3" name="テキスト ボックス 2">
+            <a:extLst>
+              <a:ext uri="{FF2B5EF4-FFF2-40B4-BE49-F238E27FC236}">
+                <a16:creationId xmlns:a16="http://schemas.microsoft.com/office/drawing/2014/main" id="{7698F085-A1D2-420B-DCD4-86B54401DCF3}"/>
+              </a:ext>
+            </a:extLst>
+          </p:cNvPr>
+          <p:cNvSpPr txBox="1"/>
+          <p:nvPr/>
+        </p:nvSpPr>
+        <p:spPr>
+          <a:xfrm>
+            <a:off x="319990" y="1052736"/>
+            <a:ext cx="8802410" cy="461665"/>
+          </a:xfrm>
+          <a:prstGeom prst="rect">
+            <a:avLst/>
+          </a:prstGeom>
+          <a:noFill/>
+        </p:spPr>
+        <p:txBody>
+          <a:bodyPr wrap="none" rtlCol="0">
+            <a:spAutoFit/>
+          </a:bodyPr>
+          <a:lstStyle/>
+          <a:p>
+            <a:r>
+              <a:rPr lang="ja-JP" altLang="en-US" sz="2400"/>
+              <a:t>相転移のうち液相と気相の間の相転移を特に気液転移と呼ぶ</a:t>
+            </a:r>
+            <a:endParaRPr kumimoji="1" lang="ja-JP" altLang="en-US" sz="2400"/>
+          </a:p>
+        </p:txBody>
+      </p:sp>
+      <p:grpSp>
+        <p:nvGrpSpPr>
+          <p:cNvPr id="16" name="グループ化 15">
+            <a:extLst>
+              <a:ext uri="{FF2B5EF4-FFF2-40B4-BE49-F238E27FC236}">
+                <a16:creationId xmlns:a16="http://schemas.microsoft.com/office/drawing/2014/main" id="{BF0DBA60-ECE3-5420-9BE9-6A329683A6F7}"/>
+              </a:ext>
+            </a:extLst>
+          </p:cNvPr>
+          <p:cNvGrpSpPr/>
+          <p:nvPr/>
+        </p:nvGrpSpPr>
+        <p:grpSpPr>
+          <a:xfrm>
+            <a:off x="1619672" y="2492896"/>
+            <a:ext cx="1728192" cy="2232248"/>
+            <a:chOff x="1547664" y="2852936"/>
+            <a:chExt cx="1728192" cy="2232248"/>
+          </a:xfrm>
+        </p:grpSpPr>
+        <p:sp>
+          <p:nvSpPr>
+            <p:cNvPr id="4" name="楕円 3">
+              <a:extLst>
+                <a:ext uri="{FF2B5EF4-FFF2-40B4-BE49-F238E27FC236}">
+                  <a16:creationId xmlns:a16="http://schemas.microsoft.com/office/drawing/2014/main" id="{934B66FA-22E7-61BB-CE4E-B985A4999C7A}"/>
+                </a:ext>
+              </a:extLst>
+            </p:cNvPr>
+            <p:cNvSpPr/>
+            <p:nvPr/>
+          </p:nvSpPr>
+          <p:spPr>
+            <a:xfrm>
+              <a:off x="1547664" y="2852936"/>
+              <a:ext cx="1728192" cy="504056"/>
+            </a:xfrm>
+            <a:prstGeom prst="ellipse">
+              <a:avLst/>
+            </a:prstGeom>
+            <a:noFill/>
+            <a:ln>
+              <a:solidFill>
+                <a:schemeClr val="tx1"/>
+              </a:solidFill>
+            </a:ln>
+          </p:spPr>
+          <p:style>
+            <a:lnRef idx="2">
+              <a:schemeClr val="accent1">
+                <a:shade val="50000"/>
+              </a:schemeClr>
+            </a:lnRef>
+            <a:fillRef idx="1">
+              <a:schemeClr val="accent1"/>
+            </a:fillRef>
+            <a:effectRef idx="0">
+              <a:schemeClr val="accent1"/>
+            </a:effectRef>
+            <a:fontRef idx="minor">
+              <a:schemeClr val="lt1"/>
+            </a:fontRef>
+          </p:style>
+          <p:txBody>
+            <a:bodyPr rtlCol="0" anchor="ctr"/>
+            <a:lstStyle/>
+            <a:p>
+              <a:pPr algn="ctr"/>
+              <a:endParaRPr kumimoji="1" lang="ja-JP" altLang="en-US"/>
+            </a:p>
+          </p:txBody>
+        </p:sp>
+        <p:sp>
+          <p:nvSpPr>
+            <p:cNvPr id="5" name="楕円 4">
+              <a:extLst>
+                <a:ext uri="{FF2B5EF4-FFF2-40B4-BE49-F238E27FC236}">
+                  <a16:creationId xmlns:a16="http://schemas.microsoft.com/office/drawing/2014/main" id="{A010AF2C-1F93-3575-5921-8EA756C8A2E4}"/>
+                </a:ext>
+              </a:extLst>
+            </p:cNvPr>
+            <p:cNvSpPr/>
+            <p:nvPr/>
+          </p:nvSpPr>
+          <p:spPr>
+            <a:xfrm>
+              <a:off x="1835696" y="4653136"/>
+              <a:ext cx="1152128" cy="432048"/>
+            </a:xfrm>
+            <a:prstGeom prst="ellipse">
+              <a:avLst/>
+            </a:prstGeom>
+            <a:noFill/>
+            <a:ln>
+              <a:solidFill>
+                <a:schemeClr val="tx1"/>
+              </a:solidFill>
+            </a:ln>
+          </p:spPr>
+          <p:style>
+            <a:lnRef idx="2">
+              <a:schemeClr val="accent1">
+                <a:shade val="50000"/>
+              </a:schemeClr>
+            </a:lnRef>
+            <a:fillRef idx="1">
+              <a:schemeClr val="accent1"/>
+            </a:fillRef>
+            <a:effectRef idx="0">
+              <a:schemeClr val="accent1"/>
+            </a:effectRef>
+            <a:fontRef idx="minor">
+              <a:schemeClr val="lt1"/>
+            </a:fontRef>
+          </p:style>
+          <p:txBody>
+            <a:bodyPr rtlCol="0" anchor="ctr"/>
+            <a:lstStyle/>
+            <a:p>
+              <a:pPr algn="ctr"/>
+              <a:endParaRPr kumimoji="1" lang="ja-JP" altLang="en-US"/>
+            </a:p>
+          </p:txBody>
+        </p:sp>
+        <p:cxnSp>
+          <p:nvCxnSpPr>
+            <p:cNvPr id="7" name="直線コネクタ 6">
+              <a:extLst>
+                <a:ext uri="{FF2B5EF4-FFF2-40B4-BE49-F238E27FC236}">
+                  <a16:creationId xmlns:a16="http://schemas.microsoft.com/office/drawing/2014/main" id="{D55EC6EA-3ADF-1C10-6F5B-972F65BF79C4}"/>
+                </a:ext>
+              </a:extLst>
+            </p:cNvPr>
+            <p:cNvCxnSpPr>
+              <a:stCxn id="4" idx="6"/>
+              <a:endCxn id="5" idx="6"/>
+            </p:cNvCxnSpPr>
+            <p:nvPr/>
+          </p:nvCxnSpPr>
+          <p:spPr>
+            <a:xfrm flipH="1">
+              <a:off x="2987824" y="3104964"/>
+              <a:ext cx="288032" cy="1764196"/>
+            </a:xfrm>
+            <a:prstGeom prst="line">
+              <a:avLst/>
+            </a:prstGeom>
+            <a:ln>
+              <a:solidFill>
+                <a:schemeClr val="tx1"/>
+              </a:solidFill>
+              <a:headEnd type="none" w="med" len="med"/>
+              <a:tailEnd type="none" w="med" len="med"/>
+            </a:ln>
+          </p:spPr>
+          <p:style>
+            <a:lnRef idx="1">
+              <a:schemeClr val="accent1"/>
+            </a:lnRef>
+            <a:fillRef idx="0">
+              <a:schemeClr val="accent1"/>
+            </a:fillRef>
+            <a:effectRef idx="0">
+              <a:schemeClr val="accent1"/>
+            </a:effectRef>
+            <a:fontRef idx="minor">
+              <a:schemeClr val="tx1"/>
+            </a:fontRef>
+          </p:style>
+        </p:cxnSp>
+        <p:cxnSp>
+          <p:nvCxnSpPr>
+            <p:cNvPr id="9" name="直線コネクタ 8">
+              <a:extLst>
+                <a:ext uri="{FF2B5EF4-FFF2-40B4-BE49-F238E27FC236}">
+                  <a16:creationId xmlns:a16="http://schemas.microsoft.com/office/drawing/2014/main" id="{2E522757-8643-3820-77F4-443E183BE47E}"/>
+                </a:ext>
+              </a:extLst>
+            </p:cNvPr>
+            <p:cNvCxnSpPr>
+              <a:stCxn id="4" idx="2"/>
+              <a:endCxn id="5" idx="2"/>
+            </p:cNvCxnSpPr>
+            <p:nvPr/>
+          </p:nvCxnSpPr>
+          <p:spPr>
+            <a:xfrm>
+              <a:off x="1547664" y="3104964"/>
+              <a:ext cx="288032" cy="1764196"/>
+            </a:xfrm>
+            <a:prstGeom prst="line">
+              <a:avLst/>
+            </a:prstGeom>
+            <a:ln>
+              <a:solidFill>
+                <a:schemeClr val="tx1"/>
+              </a:solidFill>
+              <a:headEnd type="none" w="med" len="med"/>
+              <a:tailEnd type="none" w="med" len="med"/>
+            </a:ln>
+          </p:spPr>
+          <p:style>
+            <a:lnRef idx="1">
+              <a:schemeClr val="accent1"/>
+            </a:lnRef>
+            <a:fillRef idx="0">
+              <a:schemeClr val="accent1"/>
+            </a:fillRef>
+            <a:effectRef idx="0">
+              <a:schemeClr val="accent1"/>
+            </a:effectRef>
+            <a:fontRef idx="minor">
+              <a:schemeClr val="tx1"/>
+            </a:fontRef>
+          </p:style>
+        </p:cxnSp>
+        <p:sp>
+          <p:nvSpPr>
+            <p:cNvPr id="10" name="楕円 9">
+              <a:extLst>
+                <a:ext uri="{FF2B5EF4-FFF2-40B4-BE49-F238E27FC236}">
+                  <a16:creationId xmlns:a16="http://schemas.microsoft.com/office/drawing/2014/main" id="{E0337C75-2B06-A927-E069-536665370DC4}"/>
+                </a:ext>
+              </a:extLst>
+            </p:cNvPr>
+            <p:cNvSpPr/>
+            <p:nvPr/>
+          </p:nvSpPr>
+          <p:spPr>
+            <a:xfrm>
+              <a:off x="1876336" y="4570080"/>
+              <a:ext cx="1080120" cy="432048"/>
+            </a:xfrm>
+            <a:prstGeom prst="ellipse">
+              <a:avLst/>
+            </a:prstGeom>
+            <a:solidFill>
+              <a:srgbClr val="00B0F0"/>
+            </a:solidFill>
+            <a:ln>
+              <a:noFill/>
+            </a:ln>
+          </p:spPr>
+          <p:style>
+            <a:lnRef idx="2">
+              <a:schemeClr val="accent1">
+                <a:shade val="50000"/>
+              </a:schemeClr>
+            </a:lnRef>
+            <a:fillRef idx="1">
+              <a:schemeClr val="accent1"/>
+            </a:fillRef>
+            <a:effectRef idx="0">
+              <a:schemeClr val="accent1"/>
+            </a:effectRef>
+            <a:fontRef idx="minor">
+              <a:schemeClr val="lt1"/>
+            </a:fontRef>
+          </p:style>
+          <p:txBody>
+            <a:bodyPr rtlCol="0" anchor="ctr"/>
+            <a:lstStyle/>
+            <a:p>
+              <a:pPr algn="ctr"/>
+              <a:endParaRPr kumimoji="1" lang="ja-JP" altLang="en-US"/>
+            </a:p>
+          </p:txBody>
+        </p:sp>
+        <p:sp>
+          <p:nvSpPr>
+            <p:cNvPr id="12" name="台形 11">
+              <a:extLst>
+                <a:ext uri="{FF2B5EF4-FFF2-40B4-BE49-F238E27FC236}">
+                  <a16:creationId xmlns:a16="http://schemas.microsoft.com/office/drawing/2014/main" id="{72ABA3AB-B59A-88DA-502B-CE204E8EE86B}"/>
+                </a:ext>
+              </a:extLst>
+            </p:cNvPr>
+            <p:cNvSpPr/>
+            <p:nvPr/>
+          </p:nvSpPr>
+          <p:spPr>
+            <a:xfrm flipV="1">
+              <a:off x="1660312" y="3633976"/>
+              <a:ext cx="1512168" cy="1152128"/>
+            </a:xfrm>
+            <a:prstGeom prst="trapezoid">
+              <a:avLst>
+                <a:gd name="adj" fmla="val 18416"/>
+              </a:avLst>
+            </a:prstGeom>
+            <a:solidFill>
+              <a:srgbClr val="00B0F0"/>
+            </a:solidFill>
+            <a:ln>
+              <a:noFill/>
+            </a:ln>
+          </p:spPr>
+          <p:style>
+            <a:lnRef idx="2">
+              <a:schemeClr val="accent1">
+                <a:shade val="50000"/>
+              </a:schemeClr>
+            </a:lnRef>
+            <a:fillRef idx="1">
+              <a:schemeClr val="accent1"/>
+            </a:fillRef>
+            <a:effectRef idx="0">
+              <a:schemeClr val="accent1"/>
+            </a:effectRef>
+            <a:fontRef idx="minor">
+              <a:schemeClr val="lt1"/>
+            </a:fontRef>
+          </p:style>
+          <p:txBody>
+            <a:bodyPr rtlCol="0" anchor="ctr"/>
+            <a:lstStyle/>
+            <a:p>
+              <a:pPr algn="ctr"/>
+              <a:endParaRPr kumimoji="1" lang="ja-JP" altLang="en-US"/>
+            </a:p>
+          </p:txBody>
+        </p:sp>
+        <p:sp>
+          <p:nvSpPr>
+            <p:cNvPr id="11" name="楕円 10">
+              <a:extLst>
+                <a:ext uri="{FF2B5EF4-FFF2-40B4-BE49-F238E27FC236}">
+                  <a16:creationId xmlns:a16="http://schemas.microsoft.com/office/drawing/2014/main" id="{4D0DB626-9E0B-1F45-9E6D-92AB5D115D17}"/>
+                </a:ext>
+              </a:extLst>
+            </p:cNvPr>
+            <p:cNvSpPr/>
+            <p:nvPr/>
+          </p:nvSpPr>
+          <p:spPr>
+            <a:xfrm>
+              <a:off x="1660312" y="3417952"/>
+              <a:ext cx="1512168" cy="432048"/>
+            </a:xfrm>
+            <a:prstGeom prst="ellipse">
+              <a:avLst/>
+            </a:prstGeom>
+            <a:solidFill>
+              <a:srgbClr val="47CFFF"/>
+            </a:solidFill>
+            <a:ln>
+              <a:noFill/>
+            </a:ln>
+          </p:spPr>
+          <p:style>
+            <a:lnRef idx="2">
+              <a:schemeClr val="accent1">
+                <a:shade val="50000"/>
+              </a:schemeClr>
+            </a:lnRef>
+            <a:fillRef idx="1">
+              <a:schemeClr val="accent1"/>
+            </a:fillRef>
+            <a:effectRef idx="0">
+              <a:schemeClr val="accent1"/>
+            </a:effectRef>
+            <a:fontRef idx="minor">
+              <a:schemeClr val="lt1"/>
+            </a:fontRef>
+          </p:style>
+          <p:txBody>
+            <a:bodyPr rtlCol="0" anchor="ctr"/>
+            <a:lstStyle/>
+            <a:p>
+              <a:pPr algn="ctr"/>
+              <a:endParaRPr kumimoji="1" lang="ja-JP" altLang="en-US"/>
+            </a:p>
+          </p:txBody>
+        </p:sp>
+      </p:grpSp>
+      <p:pic>
+        <p:nvPicPr>
+          <p:cNvPr id="2052" name="Picture 4" descr="アルコールランプと金網のイラスト">
+            <a:extLst>
+              <a:ext uri="{FF2B5EF4-FFF2-40B4-BE49-F238E27FC236}">
+                <a16:creationId xmlns:a16="http://schemas.microsoft.com/office/drawing/2014/main" id="{1CE562B4-D61B-CAB8-15B6-1468B3C02BF4}"/>
+              </a:ext>
+            </a:extLst>
+          </p:cNvPr>
+          <p:cNvPicPr>
+            <a:picLocks noChangeAspect="1" noChangeArrowheads="1"/>
+          </p:cNvPicPr>
+          <p:nvPr/>
+        </p:nvPicPr>
+        <p:blipFill>
+          <a:blip r:embed="rId2">
+            <a:extLst>
+              <a:ext uri="{28A0092B-C50C-407E-A947-70E740481C1C}">
+                <a14:useLocalDpi xmlns:a14="http://schemas.microsoft.com/office/drawing/2010/main" val="0"/>
+              </a:ext>
+            </a:extLst>
+          </a:blip>
+          <a:srcRect/>
+          <a:stretch>
+            <a:fillRect/>
+          </a:stretch>
+        </p:blipFill>
+        <p:spPr bwMode="auto">
+          <a:xfrm>
+            <a:off x="5737820" y="3370684"/>
+            <a:ext cx="1714500" cy="1714500"/>
+          </a:xfrm>
+          <a:prstGeom prst="rect">
+            <a:avLst/>
+          </a:prstGeom>
+          <a:noFill/>
+          <a:extLst>
+            <a:ext uri="{909E8E84-426E-40DD-AFC4-6F175D3DCCD1}">
+              <a14:hiddenFill xmlns:a14="http://schemas.microsoft.com/office/drawing/2010/main">
+                <a:solidFill>
+                  <a:srgbClr val="FFFFFF"/>
+                </a:solidFill>
+              </a14:hiddenFill>
+            </a:ext>
+          </a:extLst>
+        </p:spPr>
+      </p:pic>
+      <p:pic>
+        <p:nvPicPr>
+          <p:cNvPr id="2050" name="Picture 2" descr="ビーカーのイラスト（空）">
+            <a:extLst>
+              <a:ext uri="{FF2B5EF4-FFF2-40B4-BE49-F238E27FC236}">
+                <a16:creationId xmlns:a16="http://schemas.microsoft.com/office/drawing/2014/main" id="{1CE66E0B-0C41-5484-15FD-21C567581299}"/>
+              </a:ext>
+            </a:extLst>
+          </p:cNvPr>
+          <p:cNvPicPr>
+            <a:picLocks noChangeAspect="1" noChangeArrowheads="1"/>
+          </p:cNvPicPr>
+          <p:nvPr/>
+        </p:nvPicPr>
+        <p:blipFill>
+          <a:blip r:embed="rId3" cstate="print">
+            <a:extLst>
+              <a:ext uri="{28A0092B-C50C-407E-A947-70E740481C1C}">
+                <a14:useLocalDpi xmlns:a14="http://schemas.microsoft.com/office/drawing/2010/main" val="0"/>
+              </a:ext>
+            </a:extLst>
+          </a:blip>
+          <a:srcRect/>
+          <a:stretch>
+            <a:fillRect/>
+          </a:stretch>
+        </p:blipFill>
+        <p:spPr bwMode="auto">
+          <a:xfrm>
+            <a:off x="5953844" y="2290564"/>
+            <a:ext cx="1224136" cy="1448682"/>
+          </a:xfrm>
+          <a:prstGeom prst="rect">
+            <a:avLst/>
+          </a:prstGeom>
+          <a:noFill/>
+          <a:extLst>
+            <a:ext uri="{909E8E84-426E-40DD-AFC4-6F175D3DCCD1}">
+              <a14:hiddenFill xmlns:a14="http://schemas.microsoft.com/office/drawing/2010/main">
+                <a:solidFill>
+                  <a:srgbClr val="FFFFFF"/>
+                </a:solidFill>
+              </a14:hiddenFill>
+            </a:ext>
+          </a:extLst>
+        </p:spPr>
+      </p:pic>
+      <p:sp>
+        <p:nvSpPr>
+          <p:cNvPr id="15" name="四角形: 角を丸くする 14">
+            <a:extLst>
+              <a:ext uri="{FF2B5EF4-FFF2-40B4-BE49-F238E27FC236}">
+                <a16:creationId xmlns:a16="http://schemas.microsoft.com/office/drawing/2014/main" id="{AAC5FC59-C7FE-5708-E852-02E6EE826390}"/>
+              </a:ext>
+            </a:extLst>
+          </p:cNvPr>
+          <p:cNvSpPr/>
+          <p:nvPr/>
+        </p:nvSpPr>
+        <p:spPr>
+          <a:xfrm>
+            <a:off x="6159708" y="2722612"/>
+            <a:ext cx="936104" cy="936104"/>
+          </a:xfrm>
+          <a:prstGeom prst="roundRect">
+            <a:avLst/>
+          </a:prstGeom>
+          <a:solidFill>
+            <a:srgbClr val="00B0F0"/>
+          </a:solidFill>
+          <a:ln>
+            <a:noFill/>
+          </a:ln>
+        </p:spPr>
+        <p:style>
+          <a:lnRef idx="2">
+            <a:schemeClr val="accent1">
+              <a:shade val="50000"/>
+            </a:schemeClr>
+          </a:lnRef>
+          <a:fillRef idx="1">
+            <a:schemeClr val="accent1"/>
+          </a:fillRef>
+          <a:effectRef idx="0">
+            <a:schemeClr val="accent1"/>
+          </a:effectRef>
+          <a:fontRef idx="minor">
+            <a:schemeClr val="lt1"/>
+          </a:fontRef>
+        </p:style>
+        <p:txBody>
+          <a:bodyPr rtlCol="0" anchor="ctr"/>
+          <a:lstStyle/>
+          <a:p>
+            <a:pPr algn="ctr"/>
+            <a:endParaRPr kumimoji="1" lang="ja-JP" altLang="en-US"/>
+          </a:p>
+        </p:txBody>
+      </p:sp>
+      <p:sp>
+        <p:nvSpPr>
+          <p:cNvPr id="18" name="楕円 17">
+            <a:extLst>
+              <a:ext uri="{FF2B5EF4-FFF2-40B4-BE49-F238E27FC236}">
+                <a16:creationId xmlns:a16="http://schemas.microsoft.com/office/drawing/2014/main" id="{4DD20795-6854-7B49-63A8-2BAC1ABEE74C}"/>
+              </a:ext>
+            </a:extLst>
+          </p:cNvPr>
+          <p:cNvSpPr/>
+          <p:nvPr/>
+        </p:nvSpPr>
+        <p:spPr>
+          <a:xfrm>
+            <a:off x="6149548" y="2671812"/>
+            <a:ext cx="956424" cy="266824"/>
+          </a:xfrm>
+          <a:prstGeom prst="ellipse">
+            <a:avLst/>
+          </a:prstGeom>
+          <a:solidFill>
+            <a:srgbClr val="47CFFF"/>
+          </a:solidFill>
+          <a:ln>
+            <a:noFill/>
+          </a:ln>
+        </p:spPr>
+        <p:style>
+          <a:lnRef idx="2">
+            <a:schemeClr val="accent1">
+              <a:shade val="50000"/>
+            </a:schemeClr>
+          </a:lnRef>
+          <a:fillRef idx="1">
+            <a:schemeClr val="accent1"/>
+          </a:fillRef>
+          <a:effectRef idx="0">
+            <a:schemeClr val="accent1"/>
+          </a:effectRef>
+          <a:fontRef idx="minor">
+            <a:schemeClr val="lt1"/>
+          </a:fontRef>
+        </p:style>
+        <p:txBody>
+          <a:bodyPr rtlCol="0" anchor="ctr"/>
+          <a:lstStyle/>
+          <a:p>
+            <a:pPr algn="ctr"/>
+            <a:endParaRPr kumimoji="1" lang="ja-JP" altLang="en-US"/>
+          </a:p>
+        </p:txBody>
+      </p:sp>
+      <p:sp>
+        <p:nvSpPr>
+          <p:cNvPr id="17" name="楕円 16">
+            <a:extLst>
+              <a:ext uri="{FF2B5EF4-FFF2-40B4-BE49-F238E27FC236}">
+                <a16:creationId xmlns:a16="http://schemas.microsoft.com/office/drawing/2014/main" id="{BC78CFB2-66BD-FEFD-B22E-75B4915610B0}"/>
+              </a:ext>
+            </a:extLst>
+          </p:cNvPr>
+          <p:cNvSpPr/>
+          <p:nvPr/>
+        </p:nvSpPr>
+        <p:spPr>
+          <a:xfrm>
+            <a:off x="6241876" y="3226668"/>
+            <a:ext cx="216024" cy="216024"/>
+          </a:xfrm>
+          <a:prstGeom prst="ellipse">
+            <a:avLst/>
+          </a:prstGeom>
+          <a:solidFill>
+            <a:schemeClr val="bg1"/>
+          </a:solidFill>
+          <a:ln>
+            <a:noFill/>
+          </a:ln>
+        </p:spPr>
+        <p:style>
+          <a:lnRef idx="2">
+            <a:schemeClr val="accent1">
+              <a:shade val="50000"/>
+            </a:schemeClr>
+          </a:lnRef>
+          <a:fillRef idx="1">
+            <a:schemeClr val="accent1"/>
+          </a:fillRef>
+          <a:effectRef idx="0">
+            <a:schemeClr val="accent1"/>
+          </a:effectRef>
+          <a:fontRef idx="minor">
+            <a:schemeClr val="lt1"/>
+          </a:fontRef>
+        </p:style>
+        <p:txBody>
+          <a:bodyPr rtlCol="0" anchor="ctr"/>
+          <a:lstStyle/>
+          <a:p>
+            <a:pPr algn="ctr"/>
+            <a:endParaRPr kumimoji="1" lang="ja-JP" altLang="en-US"/>
+          </a:p>
+        </p:txBody>
+      </p:sp>
+      <p:sp>
+        <p:nvSpPr>
+          <p:cNvPr id="21" name="楕円 20">
+            <a:extLst>
+              <a:ext uri="{FF2B5EF4-FFF2-40B4-BE49-F238E27FC236}">
+                <a16:creationId xmlns:a16="http://schemas.microsoft.com/office/drawing/2014/main" id="{54600629-DEC6-D41E-AFE4-F6B1A7C27E27}"/>
+              </a:ext>
+            </a:extLst>
+          </p:cNvPr>
+          <p:cNvSpPr/>
+          <p:nvPr/>
+        </p:nvSpPr>
+        <p:spPr>
+          <a:xfrm>
+            <a:off x="6457900" y="2938636"/>
+            <a:ext cx="216024" cy="216024"/>
+          </a:xfrm>
+          <a:prstGeom prst="ellipse">
+            <a:avLst/>
+          </a:prstGeom>
+          <a:solidFill>
+            <a:schemeClr val="bg1"/>
+          </a:solidFill>
+          <a:ln>
+            <a:noFill/>
+          </a:ln>
+        </p:spPr>
+        <p:style>
+          <a:lnRef idx="2">
+            <a:schemeClr val="accent1">
+              <a:shade val="50000"/>
+            </a:schemeClr>
+          </a:lnRef>
+          <a:fillRef idx="1">
+            <a:schemeClr val="accent1"/>
+          </a:fillRef>
+          <a:effectRef idx="0">
+            <a:schemeClr val="accent1"/>
+          </a:effectRef>
+          <a:fontRef idx="minor">
+            <a:schemeClr val="lt1"/>
+          </a:fontRef>
+        </p:style>
+        <p:txBody>
+          <a:bodyPr rtlCol="0" anchor="ctr"/>
+          <a:lstStyle/>
+          <a:p>
+            <a:pPr algn="ctr"/>
+            <a:endParaRPr kumimoji="1" lang="ja-JP" altLang="en-US"/>
+          </a:p>
+        </p:txBody>
+      </p:sp>
+      <p:sp>
+        <p:nvSpPr>
+          <p:cNvPr id="22" name="楕円 21">
+            <a:extLst>
+              <a:ext uri="{FF2B5EF4-FFF2-40B4-BE49-F238E27FC236}">
+                <a16:creationId xmlns:a16="http://schemas.microsoft.com/office/drawing/2014/main" id="{BADA1909-2D6A-954B-3AFC-804AD9AD7B57}"/>
+              </a:ext>
+            </a:extLst>
+          </p:cNvPr>
+          <p:cNvSpPr/>
+          <p:nvPr/>
+        </p:nvSpPr>
+        <p:spPr>
+          <a:xfrm>
+            <a:off x="6673924" y="3370684"/>
+            <a:ext cx="216024" cy="216024"/>
+          </a:xfrm>
+          <a:prstGeom prst="ellipse">
+            <a:avLst/>
+          </a:prstGeom>
+          <a:solidFill>
+            <a:schemeClr val="bg1"/>
+          </a:solidFill>
+          <a:ln>
+            <a:noFill/>
+          </a:ln>
+        </p:spPr>
+        <p:style>
+          <a:lnRef idx="2">
+            <a:schemeClr val="accent1">
+              <a:shade val="50000"/>
+            </a:schemeClr>
+          </a:lnRef>
+          <a:fillRef idx="1">
+            <a:schemeClr val="accent1"/>
+          </a:fillRef>
+          <a:effectRef idx="0">
+            <a:schemeClr val="accent1"/>
+          </a:effectRef>
+          <a:fontRef idx="minor">
+            <a:schemeClr val="lt1"/>
+          </a:fontRef>
+        </p:style>
+        <p:txBody>
+          <a:bodyPr rtlCol="0" anchor="ctr"/>
+          <a:lstStyle/>
+          <a:p>
+            <a:pPr algn="ctr"/>
+            <a:endParaRPr kumimoji="1" lang="ja-JP" altLang="en-US"/>
+          </a:p>
+        </p:txBody>
+      </p:sp>
+      <p:sp>
+        <p:nvSpPr>
+          <p:cNvPr id="19" name="テキスト ボックス 18">
+            <a:extLst>
+              <a:ext uri="{FF2B5EF4-FFF2-40B4-BE49-F238E27FC236}">
+                <a16:creationId xmlns:a16="http://schemas.microsoft.com/office/drawing/2014/main" id="{965F84FE-AF5F-6FBD-9A25-8D9FDF33ECA7}"/>
+              </a:ext>
+            </a:extLst>
+          </p:cNvPr>
+          <p:cNvSpPr txBox="1"/>
+          <p:nvPr/>
+        </p:nvSpPr>
+        <p:spPr>
+          <a:xfrm>
+            <a:off x="1979712" y="1772816"/>
+            <a:ext cx="1005403" cy="584775"/>
+          </a:xfrm>
+          <a:prstGeom prst="rect">
+            <a:avLst/>
+          </a:prstGeom>
+          <a:noFill/>
+        </p:spPr>
+        <p:txBody>
+          <a:bodyPr wrap="none" rtlCol="0">
+            <a:spAutoFit/>
+          </a:bodyPr>
+          <a:lstStyle/>
+          <a:p>
+            <a:r>
+              <a:rPr kumimoji="1" lang="ja-JP" altLang="en-US" sz="3200"/>
+              <a:t>蒸発</a:t>
+            </a:r>
+          </a:p>
+        </p:txBody>
+      </p:sp>
+      <p:sp>
+        <p:nvSpPr>
+          <p:cNvPr id="24" name="テキスト ボックス 23">
+            <a:extLst>
+              <a:ext uri="{FF2B5EF4-FFF2-40B4-BE49-F238E27FC236}">
+                <a16:creationId xmlns:a16="http://schemas.microsoft.com/office/drawing/2014/main" id="{83ADC50B-E9C0-0184-4AFA-E15D76D46CBB}"/>
+              </a:ext>
+            </a:extLst>
+          </p:cNvPr>
+          <p:cNvSpPr txBox="1"/>
+          <p:nvPr/>
+        </p:nvSpPr>
+        <p:spPr>
+          <a:xfrm>
+            <a:off x="6025852" y="1642492"/>
+            <a:ext cx="1005403" cy="584775"/>
+          </a:xfrm>
+          <a:prstGeom prst="rect">
+            <a:avLst/>
+          </a:prstGeom>
+          <a:noFill/>
+        </p:spPr>
+        <p:txBody>
+          <a:bodyPr wrap="none" rtlCol="0">
+            <a:spAutoFit/>
+          </a:bodyPr>
+          <a:lstStyle/>
+          <a:p>
+            <a:r>
+              <a:rPr lang="ja-JP" altLang="en-US" sz="3200"/>
+              <a:t>沸騰</a:t>
+            </a:r>
+            <a:endParaRPr kumimoji="1" lang="ja-JP" altLang="en-US" sz="3200"/>
+          </a:p>
+        </p:txBody>
+      </p:sp>
+      <p:sp>
+        <p:nvSpPr>
+          <p:cNvPr id="20" name="テキスト ボックス 19">
+            <a:extLst>
+              <a:ext uri="{FF2B5EF4-FFF2-40B4-BE49-F238E27FC236}">
+                <a16:creationId xmlns:a16="http://schemas.microsoft.com/office/drawing/2014/main" id="{38CAC7DE-378F-F960-FE12-6E67EFFA8372}"/>
+              </a:ext>
+            </a:extLst>
+          </p:cNvPr>
+          <p:cNvSpPr txBox="1"/>
+          <p:nvPr/>
+        </p:nvSpPr>
+        <p:spPr>
+          <a:xfrm>
+            <a:off x="251520" y="5157192"/>
+            <a:ext cx="4801314" cy="830997"/>
+          </a:xfrm>
+          <a:prstGeom prst="rect">
+            <a:avLst/>
+          </a:prstGeom>
+          <a:noFill/>
+        </p:spPr>
+        <p:txBody>
+          <a:bodyPr wrap="none" rtlCol="0">
+            <a:spAutoFit/>
+          </a:bodyPr>
+          <a:lstStyle/>
+          <a:p>
+            <a:r>
+              <a:rPr kumimoji="1" lang="ja-JP" altLang="en-US" sz="2400"/>
+              <a:t>コップに水を入れて放置すると、</a:t>
+            </a:r>
+            <a:endParaRPr kumimoji="1" lang="en-US" altLang="ja-JP" sz="2400"/>
+          </a:p>
+          <a:p>
+            <a:r>
+              <a:rPr lang="ja-JP" altLang="en-US" sz="2400"/>
+              <a:t>やがて水が</a:t>
+            </a:r>
+            <a:r>
+              <a:rPr lang="ja-JP" altLang="en-US" sz="2400">
+                <a:solidFill>
+                  <a:srgbClr val="FF0000"/>
+                </a:solidFill>
+              </a:rPr>
+              <a:t>蒸発</a:t>
+            </a:r>
+            <a:r>
+              <a:rPr lang="ja-JP" altLang="en-US" sz="2400"/>
+              <a:t>してなくなる</a:t>
+            </a:r>
+            <a:endParaRPr kumimoji="1" lang="ja-JP" altLang="en-US" sz="2400"/>
+          </a:p>
+        </p:txBody>
+      </p:sp>
+      <p:sp>
+        <p:nvSpPr>
+          <p:cNvPr id="26" name="テキスト ボックス 25">
+            <a:extLst>
+              <a:ext uri="{FF2B5EF4-FFF2-40B4-BE49-F238E27FC236}">
+                <a16:creationId xmlns:a16="http://schemas.microsoft.com/office/drawing/2014/main" id="{86D379CD-0A3C-06F4-FDFD-89D5419BBAD8}"/>
+              </a:ext>
+            </a:extLst>
+          </p:cNvPr>
+          <p:cNvSpPr txBox="1"/>
+          <p:nvPr/>
+        </p:nvSpPr>
+        <p:spPr>
+          <a:xfrm>
+            <a:off x="5007205" y="5157192"/>
+            <a:ext cx="4049507" cy="830997"/>
+          </a:xfrm>
+          <a:prstGeom prst="rect">
+            <a:avLst/>
+          </a:prstGeom>
+          <a:noFill/>
+        </p:spPr>
+        <p:txBody>
+          <a:bodyPr wrap="none" rtlCol="0">
+            <a:spAutoFit/>
+          </a:bodyPr>
+          <a:lstStyle/>
+          <a:p>
+            <a:r>
+              <a:rPr kumimoji="1" lang="ja-JP" altLang="en-US" sz="2400"/>
+              <a:t>水を加熱すると、</a:t>
+            </a:r>
+            <a:r>
+              <a:rPr kumimoji="1" lang="en-US" altLang="ja-JP" sz="2400"/>
+              <a:t>1</a:t>
+            </a:r>
+            <a:r>
+              <a:rPr kumimoji="1" lang="ja-JP" altLang="en-US" sz="2400"/>
+              <a:t>気圧では</a:t>
+            </a:r>
+            <a:endParaRPr kumimoji="1" lang="en-US" altLang="ja-JP" sz="2400"/>
+          </a:p>
+          <a:p>
+            <a:r>
+              <a:rPr kumimoji="1" lang="en-US" altLang="ja-JP" sz="2400"/>
+              <a:t>100</a:t>
+            </a:r>
+            <a:r>
+              <a:rPr kumimoji="1" lang="ja-JP" altLang="en-US" sz="2400"/>
+              <a:t>度で</a:t>
+            </a:r>
+            <a:r>
+              <a:rPr kumimoji="1" lang="ja-JP" altLang="en-US" sz="2400">
+                <a:solidFill>
+                  <a:srgbClr val="FF0000"/>
+                </a:solidFill>
+              </a:rPr>
+              <a:t>沸騰</a:t>
+            </a:r>
+            <a:r>
+              <a:rPr kumimoji="1" lang="ja-JP" altLang="en-US" sz="2400"/>
+              <a:t>する</a:t>
+            </a:r>
+          </a:p>
+        </p:txBody>
+      </p:sp>
+      <p:sp>
+        <p:nvSpPr>
+          <p:cNvPr id="23" name="テキスト ボックス 22">
+            <a:extLst>
+              <a:ext uri="{FF2B5EF4-FFF2-40B4-BE49-F238E27FC236}">
+                <a16:creationId xmlns:a16="http://schemas.microsoft.com/office/drawing/2014/main" id="{738A35DF-D065-B0F5-3E73-A50CAE54ABA1}"/>
+              </a:ext>
+            </a:extLst>
+          </p:cNvPr>
+          <p:cNvSpPr txBox="1"/>
+          <p:nvPr/>
+        </p:nvSpPr>
+        <p:spPr>
+          <a:xfrm>
+            <a:off x="971600" y="6165304"/>
+            <a:ext cx="7007046" cy="523220"/>
+          </a:xfrm>
+          <a:prstGeom prst="rect">
+            <a:avLst/>
+          </a:prstGeom>
+          <a:noFill/>
+        </p:spPr>
+        <p:txBody>
+          <a:bodyPr wrap="none" rtlCol="0">
+            <a:spAutoFit/>
+          </a:bodyPr>
+          <a:lstStyle/>
+          <a:p>
+            <a:r>
+              <a:rPr kumimoji="1" lang="ja-JP" altLang="en-US" sz="2800"/>
+              <a:t>「蒸発」と「沸騰」の違いはなんだろう？</a:t>
+            </a:r>
+          </a:p>
+        </p:txBody>
+      </p:sp>
+    </p:spTree>
+    <p:extLst>
+      <p:ext uri="{BB962C8B-B14F-4D97-AF65-F5344CB8AC3E}">
+        <p14:creationId xmlns:p14="http://schemas.microsoft.com/office/powerpoint/2010/main" val="2015485829"/>
       </p:ext>
     </p:extLst>
   </p:cSld>

--- a/05_md_advanced/yamagata05.pptx
+++ b/05_md_advanced/yamagata05.pptx
@@ -5,7 +5,7 @@
     <p:sldMasterId id="2147483665" r:id="rId1"/>
   </p:sldMasterIdLst>
   <p:notesMasterIdLst>
-    <p:notesMasterId r:id="rId9"/>
+    <p:notesMasterId r:id="rId13"/>
   </p:notesMasterIdLst>
   <p:sldIdLst>
     <p:sldId id="256" r:id="rId2"/>
@@ -15,6 +15,10 @@
     <p:sldId id="342" r:id="rId6"/>
     <p:sldId id="343" r:id="rId7"/>
     <p:sldId id="344" r:id="rId8"/>
+    <p:sldId id="345" r:id="rId9"/>
+    <p:sldId id="346" r:id="rId10"/>
+    <p:sldId id="347" r:id="rId11"/>
+    <p:sldId id="348" r:id="rId12"/>
   </p:sldIdLst>
   <p:sldSz cx="9144000" cy="6858000" type="screen4x3"/>
   <p:notesSz cx="6858000" cy="9144000"/>
@@ -1377,6 +1381,5368 @@
     <p:extLst>
       <p:ext uri="{BB962C8B-B14F-4D97-AF65-F5344CB8AC3E}">
         <p14:creationId xmlns:p14="http://schemas.microsoft.com/office/powerpoint/2010/main" val="4079533921"/>
+      </p:ext>
+    </p:extLst>
+  </p:cSld>
+  <p:clrMapOvr>
+    <a:masterClrMapping/>
+  </p:clrMapOvr>
+</p:sld>
+</file>
+
+<file path=ppt/slides/slide10.xml><?xml version="1.0" encoding="utf-8"?>
+<p:sld xmlns:a="http://schemas.openxmlformats.org/drawingml/2006/main" xmlns:r="http://schemas.openxmlformats.org/officeDocument/2006/relationships" xmlns:p="http://schemas.openxmlformats.org/presentationml/2006/main">
+  <p:cSld>
+    <p:spTree>
+      <p:nvGrpSpPr>
+        <p:cNvPr id="1" name=""/>
+        <p:cNvGrpSpPr/>
+        <p:nvPr/>
+      </p:nvGrpSpPr>
+      <p:grpSpPr>
+        <a:xfrm>
+          <a:off x="0" y="0"/>
+          <a:ext cx="0" cy="0"/>
+          <a:chOff x="0" y="0"/>
+          <a:chExt cx="0" cy="0"/>
+        </a:xfrm>
+      </p:grpSpPr>
+      <p:sp>
+        <p:nvSpPr>
+          <p:cNvPr id="2" name="テキスト プレースホルダー 1">
+            <a:extLst>
+              <a:ext uri="{FF2B5EF4-FFF2-40B4-BE49-F238E27FC236}">
+                <a16:creationId xmlns:a16="http://schemas.microsoft.com/office/drawing/2014/main" id="{5451DEC2-7D1B-7323-0016-A3CCDE720CDC}"/>
+              </a:ext>
+            </a:extLst>
+          </p:cNvPr>
+          <p:cNvSpPr>
+            <a:spLocks noGrp="1"/>
+          </p:cNvSpPr>
+          <p:nvPr>
+            <p:ph type="body" sz="quarter" idx="10"/>
+          </p:nvPr>
+        </p:nvSpPr>
+        <p:spPr/>
+        <p:txBody>
+          <a:bodyPr/>
+          <a:lstStyle/>
+          <a:p>
+            <a:r>
+              <a:rPr lang="ja-JP" altLang="en-US"/>
+              <a:t>格子ガス模型</a:t>
+            </a:r>
+            <a:r>
+              <a:rPr lang="en-US" altLang="ja-JP"/>
+              <a:t>(</a:t>
+            </a:r>
+            <a:r>
+              <a:rPr lang="ja-JP" altLang="en-US"/>
+              <a:t>復習</a:t>
+            </a:r>
+            <a:r>
+              <a:rPr lang="en-US" altLang="ja-JP"/>
+              <a:t>)</a:t>
+            </a:r>
+            <a:endParaRPr kumimoji="1" lang="ja-JP" altLang="en-US"/>
+          </a:p>
+        </p:txBody>
+      </p:sp>
+      <p:grpSp>
+        <p:nvGrpSpPr>
+          <p:cNvPr id="3" name="グループ化 2">
+            <a:extLst>
+              <a:ext uri="{FF2B5EF4-FFF2-40B4-BE49-F238E27FC236}">
+                <a16:creationId xmlns:a16="http://schemas.microsoft.com/office/drawing/2014/main" id="{3BAAC870-EE0E-00BD-4A2C-D4C0E7618FE5}"/>
+              </a:ext>
+            </a:extLst>
+          </p:cNvPr>
+          <p:cNvGrpSpPr/>
+          <p:nvPr/>
+        </p:nvGrpSpPr>
+        <p:grpSpPr>
+          <a:xfrm>
+            <a:off x="273233" y="1628800"/>
+            <a:ext cx="3888432" cy="2016224"/>
+            <a:chOff x="323528" y="1628800"/>
+            <a:chExt cx="3888432" cy="2016224"/>
+          </a:xfrm>
+        </p:grpSpPr>
+        <p:grpSp>
+          <p:nvGrpSpPr>
+            <p:cNvPr id="4" name="グループ化 3">
+              <a:extLst>
+                <a:ext uri="{FF2B5EF4-FFF2-40B4-BE49-F238E27FC236}">
+                  <a16:creationId xmlns:a16="http://schemas.microsoft.com/office/drawing/2014/main" id="{FBFC7831-3977-CA5D-E329-162E074B94F1}"/>
+                </a:ext>
+              </a:extLst>
+            </p:cNvPr>
+            <p:cNvGrpSpPr/>
+            <p:nvPr/>
+          </p:nvGrpSpPr>
+          <p:grpSpPr>
+            <a:xfrm>
+              <a:off x="467544" y="1916832"/>
+              <a:ext cx="1512168" cy="1512168"/>
+              <a:chOff x="971600" y="1628800"/>
+              <a:chExt cx="2160240" cy="2160240"/>
+            </a:xfrm>
+          </p:grpSpPr>
+          <p:cxnSp>
+            <p:nvCxnSpPr>
+              <p:cNvPr id="17" name="直線コネクタ 16">
+                <a:extLst>
+                  <a:ext uri="{FF2B5EF4-FFF2-40B4-BE49-F238E27FC236}">
+                    <a16:creationId xmlns:a16="http://schemas.microsoft.com/office/drawing/2014/main" id="{2E446208-2648-8587-9E13-95AAE2740EB7}"/>
+                  </a:ext>
+                </a:extLst>
+              </p:cNvPr>
+              <p:cNvCxnSpPr>
+                <a:cxnSpLocks/>
+              </p:cNvCxnSpPr>
+              <p:nvPr/>
+            </p:nvCxnSpPr>
+            <p:spPr>
+              <a:xfrm>
+                <a:off x="971600" y="1628800"/>
+                <a:ext cx="0" cy="2160240"/>
+              </a:xfrm>
+              <a:prstGeom prst="line">
+                <a:avLst/>
+              </a:prstGeom>
+              <a:ln>
+                <a:solidFill>
+                  <a:schemeClr val="tx1"/>
+                </a:solidFill>
+                <a:headEnd type="none" w="med" len="med"/>
+                <a:tailEnd type="none" w="med" len="med"/>
+              </a:ln>
+            </p:spPr>
+            <p:style>
+              <a:lnRef idx="1">
+                <a:schemeClr val="accent1"/>
+              </a:lnRef>
+              <a:fillRef idx="0">
+                <a:schemeClr val="accent1"/>
+              </a:fillRef>
+              <a:effectRef idx="0">
+                <a:schemeClr val="accent1"/>
+              </a:effectRef>
+              <a:fontRef idx="minor">
+                <a:schemeClr val="tx1"/>
+              </a:fontRef>
+            </p:style>
+          </p:cxnSp>
+          <p:cxnSp>
+            <p:nvCxnSpPr>
+              <p:cNvPr id="18" name="直線コネクタ 17">
+                <a:extLst>
+                  <a:ext uri="{FF2B5EF4-FFF2-40B4-BE49-F238E27FC236}">
+                    <a16:creationId xmlns:a16="http://schemas.microsoft.com/office/drawing/2014/main" id="{498713A7-E435-CD8B-749C-4DB71F22D2A6}"/>
+                  </a:ext>
+                </a:extLst>
+              </p:cNvPr>
+              <p:cNvCxnSpPr>
+                <a:cxnSpLocks/>
+              </p:cNvCxnSpPr>
+              <p:nvPr/>
+            </p:nvCxnSpPr>
+            <p:spPr>
+              <a:xfrm>
+                <a:off x="1691680" y="1628800"/>
+                <a:ext cx="0" cy="2160240"/>
+              </a:xfrm>
+              <a:prstGeom prst="line">
+                <a:avLst/>
+              </a:prstGeom>
+              <a:ln>
+                <a:solidFill>
+                  <a:schemeClr val="tx1"/>
+                </a:solidFill>
+                <a:headEnd type="none" w="med" len="med"/>
+                <a:tailEnd type="none" w="med" len="med"/>
+              </a:ln>
+            </p:spPr>
+            <p:style>
+              <a:lnRef idx="1">
+                <a:schemeClr val="accent1"/>
+              </a:lnRef>
+              <a:fillRef idx="0">
+                <a:schemeClr val="accent1"/>
+              </a:fillRef>
+              <a:effectRef idx="0">
+                <a:schemeClr val="accent1"/>
+              </a:effectRef>
+              <a:fontRef idx="minor">
+                <a:schemeClr val="tx1"/>
+              </a:fontRef>
+            </p:style>
+          </p:cxnSp>
+          <p:cxnSp>
+            <p:nvCxnSpPr>
+              <p:cNvPr id="19" name="直線コネクタ 18">
+                <a:extLst>
+                  <a:ext uri="{FF2B5EF4-FFF2-40B4-BE49-F238E27FC236}">
+                    <a16:creationId xmlns:a16="http://schemas.microsoft.com/office/drawing/2014/main" id="{4510CDB9-CFEB-EB2B-64FF-44E8AF659693}"/>
+                  </a:ext>
+                </a:extLst>
+              </p:cNvPr>
+              <p:cNvCxnSpPr>
+                <a:cxnSpLocks/>
+              </p:cNvCxnSpPr>
+              <p:nvPr/>
+            </p:nvCxnSpPr>
+            <p:spPr>
+              <a:xfrm>
+                <a:off x="2411760" y="1628800"/>
+                <a:ext cx="0" cy="2160240"/>
+              </a:xfrm>
+              <a:prstGeom prst="line">
+                <a:avLst/>
+              </a:prstGeom>
+              <a:ln>
+                <a:solidFill>
+                  <a:schemeClr val="tx1"/>
+                </a:solidFill>
+                <a:headEnd type="none" w="med" len="med"/>
+                <a:tailEnd type="none" w="med" len="med"/>
+              </a:ln>
+            </p:spPr>
+            <p:style>
+              <a:lnRef idx="1">
+                <a:schemeClr val="accent1"/>
+              </a:lnRef>
+              <a:fillRef idx="0">
+                <a:schemeClr val="accent1"/>
+              </a:fillRef>
+              <a:effectRef idx="0">
+                <a:schemeClr val="accent1"/>
+              </a:effectRef>
+              <a:fontRef idx="minor">
+                <a:schemeClr val="tx1"/>
+              </a:fontRef>
+            </p:style>
+          </p:cxnSp>
+          <p:cxnSp>
+            <p:nvCxnSpPr>
+              <p:cNvPr id="20" name="直線コネクタ 19">
+                <a:extLst>
+                  <a:ext uri="{FF2B5EF4-FFF2-40B4-BE49-F238E27FC236}">
+                    <a16:creationId xmlns:a16="http://schemas.microsoft.com/office/drawing/2014/main" id="{BF90B499-8956-C797-CC71-A3837C0FF7A6}"/>
+                  </a:ext>
+                </a:extLst>
+              </p:cNvPr>
+              <p:cNvCxnSpPr>
+                <a:cxnSpLocks/>
+              </p:cNvCxnSpPr>
+              <p:nvPr/>
+            </p:nvCxnSpPr>
+            <p:spPr>
+              <a:xfrm>
+                <a:off x="3131840" y="1628800"/>
+                <a:ext cx="0" cy="2160240"/>
+              </a:xfrm>
+              <a:prstGeom prst="line">
+                <a:avLst/>
+              </a:prstGeom>
+              <a:ln>
+                <a:solidFill>
+                  <a:schemeClr val="tx1"/>
+                </a:solidFill>
+                <a:headEnd type="none" w="med" len="med"/>
+                <a:tailEnd type="none" w="med" len="med"/>
+              </a:ln>
+            </p:spPr>
+            <p:style>
+              <a:lnRef idx="1">
+                <a:schemeClr val="accent1"/>
+              </a:lnRef>
+              <a:fillRef idx="0">
+                <a:schemeClr val="accent1"/>
+              </a:fillRef>
+              <a:effectRef idx="0">
+                <a:schemeClr val="accent1"/>
+              </a:effectRef>
+              <a:fontRef idx="minor">
+                <a:schemeClr val="tx1"/>
+              </a:fontRef>
+            </p:style>
+          </p:cxnSp>
+          <p:cxnSp>
+            <p:nvCxnSpPr>
+              <p:cNvPr id="21" name="直線コネクタ 20">
+                <a:extLst>
+                  <a:ext uri="{FF2B5EF4-FFF2-40B4-BE49-F238E27FC236}">
+                    <a16:creationId xmlns:a16="http://schemas.microsoft.com/office/drawing/2014/main" id="{6A9B29A4-9746-FDD5-7E66-749984A5D8C5}"/>
+                  </a:ext>
+                </a:extLst>
+              </p:cNvPr>
+              <p:cNvCxnSpPr>
+                <a:cxnSpLocks/>
+              </p:cNvCxnSpPr>
+              <p:nvPr/>
+            </p:nvCxnSpPr>
+            <p:spPr>
+              <a:xfrm>
+                <a:off x="971600" y="1628800"/>
+                <a:ext cx="2160240" cy="0"/>
+              </a:xfrm>
+              <a:prstGeom prst="line">
+                <a:avLst/>
+              </a:prstGeom>
+              <a:ln>
+                <a:solidFill>
+                  <a:schemeClr val="tx1"/>
+                </a:solidFill>
+                <a:headEnd type="none" w="med" len="med"/>
+                <a:tailEnd type="none" w="med" len="med"/>
+              </a:ln>
+            </p:spPr>
+            <p:style>
+              <a:lnRef idx="1">
+                <a:schemeClr val="accent1"/>
+              </a:lnRef>
+              <a:fillRef idx="0">
+                <a:schemeClr val="accent1"/>
+              </a:fillRef>
+              <a:effectRef idx="0">
+                <a:schemeClr val="accent1"/>
+              </a:effectRef>
+              <a:fontRef idx="minor">
+                <a:schemeClr val="tx1"/>
+              </a:fontRef>
+            </p:style>
+          </p:cxnSp>
+          <p:cxnSp>
+            <p:nvCxnSpPr>
+              <p:cNvPr id="22" name="直線コネクタ 21">
+                <a:extLst>
+                  <a:ext uri="{FF2B5EF4-FFF2-40B4-BE49-F238E27FC236}">
+                    <a16:creationId xmlns:a16="http://schemas.microsoft.com/office/drawing/2014/main" id="{C680E844-6664-3D68-6A25-6EFAA7EAC71A}"/>
+                  </a:ext>
+                </a:extLst>
+              </p:cNvPr>
+              <p:cNvCxnSpPr>
+                <a:cxnSpLocks/>
+              </p:cNvCxnSpPr>
+              <p:nvPr/>
+            </p:nvCxnSpPr>
+            <p:spPr>
+              <a:xfrm>
+                <a:off x="971600" y="2348880"/>
+                <a:ext cx="2160240" cy="0"/>
+              </a:xfrm>
+              <a:prstGeom prst="line">
+                <a:avLst/>
+              </a:prstGeom>
+              <a:ln>
+                <a:solidFill>
+                  <a:schemeClr val="tx1"/>
+                </a:solidFill>
+                <a:headEnd type="none" w="med" len="med"/>
+                <a:tailEnd type="none" w="med" len="med"/>
+              </a:ln>
+            </p:spPr>
+            <p:style>
+              <a:lnRef idx="1">
+                <a:schemeClr val="accent1"/>
+              </a:lnRef>
+              <a:fillRef idx="0">
+                <a:schemeClr val="accent1"/>
+              </a:fillRef>
+              <a:effectRef idx="0">
+                <a:schemeClr val="accent1"/>
+              </a:effectRef>
+              <a:fontRef idx="minor">
+                <a:schemeClr val="tx1"/>
+              </a:fontRef>
+            </p:style>
+          </p:cxnSp>
+          <p:cxnSp>
+            <p:nvCxnSpPr>
+              <p:cNvPr id="23" name="直線コネクタ 22">
+                <a:extLst>
+                  <a:ext uri="{FF2B5EF4-FFF2-40B4-BE49-F238E27FC236}">
+                    <a16:creationId xmlns:a16="http://schemas.microsoft.com/office/drawing/2014/main" id="{424524E2-F1CE-B352-5EED-3AF91C925CAC}"/>
+                  </a:ext>
+                </a:extLst>
+              </p:cNvPr>
+              <p:cNvCxnSpPr>
+                <a:cxnSpLocks/>
+              </p:cNvCxnSpPr>
+              <p:nvPr/>
+            </p:nvCxnSpPr>
+            <p:spPr>
+              <a:xfrm>
+                <a:off x="971600" y="3068960"/>
+                <a:ext cx="2160240" cy="0"/>
+              </a:xfrm>
+              <a:prstGeom prst="line">
+                <a:avLst/>
+              </a:prstGeom>
+              <a:ln>
+                <a:solidFill>
+                  <a:schemeClr val="tx1"/>
+                </a:solidFill>
+                <a:headEnd type="none" w="med" len="med"/>
+                <a:tailEnd type="none" w="med" len="med"/>
+              </a:ln>
+            </p:spPr>
+            <p:style>
+              <a:lnRef idx="1">
+                <a:schemeClr val="accent1"/>
+              </a:lnRef>
+              <a:fillRef idx="0">
+                <a:schemeClr val="accent1"/>
+              </a:fillRef>
+              <a:effectRef idx="0">
+                <a:schemeClr val="accent1"/>
+              </a:effectRef>
+              <a:fontRef idx="minor">
+                <a:schemeClr val="tx1"/>
+              </a:fontRef>
+            </p:style>
+          </p:cxnSp>
+          <p:cxnSp>
+            <p:nvCxnSpPr>
+              <p:cNvPr id="24" name="直線コネクタ 23">
+                <a:extLst>
+                  <a:ext uri="{FF2B5EF4-FFF2-40B4-BE49-F238E27FC236}">
+                    <a16:creationId xmlns:a16="http://schemas.microsoft.com/office/drawing/2014/main" id="{9D650D28-4ADA-D8AE-0963-9EB1BB6AF979}"/>
+                  </a:ext>
+                </a:extLst>
+              </p:cNvPr>
+              <p:cNvCxnSpPr>
+                <a:cxnSpLocks/>
+              </p:cNvCxnSpPr>
+              <p:nvPr/>
+            </p:nvCxnSpPr>
+            <p:spPr>
+              <a:xfrm>
+                <a:off x="971600" y="3789040"/>
+                <a:ext cx="2160240" cy="0"/>
+              </a:xfrm>
+              <a:prstGeom prst="line">
+                <a:avLst/>
+              </a:prstGeom>
+              <a:ln>
+                <a:solidFill>
+                  <a:schemeClr val="tx1"/>
+                </a:solidFill>
+                <a:headEnd type="none" w="med" len="med"/>
+                <a:tailEnd type="none" w="med" len="med"/>
+              </a:ln>
+            </p:spPr>
+            <p:style>
+              <a:lnRef idx="1">
+                <a:schemeClr val="accent1"/>
+              </a:lnRef>
+              <a:fillRef idx="0">
+                <a:schemeClr val="accent1"/>
+              </a:fillRef>
+              <a:effectRef idx="0">
+                <a:schemeClr val="accent1"/>
+              </a:effectRef>
+              <a:fontRef idx="minor">
+                <a:schemeClr val="tx1"/>
+              </a:fontRef>
+            </p:style>
+          </p:cxnSp>
+          <p:sp>
+            <p:nvSpPr>
+              <p:cNvPr id="25" name="楕円 24">
+                <a:extLst>
+                  <a:ext uri="{FF2B5EF4-FFF2-40B4-BE49-F238E27FC236}">
+                    <a16:creationId xmlns:a16="http://schemas.microsoft.com/office/drawing/2014/main" id="{CC915A05-49C5-B2A5-75D0-B59ED9F56339}"/>
+                  </a:ext>
+                </a:extLst>
+              </p:cNvPr>
+              <p:cNvSpPr/>
+              <p:nvPr/>
+            </p:nvSpPr>
+            <p:spPr>
+              <a:xfrm>
+                <a:off x="971600" y="1628800"/>
+                <a:ext cx="720080" cy="720080"/>
+              </a:xfrm>
+              <a:prstGeom prst="ellipse">
+                <a:avLst/>
+              </a:prstGeom>
+              <a:solidFill>
+                <a:srgbClr val="011893"/>
+              </a:solidFill>
+              <a:ln>
+                <a:solidFill>
+                  <a:schemeClr val="tx1"/>
+                </a:solidFill>
+              </a:ln>
+            </p:spPr>
+            <p:style>
+              <a:lnRef idx="2">
+                <a:schemeClr val="accent1">
+                  <a:shade val="50000"/>
+                </a:schemeClr>
+              </a:lnRef>
+              <a:fillRef idx="1">
+                <a:schemeClr val="accent1"/>
+              </a:fillRef>
+              <a:effectRef idx="0">
+                <a:schemeClr val="accent1"/>
+              </a:effectRef>
+              <a:fontRef idx="minor">
+                <a:schemeClr val="lt1"/>
+              </a:fontRef>
+            </p:style>
+            <p:txBody>
+              <a:bodyPr rtlCol="0" anchor="ctr"/>
+              <a:lstStyle/>
+              <a:p>
+                <a:pPr algn="ctr"/>
+                <a:endParaRPr kumimoji="1" lang="ja-JP" altLang="en-US"/>
+              </a:p>
+            </p:txBody>
+          </p:sp>
+          <p:sp>
+            <p:nvSpPr>
+              <p:cNvPr id="26" name="楕円 25">
+                <a:extLst>
+                  <a:ext uri="{FF2B5EF4-FFF2-40B4-BE49-F238E27FC236}">
+                    <a16:creationId xmlns:a16="http://schemas.microsoft.com/office/drawing/2014/main" id="{2990EC7B-48C4-DA0B-6895-C2CDA2690629}"/>
+                  </a:ext>
+                </a:extLst>
+              </p:cNvPr>
+              <p:cNvSpPr/>
+              <p:nvPr/>
+            </p:nvSpPr>
+            <p:spPr>
+              <a:xfrm>
+                <a:off x="1691680" y="1628800"/>
+                <a:ext cx="720080" cy="720080"/>
+              </a:xfrm>
+              <a:prstGeom prst="ellipse">
+                <a:avLst/>
+              </a:prstGeom>
+              <a:solidFill>
+                <a:srgbClr val="011893"/>
+              </a:solidFill>
+              <a:ln>
+                <a:solidFill>
+                  <a:schemeClr val="tx1"/>
+                </a:solidFill>
+              </a:ln>
+            </p:spPr>
+            <p:style>
+              <a:lnRef idx="2">
+                <a:schemeClr val="accent1">
+                  <a:shade val="50000"/>
+                </a:schemeClr>
+              </a:lnRef>
+              <a:fillRef idx="1">
+                <a:schemeClr val="accent1"/>
+              </a:fillRef>
+              <a:effectRef idx="0">
+                <a:schemeClr val="accent1"/>
+              </a:effectRef>
+              <a:fontRef idx="minor">
+                <a:schemeClr val="lt1"/>
+              </a:fontRef>
+            </p:style>
+            <p:txBody>
+              <a:bodyPr rtlCol="0" anchor="ctr"/>
+              <a:lstStyle/>
+              <a:p>
+                <a:pPr algn="ctr"/>
+                <a:endParaRPr kumimoji="1" lang="ja-JP" altLang="en-US"/>
+              </a:p>
+            </p:txBody>
+          </p:sp>
+        </p:grpSp>
+        <p:grpSp>
+          <p:nvGrpSpPr>
+            <p:cNvPr id="5" name="グループ化 4">
+              <a:extLst>
+                <a:ext uri="{FF2B5EF4-FFF2-40B4-BE49-F238E27FC236}">
+                  <a16:creationId xmlns:a16="http://schemas.microsoft.com/office/drawing/2014/main" id="{FC7B611F-E1A7-964F-5EFC-62D5715FE75F}"/>
+                </a:ext>
+              </a:extLst>
+            </p:cNvPr>
+            <p:cNvGrpSpPr/>
+            <p:nvPr/>
+          </p:nvGrpSpPr>
+          <p:grpSpPr>
+            <a:xfrm>
+              <a:off x="2411760" y="1916832"/>
+              <a:ext cx="1512168" cy="1512168"/>
+              <a:chOff x="971600" y="4293096"/>
+              <a:chExt cx="2160240" cy="2160240"/>
+            </a:xfrm>
+          </p:grpSpPr>
+          <p:cxnSp>
+            <p:nvCxnSpPr>
+              <p:cNvPr id="7" name="直線コネクタ 6">
+                <a:extLst>
+                  <a:ext uri="{FF2B5EF4-FFF2-40B4-BE49-F238E27FC236}">
+                    <a16:creationId xmlns:a16="http://schemas.microsoft.com/office/drawing/2014/main" id="{BF8790E1-8ED4-E7E1-9E03-B2E1A3719F14}"/>
+                  </a:ext>
+                </a:extLst>
+              </p:cNvPr>
+              <p:cNvCxnSpPr>
+                <a:cxnSpLocks/>
+              </p:cNvCxnSpPr>
+              <p:nvPr/>
+            </p:nvCxnSpPr>
+            <p:spPr>
+              <a:xfrm>
+                <a:off x="971600" y="4293096"/>
+                <a:ext cx="0" cy="2160240"/>
+              </a:xfrm>
+              <a:prstGeom prst="line">
+                <a:avLst/>
+              </a:prstGeom>
+              <a:ln>
+                <a:solidFill>
+                  <a:schemeClr val="tx1"/>
+                </a:solidFill>
+                <a:headEnd type="none" w="med" len="med"/>
+                <a:tailEnd type="none" w="med" len="med"/>
+              </a:ln>
+            </p:spPr>
+            <p:style>
+              <a:lnRef idx="1">
+                <a:schemeClr val="accent1"/>
+              </a:lnRef>
+              <a:fillRef idx="0">
+                <a:schemeClr val="accent1"/>
+              </a:fillRef>
+              <a:effectRef idx="0">
+                <a:schemeClr val="accent1"/>
+              </a:effectRef>
+              <a:fontRef idx="minor">
+                <a:schemeClr val="tx1"/>
+              </a:fontRef>
+            </p:style>
+          </p:cxnSp>
+          <p:cxnSp>
+            <p:nvCxnSpPr>
+              <p:cNvPr id="8" name="直線コネクタ 7">
+                <a:extLst>
+                  <a:ext uri="{FF2B5EF4-FFF2-40B4-BE49-F238E27FC236}">
+                    <a16:creationId xmlns:a16="http://schemas.microsoft.com/office/drawing/2014/main" id="{40F9B7A9-CF69-8D94-5C6F-C059094959E3}"/>
+                  </a:ext>
+                </a:extLst>
+              </p:cNvPr>
+              <p:cNvCxnSpPr>
+                <a:cxnSpLocks/>
+              </p:cNvCxnSpPr>
+              <p:nvPr/>
+            </p:nvCxnSpPr>
+            <p:spPr>
+              <a:xfrm>
+                <a:off x="1691680" y="4293096"/>
+                <a:ext cx="0" cy="2160240"/>
+              </a:xfrm>
+              <a:prstGeom prst="line">
+                <a:avLst/>
+              </a:prstGeom>
+              <a:ln>
+                <a:solidFill>
+                  <a:schemeClr val="tx1"/>
+                </a:solidFill>
+                <a:headEnd type="none" w="med" len="med"/>
+                <a:tailEnd type="none" w="med" len="med"/>
+              </a:ln>
+            </p:spPr>
+            <p:style>
+              <a:lnRef idx="1">
+                <a:schemeClr val="accent1"/>
+              </a:lnRef>
+              <a:fillRef idx="0">
+                <a:schemeClr val="accent1"/>
+              </a:fillRef>
+              <a:effectRef idx="0">
+                <a:schemeClr val="accent1"/>
+              </a:effectRef>
+              <a:fontRef idx="minor">
+                <a:schemeClr val="tx1"/>
+              </a:fontRef>
+            </p:style>
+          </p:cxnSp>
+          <p:cxnSp>
+            <p:nvCxnSpPr>
+              <p:cNvPr id="9" name="直線コネクタ 8">
+                <a:extLst>
+                  <a:ext uri="{FF2B5EF4-FFF2-40B4-BE49-F238E27FC236}">
+                    <a16:creationId xmlns:a16="http://schemas.microsoft.com/office/drawing/2014/main" id="{71528F48-FE6D-4730-B23F-B7A81F292386}"/>
+                  </a:ext>
+                </a:extLst>
+              </p:cNvPr>
+              <p:cNvCxnSpPr>
+                <a:cxnSpLocks/>
+              </p:cNvCxnSpPr>
+              <p:nvPr/>
+            </p:nvCxnSpPr>
+            <p:spPr>
+              <a:xfrm>
+                <a:off x="2411760" y="4293096"/>
+                <a:ext cx="0" cy="2160240"/>
+              </a:xfrm>
+              <a:prstGeom prst="line">
+                <a:avLst/>
+              </a:prstGeom>
+              <a:ln>
+                <a:solidFill>
+                  <a:schemeClr val="tx1"/>
+                </a:solidFill>
+                <a:headEnd type="none" w="med" len="med"/>
+                <a:tailEnd type="none" w="med" len="med"/>
+              </a:ln>
+            </p:spPr>
+            <p:style>
+              <a:lnRef idx="1">
+                <a:schemeClr val="accent1"/>
+              </a:lnRef>
+              <a:fillRef idx="0">
+                <a:schemeClr val="accent1"/>
+              </a:fillRef>
+              <a:effectRef idx="0">
+                <a:schemeClr val="accent1"/>
+              </a:effectRef>
+              <a:fontRef idx="minor">
+                <a:schemeClr val="tx1"/>
+              </a:fontRef>
+            </p:style>
+          </p:cxnSp>
+          <p:cxnSp>
+            <p:nvCxnSpPr>
+              <p:cNvPr id="10" name="直線コネクタ 9">
+                <a:extLst>
+                  <a:ext uri="{FF2B5EF4-FFF2-40B4-BE49-F238E27FC236}">
+                    <a16:creationId xmlns:a16="http://schemas.microsoft.com/office/drawing/2014/main" id="{EBE4B9DE-FFA9-908C-57B8-1D239A449B84}"/>
+                  </a:ext>
+                </a:extLst>
+              </p:cNvPr>
+              <p:cNvCxnSpPr>
+                <a:cxnSpLocks/>
+              </p:cNvCxnSpPr>
+              <p:nvPr/>
+            </p:nvCxnSpPr>
+            <p:spPr>
+              <a:xfrm>
+                <a:off x="3131840" y="4293096"/>
+                <a:ext cx="0" cy="2160240"/>
+              </a:xfrm>
+              <a:prstGeom prst="line">
+                <a:avLst/>
+              </a:prstGeom>
+              <a:ln>
+                <a:solidFill>
+                  <a:schemeClr val="tx1"/>
+                </a:solidFill>
+                <a:headEnd type="none" w="med" len="med"/>
+                <a:tailEnd type="none" w="med" len="med"/>
+              </a:ln>
+            </p:spPr>
+            <p:style>
+              <a:lnRef idx="1">
+                <a:schemeClr val="accent1"/>
+              </a:lnRef>
+              <a:fillRef idx="0">
+                <a:schemeClr val="accent1"/>
+              </a:fillRef>
+              <a:effectRef idx="0">
+                <a:schemeClr val="accent1"/>
+              </a:effectRef>
+              <a:fontRef idx="minor">
+                <a:schemeClr val="tx1"/>
+              </a:fontRef>
+            </p:style>
+          </p:cxnSp>
+          <p:cxnSp>
+            <p:nvCxnSpPr>
+              <p:cNvPr id="11" name="直線コネクタ 10">
+                <a:extLst>
+                  <a:ext uri="{FF2B5EF4-FFF2-40B4-BE49-F238E27FC236}">
+                    <a16:creationId xmlns:a16="http://schemas.microsoft.com/office/drawing/2014/main" id="{7DAA0402-1ACC-D2EF-ECFA-3AFF0E3E9183}"/>
+                  </a:ext>
+                </a:extLst>
+              </p:cNvPr>
+              <p:cNvCxnSpPr>
+                <a:cxnSpLocks/>
+              </p:cNvCxnSpPr>
+              <p:nvPr/>
+            </p:nvCxnSpPr>
+            <p:spPr>
+              <a:xfrm>
+                <a:off x="971600" y="4293096"/>
+                <a:ext cx="2160240" cy="0"/>
+              </a:xfrm>
+              <a:prstGeom prst="line">
+                <a:avLst/>
+              </a:prstGeom>
+              <a:ln>
+                <a:solidFill>
+                  <a:schemeClr val="tx1"/>
+                </a:solidFill>
+                <a:headEnd type="none" w="med" len="med"/>
+                <a:tailEnd type="none" w="med" len="med"/>
+              </a:ln>
+            </p:spPr>
+            <p:style>
+              <a:lnRef idx="1">
+                <a:schemeClr val="accent1"/>
+              </a:lnRef>
+              <a:fillRef idx="0">
+                <a:schemeClr val="accent1"/>
+              </a:fillRef>
+              <a:effectRef idx="0">
+                <a:schemeClr val="accent1"/>
+              </a:effectRef>
+              <a:fontRef idx="minor">
+                <a:schemeClr val="tx1"/>
+              </a:fontRef>
+            </p:style>
+          </p:cxnSp>
+          <p:cxnSp>
+            <p:nvCxnSpPr>
+              <p:cNvPr id="12" name="直線コネクタ 11">
+                <a:extLst>
+                  <a:ext uri="{FF2B5EF4-FFF2-40B4-BE49-F238E27FC236}">
+                    <a16:creationId xmlns:a16="http://schemas.microsoft.com/office/drawing/2014/main" id="{88F2D74D-AD40-FF26-1132-8C0DCC20EEF4}"/>
+                  </a:ext>
+                </a:extLst>
+              </p:cNvPr>
+              <p:cNvCxnSpPr>
+                <a:cxnSpLocks/>
+              </p:cNvCxnSpPr>
+              <p:nvPr/>
+            </p:nvCxnSpPr>
+            <p:spPr>
+              <a:xfrm>
+                <a:off x="971600" y="5013176"/>
+                <a:ext cx="2160240" cy="0"/>
+              </a:xfrm>
+              <a:prstGeom prst="line">
+                <a:avLst/>
+              </a:prstGeom>
+              <a:ln>
+                <a:solidFill>
+                  <a:schemeClr val="tx1"/>
+                </a:solidFill>
+                <a:headEnd type="none" w="med" len="med"/>
+                <a:tailEnd type="none" w="med" len="med"/>
+              </a:ln>
+            </p:spPr>
+            <p:style>
+              <a:lnRef idx="1">
+                <a:schemeClr val="accent1"/>
+              </a:lnRef>
+              <a:fillRef idx="0">
+                <a:schemeClr val="accent1"/>
+              </a:fillRef>
+              <a:effectRef idx="0">
+                <a:schemeClr val="accent1"/>
+              </a:effectRef>
+              <a:fontRef idx="minor">
+                <a:schemeClr val="tx1"/>
+              </a:fontRef>
+            </p:style>
+          </p:cxnSp>
+          <p:cxnSp>
+            <p:nvCxnSpPr>
+              <p:cNvPr id="13" name="直線コネクタ 12">
+                <a:extLst>
+                  <a:ext uri="{FF2B5EF4-FFF2-40B4-BE49-F238E27FC236}">
+                    <a16:creationId xmlns:a16="http://schemas.microsoft.com/office/drawing/2014/main" id="{B5F928F5-EA30-628C-B222-69F578399500}"/>
+                  </a:ext>
+                </a:extLst>
+              </p:cNvPr>
+              <p:cNvCxnSpPr>
+                <a:cxnSpLocks/>
+              </p:cNvCxnSpPr>
+              <p:nvPr/>
+            </p:nvCxnSpPr>
+            <p:spPr>
+              <a:xfrm>
+                <a:off x="971600" y="5733256"/>
+                <a:ext cx="2160240" cy="0"/>
+              </a:xfrm>
+              <a:prstGeom prst="line">
+                <a:avLst/>
+              </a:prstGeom>
+              <a:ln>
+                <a:solidFill>
+                  <a:schemeClr val="tx1"/>
+                </a:solidFill>
+                <a:headEnd type="none" w="med" len="med"/>
+                <a:tailEnd type="none" w="med" len="med"/>
+              </a:ln>
+            </p:spPr>
+            <p:style>
+              <a:lnRef idx="1">
+                <a:schemeClr val="accent1"/>
+              </a:lnRef>
+              <a:fillRef idx="0">
+                <a:schemeClr val="accent1"/>
+              </a:fillRef>
+              <a:effectRef idx="0">
+                <a:schemeClr val="accent1"/>
+              </a:effectRef>
+              <a:fontRef idx="minor">
+                <a:schemeClr val="tx1"/>
+              </a:fontRef>
+            </p:style>
+          </p:cxnSp>
+          <p:cxnSp>
+            <p:nvCxnSpPr>
+              <p:cNvPr id="14" name="直線コネクタ 13">
+                <a:extLst>
+                  <a:ext uri="{FF2B5EF4-FFF2-40B4-BE49-F238E27FC236}">
+                    <a16:creationId xmlns:a16="http://schemas.microsoft.com/office/drawing/2014/main" id="{ECDC60C0-23A9-11C6-D9E6-16CD67AE4307}"/>
+                  </a:ext>
+                </a:extLst>
+              </p:cNvPr>
+              <p:cNvCxnSpPr>
+                <a:cxnSpLocks/>
+              </p:cNvCxnSpPr>
+              <p:nvPr/>
+            </p:nvCxnSpPr>
+            <p:spPr>
+              <a:xfrm>
+                <a:off x="971600" y="6453336"/>
+                <a:ext cx="2160240" cy="0"/>
+              </a:xfrm>
+              <a:prstGeom prst="line">
+                <a:avLst/>
+              </a:prstGeom>
+              <a:ln>
+                <a:solidFill>
+                  <a:schemeClr val="tx1"/>
+                </a:solidFill>
+                <a:headEnd type="none" w="med" len="med"/>
+                <a:tailEnd type="none" w="med" len="med"/>
+              </a:ln>
+            </p:spPr>
+            <p:style>
+              <a:lnRef idx="1">
+                <a:schemeClr val="accent1"/>
+              </a:lnRef>
+              <a:fillRef idx="0">
+                <a:schemeClr val="accent1"/>
+              </a:fillRef>
+              <a:effectRef idx="0">
+                <a:schemeClr val="accent1"/>
+              </a:effectRef>
+              <a:fontRef idx="minor">
+                <a:schemeClr val="tx1"/>
+              </a:fontRef>
+            </p:style>
+          </p:cxnSp>
+          <p:sp>
+            <p:nvSpPr>
+              <p:cNvPr id="15" name="楕円 14">
+                <a:extLst>
+                  <a:ext uri="{FF2B5EF4-FFF2-40B4-BE49-F238E27FC236}">
+                    <a16:creationId xmlns:a16="http://schemas.microsoft.com/office/drawing/2014/main" id="{E39CE0B2-3608-E9EE-C6B6-4280C024863B}"/>
+                  </a:ext>
+                </a:extLst>
+              </p:cNvPr>
+              <p:cNvSpPr/>
+              <p:nvPr/>
+            </p:nvSpPr>
+            <p:spPr>
+              <a:xfrm>
+                <a:off x="1691680" y="5013176"/>
+                <a:ext cx="720080" cy="720080"/>
+              </a:xfrm>
+              <a:prstGeom prst="ellipse">
+                <a:avLst/>
+              </a:prstGeom>
+              <a:solidFill>
+                <a:srgbClr val="011893"/>
+              </a:solidFill>
+              <a:ln>
+                <a:solidFill>
+                  <a:schemeClr val="tx1"/>
+                </a:solidFill>
+              </a:ln>
+            </p:spPr>
+            <p:style>
+              <a:lnRef idx="2">
+                <a:schemeClr val="accent1">
+                  <a:shade val="50000"/>
+                </a:schemeClr>
+              </a:lnRef>
+              <a:fillRef idx="1">
+                <a:schemeClr val="accent1"/>
+              </a:fillRef>
+              <a:effectRef idx="0">
+                <a:schemeClr val="accent1"/>
+              </a:effectRef>
+              <a:fontRef idx="minor">
+                <a:schemeClr val="lt1"/>
+              </a:fontRef>
+            </p:style>
+            <p:txBody>
+              <a:bodyPr rtlCol="0" anchor="ctr"/>
+              <a:lstStyle/>
+              <a:p>
+                <a:pPr algn="ctr"/>
+                <a:endParaRPr kumimoji="1" lang="ja-JP" altLang="en-US"/>
+              </a:p>
+            </p:txBody>
+          </p:sp>
+          <p:sp>
+            <p:nvSpPr>
+              <p:cNvPr id="16" name="楕円 15">
+                <a:extLst>
+                  <a:ext uri="{FF2B5EF4-FFF2-40B4-BE49-F238E27FC236}">
+                    <a16:creationId xmlns:a16="http://schemas.microsoft.com/office/drawing/2014/main" id="{480EC1D7-2E53-B772-85E0-E040929A6F95}"/>
+                  </a:ext>
+                </a:extLst>
+              </p:cNvPr>
+              <p:cNvSpPr/>
+              <p:nvPr/>
+            </p:nvSpPr>
+            <p:spPr>
+              <a:xfrm>
+                <a:off x="1691680" y="5733256"/>
+                <a:ext cx="720080" cy="720080"/>
+              </a:xfrm>
+              <a:prstGeom prst="ellipse">
+                <a:avLst/>
+              </a:prstGeom>
+              <a:solidFill>
+                <a:srgbClr val="011893"/>
+              </a:solidFill>
+              <a:ln>
+                <a:solidFill>
+                  <a:schemeClr val="tx1"/>
+                </a:solidFill>
+              </a:ln>
+            </p:spPr>
+            <p:style>
+              <a:lnRef idx="2">
+                <a:schemeClr val="accent1">
+                  <a:shade val="50000"/>
+                </a:schemeClr>
+              </a:lnRef>
+              <a:fillRef idx="1">
+                <a:schemeClr val="accent1"/>
+              </a:fillRef>
+              <a:effectRef idx="0">
+                <a:schemeClr val="accent1"/>
+              </a:effectRef>
+              <a:fontRef idx="minor">
+                <a:schemeClr val="lt1"/>
+              </a:fontRef>
+            </p:style>
+            <p:txBody>
+              <a:bodyPr rtlCol="0" anchor="ctr"/>
+              <a:lstStyle/>
+              <a:p>
+                <a:pPr algn="ctr"/>
+                <a:endParaRPr kumimoji="1" lang="ja-JP" altLang="en-US"/>
+              </a:p>
+            </p:txBody>
+          </p:sp>
+        </p:grpSp>
+        <p:sp>
+          <p:nvSpPr>
+            <p:cNvPr id="6" name="四角形: 角を丸くする 5">
+              <a:extLst>
+                <a:ext uri="{FF2B5EF4-FFF2-40B4-BE49-F238E27FC236}">
+                  <a16:creationId xmlns:a16="http://schemas.microsoft.com/office/drawing/2014/main" id="{E02B3D7F-369B-4AEE-E4F1-B68EDCC51E94}"/>
+                </a:ext>
+              </a:extLst>
+            </p:cNvPr>
+            <p:cNvSpPr/>
+            <p:nvPr/>
+          </p:nvSpPr>
+          <p:spPr>
+            <a:xfrm>
+              <a:off x="323528" y="1628800"/>
+              <a:ext cx="3888432" cy="2016224"/>
+            </a:xfrm>
+            <a:prstGeom prst="roundRect">
+              <a:avLst/>
+            </a:prstGeom>
+            <a:noFill/>
+            <a:ln w="28575">
+              <a:solidFill>
+                <a:schemeClr val="tx1"/>
+              </a:solidFill>
+              <a:prstDash val="dash"/>
+            </a:ln>
+          </p:spPr>
+          <p:style>
+            <a:lnRef idx="2">
+              <a:schemeClr val="accent1">
+                <a:shade val="50000"/>
+              </a:schemeClr>
+            </a:lnRef>
+            <a:fillRef idx="1">
+              <a:schemeClr val="accent1"/>
+            </a:fillRef>
+            <a:effectRef idx="0">
+              <a:schemeClr val="accent1"/>
+            </a:effectRef>
+            <a:fontRef idx="minor">
+              <a:schemeClr val="lt1"/>
+            </a:fontRef>
+          </p:style>
+          <p:txBody>
+            <a:bodyPr rtlCol="0" anchor="ctr"/>
+            <a:lstStyle/>
+            <a:p>
+              <a:pPr algn="ctr"/>
+              <a:endParaRPr kumimoji="1" lang="ja-JP" altLang="en-US"/>
+            </a:p>
+          </p:txBody>
+        </p:sp>
+      </p:grpSp>
+      <p:grpSp>
+        <p:nvGrpSpPr>
+          <p:cNvPr id="27" name="グループ化 26">
+            <a:extLst>
+              <a:ext uri="{FF2B5EF4-FFF2-40B4-BE49-F238E27FC236}">
+                <a16:creationId xmlns:a16="http://schemas.microsoft.com/office/drawing/2014/main" id="{EA409C91-DA42-00BA-7F54-C96B09E233C3}"/>
+              </a:ext>
+            </a:extLst>
+          </p:cNvPr>
+          <p:cNvGrpSpPr/>
+          <p:nvPr/>
+        </p:nvGrpSpPr>
+        <p:grpSpPr>
+          <a:xfrm>
+            <a:off x="4665721" y="1628800"/>
+            <a:ext cx="3888432" cy="2016224"/>
+            <a:chOff x="4716016" y="1628800"/>
+            <a:chExt cx="3888432" cy="2016224"/>
+          </a:xfrm>
+        </p:grpSpPr>
+        <p:grpSp>
+          <p:nvGrpSpPr>
+            <p:cNvPr id="28" name="グループ化 27">
+              <a:extLst>
+                <a:ext uri="{FF2B5EF4-FFF2-40B4-BE49-F238E27FC236}">
+                  <a16:creationId xmlns:a16="http://schemas.microsoft.com/office/drawing/2014/main" id="{B34BEF24-B59D-797B-BECC-F716FFEE8502}"/>
+                </a:ext>
+              </a:extLst>
+            </p:cNvPr>
+            <p:cNvGrpSpPr/>
+            <p:nvPr/>
+          </p:nvGrpSpPr>
+          <p:grpSpPr>
+            <a:xfrm>
+              <a:off x="4932040" y="1916832"/>
+              <a:ext cx="3528392" cy="1584176"/>
+              <a:chOff x="4932040" y="1916832"/>
+              <a:chExt cx="3528392" cy="1584176"/>
+            </a:xfrm>
+          </p:grpSpPr>
+          <p:grpSp>
+            <p:nvGrpSpPr>
+              <p:cNvPr id="30" name="グループ化 29">
+                <a:extLst>
+                  <a:ext uri="{FF2B5EF4-FFF2-40B4-BE49-F238E27FC236}">
+                    <a16:creationId xmlns:a16="http://schemas.microsoft.com/office/drawing/2014/main" id="{5287C72F-530B-1616-87FC-67AE7AE9E25A}"/>
+                  </a:ext>
+                </a:extLst>
+              </p:cNvPr>
+              <p:cNvGrpSpPr/>
+              <p:nvPr/>
+            </p:nvGrpSpPr>
+            <p:grpSpPr>
+              <a:xfrm>
+                <a:off x="4932040" y="1988840"/>
+                <a:ext cx="1512168" cy="1512168"/>
+                <a:chOff x="5292080" y="1628800"/>
+                <a:chExt cx="2160240" cy="2160240"/>
+              </a:xfrm>
+            </p:grpSpPr>
+            <p:cxnSp>
+              <p:nvCxnSpPr>
+                <p:cNvPr id="42" name="直線コネクタ 41">
+                  <a:extLst>
+                    <a:ext uri="{FF2B5EF4-FFF2-40B4-BE49-F238E27FC236}">
+                      <a16:creationId xmlns:a16="http://schemas.microsoft.com/office/drawing/2014/main" id="{C2CF932D-FCB3-FAF1-0C39-054E839D07F2}"/>
+                    </a:ext>
+                  </a:extLst>
+                </p:cNvPr>
+                <p:cNvCxnSpPr>
+                  <a:cxnSpLocks/>
+                </p:cNvCxnSpPr>
+                <p:nvPr/>
+              </p:nvCxnSpPr>
+              <p:spPr>
+                <a:xfrm>
+                  <a:off x="5292080" y="1628800"/>
+                  <a:ext cx="0" cy="2160240"/>
+                </a:xfrm>
+                <a:prstGeom prst="line">
+                  <a:avLst/>
+                </a:prstGeom>
+                <a:ln>
+                  <a:solidFill>
+                    <a:schemeClr val="tx1"/>
+                  </a:solidFill>
+                  <a:headEnd type="none" w="med" len="med"/>
+                  <a:tailEnd type="none" w="med" len="med"/>
+                </a:ln>
+              </p:spPr>
+              <p:style>
+                <a:lnRef idx="1">
+                  <a:schemeClr val="accent1"/>
+                </a:lnRef>
+                <a:fillRef idx="0">
+                  <a:schemeClr val="accent1"/>
+                </a:fillRef>
+                <a:effectRef idx="0">
+                  <a:schemeClr val="accent1"/>
+                </a:effectRef>
+                <a:fontRef idx="minor">
+                  <a:schemeClr val="tx1"/>
+                </a:fontRef>
+              </p:style>
+            </p:cxnSp>
+            <p:cxnSp>
+              <p:nvCxnSpPr>
+                <p:cNvPr id="43" name="直線コネクタ 42">
+                  <a:extLst>
+                    <a:ext uri="{FF2B5EF4-FFF2-40B4-BE49-F238E27FC236}">
+                      <a16:creationId xmlns:a16="http://schemas.microsoft.com/office/drawing/2014/main" id="{77B25B65-2904-EFA0-29BB-EBD56F96C6B6}"/>
+                    </a:ext>
+                  </a:extLst>
+                </p:cNvPr>
+                <p:cNvCxnSpPr>
+                  <a:cxnSpLocks/>
+                </p:cNvCxnSpPr>
+                <p:nvPr/>
+              </p:nvCxnSpPr>
+              <p:spPr>
+                <a:xfrm>
+                  <a:off x="6012160" y="1628800"/>
+                  <a:ext cx="0" cy="2160240"/>
+                </a:xfrm>
+                <a:prstGeom prst="line">
+                  <a:avLst/>
+                </a:prstGeom>
+                <a:ln>
+                  <a:solidFill>
+                    <a:schemeClr val="tx1"/>
+                  </a:solidFill>
+                  <a:headEnd type="none" w="med" len="med"/>
+                  <a:tailEnd type="none" w="med" len="med"/>
+                </a:ln>
+              </p:spPr>
+              <p:style>
+                <a:lnRef idx="1">
+                  <a:schemeClr val="accent1"/>
+                </a:lnRef>
+                <a:fillRef idx="0">
+                  <a:schemeClr val="accent1"/>
+                </a:fillRef>
+                <a:effectRef idx="0">
+                  <a:schemeClr val="accent1"/>
+                </a:effectRef>
+                <a:fontRef idx="minor">
+                  <a:schemeClr val="tx1"/>
+                </a:fontRef>
+              </p:style>
+            </p:cxnSp>
+            <p:cxnSp>
+              <p:nvCxnSpPr>
+                <p:cNvPr id="44" name="直線コネクタ 43">
+                  <a:extLst>
+                    <a:ext uri="{FF2B5EF4-FFF2-40B4-BE49-F238E27FC236}">
+                      <a16:creationId xmlns:a16="http://schemas.microsoft.com/office/drawing/2014/main" id="{D64A3E1D-054F-1102-83E2-99C70EC57332}"/>
+                    </a:ext>
+                  </a:extLst>
+                </p:cNvPr>
+                <p:cNvCxnSpPr>
+                  <a:cxnSpLocks/>
+                </p:cNvCxnSpPr>
+                <p:nvPr/>
+              </p:nvCxnSpPr>
+              <p:spPr>
+                <a:xfrm>
+                  <a:off x="6732240" y="1628800"/>
+                  <a:ext cx="0" cy="2160240"/>
+                </a:xfrm>
+                <a:prstGeom prst="line">
+                  <a:avLst/>
+                </a:prstGeom>
+                <a:ln>
+                  <a:solidFill>
+                    <a:schemeClr val="tx1"/>
+                  </a:solidFill>
+                  <a:headEnd type="none" w="med" len="med"/>
+                  <a:tailEnd type="none" w="med" len="med"/>
+                </a:ln>
+              </p:spPr>
+              <p:style>
+                <a:lnRef idx="1">
+                  <a:schemeClr val="accent1"/>
+                </a:lnRef>
+                <a:fillRef idx="0">
+                  <a:schemeClr val="accent1"/>
+                </a:fillRef>
+                <a:effectRef idx="0">
+                  <a:schemeClr val="accent1"/>
+                </a:effectRef>
+                <a:fontRef idx="minor">
+                  <a:schemeClr val="tx1"/>
+                </a:fontRef>
+              </p:style>
+            </p:cxnSp>
+            <p:cxnSp>
+              <p:nvCxnSpPr>
+                <p:cNvPr id="45" name="直線コネクタ 44">
+                  <a:extLst>
+                    <a:ext uri="{FF2B5EF4-FFF2-40B4-BE49-F238E27FC236}">
+                      <a16:creationId xmlns:a16="http://schemas.microsoft.com/office/drawing/2014/main" id="{57D4A9D1-2777-879C-DD32-CEB60DC75245}"/>
+                    </a:ext>
+                  </a:extLst>
+                </p:cNvPr>
+                <p:cNvCxnSpPr>
+                  <a:cxnSpLocks/>
+                </p:cNvCxnSpPr>
+                <p:nvPr/>
+              </p:nvCxnSpPr>
+              <p:spPr>
+                <a:xfrm>
+                  <a:off x="7452320" y="1628800"/>
+                  <a:ext cx="0" cy="2160240"/>
+                </a:xfrm>
+                <a:prstGeom prst="line">
+                  <a:avLst/>
+                </a:prstGeom>
+                <a:ln>
+                  <a:solidFill>
+                    <a:schemeClr val="tx1"/>
+                  </a:solidFill>
+                  <a:headEnd type="none" w="med" len="med"/>
+                  <a:tailEnd type="none" w="med" len="med"/>
+                </a:ln>
+              </p:spPr>
+              <p:style>
+                <a:lnRef idx="1">
+                  <a:schemeClr val="accent1"/>
+                </a:lnRef>
+                <a:fillRef idx="0">
+                  <a:schemeClr val="accent1"/>
+                </a:fillRef>
+                <a:effectRef idx="0">
+                  <a:schemeClr val="accent1"/>
+                </a:effectRef>
+                <a:fontRef idx="minor">
+                  <a:schemeClr val="tx1"/>
+                </a:fontRef>
+              </p:style>
+            </p:cxnSp>
+            <p:cxnSp>
+              <p:nvCxnSpPr>
+                <p:cNvPr id="46" name="直線コネクタ 45">
+                  <a:extLst>
+                    <a:ext uri="{FF2B5EF4-FFF2-40B4-BE49-F238E27FC236}">
+                      <a16:creationId xmlns:a16="http://schemas.microsoft.com/office/drawing/2014/main" id="{9DF72B0B-5E09-5E29-EBFC-72718054E59F}"/>
+                    </a:ext>
+                  </a:extLst>
+                </p:cNvPr>
+                <p:cNvCxnSpPr>
+                  <a:cxnSpLocks/>
+                </p:cNvCxnSpPr>
+                <p:nvPr/>
+              </p:nvCxnSpPr>
+              <p:spPr>
+                <a:xfrm>
+                  <a:off x="5292080" y="1628800"/>
+                  <a:ext cx="2160240" cy="0"/>
+                </a:xfrm>
+                <a:prstGeom prst="line">
+                  <a:avLst/>
+                </a:prstGeom>
+                <a:ln>
+                  <a:solidFill>
+                    <a:schemeClr val="tx1"/>
+                  </a:solidFill>
+                  <a:headEnd type="none" w="med" len="med"/>
+                  <a:tailEnd type="none" w="med" len="med"/>
+                </a:ln>
+              </p:spPr>
+              <p:style>
+                <a:lnRef idx="1">
+                  <a:schemeClr val="accent1"/>
+                </a:lnRef>
+                <a:fillRef idx="0">
+                  <a:schemeClr val="accent1"/>
+                </a:fillRef>
+                <a:effectRef idx="0">
+                  <a:schemeClr val="accent1"/>
+                </a:effectRef>
+                <a:fontRef idx="minor">
+                  <a:schemeClr val="tx1"/>
+                </a:fontRef>
+              </p:style>
+            </p:cxnSp>
+            <p:cxnSp>
+              <p:nvCxnSpPr>
+                <p:cNvPr id="47" name="直線コネクタ 46">
+                  <a:extLst>
+                    <a:ext uri="{FF2B5EF4-FFF2-40B4-BE49-F238E27FC236}">
+                      <a16:creationId xmlns:a16="http://schemas.microsoft.com/office/drawing/2014/main" id="{C094D426-1267-9AC1-9444-E3262EE7367F}"/>
+                    </a:ext>
+                  </a:extLst>
+                </p:cNvPr>
+                <p:cNvCxnSpPr>
+                  <a:cxnSpLocks/>
+                </p:cNvCxnSpPr>
+                <p:nvPr/>
+              </p:nvCxnSpPr>
+              <p:spPr>
+                <a:xfrm>
+                  <a:off x="5292080" y="2348880"/>
+                  <a:ext cx="2160240" cy="0"/>
+                </a:xfrm>
+                <a:prstGeom prst="line">
+                  <a:avLst/>
+                </a:prstGeom>
+                <a:ln>
+                  <a:solidFill>
+                    <a:schemeClr val="tx1"/>
+                  </a:solidFill>
+                  <a:headEnd type="none" w="med" len="med"/>
+                  <a:tailEnd type="none" w="med" len="med"/>
+                </a:ln>
+              </p:spPr>
+              <p:style>
+                <a:lnRef idx="1">
+                  <a:schemeClr val="accent1"/>
+                </a:lnRef>
+                <a:fillRef idx="0">
+                  <a:schemeClr val="accent1"/>
+                </a:fillRef>
+                <a:effectRef idx="0">
+                  <a:schemeClr val="accent1"/>
+                </a:effectRef>
+                <a:fontRef idx="minor">
+                  <a:schemeClr val="tx1"/>
+                </a:fontRef>
+              </p:style>
+            </p:cxnSp>
+            <p:cxnSp>
+              <p:nvCxnSpPr>
+                <p:cNvPr id="48" name="直線コネクタ 47">
+                  <a:extLst>
+                    <a:ext uri="{FF2B5EF4-FFF2-40B4-BE49-F238E27FC236}">
+                      <a16:creationId xmlns:a16="http://schemas.microsoft.com/office/drawing/2014/main" id="{B50B5107-33B5-91A4-6549-1498B14574A4}"/>
+                    </a:ext>
+                  </a:extLst>
+                </p:cNvPr>
+                <p:cNvCxnSpPr>
+                  <a:cxnSpLocks/>
+                </p:cNvCxnSpPr>
+                <p:nvPr/>
+              </p:nvCxnSpPr>
+              <p:spPr>
+                <a:xfrm>
+                  <a:off x="5292080" y="3068960"/>
+                  <a:ext cx="2160240" cy="0"/>
+                </a:xfrm>
+                <a:prstGeom prst="line">
+                  <a:avLst/>
+                </a:prstGeom>
+                <a:ln>
+                  <a:solidFill>
+                    <a:schemeClr val="tx1"/>
+                  </a:solidFill>
+                  <a:headEnd type="none" w="med" len="med"/>
+                  <a:tailEnd type="none" w="med" len="med"/>
+                </a:ln>
+              </p:spPr>
+              <p:style>
+                <a:lnRef idx="1">
+                  <a:schemeClr val="accent1"/>
+                </a:lnRef>
+                <a:fillRef idx="0">
+                  <a:schemeClr val="accent1"/>
+                </a:fillRef>
+                <a:effectRef idx="0">
+                  <a:schemeClr val="accent1"/>
+                </a:effectRef>
+                <a:fontRef idx="minor">
+                  <a:schemeClr val="tx1"/>
+                </a:fontRef>
+              </p:style>
+            </p:cxnSp>
+            <p:cxnSp>
+              <p:nvCxnSpPr>
+                <p:cNvPr id="49" name="直線コネクタ 48">
+                  <a:extLst>
+                    <a:ext uri="{FF2B5EF4-FFF2-40B4-BE49-F238E27FC236}">
+                      <a16:creationId xmlns:a16="http://schemas.microsoft.com/office/drawing/2014/main" id="{A77A654E-41CC-FF3E-FFEA-84D899D49235}"/>
+                    </a:ext>
+                  </a:extLst>
+                </p:cNvPr>
+                <p:cNvCxnSpPr>
+                  <a:cxnSpLocks/>
+                </p:cNvCxnSpPr>
+                <p:nvPr/>
+              </p:nvCxnSpPr>
+              <p:spPr>
+                <a:xfrm>
+                  <a:off x="5292080" y="3789040"/>
+                  <a:ext cx="2160240" cy="0"/>
+                </a:xfrm>
+                <a:prstGeom prst="line">
+                  <a:avLst/>
+                </a:prstGeom>
+                <a:ln>
+                  <a:solidFill>
+                    <a:schemeClr val="tx1"/>
+                  </a:solidFill>
+                  <a:headEnd type="none" w="med" len="med"/>
+                  <a:tailEnd type="none" w="med" len="med"/>
+                </a:ln>
+              </p:spPr>
+              <p:style>
+                <a:lnRef idx="1">
+                  <a:schemeClr val="accent1"/>
+                </a:lnRef>
+                <a:fillRef idx="0">
+                  <a:schemeClr val="accent1"/>
+                </a:fillRef>
+                <a:effectRef idx="0">
+                  <a:schemeClr val="accent1"/>
+                </a:effectRef>
+                <a:fontRef idx="minor">
+                  <a:schemeClr val="tx1"/>
+                </a:fontRef>
+              </p:style>
+            </p:cxnSp>
+            <p:sp>
+              <p:nvSpPr>
+                <p:cNvPr id="50" name="楕円 49">
+                  <a:extLst>
+                    <a:ext uri="{FF2B5EF4-FFF2-40B4-BE49-F238E27FC236}">
+                      <a16:creationId xmlns:a16="http://schemas.microsoft.com/office/drawing/2014/main" id="{A73F2A1F-F0C9-3499-FCA9-1A3C394DB887}"/>
+                    </a:ext>
+                  </a:extLst>
+                </p:cNvPr>
+                <p:cNvSpPr/>
+                <p:nvPr/>
+              </p:nvSpPr>
+              <p:spPr>
+                <a:xfrm>
+                  <a:off x="6732240" y="1628800"/>
+                  <a:ext cx="720080" cy="720080"/>
+                </a:xfrm>
+                <a:prstGeom prst="ellipse">
+                  <a:avLst/>
+                </a:prstGeom>
+                <a:solidFill>
+                  <a:srgbClr val="011893"/>
+                </a:solidFill>
+                <a:ln>
+                  <a:solidFill>
+                    <a:schemeClr val="tx1"/>
+                  </a:solidFill>
+                </a:ln>
+              </p:spPr>
+              <p:style>
+                <a:lnRef idx="2">
+                  <a:schemeClr val="accent1">
+                    <a:shade val="50000"/>
+                  </a:schemeClr>
+                </a:lnRef>
+                <a:fillRef idx="1">
+                  <a:schemeClr val="accent1"/>
+                </a:fillRef>
+                <a:effectRef idx="0">
+                  <a:schemeClr val="accent1"/>
+                </a:effectRef>
+                <a:fontRef idx="minor">
+                  <a:schemeClr val="lt1"/>
+                </a:fontRef>
+              </p:style>
+              <p:txBody>
+                <a:bodyPr rtlCol="0" anchor="ctr"/>
+                <a:lstStyle/>
+                <a:p>
+                  <a:pPr algn="ctr"/>
+                  <a:endParaRPr kumimoji="1" lang="ja-JP" altLang="en-US"/>
+                </a:p>
+              </p:txBody>
+            </p:sp>
+            <p:sp>
+              <p:nvSpPr>
+                <p:cNvPr id="51" name="楕円 50">
+                  <a:extLst>
+                    <a:ext uri="{FF2B5EF4-FFF2-40B4-BE49-F238E27FC236}">
+                      <a16:creationId xmlns:a16="http://schemas.microsoft.com/office/drawing/2014/main" id="{00E12091-3A14-6913-285A-051CB98CE61B}"/>
+                    </a:ext>
+                  </a:extLst>
+                </p:cNvPr>
+                <p:cNvSpPr/>
+                <p:nvPr/>
+              </p:nvSpPr>
+              <p:spPr>
+                <a:xfrm>
+                  <a:off x="6012160" y="3068960"/>
+                  <a:ext cx="720080" cy="720080"/>
+                </a:xfrm>
+                <a:prstGeom prst="ellipse">
+                  <a:avLst/>
+                </a:prstGeom>
+                <a:solidFill>
+                  <a:srgbClr val="011893"/>
+                </a:solidFill>
+                <a:ln>
+                  <a:solidFill>
+                    <a:schemeClr val="tx1"/>
+                  </a:solidFill>
+                </a:ln>
+              </p:spPr>
+              <p:style>
+                <a:lnRef idx="2">
+                  <a:schemeClr val="accent1">
+                    <a:shade val="50000"/>
+                  </a:schemeClr>
+                </a:lnRef>
+                <a:fillRef idx="1">
+                  <a:schemeClr val="accent1"/>
+                </a:fillRef>
+                <a:effectRef idx="0">
+                  <a:schemeClr val="accent1"/>
+                </a:effectRef>
+                <a:fontRef idx="minor">
+                  <a:schemeClr val="lt1"/>
+                </a:fontRef>
+              </p:style>
+              <p:txBody>
+                <a:bodyPr rtlCol="0" anchor="ctr"/>
+                <a:lstStyle/>
+                <a:p>
+                  <a:pPr algn="ctr"/>
+                  <a:endParaRPr kumimoji="1" lang="ja-JP" altLang="en-US"/>
+                </a:p>
+              </p:txBody>
+            </p:sp>
+          </p:grpSp>
+          <p:grpSp>
+            <p:nvGrpSpPr>
+              <p:cNvPr id="31" name="グループ化 30">
+                <a:extLst>
+                  <a:ext uri="{FF2B5EF4-FFF2-40B4-BE49-F238E27FC236}">
+                    <a16:creationId xmlns:a16="http://schemas.microsoft.com/office/drawing/2014/main" id="{982AC080-3A7F-B615-8B4B-522143C5FFB7}"/>
+                  </a:ext>
+                </a:extLst>
+              </p:cNvPr>
+              <p:cNvGrpSpPr/>
+              <p:nvPr/>
+            </p:nvGrpSpPr>
+            <p:grpSpPr>
+              <a:xfrm>
+                <a:off x="6948264" y="1916832"/>
+                <a:ext cx="1512168" cy="1512168"/>
+                <a:chOff x="5292080" y="4365104"/>
+                <a:chExt cx="2160240" cy="2160240"/>
+              </a:xfrm>
+            </p:grpSpPr>
+            <p:cxnSp>
+              <p:nvCxnSpPr>
+                <p:cNvPr id="32" name="直線コネクタ 31">
+                  <a:extLst>
+                    <a:ext uri="{FF2B5EF4-FFF2-40B4-BE49-F238E27FC236}">
+                      <a16:creationId xmlns:a16="http://schemas.microsoft.com/office/drawing/2014/main" id="{03C2404D-0B12-84EF-9869-DEBBFE85E2BF}"/>
+                    </a:ext>
+                  </a:extLst>
+                </p:cNvPr>
+                <p:cNvCxnSpPr>
+                  <a:cxnSpLocks/>
+                </p:cNvCxnSpPr>
+                <p:nvPr/>
+              </p:nvCxnSpPr>
+              <p:spPr>
+                <a:xfrm>
+                  <a:off x="5292080" y="4365104"/>
+                  <a:ext cx="0" cy="2160240"/>
+                </a:xfrm>
+                <a:prstGeom prst="line">
+                  <a:avLst/>
+                </a:prstGeom>
+                <a:ln>
+                  <a:solidFill>
+                    <a:schemeClr val="tx1"/>
+                  </a:solidFill>
+                  <a:headEnd type="none" w="med" len="med"/>
+                  <a:tailEnd type="none" w="med" len="med"/>
+                </a:ln>
+              </p:spPr>
+              <p:style>
+                <a:lnRef idx="1">
+                  <a:schemeClr val="accent1"/>
+                </a:lnRef>
+                <a:fillRef idx="0">
+                  <a:schemeClr val="accent1"/>
+                </a:fillRef>
+                <a:effectRef idx="0">
+                  <a:schemeClr val="accent1"/>
+                </a:effectRef>
+                <a:fontRef idx="minor">
+                  <a:schemeClr val="tx1"/>
+                </a:fontRef>
+              </p:style>
+            </p:cxnSp>
+            <p:cxnSp>
+              <p:nvCxnSpPr>
+                <p:cNvPr id="33" name="直線コネクタ 32">
+                  <a:extLst>
+                    <a:ext uri="{FF2B5EF4-FFF2-40B4-BE49-F238E27FC236}">
+                      <a16:creationId xmlns:a16="http://schemas.microsoft.com/office/drawing/2014/main" id="{72DABB7C-EC1B-008D-CE6E-0A5AE75E23AF}"/>
+                    </a:ext>
+                  </a:extLst>
+                </p:cNvPr>
+                <p:cNvCxnSpPr>
+                  <a:cxnSpLocks/>
+                </p:cNvCxnSpPr>
+                <p:nvPr/>
+              </p:nvCxnSpPr>
+              <p:spPr>
+                <a:xfrm>
+                  <a:off x="6012160" y="4365104"/>
+                  <a:ext cx="0" cy="2160240"/>
+                </a:xfrm>
+                <a:prstGeom prst="line">
+                  <a:avLst/>
+                </a:prstGeom>
+                <a:ln>
+                  <a:solidFill>
+                    <a:schemeClr val="tx1"/>
+                  </a:solidFill>
+                  <a:headEnd type="none" w="med" len="med"/>
+                  <a:tailEnd type="none" w="med" len="med"/>
+                </a:ln>
+              </p:spPr>
+              <p:style>
+                <a:lnRef idx="1">
+                  <a:schemeClr val="accent1"/>
+                </a:lnRef>
+                <a:fillRef idx="0">
+                  <a:schemeClr val="accent1"/>
+                </a:fillRef>
+                <a:effectRef idx="0">
+                  <a:schemeClr val="accent1"/>
+                </a:effectRef>
+                <a:fontRef idx="minor">
+                  <a:schemeClr val="tx1"/>
+                </a:fontRef>
+              </p:style>
+            </p:cxnSp>
+            <p:cxnSp>
+              <p:nvCxnSpPr>
+                <p:cNvPr id="34" name="直線コネクタ 33">
+                  <a:extLst>
+                    <a:ext uri="{FF2B5EF4-FFF2-40B4-BE49-F238E27FC236}">
+                      <a16:creationId xmlns:a16="http://schemas.microsoft.com/office/drawing/2014/main" id="{F342760E-9A07-1F19-4466-4055DFE15A37}"/>
+                    </a:ext>
+                  </a:extLst>
+                </p:cNvPr>
+                <p:cNvCxnSpPr>
+                  <a:cxnSpLocks/>
+                </p:cNvCxnSpPr>
+                <p:nvPr/>
+              </p:nvCxnSpPr>
+              <p:spPr>
+                <a:xfrm>
+                  <a:off x="6732240" y="4365104"/>
+                  <a:ext cx="0" cy="2160240"/>
+                </a:xfrm>
+                <a:prstGeom prst="line">
+                  <a:avLst/>
+                </a:prstGeom>
+                <a:ln>
+                  <a:solidFill>
+                    <a:schemeClr val="tx1"/>
+                  </a:solidFill>
+                  <a:headEnd type="none" w="med" len="med"/>
+                  <a:tailEnd type="none" w="med" len="med"/>
+                </a:ln>
+              </p:spPr>
+              <p:style>
+                <a:lnRef idx="1">
+                  <a:schemeClr val="accent1"/>
+                </a:lnRef>
+                <a:fillRef idx="0">
+                  <a:schemeClr val="accent1"/>
+                </a:fillRef>
+                <a:effectRef idx="0">
+                  <a:schemeClr val="accent1"/>
+                </a:effectRef>
+                <a:fontRef idx="minor">
+                  <a:schemeClr val="tx1"/>
+                </a:fontRef>
+              </p:style>
+            </p:cxnSp>
+            <p:cxnSp>
+              <p:nvCxnSpPr>
+                <p:cNvPr id="35" name="直線コネクタ 34">
+                  <a:extLst>
+                    <a:ext uri="{FF2B5EF4-FFF2-40B4-BE49-F238E27FC236}">
+                      <a16:creationId xmlns:a16="http://schemas.microsoft.com/office/drawing/2014/main" id="{AB429BF4-0B43-8A68-B405-159DE7AA144B}"/>
+                    </a:ext>
+                  </a:extLst>
+                </p:cNvPr>
+                <p:cNvCxnSpPr>
+                  <a:cxnSpLocks/>
+                </p:cNvCxnSpPr>
+                <p:nvPr/>
+              </p:nvCxnSpPr>
+              <p:spPr>
+                <a:xfrm>
+                  <a:off x="7452320" y="4365104"/>
+                  <a:ext cx="0" cy="2160240"/>
+                </a:xfrm>
+                <a:prstGeom prst="line">
+                  <a:avLst/>
+                </a:prstGeom>
+                <a:ln>
+                  <a:solidFill>
+                    <a:schemeClr val="tx1"/>
+                  </a:solidFill>
+                  <a:headEnd type="none" w="med" len="med"/>
+                  <a:tailEnd type="none" w="med" len="med"/>
+                </a:ln>
+              </p:spPr>
+              <p:style>
+                <a:lnRef idx="1">
+                  <a:schemeClr val="accent1"/>
+                </a:lnRef>
+                <a:fillRef idx="0">
+                  <a:schemeClr val="accent1"/>
+                </a:fillRef>
+                <a:effectRef idx="0">
+                  <a:schemeClr val="accent1"/>
+                </a:effectRef>
+                <a:fontRef idx="minor">
+                  <a:schemeClr val="tx1"/>
+                </a:fontRef>
+              </p:style>
+            </p:cxnSp>
+            <p:cxnSp>
+              <p:nvCxnSpPr>
+                <p:cNvPr id="36" name="直線コネクタ 35">
+                  <a:extLst>
+                    <a:ext uri="{FF2B5EF4-FFF2-40B4-BE49-F238E27FC236}">
+                      <a16:creationId xmlns:a16="http://schemas.microsoft.com/office/drawing/2014/main" id="{A9CBA9D1-643F-DC4C-E655-94E55AAEE569}"/>
+                    </a:ext>
+                  </a:extLst>
+                </p:cNvPr>
+                <p:cNvCxnSpPr>
+                  <a:cxnSpLocks/>
+                </p:cNvCxnSpPr>
+                <p:nvPr/>
+              </p:nvCxnSpPr>
+              <p:spPr>
+                <a:xfrm>
+                  <a:off x="5292080" y="4365104"/>
+                  <a:ext cx="2160240" cy="0"/>
+                </a:xfrm>
+                <a:prstGeom prst="line">
+                  <a:avLst/>
+                </a:prstGeom>
+                <a:ln>
+                  <a:solidFill>
+                    <a:schemeClr val="tx1"/>
+                  </a:solidFill>
+                  <a:headEnd type="none" w="med" len="med"/>
+                  <a:tailEnd type="none" w="med" len="med"/>
+                </a:ln>
+              </p:spPr>
+              <p:style>
+                <a:lnRef idx="1">
+                  <a:schemeClr val="accent1"/>
+                </a:lnRef>
+                <a:fillRef idx="0">
+                  <a:schemeClr val="accent1"/>
+                </a:fillRef>
+                <a:effectRef idx="0">
+                  <a:schemeClr val="accent1"/>
+                </a:effectRef>
+                <a:fontRef idx="minor">
+                  <a:schemeClr val="tx1"/>
+                </a:fontRef>
+              </p:style>
+            </p:cxnSp>
+            <p:cxnSp>
+              <p:nvCxnSpPr>
+                <p:cNvPr id="37" name="直線コネクタ 36">
+                  <a:extLst>
+                    <a:ext uri="{FF2B5EF4-FFF2-40B4-BE49-F238E27FC236}">
+                      <a16:creationId xmlns:a16="http://schemas.microsoft.com/office/drawing/2014/main" id="{4DD818CC-6AC6-B253-C849-C0EAEB8238A5}"/>
+                    </a:ext>
+                  </a:extLst>
+                </p:cNvPr>
+                <p:cNvCxnSpPr>
+                  <a:cxnSpLocks/>
+                </p:cNvCxnSpPr>
+                <p:nvPr/>
+              </p:nvCxnSpPr>
+              <p:spPr>
+                <a:xfrm>
+                  <a:off x="5292080" y="5085184"/>
+                  <a:ext cx="2160240" cy="0"/>
+                </a:xfrm>
+                <a:prstGeom prst="line">
+                  <a:avLst/>
+                </a:prstGeom>
+                <a:ln>
+                  <a:solidFill>
+                    <a:schemeClr val="tx1"/>
+                  </a:solidFill>
+                  <a:headEnd type="none" w="med" len="med"/>
+                  <a:tailEnd type="none" w="med" len="med"/>
+                </a:ln>
+              </p:spPr>
+              <p:style>
+                <a:lnRef idx="1">
+                  <a:schemeClr val="accent1"/>
+                </a:lnRef>
+                <a:fillRef idx="0">
+                  <a:schemeClr val="accent1"/>
+                </a:fillRef>
+                <a:effectRef idx="0">
+                  <a:schemeClr val="accent1"/>
+                </a:effectRef>
+                <a:fontRef idx="minor">
+                  <a:schemeClr val="tx1"/>
+                </a:fontRef>
+              </p:style>
+            </p:cxnSp>
+            <p:cxnSp>
+              <p:nvCxnSpPr>
+                <p:cNvPr id="38" name="直線コネクタ 37">
+                  <a:extLst>
+                    <a:ext uri="{FF2B5EF4-FFF2-40B4-BE49-F238E27FC236}">
+                      <a16:creationId xmlns:a16="http://schemas.microsoft.com/office/drawing/2014/main" id="{A0212981-8EDA-F6E7-90F1-6B4CA1576A0A}"/>
+                    </a:ext>
+                  </a:extLst>
+                </p:cNvPr>
+                <p:cNvCxnSpPr>
+                  <a:cxnSpLocks/>
+                </p:cNvCxnSpPr>
+                <p:nvPr/>
+              </p:nvCxnSpPr>
+              <p:spPr>
+                <a:xfrm>
+                  <a:off x="5292080" y="5805264"/>
+                  <a:ext cx="2160240" cy="0"/>
+                </a:xfrm>
+                <a:prstGeom prst="line">
+                  <a:avLst/>
+                </a:prstGeom>
+                <a:ln>
+                  <a:solidFill>
+                    <a:schemeClr val="tx1"/>
+                  </a:solidFill>
+                  <a:headEnd type="none" w="med" len="med"/>
+                  <a:tailEnd type="none" w="med" len="med"/>
+                </a:ln>
+              </p:spPr>
+              <p:style>
+                <a:lnRef idx="1">
+                  <a:schemeClr val="accent1"/>
+                </a:lnRef>
+                <a:fillRef idx="0">
+                  <a:schemeClr val="accent1"/>
+                </a:fillRef>
+                <a:effectRef idx="0">
+                  <a:schemeClr val="accent1"/>
+                </a:effectRef>
+                <a:fontRef idx="minor">
+                  <a:schemeClr val="tx1"/>
+                </a:fontRef>
+              </p:style>
+            </p:cxnSp>
+            <p:cxnSp>
+              <p:nvCxnSpPr>
+                <p:cNvPr id="39" name="直線コネクタ 38">
+                  <a:extLst>
+                    <a:ext uri="{FF2B5EF4-FFF2-40B4-BE49-F238E27FC236}">
+                      <a16:creationId xmlns:a16="http://schemas.microsoft.com/office/drawing/2014/main" id="{AB65ABBA-5E22-06C9-8C83-D59FC08FFE76}"/>
+                    </a:ext>
+                  </a:extLst>
+                </p:cNvPr>
+                <p:cNvCxnSpPr>
+                  <a:cxnSpLocks/>
+                </p:cNvCxnSpPr>
+                <p:nvPr/>
+              </p:nvCxnSpPr>
+              <p:spPr>
+                <a:xfrm>
+                  <a:off x="5292080" y="6525344"/>
+                  <a:ext cx="2160240" cy="0"/>
+                </a:xfrm>
+                <a:prstGeom prst="line">
+                  <a:avLst/>
+                </a:prstGeom>
+                <a:ln>
+                  <a:solidFill>
+                    <a:schemeClr val="tx1"/>
+                  </a:solidFill>
+                  <a:headEnd type="none" w="med" len="med"/>
+                  <a:tailEnd type="none" w="med" len="med"/>
+                </a:ln>
+              </p:spPr>
+              <p:style>
+                <a:lnRef idx="1">
+                  <a:schemeClr val="accent1"/>
+                </a:lnRef>
+                <a:fillRef idx="0">
+                  <a:schemeClr val="accent1"/>
+                </a:fillRef>
+                <a:effectRef idx="0">
+                  <a:schemeClr val="accent1"/>
+                </a:effectRef>
+                <a:fontRef idx="minor">
+                  <a:schemeClr val="tx1"/>
+                </a:fontRef>
+              </p:style>
+            </p:cxnSp>
+            <p:sp>
+              <p:nvSpPr>
+                <p:cNvPr id="40" name="楕円 39">
+                  <a:extLst>
+                    <a:ext uri="{FF2B5EF4-FFF2-40B4-BE49-F238E27FC236}">
+                      <a16:creationId xmlns:a16="http://schemas.microsoft.com/office/drawing/2014/main" id="{2ED3184D-A8B6-8C10-41BB-B4F121747EB7}"/>
+                    </a:ext>
+                  </a:extLst>
+                </p:cNvPr>
+                <p:cNvSpPr/>
+                <p:nvPr/>
+              </p:nvSpPr>
+              <p:spPr>
+                <a:xfrm>
+                  <a:off x="5292080" y="5085184"/>
+                  <a:ext cx="720080" cy="720080"/>
+                </a:xfrm>
+                <a:prstGeom prst="ellipse">
+                  <a:avLst/>
+                </a:prstGeom>
+                <a:solidFill>
+                  <a:srgbClr val="011893"/>
+                </a:solidFill>
+                <a:ln>
+                  <a:solidFill>
+                    <a:schemeClr val="tx1"/>
+                  </a:solidFill>
+                </a:ln>
+              </p:spPr>
+              <p:style>
+                <a:lnRef idx="2">
+                  <a:schemeClr val="accent1">
+                    <a:shade val="50000"/>
+                  </a:schemeClr>
+                </a:lnRef>
+                <a:fillRef idx="1">
+                  <a:schemeClr val="accent1"/>
+                </a:fillRef>
+                <a:effectRef idx="0">
+                  <a:schemeClr val="accent1"/>
+                </a:effectRef>
+                <a:fontRef idx="minor">
+                  <a:schemeClr val="lt1"/>
+                </a:fontRef>
+              </p:style>
+              <p:txBody>
+                <a:bodyPr rtlCol="0" anchor="ctr"/>
+                <a:lstStyle/>
+                <a:p>
+                  <a:pPr algn="ctr"/>
+                  <a:endParaRPr kumimoji="1" lang="ja-JP" altLang="en-US"/>
+                </a:p>
+              </p:txBody>
+            </p:sp>
+            <p:sp>
+              <p:nvSpPr>
+                <p:cNvPr id="41" name="楕円 40">
+                  <a:extLst>
+                    <a:ext uri="{FF2B5EF4-FFF2-40B4-BE49-F238E27FC236}">
+                      <a16:creationId xmlns:a16="http://schemas.microsoft.com/office/drawing/2014/main" id="{4D8EDC82-6592-9C83-4095-D7A64AACFECC}"/>
+                    </a:ext>
+                  </a:extLst>
+                </p:cNvPr>
+                <p:cNvSpPr/>
+                <p:nvPr/>
+              </p:nvSpPr>
+              <p:spPr>
+                <a:xfrm>
+                  <a:off x="6012160" y="5805264"/>
+                  <a:ext cx="720080" cy="720080"/>
+                </a:xfrm>
+                <a:prstGeom prst="ellipse">
+                  <a:avLst/>
+                </a:prstGeom>
+                <a:solidFill>
+                  <a:srgbClr val="011893"/>
+                </a:solidFill>
+                <a:ln>
+                  <a:solidFill>
+                    <a:schemeClr val="tx1"/>
+                  </a:solidFill>
+                </a:ln>
+              </p:spPr>
+              <p:style>
+                <a:lnRef idx="2">
+                  <a:schemeClr val="accent1">
+                    <a:shade val="50000"/>
+                  </a:schemeClr>
+                </a:lnRef>
+                <a:fillRef idx="1">
+                  <a:schemeClr val="accent1"/>
+                </a:fillRef>
+                <a:effectRef idx="0">
+                  <a:schemeClr val="accent1"/>
+                </a:effectRef>
+                <a:fontRef idx="minor">
+                  <a:schemeClr val="lt1"/>
+                </a:fontRef>
+              </p:style>
+              <p:txBody>
+                <a:bodyPr rtlCol="0" anchor="ctr"/>
+                <a:lstStyle/>
+                <a:p>
+                  <a:pPr algn="ctr"/>
+                  <a:endParaRPr kumimoji="1" lang="ja-JP" altLang="en-US"/>
+                </a:p>
+              </p:txBody>
+            </p:sp>
+          </p:grpSp>
+        </p:grpSp>
+        <p:sp>
+          <p:nvSpPr>
+            <p:cNvPr id="29" name="四角形: 角を丸くする 28">
+              <a:extLst>
+                <a:ext uri="{FF2B5EF4-FFF2-40B4-BE49-F238E27FC236}">
+                  <a16:creationId xmlns:a16="http://schemas.microsoft.com/office/drawing/2014/main" id="{CAC6E0B2-FC21-62B0-E087-C1B9D11A13A1}"/>
+                </a:ext>
+              </a:extLst>
+            </p:cNvPr>
+            <p:cNvSpPr/>
+            <p:nvPr/>
+          </p:nvSpPr>
+          <p:spPr>
+            <a:xfrm>
+              <a:off x="4716016" y="1628800"/>
+              <a:ext cx="3888432" cy="2016224"/>
+            </a:xfrm>
+            <a:prstGeom prst="roundRect">
+              <a:avLst/>
+            </a:prstGeom>
+            <a:noFill/>
+            <a:ln w="28575">
+              <a:solidFill>
+                <a:schemeClr val="tx1"/>
+              </a:solidFill>
+              <a:prstDash val="dash"/>
+            </a:ln>
+          </p:spPr>
+          <p:style>
+            <a:lnRef idx="2">
+              <a:schemeClr val="accent1">
+                <a:shade val="50000"/>
+              </a:schemeClr>
+            </a:lnRef>
+            <a:fillRef idx="1">
+              <a:schemeClr val="accent1"/>
+            </a:fillRef>
+            <a:effectRef idx="0">
+              <a:schemeClr val="accent1"/>
+            </a:effectRef>
+            <a:fontRef idx="minor">
+              <a:schemeClr val="lt1"/>
+            </a:fontRef>
+          </p:style>
+          <p:txBody>
+            <a:bodyPr rtlCol="0" anchor="ctr"/>
+            <a:lstStyle/>
+            <a:p>
+              <a:pPr algn="ctr"/>
+              <a:endParaRPr kumimoji="1" lang="ja-JP" altLang="en-US"/>
+            </a:p>
+          </p:txBody>
+        </p:sp>
+      </p:grpSp>
+      <p:sp>
+        <p:nvSpPr>
+          <p:cNvPr id="52" name="テキスト ボックス 51">
+            <a:extLst>
+              <a:ext uri="{FF2B5EF4-FFF2-40B4-BE49-F238E27FC236}">
+                <a16:creationId xmlns:a16="http://schemas.microsoft.com/office/drawing/2014/main" id="{298929D7-5B69-4626-72E7-0C5FFD4C685B}"/>
+              </a:ext>
+            </a:extLst>
+          </p:cNvPr>
+          <p:cNvSpPr txBox="1"/>
+          <p:nvPr/>
+        </p:nvSpPr>
+        <p:spPr>
+          <a:xfrm>
+            <a:off x="6033873" y="908720"/>
+            <a:ext cx="1107996" cy="646331"/>
+          </a:xfrm>
+          <a:prstGeom prst="rect">
+            <a:avLst/>
+          </a:prstGeom>
+          <a:noFill/>
+        </p:spPr>
+        <p:txBody>
+          <a:bodyPr wrap="none" rtlCol="0">
+            <a:spAutoFit/>
+          </a:bodyPr>
+          <a:lstStyle/>
+          <a:p>
+            <a:r>
+              <a:rPr lang="ja-JP" altLang="en-US" sz="3600"/>
+              <a:t>気</a:t>
+            </a:r>
+            <a:r>
+              <a:rPr kumimoji="1" lang="ja-JP" altLang="en-US" sz="3600"/>
+              <a:t>相</a:t>
+            </a:r>
+          </a:p>
+        </p:txBody>
+      </p:sp>
+      <p:sp>
+        <p:nvSpPr>
+          <p:cNvPr id="53" name="テキスト ボックス 52">
+            <a:extLst>
+              <a:ext uri="{FF2B5EF4-FFF2-40B4-BE49-F238E27FC236}">
+                <a16:creationId xmlns:a16="http://schemas.microsoft.com/office/drawing/2014/main" id="{2E310BB0-8F73-2027-D5C5-A9CAD4CF54F2}"/>
+              </a:ext>
+            </a:extLst>
+          </p:cNvPr>
+          <p:cNvSpPr txBox="1"/>
+          <p:nvPr/>
+        </p:nvSpPr>
+        <p:spPr>
+          <a:xfrm>
+            <a:off x="1713393" y="980728"/>
+            <a:ext cx="1107996" cy="646331"/>
+          </a:xfrm>
+          <a:prstGeom prst="rect">
+            <a:avLst/>
+          </a:prstGeom>
+          <a:noFill/>
+        </p:spPr>
+        <p:txBody>
+          <a:bodyPr wrap="none" rtlCol="0">
+            <a:spAutoFit/>
+          </a:bodyPr>
+          <a:lstStyle/>
+          <a:p>
+            <a:r>
+              <a:rPr kumimoji="1" lang="ja-JP" altLang="en-US" sz="3600"/>
+              <a:t>液相</a:t>
+            </a:r>
+          </a:p>
+        </p:txBody>
+      </p:sp>
+      <p:sp>
+        <p:nvSpPr>
+          <p:cNvPr id="54" name="テキスト ボックス 53">
+            <a:extLst>
+              <a:ext uri="{FF2B5EF4-FFF2-40B4-BE49-F238E27FC236}">
+                <a16:creationId xmlns:a16="http://schemas.microsoft.com/office/drawing/2014/main" id="{512BB933-EE70-C359-646B-FEA0AD5CF519}"/>
+              </a:ext>
+            </a:extLst>
+          </p:cNvPr>
+          <p:cNvSpPr txBox="1"/>
+          <p:nvPr/>
+        </p:nvSpPr>
+        <p:spPr>
+          <a:xfrm>
+            <a:off x="201225" y="3717032"/>
+            <a:ext cx="4536504" cy="1569660"/>
+          </a:xfrm>
+          <a:prstGeom prst="rect">
+            <a:avLst/>
+          </a:prstGeom>
+          <a:noFill/>
+        </p:spPr>
+        <p:txBody>
+          <a:bodyPr wrap="square" rtlCol="0">
+            <a:spAutoFit/>
+          </a:bodyPr>
+          <a:lstStyle/>
+          <a:p>
+            <a:r>
+              <a:rPr kumimoji="1" lang="ja-JP" altLang="en-US" sz="2400" dirty="0"/>
+              <a:t>一つ一つの出現確率は</a:t>
+            </a:r>
+            <a:r>
+              <a:rPr kumimoji="1" lang="ja-JP" altLang="en-US" sz="2400" dirty="0">
+                <a:solidFill>
+                  <a:srgbClr val="FF0000"/>
+                </a:solidFill>
+              </a:rPr>
+              <a:t>高い</a:t>
+            </a:r>
+            <a:r>
+              <a:rPr kumimoji="1" lang="ja-JP" altLang="en-US" sz="2400" dirty="0"/>
+              <a:t>が、総数が</a:t>
+            </a:r>
+            <a:r>
+              <a:rPr kumimoji="1" lang="ja-JP" altLang="en-US" sz="2400" dirty="0">
+                <a:solidFill>
+                  <a:srgbClr val="011893"/>
+                </a:solidFill>
+              </a:rPr>
+              <a:t>少ない</a:t>
+            </a:r>
+            <a:endParaRPr kumimoji="1" lang="en-US" altLang="ja-JP" sz="2400" dirty="0">
+              <a:solidFill>
+                <a:srgbClr val="011893"/>
+              </a:solidFill>
+            </a:endParaRPr>
+          </a:p>
+          <a:p>
+            <a:r>
+              <a:rPr lang="ja-JP" altLang="en-US" sz="2400" dirty="0"/>
+              <a:t>→</a:t>
+            </a:r>
+            <a:r>
+              <a:rPr lang="ja-JP" altLang="en-US" sz="2400"/>
+              <a:t>エネルギー重視</a:t>
+            </a:r>
+            <a:endParaRPr lang="en-US" altLang="ja-JP" sz="2400"/>
+          </a:p>
+          <a:p>
+            <a:r>
+              <a:rPr lang="ja-JP" altLang="en-US" sz="2400"/>
+              <a:t>→低温で支配的</a:t>
+            </a:r>
+            <a:endParaRPr lang="en-US" altLang="ja-JP" sz="2400" dirty="0"/>
+          </a:p>
+        </p:txBody>
+      </p:sp>
+      <p:sp>
+        <p:nvSpPr>
+          <p:cNvPr id="55" name="テキスト ボックス 54">
+            <a:extLst>
+              <a:ext uri="{FF2B5EF4-FFF2-40B4-BE49-F238E27FC236}">
+                <a16:creationId xmlns:a16="http://schemas.microsoft.com/office/drawing/2014/main" id="{87EFFFD7-E589-5D8E-C66E-9ADE9C8E61DE}"/>
+              </a:ext>
+            </a:extLst>
+          </p:cNvPr>
+          <p:cNvSpPr txBox="1"/>
+          <p:nvPr/>
+        </p:nvSpPr>
+        <p:spPr>
+          <a:xfrm>
+            <a:off x="4572000" y="3717032"/>
+            <a:ext cx="4540840" cy="1582936"/>
+          </a:xfrm>
+          <a:prstGeom prst="rect">
+            <a:avLst/>
+          </a:prstGeom>
+          <a:noFill/>
+        </p:spPr>
+        <p:txBody>
+          <a:bodyPr wrap="square">
+            <a:spAutoFit/>
+          </a:bodyPr>
+          <a:lstStyle/>
+          <a:p>
+            <a:r>
+              <a:rPr lang="ja-JP" altLang="en-US" sz="2400" dirty="0"/>
+              <a:t>一つ一つの出現確率は</a:t>
+            </a:r>
+            <a:r>
+              <a:rPr lang="ja-JP" altLang="en-US" sz="2400" dirty="0">
+                <a:solidFill>
+                  <a:srgbClr val="011893"/>
+                </a:solidFill>
+              </a:rPr>
+              <a:t>低い</a:t>
+            </a:r>
+            <a:r>
+              <a:rPr lang="ja-JP" altLang="en-US" sz="2400" dirty="0"/>
+              <a:t>が、総数が</a:t>
+            </a:r>
+            <a:r>
+              <a:rPr lang="ja-JP" altLang="en-US" sz="2400" dirty="0">
+                <a:solidFill>
+                  <a:srgbClr val="FF0000"/>
+                </a:solidFill>
+              </a:rPr>
+              <a:t>多い</a:t>
+            </a:r>
+            <a:endParaRPr lang="en-US" altLang="ja-JP" sz="2400" dirty="0">
+              <a:solidFill>
+                <a:srgbClr val="FF0000"/>
+              </a:solidFill>
+            </a:endParaRPr>
+          </a:p>
+          <a:p>
+            <a:r>
+              <a:rPr kumimoji="1" lang="ja-JP" altLang="en-US" sz="2400" dirty="0"/>
+              <a:t>→</a:t>
+            </a:r>
+            <a:r>
+              <a:rPr kumimoji="1" lang="ja-JP" altLang="en-US" sz="2400"/>
+              <a:t>エントロピー重視</a:t>
+            </a:r>
+            <a:endParaRPr kumimoji="1" lang="en-US" altLang="ja-JP" sz="2400"/>
+          </a:p>
+          <a:p>
+            <a:r>
+              <a:rPr kumimoji="1" lang="ja-JP" altLang="en-US" sz="2400"/>
+              <a:t>→高温で支配的</a:t>
+            </a:r>
+            <a:endParaRPr kumimoji="1" lang="en-US" altLang="ja-JP" sz="2400" dirty="0"/>
+          </a:p>
+        </p:txBody>
+      </p:sp>
+      <mc:AlternateContent xmlns:mc="http://schemas.openxmlformats.org/markup-compatibility/2006">
+        <mc:Choice xmlns:a14="http://schemas.microsoft.com/office/drawing/2010/main" Requires="a14">
+          <p:sp>
+            <p:nvSpPr>
+              <p:cNvPr id="56" name="テキスト ボックス 55">
+                <a:extLst>
+                  <a:ext uri="{FF2B5EF4-FFF2-40B4-BE49-F238E27FC236}">
+                    <a16:creationId xmlns:a16="http://schemas.microsoft.com/office/drawing/2014/main" id="{11981BB2-4B03-F5C1-38EE-083C5D25497E}"/>
+                  </a:ext>
+                </a:extLst>
+              </p:cNvPr>
+              <p:cNvSpPr txBox="1"/>
+              <p:nvPr/>
+            </p:nvSpPr>
+            <p:spPr>
+              <a:xfrm>
+                <a:off x="2339752" y="5877272"/>
+                <a:ext cx="3434017" cy="830997"/>
+              </a:xfrm>
+              <a:prstGeom prst="rect">
+                <a:avLst/>
+              </a:prstGeom>
+              <a:noFill/>
+            </p:spPr>
+            <p:txBody>
+              <a:bodyPr wrap="none" rtlCol="0">
+                <a:spAutoFit/>
+              </a:bodyPr>
+              <a:lstStyle/>
+              <a:p>
+                <a14:m>
+                  <m:oMathPara xmlns:m="http://schemas.openxmlformats.org/officeDocument/2006/math">
+                    <m:oMathParaPr>
+                      <m:jc m:val="centerGroup"/>
+                    </m:oMathParaPr>
+                    <m:oMath xmlns:m="http://schemas.openxmlformats.org/officeDocument/2006/math">
+                      <m:r>
+                        <a:rPr kumimoji="1" lang="en-US" altLang="ja-JP" sz="4800" b="0" i="1" smtClean="0">
+                          <a:latin typeface="Cambria Math" panose="02040503050406030204" pitchFamily="18" charset="0"/>
+                        </a:rPr>
+                        <m:t>𝐹</m:t>
+                      </m:r>
+                      <m:r>
+                        <a:rPr kumimoji="1" lang="en-US" altLang="ja-JP" sz="4800" b="0" i="1" smtClean="0">
+                          <a:latin typeface="Cambria Math" panose="02040503050406030204" pitchFamily="18" charset="0"/>
+                        </a:rPr>
+                        <m:t>=</m:t>
+                      </m:r>
+                      <m:r>
+                        <a:rPr kumimoji="1" lang="en-US" altLang="ja-JP" sz="4800" b="0" i="1" smtClean="0">
+                          <a:latin typeface="Cambria Math" panose="02040503050406030204" pitchFamily="18" charset="0"/>
+                        </a:rPr>
+                        <m:t>𝑈</m:t>
+                      </m:r>
+                      <m:r>
+                        <a:rPr kumimoji="1" lang="en-US" altLang="ja-JP" sz="4800" b="0" i="1" smtClean="0">
+                          <a:latin typeface="Cambria Math" panose="02040503050406030204" pitchFamily="18" charset="0"/>
+                        </a:rPr>
+                        <m:t>−</m:t>
+                      </m:r>
+                      <m:r>
+                        <a:rPr kumimoji="1" lang="en-US" altLang="ja-JP" sz="4800" b="0" i="1" smtClean="0">
+                          <a:latin typeface="Cambria Math" panose="02040503050406030204" pitchFamily="18" charset="0"/>
+                        </a:rPr>
+                        <m:t>𝑇𝑆</m:t>
+                      </m:r>
+                    </m:oMath>
+                  </m:oMathPara>
+                </a14:m>
+                <a:endParaRPr kumimoji="1" lang="ja-JP" altLang="en-US" sz="4800"/>
+              </a:p>
+            </p:txBody>
+          </p:sp>
+        </mc:Choice>
+        <mc:Fallback>
+          <p:sp>
+            <p:nvSpPr>
+              <p:cNvPr id="56" name="テキスト ボックス 55">
+                <a:extLst>
+                  <a:ext uri="{FF2B5EF4-FFF2-40B4-BE49-F238E27FC236}">
+                    <a16:creationId xmlns:a16="http://schemas.microsoft.com/office/drawing/2014/main" id="{11981BB2-4B03-F5C1-38EE-083C5D25497E}"/>
+                  </a:ext>
+                </a:extLst>
+              </p:cNvPr>
+              <p:cNvSpPr txBox="1">
+                <a:spLocks noRot="1" noChangeAspect="1" noMove="1" noResize="1" noEditPoints="1" noAdjustHandles="1" noChangeArrowheads="1" noChangeShapeType="1" noTextEdit="1"/>
+              </p:cNvSpPr>
+              <p:nvPr/>
+            </p:nvSpPr>
+            <p:spPr>
+              <a:xfrm>
+                <a:off x="2339752" y="5877272"/>
+                <a:ext cx="3434017" cy="830997"/>
+              </a:xfrm>
+              <a:prstGeom prst="rect">
+                <a:avLst/>
+              </a:prstGeom>
+              <a:blipFill>
+                <a:blip r:embed="rId2"/>
+                <a:stretch>
+                  <a:fillRect/>
+                </a:stretch>
+              </a:blipFill>
+            </p:spPr>
+            <p:txBody>
+              <a:bodyPr/>
+              <a:lstStyle/>
+              <a:p>
+                <a:r>
+                  <a:rPr lang="ja-JP" altLang="en-US">
+                    <a:noFill/>
+                  </a:rPr>
+                  <a:t> </a:t>
+                </a:r>
+              </a:p>
+            </p:txBody>
+          </p:sp>
+        </mc:Fallback>
+      </mc:AlternateContent>
+      <p:sp>
+        <p:nvSpPr>
+          <p:cNvPr id="57" name="テキスト ボックス 56">
+            <a:extLst>
+              <a:ext uri="{FF2B5EF4-FFF2-40B4-BE49-F238E27FC236}">
+                <a16:creationId xmlns:a16="http://schemas.microsoft.com/office/drawing/2014/main" id="{006852DB-67AD-4692-9A19-85E2926E111D}"/>
+              </a:ext>
+            </a:extLst>
+          </p:cNvPr>
+          <p:cNvSpPr txBox="1"/>
+          <p:nvPr/>
+        </p:nvSpPr>
+        <p:spPr>
+          <a:xfrm>
+            <a:off x="1043608" y="5517232"/>
+            <a:ext cx="6288901" cy="523220"/>
+          </a:xfrm>
+          <a:prstGeom prst="rect">
+            <a:avLst/>
+          </a:prstGeom>
+          <a:noFill/>
+        </p:spPr>
+        <p:txBody>
+          <a:bodyPr wrap="none" rtlCol="0">
+            <a:spAutoFit/>
+          </a:bodyPr>
+          <a:lstStyle/>
+          <a:p>
+            <a:r>
+              <a:rPr lang="ja-JP" altLang="en-US" sz="2800"/>
+              <a:t>ヘルムホルツの自由エネルギーで表す</a:t>
+            </a:r>
+            <a:endParaRPr kumimoji="1" lang="ja-JP" altLang="en-US" sz="2800"/>
+          </a:p>
+        </p:txBody>
+      </p:sp>
+      <p:sp>
+        <p:nvSpPr>
+          <p:cNvPr id="58" name="矢印: 右 57">
+            <a:extLst>
+              <a:ext uri="{FF2B5EF4-FFF2-40B4-BE49-F238E27FC236}">
+                <a16:creationId xmlns:a16="http://schemas.microsoft.com/office/drawing/2014/main" id="{94C0616C-B0F1-68C9-697C-001C911BB729}"/>
+              </a:ext>
+            </a:extLst>
+          </p:cNvPr>
+          <p:cNvSpPr/>
+          <p:nvPr/>
+        </p:nvSpPr>
+        <p:spPr>
+          <a:xfrm>
+            <a:off x="323528" y="5517232"/>
+            <a:ext cx="648072" cy="484632"/>
+          </a:xfrm>
+          <a:prstGeom prst="rightArrow">
+            <a:avLst/>
+          </a:prstGeom>
+          <a:solidFill>
+            <a:srgbClr val="FF0000"/>
+          </a:solidFill>
+          <a:ln>
+            <a:solidFill>
+              <a:schemeClr val="tx1"/>
+            </a:solidFill>
+          </a:ln>
+        </p:spPr>
+        <p:style>
+          <a:lnRef idx="2">
+            <a:schemeClr val="accent1">
+              <a:shade val="50000"/>
+            </a:schemeClr>
+          </a:lnRef>
+          <a:fillRef idx="1">
+            <a:schemeClr val="accent1"/>
+          </a:fillRef>
+          <a:effectRef idx="0">
+            <a:schemeClr val="accent1"/>
+          </a:effectRef>
+          <a:fontRef idx="minor">
+            <a:schemeClr val="lt1"/>
+          </a:fontRef>
+        </p:style>
+        <p:txBody>
+          <a:bodyPr rtlCol="0" anchor="ctr"/>
+          <a:lstStyle/>
+          <a:p>
+            <a:pPr algn="ctr"/>
+            <a:endParaRPr kumimoji="1" lang="ja-JP" altLang="en-US"/>
+          </a:p>
+        </p:txBody>
+      </p:sp>
+    </p:spTree>
+    <p:extLst>
+      <p:ext uri="{BB962C8B-B14F-4D97-AF65-F5344CB8AC3E}">
+        <p14:creationId xmlns:p14="http://schemas.microsoft.com/office/powerpoint/2010/main" val="2589306141"/>
+      </p:ext>
+    </p:extLst>
+  </p:cSld>
+  <p:clrMapOvr>
+    <a:masterClrMapping/>
+  </p:clrMapOvr>
+</p:sld>
+</file>
+
+<file path=ppt/slides/slide11.xml><?xml version="1.0" encoding="utf-8"?>
+<p:sld xmlns:a="http://schemas.openxmlformats.org/drawingml/2006/main" xmlns:r="http://schemas.openxmlformats.org/officeDocument/2006/relationships" xmlns:p="http://schemas.openxmlformats.org/presentationml/2006/main">
+  <p:cSld>
+    <p:spTree>
+      <p:nvGrpSpPr>
+        <p:cNvPr id="1" name=""/>
+        <p:cNvGrpSpPr/>
+        <p:nvPr/>
+      </p:nvGrpSpPr>
+      <p:grpSpPr>
+        <a:xfrm>
+          <a:off x="0" y="0"/>
+          <a:ext cx="0" cy="0"/>
+          <a:chOff x="0" y="0"/>
+          <a:chExt cx="0" cy="0"/>
+        </a:xfrm>
+      </p:grpSpPr>
+      <p:sp>
+        <p:nvSpPr>
+          <p:cNvPr id="2" name="テキスト プレースホルダー 1">
+            <a:extLst>
+              <a:ext uri="{FF2B5EF4-FFF2-40B4-BE49-F238E27FC236}">
+                <a16:creationId xmlns:a16="http://schemas.microsoft.com/office/drawing/2014/main" id="{615160D6-28B9-2475-30E0-ED1C6932D656}"/>
+              </a:ext>
+            </a:extLst>
+          </p:cNvPr>
+          <p:cNvSpPr>
+            <a:spLocks noGrp="1"/>
+          </p:cNvSpPr>
+          <p:nvPr>
+            <p:ph type="body" sz="quarter" idx="10"/>
+          </p:nvPr>
+        </p:nvSpPr>
+        <p:spPr/>
+        <p:txBody>
+          <a:bodyPr/>
+          <a:lstStyle/>
+          <a:p>
+            <a:r>
+              <a:rPr kumimoji="1" lang="ja-JP" altLang="en-US"/>
+              <a:t>自由エネルギー</a:t>
+            </a:r>
+          </a:p>
+        </p:txBody>
+      </p:sp>
+      <p:sp>
+        <p:nvSpPr>
+          <p:cNvPr id="3" name="テキスト ボックス 2">
+            <a:extLst>
+              <a:ext uri="{FF2B5EF4-FFF2-40B4-BE49-F238E27FC236}">
+                <a16:creationId xmlns:a16="http://schemas.microsoft.com/office/drawing/2014/main" id="{5EB15DD3-6AA5-A139-4D06-525C300DC73A}"/>
+              </a:ext>
+            </a:extLst>
+          </p:cNvPr>
+          <p:cNvSpPr txBox="1"/>
+          <p:nvPr/>
+        </p:nvSpPr>
+        <p:spPr>
+          <a:xfrm>
+            <a:off x="251520" y="1196752"/>
+            <a:ext cx="8496944" cy="1200329"/>
+          </a:xfrm>
+          <a:prstGeom prst="rect">
+            <a:avLst/>
+          </a:prstGeom>
+          <a:noFill/>
+        </p:spPr>
+        <p:txBody>
+          <a:bodyPr wrap="square" rtlCol="0">
+            <a:spAutoFit/>
+          </a:bodyPr>
+          <a:lstStyle/>
+          <a:p>
+            <a:r>
+              <a:rPr lang="ja-JP" altLang="en-US" sz="3600"/>
+              <a:t>自然は自由エネルギーを最小にする状態を平衡状態として実現する</a:t>
+            </a:r>
+            <a:endParaRPr kumimoji="1" lang="ja-JP" altLang="en-US" sz="3600"/>
+          </a:p>
+        </p:txBody>
+      </p:sp>
+      <mc:AlternateContent xmlns:mc="http://schemas.openxmlformats.org/markup-compatibility/2006">
+        <mc:Choice xmlns:a14="http://schemas.microsoft.com/office/drawing/2010/main" Requires="a14">
+          <p:sp>
+            <p:nvSpPr>
+              <p:cNvPr id="4" name="テキスト ボックス 3">
+                <a:extLst>
+                  <a:ext uri="{FF2B5EF4-FFF2-40B4-BE49-F238E27FC236}">
+                    <a16:creationId xmlns:a16="http://schemas.microsoft.com/office/drawing/2014/main" id="{3D6C361B-5FAA-ABBA-A997-EE215E8DBE66}"/>
+                  </a:ext>
+                </a:extLst>
+              </p:cNvPr>
+              <p:cNvSpPr txBox="1"/>
+              <p:nvPr/>
+            </p:nvSpPr>
+            <p:spPr>
+              <a:xfrm>
+                <a:off x="2699792" y="2636912"/>
+                <a:ext cx="3434017" cy="830997"/>
+              </a:xfrm>
+              <a:prstGeom prst="rect">
+                <a:avLst/>
+              </a:prstGeom>
+              <a:noFill/>
+            </p:spPr>
+            <p:txBody>
+              <a:bodyPr wrap="none" rtlCol="0">
+                <a:spAutoFit/>
+              </a:bodyPr>
+              <a:lstStyle/>
+              <a:p>
+                <a14:m>
+                  <m:oMathPara xmlns:m="http://schemas.openxmlformats.org/officeDocument/2006/math">
+                    <m:oMathParaPr>
+                      <m:jc m:val="centerGroup"/>
+                    </m:oMathParaPr>
+                    <m:oMath xmlns:m="http://schemas.openxmlformats.org/officeDocument/2006/math">
+                      <m:r>
+                        <a:rPr kumimoji="1" lang="en-US" altLang="ja-JP" sz="4800" b="0" i="1" smtClean="0">
+                          <a:latin typeface="Cambria Math" panose="02040503050406030204" pitchFamily="18" charset="0"/>
+                        </a:rPr>
+                        <m:t>𝐹</m:t>
+                      </m:r>
+                      <m:r>
+                        <a:rPr kumimoji="1" lang="en-US" altLang="ja-JP" sz="4800" b="0" i="1" smtClean="0">
+                          <a:latin typeface="Cambria Math" panose="02040503050406030204" pitchFamily="18" charset="0"/>
+                        </a:rPr>
+                        <m:t>=</m:t>
+                      </m:r>
+                      <m:r>
+                        <a:rPr kumimoji="1" lang="en-US" altLang="ja-JP" sz="4800" b="0" i="1" smtClean="0">
+                          <a:latin typeface="Cambria Math" panose="02040503050406030204" pitchFamily="18" charset="0"/>
+                        </a:rPr>
+                        <m:t>𝑈</m:t>
+                      </m:r>
+                      <m:r>
+                        <a:rPr kumimoji="1" lang="en-US" altLang="ja-JP" sz="4800" b="0" i="1" smtClean="0">
+                          <a:latin typeface="Cambria Math" panose="02040503050406030204" pitchFamily="18" charset="0"/>
+                        </a:rPr>
+                        <m:t>−</m:t>
+                      </m:r>
+                      <m:r>
+                        <a:rPr kumimoji="1" lang="en-US" altLang="ja-JP" sz="4800" b="0" i="1" smtClean="0">
+                          <a:latin typeface="Cambria Math" panose="02040503050406030204" pitchFamily="18" charset="0"/>
+                        </a:rPr>
+                        <m:t>𝑇𝑆</m:t>
+                      </m:r>
+                    </m:oMath>
+                  </m:oMathPara>
+                </a14:m>
+                <a:endParaRPr kumimoji="1" lang="ja-JP" altLang="en-US" sz="4800"/>
+              </a:p>
+            </p:txBody>
+          </p:sp>
+        </mc:Choice>
+        <mc:Fallback>
+          <p:sp>
+            <p:nvSpPr>
+              <p:cNvPr id="4" name="テキスト ボックス 3">
+                <a:extLst>
+                  <a:ext uri="{FF2B5EF4-FFF2-40B4-BE49-F238E27FC236}">
+                    <a16:creationId xmlns:a16="http://schemas.microsoft.com/office/drawing/2014/main" id="{3D6C361B-5FAA-ABBA-A997-EE215E8DBE66}"/>
+                  </a:ext>
+                </a:extLst>
+              </p:cNvPr>
+              <p:cNvSpPr txBox="1">
+                <a:spLocks noRot="1" noChangeAspect="1" noMove="1" noResize="1" noEditPoints="1" noAdjustHandles="1" noChangeArrowheads="1" noChangeShapeType="1" noTextEdit="1"/>
+              </p:cNvSpPr>
+              <p:nvPr/>
+            </p:nvSpPr>
+            <p:spPr>
+              <a:xfrm>
+                <a:off x="2699792" y="2636912"/>
+                <a:ext cx="3434017" cy="830997"/>
+              </a:xfrm>
+              <a:prstGeom prst="rect">
+                <a:avLst/>
+              </a:prstGeom>
+              <a:blipFill>
+                <a:blip r:embed="rId2"/>
+                <a:stretch>
+                  <a:fillRect/>
+                </a:stretch>
+              </a:blipFill>
+            </p:spPr>
+            <p:txBody>
+              <a:bodyPr/>
+              <a:lstStyle/>
+              <a:p>
+                <a:r>
+                  <a:rPr lang="ja-JP" altLang="en-US">
+                    <a:noFill/>
+                  </a:rPr>
+                  <a:t> </a:t>
+                </a:r>
+              </a:p>
+            </p:txBody>
+          </p:sp>
+        </mc:Fallback>
+      </mc:AlternateContent>
+      <p:sp>
+        <p:nvSpPr>
+          <p:cNvPr id="5" name="テキスト ボックス 4">
+            <a:extLst>
+              <a:ext uri="{FF2B5EF4-FFF2-40B4-BE49-F238E27FC236}">
+                <a16:creationId xmlns:a16="http://schemas.microsoft.com/office/drawing/2014/main" id="{71D07BB1-343D-123A-7CD5-1E9E4C6B38ED}"/>
+              </a:ext>
+            </a:extLst>
+          </p:cNvPr>
+          <p:cNvSpPr txBox="1"/>
+          <p:nvPr/>
+        </p:nvSpPr>
+        <p:spPr>
+          <a:xfrm>
+            <a:off x="251521" y="4005064"/>
+            <a:ext cx="3688830" cy="400110"/>
+          </a:xfrm>
+          <a:prstGeom prst="rect">
+            <a:avLst/>
+          </a:prstGeom>
+          <a:noFill/>
+        </p:spPr>
+        <p:txBody>
+          <a:bodyPr wrap="none" rtlCol="0">
+            <a:spAutoFit/>
+          </a:bodyPr>
+          <a:lstStyle/>
+          <a:p>
+            <a:r>
+              <a:rPr kumimoji="1" lang="ja-JP" altLang="en-US" sz="2000"/>
+              <a:t>低温時はエネルギー重視</a:t>
+            </a:r>
+            <a:r>
+              <a:rPr kumimoji="1" lang="en-US" altLang="ja-JP" sz="2000"/>
+              <a:t>(</a:t>
+            </a:r>
+            <a:r>
+              <a:rPr lang="ja-JP" altLang="en-US" sz="2000"/>
+              <a:t>液</a:t>
+            </a:r>
+            <a:r>
+              <a:rPr kumimoji="1" lang="ja-JP" altLang="en-US" sz="2000"/>
+              <a:t>相</a:t>
+            </a:r>
+            <a:r>
+              <a:rPr kumimoji="1" lang="en-US" altLang="ja-JP" sz="2000"/>
+              <a:t>)</a:t>
+            </a:r>
+            <a:endParaRPr kumimoji="1" lang="ja-JP" altLang="en-US" sz="2000"/>
+          </a:p>
+        </p:txBody>
+      </p:sp>
+      <p:sp>
+        <p:nvSpPr>
+          <p:cNvPr id="6" name="テキスト ボックス 5">
+            <a:extLst>
+              <a:ext uri="{FF2B5EF4-FFF2-40B4-BE49-F238E27FC236}">
+                <a16:creationId xmlns:a16="http://schemas.microsoft.com/office/drawing/2014/main" id="{9EFD909A-FF92-614B-1C78-40E726D76453}"/>
+              </a:ext>
+            </a:extLst>
+          </p:cNvPr>
+          <p:cNvSpPr txBox="1"/>
+          <p:nvPr/>
+        </p:nvSpPr>
+        <p:spPr>
+          <a:xfrm>
+            <a:off x="4716016" y="4077071"/>
+            <a:ext cx="3945311" cy="400110"/>
+          </a:xfrm>
+          <a:prstGeom prst="rect">
+            <a:avLst/>
+          </a:prstGeom>
+          <a:noFill/>
+        </p:spPr>
+        <p:txBody>
+          <a:bodyPr wrap="none" rtlCol="0">
+            <a:spAutoFit/>
+          </a:bodyPr>
+          <a:lstStyle/>
+          <a:p>
+            <a:r>
+              <a:rPr lang="ja-JP" altLang="en-US" sz="2000"/>
+              <a:t>高</a:t>
+            </a:r>
+            <a:r>
+              <a:rPr kumimoji="1" lang="ja-JP" altLang="en-US" sz="2000"/>
+              <a:t>温時はエントロピー重視</a:t>
+            </a:r>
+            <a:r>
+              <a:rPr kumimoji="1" lang="en-US" altLang="ja-JP" sz="2000"/>
+              <a:t>(</a:t>
+            </a:r>
+            <a:r>
+              <a:rPr kumimoji="1" lang="ja-JP" altLang="en-US" sz="2000"/>
+              <a:t>気相</a:t>
+            </a:r>
+            <a:r>
+              <a:rPr kumimoji="1" lang="en-US" altLang="ja-JP" sz="2000"/>
+              <a:t>)</a:t>
+            </a:r>
+            <a:endParaRPr kumimoji="1" lang="ja-JP" altLang="en-US" sz="2000"/>
+          </a:p>
+        </p:txBody>
+      </p:sp>
+      <p:cxnSp>
+        <p:nvCxnSpPr>
+          <p:cNvPr id="9" name="直線コネクタ 8">
+            <a:extLst>
+              <a:ext uri="{FF2B5EF4-FFF2-40B4-BE49-F238E27FC236}">
+                <a16:creationId xmlns:a16="http://schemas.microsoft.com/office/drawing/2014/main" id="{A48D870C-F8CD-50AC-6B55-342BC5CFC7DC}"/>
+              </a:ext>
+            </a:extLst>
+          </p:cNvPr>
+          <p:cNvCxnSpPr>
+            <a:cxnSpLocks/>
+          </p:cNvCxnSpPr>
+          <p:nvPr/>
+        </p:nvCxnSpPr>
+        <p:spPr>
+          <a:xfrm>
+            <a:off x="3995936" y="3429000"/>
+            <a:ext cx="504056" cy="0"/>
+          </a:xfrm>
+          <a:prstGeom prst="line">
+            <a:avLst/>
+          </a:prstGeom>
+          <a:ln w="57150">
+            <a:solidFill>
+              <a:srgbClr val="011893"/>
+            </a:solidFill>
+            <a:headEnd type="none" w="med" len="med"/>
+            <a:tailEnd type="none" w="med" len="med"/>
+          </a:ln>
+        </p:spPr>
+        <p:style>
+          <a:lnRef idx="1">
+            <a:schemeClr val="accent1"/>
+          </a:lnRef>
+          <a:fillRef idx="0">
+            <a:schemeClr val="accent1"/>
+          </a:fillRef>
+          <a:effectRef idx="0">
+            <a:schemeClr val="accent1"/>
+          </a:effectRef>
+          <a:fontRef idx="minor">
+            <a:schemeClr val="tx1"/>
+          </a:fontRef>
+        </p:style>
+      </p:cxnSp>
+      <p:cxnSp>
+        <p:nvCxnSpPr>
+          <p:cNvPr id="10" name="直線コネクタ 9">
+            <a:extLst>
+              <a:ext uri="{FF2B5EF4-FFF2-40B4-BE49-F238E27FC236}">
+                <a16:creationId xmlns:a16="http://schemas.microsoft.com/office/drawing/2014/main" id="{A5BFD652-1BB6-F6D9-2D42-F53912CC69A9}"/>
+              </a:ext>
+            </a:extLst>
+          </p:cNvPr>
+          <p:cNvCxnSpPr>
+            <a:cxnSpLocks/>
+          </p:cNvCxnSpPr>
+          <p:nvPr/>
+        </p:nvCxnSpPr>
+        <p:spPr>
+          <a:xfrm>
+            <a:off x="5220072" y="3429000"/>
+            <a:ext cx="648072" cy="0"/>
+          </a:xfrm>
+          <a:prstGeom prst="line">
+            <a:avLst/>
+          </a:prstGeom>
+          <a:ln w="57150">
+            <a:solidFill>
+              <a:srgbClr val="FF0000"/>
+            </a:solidFill>
+            <a:headEnd type="none" w="med" len="med"/>
+            <a:tailEnd type="none" w="med" len="med"/>
+          </a:ln>
+        </p:spPr>
+        <p:style>
+          <a:lnRef idx="1">
+            <a:schemeClr val="accent1"/>
+          </a:lnRef>
+          <a:fillRef idx="0">
+            <a:schemeClr val="accent1"/>
+          </a:fillRef>
+          <a:effectRef idx="0">
+            <a:schemeClr val="accent1"/>
+          </a:effectRef>
+          <a:fontRef idx="minor">
+            <a:schemeClr val="tx1"/>
+          </a:fontRef>
+        </p:style>
+      </p:cxnSp>
+      <p:cxnSp>
+        <p:nvCxnSpPr>
+          <p:cNvPr id="13" name="コネクタ: カギ線 12">
+            <a:extLst>
+              <a:ext uri="{FF2B5EF4-FFF2-40B4-BE49-F238E27FC236}">
+                <a16:creationId xmlns:a16="http://schemas.microsoft.com/office/drawing/2014/main" id="{674B9AEF-B81F-236A-A55B-C6B9BB44335A}"/>
+              </a:ext>
+            </a:extLst>
+          </p:cNvPr>
+          <p:cNvCxnSpPr>
+            <a:cxnSpLocks/>
+            <a:stCxn id="16" idx="4"/>
+            <a:endCxn id="5" idx="0"/>
+          </p:cNvCxnSpPr>
+          <p:nvPr/>
+        </p:nvCxnSpPr>
+        <p:spPr>
+          <a:xfrm rot="5400000">
+            <a:off x="2896840" y="2669624"/>
+            <a:ext cx="534536" cy="2136344"/>
+          </a:xfrm>
+          <a:prstGeom prst="bentConnector3">
+            <a:avLst>
+              <a:gd name="adj1" fmla="val 50000"/>
+            </a:avLst>
+          </a:prstGeom>
+          <a:ln>
+            <a:solidFill>
+              <a:schemeClr val="tx1"/>
+            </a:solidFill>
+            <a:headEnd type="none" w="med" len="med"/>
+            <a:tailEnd type="triangle"/>
+          </a:ln>
+        </p:spPr>
+        <p:style>
+          <a:lnRef idx="1">
+            <a:schemeClr val="accent1"/>
+          </a:lnRef>
+          <a:fillRef idx="0">
+            <a:schemeClr val="accent1"/>
+          </a:fillRef>
+          <a:effectRef idx="0">
+            <a:schemeClr val="accent1"/>
+          </a:effectRef>
+          <a:fontRef idx="minor">
+            <a:schemeClr val="tx1"/>
+          </a:fontRef>
+        </p:style>
+      </p:cxnSp>
+      <p:sp>
+        <p:nvSpPr>
+          <p:cNvPr id="16" name="楕円 15">
+            <a:extLst>
+              <a:ext uri="{FF2B5EF4-FFF2-40B4-BE49-F238E27FC236}">
+                <a16:creationId xmlns:a16="http://schemas.microsoft.com/office/drawing/2014/main" id="{4F200A87-0B34-AA69-C674-30BBC365B0E6}"/>
+              </a:ext>
+            </a:extLst>
+          </p:cNvPr>
+          <p:cNvSpPr/>
+          <p:nvPr/>
+        </p:nvSpPr>
+        <p:spPr>
+          <a:xfrm>
+            <a:off x="4160272" y="3326512"/>
+            <a:ext cx="144016" cy="144016"/>
+          </a:xfrm>
+          <a:prstGeom prst="ellipse">
+            <a:avLst/>
+          </a:prstGeom>
+          <a:noFill/>
+          <a:ln>
+            <a:noFill/>
+          </a:ln>
+        </p:spPr>
+        <p:style>
+          <a:lnRef idx="2">
+            <a:schemeClr val="accent1">
+              <a:shade val="50000"/>
+            </a:schemeClr>
+          </a:lnRef>
+          <a:fillRef idx="1">
+            <a:schemeClr val="accent1"/>
+          </a:fillRef>
+          <a:effectRef idx="0">
+            <a:schemeClr val="accent1"/>
+          </a:effectRef>
+          <a:fontRef idx="minor">
+            <a:schemeClr val="lt1"/>
+          </a:fontRef>
+        </p:style>
+        <p:txBody>
+          <a:bodyPr rtlCol="0" anchor="ctr"/>
+          <a:lstStyle/>
+          <a:p>
+            <a:pPr algn="ctr"/>
+            <a:endParaRPr kumimoji="1" lang="ja-JP" altLang="en-US"/>
+          </a:p>
+        </p:txBody>
+      </p:sp>
+      <p:sp>
+        <p:nvSpPr>
+          <p:cNvPr id="17" name="楕円 16">
+            <a:extLst>
+              <a:ext uri="{FF2B5EF4-FFF2-40B4-BE49-F238E27FC236}">
+                <a16:creationId xmlns:a16="http://schemas.microsoft.com/office/drawing/2014/main" id="{6F797402-1F5D-97D5-E67C-553B7C6E9CBD}"/>
+              </a:ext>
+            </a:extLst>
+          </p:cNvPr>
+          <p:cNvSpPr/>
+          <p:nvPr/>
+        </p:nvSpPr>
+        <p:spPr>
+          <a:xfrm>
+            <a:off x="5477624" y="3325624"/>
+            <a:ext cx="144016" cy="144016"/>
+          </a:xfrm>
+          <a:prstGeom prst="ellipse">
+            <a:avLst/>
+          </a:prstGeom>
+          <a:noFill/>
+          <a:ln>
+            <a:noFill/>
+          </a:ln>
+        </p:spPr>
+        <p:style>
+          <a:lnRef idx="2">
+            <a:schemeClr val="accent1">
+              <a:shade val="50000"/>
+            </a:schemeClr>
+          </a:lnRef>
+          <a:fillRef idx="1">
+            <a:schemeClr val="accent1"/>
+          </a:fillRef>
+          <a:effectRef idx="0">
+            <a:schemeClr val="accent1"/>
+          </a:effectRef>
+          <a:fontRef idx="minor">
+            <a:schemeClr val="lt1"/>
+          </a:fontRef>
+        </p:style>
+        <p:txBody>
+          <a:bodyPr rtlCol="0" anchor="ctr"/>
+          <a:lstStyle/>
+          <a:p>
+            <a:pPr algn="ctr"/>
+            <a:endParaRPr kumimoji="1" lang="ja-JP" altLang="en-US"/>
+          </a:p>
+        </p:txBody>
+      </p:sp>
+      <p:cxnSp>
+        <p:nvCxnSpPr>
+          <p:cNvPr id="22" name="コネクタ: カギ線 21">
+            <a:extLst>
+              <a:ext uri="{FF2B5EF4-FFF2-40B4-BE49-F238E27FC236}">
+                <a16:creationId xmlns:a16="http://schemas.microsoft.com/office/drawing/2014/main" id="{8177020D-4D70-BC7A-461C-55724D6D978D}"/>
+              </a:ext>
+            </a:extLst>
+          </p:cNvPr>
+          <p:cNvCxnSpPr>
+            <a:stCxn id="17" idx="4"/>
+            <a:endCxn id="6" idx="0"/>
+          </p:cNvCxnSpPr>
+          <p:nvPr/>
+        </p:nvCxnSpPr>
+        <p:spPr>
+          <a:xfrm rot="16200000" flipH="1">
+            <a:off x="5815437" y="3203835"/>
+            <a:ext cx="607431" cy="1139040"/>
+          </a:xfrm>
+          <a:prstGeom prst="bentConnector3">
+            <a:avLst/>
+          </a:prstGeom>
+          <a:ln>
+            <a:solidFill>
+              <a:schemeClr val="tx1"/>
+            </a:solidFill>
+            <a:headEnd type="none" w="med" len="med"/>
+            <a:tailEnd type="triangle"/>
+          </a:ln>
+        </p:spPr>
+        <p:style>
+          <a:lnRef idx="1">
+            <a:schemeClr val="accent1"/>
+          </a:lnRef>
+          <a:fillRef idx="0">
+            <a:schemeClr val="accent1"/>
+          </a:fillRef>
+          <a:effectRef idx="0">
+            <a:schemeClr val="accent1"/>
+          </a:effectRef>
+          <a:fontRef idx="minor">
+            <a:schemeClr val="tx1"/>
+          </a:fontRef>
+        </p:style>
+      </p:cxnSp>
+      <p:grpSp>
+        <p:nvGrpSpPr>
+          <p:cNvPr id="25" name="グループ化 24">
+            <a:extLst>
+              <a:ext uri="{FF2B5EF4-FFF2-40B4-BE49-F238E27FC236}">
+                <a16:creationId xmlns:a16="http://schemas.microsoft.com/office/drawing/2014/main" id="{5AD03306-629B-8938-AA49-6B5081B9254D}"/>
+              </a:ext>
+            </a:extLst>
+          </p:cNvPr>
+          <p:cNvGrpSpPr/>
+          <p:nvPr/>
+        </p:nvGrpSpPr>
+        <p:grpSpPr>
+          <a:xfrm>
+            <a:off x="251520" y="4581128"/>
+            <a:ext cx="3888432" cy="2016224"/>
+            <a:chOff x="323528" y="1628800"/>
+            <a:chExt cx="3888432" cy="2016224"/>
+          </a:xfrm>
+        </p:grpSpPr>
+        <p:grpSp>
+          <p:nvGrpSpPr>
+            <p:cNvPr id="26" name="グループ化 25">
+              <a:extLst>
+                <a:ext uri="{FF2B5EF4-FFF2-40B4-BE49-F238E27FC236}">
+                  <a16:creationId xmlns:a16="http://schemas.microsoft.com/office/drawing/2014/main" id="{404EF925-6FD9-5BE8-43B3-57E5D133589A}"/>
+                </a:ext>
+              </a:extLst>
+            </p:cNvPr>
+            <p:cNvGrpSpPr/>
+            <p:nvPr/>
+          </p:nvGrpSpPr>
+          <p:grpSpPr>
+            <a:xfrm>
+              <a:off x="467544" y="1916832"/>
+              <a:ext cx="1512168" cy="1512168"/>
+              <a:chOff x="971600" y="1628800"/>
+              <a:chExt cx="2160240" cy="2160240"/>
+            </a:xfrm>
+          </p:grpSpPr>
+          <p:cxnSp>
+            <p:nvCxnSpPr>
+              <p:cNvPr id="39" name="直線コネクタ 38">
+                <a:extLst>
+                  <a:ext uri="{FF2B5EF4-FFF2-40B4-BE49-F238E27FC236}">
+                    <a16:creationId xmlns:a16="http://schemas.microsoft.com/office/drawing/2014/main" id="{7BEB5CFB-0892-8ED0-6197-F9672DC10B62}"/>
+                  </a:ext>
+                </a:extLst>
+              </p:cNvPr>
+              <p:cNvCxnSpPr>
+                <a:cxnSpLocks/>
+              </p:cNvCxnSpPr>
+              <p:nvPr/>
+            </p:nvCxnSpPr>
+            <p:spPr>
+              <a:xfrm>
+                <a:off x="971600" y="1628800"/>
+                <a:ext cx="0" cy="2160240"/>
+              </a:xfrm>
+              <a:prstGeom prst="line">
+                <a:avLst/>
+              </a:prstGeom>
+              <a:ln>
+                <a:solidFill>
+                  <a:schemeClr val="tx1"/>
+                </a:solidFill>
+                <a:headEnd type="none" w="med" len="med"/>
+                <a:tailEnd type="none" w="med" len="med"/>
+              </a:ln>
+            </p:spPr>
+            <p:style>
+              <a:lnRef idx="1">
+                <a:schemeClr val="accent1"/>
+              </a:lnRef>
+              <a:fillRef idx="0">
+                <a:schemeClr val="accent1"/>
+              </a:fillRef>
+              <a:effectRef idx="0">
+                <a:schemeClr val="accent1"/>
+              </a:effectRef>
+              <a:fontRef idx="minor">
+                <a:schemeClr val="tx1"/>
+              </a:fontRef>
+            </p:style>
+          </p:cxnSp>
+          <p:cxnSp>
+            <p:nvCxnSpPr>
+              <p:cNvPr id="40" name="直線コネクタ 39">
+                <a:extLst>
+                  <a:ext uri="{FF2B5EF4-FFF2-40B4-BE49-F238E27FC236}">
+                    <a16:creationId xmlns:a16="http://schemas.microsoft.com/office/drawing/2014/main" id="{C6DB4858-88E5-7748-5EFA-4B911347102D}"/>
+                  </a:ext>
+                </a:extLst>
+              </p:cNvPr>
+              <p:cNvCxnSpPr>
+                <a:cxnSpLocks/>
+              </p:cNvCxnSpPr>
+              <p:nvPr/>
+            </p:nvCxnSpPr>
+            <p:spPr>
+              <a:xfrm>
+                <a:off x="1691680" y="1628800"/>
+                <a:ext cx="0" cy="2160240"/>
+              </a:xfrm>
+              <a:prstGeom prst="line">
+                <a:avLst/>
+              </a:prstGeom>
+              <a:ln>
+                <a:solidFill>
+                  <a:schemeClr val="tx1"/>
+                </a:solidFill>
+                <a:headEnd type="none" w="med" len="med"/>
+                <a:tailEnd type="none" w="med" len="med"/>
+              </a:ln>
+            </p:spPr>
+            <p:style>
+              <a:lnRef idx="1">
+                <a:schemeClr val="accent1"/>
+              </a:lnRef>
+              <a:fillRef idx="0">
+                <a:schemeClr val="accent1"/>
+              </a:fillRef>
+              <a:effectRef idx="0">
+                <a:schemeClr val="accent1"/>
+              </a:effectRef>
+              <a:fontRef idx="minor">
+                <a:schemeClr val="tx1"/>
+              </a:fontRef>
+            </p:style>
+          </p:cxnSp>
+          <p:cxnSp>
+            <p:nvCxnSpPr>
+              <p:cNvPr id="41" name="直線コネクタ 40">
+                <a:extLst>
+                  <a:ext uri="{FF2B5EF4-FFF2-40B4-BE49-F238E27FC236}">
+                    <a16:creationId xmlns:a16="http://schemas.microsoft.com/office/drawing/2014/main" id="{45EE3C72-E4E8-24FB-521B-6A36F57DE8D3}"/>
+                  </a:ext>
+                </a:extLst>
+              </p:cNvPr>
+              <p:cNvCxnSpPr>
+                <a:cxnSpLocks/>
+              </p:cNvCxnSpPr>
+              <p:nvPr/>
+            </p:nvCxnSpPr>
+            <p:spPr>
+              <a:xfrm>
+                <a:off x="2411760" y="1628800"/>
+                <a:ext cx="0" cy="2160240"/>
+              </a:xfrm>
+              <a:prstGeom prst="line">
+                <a:avLst/>
+              </a:prstGeom>
+              <a:ln>
+                <a:solidFill>
+                  <a:schemeClr val="tx1"/>
+                </a:solidFill>
+                <a:headEnd type="none" w="med" len="med"/>
+                <a:tailEnd type="none" w="med" len="med"/>
+              </a:ln>
+            </p:spPr>
+            <p:style>
+              <a:lnRef idx="1">
+                <a:schemeClr val="accent1"/>
+              </a:lnRef>
+              <a:fillRef idx="0">
+                <a:schemeClr val="accent1"/>
+              </a:fillRef>
+              <a:effectRef idx="0">
+                <a:schemeClr val="accent1"/>
+              </a:effectRef>
+              <a:fontRef idx="minor">
+                <a:schemeClr val="tx1"/>
+              </a:fontRef>
+            </p:style>
+          </p:cxnSp>
+          <p:cxnSp>
+            <p:nvCxnSpPr>
+              <p:cNvPr id="42" name="直線コネクタ 41">
+                <a:extLst>
+                  <a:ext uri="{FF2B5EF4-FFF2-40B4-BE49-F238E27FC236}">
+                    <a16:creationId xmlns:a16="http://schemas.microsoft.com/office/drawing/2014/main" id="{2E490825-19C7-7805-9336-C37088C60F17}"/>
+                  </a:ext>
+                </a:extLst>
+              </p:cNvPr>
+              <p:cNvCxnSpPr>
+                <a:cxnSpLocks/>
+              </p:cNvCxnSpPr>
+              <p:nvPr/>
+            </p:nvCxnSpPr>
+            <p:spPr>
+              <a:xfrm>
+                <a:off x="3131840" y="1628800"/>
+                <a:ext cx="0" cy="2160240"/>
+              </a:xfrm>
+              <a:prstGeom prst="line">
+                <a:avLst/>
+              </a:prstGeom>
+              <a:ln>
+                <a:solidFill>
+                  <a:schemeClr val="tx1"/>
+                </a:solidFill>
+                <a:headEnd type="none" w="med" len="med"/>
+                <a:tailEnd type="none" w="med" len="med"/>
+              </a:ln>
+            </p:spPr>
+            <p:style>
+              <a:lnRef idx="1">
+                <a:schemeClr val="accent1"/>
+              </a:lnRef>
+              <a:fillRef idx="0">
+                <a:schemeClr val="accent1"/>
+              </a:fillRef>
+              <a:effectRef idx="0">
+                <a:schemeClr val="accent1"/>
+              </a:effectRef>
+              <a:fontRef idx="minor">
+                <a:schemeClr val="tx1"/>
+              </a:fontRef>
+            </p:style>
+          </p:cxnSp>
+          <p:cxnSp>
+            <p:nvCxnSpPr>
+              <p:cNvPr id="43" name="直線コネクタ 42">
+                <a:extLst>
+                  <a:ext uri="{FF2B5EF4-FFF2-40B4-BE49-F238E27FC236}">
+                    <a16:creationId xmlns:a16="http://schemas.microsoft.com/office/drawing/2014/main" id="{9F249CB4-5A56-968D-1446-31650CD257C3}"/>
+                  </a:ext>
+                </a:extLst>
+              </p:cNvPr>
+              <p:cNvCxnSpPr>
+                <a:cxnSpLocks/>
+              </p:cNvCxnSpPr>
+              <p:nvPr/>
+            </p:nvCxnSpPr>
+            <p:spPr>
+              <a:xfrm>
+                <a:off x="971600" y="1628800"/>
+                <a:ext cx="2160240" cy="0"/>
+              </a:xfrm>
+              <a:prstGeom prst="line">
+                <a:avLst/>
+              </a:prstGeom>
+              <a:ln>
+                <a:solidFill>
+                  <a:schemeClr val="tx1"/>
+                </a:solidFill>
+                <a:headEnd type="none" w="med" len="med"/>
+                <a:tailEnd type="none" w="med" len="med"/>
+              </a:ln>
+            </p:spPr>
+            <p:style>
+              <a:lnRef idx="1">
+                <a:schemeClr val="accent1"/>
+              </a:lnRef>
+              <a:fillRef idx="0">
+                <a:schemeClr val="accent1"/>
+              </a:fillRef>
+              <a:effectRef idx="0">
+                <a:schemeClr val="accent1"/>
+              </a:effectRef>
+              <a:fontRef idx="minor">
+                <a:schemeClr val="tx1"/>
+              </a:fontRef>
+            </p:style>
+          </p:cxnSp>
+          <p:cxnSp>
+            <p:nvCxnSpPr>
+              <p:cNvPr id="44" name="直線コネクタ 43">
+                <a:extLst>
+                  <a:ext uri="{FF2B5EF4-FFF2-40B4-BE49-F238E27FC236}">
+                    <a16:creationId xmlns:a16="http://schemas.microsoft.com/office/drawing/2014/main" id="{25C2330C-D8D8-BD0C-7BD7-14020905C099}"/>
+                  </a:ext>
+                </a:extLst>
+              </p:cNvPr>
+              <p:cNvCxnSpPr>
+                <a:cxnSpLocks/>
+              </p:cNvCxnSpPr>
+              <p:nvPr/>
+            </p:nvCxnSpPr>
+            <p:spPr>
+              <a:xfrm>
+                <a:off x="971600" y="2348880"/>
+                <a:ext cx="2160240" cy="0"/>
+              </a:xfrm>
+              <a:prstGeom prst="line">
+                <a:avLst/>
+              </a:prstGeom>
+              <a:ln>
+                <a:solidFill>
+                  <a:schemeClr val="tx1"/>
+                </a:solidFill>
+                <a:headEnd type="none" w="med" len="med"/>
+                <a:tailEnd type="none" w="med" len="med"/>
+              </a:ln>
+            </p:spPr>
+            <p:style>
+              <a:lnRef idx="1">
+                <a:schemeClr val="accent1"/>
+              </a:lnRef>
+              <a:fillRef idx="0">
+                <a:schemeClr val="accent1"/>
+              </a:fillRef>
+              <a:effectRef idx="0">
+                <a:schemeClr val="accent1"/>
+              </a:effectRef>
+              <a:fontRef idx="minor">
+                <a:schemeClr val="tx1"/>
+              </a:fontRef>
+            </p:style>
+          </p:cxnSp>
+          <p:cxnSp>
+            <p:nvCxnSpPr>
+              <p:cNvPr id="45" name="直線コネクタ 44">
+                <a:extLst>
+                  <a:ext uri="{FF2B5EF4-FFF2-40B4-BE49-F238E27FC236}">
+                    <a16:creationId xmlns:a16="http://schemas.microsoft.com/office/drawing/2014/main" id="{28DB7473-66AF-3A4E-3DC7-9E5125D42A8F}"/>
+                  </a:ext>
+                </a:extLst>
+              </p:cNvPr>
+              <p:cNvCxnSpPr>
+                <a:cxnSpLocks/>
+              </p:cNvCxnSpPr>
+              <p:nvPr/>
+            </p:nvCxnSpPr>
+            <p:spPr>
+              <a:xfrm>
+                <a:off x="971600" y="3068960"/>
+                <a:ext cx="2160240" cy="0"/>
+              </a:xfrm>
+              <a:prstGeom prst="line">
+                <a:avLst/>
+              </a:prstGeom>
+              <a:ln>
+                <a:solidFill>
+                  <a:schemeClr val="tx1"/>
+                </a:solidFill>
+                <a:headEnd type="none" w="med" len="med"/>
+                <a:tailEnd type="none" w="med" len="med"/>
+              </a:ln>
+            </p:spPr>
+            <p:style>
+              <a:lnRef idx="1">
+                <a:schemeClr val="accent1"/>
+              </a:lnRef>
+              <a:fillRef idx="0">
+                <a:schemeClr val="accent1"/>
+              </a:fillRef>
+              <a:effectRef idx="0">
+                <a:schemeClr val="accent1"/>
+              </a:effectRef>
+              <a:fontRef idx="minor">
+                <a:schemeClr val="tx1"/>
+              </a:fontRef>
+            </p:style>
+          </p:cxnSp>
+          <p:cxnSp>
+            <p:nvCxnSpPr>
+              <p:cNvPr id="46" name="直線コネクタ 45">
+                <a:extLst>
+                  <a:ext uri="{FF2B5EF4-FFF2-40B4-BE49-F238E27FC236}">
+                    <a16:creationId xmlns:a16="http://schemas.microsoft.com/office/drawing/2014/main" id="{54C313E2-4BE7-DC60-B259-7ED04C0FAD51}"/>
+                  </a:ext>
+                </a:extLst>
+              </p:cNvPr>
+              <p:cNvCxnSpPr>
+                <a:cxnSpLocks/>
+              </p:cNvCxnSpPr>
+              <p:nvPr/>
+            </p:nvCxnSpPr>
+            <p:spPr>
+              <a:xfrm>
+                <a:off x="971600" y="3789040"/>
+                <a:ext cx="2160240" cy="0"/>
+              </a:xfrm>
+              <a:prstGeom prst="line">
+                <a:avLst/>
+              </a:prstGeom>
+              <a:ln>
+                <a:solidFill>
+                  <a:schemeClr val="tx1"/>
+                </a:solidFill>
+                <a:headEnd type="none" w="med" len="med"/>
+                <a:tailEnd type="none" w="med" len="med"/>
+              </a:ln>
+            </p:spPr>
+            <p:style>
+              <a:lnRef idx="1">
+                <a:schemeClr val="accent1"/>
+              </a:lnRef>
+              <a:fillRef idx="0">
+                <a:schemeClr val="accent1"/>
+              </a:fillRef>
+              <a:effectRef idx="0">
+                <a:schemeClr val="accent1"/>
+              </a:effectRef>
+              <a:fontRef idx="minor">
+                <a:schemeClr val="tx1"/>
+              </a:fontRef>
+            </p:style>
+          </p:cxnSp>
+          <p:sp>
+            <p:nvSpPr>
+              <p:cNvPr id="47" name="楕円 46">
+                <a:extLst>
+                  <a:ext uri="{FF2B5EF4-FFF2-40B4-BE49-F238E27FC236}">
+                    <a16:creationId xmlns:a16="http://schemas.microsoft.com/office/drawing/2014/main" id="{826F725C-5347-B499-1809-0044B48A1E9C}"/>
+                  </a:ext>
+                </a:extLst>
+              </p:cNvPr>
+              <p:cNvSpPr/>
+              <p:nvPr/>
+            </p:nvSpPr>
+            <p:spPr>
+              <a:xfrm>
+                <a:off x="971600" y="1628800"/>
+                <a:ext cx="720080" cy="720080"/>
+              </a:xfrm>
+              <a:prstGeom prst="ellipse">
+                <a:avLst/>
+              </a:prstGeom>
+              <a:solidFill>
+                <a:srgbClr val="011893"/>
+              </a:solidFill>
+              <a:ln>
+                <a:solidFill>
+                  <a:schemeClr val="tx1"/>
+                </a:solidFill>
+              </a:ln>
+            </p:spPr>
+            <p:style>
+              <a:lnRef idx="2">
+                <a:schemeClr val="accent1">
+                  <a:shade val="50000"/>
+                </a:schemeClr>
+              </a:lnRef>
+              <a:fillRef idx="1">
+                <a:schemeClr val="accent1"/>
+              </a:fillRef>
+              <a:effectRef idx="0">
+                <a:schemeClr val="accent1"/>
+              </a:effectRef>
+              <a:fontRef idx="minor">
+                <a:schemeClr val="lt1"/>
+              </a:fontRef>
+            </p:style>
+            <p:txBody>
+              <a:bodyPr rtlCol="0" anchor="ctr"/>
+              <a:lstStyle/>
+              <a:p>
+                <a:pPr algn="ctr"/>
+                <a:endParaRPr kumimoji="1" lang="ja-JP" altLang="en-US"/>
+              </a:p>
+            </p:txBody>
+          </p:sp>
+          <p:sp>
+            <p:nvSpPr>
+              <p:cNvPr id="48" name="楕円 47">
+                <a:extLst>
+                  <a:ext uri="{FF2B5EF4-FFF2-40B4-BE49-F238E27FC236}">
+                    <a16:creationId xmlns:a16="http://schemas.microsoft.com/office/drawing/2014/main" id="{6C995117-D788-BF0A-A701-5EB069198986}"/>
+                  </a:ext>
+                </a:extLst>
+              </p:cNvPr>
+              <p:cNvSpPr/>
+              <p:nvPr/>
+            </p:nvSpPr>
+            <p:spPr>
+              <a:xfrm>
+                <a:off x="1691680" y="1628800"/>
+                <a:ext cx="720080" cy="720080"/>
+              </a:xfrm>
+              <a:prstGeom prst="ellipse">
+                <a:avLst/>
+              </a:prstGeom>
+              <a:solidFill>
+                <a:srgbClr val="011893"/>
+              </a:solidFill>
+              <a:ln>
+                <a:solidFill>
+                  <a:schemeClr val="tx1"/>
+                </a:solidFill>
+              </a:ln>
+            </p:spPr>
+            <p:style>
+              <a:lnRef idx="2">
+                <a:schemeClr val="accent1">
+                  <a:shade val="50000"/>
+                </a:schemeClr>
+              </a:lnRef>
+              <a:fillRef idx="1">
+                <a:schemeClr val="accent1"/>
+              </a:fillRef>
+              <a:effectRef idx="0">
+                <a:schemeClr val="accent1"/>
+              </a:effectRef>
+              <a:fontRef idx="minor">
+                <a:schemeClr val="lt1"/>
+              </a:fontRef>
+            </p:style>
+            <p:txBody>
+              <a:bodyPr rtlCol="0" anchor="ctr"/>
+              <a:lstStyle/>
+              <a:p>
+                <a:pPr algn="ctr"/>
+                <a:endParaRPr kumimoji="1" lang="ja-JP" altLang="en-US"/>
+              </a:p>
+            </p:txBody>
+          </p:sp>
+        </p:grpSp>
+        <p:grpSp>
+          <p:nvGrpSpPr>
+            <p:cNvPr id="27" name="グループ化 26">
+              <a:extLst>
+                <a:ext uri="{FF2B5EF4-FFF2-40B4-BE49-F238E27FC236}">
+                  <a16:creationId xmlns:a16="http://schemas.microsoft.com/office/drawing/2014/main" id="{DE78900F-629F-493D-0B09-6924A2545196}"/>
+                </a:ext>
+              </a:extLst>
+            </p:cNvPr>
+            <p:cNvGrpSpPr/>
+            <p:nvPr/>
+          </p:nvGrpSpPr>
+          <p:grpSpPr>
+            <a:xfrm>
+              <a:off x="2411760" y="1916832"/>
+              <a:ext cx="1512168" cy="1512168"/>
+              <a:chOff x="971600" y="4293096"/>
+              <a:chExt cx="2160240" cy="2160240"/>
+            </a:xfrm>
+          </p:grpSpPr>
+          <p:cxnSp>
+            <p:nvCxnSpPr>
+              <p:cNvPr id="29" name="直線コネクタ 28">
+                <a:extLst>
+                  <a:ext uri="{FF2B5EF4-FFF2-40B4-BE49-F238E27FC236}">
+                    <a16:creationId xmlns:a16="http://schemas.microsoft.com/office/drawing/2014/main" id="{B3508974-65BB-7181-428D-158528A111F5}"/>
+                  </a:ext>
+                </a:extLst>
+              </p:cNvPr>
+              <p:cNvCxnSpPr>
+                <a:cxnSpLocks/>
+              </p:cNvCxnSpPr>
+              <p:nvPr/>
+            </p:nvCxnSpPr>
+            <p:spPr>
+              <a:xfrm>
+                <a:off x="971600" y="4293096"/>
+                <a:ext cx="0" cy="2160240"/>
+              </a:xfrm>
+              <a:prstGeom prst="line">
+                <a:avLst/>
+              </a:prstGeom>
+              <a:ln>
+                <a:solidFill>
+                  <a:schemeClr val="tx1"/>
+                </a:solidFill>
+                <a:headEnd type="none" w="med" len="med"/>
+                <a:tailEnd type="none" w="med" len="med"/>
+              </a:ln>
+            </p:spPr>
+            <p:style>
+              <a:lnRef idx="1">
+                <a:schemeClr val="accent1"/>
+              </a:lnRef>
+              <a:fillRef idx="0">
+                <a:schemeClr val="accent1"/>
+              </a:fillRef>
+              <a:effectRef idx="0">
+                <a:schemeClr val="accent1"/>
+              </a:effectRef>
+              <a:fontRef idx="minor">
+                <a:schemeClr val="tx1"/>
+              </a:fontRef>
+            </p:style>
+          </p:cxnSp>
+          <p:cxnSp>
+            <p:nvCxnSpPr>
+              <p:cNvPr id="30" name="直線コネクタ 29">
+                <a:extLst>
+                  <a:ext uri="{FF2B5EF4-FFF2-40B4-BE49-F238E27FC236}">
+                    <a16:creationId xmlns:a16="http://schemas.microsoft.com/office/drawing/2014/main" id="{B6AA7972-4731-63EB-7C7C-88A213841139}"/>
+                  </a:ext>
+                </a:extLst>
+              </p:cNvPr>
+              <p:cNvCxnSpPr>
+                <a:cxnSpLocks/>
+              </p:cNvCxnSpPr>
+              <p:nvPr/>
+            </p:nvCxnSpPr>
+            <p:spPr>
+              <a:xfrm>
+                <a:off x="1691680" y="4293096"/>
+                <a:ext cx="0" cy="2160240"/>
+              </a:xfrm>
+              <a:prstGeom prst="line">
+                <a:avLst/>
+              </a:prstGeom>
+              <a:ln>
+                <a:solidFill>
+                  <a:schemeClr val="tx1"/>
+                </a:solidFill>
+                <a:headEnd type="none" w="med" len="med"/>
+                <a:tailEnd type="none" w="med" len="med"/>
+              </a:ln>
+            </p:spPr>
+            <p:style>
+              <a:lnRef idx="1">
+                <a:schemeClr val="accent1"/>
+              </a:lnRef>
+              <a:fillRef idx="0">
+                <a:schemeClr val="accent1"/>
+              </a:fillRef>
+              <a:effectRef idx="0">
+                <a:schemeClr val="accent1"/>
+              </a:effectRef>
+              <a:fontRef idx="minor">
+                <a:schemeClr val="tx1"/>
+              </a:fontRef>
+            </p:style>
+          </p:cxnSp>
+          <p:cxnSp>
+            <p:nvCxnSpPr>
+              <p:cNvPr id="31" name="直線コネクタ 30">
+                <a:extLst>
+                  <a:ext uri="{FF2B5EF4-FFF2-40B4-BE49-F238E27FC236}">
+                    <a16:creationId xmlns:a16="http://schemas.microsoft.com/office/drawing/2014/main" id="{ED3F49B5-236D-16A5-A7B8-80A1EEDB8996}"/>
+                  </a:ext>
+                </a:extLst>
+              </p:cNvPr>
+              <p:cNvCxnSpPr>
+                <a:cxnSpLocks/>
+              </p:cNvCxnSpPr>
+              <p:nvPr/>
+            </p:nvCxnSpPr>
+            <p:spPr>
+              <a:xfrm>
+                <a:off x="2411760" y="4293096"/>
+                <a:ext cx="0" cy="2160240"/>
+              </a:xfrm>
+              <a:prstGeom prst="line">
+                <a:avLst/>
+              </a:prstGeom>
+              <a:ln>
+                <a:solidFill>
+                  <a:schemeClr val="tx1"/>
+                </a:solidFill>
+                <a:headEnd type="none" w="med" len="med"/>
+                <a:tailEnd type="none" w="med" len="med"/>
+              </a:ln>
+            </p:spPr>
+            <p:style>
+              <a:lnRef idx="1">
+                <a:schemeClr val="accent1"/>
+              </a:lnRef>
+              <a:fillRef idx="0">
+                <a:schemeClr val="accent1"/>
+              </a:fillRef>
+              <a:effectRef idx="0">
+                <a:schemeClr val="accent1"/>
+              </a:effectRef>
+              <a:fontRef idx="minor">
+                <a:schemeClr val="tx1"/>
+              </a:fontRef>
+            </p:style>
+          </p:cxnSp>
+          <p:cxnSp>
+            <p:nvCxnSpPr>
+              <p:cNvPr id="32" name="直線コネクタ 31">
+                <a:extLst>
+                  <a:ext uri="{FF2B5EF4-FFF2-40B4-BE49-F238E27FC236}">
+                    <a16:creationId xmlns:a16="http://schemas.microsoft.com/office/drawing/2014/main" id="{62CB3836-747A-B55B-DFA5-6B9CA9C56340}"/>
+                  </a:ext>
+                </a:extLst>
+              </p:cNvPr>
+              <p:cNvCxnSpPr>
+                <a:cxnSpLocks/>
+              </p:cNvCxnSpPr>
+              <p:nvPr/>
+            </p:nvCxnSpPr>
+            <p:spPr>
+              <a:xfrm>
+                <a:off x="3131840" y="4293096"/>
+                <a:ext cx="0" cy="2160240"/>
+              </a:xfrm>
+              <a:prstGeom prst="line">
+                <a:avLst/>
+              </a:prstGeom>
+              <a:ln>
+                <a:solidFill>
+                  <a:schemeClr val="tx1"/>
+                </a:solidFill>
+                <a:headEnd type="none" w="med" len="med"/>
+                <a:tailEnd type="none" w="med" len="med"/>
+              </a:ln>
+            </p:spPr>
+            <p:style>
+              <a:lnRef idx="1">
+                <a:schemeClr val="accent1"/>
+              </a:lnRef>
+              <a:fillRef idx="0">
+                <a:schemeClr val="accent1"/>
+              </a:fillRef>
+              <a:effectRef idx="0">
+                <a:schemeClr val="accent1"/>
+              </a:effectRef>
+              <a:fontRef idx="minor">
+                <a:schemeClr val="tx1"/>
+              </a:fontRef>
+            </p:style>
+          </p:cxnSp>
+          <p:cxnSp>
+            <p:nvCxnSpPr>
+              <p:cNvPr id="33" name="直線コネクタ 32">
+                <a:extLst>
+                  <a:ext uri="{FF2B5EF4-FFF2-40B4-BE49-F238E27FC236}">
+                    <a16:creationId xmlns:a16="http://schemas.microsoft.com/office/drawing/2014/main" id="{91EFD3EA-6163-906A-AF89-59242A1E3CA3}"/>
+                  </a:ext>
+                </a:extLst>
+              </p:cNvPr>
+              <p:cNvCxnSpPr>
+                <a:cxnSpLocks/>
+              </p:cNvCxnSpPr>
+              <p:nvPr/>
+            </p:nvCxnSpPr>
+            <p:spPr>
+              <a:xfrm>
+                <a:off x="971600" y="4293096"/>
+                <a:ext cx="2160240" cy="0"/>
+              </a:xfrm>
+              <a:prstGeom prst="line">
+                <a:avLst/>
+              </a:prstGeom>
+              <a:ln>
+                <a:solidFill>
+                  <a:schemeClr val="tx1"/>
+                </a:solidFill>
+                <a:headEnd type="none" w="med" len="med"/>
+                <a:tailEnd type="none" w="med" len="med"/>
+              </a:ln>
+            </p:spPr>
+            <p:style>
+              <a:lnRef idx="1">
+                <a:schemeClr val="accent1"/>
+              </a:lnRef>
+              <a:fillRef idx="0">
+                <a:schemeClr val="accent1"/>
+              </a:fillRef>
+              <a:effectRef idx="0">
+                <a:schemeClr val="accent1"/>
+              </a:effectRef>
+              <a:fontRef idx="minor">
+                <a:schemeClr val="tx1"/>
+              </a:fontRef>
+            </p:style>
+          </p:cxnSp>
+          <p:cxnSp>
+            <p:nvCxnSpPr>
+              <p:cNvPr id="34" name="直線コネクタ 33">
+                <a:extLst>
+                  <a:ext uri="{FF2B5EF4-FFF2-40B4-BE49-F238E27FC236}">
+                    <a16:creationId xmlns:a16="http://schemas.microsoft.com/office/drawing/2014/main" id="{83A63653-A7B2-A0B7-AF54-A271C5AEB204}"/>
+                  </a:ext>
+                </a:extLst>
+              </p:cNvPr>
+              <p:cNvCxnSpPr>
+                <a:cxnSpLocks/>
+              </p:cNvCxnSpPr>
+              <p:nvPr/>
+            </p:nvCxnSpPr>
+            <p:spPr>
+              <a:xfrm>
+                <a:off x="971600" y="5013176"/>
+                <a:ext cx="2160240" cy="0"/>
+              </a:xfrm>
+              <a:prstGeom prst="line">
+                <a:avLst/>
+              </a:prstGeom>
+              <a:ln>
+                <a:solidFill>
+                  <a:schemeClr val="tx1"/>
+                </a:solidFill>
+                <a:headEnd type="none" w="med" len="med"/>
+                <a:tailEnd type="none" w="med" len="med"/>
+              </a:ln>
+            </p:spPr>
+            <p:style>
+              <a:lnRef idx="1">
+                <a:schemeClr val="accent1"/>
+              </a:lnRef>
+              <a:fillRef idx="0">
+                <a:schemeClr val="accent1"/>
+              </a:fillRef>
+              <a:effectRef idx="0">
+                <a:schemeClr val="accent1"/>
+              </a:effectRef>
+              <a:fontRef idx="minor">
+                <a:schemeClr val="tx1"/>
+              </a:fontRef>
+            </p:style>
+          </p:cxnSp>
+          <p:cxnSp>
+            <p:nvCxnSpPr>
+              <p:cNvPr id="35" name="直線コネクタ 34">
+                <a:extLst>
+                  <a:ext uri="{FF2B5EF4-FFF2-40B4-BE49-F238E27FC236}">
+                    <a16:creationId xmlns:a16="http://schemas.microsoft.com/office/drawing/2014/main" id="{FF9A74AC-F05E-7527-3A02-0C56B56BE390}"/>
+                  </a:ext>
+                </a:extLst>
+              </p:cNvPr>
+              <p:cNvCxnSpPr>
+                <a:cxnSpLocks/>
+              </p:cNvCxnSpPr>
+              <p:nvPr/>
+            </p:nvCxnSpPr>
+            <p:spPr>
+              <a:xfrm>
+                <a:off x="971600" y="5733256"/>
+                <a:ext cx="2160240" cy="0"/>
+              </a:xfrm>
+              <a:prstGeom prst="line">
+                <a:avLst/>
+              </a:prstGeom>
+              <a:ln>
+                <a:solidFill>
+                  <a:schemeClr val="tx1"/>
+                </a:solidFill>
+                <a:headEnd type="none" w="med" len="med"/>
+                <a:tailEnd type="none" w="med" len="med"/>
+              </a:ln>
+            </p:spPr>
+            <p:style>
+              <a:lnRef idx="1">
+                <a:schemeClr val="accent1"/>
+              </a:lnRef>
+              <a:fillRef idx="0">
+                <a:schemeClr val="accent1"/>
+              </a:fillRef>
+              <a:effectRef idx="0">
+                <a:schemeClr val="accent1"/>
+              </a:effectRef>
+              <a:fontRef idx="minor">
+                <a:schemeClr val="tx1"/>
+              </a:fontRef>
+            </p:style>
+          </p:cxnSp>
+          <p:cxnSp>
+            <p:nvCxnSpPr>
+              <p:cNvPr id="36" name="直線コネクタ 35">
+                <a:extLst>
+                  <a:ext uri="{FF2B5EF4-FFF2-40B4-BE49-F238E27FC236}">
+                    <a16:creationId xmlns:a16="http://schemas.microsoft.com/office/drawing/2014/main" id="{F61BDA75-7E0F-2CBC-AFDF-EC703AEDC925}"/>
+                  </a:ext>
+                </a:extLst>
+              </p:cNvPr>
+              <p:cNvCxnSpPr>
+                <a:cxnSpLocks/>
+              </p:cNvCxnSpPr>
+              <p:nvPr/>
+            </p:nvCxnSpPr>
+            <p:spPr>
+              <a:xfrm>
+                <a:off x="971600" y="6453336"/>
+                <a:ext cx="2160240" cy="0"/>
+              </a:xfrm>
+              <a:prstGeom prst="line">
+                <a:avLst/>
+              </a:prstGeom>
+              <a:ln>
+                <a:solidFill>
+                  <a:schemeClr val="tx1"/>
+                </a:solidFill>
+                <a:headEnd type="none" w="med" len="med"/>
+                <a:tailEnd type="none" w="med" len="med"/>
+              </a:ln>
+            </p:spPr>
+            <p:style>
+              <a:lnRef idx="1">
+                <a:schemeClr val="accent1"/>
+              </a:lnRef>
+              <a:fillRef idx="0">
+                <a:schemeClr val="accent1"/>
+              </a:fillRef>
+              <a:effectRef idx="0">
+                <a:schemeClr val="accent1"/>
+              </a:effectRef>
+              <a:fontRef idx="minor">
+                <a:schemeClr val="tx1"/>
+              </a:fontRef>
+            </p:style>
+          </p:cxnSp>
+          <p:sp>
+            <p:nvSpPr>
+              <p:cNvPr id="37" name="楕円 36">
+                <a:extLst>
+                  <a:ext uri="{FF2B5EF4-FFF2-40B4-BE49-F238E27FC236}">
+                    <a16:creationId xmlns:a16="http://schemas.microsoft.com/office/drawing/2014/main" id="{CF0D3C32-9EE8-D15F-49F1-BE140002CAC5}"/>
+                  </a:ext>
+                </a:extLst>
+              </p:cNvPr>
+              <p:cNvSpPr/>
+              <p:nvPr/>
+            </p:nvSpPr>
+            <p:spPr>
+              <a:xfrm>
+                <a:off x="1691680" y="5013176"/>
+                <a:ext cx="720080" cy="720080"/>
+              </a:xfrm>
+              <a:prstGeom prst="ellipse">
+                <a:avLst/>
+              </a:prstGeom>
+              <a:solidFill>
+                <a:srgbClr val="011893"/>
+              </a:solidFill>
+              <a:ln>
+                <a:solidFill>
+                  <a:schemeClr val="tx1"/>
+                </a:solidFill>
+              </a:ln>
+            </p:spPr>
+            <p:style>
+              <a:lnRef idx="2">
+                <a:schemeClr val="accent1">
+                  <a:shade val="50000"/>
+                </a:schemeClr>
+              </a:lnRef>
+              <a:fillRef idx="1">
+                <a:schemeClr val="accent1"/>
+              </a:fillRef>
+              <a:effectRef idx="0">
+                <a:schemeClr val="accent1"/>
+              </a:effectRef>
+              <a:fontRef idx="minor">
+                <a:schemeClr val="lt1"/>
+              </a:fontRef>
+            </p:style>
+            <p:txBody>
+              <a:bodyPr rtlCol="0" anchor="ctr"/>
+              <a:lstStyle/>
+              <a:p>
+                <a:pPr algn="ctr"/>
+                <a:endParaRPr kumimoji="1" lang="ja-JP" altLang="en-US"/>
+              </a:p>
+            </p:txBody>
+          </p:sp>
+          <p:sp>
+            <p:nvSpPr>
+              <p:cNvPr id="38" name="楕円 37">
+                <a:extLst>
+                  <a:ext uri="{FF2B5EF4-FFF2-40B4-BE49-F238E27FC236}">
+                    <a16:creationId xmlns:a16="http://schemas.microsoft.com/office/drawing/2014/main" id="{19FCA1B5-BDCC-8AE8-9097-73A278D410FC}"/>
+                  </a:ext>
+                </a:extLst>
+              </p:cNvPr>
+              <p:cNvSpPr/>
+              <p:nvPr/>
+            </p:nvSpPr>
+            <p:spPr>
+              <a:xfrm>
+                <a:off x="1691680" y="5733256"/>
+                <a:ext cx="720080" cy="720080"/>
+              </a:xfrm>
+              <a:prstGeom prst="ellipse">
+                <a:avLst/>
+              </a:prstGeom>
+              <a:solidFill>
+                <a:srgbClr val="011893"/>
+              </a:solidFill>
+              <a:ln>
+                <a:solidFill>
+                  <a:schemeClr val="tx1"/>
+                </a:solidFill>
+              </a:ln>
+            </p:spPr>
+            <p:style>
+              <a:lnRef idx="2">
+                <a:schemeClr val="accent1">
+                  <a:shade val="50000"/>
+                </a:schemeClr>
+              </a:lnRef>
+              <a:fillRef idx="1">
+                <a:schemeClr val="accent1"/>
+              </a:fillRef>
+              <a:effectRef idx="0">
+                <a:schemeClr val="accent1"/>
+              </a:effectRef>
+              <a:fontRef idx="minor">
+                <a:schemeClr val="lt1"/>
+              </a:fontRef>
+            </p:style>
+            <p:txBody>
+              <a:bodyPr rtlCol="0" anchor="ctr"/>
+              <a:lstStyle/>
+              <a:p>
+                <a:pPr algn="ctr"/>
+                <a:endParaRPr kumimoji="1" lang="ja-JP" altLang="en-US"/>
+              </a:p>
+            </p:txBody>
+          </p:sp>
+        </p:grpSp>
+        <p:sp>
+          <p:nvSpPr>
+            <p:cNvPr id="28" name="四角形: 角を丸くする 27">
+              <a:extLst>
+                <a:ext uri="{FF2B5EF4-FFF2-40B4-BE49-F238E27FC236}">
+                  <a16:creationId xmlns:a16="http://schemas.microsoft.com/office/drawing/2014/main" id="{CAA48393-60C6-B4FE-5085-3C5F817CBECE}"/>
+                </a:ext>
+              </a:extLst>
+            </p:cNvPr>
+            <p:cNvSpPr/>
+            <p:nvPr/>
+          </p:nvSpPr>
+          <p:spPr>
+            <a:xfrm>
+              <a:off x="323528" y="1628800"/>
+              <a:ext cx="3888432" cy="2016224"/>
+            </a:xfrm>
+            <a:prstGeom prst="roundRect">
+              <a:avLst/>
+            </a:prstGeom>
+            <a:noFill/>
+            <a:ln w="28575">
+              <a:solidFill>
+                <a:schemeClr val="tx1"/>
+              </a:solidFill>
+              <a:prstDash val="dash"/>
+            </a:ln>
+          </p:spPr>
+          <p:style>
+            <a:lnRef idx="2">
+              <a:schemeClr val="accent1">
+                <a:shade val="50000"/>
+              </a:schemeClr>
+            </a:lnRef>
+            <a:fillRef idx="1">
+              <a:schemeClr val="accent1"/>
+            </a:fillRef>
+            <a:effectRef idx="0">
+              <a:schemeClr val="accent1"/>
+            </a:effectRef>
+            <a:fontRef idx="minor">
+              <a:schemeClr val="lt1"/>
+            </a:fontRef>
+          </p:style>
+          <p:txBody>
+            <a:bodyPr rtlCol="0" anchor="ctr"/>
+            <a:lstStyle/>
+            <a:p>
+              <a:pPr algn="ctr"/>
+              <a:endParaRPr kumimoji="1" lang="ja-JP" altLang="en-US"/>
+            </a:p>
+          </p:txBody>
+        </p:sp>
+      </p:grpSp>
+      <p:grpSp>
+        <p:nvGrpSpPr>
+          <p:cNvPr id="50" name="グループ化 49">
+            <a:extLst>
+              <a:ext uri="{FF2B5EF4-FFF2-40B4-BE49-F238E27FC236}">
+                <a16:creationId xmlns:a16="http://schemas.microsoft.com/office/drawing/2014/main" id="{1DDD2F27-C42E-3459-F6D3-31440A4B58B1}"/>
+              </a:ext>
+            </a:extLst>
+          </p:cNvPr>
+          <p:cNvGrpSpPr/>
+          <p:nvPr/>
+        </p:nvGrpSpPr>
+        <p:grpSpPr>
+          <a:xfrm>
+            <a:off x="4644008" y="4581128"/>
+            <a:ext cx="3888432" cy="2016224"/>
+            <a:chOff x="4716016" y="1628800"/>
+            <a:chExt cx="3888432" cy="2016224"/>
+          </a:xfrm>
+        </p:grpSpPr>
+        <p:grpSp>
+          <p:nvGrpSpPr>
+            <p:cNvPr id="51" name="グループ化 50">
+              <a:extLst>
+                <a:ext uri="{FF2B5EF4-FFF2-40B4-BE49-F238E27FC236}">
+                  <a16:creationId xmlns:a16="http://schemas.microsoft.com/office/drawing/2014/main" id="{151C061F-AB3C-44A4-EAF9-921C4941DF1D}"/>
+                </a:ext>
+              </a:extLst>
+            </p:cNvPr>
+            <p:cNvGrpSpPr/>
+            <p:nvPr/>
+          </p:nvGrpSpPr>
+          <p:grpSpPr>
+            <a:xfrm>
+              <a:off x="4932040" y="1916832"/>
+              <a:ext cx="3528392" cy="1584176"/>
+              <a:chOff x="4932040" y="1916832"/>
+              <a:chExt cx="3528392" cy="1584176"/>
+            </a:xfrm>
+          </p:grpSpPr>
+          <p:grpSp>
+            <p:nvGrpSpPr>
+              <p:cNvPr id="53" name="グループ化 52">
+                <a:extLst>
+                  <a:ext uri="{FF2B5EF4-FFF2-40B4-BE49-F238E27FC236}">
+                    <a16:creationId xmlns:a16="http://schemas.microsoft.com/office/drawing/2014/main" id="{C1B55227-0F58-EC7C-3C0F-F71D571C1AF0}"/>
+                  </a:ext>
+                </a:extLst>
+              </p:cNvPr>
+              <p:cNvGrpSpPr/>
+              <p:nvPr/>
+            </p:nvGrpSpPr>
+            <p:grpSpPr>
+              <a:xfrm>
+                <a:off x="4932040" y="1988840"/>
+                <a:ext cx="1512168" cy="1512168"/>
+                <a:chOff x="5292080" y="1628800"/>
+                <a:chExt cx="2160240" cy="2160240"/>
+              </a:xfrm>
+            </p:grpSpPr>
+            <p:cxnSp>
+              <p:nvCxnSpPr>
+                <p:cNvPr id="65" name="直線コネクタ 64">
+                  <a:extLst>
+                    <a:ext uri="{FF2B5EF4-FFF2-40B4-BE49-F238E27FC236}">
+                      <a16:creationId xmlns:a16="http://schemas.microsoft.com/office/drawing/2014/main" id="{3FCF8ACE-B895-8728-765E-596310714535}"/>
+                    </a:ext>
+                  </a:extLst>
+                </p:cNvPr>
+                <p:cNvCxnSpPr>
+                  <a:cxnSpLocks/>
+                </p:cNvCxnSpPr>
+                <p:nvPr/>
+              </p:nvCxnSpPr>
+              <p:spPr>
+                <a:xfrm>
+                  <a:off x="5292080" y="1628800"/>
+                  <a:ext cx="0" cy="2160240"/>
+                </a:xfrm>
+                <a:prstGeom prst="line">
+                  <a:avLst/>
+                </a:prstGeom>
+                <a:ln>
+                  <a:solidFill>
+                    <a:schemeClr val="tx1"/>
+                  </a:solidFill>
+                  <a:headEnd type="none" w="med" len="med"/>
+                  <a:tailEnd type="none" w="med" len="med"/>
+                </a:ln>
+              </p:spPr>
+              <p:style>
+                <a:lnRef idx="1">
+                  <a:schemeClr val="accent1"/>
+                </a:lnRef>
+                <a:fillRef idx="0">
+                  <a:schemeClr val="accent1"/>
+                </a:fillRef>
+                <a:effectRef idx="0">
+                  <a:schemeClr val="accent1"/>
+                </a:effectRef>
+                <a:fontRef idx="minor">
+                  <a:schemeClr val="tx1"/>
+                </a:fontRef>
+              </p:style>
+            </p:cxnSp>
+            <p:cxnSp>
+              <p:nvCxnSpPr>
+                <p:cNvPr id="66" name="直線コネクタ 65">
+                  <a:extLst>
+                    <a:ext uri="{FF2B5EF4-FFF2-40B4-BE49-F238E27FC236}">
+                      <a16:creationId xmlns:a16="http://schemas.microsoft.com/office/drawing/2014/main" id="{8BC9CD94-C1D4-EB60-CAAA-48AC99AD085E}"/>
+                    </a:ext>
+                  </a:extLst>
+                </p:cNvPr>
+                <p:cNvCxnSpPr>
+                  <a:cxnSpLocks/>
+                </p:cNvCxnSpPr>
+                <p:nvPr/>
+              </p:nvCxnSpPr>
+              <p:spPr>
+                <a:xfrm>
+                  <a:off x="6012160" y="1628800"/>
+                  <a:ext cx="0" cy="2160240"/>
+                </a:xfrm>
+                <a:prstGeom prst="line">
+                  <a:avLst/>
+                </a:prstGeom>
+                <a:ln>
+                  <a:solidFill>
+                    <a:schemeClr val="tx1"/>
+                  </a:solidFill>
+                  <a:headEnd type="none" w="med" len="med"/>
+                  <a:tailEnd type="none" w="med" len="med"/>
+                </a:ln>
+              </p:spPr>
+              <p:style>
+                <a:lnRef idx="1">
+                  <a:schemeClr val="accent1"/>
+                </a:lnRef>
+                <a:fillRef idx="0">
+                  <a:schemeClr val="accent1"/>
+                </a:fillRef>
+                <a:effectRef idx="0">
+                  <a:schemeClr val="accent1"/>
+                </a:effectRef>
+                <a:fontRef idx="minor">
+                  <a:schemeClr val="tx1"/>
+                </a:fontRef>
+              </p:style>
+            </p:cxnSp>
+            <p:cxnSp>
+              <p:nvCxnSpPr>
+                <p:cNvPr id="67" name="直線コネクタ 66">
+                  <a:extLst>
+                    <a:ext uri="{FF2B5EF4-FFF2-40B4-BE49-F238E27FC236}">
+                      <a16:creationId xmlns:a16="http://schemas.microsoft.com/office/drawing/2014/main" id="{F94066D5-D711-29A7-25A2-836A6F26CE23}"/>
+                    </a:ext>
+                  </a:extLst>
+                </p:cNvPr>
+                <p:cNvCxnSpPr>
+                  <a:cxnSpLocks/>
+                </p:cNvCxnSpPr>
+                <p:nvPr/>
+              </p:nvCxnSpPr>
+              <p:spPr>
+                <a:xfrm>
+                  <a:off x="6732240" y="1628800"/>
+                  <a:ext cx="0" cy="2160240"/>
+                </a:xfrm>
+                <a:prstGeom prst="line">
+                  <a:avLst/>
+                </a:prstGeom>
+                <a:ln>
+                  <a:solidFill>
+                    <a:schemeClr val="tx1"/>
+                  </a:solidFill>
+                  <a:headEnd type="none" w="med" len="med"/>
+                  <a:tailEnd type="none" w="med" len="med"/>
+                </a:ln>
+              </p:spPr>
+              <p:style>
+                <a:lnRef idx="1">
+                  <a:schemeClr val="accent1"/>
+                </a:lnRef>
+                <a:fillRef idx="0">
+                  <a:schemeClr val="accent1"/>
+                </a:fillRef>
+                <a:effectRef idx="0">
+                  <a:schemeClr val="accent1"/>
+                </a:effectRef>
+                <a:fontRef idx="minor">
+                  <a:schemeClr val="tx1"/>
+                </a:fontRef>
+              </p:style>
+            </p:cxnSp>
+            <p:cxnSp>
+              <p:nvCxnSpPr>
+                <p:cNvPr id="68" name="直線コネクタ 67">
+                  <a:extLst>
+                    <a:ext uri="{FF2B5EF4-FFF2-40B4-BE49-F238E27FC236}">
+                      <a16:creationId xmlns:a16="http://schemas.microsoft.com/office/drawing/2014/main" id="{5C85A3BA-D8F0-F169-B297-73F139AED5B6}"/>
+                    </a:ext>
+                  </a:extLst>
+                </p:cNvPr>
+                <p:cNvCxnSpPr>
+                  <a:cxnSpLocks/>
+                </p:cNvCxnSpPr>
+                <p:nvPr/>
+              </p:nvCxnSpPr>
+              <p:spPr>
+                <a:xfrm>
+                  <a:off x="7452320" y="1628800"/>
+                  <a:ext cx="0" cy="2160240"/>
+                </a:xfrm>
+                <a:prstGeom prst="line">
+                  <a:avLst/>
+                </a:prstGeom>
+                <a:ln>
+                  <a:solidFill>
+                    <a:schemeClr val="tx1"/>
+                  </a:solidFill>
+                  <a:headEnd type="none" w="med" len="med"/>
+                  <a:tailEnd type="none" w="med" len="med"/>
+                </a:ln>
+              </p:spPr>
+              <p:style>
+                <a:lnRef idx="1">
+                  <a:schemeClr val="accent1"/>
+                </a:lnRef>
+                <a:fillRef idx="0">
+                  <a:schemeClr val="accent1"/>
+                </a:fillRef>
+                <a:effectRef idx="0">
+                  <a:schemeClr val="accent1"/>
+                </a:effectRef>
+                <a:fontRef idx="minor">
+                  <a:schemeClr val="tx1"/>
+                </a:fontRef>
+              </p:style>
+            </p:cxnSp>
+            <p:cxnSp>
+              <p:nvCxnSpPr>
+                <p:cNvPr id="69" name="直線コネクタ 68">
+                  <a:extLst>
+                    <a:ext uri="{FF2B5EF4-FFF2-40B4-BE49-F238E27FC236}">
+                      <a16:creationId xmlns:a16="http://schemas.microsoft.com/office/drawing/2014/main" id="{3C37D29E-A6A2-ACEC-A19E-14E8F0A9CA5C}"/>
+                    </a:ext>
+                  </a:extLst>
+                </p:cNvPr>
+                <p:cNvCxnSpPr>
+                  <a:cxnSpLocks/>
+                </p:cNvCxnSpPr>
+                <p:nvPr/>
+              </p:nvCxnSpPr>
+              <p:spPr>
+                <a:xfrm>
+                  <a:off x="5292080" y="1628800"/>
+                  <a:ext cx="2160240" cy="0"/>
+                </a:xfrm>
+                <a:prstGeom prst="line">
+                  <a:avLst/>
+                </a:prstGeom>
+                <a:ln>
+                  <a:solidFill>
+                    <a:schemeClr val="tx1"/>
+                  </a:solidFill>
+                  <a:headEnd type="none" w="med" len="med"/>
+                  <a:tailEnd type="none" w="med" len="med"/>
+                </a:ln>
+              </p:spPr>
+              <p:style>
+                <a:lnRef idx="1">
+                  <a:schemeClr val="accent1"/>
+                </a:lnRef>
+                <a:fillRef idx="0">
+                  <a:schemeClr val="accent1"/>
+                </a:fillRef>
+                <a:effectRef idx="0">
+                  <a:schemeClr val="accent1"/>
+                </a:effectRef>
+                <a:fontRef idx="minor">
+                  <a:schemeClr val="tx1"/>
+                </a:fontRef>
+              </p:style>
+            </p:cxnSp>
+            <p:cxnSp>
+              <p:nvCxnSpPr>
+                <p:cNvPr id="70" name="直線コネクタ 69">
+                  <a:extLst>
+                    <a:ext uri="{FF2B5EF4-FFF2-40B4-BE49-F238E27FC236}">
+                      <a16:creationId xmlns:a16="http://schemas.microsoft.com/office/drawing/2014/main" id="{900A918A-382A-11D0-B1C1-D2660D42D044}"/>
+                    </a:ext>
+                  </a:extLst>
+                </p:cNvPr>
+                <p:cNvCxnSpPr>
+                  <a:cxnSpLocks/>
+                </p:cNvCxnSpPr>
+                <p:nvPr/>
+              </p:nvCxnSpPr>
+              <p:spPr>
+                <a:xfrm>
+                  <a:off x="5292080" y="2348880"/>
+                  <a:ext cx="2160240" cy="0"/>
+                </a:xfrm>
+                <a:prstGeom prst="line">
+                  <a:avLst/>
+                </a:prstGeom>
+                <a:ln>
+                  <a:solidFill>
+                    <a:schemeClr val="tx1"/>
+                  </a:solidFill>
+                  <a:headEnd type="none" w="med" len="med"/>
+                  <a:tailEnd type="none" w="med" len="med"/>
+                </a:ln>
+              </p:spPr>
+              <p:style>
+                <a:lnRef idx="1">
+                  <a:schemeClr val="accent1"/>
+                </a:lnRef>
+                <a:fillRef idx="0">
+                  <a:schemeClr val="accent1"/>
+                </a:fillRef>
+                <a:effectRef idx="0">
+                  <a:schemeClr val="accent1"/>
+                </a:effectRef>
+                <a:fontRef idx="minor">
+                  <a:schemeClr val="tx1"/>
+                </a:fontRef>
+              </p:style>
+            </p:cxnSp>
+            <p:cxnSp>
+              <p:nvCxnSpPr>
+                <p:cNvPr id="71" name="直線コネクタ 70">
+                  <a:extLst>
+                    <a:ext uri="{FF2B5EF4-FFF2-40B4-BE49-F238E27FC236}">
+                      <a16:creationId xmlns:a16="http://schemas.microsoft.com/office/drawing/2014/main" id="{838F0D84-301A-DBF9-8CE3-FEE62D9BF209}"/>
+                    </a:ext>
+                  </a:extLst>
+                </p:cNvPr>
+                <p:cNvCxnSpPr>
+                  <a:cxnSpLocks/>
+                </p:cNvCxnSpPr>
+                <p:nvPr/>
+              </p:nvCxnSpPr>
+              <p:spPr>
+                <a:xfrm>
+                  <a:off x="5292080" y="3068960"/>
+                  <a:ext cx="2160240" cy="0"/>
+                </a:xfrm>
+                <a:prstGeom prst="line">
+                  <a:avLst/>
+                </a:prstGeom>
+                <a:ln>
+                  <a:solidFill>
+                    <a:schemeClr val="tx1"/>
+                  </a:solidFill>
+                  <a:headEnd type="none" w="med" len="med"/>
+                  <a:tailEnd type="none" w="med" len="med"/>
+                </a:ln>
+              </p:spPr>
+              <p:style>
+                <a:lnRef idx="1">
+                  <a:schemeClr val="accent1"/>
+                </a:lnRef>
+                <a:fillRef idx="0">
+                  <a:schemeClr val="accent1"/>
+                </a:fillRef>
+                <a:effectRef idx="0">
+                  <a:schemeClr val="accent1"/>
+                </a:effectRef>
+                <a:fontRef idx="minor">
+                  <a:schemeClr val="tx1"/>
+                </a:fontRef>
+              </p:style>
+            </p:cxnSp>
+            <p:cxnSp>
+              <p:nvCxnSpPr>
+                <p:cNvPr id="72" name="直線コネクタ 71">
+                  <a:extLst>
+                    <a:ext uri="{FF2B5EF4-FFF2-40B4-BE49-F238E27FC236}">
+                      <a16:creationId xmlns:a16="http://schemas.microsoft.com/office/drawing/2014/main" id="{0D18AEC9-D277-1DD3-E536-7C5B67498ECA}"/>
+                    </a:ext>
+                  </a:extLst>
+                </p:cNvPr>
+                <p:cNvCxnSpPr>
+                  <a:cxnSpLocks/>
+                </p:cNvCxnSpPr>
+                <p:nvPr/>
+              </p:nvCxnSpPr>
+              <p:spPr>
+                <a:xfrm>
+                  <a:off x="5292080" y="3789040"/>
+                  <a:ext cx="2160240" cy="0"/>
+                </a:xfrm>
+                <a:prstGeom prst="line">
+                  <a:avLst/>
+                </a:prstGeom>
+                <a:ln>
+                  <a:solidFill>
+                    <a:schemeClr val="tx1"/>
+                  </a:solidFill>
+                  <a:headEnd type="none" w="med" len="med"/>
+                  <a:tailEnd type="none" w="med" len="med"/>
+                </a:ln>
+              </p:spPr>
+              <p:style>
+                <a:lnRef idx="1">
+                  <a:schemeClr val="accent1"/>
+                </a:lnRef>
+                <a:fillRef idx="0">
+                  <a:schemeClr val="accent1"/>
+                </a:fillRef>
+                <a:effectRef idx="0">
+                  <a:schemeClr val="accent1"/>
+                </a:effectRef>
+                <a:fontRef idx="minor">
+                  <a:schemeClr val="tx1"/>
+                </a:fontRef>
+              </p:style>
+            </p:cxnSp>
+            <p:sp>
+              <p:nvSpPr>
+                <p:cNvPr id="73" name="楕円 72">
+                  <a:extLst>
+                    <a:ext uri="{FF2B5EF4-FFF2-40B4-BE49-F238E27FC236}">
+                      <a16:creationId xmlns:a16="http://schemas.microsoft.com/office/drawing/2014/main" id="{9B79BD00-2108-DDBA-B706-15E5E0437466}"/>
+                    </a:ext>
+                  </a:extLst>
+                </p:cNvPr>
+                <p:cNvSpPr/>
+                <p:nvPr/>
+              </p:nvSpPr>
+              <p:spPr>
+                <a:xfrm>
+                  <a:off x="6732240" y="1628800"/>
+                  <a:ext cx="720080" cy="720080"/>
+                </a:xfrm>
+                <a:prstGeom prst="ellipse">
+                  <a:avLst/>
+                </a:prstGeom>
+                <a:solidFill>
+                  <a:srgbClr val="011893"/>
+                </a:solidFill>
+                <a:ln>
+                  <a:solidFill>
+                    <a:schemeClr val="tx1"/>
+                  </a:solidFill>
+                </a:ln>
+              </p:spPr>
+              <p:style>
+                <a:lnRef idx="2">
+                  <a:schemeClr val="accent1">
+                    <a:shade val="50000"/>
+                  </a:schemeClr>
+                </a:lnRef>
+                <a:fillRef idx="1">
+                  <a:schemeClr val="accent1"/>
+                </a:fillRef>
+                <a:effectRef idx="0">
+                  <a:schemeClr val="accent1"/>
+                </a:effectRef>
+                <a:fontRef idx="minor">
+                  <a:schemeClr val="lt1"/>
+                </a:fontRef>
+              </p:style>
+              <p:txBody>
+                <a:bodyPr rtlCol="0" anchor="ctr"/>
+                <a:lstStyle/>
+                <a:p>
+                  <a:pPr algn="ctr"/>
+                  <a:endParaRPr kumimoji="1" lang="ja-JP" altLang="en-US"/>
+                </a:p>
+              </p:txBody>
+            </p:sp>
+            <p:sp>
+              <p:nvSpPr>
+                <p:cNvPr id="74" name="楕円 73">
+                  <a:extLst>
+                    <a:ext uri="{FF2B5EF4-FFF2-40B4-BE49-F238E27FC236}">
+                      <a16:creationId xmlns:a16="http://schemas.microsoft.com/office/drawing/2014/main" id="{FB723670-BC6C-40C0-7549-BEB3AFBA7EC9}"/>
+                    </a:ext>
+                  </a:extLst>
+                </p:cNvPr>
+                <p:cNvSpPr/>
+                <p:nvPr/>
+              </p:nvSpPr>
+              <p:spPr>
+                <a:xfrm>
+                  <a:off x="6012160" y="3068960"/>
+                  <a:ext cx="720080" cy="720080"/>
+                </a:xfrm>
+                <a:prstGeom prst="ellipse">
+                  <a:avLst/>
+                </a:prstGeom>
+                <a:solidFill>
+                  <a:srgbClr val="011893"/>
+                </a:solidFill>
+                <a:ln>
+                  <a:solidFill>
+                    <a:schemeClr val="tx1"/>
+                  </a:solidFill>
+                </a:ln>
+              </p:spPr>
+              <p:style>
+                <a:lnRef idx="2">
+                  <a:schemeClr val="accent1">
+                    <a:shade val="50000"/>
+                  </a:schemeClr>
+                </a:lnRef>
+                <a:fillRef idx="1">
+                  <a:schemeClr val="accent1"/>
+                </a:fillRef>
+                <a:effectRef idx="0">
+                  <a:schemeClr val="accent1"/>
+                </a:effectRef>
+                <a:fontRef idx="minor">
+                  <a:schemeClr val="lt1"/>
+                </a:fontRef>
+              </p:style>
+              <p:txBody>
+                <a:bodyPr rtlCol="0" anchor="ctr"/>
+                <a:lstStyle/>
+                <a:p>
+                  <a:pPr algn="ctr"/>
+                  <a:endParaRPr kumimoji="1" lang="ja-JP" altLang="en-US"/>
+                </a:p>
+              </p:txBody>
+            </p:sp>
+          </p:grpSp>
+          <p:grpSp>
+            <p:nvGrpSpPr>
+              <p:cNvPr id="54" name="グループ化 53">
+                <a:extLst>
+                  <a:ext uri="{FF2B5EF4-FFF2-40B4-BE49-F238E27FC236}">
+                    <a16:creationId xmlns:a16="http://schemas.microsoft.com/office/drawing/2014/main" id="{6FB10E06-2FC1-3E93-EC26-32B5725FB6BA}"/>
+                  </a:ext>
+                </a:extLst>
+              </p:cNvPr>
+              <p:cNvGrpSpPr/>
+              <p:nvPr/>
+            </p:nvGrpSpPr>
+            <p:grpSpPr>
+              <a:xfrm>
+                <a:off x="6948264" y="1916832"/>
+                <a:ext cx="1512168" cy="1512168"/>
+                <a:chOff x="5292080" y="4365104"/>
+                <a:chExt cx="2160240" cy="2160240"/>
+              </a:xfrm>
+            </p:grpSpPr>
+            <p:cxnSp>
+              <p:nvCxnSpPr>
+                <p:cNvPr id="55" name="直線コネクタ 54">
+                  <a:extLst>
+                    <a:ext uri="{FF2B5EF4-FFF2-40B4-BE49-F238E27FC236}">
+                      <a16:creationId xmlns:a16="http://schemas.microsoft.com/office/drawing/2014/main" id="{EDFDFF28-3544-E15C-FDAF-3F01BC105E66}"/>
+                    </a:ext>
+                  </a:extLst>
+                </p:cNvPr>
+                <p:cNvCxnSpPr>
+                  <a:cxnSpLocks/>
+                </p:cNvCxnSpPr>
+                <p:nvPr/>
+              </p:nvCxnSpPr>
+              <p:spPr>
+                <a:xfrm>
+                  <a:off x="5292080" y="4365104"/>
+                  <a:ext cx="0" cy="2160240"/>
+                </a:xfrm>
+                <a:prstGeom prst="line">
+                  <a:avLst/>
+                </a:prstGeom>
+                <a:ln>
+                  <a:solidFill>
+                    <a:schemeClr val="tx1"/>
+                  </a:solidFill>
+                  <a:headEnd type="none" w="med" len="med"/>
+                  <a:tailEnd type="none" w="med" len="med"/>
+                </a:ln>
+              </p:spPr>
+              <p:style>
+                <a:lnRef idx="1">
+                  <a:schemeClr val="accent1"/>
+                </a:lnRef>
+                <a:fillRef idx="0">
+                  <a:schemeClr val="accent1"/>
+                </a:fillRef>
+                <a:effectRef idx="0">
+                  <a:schemeClr val="accent1"/>
+                </a:effectRef>
+                <a:fontRef idx="minor">
+                  <a:schemeClr val="tx1"/>
+                </a:fontRef>
+              </p:style>
+            </p:cxnSp>
+            <p:cxnSp>
+              <p:nvCxnSpPr>
+                <p:cNvPr id="56" name="直線コネクタ 55">
+                  <a:extLst>
+                    <a:ext uri="{FF2B5EF4-FFF2-40B4-BE49-F238E27FC236}">
+                      <a16:creationId xmlns:a16="http://schemas.microsoft.com/office/drawing/2014/main" id="{3C605CFF-3101-D252-06BB-314C1FE2D715}"/>
+                    </a:ext>
+                  </a:extLst>
+                </p:cNvPr>
+                <p:cNvCxnSpPr>
+                  <a:cxnSpLocks/>
+                </p:cNvCxnSpPr>
+                <p:nvPr/>
+              </p:nvCxnSpPr>
+              <p:spPr>
+                <a:xfrm>
+                  <a:off x="6012160" y="4365104"/>
+                  <a:ext cx="0" cy="2160240"/>
+                </a:xfrm>
+                <a:prstGeom prst="line">
+                  <a:avLst/>
+                </a:prstGeom>
+                <a:ln>
+                  <a:solidFill>
+                    <a:schemeClr val="tx1"/>
+                  </a:solidFill>
+                  <a:headEnd type="none" w="med" len="med"/>
+                  <a:tailEnd type="none" w="med" len="med"/>
+                </a:ln>
+              </p:spPr>
+              <p:style>
+                <a:lnRef idx="1">
+                  <a:schemeClr val="accent1"/>
+                </a:lnRef>
+                <a:fillRef idx="0">
+                  <a:schemeClr val="accent1"/>
+                </a:fillRef>
+                <a:effectRef idx="0">
+                  <a:schemeClr val="accent1"/>
+                </a:effectRef>
+                <a:fontRef idx="minor">
+                  <a:schemeClr val="tx1"/>
+                </a:fontRef>
+              </p:style>
+            </p:cxnSp>
+            <p:cxnSp>
+              <p:nvCxnSpPr>
+                <p:cNvPr id="57" name="直線コネクタ 56">
+                  <a:extLst>
+                    <a:ext uri="{FF2B5EF4-FFF2-40B4-BE49-F238E27FC236}">
+                      <a16:creationId xmlns:a16="http://schemas.microsoft.com/office/drawing/2014/main" id="{A729951E-7B16-624F-7448-D1C1667A7088}"/>
+                    </a:ext>
+                  </a:extLst>
+                </p:cNvPr>
+                <p:cNvCxnSpPr>
+                  <a:cxnSpLocks/>
+                </p:cNvCxnSpPr>
+                <p:nvPr/>
+              </p:nvCxnSpPr>
+              <p:spPr>
+                <a:xfrm>
+                  <a:off x="6732240" y="4365104"/>
+                  <a:ext cx="0" cy="2160240"/>
+                </a:xfrm>
+                <a:prstGeom prst="line">
+                  <a:avLst/>
+                </a:prstGeom>
+                <a:ln>
+                  <a:solidFill>
+                    <a:schemeClr val="tx1"/>
+                  </a:solidFill>
+                  <a:headEnd type="none" w="med" len="med"/>
+                  <a:tailEnd type="none" w="med" len="med"/>
+                </a:ln>
+              </p:spPr>
+              <p:style>
+                <a:lnRef idx="1">
+                  <a:schemeClr val="accent1"/>
+                </a:lnRef>
+                <a:fillRef idx="0">
+                  <a:schemeClr val="accent1"/>
+                </a:fillRef>
+                <a:effectRef idx="0">
+                  <a:schemeClr val="accent1"/>
+                </a:effectRef>
+                <a:fontRef idx="minor">
+                  <a:schemeClr val="tx1"/>
+                </a:fontRef>
+              </p:style>
+            </p:cxnSp>
+            <p:cxnSp>
+              <p:nvCxnSpPr>
+                <p:cNvPr id="58" name="直線コネクタ 57">
+                  <a:extLst>
+                    <a:ext uri="{FF2B5EF4-FFF2-40B4-BE49-F238E27FC236}">
+                      <a16:creationId xmlns:a16="http://schemas.microsoft.com/office/drawing/2014/main" id="{BBEED6CC-F9E5-7E3A-B75F-C2FF7ECE4F66}"/>
+                    </a:ext>
+                  </a:extLst>
+                </p:cNvPr>
+                <p:cNvCxnSpPr>
+                  <a:cxnSpLocks/>
+                </p:cNvCxnSpPr>
+                <p:nvPr/>
+              </p:nvCxnSpPr>
+              <p:spPr>
+                <a:xfrm>
+                  <a:off x="7452320" y="4365104"/>
+                  <a:ext cx="0" cy="2160240"/>
+                </a:xfrm>
+                <a:prstGeom prst="line">
+                  <a:avLst/>
+                </a:prstGeom>
+                <a:ln>
+                  <a:solidFill>
+                    <a:schemeClr val="tx1"/>
+                  </a:solidFill>
+                  <a:headEnd type="none" w="med" len="med"/>
+                  <a:tailEnd type="none" w="med" len="med"/>
+                </a:ln>
+              </p:spPr>
+              <p:style>
+                <a:lnRef idx="1">
+                  <a:schemeClr val="accent1"/>
+                </a:lnRef>
+                <a:fillRef idx="0">
+                  <a:schemeClr val="accent1"/>
+                </a:fillRef>
+                <a:effectRef idx="0">
+                  <a:schemeClr val="accent1"/>
+                </a:effectRef>
+                <a:fontRef idx="minor">
+                  <a:schemeClr val="tx1"/>
+                </a:fontRef>
+              </p:style>
+            </p:cxnSp>
+            <p:cxnSp>
+              <p:nvCxnSpPr>
+                <p:cNvPr id="59" name="直線コネクタ 58">
+                  <a:extLst>
+                    <a:ext uri="{FF2B5EF4-FFF2-40B4-BE49-F238E27FC236}">
+                      <a16:creationId xmlns:a16="http://schemas.microsoft.com/office/drawing/2014/main" id="{EFA302E8-15D6-D89B-C1C7-1C8E8E0721F7}"/>
+                    </a:ext>
+                  </a:extLst>
+                </p:cNvPr>
+                <p:cNvCxnSpPr>
+                  <a:cxnSpLocks/>
+                </p:cNvCxnSpPr>
+                <p:nvPr/>
+              </p:nvCxnSpPr>
+              <p:spPr>
+                <a:xfrm>
+                  <a:off x="5292080" y="4365104"/>
+                  <a:ext cx="2160240" cy="0"/>
+                </a:xfrm>
+                <a:prstGeom prst="line">
+                  <a:avLst/>
+                </a:prstGeom>
+                <a:ln>
+                  <a:solidFill>
+                    <a:schemeClr val="tx1"/>
+                  </a:solidFill>
+                  <a:headEnd type="none" w="med" len="med"/>
+                  <a:tailEnd type="none" w="med" len="med"/>
+                </a:ln>
+              </p:spPr>
+              <p:style>
+                <a:lnRef idx="1">
+                  <a:schemeClr val="accent1"/>
+                </a:lnRef>
+                <a:fillRef idx="0">
+                  <a:schemeClr val="accent1"/>
+                </a:fillRef>
+                <a:effectRef idx="0">
+                  <a:schemeClr val="accent1"/>
+                </a:effectRef>
+                <a:fontRef idx="minor">
+                  <a:schemeClr val="tx1"/>
+                </a:fontRef>
+              </p:style>
+            </p:cxnSp>
+            <p:cxnSp>
+              <p:nvCxnSpPr>
+                <p:cNvPr id="60" name="直線コネクタ 59">
+                  <a:extLst>
+                    <a:ext uri="{FF2B5EF4-FFF2-40B4-BE49-F238E27FC236}">
+                      <a16:creationId xmlns:a16="http://schemas.microsoft.com/office/drawing/2014/main" id="{2A429695-6D14-41BF-1EE4-85B734DEBF3F}"/>
+                    </a:ext>
+                  </a:extLst>
+                </p:cNvPr>
+                <p:cNvCxnSpPr>
+                  <a:cxnSpLocks/>
+                </p:cNvCxnSpPr>
+                <p:nvPr/>
+              </p:nvCxnSpPr>
+              <p:spPr>
+                <a:xfrm>
+                  <a:off x="5292080" y="5085184"/>
+                  <a:ext cx="2160240" cy="0"/>
+                </a:xfrm>
+                <a:prstGeom prst="line">
+                  <a:avLst/>
+                </a:prstGeom>
+                <a:ln>
+                  <a:solidFill>
+                    <a:schemeClr val="tx1"/>
+                  </a:solidFill>
+                  <a:headEnd type="none" w="med" len="med"/>
+                  <a:tailEnd type="none" w="med" len="med"/>
+                </a:ln>
+              </p:spPr>
+              <p:style>
+                <a:lnRef idx="1">
+                  <a:schemeClr val="accent1"/>
+                </a:lnRef>
+                <a:fillRef idx="0">
+                  <a:schemeClr val="accent1"/>
+                </a:fillRef>
+                <a:effectRef idx="0">
+                  <a:schemeClr val="accent1"/>
+                </a:effectRef>
+                <a:fontRef idx="minor">
+                  <a:schemeClr val="tx1"/>
+                </a:fontRef>
+              </p:style>
+            </p:cxnSp>
+            <p:cxnSp>
+              <p:nvCxnSpPr>
+                <p:cNvPr id="61" name="直線コネクタ 60">
+                  <a:extLst>
+                    <a:ext uri="{FF2B5EF4-FFF2-40B4-BE49-F238E27FC236}">
+                      <a16:creationId xmlns:a16="http://schemas.microsoft.com/office/drawing/2014/main" id="{48BD4245-9CFF-ABF4-A48B-04026B550FCE}"/>
+                    </a:ext>
+                  </a:extLst>
+                </p:cNvPr>
+                <p:cNvCxnSpPr>
+                  <a:cxnSpLocks/>
+                </p:cNvCxnSpPr>
+                <p:nvPr/>
+              </p:nvCxnSpPr>
+              <p:spPr>
+                <a:xfrm>
+                  <a:off x="5292080" y="5805264"/>
+                  <a:ext cx="2160240" cy="0"/>
+                </a:xfrm>
+                <a:prstGeom prst="line">
+                  <a:avLst/>
+                </a:prstGeom>
+                <a:ln>
+                  <a:solidFill>
+                    <a:schemeClr val="tx1"/>
+                  </a:solidFill>
+                  <a:headEnd type="none" w="med" len="med"/>
+                  <a:tailEnd type="none" w="med" len="med"/>
+                </a:ln>
+              </p:spPr>
+              <p:style>
+                <a:lnRef idx="1">
+                  <a:schemeClr val="accent1"/>
+                </a:lnRef>
+                <a:fillRef idx="0">
+                  <a:schemeClr val="accent1"/>
+                </a:fillRef>
+                <a:effectRef idx="0">
+                  <a:schemeClr val="accent1"/>
+                </a:effectRef>
+                <a:fontRef idx="minor">
+                  <a:schemeClr val="tx1"/>
+                </a:fontRef>
+              </p:style>
+            </p:cxnSp>
+            <p:cxnSp>
+              <p:nvCxnSpPr>
+                <p:cNvPr id="62" name="直線コネクタ 61">
+                  <a:extLst>
+                    <a:ext uri="{FF2B5EF4-FFF2-40B4-BE49-F238E27FC236}">
+                      <a16:creationId xmlns:a16="http://schemas.microsoft.com/office/drawing/2014/main" id="{0727708E-4513-1E85-480D-44284AA13D50}"/>
+                    </a:ext>
+                  </a:extLst>
+                </p:cNvPr>
+                <p:cNvCxnSpPr>
+                  <a:cxnSpLocks/>
+                </p:cNvCxnSpPr>
+                <p:nvPr/>
+              </p:nvCxnSpPr>
+              <p:spPr>
+                <a:xfrm>
+                  <a:off x="5292080" y="6525344"/>
+                  <a:ext cx="2160240" cy="0"/>
+                </a:xfrm>
+                <a:prstGeom prst="line">
+                  <a:avLst/>
+                </a:prstGeom>
+                <a:ln>
+                  <a:solidFill>
+                    <a:schemeClr val="tx1"/>
+                  </a:solidFill>
+                  <a:headEnd type="none" w="med" len="med"/>
+                  <a:tailEnd type="none" w="med" len="med"/>
+                </a:ln>
+              </p:spPr>
+              <p:style>
+                <a:lnRef idx="1">
+                  <a:schemeClr val="accent1"/>
+                </a:lnRef>
+                <a:fillRef idx="0">
+                  <a:schemeClr val="accent1"/>
+                </a:fillRef>
+                <a:effectRef idx="0">
+                  <a:schemeClr val="accent1"/>
+                </a:effectRef>
+                <a:fontRef idx="minor">
+                  <a:schemeClr val="tx1"/>
+                </a:fontRef>
+              </p:style>
+            </p:cxnSp>
+            <p:sp>
+              <p:nvSpPr>
+                <p:cNvPr id="63" name="楕円 62">
+                  <a:extLst>
+                    <a:ext uri="{FF2B5EF4-FFF2-40B4-BE49-F238E27FC236}">
+                      <a16:creationId xmlns:a16="http://schemas.microsoft.com/office/drawing/2014/main" id="{882B4620-ECDB-8DAA-9A26-B0198D6325DD}"/>
+                    </a:ext>
+                  </a:extLst>
+                </p:cNvPr>
+                <p:cNvSpPr/>
+                <p:nvPr/>
+              </p:nvSpPr>
+              <p:spPr>
+                <a:xfrm>
+                  <a:off x="5292080" y="5085184"/>
+                  <a:ext cx="720080" cy="720080"/>
+                </a:xfrm>
+                <a:prstGeom prst="ellipse">
+                  <a:avLst/>
+                </a:prstGeom>
+                <a:solidFill>
+                  <a:srgbClr val="011893"/>
+                </a:solidFill>
+                <a:ln>
+                  <a:solidFill>
+                    <a:schemeClr val="tx1"/>
+                  </a:solidFill>
+                </a:ln>
+              </p:spPr>
+              <p:style>
+                <a:lnRef idx="2">
+                  <a:schemeClr val="accent1">
+                    <a:shade val="50000"/>
+                  </a:schemeClr>
+                </a:lnRef>
+                <a:fillRef idx="1">
+                  <a:schemeClr val="accent1"/>
+                </a:fillRef>
+                <a:effectRef idx="0">
+                  <a:schemeClr val="accent1"/>
+                </a:effectRef>
+                <a:fontRef idx="minor">
+                  <a:schemeClr val="lt1"/>
+                </a:fontRef>
+              </p:style>
+              <p:txBody>
+                <a:bodyPr rtlCol="0" anchor="ctr"/>
+                <a:lstStyle/>
+                <a:p>
+                  <a:pPr algn="ctr"/>
+                  <a:endParaRPr kumimoji="1" lang="ja-JP" altLang="en-US"/>
+                </a:p>
+              </p:txBody>
+            </p:sp>
+            <p:sp>
+              <p:nvSpPr>
+                <p:cNvPr id="64" name="楕円 63">
+                  <a:extLst>
+                    <a:ext uri="{FF2B5EF4-FFF2-40B4-BE49-F238E27FC236}">
+                      <a16:creationId xmlns:a16="http://schemas.microsoft.com/office/drawing/2014/main" id="{24B8E612-A436-3529-F0E2-003783F9C836}"/>
+                    </a:ext>
+                  </a:extLst>
+                </p:cNvPr>
+                <p:cNvSpPr/>
+                <p:nvPr/>
+              </p:nvSpPr>
+              <p:spPr>
+                <a:xfrm>
+                  <a:off x="6012160" y="5805264"/>
+                  <a:ext cx="720080" cy="720080"/>
+                </a:xfrm>
+                <a:prstGeom prst="ellipse">
+                  <a:avLst/>
+                </a:prstGeom>
+                <a:solidFill>
+                  <a:srgbClr val="011893"/>
+                </a:solidFill>
+                <a:ln>
+                  <a:solidFill>
+                    <a:schemeClr val="tx1"/>
+                  </a:solidFill>
+                </a:ln>
+              </p:spPr>
+              <p:style>
+                <a:lnRef idx="2">
+                  <a:schemeClr val="accent1">
+                    <a:shade val="50000"/>
+                  </a:schemeClr>
+                </a:lnRef>
+                <a:fillRef idx="1">
+                  <a:schemeClr val="accent1"/>
+                </a:fillRef>
+                <a:effectRef idx="0">
+                  <a:schemeClr val="accent1"/>
+                </a:effectRef>
+                <a:fontRef idx="minor">
+                  <a:schemeClr val="lt1"/>
+                </a:fontRef>
+              </p:style>
+              <p:txBody>
+                <a:bodyPr rtlCol="0" anchor="ctr"/>
+                <a:lstStyle/>
+                <a:p>
+                  <a:pPr algn="ctr"/>
+                  <a:endParaRPr kumimoji="1" lang="ja-JP" altLang="en-US"/>
+                </a:p>
+              </p:txBody>
+            </p:sp>
+          </p:grpSp>
+        </p:grpSp>
+        <p:sp>
+          <p:nvSpPr>
+            <p:cNvPr id="52" name="四角形: 角を丸くする 51">
+              <a:extLst>
+                <a:ext uri="{FF2B5EF4-FFF2-40B4-BE49-F238E27FC236}">
+                  <a16:creationId xmlns:a16="http://schemas.microsoft.com/office/drawing/2014/main" id="{2B2D21C0-3286-0325-7DC5-ED6DB1250142}"/>
+                </a:ext>
+              </a:extLst>
+            </p:cNvPr>
+            <p:cNvSpPr/>
+            <p:nvPr/>
+          </p:nvSpPr>
+          <p:spPr>
+            <a:xfrm>
+              <a:off x="4716016" y="1628800"/>
+              <a:ext cx="3888432" cy="2016224"/>
+            </a:xfrm>
+            <a:prstGeom prst="roundRect">
+              <a:avLst/>
+            </a:prstGeom>
+            <a:noFill/>
+            <a:ln w="28575">
+              <a:solidFill>
+                <a:schemeClr val="tx1"/>
+              </a:solidFill>
+              <a:prstDash val="dash"/>
+            </a:ln>
+          </p:spPr>
+          <p:style>
+            <a:lnRef idx="2">
+              <a:schemeClr val="accent1">
+                <a:shade val="50000"/>
+              </a:schemeClr>
+            </a:lnRef>
+            <a:fillRef idx="1">
+              <a:schemeClr val="accent1"/>
+            </a:fillRef>
+            <a:effectRef idx="0">
+              <a:schemeClr val="accent1"/>
+            </a:effectRef>
+            <a:fontRef idx="minor">
+              <a:schemeClr val="lt1"/>
+            </a:fontRef>
+          </p:style>
+          <p:txBody>
+            <a:bodyPr rtlCol="0" anchor="ctr"/>
+            <a:lstStyle/>
+            <a:p>
+              <a:pPr algn="ctr"/>
+              <a:endParaRPr kumimoji="1" lang="ja-JP" altLang="en-US"/>
+            </a:p>
+          </p:txBody>
+        </p:sp>
+      </p:grpSp>
+    </p:spTree>
+    <p:extLst>
+      <p:ext uri="{BB962C8B-B14F-4D97-AF65-F5344CB8AC3E}">
+        <p14:creationId xmlns:p14="http://schemas.microsoft.com/office/powerpoint/2010/main" val="1173400610"/>
       </p:ext>
     </p:extLst>
   </p:cSld>
@@ -4487,6 +9853,10 @@
           </a:p>
           <a:p>
             <a:r>
+              <a:rPr kumimoji="1" lang="ja-JP" altLang="en-US" sz="2400"/>
+              <a:t>約</a:t>
+            </a:r>
+            <a:r>
               <a:rPr kumimoji="1" lang="en-US" altLang="ja-JP" sz="2400"/>
               <a:t>100</a:t>
             </a:r>
@@ -4548,6 +9918,4053 @@
     <p:extLst>
       <p:ext uri="{BB962C8B-B14F-4D97-AF65-F5344CB8AC3E}">
         <p14:creationId xmlns:p14="http://schemas.microsoft.com/office/powerpoint/2010/main" val="2015485829"/>
+      </p:ext>
+    </p:extLst>
+  </p:cSld>
+  <p:clrMapOvr>
+    <a:masterClrMapping/>
+  </p:clrMapOvr>
+</p:sld>
+</file>
+
+<file path=ppt/slides/slide8.xml><?xml version="1.0" encoding="utf-8"?>
+<p:sld xmlns:a="http://schemas.openxmlformats.org/drawingml/2006/main" xmlns:r="http://schemas.openxmlformats.org/officeDocument/2006/relationships" xmlns:p="http://schemas.openxmlformats.org/presentationml/2006/main">
+  <p:cSld>
+    <p:spTree>
+      <p:nvGrpSpPr>
+        <p:cNvPr id="1" name=""/>
+        <p:cNvGrpSpPr/>
+        <p:nvPr/>
+      </p:nvGrpSpPr>
+      <p:grpSpPr>
+        <a:xfrm>
+          <a:off x="0" y="0"/>
+          <a:ext cx="0" cy="0"/>
+          <a:chOff x="0" y="0"/>
+          <a:chExt cx="0" cy="0"/>
+        </a:xfrm>
+      </p:grpSpPr>
+      <p:sp>
+        <p:nvSpPr>
+          <p:cNvPr id="2" name="テキスト プレースホルダー 1">
+            <a:extLst>
+              <a:ext uri="{FF2B5EF4-FFF2-40B4-BE49-F238E27FC236}">
+                <a16:creationId xmlns:a16="http://schemas.microsoft.com/office/drawing/2014/main" id="{6DB9AFD4-A862-8099-4EF5-7B22D136D97D}"/>
+              </a:ext>
+            </a:extLst>
+          </p:cNvPr>
+          <p:cNvSpPr>
+            <a:spLocks noGrp="1"/>
+          </p:cNvSpPr>
+          <p:nvPr>
+            <p:ph type="body" sz="quarter" idx="10"/>
+          </p:nvPr>
+        </p:nvSpPr>
+        <p:spPr/>
+        <p:txBody>
+          <a:bodyPr/>
+          <a:lstStyle/>
+          <a:p>
+            <a:r>
+              <a:rPr kumimoji="1" lang="ja-JP" altLang="en-US"/>
+              <a:t>気液転移</a:t>
+            </a:r>
+            <a:r>
+              <a:rPr kumimoji="1" lang="en-US" altLang="ja-JP"/>
+              <a:t>(</a:t>
+            </a:r>
+            <a:r>
+              <a:rPr kumimoji="1" lang="ja-JP" altLang="en-US"/>
+              <a:t>復習</a:t>
+            </a:r>
+            <a:r>
+              <a:rPr kumimoji="1" lang="en-US" altLang="ja-JP"/>
+              <a:t>)</a:t>
+            </a:r>
+            <a:endParaRPr kumimoji="1" lang="ja-JP" altLang="en-US"/>
+          </a:p>
+        </p:txBody>
+      </p:sp>
+      <p:sp>
+        <p:nvSpPr>
+          <p:cNvPr id="3" name="正方形/長方形 2">
+            <a:extLst>
+              <a:ext uri="{FF2B5EF4-FFF2-40B4-BE49-F238E27FC236}">
+                <a16:creationId xmlns:a16="http://schemas.microsoft.com/office/drawing/2014/main" id="{8F5C0695-D83E-52B2-5657-C84269D32369}"/>
+              </a:ext>
+            </a:extLst>
+          </p:cNvPr>
+          <p:cNvSpPr/>
+          <p:nvPr/>
+        </p:nvSpPr>
+        <p:spPr>
+          <a:xfrm>
+            <a:off x="3059832" y="1916832"/>
+            <a:ext cx="2880320" cy="1440160"/>
+          </a:xfrm>
+          <a:prstGeom prst="rect">
+            <a:avLst/>
+          </a:prstGeom>
+          <a:noFill/>
+          <a:ln>
+            <a:solidFill>
+              <a:schemeClr val="tx1"/>
+            </a:solidFill>
+          </a:ln>
+        </p:spPr>
+        <p:style>
+          <a:lnRef idx="2">
+            <a:schemeClr val="accent1">
+              <a:shade val="50000"/>
+            </a:schemeClr>
+          </a:lnRef>
+          <a:fillRef idx="1">
+            <a:schemeClr val="accent1"/>
+          </a:fillRef>
+          <a:effectRef idx="0">
+            <a:schemeClr val="accent1"/>
+          </a:effectRef>
+          <a:fontRef idx="minor">
+            <a:schemeClr val="lt1"/>
+          </a:fontRef>
+        </p:style>
+        <p:txBody>
+          <a:bodyPr rtlCol="0" anchor="ctr"/>
+          <a:lstStyle/>
+          <a:p>
+            <a:pPr algn="ctr"/>
+            <a:endParaRPr kumimoji="1" lang="ja-JP" altLang="en-US"/>
+          </a:p>
+        </p:txBody>
+      </p:sp>
+      <p:sp>
+        <p:nvSpPr>
+          <p:cNvPr id="4" name="楕円 3">
+            <a:extLst>
+              <a:ext uri="{FF2B5EF4-FFF2-40B4-BE49-F238E27FC236}">
+                <a16:creationId xmlns:a16="http://schemas.microsoft.com/office/drawing/2014/main" id="{880E870D-FB70-6FE3-8033-5EC843C96360}"/>
+              </a:ext>
+            </a:extLst>
+          </p:cNvPr>
+          <p:cNvSpPr/>
+          <p:nvPr/>
+        </p:nvSpPr>
+        <p:spPr>
+          <a:xfrm>
+            <a:off x="3347864" y="1988840"/>
+            <a:ext cx="360040" cy="360040"/>
+          </a:xfrm>
+          <a:prstGeom prst="ellipse">
+            <a:avLst/>
+          </a:prstGeom>
+          <a:solidFill>
+            <a:srgbClr val="011893"/>
+          </a:solidFill>
+          <a:ln>
+            <a:solidFill>
+              <a:schemeClr val="tx1"/>
+            </a:solidFill>
+          </a:ln>
+        </p:spPr>
+        <p:style>
+          <a:lnRef idx="2">
+            <a:schemeClr val="accent1">
+              <a:shade val="50000"/>
+            </a:schemeClr>
+          </a:lnRef>
+          <a:fillRef idx="1">
+            <a:schemeClr val="accent1"/>
+          </a:fillRef>
+          <a:effectRef idx="0">
+            <a:schemeClr val="accent1"/>
+          </a:effectRef>
+          <a:fontRef idx="minor">
+            <a:schemeClr val="lt1"/>
+          </a:fontRef>
+        </p:style>
+        <p:txBody>
+          <a:bodyPr rtlCol="0" anchor="ctr"/>
+          <a:lstStyle/>
+          <a:p>
+            <a:pPr algn="ctr"/>
+            <a:endParaRPr kumimoji="1" lang="ja-JP" altLang="en-US"/>
+          </a:p>
+        </p:txBody>
+      </p:sp>
+      <p:sp>
+        <p:nvSpPr>
+          <p:cNvPr id="5" name="楕円 4">
+            <a:extLst>
+              <a:ext uri="{FF2B5EF4-FFF2-40B4-BE49-F238E27FC236}">
+                <a16:creationId xmlns:a16="http://schemas.microsoft.com/office/drawing/2014/main" id="{60F911AA-BAEE-DD31-8140-8C52799D1E60}"/>
+              </a:ext>
+            </a:extLst>
+          </p:cNvPr>
+          <p:cNvSpPr/>
+          <p:nvPr/>
+        </p:nvSpPr>
+        <p:spPr>
+          <a:xfrm>
+            <a:off x="3779912" y="2060848"/>
+            <a:ext cx="360040" cy="360040"/>
+          </a:xfrm>
+          <a:prstGeom prst="ellipse">
+            <a:avLst/>
+          </a:prstGeom>
+          <a:solidFill>
+            <a:srgbClr val="011893"/>
+          </a:solidFill>
+          <a:ln>
+            <a:solidFill>
+              <a:schemeClr val="tx1"/>
+            </a:solidFill>
+          </a:ln>
+        </p:spPr>
+        <p:style>
+          <a:lnRef idx="2">
+            <a:schemeClr val="accent1">
+              <a:shade val="50000"/>
+            </a:schemeClr>
+          </a:lnRef>
+          <a:fillRef idx="1">
+            <a:schemeClr val="accent1"/>
+          </a:fillRef>
+          <a:effectRef idx="0">
+            <a:schemeClr val="accent1"/>
+          </a:effectRef>
+          <a:fontRef idx="minor">
+            <a:schemeClr val="lt1"/>
+          </a:fontRef>
+        </p:style>
+        <p:txBody>
+          <a:bodyPr rtlCol="0" anchor="ctr"/>
+          <a:lstStyle/>
+          <a:p>
+            <a:pPr algn="ctr"/>
+            <a:endParaRPr kumimoji="1" lang="ja-JP" altLang="en-US"/>
+          </a:p>
+        </p:txBody>
+      </p:sp>
+      <p:sp>
+        <p:nvSpPr>
+          <p:cNvPr id="6" name="楕円 5">
+            <a:extLst>
+              <a:ext uri="{FF2B5EF4-FFF2-40B4-BE49-F238E27FC236}">
+                <a16:creationId xmlns:a16="http://schemas.microsoft.com/office/drawing/2014/main" id="{7DF7CD4A-A4D3-D4E0-0A65-79B00634A295}"/>
+              </a:ext>
+            </a:extLst>
+          </p:cNvPr>
+          <p:cNvSpPr/>
+          <p:nvPr/>
+        </p:nvSpPr>
+        <p:spPr>
+          <a:xfrm>
+            <a:off x="3419872" y="2492896"/>
+            <a:ext cx="360040" cy="360040"/>
+          </a:xfrm>
+          <a:prstGeom prst="ellipse">
+            <a:avLst/>
+          </a:prstGeom>
+          <a:solidFill>
+            <a:srgbClr val="011893"/>
+          </a:solidFill>
+          <a:ln>
+            <a:solidFill>
+              <a:schemeClr val="tx1"/>
+            </a:solidFill>
+          </a:ln>
+        </p:spPr>
+        <p:style>
+          <a:lnRef idx="2">
+            <a:schemeClr val="accent1">
+              <a:shade val="50000"/>
+            </a:schemeClr>
+          </a:lnRef>
+          <a:fillRef idx="1">
+            <a:schemeClr val="accent1"/>
+          </a:fillRef>
+          <a:effectRef idx="0">
+            <a:schemeClr val="accent1"/>
+          </a:effectRef>
+          <a:fontRef idx="minor">
+            <a:schemeClr val="lt1"/>
+          </a:fontRef>
+        </p:style>
+        <p:txBody>
+          <a:bodyPr rtlCol="0" anchor="ctr"/>
+          <a:lstStyle/>
+          <a:p>
+            <a:pPr algn="ctr"/>
+            <a:endParaRPr kumimoji="1" lang="ja-JP" altLang="en-US"/>
+          </a:p>
+        </p:txBody>
+      </p:sp>
+      <p:sp>
+        <p:nvSpPr>
+          <p:cNvPr id="7" name="楕円 6">
+            <a:extLst>
+              <a:ext uri="{FF2B5EF4-FFF2-40B4-BE49-F238E27FC236}">
+                <a16:creationId xmlns:a16="http://schemas.microsoft.com/office/drawing/2014/main" id="{BD8894AB-5D4D-9EA0-3F7D-118AA57ADA4F}"/>
+              </a:ext>
+            </a:extLst>
+          </p:cNvPr>
+          <p:cNvSpPr/>
+          <p:nvPr/>
+        </p:nvSpPr>
+        <p:spPr>
+          <a:xfrm>
+            <a:off x="3995936" y="2492896"/>
+            <a:ext cx="360040" cy="360040"/>
+          </a:xfrm>
+          <a:prstGeom prst="ellipse">
+            <a:avLst/>
+          </a:prstGeom>
+          <a:solidFill>
+            <a:srgbClr val="011893"/>
+          </a:solidFill>
+          <a:ln>
+            <a:solidFill>
+              <a:schemeClr val="tx1"/>
+            </a:solidFill>
+          </a:ln>
+        </p:spPr>
+        <p:style>
+          <a:lnRef idx="2">
+            <a:schemeClr val="accent1">
+              <a:shade val="50000"/>
+            </a:schemeClr>
+          </a:lnRef>
+          <a:fillRef idx="1">
+            <a:schemeClr val="accent1"/>
+          </a:fillRef>
+          <a:effectRef idx="0">
+            <a:schemeClr val="accent1"/>
+          </a:effectRef>
+          <a:fontRef idx="minor">
+            <a:schemeClr val="lt1"/>
+          </a:fontRef>
+        </p:style>
+        <p:txBody>
+          <a:bodyPr rtlCol="0" anchor="ctr"/>
+          <a:lstStyle/>
+          <a:p>
+            <a:pPr algn="ctr"/>
+            <a:endParaRPr kumimoji="1" lang="ja-JP" altLang="en-US"/>
+          </a:p>
+        </p:txBody>
+      </p:sp>
+      <p:sp>
+        <p:nvSpPr>
+          <p:cNvPr id="8" name="楕円 7">
+            <a:extLst>
+              <a:ext uri="{FF2B5EF4-FFF2-40B4-BE49-F238E27FC236}">
+                <a16:creationId xmlns:a16="http://schemas.microsoft.com/office/drawing/2014/main" id="{0CE1AEE2-C17E-6942-2B97-79FEB3CB96C0}"/>
+              </a:ext>
+            </a:extLst>
+          </p:cNvPr>
+          <p:cNvSpPr/>
+          <p:nvPr/>
+        </p:nvSpPr>
+        <p:spPr>
+          <a:xfrm>
+            <a:off x="4572000" y="2204864"/>
+            <a:ext cx="360040" cy="360040"/>
+          </a:xfrm>
+          <a:prstGeom prst="ellipse">
+            <a:avLst/>
+          </a:prstGeom>
+          <a:solidFill>
+            <a:srgbClr val="011893"/>
+          </a:solidFill>
+          <a:ln>
+            <a:solidFill>
+              <a:schemeClr val="tx1"/>
+            </a:solidFill>
+          </a:ln>
+        </p:spPr>
+        <p:style>
+          <a:lnRef idx="2">
+            <a:schemeClr val="accent1">
+              <a:shade val="50000"/>
+            </a:schemeClr>
+          </a:lnRef>
+          <a:fillRef idx="1">
+            <a:schemeClr val="accent1"/>
+          </a:fillRef>
+          <a:effectRef idx="0">
+            <a:schemeClr val="accent1"/>
+          </a:effectRef>
+          <a:fontRef idx="minor">
+            <a:schemeClr val="lt1"/>
+          </a:fontRef>
+        </p:style>
+        <p:txBody>
+          <a:bodyPr rtlCol="0" anchor="ctr"/>
+          <a:lstStyle/>
+          <a:p>
+            <a:pPr algn="ctr"/>
+            <a:endParaRPr kumimoji="1" lang="ja-JP" altLang="en-US"/>
+          </a:p>
+        </p:txBody>
+      </p:sp>
+      <p:sp>
+        <p:nvSpPr>
+          <p:cNvPr id="9" name="楕円 8">
+            <a:extLst>
+              <a:ext uri="{FF2B5EF4-FFF2-40B4-BE49-F238E27FC236}">
+                <a16:creationId xmlns:a16="http://schemas.microsoft.com/office/drawing/2014/main" id="{5343B827-6995-1094-583A-90401E705638}"/>
+              </a:ext>
+            </a:extLst>
+          </p:cNvPr>
+          <p:cNvSpPr/>
+          <p:nvPr/>
+        </p:nvSpPr>
+        <p:spPr>
+          <a:xfrm>
+            <a:off x="4788024" y="2780928"/>
+            <a:ext cx="360040" cy="360040"/>
+          </a:xfrm>
+          <a:prstGeom prst="ellipse">
+            <a:avLst/>
+          </a:prstGeom>
+          <a:solidFill>
+            <a:srgbClr val="011893"/>
+          </a:solidFill>
+          <a:ln>
+            <a:solidFill>
+              <a:schemeClr val="tx1"/>
+            </a:solidFill>
+          </a:ln>
+        </p:spPr>
+        <p:style>
+          <a:lnRef idx="2">
+            <a:schemeClr val="accent1">
+              <a:shade val="50000"/>
+            </a:schemeClr>
+          </a:lnRef>
+          <a:fillRef idx="1">
+            <a:schemeClr val="accent1"/>
+          </a:fillRef>
+          <a:effectRef idx="0">
+            <a:schemeClr val="accent1"/>
+          </a:effectRef>
+          <a:fontRef idx="minor">
+            <a:schemeClr val="lt1"/>
+          </a:fontRef>
+        </p:style>
+        <p:txBody>
+          <a:bodyPr rtlCol="0" anchor="ctr"/>
+          <a:lstStyle/>
+          <a:p>
+            <a:pPr algn="ctr"/>
+            <a:endParaRPr kumimoji="1" lang="ja-JP" altLang="en-US"/>
+          </a:p>
+        </p:txBody>
+      </p:sp>
+      <p:sp>
+        <p:nvSpPr>
+          <p:cNvPr id="10" name="楕円 9">
+            <a:extLst>
+              <a:ext uri="{FF2B5EF4-FFF2-40B4-BE49-F238E27FC236}">
+                <a16:creationId xmlns:a16="http://schemas.microsoft.com/office/drawing/2014/main" id="{81722074-80BC-AB70-F4B2-3346B9D746E4}"/>
+              </a:ext>
+            </a:extLst>
+          </p:cNvPr>
+          <p:cNvSpPr/>
+          <p:nvPr/>
+        </p:nvSpPr>
+        <p:spPr>
+          <a:xfrm>
+            <a:off x="5436096" y="2276872"/>
+            <a:ext cx="360040" cy="360040"/>
+          </a:xfrm>
+          <a:prstGeom prst="ellipse">
+            <a:avLst/>
+          </a:prstGeom>
+          <a:solidFill>
+            <a:srgbClr val="011893"/>
+          </a:solidFill>
+          <a:ln>
+            <a:solidFill>
+              <a:schemeClr val="tx1"/>
+            </a:solidFill>
+          </a:ln>
+        </p:spPr>
+        <p:style>
+          <a:lnRef idx="2">
+            <a:schemeClr val="accent1">
+              <a:shade val="50000"/>
+            </a:schemeClr>
+          </a:lnRef>
+          <a:fillRef idx="1">
+            <a:schemeClr val="accent1"/>
+          </a:fillRef>
+          <a:effectRef idx="0">
+            <a:schemeClr val="accent1"/>
+          </a:effectRef>
+          <a:fontRef idx="minor">
+            <a:schemeClr val="lt1"/>
+          </a:fontRef>
+        </p:style>
+        <p:txBody>
+          <a:bodyPr rtlCol="0" anchor="ctr"/>
+          <a:lstStyle/>
+          <a:p>
+            <a:pPr algn="ctr"/>
+            <a:endParaRPr kumimoji="1" lang="ja-JP" altLang="en-US"/>
+          </a:p>
+        </p:txBody>
+      </p:sp>
+      <p:sp>
+        <p:nvSpPr>
+          <p:cNvPr id="11" name="楕円 10">
+            <a:extLst>
+              <a:ext uri="{FF2B5EF4-FFF2-40B4-BE49-F238E27FC236}">
+                <a16:creationId xmlns:a16="http://schemas.microsoft.com/office/drawing/2014/main" id="{A22E7E4C-D1E6-0F5A-73D7-A7A298EBC183}"/>
+              </a:ext>
+            </a:extLst>
+          </p:cNvPr>
+          <p:cNvSpPr/>
+          <p:nvPr/>
+        </p:nvSpPr>
+        <p:spPr>
+          <a:xfrm>
+            <a:off x="5364088" y="2780928"/>
+            <a:ext cx="360040" cy="360040"/>
+          </a:xfrm>
+          <a:prstGeom prst="ellipse">
+            <a:avLst/>
+          </a:prstGeom>
+          <a:solidFill>
+            <a:srgbClr val="011893"/>
+          </a:solidFill>
+          <a:ln>
+            <a:solidFill>
+              <a:schemeClr val="tx1"/>
+            </a:solidFill>
+          </a:ln>
+        </p:spPr>
+        <p:style>
+          <a:lnRef idx="2">
+            <a:schemeClr val="accent1">
+              <a:shade val="50000"/>
+            </a:schemeClr>
+          </a:lnRef>
+          <a:fillRef idx="1">
+            <a:schemeClr val="accent1"/>
+          </a:fillRef>
+          <a:effectRef idx="0">
+            <a:schemeClr val="accent1"/>
+          </a:effectRef>
+          <a:fontRef idx="minor">
+            <a:schemeClr val="lt1"/>
+          </a:fontRef>
+        </p:style>
+        <p:txBody>
+          <a:bodyPr rtlCol="0" anchor="ctr"/>
+          <a:lstStyle/>
+          <a:p>
+            <a:pPr algn="ctr"/>
+            <a:endParaRPr kumimoji="1" lang="ja-JP" altLang="en-US"/>
+          </a:p>
+        </p:txBody>
+      </p:sp>
+      <p:sp>
+        <p:nvSpPr>
+          <p:cNvPr id="12" name="楕円 11">
+            <a:extLst>
+              <a:ext uri="{FF2B5EF4-FFF2-40B4-BE49-F238E27FC236}">
+                <a16:creationId xmlns:a16="http://schemas.microsoft.com/office/drawing/2014/main" id="{8D148F76-BC60-F85E-ACBB-7129E48F8559}"/>
+              </a:ext>
+            </a:extLst>
+          </p:cNvPr>
+          <p:cNvSpPr/>
+          <p:nvPr/>
+        </p:nvSpPr>
+        <p:spPr>
+          <a:xfrm>
+            <a:off x="3923928" y="2924944"/>
+            <a:ext cx="360040" cy="360040"/>
+          </a:xfrm>
+          <a:prstGeom prst="ellipse">
+            <a:avLst/>
+          </a:prstGeom>
+          <a:solidFill>
+            <a:srgbClr val="011893"/>
+          </a:solidFill>
+          <a:ln>
+            <a:solidFill>
+              <a:schemeClr val="tx1"/>
+            </a:solidFill>
+          </a:ln>
+        </p:spPr>
+        <p:style>
+          <a:lnRef idx="2">
+            <a:schemeClr val="accent1">
+              <a:shade val="50000"/>
+            </a:schemeClr>
+          </a:lnRef>
+          <a:fillRef idx="1">
+            <a:schemeClr val="accent1"/>
+          </a:fillRef>
+          <a:effectRef idx="0">
+            <a:schemeClr val="accent1"/>
+          </a:effectRef>
+          <a:fontRef idx="minor">
+            <a:schemeClr val="lt1"/>
+          </a:fontRef>
+        </p:style>
+        <p:txBody>
+          <a:bodyPr rtlCol="0" anchor="ctr"/>
+          <a:lstStyle/>
+          <a:p>
+            <a:pPr algn="ctr"/>
+            <a:endParaRPr kumimoji="1" lang="ja-JP" altLang="en-US"/>
+          </a:p>
+        </p:txBody>
+      </p:sp>
+      <p:sp>
+        <p:nvSpPr>
+          <p:cNvPr id="13" name="楕円 12">
+            <a:extLst>
+              <a:ext uri="{FF2B5EF4-FFF2-40B4-BE49-F238E27FC236}">
+                <a16:creationId xmlns:a16="http://schemas.microsoft.com/office/drawing/2014/main" id="{3560F668-040A-649B-A185-EE776AA01AFF}"/>
+              </a:ext>
+            </a:extLst>
+          </p:cNvPr>
+          <p:cNvSpPr/>
+          <p:nvPr/>
+        </p:nvSpPr>
+        <p:spPr>
+          <a:xfrm>
+            <a:off x="5004048" y="2060848"/>
+            <a:ext cx="360040" cy="360040"/>
+          </a:xfrm>
+          <a:prstGeom prst="ellipse">
+            <a:avLst/>
+          </a:prstGeom>
+          <a:solidFill>
+            <a:srgbClr val="011893"/>
+          </a:solidFill>
+          <a:ln>
+            <a:solidFill>
+              <a:schemeClr val="tx1"/>
+            </a:solidFill>
+          </a:ln>
+        </p:spPr>
+        <p:style>
+          <a:lnRef idx="2">
+            <a:schemeClr val="accent1">
+              <a:shade val="50000"/>
+            </a:schemeClr>
+          </a:lnRef>
+          <a:fillRef idx="1">
+            <a:schemeClr val="accent1"/>
+          </a:fillRef>
+          <a:effectRef idx="0">
+            <a:schemeClr val="accent1"/>
+          </a:effectRef>
+          <a:fontRef idx="minor">
+            <a:schemeClr val="lt1"/>
+          </a:fontRef>
+        </p:style>
+        <p:txBody>
+          <a:bodyPr rtlCol="0" anchor="ctr"/>
+          <a:lstStyle/>
+          <a:p>
+            <a:pPr algn="ctr"/>
+            <a:endParaRPr kumimoji="1" lang="ja-JP" altLang="en-US"/>
+          </a:p>
+        </p:txBody>
+      </p:sp>
+      <p:sp>
+        <p:nvSpPr>
+          <p:cNvPr id="14" name="テキスト ボックス 13">
+            <a:extLst>
+              <a:ext uri="{FF2B5EF4-FFF2-40B4-BE49-F238E27FC236}">
+                <a16:creationId xmlns:a16="http://schemas.microsoft.com/office/drawing/2014/main" id="{7F4F85BF-4638-81BE-E9E5-CE2C9272B7E5}"/>
+              </a:ext>
+            </a:extLst>
+          </p:cNvPr>
+          <p:cNvSpPr txBox="1"/>
+          <p:nvPr/>
+        </p:nvSpPr>
+        <p:spPr>
+          <a:xfrm>
+            <a:off x="1691680" y="1124744"/>
+            <a:ext cx="6032421" cy="461665"/>
+          </a:xfrm>
+          <a:prstGeom prst="rect">
+            <a:avLst/>
+          </a:prstGeom>
+          <a:noFill/>
+        </p:spPr>
+        <p:txBody>
+          <a:bodyPr wrap="none" rtlCol="0">
+            <a:spAutoFit/>
+          </a:bodyPr>
+          <a:lstStyle/>
+          <a:p>
+            <a:r>
+              <a:rPr kumimoji="1" lang="ja-JP" altLang="en-US" sz="2400" dirty="0"/>
+              <a:t>箱の中に原子を入れてしばらく放っておく</a:t>
+            </a:r>
+          </a:p>
+        </p:txBody>
+      </p:sp>
+      <p:sp>
+        <p:nvSpPr>
+          <p:cNvPr id="15" name="正方形/長方形 14">
+            <a:extLst>
+              <a:ext uri="{FF2B5EF4-FFF2-40B4-BE49-F238E27FC236}">
+                <a16:creationId xmlns:a16="http://schemas.microsoft.com/office/drawing/2014/main" id="{24424568-BAEB-EC5E-180C-086623EFD172}"/>
+              </a:ext>
+            </a:extLst>
+          </p:cNvPr>
+          <p:cNvSpPr/>
+          <p:nvPr/>
+        </p:nvSpPr>
+        <p:spPr>
+          <a:xfrm>
+            <a:off x="899592" y="4077072"/>
+            <a:ext cx="2880320" cy="1440160"/>
+          </a:xfrm>
+          <a:prstGeom prst="rect">
+            <a:avLst/>
+          </a:prstGeom>
+          <a:noFill/>
+          <a:ln>
+            <a:solidFill>
+              <a:schemeClr val="tx1"/>
+            </a:solidFill>
+          </a:ln>
+        </p:spPr>
+        <p:style>
+          <a:lnRef idx="2">
+            <a:schemeClr val="accent1">
+              <a:shade val="50000"/>
+            </a:schemeClr>
+          </a:lnRef>
+          <a:fillRef idx="1">
+            <a:schemeClr val="accent1"/>
+          </a:fillRef>
+          <a:effectRef idx="0">
+            <a:schemeClr val="accent1"/>
+          </a:effectRef>
+          <a:fontRef idx="minor">
+            <a:schemeClr val="lt1"/>
+          </a:fontRef>
+        </p:style>
+        <p:txBody>
+          <a:bodyPr rtlCol="0" anchor="ctr"/>
+          <a:lstStyle/>
+          <a:p>
+            <a:pPr algn="ctr"/>
+            <a:endParaRPr kumimoji="1" lang="ja-JP" altLang="en-US"/>
+          </a:p>
+        </p:txBody>
+      </p:sp>
+      <p:sp>
+        <p:nvSpPr>
+          <p:cNvPr id="16" name="楕円 15">
+            <a:extLst>
+              <a:ext uri="{FF2B5EF4-FFF2-40B4-BE49-F238E27FC236}">
+                <a16:creationId xmlns:a16="http://schemas.microsoft.com/office/drawing/2014/main" id="{69A6C057-B7C1-F883-4896-526709948E20}"/>
+              </a:ext>
+            </a:extLst>
+          </p:cNvPr>
+          <p:cNvSpPr/>
+          <p:nvPr/>
+        </p:nvSpPr>
+        <p:spPr>
+          <a:xfrm>
+            <a:off x="971600" y="4221088"/>
+            <a:ext cx="360040" cy="360040"/>
+          </a:xfrm>
+          <a:prstGeom prst="ellipse">
+            <a:avLst/>
+          </a:prstGeom>
+          <a:solidFill>
+            <a:srgbClr val="011893"/>
+          </a:solidFill>
+          <a:ln>
+            <a:solidFill>
+              <a:schemeClr val="tx1"/>
+            </a:solidFill>
+          </a:ln>
+        </p:spPr>
+        <p:style>
+          <a:lnRef idx="2">
+            <a:schemeClr val="accent1">
+              <a:shade val="50000"/>
+            </a:schemeClr>
+          </a:lnRef>
+          <a:fillRef idx="1">
+            <a:schemeClr val="accent1"/>
+          </a:fillRef>
+          <a:effectRef idx="0">
+            <a:schemeClr val="accent1"/>
+          </a:effectRef>
+          <a:fontRef idx="minor">
+            <a:schemeClr val="lt1"/>
+          </a:fontRef>
+        </p:style>
+        <p:txBody>
+          <a:bodyPr rtlCol="0" anchor="ctr"/>
+          <a:lstStyle/>
+          <a:p>
+            <a:pPr algn="ctr"/>
+            <a:endParaRPr kumimoji="1" lang="ja-JP" altLang="en-US"/>
+          </a:p>
+        </p:txBody>
+      </p:sp>
+      <p:sp>
+        <p:nvSpPr>
+          <p:cNvPr id="17" name="楕円 16">
+            <a:extLst>
+              <a:ext uri="{FF2B5EF4-FFF2-40B4-BE49-F238E27FC236}">
+                <a16:creationId xmlns:a16="http://schemas.microsoft.com/office/drawing/2014/main" id="{0A59A770-351E-2372-01E3-A9BED015EDD9}"/>
+              </a:ext>
+            </a:extLst>
+          </p:cNvPr>
+          <p:cNvSpPr/>
+          <p:nvPr/>
+        </p:nvSpPr>
+        <p:spPr>
+          <a:xfrm>
+            <a:off x="1331640" y="4149080"/>
+            <a:ext cx="360040" cy="360040"/>
+          </a:xfrm>
+          <a:prstGeom prst="ellipse">
+            <a:avLst/>
+          </a:prstGeom>
+          <a:solidFill>
+            <a:srgbClr val="011893"/>
+          </a:solidFill>
+          <a:ln>
+            <a:solidFill>
+              <a:schemeClr val="tx1"/>
+            </a:solidFill>
+          </a:ln>
+        </p:spPr>
+        <p:style>
+          <a:lnRef idx="2">
+            <a:schemeClr val="accent1">
+              <a:shade val="50000"/>
+            </a:schemeClr>
+          </a:lnRef>
+          <a:fillRef idx="1">
+            <a:schemeClr val="accent1"/>
+          </a:fillRef>
+          <a:effectRef idx="0">
+            <a:schemeClr val="accent1"/>
+          </a:effectRef>
+          <a:fontRef idx="minor">
+            <a:schemeClr val="lt1"/>
+          </a:fontRef>
+        </p:style>
+        <p:txBody>
+          <a:bodyPr rtlCol="0" anchor="ctr"/>
+          <a:lstStyle/>
+          <a:p>
+            <a:pPr algn="ctr"/>
+            <a:endParaRPr kumimoji="1" lang="ja-JP" altLang="en-US"/>
+          </a:p>
+        </p:txBody>
+      </p:sp>
+      <p:sp>
+        <p:nvSpPr>
+          <p:cNvPr id="18" name="楕円 17">
+            <a:extLst>
+              <a:ext uri="{FF2B5EF4-FFF2-40B4-BE49-F238E27FC236}">
+                <a16:creationId xmlns:a16="http://schemas.microsoft.com/office/drawing/2014/main" id="{18C022F6-46EC-EE79-2771-B5B813211D8D}"/>
+              </a:ext>
+            </a:extLst>
+          </p:cNvPr>
+          <p:cNvSpPr/>
+          <p:nvPr/>
+        </p:nvSpPr>
+        <p:spPr>
+          <a:xfrm>
+            <a:off x="971600" y="4653136"/>
+            <a:ext cx="360040" cy="360040"/>
+          </a:xfrm>
+          <a:prstGeom prst="ellipse">
+            <a:avLst/>
+          </a:prstGeom>
+          <a:solidFill>
+            <a:srgbClr val="011893"/>
+          </a:solidFill>
+          <a:ln>
+            <a:solidFill>
+              <a:schemeClr val="tx1"/>
+            </a:solidFill>
+          </a:ln>
+        </p:spPr>
+        <p:style>
+          <a:lnRef idx="2">
+            <a:schemeClr val="accent1">
+              <a:shade val="50000"/>
+            </a:schemeClr>
+          </a:lnRef>
+          <a:fillRef idx="1">
+            <a:schemeClr val="accent1"/>
+          </a:fillRef>
+          <a:effectRef idx="0">
+            <a:schemeClr val="accent1"/>
+          </a:effectRef>
+          <a:fontRef idx="minor">
+            <a:schemeClr val="lt1"/>
+          </a:fontRef>
+        </p:style>
+        <p:txBody>
+          <a:bodyPr rtlCol="0" anchor="ctr"/>
+          <a:lstStyle/>
+          <a:p>
+            <a:pPr algn="ctr"/>
+            <a:endParaRPr kumimoji="1" lang="ja-JP" altLang="en-US"/>
+          </a:p>
+        </p:txBody>
+      </p:sp>
+      <p:sp>
+        <p:nvSpPr>
+          <p:cNvPr id="19" name="楕円 18">
+            <a:extLst>
+              <a:ext uri="{FF2B5EF4-FFF2-40B4-BE49-F238E27FC236}">
+                <a16:creationId xmlns:a16="http://schemas.microsoft.com/office/drawing/2014/main" id="{F3553E91-10CB-AB4C-2CE3-0EEE9BF47A8A}"/>
+              </a:ext>
+            </a:extLst>
+          </p:cNvPr>
+          <p:cNvSpPr/>
+          <p:nvPr/>
+        </p:nvSpPr>
+        <p:spPr>
+          <a:xfrm>
+            <a:off x="1331640" y="4869160"/>
+            <a:ext cx="360040" cy="360040"/>
+          </a:xfrm>
+          <a:prstGeom prst="ellipse">
+            <a:avLst/>
+          </a:prstGeom>
+          <a:solidFill>
+            <a:srgbClr val="011893"/>
+          </a:solidFill>
+          <a:ln>
+            <a:solidFill>
+              <a:schemeClr val="tx1"/>
+            </a:solidFill>
+          </a:ln>
+        </p:spPr>
+        <p:style>
+          <a:lnRef idx="2">
+            <a:schemeClr val="accent1">
+              <a:shade val="50000"/>
+            </a:schemeClr>
+          </a:lnRef>
+          <a:fillRef idx="1">
+            <a:schemeClr val="accent1"/>
+          </a:fillRef>
+          <a:effectRef idx="0">
+            <a:schemeClr val="accent1"/>
+          </a:effectRef>
+          <a:fontRef idx="minor">
+            <a:schemeClr val="lt1"/>
+          </a:fontRef>
+        </p:style>
+        <p:txBody>
+          <a:bodyPr rtlCol="0" anchor="ctr"/>
+          <a:lstStyle/>
+          <a:p>
+            <a:pPr algn="ctr"/>
+            <a:endParaRPr kumimoji="1" lang="ja-JP" altLang="en-US"/>
+          </a:p>
+        </p:txBody>
+      </p:sp>
+      <p:sp>
+        <p:nvSpPr>
+          <p:cNvPr id="20" name="楕円 19">
+            <a:extLst>
+              <a:ext uri="{FF2B5EF4-FFF2-40B4-BE49-F238E27FC236}">
+                <a16:creationId xmlns:a16="http://schemas.microsoft.com/office/drawing/2014/main" id="{68348CC8-28FF-04B7-09B6-CA699E53A037}"/>
+              </a:ext>
+            </a:extLst>
+          </p:cNvPr>
+          <p:cNvSpPr/>
+          <p:nvPr/>
+        </p:nvSpPr>
+        <p:spPr>
+          <a:xfrm>
+            <a:off x="1835696" y="4149080"/>
+            <a:ext cx="360040" cy="360040"/>
+          </a:xfrm>
+          <a:prstGeom prst="ellipse">
+            <a:avLst/>
+          </a:prstGeom>
+          <a:solidFill>
+            <a:srgbClr val="011893"/>
+          </a:solidFill>
+          <a:ln>
+            <a:solidFill>
+              <a:schemeClr val="tx1"/>
+            </a:solidFill>
+          </a:ln>
+        </p:spPr>
+        <p:style>
+          <a:lnRef idx="2">
+            <a:schemeClr val="accent1">
+              <a:shade val="50000"/>
+            </a:schemeClr>
+          </a:lnRef>
+          <a:fillRef idx="1">
+            <a:schemeClr val="accent1"/>
+          </a:fillRef>
+          <a:effectRef idx="0">
+            <a:schemeClr val="accent1"/>
+          </a:effectRef>
+          <a:fontRef idx="minor">
+            <a:schemeClr val="lt1"/>
+          </a:fontRef>
+        </p:style>
+        <p:txBody>
+          <a:bodyPr rtlCol="0" anchor="ctr"/>
+          <a:lstStyle/>
+          <a:p>
+            <a:pPr algn="ctr"/>
+            <a:endParaRPr kumimoji="1" lang="ja-JP" altLang="en-US"/>
+          </a:p>
+        </p:txBody>
+      </p:sp>
+      <p:sp>
+        <p:nvSpPr>
+          <p:cNvPr id="21" name="楕円 20">
+            <a:extLst>
+              <a:ext uri="{FF2B5EF4-FFF2-40B4-BE49-F238E27FC236}">
+                <a16:creationId xmlns:a16="http://schemas.microsoft.com/office/drawing/2014/main" id="{E3BC220C-A87A-5E74-EE93-338185432E26}"/>
+              </a:ext>
+            </a:extLst>
+          </p:cNvPr>
+          <p:cNvSpPr/>
+          <p:nvPr/>
+        </p:nvSpPr>
+        <p:spPr>
+          <a:xfrm>
+            <a:off x="1691680" y="5085184"/>
+            <a:ext cx="360040" cy="360040"/>
+          </a:xfrm>
+          <a:prstGeom prst="ellipse">
+            <a:avLst/>
+          </a:prstGeom>
+          <a:solidFill>
+            <a:srgbClr val="011893"/>
+          </a:solidFill>
+          <a:ln>
+            <a:solidFill>
+              <a:schemeClr val="tx1"/>
+            </a:solidFill>
+          </a:ln>
+        </p:spPr>
+        <p:style>
+          <a:lnRef idx="2">
+            <a:schemeClr val="accent1">
+              <a:shade val="50000"/>
+            </a:schemeClr>
+          </a:lnRef>
+          <a:fillRef idx="1">
+            <a:schemeClr val="accent1"/>
+          </a:fillRef>
+          <a:effectRef idx="0">
+            <a:schemeClr val="accent1"/>
+          </a:effectRef>
+          <a:fontRef idx="minor">
+            <a:schemeClr val="lt1"/>
+          </a:fontRef>
+        </p:style>
+        <p:txBody>
+          <a:bodyPr rtlCol="0" anchor="ctr"/>
+          <a:lstStyle/>
+          <a:p>
+            <a:pPr algn="ctr"/>
+            <a:endParaRPr kumimoji="1" lang="ja-JP" altLang="en-US"/>
+          </a:p>
+        </p:txBody>
+      </p:sp>
+      <p:sp>
+        <p:nvSpPr>
+          <p:cNvPr id="22" name="楕円 21">
+            <a:extLst>
+              <a:ext uri="{FF2B5EF4-FFF2-40B4-BE49-F238E27FC236}">
+                <a16:creationId xmlns:a16="http://schemas.microsoft.com/office/drawing/2014/main" id="{2848E633-B343-9A92-446D-750051A174D2}"/>
+              </a:ext>
+            </a:extLst>
+          </p:cNvPr>
+          <p:cNvSpPr/>
+          <p:nvPr/>
+        </p:nvSpPr>
+        <p:spPr>
+          <a:xfrm>
+            <a:off x="1907704" y="4653136"/>
+            <a:ext cx="360040" cy="360040"/>
+          </a:xfrm>
+          <a:prstGeom prst="ellipse">
+            <a:avLst/>
+          </a:prstGeom>
+          <a:solidFill>
+            <a:srgbClr val="011893"/>
+          </a:solidFill>
+          <a:ln>
+            <a:solidFill>
+              <a:schemeClr val="tx1"/>
+            </a:solidFill>
+          </a:ln>
+        </p:spPr>
+        <p:style>
+          <a:lnRef idx="2">
+            <a:schemeClr val="accent1">
+              <a:shade val="50000"/>
+            </a:schemeClr>
+          </a:lnRef>
+          <a:fillRef idx="1">
+            <a:schemeClr val="accent1"/>
+          </a:fillRef>
+          <a:effectRef idx="0">
+            <a:schemeClr val="accent1"/>
+          </a:effectRef>
+          <a:fontRef idx="minor">
+            <a:schemeClr val="lt1"/>
+          </a:fontRef>
+        </p:style>
+        <p:txBody>
+          <a:bodyPr rtlCol="0" anchor="ctr"/>
+          <a:lstStyle/>
+          <a:p>
+            <a:pPr algn="ctr"/>
+            <a:endParaRPr kumimoji="1" lang="ja-JP" altLang="en-US"/>
+          </a:p>
+        </p:txBody>
+      </p:sp>
+      <p:sp>
+        <p:nvSpPr>
+          <p:cNvPr id="23" name="楕円 22">
+            <a:extLst>
+              <a:ext uri="{FF2B5EF4-FFF2-40B4-BE49-F238E27FC236}">
+                <a16:creationId xmlns:a16="http://schemas.microsoft.com/office/drawing/2014/main" id="{C495E61C-8941-11F1-0B2B-00086730F132}"/>
+              </a:ext>
+            </a:extLst>
+          </p:cNvPr>
+          <p:cNvSpPr/>
+          <p:nvPr/>
+        </p:nvSpPr>
+        <p:spPr>
+          <a:xfrm>
+            <a:off x="2051720" y="5013176"/>
+            <a:ext cx="360040" cy="360040"/>
+          </a:xfrm>
+          <a:prstGeom prst="ellipse">
+            <a:avLst/>
+          </a:prstGeom>
+          <a:solidFill>
+            <a:srgbClr val="011893"/>
+          </a:solidFill>
+          <a:ln>
+            <a:solidFill>
+              <a:schemeClr val="tx1"/>
+            </a:solidFill>
+          </a:ln>
+        </p:spPr>
+        <p:style>
+          <a:lnRef idx="2">
+            <a:schemeClr val="accent1">
+              <a:shade val="50000"/>
+            </a:schemeClr>
+          </a:lnRef>
+          <a:fillRef idx="1">
+            <a:schemeClr val="accent1"/>
+          </a:fillRef>
+          <a:effectRef idx="0">
+            <a:schemeClr val="accent1"/>
+          </a:effectRef>
+          <a:fontRef idx="minor">
+            <a:schemeClr val="lt1"/>
+          </a:fontRef>
+        </p:style>
+        <p:txBody>
+          <a:bodyPr rtlCol="0" anchor="ctr"/>
+          <a:lstStyle/>
+          <a:p>
+            <a:pPr algn="ctr"/>
+            <a:endParaRPr kumimoji="1" lang="ja-JP" altLang="en-US"/>
+          </a:p>
+        </p:txBody>
+      </p:sp>
+      <p:sp>
+        <p:nvSpPr>
+          <p:cNvPr id="24" name="楕円 23">
+            <a:extLst>
+              <a:ext uri="{FF2B5EF4-FFF2-40B4-BE49-F238E27FC236}">
+                <a16:creationId xmlns:a16="http://schemas.microsoft.com/office/drawing/2014/main" id="{0B69B30D-8499-86CC-2F3B-50FF9B4D2D24}"/>
+              </a:ext>
+            </a:extLst>
+          </p:cNvPr>
+          <p:cNvSpPr/>
+          <p:nvPr/>
+        </p:nvSpPr>
+        <p:spPr>
+          <a:xfrm>
+            <a:off x="971600" y="5085184"/>
+            <a:ext cx="360040" cy="360040"/>
+          </a:xfrm>
+          <a:prstGeom prst="ellipse">
+            <a:avLst/>
+          </a:prstGeom>
+          <a:solidFill>
+            <a:srgbClr val="011893"/>
+          </a:solidFill>
+          <a:ln>
+            <a:solidFill>
+              <a:schemeClr val="tx1"/>
+            </a:solidFill>
+          </a:ln>
+        </p:spPr>
+        <p:style>
+          <a:lnRef idx="2">
+            <a:schemeClr val="accent1">
+              <a:shade val="50000"/>
+            </a:schemeClr>
+          </a:lnRef>
+          <a:fillRef idx="1">
+            <a:schemeClr val="accent1"/>
+          </a:fillRef>
+          <a:effectRef idx="0">
+            <a:schemeClr val="accent1"/>
+          </a:effectRef>
+          <a:fontRef idx="minor">
+            <a:schemeClr val="lt1"/>
+          </a:fontRef>
+        </p:style>
+        <p:txBody>
+          <a:bodyPr rtlCol="0" anchor="ctr"/>
+          <a:lstStyle/>
+          <a:p>
+            <a:pPr algn="ctr"/>
+            <a:endParaRPr kumimoji="1" lang="ja-JP" altLang="en-US"/>
+          </a:p>
+        </p:txBody>
+      </p:sp>
+      <p:sp>
+        <p:nvSpPr>
+          <p:cNvPr id="25" name="楕円 24">
+            <a:extLst>
+              <a:ext uri="{FF2B5EF4-FFF2-40B4-BE49-F238E27FC236}">
+                <a16:creationId xmlns:a16="http://schemas.microsoft.com/office/drawing/2014/main" id="{7424BC21-8634-2D36-8B75-D923639C6CCB}"/>
+              </a:ext>
+            </a:extLst>
+          </p:cNvPr>
+          <p:cNvSpPr/>
+          <p:nvPr/>
+        </p:nvSpPr>
+        <p:spPr>
+          <a:xfrm>
+            <a:off x="1475656" y="4509120"/>
+            <a:ext cx="360040" cy="360040"/>
+          </a:xfrm>
+          <a:prstGeom prst="ellipse">
+            <a:avLst/>
+          </a:prstGeom>
+          <a:solidFill>
+            <a:srgbClr val="011893"/>
+          </a:solidFill>
+          <a:ln>
+            <a:solidFill>
+              <a:schemeClr val="tx1"/>
+            </a:solidFill>
+          </a:ln>
+        </p:spPr>
+        <p:style>
+          <a:lnRef idx="2">
+            <a:schemeClr val="accent1">
+              <a:shade val="50000"/>
+            </a:schemeClr>
+          </a:lnRef>
+          <a:fillRef idx="1">
+            <a:schemeClr val="accent1"/>
+          </a:fillRef>
+          <a:effectRef idx="0">
+            <a:schemeClr val="accent1"/>
+          </a:effectRef>
+          <a:fontRef idx="minor">
+            <a:schemeClr val="lt1"/>
+          </a:fontRef>
+        </p:style>
+        <p:txBody>
+          <a:bodyPr rtlCol="0" anchor="ctr"/>
+          <a:lstStyle/>
+          <a:p>
+            <a:pPr algn="ctr"/>
+            <a:endParaRPr kumimoji="1" lang="ja-JP" altLang="en-US"/>
+          </a:p>
+        </p:txBody>
+      </p:sp>
+      <p:sp>
+        <p:nvSpPr>
+          <p:cNvPr id="26" name="正方形/長方形 25">
+            <a:extLst>
+              <a:ext uri="{FF2B5EF4-FFF2-40B4-BE49-F238E27FC236}">
+                <a16:creationId xmlns:a16="http://schemas.microsoft.com/office/drawing/2014/main" id="{DA8F5749-A4F4-8F93-31EE-BF18AE7FFC73}"/>
+              </a:ext>
+            </a:extLst>
+          </p:cNvPr>
+          <p:cNvSpPr/>
+          <p:nvPr/>
+        </p:nvSpPr>
+        <p:spPr>
+          <a:xfrm>
+            <a:off x="5220072" y="4077072"/>
+            <a:ext cx="2880320" cy="1440160"/>
+          </a:xfrm>
+          <a:prstGeom prst="rect">
+            <a:avLst/>
+          </a:prstGeom>
+          <a:noFill/>
+          <a:ln>
+            <a:solidFill>
+              <a:schemeClr val="tx1"/>
+            </a:solidFill>
+          </a:ln>
+        </p:spPr>
+        <p:style>
+          <a:lnRef idx="2">
+            <a:schemeClr val="accent1">
+              <a:shade val="50000"/>
+            </a:schemeClr>
+          </a:lnRef>
+          <a:fillRef idx="1">
+            <a:schemeClr val="accent1"/>
+          </a:fillRef>
+          <a:effectRef idx="0">
+            <a:schemeClr val="accent1"/>
+          </a:effectRef>
+          <a:fontRef idx="minor">
+            <a:schemeClr val="lt1"/>
+          </a:fontRef>
+        </p:style>
+        <p:txBody>
+          <a:bodyPr rtlCol="0" anchor="ctr"/>
+          <a:lstStyle/>
+          <a:p>
+            <a:pPr algn="ctr"/>
+            <a:endParaRPr kumimoji="1" lang="ja-JP" altLang="en-US"/>
+          </a:p>
+        </p:txBody>
+      </p:sp>
+      <p:sp>
+        <p:nvSpPr>
+          <p:cNvPr id="27" name="楕円 26">
+            <a:extLst>
+              <a:ext uri="{FF2B5EF4-FFF2-40B4-BE49-F238E27FC236}">
+                <a16:creationId xmlns:a16="http://schemas.microsoft.com/office/drawing/2014/main" id="{E500800F-F82D-A68C-F367-66020DE362AC}"/>
+              </a:ext>
+            </a:extLst>
+          </p:cNvPr>
+          <p:cNvSpPr/>
+          <p:nvPr/>
+        </p:nvSpPr>
+        <p:spPr>
+          <a:xfrm>
+            <a:off x="5508104" y="4149080"/>
+            <a:ext cx="360040" cy="360040"/>
+          </a:xfrm>
+          <a:prstGeom prst="ellipse">
+            <a:avLst/>
+          </a:prstGeom>
+          <a:solidFill>
+            <a:srgbClr val="011893"/>
+          </a:solidFill>
+          <a:ln>
+            <a:solidFill>
+              <a:schemeClr val="tx1"/>
+            </a:solidFill>
+          </a:ln>
+        </p:spPr>
+        <p:style>
+          <a:lnRef idx="2">
+            <a:schemeClr val="accent1">
+              <a:shade val="50000"/>
+            </a:schemeClr>
+          </a:lnRef>
+          <a:fillRef idx="1">
+            <a:schemeClr val="accent1"/>
+          </a:fillRef>
+          <a:effectRef idx="0">
+            <a:schemeClr val="accent1"/>
+          </a:effectRef>
+          <a:fontRef idx="minor">
+            <a:schemeClr val="lt1"/>
+          </a:fontRef>
+        </p:style>
+        <p:txBody>
+          <a:bodyPr rtlCol="0" anchor="ctr"/>
+          <a:lstStyle/>
+          <a:p>
+            <a:pPr algn="ctr"/>
+            <a:endParaRPr kumimoji="1" lang="ja-JP" altLang="en-US"/>
+          </a:p>
+        </p:txBody>
+      </p:sp>
+      <p:sp>
+        <p:nvSpPr>
+          <p:cNvPr id="28" name="楕円 27">
+            <a:extLst>
+              <a:ext uri="{FF2B5EF4-FFF2-40B4-BE49-F238E27FC236}">
+                <a16:creationId xmlns:a16="http://schemas.microsoft.com/office/drawing/2014/main" id="{07B09FB6-FEC5-804F-B4D3-282B64DD1DC5}"/>
+              </a:ext>
+            </a:extLst>
+          </p:cNvPr>
+          <p:cNvSpPr/>
+          <p:nvPr/>
+        </p:nvSpPr>
+        <p:spPr>
+          <a:xfrm>
+            <a:off x="6012160" y="4653136"/>
+            <a:ext cx="360040" cy="360040"/>
+          </a:xfrm>
+          <a:prstGeom prst="ellipse">
+            <a:avLst/>
+          </a:prstGeom>
+          <a:solidFill>
+            <a:srgbClr val="011893"/>
+          </a:solidFill>
+          <a:ln>
+            <a:solidFill>
+              <a:schemeClr val="tx1"/>
+            </a:solidFill>
+          </a:ln>
+        </p:spPr>
+        <p:style>
+          <a:lnRef idx="2">
+            <a:schemeClr val="accent1">
+              <a:shade val="50000"/>
+            </a:schemeClr>
+          </a:lnRef>
+          <a:fillRef idx="1">
+            <a:schemeClr val="accent1"/>
+          </a:fillRef>
+          <a:effectRef idx="0">
+            <a:schemeClr val="accent1"/>
+          </a:effectRef>
+          <a:fontRef idx="minor">
+            <a:schemeClr val="lt1"/>
+          </a:fontRef>
+        </p:style>
+        <p:txBody>
+          <a:bodyPr rtlCol="0" anchor="ctr"/>
+          <a:lstStyle/>
+          <a:p>
+            <a:pPr algn="ctr"/>
+            <a:endParaRPr kumimoji="1" lang="ja-JP" altLang="en-US"/>
+          </a:p>
+        </p:txBody>
+      </p:sp>
+      <p:sp>
+        <p:nvSpPr>
+          <p:cNvPr id="29" name="楕円 28">
+            <a:extLst>
+              <a:ext uri="{FF2B5EF4-FFF2-40B4-BE49-F238E27FC236}">
+                <a16:creationId xmlns:a16="http://schemas.microsoft.com/office/drawing/2014/main" id="{5855A64C-DA7F-DE51-F3DD-C9BADFEFBB05}"/>
+              </a:ext>
+            </a:extLst>
+          </p:cNvPr>
+          <p:cNvSpPr/>
+          <p:nvPr/>
+        </p:nvSpPr>
+        <p:spPr>
+          <a:xfrm>
+            <a:off x="5436096" y="4869160"/>
+            <a:ext cx="360040" cy="360040"/>
+          </a:xfrm>
+          <a:prstGeom prst="ellipse">
+            <a:avLst/>
+          </a:prstGeom>
+          <a:solidFill>
+            <a:srgbClr val="011893"/>
+          </a:solidFill>
+          <a:ln>
+            <a:solidFill>
+              <a:schemeClr val="tx1"/>
+            </a:solidFill>
+          </a:ln>
+        </p:spPr>
+        <p:style>
+          <a:lnRef idx="2">
+            <a:schemeClr val="accent1">
+              <a:shade val="50000"/>
+            </a:schemeClr>
+          </a:lnRef>
+          <a:fillRef idx="1">
+            <a:schemeClr val="accent1"/>
+          </a:fillRef>
+          <a:effectRef idx="0">
+            <a:schemeClr val="accent1"/>
+          </a:effectRef>
+          <a:fontRef idx="minor">
+            <a:schemeClr val="lt1"/>
+          </a:fontRef>
+        </p:style>
+        <p:txBody>
+          <a:bodyPr rtlCol="0" anchor="ctr"/>
+          <a:lstStyle/>
+          <a:p>
+            <a:pPr algn="ctr"/>
+            <a:endParaRPr kumimoji="1" lang="ja-JP" altLang="en-US"/>
+          </a:p>
+        </p:txBody>
+      </p:sp>
+      <p:sp>
+        <p:nvSpPr>
+          <p:cNvPr id="30" name="楕円 29">
+            <a:extLst>
+              <a:ext uri="{FF2B5EF4-FFF2-40B4-BE49-F238E27FC236}">
+                <a16:creationId xmlns:a16="http://schemas.microsoft.com/office/drawing/2014/main" id="{28A20F76-82A0-F100-3168-8C6FB6F99B54}"/>
+              </a:ext>
+            </a:extLst>
+          </p:cNvPr>
+          <p:cNvSpPr/>
+          <p:nvPr/>
+        </p:nvSpPr>
+        <p:spPr>
+          <a:xfrm>
+            <a:off x="6228184" y="4221088"/>
+            <a:ext cx="360040" cy="360040"/>
+          </a:xfrm>
+          <a:prstGeom prst="ellipse">
+            <a:avLst/>
+          </a:prstGeom>
+          <a:solidFill>
+            <a:srgbClr val="011893"/>
+          </a:solidFill>
+          <a:ln>
+            <a:solidFill>
+              <a:schemeClr val="tx1"/>
+            </a:solidFill>
+          </a:ln>
+        </p:spPr>
+        <p:style>
+          <a:lnRef idx="2">
+            <a:schemeClr val="accent1">
+              <a:shade val="50000"/>
+            </a:schemeClr>
+          </a:lnRef>
+          <a:fillRef idx="1">
+            <a:schemeClr val="accent1"/>
+          </a:fillRef>
+          <a:effectRef idx="0">
+            <a:schemeClr val="accent1"/>
+          </a:effectRef>
+          <a:fontRef idx="minor">
+            <a:schemeClr val="lt1"/>
+          </a:fontRef>
+        </p:style>
+        <p:txBody>
+          <a:bodyPr rtlCol="0" anchor="ctr"/>
+          <a:lstStyle/>
+          <a:p>
+            <a:pPr algn="ctr"/>
+            <a:endParaRPr kumimoji="1" lang="ja-JP" altLang="en-US"/>
+          </a:p>
+        </p:txBody>
+      </p:sp>
+      <p:sp>
+        <p:nvSpPr>
+          <p:cNvPr id="31" name="楕円 30">
+            <a:extLst>
+              <a:ext uri="{FF2B5EF4-FFF2-40B4-BE49-F238E27FC236}">
+                <a16:creationId xmlns:a16="http://schemas.microsoft.com/office/drawing/2014/main" id="{8D7744D5-CAE1-5863-A902-28AD4EDA3AD7}"/>
+              </a:ext>
+            </a:extLst>
+          </p:cNvPr>
+          <p:cNvSpPr/>
+          <p:nvPr/>
+        </p:nvSpPr>
+        <p:spPr>
+          <a:xfrm>
+            <a:off x="6588224" y="4581128"/>
+            <a:ext cx="360040" cy="360040"/>
+          </a:xfrm>
+          <a:prstGeom prst="ellipse">
+            <a:avLst/>
+          </a:prstGeom>
+          <a:solidFill>
+            <a:srgbClr val="011893"/>
+          </a:solidFill>
+          <a:ln>
+            <a:solidFill>
+              <a:schemeClr val="tx1"/>
+            </a:solidFill>
+          </a:ln>
+        </p:spPr>
+        <p:style>
+          <a:lnRef idx="2">
+            <a:schemeClr val="accent1">
+              <a:shade val="50000"/>
+            </a:schemeClr>
+          </a:lnRef>
+          <a:fillRef idx="1">
+            <a:schemeClr val="accent1"/>
+          </a:fillRef>
+          <a:effectRef idx="0">
+            <a:schemeClr val="accent1"/>
+          </a:effectRef>
+          <a:fontRef idx="minor">
+            <a:schemeClr val="lt1"/>
+          </a:fontRef>
+        </p:style>
+        <p:txBody>
+          <a:bodyPr rtlCol="0" anchor="ctr"/>
+          <a:lstStyle/>
+          <a:p>
+            <a:pPr algn="ctr"/>
+            <a:endParaRPr kumimoji="1" lang="ja-JP" altLang="en-US"/>
+          </a:p>
+        </p:txBody>
+      </p:sp>
+      <p:sp>
+        <p:nvSpPr>
+          <p:cNvPr id="32" name="楕円 31">
+            <a:extLst>
+              <a:ext uri="{FF2B5EF4-FFF2-40B4-BE49-F238E27FC236}">
+                <a16:creationId xmlns:a16="http://schemas.microsoft.com/office/drawing/2014/main" id="{8474BA9D-F47C-BDA0-917A-F1BD7FBB564F}"/>
+              </a:ext>
+            </a:extLst>
+          </p:cNvPr>
+          <p:cNvSpPr/>
+          <p:nvPr/>
+        </p:nvSpPr>
+        <p:spPr>
+          <a:xfrm>
+            <a:off x="6948264" y="4941168"/>
+            <a:ext cx="360040" cy="360040"/>
+          </a:xfrm>
+          <a:prstGeom prst="ellipse">
+            <a:avLst/>
+          </a:prstGeom>
+          <a:solidFill>
+            <a:srgbClr val="011893"/>
+          </a:solidFill>
+          <a:ln>
+            <a:solidFill>
+              <a:schemeClr val="tx1"/>
+            </a:solidFill>
+          </a:ln>
+        </p:spPr>
+        <p:style>
+          <a:lnRef idx="2">
+            <a:schemeClr val="accent1">
+              <a:shade val="50000"/>
+            </a:schemeClr>
+          </a:lnRef>
+          <a:fillRef idx="1">
+            <a:schemeClr val="accent1"/>
+          </a:fillRef>
+          <a:effectRef idx="0">
+            <a:schemeClr val="accent1"/>
+          </a:effectRef>
+          <a:fontRef idx="minor">
+            <a:schemeClr val="lt1"/>
+          </a:fontRef>
+        </p:style>
+        <p:txBody>
+          <a:bodyPr rtlCol="0" anchor="ctr"/>
+          <a:lstStyle/>
+          <a:p>
+            <a:pPr algn="ctr"/>
+            <a:endParaRPr kumimoji="1" lang="ja-JP" altLang="en-US"/>
+          </a:p>
+        </p:txBody>
+      </p:sp>
+      <p:sp>
+        <p:nvSpPr>
+          <p:cNvPr id="33" name="楕円 32">
+            <a:extLst>
+              <a:ext uri="{FF2B5EF4-FFF2-40B4-BE49-F238E27FC236}">
+                <a16:creationId xmlns:a16="http://schemas.microsoft.com/office/drawing/2014/main" id="{C162D7B4-EC8B-FDA4-2921-FF5E0A9EA729}"/>
+              </a:ext>
+            </a:extLst>
+          </p:cNvPr>
+          <p:cNvSpPr/>
+          <p:nvPr/>
+        </p:nvSpPr>
+        <p:spPr>
+          <a:xfrm>
+            <a:off x="7236296" y="4581128"/>
+            <a:ext cx="360040" cy="360040"/>
+          </a:xfrm>
+          <a:prstGeom prst="ellipse">
+            <a:avLst/>
+          </a:prstGeom>
+          <a:solidFill>
+            <a:srgbClr val="011893"/>
+          </a:solidFill>
+          <a:ln>
+            <a:solidFill>
+              <a:schemeClr val="tx1"/>
+            </a:solidFill>
+          </a:ln>
+        </p:spPr>
+        <p:style>
+          <a:lnRef idx="2">
+            <a:schemeClr val="accent1">
+              <a:shade val="50000"/>
+            </a:schemeClr>
+          </a:lnRef>
+          <a:fillRef idx="1">
+            <a:schemeClr val="accent1"/>
+          </a:fillRef>
+          <a:effectRef idx="0">
+            <a:schemeClr val="accent1"/>
+          </a:effectRef>
+          <a:fontRef idx="minor">
+            <a:schemeClr val="lt1"/>
+          </a:fontRef>
+        </p:style>
+        <p:txBody>
+          <a:bodyPr rtlCol="0" anchor="ctr"/>
+          <a:lstStyle/>
+          <a:p>
+            <a:pPr algn="ctr"/>
+            <a:endParaRPr kumimoji="1" lang="ja-JP" altLang="en-US"/>
+          </a:p>
+        </p:txBody>
+      </p:sp>
+      <p:sp>
+        <p:nvSpPr>
+          <p:cNvPr id="34" name="楕円 33">
+            <a:extLst>
+              <a:ext uri="{FF2B5EF4-FFF2-40B4-BE49-F238E27FC236}">
+                <a16:creationId xmlns:a16="http://schemas.microsoft.com/office/drawing/2014/main" id="{2ED0ED5B-D30B-F9C4-A5CD-142FA61F5456}"/>
+              </a:ext>
+            </a:extLst>
+          </p:cNvPr>
+          <p:cNvSpPr/>
+          <p:nvPr/>
+        </p:nvSpPr>
+        <p:spPr>
+          <a:xfrm>
+            <a:off x="7524328" y="4941168"/>
+            <a:ext cx="360040" cy="360040"/>
+          </a:xfrm>
+          <a:prstGeom prst="ellipse">
+            <a:avLst/>
+          </a:prstGeom>
+          <a:solidFill>
+            <a:srgbClr val="011893"/>
+          </a:solidFill>
+          <a:ln>
+            <a:solidFill>
+              <a:schemeClr val="tx1"/>
+            </a:solidFill>
+          </a:ln>
+        </p:spPr>
+        <p:style>
+          <a:lnRef idx="2">
+            <a:schemeClr val="accent1">
+              <a:shade val="50000"/>
+            </a:schemeClr>
+          </a:lnRef>
+          <a:fillRef idx="1">
+            <a:schemeClr val="accent1"/>
+          </a:fillRef>
+          <a:effectRef idx="0">
+            <a:schemeClr val="accent1"/>
+          </a:effectRef>
+          <a:fontRef idx="minor">
+            <a:schemeClr val="lt1"/>
+          </a:fontRef>
+        </p:style>
+        <p:txBody>
+          <a:bodyPr rtlCol="0" anchor="ctr"/>
+          <a:lstStyle/>
+          <a:p>
+            <a:pPr algn="ctr"/>
+            <a:endParaRPr kumimoji="1" lang="ja-JP" altLang="en-US"/>
+          </a:p>
+        </p:txBody>
+      </p:sp>
+      <p:sp>
+        <p:nvSpPr>
+          <p:cNvPr id="35" name="楕円 34">
+            <a:extLst>
+              <a:ext uri="{FF2B5EF4-FFF2-40B4-BE49-F238E27FC236}">
+                <a16:creationId xmlns:a16="http://schemas.microsoft.com/office/drawing/2014/main" id="{08C65299-3D22-03DB-2CC4-34E668A967A9}"/>
+              </a:ext>
+            </a:extLst>
+          </p:cNvPr>
+          <p:cNvSpPr/>
+          <p:nvPr/>
+        </p:nvSpPr>
+        <p:spPr>
+          <a:xfrm>
+            <a:off x="6300192" y="5013176"/>
+            <a:ext cx="360040" cy="360040"/>
+          </a:xfrm>
+          <a:prstGeom prst="ellipse">
+            <a:avLst/>
+          </a:prstGeom>
+          <a:solidFill>
+            <a:srgbClr val="011893"/>
+          </a:solidFill>
+          <a:ln>
+            <a:solidFill>
+              <a:schemeClr val="tx1"/>
+            </a:solidFill>
+          </a:ln>
+        </p:spPr>
+        <p:style>
+          <a:lnRef idx="2">
+            <a:schemeClr val="accent1">
+              <a:shade val="50000"/>
+            </a:schemeClr>
+          </a:lnRef>
+          <a:fillRef idx="1">
+            <a:schemeClr val="accent1"/>
+          </a:fillRef>
+          <a:effectRef idx="0">
+            <a:schemeClr val="accent1"/>
+          </a:effectRef>
+          <a:fontRef idx="minor">
+            <a:schemeClr val="lt1"/>
+          </a:fontRef>
+        </p:style>
+        <p:txBody>
+          <a:bodyPr rtlCol="0" anchor="ctr"/>
+          <a:lstStyle/>
+          <a:p>
+            <a:pPr algn="ctr"/>
+            <a:endParaRPr kumimoji="1" lang="ja-JP" altLang="en-US"/>
+          </a:p>
+        </p:txBody>
+      </p:sp>
+      <p:sp>
+        <p:nvSpPr>
+          <p:cNvPr id="36" name="楕円 35">
+            <a:extLst>
+              <a:ext uri="{FF2B5EF4-FFF2-40B4-BE49-F238E27FC236}">
+                <a16:creationId xmlns:a16="http://schemas.microsoft.com/office/drawing/2014/main" id="{2F91599F-28CE-FF9D-AC2E-370B83E0A200}"/>
+              </a:ext>
+            </a:extLst>
+          </p:cNvPr>
+          <p:cNvSpPr/>
+          <p:nvPr/>
+        </p:nvSpPr>
+        <p:spPr>
+          <a:xfrm>
+            <a:off x="6948264" y="4221088"/>
+            <a:ext cx="360040" cy="360040"/>
+          </a:xfrm>
+          <a:prstGeom prst="ellipse">
+            <a:avLst/>
+          </a:prstGeom>
+          <a:solidFill>
+            <a:srgbClr val="011893"/>
+          </a:solidFill>
+          <a:ln>
+            <a:solidFill>
+              <a:schemeClr val="tx1"/>
+            </a:solidFill>
+          </a:ln>
+        </p:spPr>
+        <p:style>
+          <a:lnRef idx="2">
+            <a:schemeClr val="accent1">
+              <a:shade val="50000"/>
+            </a:schemeClr>
+          </a:lnRef>
+          <a:fillRef idx="1">
+            <a:schemeClr val="accent1"/>
+          </a:fillRef>
+          <a:effectRef idx="0">
+            <a:schemeClr val="accent1"/>
+          </a:effectRef>
+          <a:fontRef idx="minor">
+            <a:schemeClr val="lt1"/>
+          </a:fontRef>
+        </p:style>
+        <p:txBody>
+          <a:bodyPr rtlCol="0" anchor="ctr"/>
+          <a:lstStyle/>
+          <a:p>
+            <a:pPr algn="ctr"/>
+            <a:endParaRPr kumimoji="1" lang="ja-JP" altLang="en-US"/>
+          </a:p>
+        </p:txBody>
+      </p:sp>
+      <p:sp>
+        <p:nvSpPr>
+          <p:cNvPr id="37" name="矢印: 下 36">
+            <a:extLst>
+              <a:ext uri="{FF2B5EF4-FFF2-40B4-BE49-F238E27FC236}">
+                <a16:creationId xmlns:a16="http://schemas.microsoft.com/office/drawing/2014/main" id="{4D7DE2BA-BBC4-A5EF-859E-5290878919A1}"/>
+              </a:ext>
+            </a:extLst>
+          </p:cNvPr>
+          <p:cNvSpPr/>
+          <p:nvPr/>
+        </p:nvSpPr>
+        <p:spPr>
+          <a:xfrm rot="2700000">
+            <a:off x="2533395" y="3424691"/>
+            <a:ext cx="403157" cy="511028"/>
+          </a:xfrm>
+          <a:prstGeom prst="downArrow">
+            <a:avLst/>
+          </a:prstGeom>
+          <a:solidFill>
+            <a:srgbClr val="FF0000"/>
+          </a:solidFill>
+          <a:ln>
+            <a:solidFill>
+              <a:schemeClr val="tx1"/>
+            </a:solidFill>
+          </a:ln>
+        </p:spPr>
+        <p:style>
+          <a:lnRef idx="2">
+            <a:schemeClr val="accent1">
+              <a:shade val="50000"/>
+            </a:schemeClr>
+          </a:lnRef>
+          <a:fillRef idx="1">
+            <a:schemeClr val="accent1"/>
+          </a:fillRef>
+          <a:effectRef idx="0">
+            <a:schemeClr val="accent1"/>
+          </a:effectRef>
+          <a:fontRef idx="minor">
+            <a:schemeClr val="lt1"/>
+          </a:fontRef>
+        </p:style>
+        <p:txBody>
+          <a:bodyPr rtlCol="0" anchor="ctr"/>
+          <a:lstStyle/>
+          <a:p>
+            <a:pPr algn="ctr"/>
+            <a:endParaRPr kumimoji="1" lang="ja-JP" altLang="en-US"/>
+          </a:p>
+        </p:txBody>
+      </p:sp>
+      <p:sp>
+        <p:nvSpPr>
+          <p:cNvPr id="38" name="矢印: 下 37">
+            <a:extLst>
+              <a:ext uri="{FF2B5EF4-FFF2-40B4-BE49-F238E27FC236}">
+                <a16:creationId xmlns:a16="http://schemas.microsoft.com/office/drawing/2014/main" id="{85467950-BF6D-3886-4176-8F31479BEA7B}"/>
+              </a:ext>
+            </a:extLst>
+          </p:cNvPr>
+          <p:cNvSpPr/>
+          <p:nvPr/>
+        </p:nvSpPr>
+        <p:spPr>
+          <a:xfrm rot="18900000">
+            <a:off x="6133794" y="3424692"/>
+            <a:ext cx="403157" cy="511028"/>
+          </a:xfrm>
+          <a:prstGeom prst="downArrow">
+            <a:avLst/>
+          </a:prstGeom>
+          <a:solidFill>
+            <a:srgbClr val="FF0000"/>
+          </a:solidFill>
+          <a:ln>
+            <a:solidFill>
+              <a:schemeClr val="tx1"/>
+            </a:solidFill>
+          </a:ln>
+        </p:spPr>
+        <p:style>
+          <a:lnRef idx="2">
+            <a:schemeClr val="accent1">
+              <a:shade val="50000"/>
+            </a:schemeClr>
+          </a:lnRef>
+          <a:fillRef idx="1">
+            <a:schemeClr val="accent1"/>
+          </a:fillRef>
+          <a:effectRef idx="0">
+            <a:schemeClr val="accent1"/>
+          </a:effectRef>
+          <a:fontRef idx="minor">
+            <a:schemeClr val="lt1"/>
+          </a:fontRef>
+        </p:style>
+        <p:txBody>
+          <a:bodyPr rtlCol="0" anchor="ctr"/>
+          <a:lstStyle/>
+          <a:p>
+            <a:pPr algn="ctr"/>
+            <a:endParaRPr kumimoji="1" lang="ja-JP" altLang="en-US"/>
+          </a:p>
+        </p:txBody>
+      </p:sp>
+      <p:sp>
+        <p:nvSpPr>
+          <p:cNvPr id="39" name="テキスト ボックス 38">
+            <a:extLst>
+              <a:ext uri="{FF2B5EF4-FFF2-40B4-BE49-F238E27FC236}">
+                <a16:creationId xmlns:a16="http://schemas.microsoft.com/office/drawing/2014/main" id="{87ADB51C-4786-7C17-DBAD-7B1C6576BB55}"/>
+              </a:ext>
+            </a:extLst>
+          </p:cNvPr>
+          <p:cNvSpPr txBox="1"/>
+          <p:nvPr/>
+        </p:nvSpPr>
+        <p:spPr>
+          <a:xfrm>
+            <a:off x="467544" y="3284984"/>
+            <a:ext cx="1954381" cy="646331"/>
+          </a:xfrm>
+          <a:prstGeom prst="rect">
+            <a:avLst/>
+          </a:prstGeom>
+          <a:noFill/>
+        </p:spPr>
+        <p:txBody>
+          <a:bodyPr wrap="none" rtlCol="0">
+            <a:spAutoFit/>
+          </a:bodyPr>
+          <a:lstStyle/>
+          <a:p>
+            <a:r>
+              <a:rPr lang="ja-JP" altLang="en-US" dirty="0"/>
+              <a:t>低温なら偏る</a:t>
+            </a:r>
+            <a:endParaRPr lang="en-US" altLang="ja-JP" dirty="0"/>
+          </a:p>
+          <a:p>
+            <a:r>
+              <a:rPr lang="en-US" altLang="ja-JP" dirty="0"/>
+              <a:t>(</a:t>
+            </a:r>
+            <a:r>
+              <a:rPr lang="ja-JP" altLang="en-US" dirty="0"/>
+              <a:t>エネルギー重視</a:t>
+            </a:r>
+            <a:r>
+              <a:rPr lang="en-US" altLang="ja-JP" dirty="0"/>
+              <a:t>)</a:t>
+            </a:r>
+          </a:p>
+        </p:txBody>
+      </p:sp>
+      <p:sp>
+        <p:nvSpPr>
+          <p:cNvPr id="40" name="テキスト ボックス 39">
+            <a:extLst>
+              <a:ext uri="{FF2B5EF4-FFF2-40B4-BE49-F238E27FC236}">
+                <a16:creationId xmlns:a16="http://schemas.microsoft.com/office/drawing/2014/main" id="{04FFAD9F-7D20-C22E-4AC6-90C18EA5E682}"/>
+              </a:ext>
+            </a:extLst>
+          </p:cNvPr>
+          <p:cNvSpPr txBox="1"/>
+          <p:nvPr/>
+        </p:nvSpPr>
+        <p:spPr>
+          <a:xfrm>
+            <a:off x="6660232" y="3284984"/>
+            <a:ext cx="2185214" cy="646331"/>
+          </a:xfrm>
+          <a:prstGeom prst="rect">
+            <a:avLst/>
+          </a:prstGeom>
+          <a:noFill/>
+        </p:spPr>
+        <p:txBody>
+          <a:bodyPr wrap="none" rtlCol="0">
+            <a:spAutoFit/>
+          </a:bodyPr>
+          <a:lstStyle/>
+          <a:p>
+            <a:r>
+              <a:rPr lang="ja-JP" altLang="en-US" dirty="0"/>
+              <a:t>高温ならばらける</a:t>
+            </a:r>
+            <a:endParaRPr lang="en-US" altLang="ja-JP" dirty="0"/>
+          </a:p>
+          <a:p>
+            <a:r>
+              <a:rPr lang="en-US" altLang="ja-JP" dirty="0"/>
+              <a:t>(</a:t>
+            </a:r>
+            <a:r>
+              <a:rPr lang="ja-JP" altLang="en-US" dirty="0"/>
+              <a:t>エントロピー重視</a:t>
+            </a:r>
+            <a:r>
+              <a:rPr lang="en-US" altLang="ja-JP" dirty="0"/>
+              <a:t>)</a:t>
+            </a:r>
+          </a:p>
+        </p:txBody>
+      </p:sp>
+      <p:sp>
+        <p:nvSpPr>
+          <p:cNvPr id="41" name="テキスト ボックス 40">
+            <a:extLst>
+              <a:ext uri="{FF2B5EF4-FFF2-40B4-BE49-F238E27FC236}">
+                <a16:creationId xmlns:a16="http://schemas.microsoft.com/office/drawing/2014/main" id="{E3323E5D-5EF3-215F-775D-0EAA10DEF4A8}"/>
+              </a:ext>
+            </a:extLst>
+          </p:cNvPr>
+          <p:cNvSpPr txBox="1"/>
+          <p:nvPr/>
+        </p:nvSpPr>
+        <p:spPr>
+          <a:xfrm>
+            <a:off x="1835696" y="5661248"/>
+            <a:ext cx="902811" cy="523220"/>
+          </a:xfrm>
+          <a:prstGeom prst="rect">
+            <a:avLst/>
+          </a:prstGeom>
+          <a:noFill/>
+        </p:spPr>
+        <p:txBody>
+          <a:bodyPr wrap="none" rtlCol="0">
+            <a:spAutoFit/>
+          </a:bodyPr>
+          <a:lstStyle/>
+          <a:p>
+            <a:r>
+              <a:rPr lang="ja-JP" altLang="en-US" sz="2800"/>
+              <a:t>液相</a:t>
+            </a:r>
+            <a:endParaRPr kumimoji="1" lang="ja-JP" altLang="en-US" sz="2800"/>
+          </a:p>
+        </p:txBody>
+      </p:sp>
+      <p:sp>
+        <p:nvSpPr>
+          <p:cNvPr id="42" name="テキスト ボックス 41">
+            <a:extLst>
+              <a:ext uri="{FF2B5EF4-FFF2-40B4-BE49-F238E27FC236}">
+                <a16:creationId xmlns:a16="http://schemas.microsoft.com/office/drawing/2014/main" id="{FE08FA76-C863-285C-790B-156C5DE313EA}"/>
+              </a:ext>
+            </a:extLst>
+          </p:cNvPr>
+          <p:cNvSpPr txBox="1"/>
+          <p:nvPr/>
+        </p:nvSpPr>
+        <p:spPr>
+          <a:xfrm>
+            <a:off x="6156176" y="5589240"/>
+            <a:ext cx="902811" cy="523220"/>
+          </a:xfrm>
+          <a:prstGeom prst="rect">
+            <a:avLst/>
+          </a:prstGeom>
+          <a:noFill/>
+        </p:spPr>
+        <p:txBody>
+          <a:bodyPr wrap="none" rtlCol="0">
+            <a:spAutoFit/>
+          </a:bodyPr>
+          <a:lstStyle/>
+          <a:p>
+            <a:r>
+              <a:rPr lang="ja-JP" altLang="en-US" sz="2800"/>
+              <a:t>気相</a:t>
+            </a:r>
+            <a:endParaRPr kumimoji="1" lang="ja-JP" altLang="en-US" sz="2800"/>
+          </a:p>
+        </p:txBody>
+      </p:sp>
+    </p:spTree>
+    <p:extLst>
+      <p:ext uri="{BB962C8B-B14F-4D97-AF65-F5344CB8AC3E}">
+        <p14:creationId xmlns:p14="http://schemas.microsoft.com/office/powerpoint/2010/main" val="1886494848"/>
+      </p:ext>
+    </p:extLst>
+  </p:cSld>
+  <p:clrMapOvr>
+    <a:masterClrMapping/>
+  </p:clrMapOvr>
+</p:sld>
+</file>
+
+<file path=ppt/slides/slide9.xml><?xml version="1.0" encoding="utf-8"?>
+<p:sld xmlns:a="http://schemas.openxmlformats.org/drawingml/2006/main" xmlns:r="http://schemas.openxmlformats.org/officeDocument/2006/relationships" xmlns:p="http://schemas.openxmlformats.org/presentationml/2006/main">
+  <p:cSld>
+    <p:spTree>
+      <p:nvGrpSpPr>
+        <p:cNvPr id="1" name=""/>
+        <p:cNvGrpSpPr/>
+        <p:nvPr/>
+      </p:nvGrpSpPr>
+      <p:grpSpPr>
+        <a:xfrm>
+          <a:off x="0" y="0"/>
+          <a:ext cx="0" cy="0"/>
+          <a:chOff x="0" y="0"/>
+          <a:chExt cx="0" cy="0"/>
+        </a:xfrm>
+      </p:grpSpPr>
+      <p:sp>
+        <p:nvSpPr>
+          <p:cNvPr id="2" name="テキスト プレースホルダー 1">
+            <a:extLst>
+              <a:ext uri="{FF2B5EF4-FFF2-40B4-BE49-F238E27FC236}">
+                <a16:creationId xmlns:a16="http://schemas.microsoft.com/office/drawing/2014/main" id="{331B0549-DB18-DFC6-4C03-825462CCE2C0}"/>
+              </a:ext>
+            </a:extLst>
+          </p:cNvPr>
+          <p:cNvSpPr>
+            <a:spLocks noGrp="1"/>
+          </p:cNvSpPr>
+          <p:nvPr>
+            <p:ph type="body" sz="quarter" idx="10"/>
+          </p:nvPr>
+        </p:nvSpPr>
+        <p:spPr/>
+        <p:txBody>
+          <a:bodyPr/>
+          <a:lstStyle/>
+          <a:p>
+            <a:r>
+              <a:rPr lang="ja-JP" altLang="en-US"/>
+              <a:t>格子ガス模型</a:t>
+            </a:r>
+            <a:r>
+              <a:rPr lang="en-US" altLang="ja-JP"/>
+              <a:t>(</a:t>
+            </a:r>
+            <a:r>
+              <a:rPr lang="ja-JP" altLang="en-US"/>
+              <a:t>復習</a:t>
+            </a:r>
+            <a:r>
+              <a:rPr lang="en-US" altLang="ja-JP"/>
+              <a:t>)</a:t>
+            </a:r>
+            <a:endParaRPr kumimoji="1" lang="ja-JP" altLang="en-US"/>
+          </a:p>
+        </p:txBody>
+      </p:sp>
+      <p:cxnSp>
+        <p:nvCxnSpPr>
+          <p:cNvPr id="3" name="直線コネクタ 2">
+            <a:extLst>
+              <a:ext uri="{FF2B5EF4-FFF2-40B4-BE49-F238E27FC236}">
+                <a16:creationId xmlns:a16="http://schemas.microsoft.com/office/drawing/2014/main" id="{382B31F4-C136-2F0B-8A58-1DA97274A817}"/>
+              </a:ext>
+            </a:extLst>
+          </p:cNvPr>
+          <p:cNvCxnSpPr>
+            <a:cxnSpLocks/>
+          </p:cNvCxnSpPr>
+          <p:nvPr/>
+        </p:nvCxnSpPr>
+        <p:spPr>
+          <a:xfrm>
+            <a:off x="683568" y="2780928"/>
+            <a:ext cx="0" cy="2160240"/>
+          </a:xfrm>
+          <a:prstGeom prst="line">
+            <a:avLst/>
+          </a:prstGeom>
+          <a:ln>
+            <a:solidFill>
+              <a:schemeClr val="tx1"/>
+            </a:solidFill>
+            <a:headEnd type="none" w="med" len="med"/>
+            <a:tailEnd type="none" w="med" len="med"/>
+          </a:ln>
+        </p:spPr>
+        <p:style>
+          <a:lnRef idx="1">
+            <a:schemeClr val="accent1"/>
+          </a:lnRef>
+          <a:fillRef idx="0">
+            <a:schemeClr val="accent1"/>
+          </a:fillRef>
+          <a:effectRef idx="0">
+            <a:schemeClr val="accent1"/>
+          </a:effectRef>
+          <a:fontRef idx="minor">
+            <a:schemeClr val="tx1"/>
+          </a:fontRef>
+        </p:style>
+      </p:cxnSp>
+      <p:cxnSp>
+        <p:nvCxnSpPr>
+          <p:cNvPr id="4" name="直線コネクタ 3">
+            <a:extLst>
+              <a:ext uri="{FF2B5EF4-FFF2-40B4-BE49-F238E27FC236}">
+                <a16:creationId xmlns:a16="http://schemas.microsoft.com/office/drawing/2014/main" id="{A131D671-6310-8C58-C3CE-C2D95C90F26A}"/>
+              </a:ext>
+            </a:extLst>
+          </p:cNvPr>
+          <p:cNvCxnSpPr>
+            <a:cxnSpLocks/>
+          </p:cNvCxnSpPr>
+          <p:nvPr/>
+        </p:nvCxnSpPr>
+        <p:spPr>
+          <a:xfrm>
+            <a:off x="1403648" y="2780928"/>
+            <a:ext cx="0" cy="2160240"/>
+          </a:xfrm>
+          <a:prstGeom prst="line">
+            <a:avLst/>
+          </a:prstGeom>
+          <a:ln>
+            <a:solidFill>
+              <a:schemeClr val="tx1"/>
+            </a:solidFill>
+            <a:headEnd type="none" w="med" len="med"/>
+            <a:tailEnd type="none" w="med" len="med"/>
+          </a:ln>
+        </p:spPr>
+        <p:style>
+          <a:lnRef idx="1">
+            <a:schemeClr val="accent1"/>
+          </a:lnRef>
+          <a:fillRef idx="0">
+            <a:schemeClr val="accent1"/>
+          </a:fillRef>
+          <a:effectRef idx="0">
+            <a:schemeClr val="accent1"/>
+          </a:effectRef>
+          <a:fontRef idx="minor">
+            <a:schemeClr val="tx1"/>
+          </a:fontRef>
+        </p:style>
+      </p:cxnSp>
+      <p:cxnSp>
+        <p:nvCxnSpPr>
+          <p:cNvPr id="5" name="直線コネクタ 4">
+            <a:extLst>
+              <a:ext uri="{FF2B5EF4-FFF2-40B4-BE49-F238E27FC236}">
+                <a16:creationId xmlns:a16="http://schemas.microsoft.com/office/drawing/2014/main" id="{433CA51B-00DD-4E24-406A-4E888A9C8487}"/>
+              </a:ext>
+            </a:extLst>
+          </p:cNvPr>
+          <p:cNvCxnSpPr>
+            <a:cxnSpLocks/>
+          </p:cNvCxnSpPr>
+          <p:nvPr/>
+        </p:nvCxnSpPr>
+        <p:spPr>
+          <a:xfrm>
+            <a:off x="2123728" y="2780928"/>
+            <a:ext cx="0" cy="2160240"/>
+          </a:xfrm>
+          <a:prstGeom prst="line">
+            <a:avLst/>
+          </a:prstGeom>
+          <a:ln>
+            <a:solidFill>
+              <a:schemeClr val="tx1"/>
+            </a:solidFill>
+            <a:headEnd type="none" w="med" len="med"/>
+            <a:tailEnd type="none" w="med" len="med"/>
+          </a:ln>
+        </p:spPr>
+        <p:style>
+          <a:lnRef idx="1">
+            <a:schemeClr val="accent1"/>
+          </a:lnRef>
+          <a:fillRef idx="0">
+            <a:schemeClr val="accent1"/>
+          </a:fillRef>
+          <a:effectRef idx="0">
+            <a:schemeClr val="accent1"/>
+          </a:effectRef>
+          <a:fontRef idx="minor">
+            <a:schemeClr val="tx1"/>
+          </a:fontRef>
+        </p:style>
+      </p:cxnSp>
+      <p:cxnSp>
+        <p:nvCxnSpPr>
+          <p:cNvPr id="6" name="直線コネクタ 5">
+            <a:extLst>
+              <a:ext uri="{FF2B5EF4-FFF2-40B4-BE49-F238E27FC236}">
+                <a16:creationId xmlns:a16="http://schemas.microsoft.com/office/drawing/2014/main" id="{0BB0E3AD-304E-F489-41AA-2FA5B9A1078D}"/>
+              </a:ext>
+            </a:extLst>
+          </p:cNvPr>
+          <p:cNvCxnSpPr>
+            <a:cxnSpLocks/>
+          </p:cNvCxnSpPr>
+          <p:nvPr/>
+        </p:nvCxnSpPr>
+        <p:spPr>
+          <a:xfrm>
+            <a:off x="2843808" y="2780928"/>
+            <a:ext cx="0" cy="2160240"/>
+          </a:xfrm>
+          <a:prstGeom prst="line">
+            <a:avLst/>
+          </a:prstGeom>
+          <a:ln>
+            <a:solidFill>
+              <a:schemeClr val="tx1"/>
+            </a:solidFill>
+            <a:headEnd type="none" w="med" len="med"/>
+            <a:tailEnd type="none" w="med" len="med"/>
+          </a:ln>
+        </p:spPr>
+        <p:style>
+          <a:lnRef idx="1">
+            <a:schemeClr val="accent1"/>
+          </a:lnRef>
+          <a:fillRef idx="0">
+            <a:schemeClr val="accent1"/>
+          </a:fillRef>
+          <a:effectRef idx="0">
+            <a:schemeClr val="accent1"/>
+          </a:effectRef>
+          <a:fontRef idx="minor">
+            <a:schemeClr val="tx1"/>
+          </a:fontRef>
+        </p:style>
+      </p:cxnSp>
+      <p:cxnSp>
+        <p:nvCxnSpPr>
+          <p:cNvPr id="7" name="直線コネクタ 6">
+            <a:extLst>
+              <a:ext uri="{FF2B5EF4-FFF2-40B4-BE49-F238E27FC236}">
+                <a16:creationId xmlns:a16="http://schemas.microsoft.com/office/drawing/2014/main" id="{97E540E6-BD5C-D735-AB80-9BA93F1F08AF}"/>
+              </a:ext>
+            </a:extLst>
+          </p:cNvPr>
+          <p:cNvCxnSpPr>
+            <a:cxnSpLocks/>
+          </p:cNvCxnSpPr>
+          <p:nvPr/>
+        </p:nvCxnSpPr>
+        <p:spPr>
+          <a:xfrm>
+            <a:off x="683568" y="2780928"/>
+            <a:ext cx="2160240" cy="0"/>
+          </a:xfrm>
+          <a:prstGeom prst="line">
+            <a:avLst/>
+          </a:prstGeom>
+          <a:ln>
+            <a:solidFill>
+              <a:schemeClr val="tx1"/>
+            </a:solidFill>
+            <a:headEnd type="none" w="med" len="med"/>
+            <a:tailEnd type="none" w="med" len="med"/>
+          </a:ln>
+        </p:spPr>
+        <p:style>
+          <a:lnRef idx="1">
+            <a:schemeClr val="accent1"/>
+          </a:lnRef>
+          <a:fillRef idx="0">
+            <a:schemeClr val="accent1"/>
+          </a:fillRef>
+          <a:effectRef idx="0">
+            <a:schemeClr val="accent1"/>
+          </a:effectRef>
+          <a:fontRef idx="minor">
+            <a:schemeClr val="tx1"/>
+          </a:fontRef>
+        </p:style>
+      </p:cxnSp>
+      <p:cxnSp>
+        <p:nvCxnSpPr>
+          <p:cNvPr id="8" name="直線コネクタ 7">
+            <a:extLst>
+              <a:ext uri="{FF2B5EF4-FFF2-40B4-BE49-F238E27FC236}">
+                <a16:creationId xmlns:a16="http://schemas.microsoft.com/office/drawing/2014/main" id="{4DACC8EF-86E9-1B83-0008-2D431A0D0CDF}"/>
+              </a:ext>
+            </a:extLst>
+          </p:cNvPr>
+          <p:cNvCxnSpPr>
+            <a:cxnSpLocks/>
+          </p:cNvCxnSpPr>
+          <p:nvPr/>
+        </p:nvCxnSpPr>
+        <p:spPr>
+          <a:xfrm>
+            <a:off x="683568" y="3501008"/>
+            <a:ext cx="2160240" cy="0"/>
+          </a:xfrm>
+          <a:prstGeom prst="line">
+            <a:avLst/>
+          </a:prstGeom>
+          <a:ln>
+            <a:solidFill>
+              <a:schemeClr val="tx1"/>
+            </a:solidFill>
+            <a:headEnd type="none" w="med" len="med"/>
+            <a:tailEnd type="none" w="med" len="med"/>
+          </a:ln>
+        </p:spPr>
+        <p:style>
+          <a:lnRef idx="1">
+            <a:schemeClr val="accent1"/>
+          </a:lnRef>
+          <a:fillRef idx="0">
+            <a:schemeClr val="accent1"/>
+          </a:fillRef>
+          <a:effectRef idx="0">
+            <a:schemeClr val="accent1"/>
+          </a:effectRef>
+          <a:fontRef idx="minor">
+            <a:schemeClr val="tx1"/>
+          </a:fontRef>
+        </p:style>
+      </p:cxnSp>
+      <p:cxnSp>
+        <p:nvCxnSpPr>
+          <p:cNvPr id="9" name="直線コネクタ 8">
+            <a:extLst>
+              <a:ext uri="{FF2B5EF4-FFF2-40B4-BE49-F238E27FC236}">
+                <a16:creationId xmlns:a16="http://schemas.microsoft.com/office/drawing/2014/main" id="{E881414A-0CDC-D372-9574-6CFFB878DD83}"/>
+              </a:ext>
+            </a:extLst>
+          </p:cNvPr>
+          <p:cNvCxnSpPr>
+            <a:cxnSpLocks/>
+          </p:cNvCxnSpPr>
+          <p:nvPr/>
+        </p:nvCxnSpPr>
+        <p:spPr>
+          <a:xfrm>
+            <a:off x="683568" y="4221088"/>
+            <a:ext cx="2160240" cy="0"/>
+          </a:xfrm>
+          <a:prstGeom prst="line">
+            <a:avLst/>
+          </a:prstGeom>
+          <a:ln>
+            <a:solidFill>
+              <a:schemeClr val="tx1"/>
+            </a:solidFill>
+            <a:headEnd type="none" w="med" len="med"/>
+            <a:tailEnd type="none" w="med" len="med"/>
+          </a:ln>
+        </p:spPr>
+        <p:style>
+          <a:lnRef idx="1">
+            <a:schemeClr val="accent1"/>
+          </a:lnRef>
+          <a:fillRef idx="0">
+            <a:schemeClr val="accent1"/>
+          </a:fillRef>
+          <a:effectRef idx="0">
+            <a:schemeClr val="accent1"/>
+          </a:effectRef>
+          <a:fontRef idx="minor">
+            <a:schemeClr val="tx1"/>
+          </a:fontRef>
+        </p:style>
+      </p:cxnSp>
+      <p:cxnSp>
+        <p:nvCxnSpPr>
+          <p:cNvPr id="10" name="直線コネクタ 9">
+            <a:extLst>
+              <a:ext uri="{FF2B5EF4-FFF2-40B4-BE49-F238E27FC236}">
+                <a16:creationId xmlns:a16="http://schemas.microsoft.com/office/drawing/2014/main" id="{B99D39CD-C459-AE32-5EC6-1244D11A9F10}"/>
+              </a:ext>
+            </a:extLst>
+          </p:cNvPr>
+          <p:cNvCxnSpPr>
+            <a:cxnSpLocks/>
+          </p:cNvCxnSpPr>
+          <p:nvPr/>
+        </p:nvCxnSpPr>
+        <p:spPr>
+          <a:xfrm>
+            <a:off x="683568" y="4941168"/>
+            <a:ext cx="2160240" cy="0"/>
+          </a:xfrm>
+          <a:prstGeom prst="line">
+            <a:avLst/>
+          </a:prstGeom>
+          <a:ln>
+            <a:solidFill>
+              <a:schemeClr val="tx1"/>
+            </a:solidFill>
+            <a:headEnd type="none" w="med" len="med"/>
+            <a:tailEnd type="none" w="med" len="med"/>
+          </a:ln>
+        </p:spPr>
+        <p:style>
+          <a:lnRef idx="1">
+            <a:schemeClr val="accent1"/>
+          </a:lnRef>
+          <a:fillRef idx="0">
+            <a:schemeClr val="accent1"/>
+          </a:fillRef>
+          <a:effectRef idx="0">
+            <a:schemeClr val="accent1"/>
+          </a:effectRef>
+          <a:fontRef idx="minor">
+            <a:schemeClr val="tx1"/>
+          </a:fontRef>
+        </p:style>
+      </p:cxnSp>
+      <p:sp>
+        <p:nvSpPr>
+          <p:cNvPr id="11" name="楕円 10">
+            <a:extLst>
+              <a:ext uri="{FF2B5EF4-FFF2-40B4-BE49-F238E27FC236}">
+                <a16:creationId xmlns:a16="http://schemas.microsoft.com/office/drawing/2014/main" id="{47B88BE2-E0CF-6CE8-EFB4-4849698EAFD5}"/>
+              </a:ext>
+            </a:extLst>
+          </p:cNvPr>
+          <p:cNvSpPr/>
+          <p:nvPr/>
+        </p:nvSpPr>
+        <p:spPr>
+          <a:xfrm>
+            <a:off x="683568" y="2780928"/>
+            <a:ext cx="720080" cy="720080"/>
+          </a:xfrm>
+          <a:prstGeom prst="ellipse">
+            <a:avLst/>
+          </a:prstGeom>
+          <a:solidFill>
+            <a:srgbClr val="011893"/>
+          </a:solidFill>
+          <a:ln>
+            <a:solidFill>
+              <a:schemeClr val="tx1"/>
+            </a:solidFill>
+          </a:ln>
+        </p:spPr>
+        <p:style>
+          <a:lnRef idx="2">
+            <a:schemeClr val="accent1">
+              <a:shade val="50000"/>
+            </a:schemeClr>
+          </a:lnRef>
+          <a:fillRef idx="1">
+            <a:schemeClr val="accent1"/>
+          </a:fillRef>
+          <a:effectRef idx="0">
+            <a:schemeClr val="accent1"/>
+          </a:effectRef>
+          <a:fontRef idx="minor">
+            <a:schemeClr val="lt1"/>
+          </a:fontRef>
+        </p:style>
+        <p:txBody>
+          <a:bodyPr rtlCol="0" anchor="ctr"/>
+          <a:lstStyle/>
+          <a:p>
+            <a:pPr algn="ctr"/>
+            <a:endParaRPr kumimoji="1" lang="ja-JP" altLang="en-US"/>
+          </a:p>
+        </p:txBody>
+      </p:sp>
+      <p:sp>
+        <p:nvSpPr>
+          <p:cNvPr id="12" name="楕円 11">
+            <a:extLst>
+              <a:ext uri="{FF2B5EF4-FFF2-40B4-BE49-F238E27FC236}">
+                <a16:creationId xmlns:a16="http://schemas.microsoft.com/office/drawing/2014/main" id="{A5DCF79D-1FD8-7CEE-7624-DB025F73129D}"/>
+              </a:ext>
+            </a:extLst>
+          </p:cNvPr>
+          <p:cNvSpPr/>
+          <p:nvPr/>
+        </p:nvSpPr>
+        <p:spPr>
+          <a:xfrm>
+            <a:off x="1403648" y="2780928"/>
+            <a:ext cx="720080" cy="720080"/>
+          </a:xfrm>
+          <a:prstGeom prst="ellipse">
+            <a:avLst/>
+          </a:prstGeom>
+          <a:solidFill>
+            <a:srgbClr val="011893"/>
+          </a:solidFill>
+          <a:ln>
+            <a:solidFill>
+              <a:schemeClr val="tx1"/>
+            </a:solidFill>
+          </a:ln>
+        </p:spPr>
+        <p:style>
+          <a:lnRef idx="2">
+            <a:schemeClr val="accent1">
+              <a:shade val="50000"/>
+            </a:schemeClr>
+          </a:lnRef>
+          <a:fillRef idx="1">
+            <a:schemeClr val="accent1"/>
+          </a:fillRef>
+          <a:effectRef idx="0">
+            <a:schemeClr val="accent1"/>
+          </a:effectRef>
+          <a:fontRef idx="minor">
+            <a:schemeClr val="lt1"/>
+          </a:fontRef>
+        </p:style>
+        <p:txBody>
+          <a:bodyPr rtlCol="0" anchor="ctr"/>
+          <a:lstStyle/>
+          <a:p>
+            <a:pPr algn="ctr"/>
+            <a:endParaRPr kumimoji="1" lang="ja-JP" altLang="en-US"/>
+          </a:p>
+        </p:txBody>
+      </p:sp>
+      <p:cxnSp>
+        <p:nvCxnSpPr>
+          <p:cNvPr id="13" name="直線コネクタ 12">
+            <a:extLst>
+              <a:ext uri="{FF2B5EF4-FFF2-40B4-BE49-F238E27FC236}">
+                <a16:creationId xmlns:a16="http://schemas.microsoft.com/office/drawing/2014/main" id="{72029D72-6968-52A1-8688-F9751BCCB3E5}"/>
+              </a:ext>
+            </a:extLst>
+          </p:cNvPr>
+          <p:cNvCxnSpPr>
+            <a:cxnSpLocks/>
+          </p:cNvCxnSpPr>
+          <p:nvPr/>
+        </p:nvCxnSpPr>
+        <p:spPr>
+          <a:xfrm>
+            <a:off x="3563888" y="2780928"/>
+            <a:ext cx="0" cy="2160240"/>
+          </a:xfrm>
+          <a:prstGeom prst="line">
+            <a:avLst/>
+          </a:prstGeom>
+          <a:ln>
+            <a:solidFill>
+              <a:schemeClr val="tx1"/>
+            </a:solidFill>
+            <a:headEnd type="none" w="med" len="med"/>
+            <a:tailEnd type="none" w="med" len="med"/>
+          </a:ln>
+        </p:spPr>
+        <p:style>
+          <a:lnRef idx="1">
+            <a:schemeClr val="accent1"/>
+          </a:lnRef>
+          <a:fillRef idx="0">
+            <a:schemeClr val="accent1"/>
+          </a:fillRef>
+          <a:effectRef idx="0">
+            <a:schemeClr val="accent1"/>
+          </a:effectRef>
+          <a:fontRef idx="minor">
+            <a:schemeClr val="tx1"/>
+          </a:fontRef>
+        </p:style>
+      </p:cxnSp>
+      <p:cxnSp>
+        <p:nvCxnSpPr>
+          <p:cNvPr id="14" name="直線コネクタ 13">
+            <a:extLst>
+              <a:ext uri="{FF2B5EF4-FFF2-40B4-BE49-F238E27FC236}">
+                <a16:creationId xmlns:a16="http://schemas.microsoft.com/office/drawing/2014/main" id="{3C16F1F4-6796-20B3-490F-6FEF83723F6F}"/>
+              </a:ext>
+            </a:extLst>
+          </p:cNvPr>
+          <p:cNvCxnSpPr>
+            <a:cxnSpLocks/>
+          </p:cNvCxnSpPr>
+          <p:nvPr/>
+        </p:nvCxnSpPr>
+        <p:spPr>
+          <a:xfrm>
+            <a:off x="4283968" y="2780928"/>
+            <a:ext cx="0" cy="2160240"/>
+          </a:xfrm>
+          <a:prstGeom prst="line">
+            <a:avLst/>
+          </a:prstGeom>
+          <a:ln>
+            <a:solidFill>
+              <a:schemeClr val="tx1"/>
+            </a:solidFill>
+            <a:headEnd type="none" w="med" len="med"/>
+            <a:tailEnd type="none" w="med" len="med"/>
+          </a:ln>
+        </p:spPr>
+        <p:style>
+          <a:lnRef idx="1">
+            <a:schemeClr val="accent1"/>
+          </a:lnRef>
+          <a:fillRef idx="0">
+            <a:schemeClr val="accent1"/>
+          </a:fillRef>
+          <a:effectRef idx="0">
+            <a:schemeClr val="accent1"/>
+          </a:effectRef>
+          <a:fontRef idx="minor">
+            <a:schemeClr val="tx1"/>
+          </a:fontRef>
+        </p:style>
+      </p:cxnSp>
+      <p:cxnSp>
+        <p:nvCxnSpPr>
+          <p:cNvPr id="15" name="直線コネクタ 14">
+            <a:extLst>
+              <a:ext uri="{FF2B5EF4-FFF2-40B4-BE49-F238E27FC236}">
+                <a16:creationId xmlns:a16="http://schemas.microsoft.com/office/drawing/2014/main" id="{FED70CB7-38C1-A0B6-C9CC-87A530F6D0BB}"/>
+              </a:ext>
+            </a:extLst>
+          </p:cNvPr>
+          <p:cNvCxnSpPr>
+            <a:cxnSpLocks/>
+          </p:cNvCxnSpPr>
+          <p:nvPr/>
+        </p:nvCxnSpPr>
+        <p:spPr>
+          <a:xfrm>
+            <a:off x="5004048" y="2780928"/>
+            <a:ext cx="0" cy="2160240"/>
+          </a:xfrm>
+          <a:prstGeom prst="line">
+            <a:avLst/>
+          </a:prstGeom>
+          <a:ln>
+            <a:solidFill>
+              <a:schemeClr val="tx1"/>
+            </a:solidFill>
+            <a:headEnd type="none" w="med" len="med"/>
+            <a:tailEnd type="none" w="med" len="med"/>
+          </a:ln>
+        </p:spPr>
+        <p:style>
+          <a:lnRef idx="1">
+            <a:schemeClr val="accent1"/>
+          </a:lnRef>
+          <a:fillRef idx="0">
+            <a:schemeClr val="accent1"/>
+          </a:fillRef>
+          <a:effectRef idx="0">
+            <a:schemeClr val="accent1"/>
+          </a:effectRef>
+          <a:fontRef idx="minor">
+            <a:schemeClr val="tx1"/>
+          </a:fontRef>
+        </p:style>
+      </p:cxnSp>
+      <p:cxnSp>
+        <p:nvCxnSpPr>
+          <p:cNvPr id="16" name="直線コネクタ 15">
+            <a:extLst>
+              <a:ext uri="{FF2B5EF4-FFF2-40B4-BE49-F238E27FC236}">
+                <a16:creationId xmlns:a16="http://schemas.microsoft.com/office/drawing/2014/main" id="{B2AAB939-FC47-CA1C-0AEA-4986BC2F634D}"/>
+              </a:ext>
+            </a:extLst>
+          </p:cNvPr>
+          <p:cNvCxnSpPr>
+            <a:cxnSpLocks/>
+          </p:cNvCxnSpPr>
+          <p:nvPr/>
+        </p:nvCxnSpPr>
+        <p:spPr>
+          <a:xfrm>
+            <a:off x="5724128" y="2780928"/>
+            <a:ext cx="0" cy="2160240"/>
+          </a:xfrm>
+          <a:prstGeom prst="line">
+            <a:avLst/>
+          </a:prstGeom>
+          <a:ln>
+            <a:solidFill>
+              <a:schemeClr val="tx1"/>
+            </a:solidFill>
+            <a:headEnd type="none" w="med" len="med"/>
+            <a:tailEnd type="none" w="med" len="med"/>
+          </a:ln>
+        </p:spPr>
+        <p:style>
+          <a:lnRef idx="1">
+            <a:schemeClr val="accent1"/>
+          </a:lnRef>
+          <a:fillRef idx="0">
+            <a:schemeClr val="accent1"/>
+          </a:fillRef>
+          <a:effectRef idx="0">
+            <a:schemeClr val="accent1"/>
+          </a:effectRef>
+          <a:fontRef idx="minor">
+            <a:schemeClr val="tx1"/>
+          </a:fontRef>
+        </p:style>
+      </p:cxnSp>
+      <p:cxnSp>
+        <p:nvCxnSpPr>
+          <p:cNvPr id="17" name="直線コネクタ 16">
+            <a:extLst>
+              <a:ext uri="{FF2B5EF4-FFF2-40B4-BE49-F238E27FC236}">
+                <a16:creationId xmlns:a16="http://schemas.microsoft.com/office/drawing/2014/main" id="{95D3D0E1-830E-9726-F318-3345C42C9D0E}"/>
+              </a:ext>
+            </a:extLst>
+          </p:cNvPr>
+          <p:cNvCxnSpPr>
+            <a:cxnSpLocks/>
+          </p:cNvCxnSpPr>
+          <p:nvPr/>
+        </p:nvCxnSpPr>
+        <p:spPr>
+          <a:xfrm>
+            <a:off x="3563888" y="2780928"/>
+            <a:ext cx="2160240" cy="0"/>
+          </a:xfrm>
+          <a:prstGeom prst="line">
+            <a:avLst/>
+          </a:prstGeom>
+          <a:ln>
+            <a:solidFill>
+              <a:schemeClr val="tx1"/>
+            </a:solidFill>
+            <a:headEnd type="none" w="med" len="med"/>
+            <a:tailEnd type="none" w="med" len="med"/>
+          </a:ln>
+        </p:spPr>
+        <p:style>
+          <a:lnRef idx="1">
+            <a:schemeClr val="accent1"/>
+          </a:lnRef>
+          <a:fillRef idx="0">
+            <a:schemeClr val="accent1"/>
+          </a:fillRef>
+          <a:effectRef idx="0">
+            <a:schemeClr val="accent1"/>
+          </a:effectRef>
+          <a:fontRef idx="minor">
+            <a:schemeClr val="tx1"/>
+          </a:fontRef>
+        </p:style>
+      </p:cxnSp>
+      <p:cxnSp>
+        <p:nvCxnSpPr>
+          <p:cNvPr id="18" name="直線コネクタ 17">
+            <a:extLst>
+              <a:ext uri="{FF2B5EF4-FFF2-40B4-BE49-F238E27FC236}">
+                <a16:creationId xmlns:a16="http://schemas.microsoft.com/office/drawing/2014/main" id="{A89E6660-1BB8-3436-1310-23616780C141}"/>
+              </a:ext>
+            </a:extLst>
+          </p:cNvPr>
+          <p:cNvCxnSpPr>
+            <a:cxnSpLocks/>
+          </p:cNvCxnSpPr>
+          <p:nvPr/>
+        </p:nvCxnSpPr>
+        <p:spPr>
+          <a:xfrm>
+            <a:off x="3563888" y="3501008"/>
+            <a:ext cx="2160240" cy="0"/>
+          </a:xfrm>
+          <a:prstGeom prst="line">
+            <a:avLst/>
+          </a:prstGeom>
+          <a:ln>
+            <a:solidFill>
+              <a:schemeClr val="tx1"/>
+            </a:solidFill>
+            <a:headEnd type="none" w="med" len="med"/>
+            <a:tailEnd type="none" w="med" len="med"/>
+          </a:ln>
+        </p:spPr>
+        <p:style>
+          <a:lnRef idx="1">
+            <a:schemeClr val="accent1"/>
+          </a:lnRef>
+          <a:fillRef idx="0">
+            <a:schemeClr val="accent1"/>
+          </a:fillRef>
+          <a:effectRef idx="0">
+            <a:schemeClr val="accent1"/>
+          </a:effectRef>
+          <a:fontRef idx="minor">
+            <a:schemeClr val="tx1"/>
+          </a:fontRef>
+        </p:style>
+      </p:cxnSp>
+      <p:cxnSp>
+        <p:nvCxnSpPr>
+          <p:cNvPr id="19" name="直線コネクタ 18">
+            <a:extLst>
+              <a:ext uri="{FF2B5EF4-FFF2-40B4-BE49-F238E27FC236}">
+                <a16:creationId xmlns:a16="http://schemas.microsoft.com/office/drawing/2014/main" id="{7153D59E-86EA-DE06-1C5F-611106E88724}"/>
+              </a:ext>
+            </a:extLst>
+          </p:cNvPr>
+          <p:cNvCxnSpPr>
+            <a:cxnSpLocks/>
+          </p:cNvCxnSpPr>
+          <p:nvPr/>
+        </p:nvCxnSpPr>
+        <p:spPr>
+          <a:xfrm>
+            <a:off x="3563888" y="4221088"/>
+            <a:ext cx="2160240" cy="0"/>
+          </a:xfrm>
+          <a:prstGeom prst="line">
+            <a:avLst/>
+          </a:prstGeom>
+          <a:ln>
+            <a:solidFill>
+              <a:schemeClr val="tx1"/>
+            </a:solidFill>
+            <a:headEnd type="none" w="med" len="med"/>
+            <a:tailEnd type="none" w="med" len="med"/>
+          </a:ln>
+        </p:spPr>
+        <p:style>
+          <a:lnRef idx="1">
+            <a:schemeClr val="accent1"/>
+          </a:lnRef>
+          <a:fillRef idx="0">
+            <a:schemeClr val="accent1"/>
+          </a:fillRef>
+          <a:effectRef idx="0">
+            <a:schemeClr val="accent1"/>
+          </a:effectRef>
+          <a:fontRef idx="minor">
+            <a:schemeClr val="tx1"/>
+          </a:fontRef>
+        </p:style>
+      </p:cxnSp>
+      <p:cxnSp>
+        <p:nvCxnSpPr>
+          <p:cNvPr id="20" name="直線コネクタ 19">
+            <a:extLst>
+              <a:ext uri="{FF2B5EF4-FFF2-40B4-BE49-F238E27FC236}">
+                <a16:creationId xmlns:a16="http://schemas.microsoft.com/office/drawing/2014/main" id="{4726461F-151D-44CF-8A84-E2FB36DC221C}"/>
+              </a:ext>
+            </a:extLst>
+          </p:cNvPr>
+          <p:cNvCxnSpPr>
+            <a:cxnSpLocks/>
+          </p:cNvCxnSpPr>
+          <p:nvPr/>
+        </p:nvCxnSpPr>
+        <p:spPr>
+          <a:xfrm>
+            <a:off x="3563888" y="4941168"/>
+            <a:ext cx="2160240" cy="0"/>
+          </a:xfrm>
+          <a:prstGeom prst="line">
+            <a:avLst/>
+          </a:prstGeom>
+          <a:ln>
+            <a:solidFill>
+              <a:schemeClr val="tx1"/>
+            </a:solidFill>
+            <a:headEnd type="none" w="med" len="med"/>
+            <a:tailEnd type="none" w="med" len="med"/>
+          </a:ln>
+        </p:spPr>
+        <p:style>
+          <a:lnRef idx="1">
+            <a:schemeClr val="accent1"/>
+          </a:lnRef>
+          <a:fillRef idx="0">
+            <a:schemeClr val="accent1"/>
+          </a:fillRef>
+          <a:effectRef idx="0">
+            <a:schemeClr val="accent1"/>
+          </a:effectRef>
+          <a:fontRef idx="minor">
+            <a:schemeClr val="tx1"/>
+          </a:fontRef>
+        </p:style>
+      </p:cxnSp>
+      <p:sp>
+        <p:nvSpPr>
+          <p:cNvPr id="21" name="楕円 20">
+            <a:extLst>
+              <a:ext uri="{FF2B5EF4-FFF2-40B4-BE49-F238E27FC236}">
+                <a16:creationId xmlns:a16="http://schemas.microsoft.com/office/drawing/2014/main" id="{16B48D8E-D573-1E0D-F7B4-03516E320B18}"/>
+              </a:ext>
+            </a:extLst>
+          </p:cNvPr>
+          <p:cNvSpPr/>
+          <p:nvPr/>
+        </p:nvSpPr>
+        <p:spPr>
+          <a:xfrm>
+            <a:off x="3563888" y="2780928"/>
+            <a:ext cx="720080" cy="720080"/>
+          </a:xfrm>
+          <a:prstGeom prst="ellipse">
+            <a:avLst/>
+          </a:prstGeom>
+          <a:solidFill>
+            <a:srgbClr val="011893"/>
+          </a:solidFill>
+          <a:ln>
+            <a:solidFill>
+              <a:schemeClr val="tx1"/>
+            </a:solidFill>
+          </a:ln>
+        </p:spPr>
+        <p:style>
+          <a:lnRef idx="2">
+            <a:schemeClr val="accent1">
+              <a:shade val="50000"/>
+            </a:schemeClr>
+          </a:lnRef>
+          <a:fillRef idx="1">
+            <a:schemeClr val="accent1"/>
+          </a:fillRef>
+          <a:effectRef idx="0">
+            <a:schemeClr val="accent1"/>
+          </a:effectRef>
+          <a:fontRef idx="minor">
+            <a:schemeClr val="lt1"/>
+          </a:fontRef>
+        </p:style>
+        <p:txBody>
+          <a:bodyPr rtlCol="0" anchor="ctr"/>
+          <a:lstStyle/>
+          <a:p>
+            <a:pPr algn="ctr"/>
+            <a:endParaRPr kumimoji="1" lang="ja-JP" altLang="en-US"/>
+          </a:p>
+        </p:txBody>
+      </p:sp>
+      <p:sp>
+        <p:nvSpPr>
+          <p:cNvPr id="22" name="楕円 21">
+            <a:extLst>
+              <a:ext uri="{FF2B5EF4-FFF2-40B4-BE49-F238E27FC236}">
+                <a16:creationId xmlns:a16="http://schemas.microsoft.com/office/drawing/2014/main" id="{1094887C-EA0C-3584-50C8-7F7AA479F08C}"/>
+              </a:ext>
+            </a:extLst>
+          </p:cNvPr>
+          <p:cNvSpPr/>
+          <p:nvPr/>
+        </p:nvSpPr>
+        <p:spPr>
+          <a:xfrm>
+            <a:off x="4283968" y="2780928"/>
+            <a:ext cx="720080" cy="720080"/>
+          </a:xfrm>
+          <a:prstGeom prst="ellipse">
+            <a:avLst/>
+          </a:prstGeom>
+          <a:solidFill>
+            <a:srgbClr val="011893"/>
+          </a:solidFill>
+          <a:ln>
+            <a:solidFill>
+              <a:schemeClr val="tx1"/>
+            </a:solidFill>
+          </a:ln>
+        </p:spPr>
+        <p:style>
+          <a:lnRef idx="2">
+            <a:schemeClr val="accent1">
+              <a:shade val="50000"/>
+            </a:schemeClr>
+          </a:lnRef>
+          <a:fillRef idx="1">
+            <a:schemeClr val="accent1"/>
+          </a:fillRef>
+          <a:effectRef idx="0">
+            <a:schemeClr val="accent1"/>
+          </a:effectRef>
+          <a:fontRef idx="minor">
+            <a:schemeClr val="lt1"/>
+          </a:fontRef>
+        </p:style>
+        <p:txBody>
+          <a:bodyPr rtlCol="0" anchor="ctr"/>
+          <a:lstStyle/>
+          <a:p>
+            <a:pPr algn="ctr"/>
+            <a:endParaRPr kumimoji="1" lang="ja-JP" altLang="en-US"/>
+          </a:p>
+        </p:txBody>
+      </p:sp>
+      <p:sp>
+        <p:nvSpPr>
+          <p:cNvPr id="23" name="テキスト ボックス 22">
+            <a:extLst>
+              <a:ext uri="{FF2B5EF4-FFF2-40B4-BE49-F238E27FC236}">
+                <a16:creationId xmlns:a16="http://schemas.microsoft.com/office/drawing/2014/main" id="{0B6D9F10-6A45-3BAF-B31E-E4D1B8A65007}"/>
+              </a:ext>
+            </a:extLst>
+          </p:cNvPr>
+          <p:cNvSpPr txBox="1"/>
+          <p:nvPr/>
+        </p:nvSpPr>
+        <p:spPr>
+          <a:xfrm>
+            <a:off x="251520" y="5085184"/>
+            <a:ext cx="2492990" cy="646331"/>
+          </a:xfrm>
+          <a:prstGeom prst="rect">
+            <a:avLst/>
+          </a:prstGeom>
+          <a:noFill/>
+        </p:spPr>
+        <p:txBody>
+          <a:bodyPr wrap="none" rtlCol="0">
+            <a:spAutoFit/>
+          </a:bodyPr>
+          <a:lstStyle/>
+          <a:p>
+            <a:r>
+              <a:rPr kumimoji="1" lang="ja-JP" altLang="en-US"/>
+              <a:t>ひとつのセルに</a:t>
+            </a:r>
+            <a:endParaRPr kumimoji="1" lang="en-US" altLang="ja-JP"/>
+          </a:p>
+          <a:p>
+            <a:r>
+              <a:rPr kumimoji="1" lang="ja-JP" altLang="en-US"/>
+              <a:t>２つの原子は入れない</a:t>
+            </a:r>
+          </a:p>
+        </p:txBody>
+      </p:sp>
+      <p:sp>
+        <p:nvSpPr>
+          <p:cNvPr id="24" name="矢印: 下カーブ 23">
+            <a:extLst>
+              <a:ext uri="{FF2B5EF4-FFF2-40B4-BE49-F238E27FC236}">
+                <a16:creationId xmlns:a16="http://schemas.microsoft.com/office/drawing/2014/main" id="{A4F16FD6-2C22-BDCA-3079-0933C2FC6A64}"/>
+              </a:ext>
+            </a:extLst>
+          </p:cNvPr>
+          <p:cNvSpPr/>
+          <p:nvPr/>
+        </p:nvSpPr>
+        <p:spPr>
+          <a:xfrm>
+            <a:off x="1043608" y="2348880"/>
+            <a:ext cx="864096" cy="360040"/>
+          </a:xfrm>
+          <a:prstGeom prst="curvedDownArrow">
+            <a:avLst/>
+          </a:prstGeom>
+          <a:solidFill>
+            <a:srgbClr val="FF0000"/>
+          </a:solidFill>
+          <a:ln>
+            <a:solidFill>
+              <a:schemeClr val="tx1"/>
+            </a:solidFill>
+          </a:ln>
+        </p:spPr>
+        <p:style>
+          <a:lnRef idx="2">
+            <a:schemeClr val="accent1">
+              <a:shade val="50000"/>
+            </a:schemeClr>
+          </a:lnRef>
+          <a:fillRef idx="1">
+            <a:schemeClr val="accent1"/>
+          </a:fillRef>
+          <a:effectRef idx="0">
+            <a:schemeClr val="accent1"/>
+          </a:effectRef>
+          <a:fontRef idx="minor">
+            <a:schemeClr val="lt1"/>
+          </a:fontRef>
+        </p:style>
+        <p:txBody>
+          <a:bodyPr rtlCol="0" anchor="ctr"/>
+          <a:lstStyle/>
+          <a:p>
+            <a:pPr algn="ctr"/>
+            <a:endParaRPr kumimoji="1" lang="ja-JP" altLang="en-US">
+              <a:solidFill>
+                <a:schemeClr val="tx1"/>
+              </a:solidFill>
+            </a:endParaRPr>
+          </a:p>
+        </p:txBody>
+      </p:sp>
+      <p:sp>
+        <p:nvSpPr>
+          <p:cNvPr id="25" name="十字形 24">
+            <a:extLst>
+              <a:ext uri="{FF2B5EF4-FFF2-40B4-BE49-F238E27FC236}">
+                <a16:creationId xmlns:a16="http://schemas.microsoft.com/office/drawing/2014/main" id="{6540E328-8C98-D7BC-EF56-EF8DC9060116}"/>
+              </a:ext>
+            </a:extLst>
+          </p:cNvPr>
+          <p:cNvSpPr/>
+          <p:nvPr/>
+        </p:nvSpPr>
+        <p:spPr>
+          <a:xfrm rot="2700000">
+            <a:off x="1125411" y="2051053"/>
+            <a:ext cx="648072" cy="648072"/>
+          </a:xfrm>
+          <a:prstGeom prst="plus">
+            <a:avLst>
+              <a:gd name="adj" fmla="val 43813"/>
+            </a:avLst>
+          </a:prstGeom>
+          <a:solidFill>
+            <a:srgbClr val="FF0000"/>
+          </a:solidFill>
+          <a:ln>
+            <a:solidFill>
+              <a:schemeClr val="tx1"/>
+            </a:solidFill>
+          </a:ln>
+        </p:spPr>
+        <p:style>
+          <a:lnRef idx="2">
+            <a:schemeClr val="accent1">
+              <a:shade val="50000"/>
+            </a:schemeClr>
+          </a:lnRef>
+          <a:fillRef idx="1">
+            <a:schemeClr val="accent1"/>
+          </a:fillRef>
+          <a:effectRef idx="0">
+            <a:schemeClr val="accent1"/>
+          </a:effectRef>
+          <a:fontRef idx="minor">
+            <a:schemeClr val="lt1"/>
+          </a:fontRef>
+        </p:style>
+        <p:txBody>
+          <a:bodyPr rtlCol="0" anchor="ctr"/>
+          <a:lstStyle/>
+          <a:p>
+            <a:pPr algn="ctr"/>
+            <a:endParaRPr kumimoji="1" lang="ja-JP" altLang="en-US"/>
+          </a:p>
+        </p:txBody>
+      </p:sp>
+      <p:sp>
+        <p:nvSpPr>
+          <p:cNvPr id="26" name="テキスト ボックス 25">
+            <a:extLst>
+              <a:ext uri="{FF2B5EF4-FFF2-40B4-BE49-F238E27FC236}">
+                <a16:creationId xmlns:a16="http://schemas.microsoft.com/office/drawing/2014/main" id="{4762F8A3-BFE5-87B3-E19C-236488510018}"/>
+              </a:ext>
+            </a:extLst>
+          </p:cNvPr>
+          <p:cNvSpPr txBox="1"/>
+          <p:nvPr/>
+        </p:nvSpPr>
+        <p:spPr>
+          <a:xfrm>
+            <a:off x="683568" y="1556792"/>
+            <a:ext cx="2339102" cy="523220"/>
+          </a:xfrm>
+          <a:prstGeom prst="rect">
+            <a:avLst/>
+          </a:prstGeom>
+          <a:noFill/>
+        </p:spPr>
+        <p:txBody>
+          <a:bodyPr wrap="none" rtlCol="0">
+            <a:spAutoFit/>
+          </a:bodyPr>
+          <a:lstStyle/>
+          <a:p>
+            <a:r>
+              <a:rPr kumimoji="1" lang="ja-JP" altLang="en-US" sz="2800"/>
+              <a:t>近距離で斥力</a:t>
+            </a:r>
+          </a:p>
+        </p:txBody>
+      </p:sp>
+      <p:sp>
+        <p:nvSpPr>
+          <p:cNvPr id="27" name="テキスト ボックス 26">
+            <a:extLst>
+              <a:ext uri="{FF2B5EF4-FFF2-40B4-BE49-F238E27FC236}">
+                <a16:creationId xmlns:a16="http://schemas.microsoft.com/office/drawing/2014/main" id="{AAF6FBF3-A5F2-DC29-BB70-A550D5F337A1}"/>
+              </a:ext>
+            </a:extLst>
+          </p:cNvPr>
+          <p:cNvSpPr txBox="1"/>
+          <p:nvPr/>
+        </p:nvSpPr>
+        <p:spPr>
+          <a:xfrm>
+            <a:off x="3491880" y="1556792"/>
+            <a:ext cx="2339102" cy="523220"/>
+          </a:xfrm>
+          <a:prstGeom prst="rect">
+            <a:avLst/>
+          </a:prstGeom>
+          <a:noFill/>
+        </p:spPr>
+        <p:txBody>
+          <a:bodyPr wrap="none" rtlCol="0">
+            <a:spAutoFit/>
+          </a:bodyPr>
+          <a:lstStyle/>
+          <a:p>
+            <a:r>
+              <a:rPr lang="ja-JP" altLang="en-US" sz="2800"/>
+              <a:t>中</a:t>
+            </a:r>
+            <a:r>
+              <a:rPr kumimoji="1" lang="ja-JP" altLang="en-US" sz="2800"/>
+              <a:t>距離で引力</a:t>
+            </a:r>
+          </a:p>
+        </p:txBody>
+      </p:sp>
+      <p:cxnSp>
+        <p:nvCxnSpPr>
+          <p:cNvPr id="28" name="直線コネクタ 27">
+            <a:extLst>
+              <a:ext uri="{FF2B5EF4-FFF2-40B4-BE49-F238E27FC236}">
+                <a16:creationId xmlns:a16="http://schemas.microsoft.com/office/drawing/2014/main" id="{6514D02F-77B0-552D-9915-70F91E32704A}"/>
+              </a:ext>
+            </a:extLst>
+          </p:cNvPr>
+          <p:cNvCxnSpPr>
+            <a:cxnSpLocks/>
+          </p:cNvCxnSpPr>
+          <p:nvPr/>
+        </p:nvCxnSpPr>
+        <p:spPr>
+          <a:xfrm>
+            <a:off x="6444208" y="2780928"/>
+            <a:ext cx="0" cy="2160240"/>
+          </a:xfrm>
+          <a:prstGeom prst="line">
+            <a:avLst/>
+          </a:prstGeom>
+          <a:ln>
+            <a:solidFill>
+              <a:schemeClr val="tx1"/>
+            </a:solidFill>
+            <a:headEnd type="none" w="med" len="med"/>
+            <a:tailEnd type="none" w="med" len="med"/>
+          </a:ln>
+        </p:spPr>
+        <p:style>
+          <a:lnRef idx="1">
+            <a:schemeClr val="accent1"/>
+          </a:lnRef>
+          <a:fillRef idx="0">
+            <a:schemeClr val="accent1"/>
+          </a:fillRef>
+          <a:effectRef idx="0">
+            <a:schemeClr val="accent1"/>
+          </a:effectRef>
+          <a:fontRef idx="minor">
+            <a:schemeClr val="tx1"/>
+          </a:fontRef>
+        </p:style>
+      </p:cxnSp>
+      <p:cxnSp>
+        <p:nvCxnSpPr>
+          <p:cNvPr id="29" name="直線コネクタ 28">
+            <a:extLst>
+              <a:ext uri="{FF2B5EF4-FFF2-40B4-BE49-F238E27FC236}">
+                <a16:creationId xmlns:a16="http://schemas.microsoft.com/office/drawing/2014/main" id="{06DF0255-FC14-6E3A-54D8-C4038F86B5A9}"/>
+              </a:ext>
+            </a:extLst>
+          </p:cNvPr>
+          <p:cNvCxnSpPr>
+            <a:cxnSpLocks/>
+          </p:cNvCxnSpPr>
+          <p:nvPr/>
+        </p:nvCxnSpPr>
+        <p:spPr>
+          <a:xfrm>
+            <a:off x="7164288" y="2780928"/>
+            <a:ext cx="0" cy="2160240"/>
+          </a:xfrm>
+          <a:prstGeom prst="line">
+            <a:avLst/>
+          </a:prstGeom>
+          <a:ln>
+            <a:solidFill>
+              <a:schemeClr val="tx1"/>
+            </a:solidFill>
+            <a:headEnd type="none" w="med" len="med"/>
+            <a:tailEnd type="none" w="med" len="med"/>
+          </a:ln>
+        </p:spPr>
+        <p:style>
+          <a:lnRef idx="1">
+            <a:schemeClr val="accent1"/>
+          </a:lnRef>
+          <a:fillRef idx="0">
+            <a:schemeClr val="accent1"/>
+          </a:fillRef>
+          <a:effectRef idx="0">
+            <a:schemeClr val="accent1"/>
+          </a:effectRef>
+          <a:fontRef idx="minor">
+            <a:schemeClr val="tx1"/>
+          </a:fontRef>
+        </p:style>
+      </p:cxnSp>
+      <p:cxnSp>
+        <p:nvCxnSpPr>
+          <p:cNvPr id="30" name="直線コネクタ 29">
+            <a:extLst>
+              <a:ext uri="{FF2B5EF4-FFF2-40B4-BE49-F238E27FC236}">
+                <a16:creationId xmlns:a16="http://schemas.microsoft.com/office/drawing/2014/main" id="{97E4C051-B9A7-E8F9-4CAD-2289E9B07BC9}"/>
+              </a:ext>
+            </a:extLst>
+          </p:cNvPr>
+          <p:cNvCxnSpPr>
+            <a:cxnSpLocks/>
+          </p:cNvCxnSpPr>
+          <p:nvPr/>
+        </p:nvCxnSpPr>
+        <p:spPr>
+          <a:xfrm>
+            <a:off x="7884368" y="2780928"/>
+            <a:ext cx="0" cy="2160240"/>
+          </a:xfrm>
+          <a:prstGeom prst="line">
+            <a:avLst/>
+          </a:prstGeom>
+          <a:ln>
+            <a:solidFill>
+              <a:schemeClr val="tx1"/>
+            </a:solidFill>
+            <a:headEnd type="none" w="med" len="med"/>
+            <a:tailEnd type="none" w="med" len="med"/>
+          </a:ln>
+        </p:spPr>
+        <p:style>
+          <a:lnRef idx="1">
+            <a:schemeClr val="accent1"/>
+          </a:lnRef>
+          <a:fillRef idx="0">
+            <a:schemeClr val="accent1"/>
+          </a:fillRef>
+          <a:effectRef idx="0">
+            <a:schemeClr val="accent1"/>
+          </a:effectRef>
+          <a:fontRef idx="minor">
+            <a:schemeClr val="tx1"/>
+          </a:fontRef>
+        </p:style>
+      </p:cxnSp>
+      <p:cxnSp>
+        <p:nvCxnSpPr>
+          <p:cNvPr id="31" name="直線コネクタ 30">
+            <a:extLst>
+              <a:ext uri="{FF2B5EF4-FFF2-40B4-BE49-F238E27FC236}">
+                <a16:creationId xmlns:a16="http://schemas.microsoft.com/office/drawing/2014/main" id="{4B5BD739-46C1-4E50-E35E-1756ED4E6EE5}"/>
+              </a:ext>
+            </a:extLst>
+          </p:cNvPr>
+          <p:cNvCxnSpPr>
+            <a:cxnSpLocks/>
+          </p:cNvCxnSpPr>
+          <p:nvPr/>
+        </p:nvCxnSpPr>
+        <p:spPr>
+          <a:xfrm>
+            <a:off x="8604448" y="2780928"/>
+            <a:ext cx="0" cy="2160240"/>
+          </a:xfrm>
+          <a:prstGeom prst="line">
+            <a:avLst/>
+          </a:prstGeom>
+          <a:ln>
+            <a:solidFill>
+              <a:schemeClr val="tx1"/>
+            </a:solidFill>
+            <a:headEnd type="none" w="med" len="med"/>
+            <a:tailEnd type="none" w="med" len="med"/>
+          </a:ln>
+        </p:spPr>
+        <p:style>
+          <a:lnRef idx="1">
+            <a:schemeClr val="accent1"/>
+          </a:lnRef>
+          <a:fillRef idx="0">
+            <a:schemeClr val="accent1"/>
+          </a:fillRef>
+          <a:effectRef idx="0">
+            <a:schemeClr val="accent1"/>
+          </a:effectRef>
+          <a:fontRef idx="minor">
+            <a:schemeClr val="tx1"/>
+          </a:fontRef>
+        </p:style>
+      </p:cxnSp>
+      <p:cxnSp>
+        <p:nvCxnSpPr>
+          <p:cNvPr id="32" name="直線コネクタ 31">
+            <a:extLst>
+              <a:ext uri="{FF2B5EF4-FFF2-40B4-BE49-F238E27FC236}">
+                <a16:creationId xmlns:a16="http://schemas.microsoft.com/office/drawing/2014/main" id="{6A4ED9DA-7918-6EDA-88E5-9DF1EACC0A5C}"/>
+              </a:ext>
+            </a:extLst>
+          </p:cNvPr>
+          <p:cNvCxnSpPr>
+            <a:cxnSpLocks/>
+          </p:cNvCxnSpPr>
+          <p:nvPr/>
+        </p:nvCxnSpPr>
+        <p:spPr>
+          <a:xfrm>
+            <a:off x="6444208" y="2780928"/>
+            <a:ext cx="2160240" cy="0"/>
+          </a:xfrm>
+          <a:prstGeom prst="line">
+            <a:avLst/>
+          </a:prstGeom>
+          <a:ln>
+            <a:solidFill>
+              <a:schemeClr val="tx1"/>
+            </a:solidFill>
+            <a:headEnd type="none" w="med" len="med"/>
+            <a:tailEnd type="none" w="med" len="med"/>
+          </a:ln>
+        </p:spPr>
+        <p:style>
+          <a:lnRef idx="1">
+            <a:schemeClr val="accent1"/>
+          </a:lnRef>
+          <a:fillRef idx="0">
+            <a:schemeClr val="accent1"/>
+          </a:fillRef>
+          <a:effectRef idx="0">
+            <a:schemeClr val="accent1"/>
+          </a:effectRef>
+          <a:fontRef idx="minor">
+            <a:schemeClr val="tx1"/>
+          </a:fontRef>
+        </p:style>
+      </p:cxnSp>
+      <p:cxnSp>
+        <p:nvCxnSpPr>
+          <p:cNvPr id="33" name="直線コネクタ 32">
+            <a:extLst>
+              <a:ext uri="{FF2B5EF4-FFF2-40B4-BE49-F238E27FC236}">
+                <a16:creationId xmlns:a16="http://schemas.microsoft.com/office/drawing/2014/main" id="{491C444E-4514-E5F6-F456-B556197BAFA5}"/>
+              </a:ext>
+            </a:extLst>
+          </p:cNvPr>
+          <p:cNvCxnSpPr>
+            <a:cxnSpLocks/>
+          </p:cNvCxnSpPr>
+          <p:nvPr/>
+        </p:nvCxnSpPr>
+        <p:spPr>
+          <a:xfrm>
+            <a:off x="6444208" y="3501008"/>
+            <a:ext cx="2160240" cy="0"/>
+          </a:xfrm>
+          <a:prstGeom prst="line">
+            <a:avLst/>
+          </a:prstGeom>
+          <a:ln>
+            <a:solidFill>
+              <a:schemeClr val="tx1"/>
+            </a:solidFill>
+            <a:headEnd type="none" w="med" len="med"/>
+            <a:tailEnd type="none" w="med" len="med"/>
+          </a:ln>
+        </p:spPr>
+        <p:style>
+          <a:lnRef idx="1">
+            <a:schemeClr val="accent1"/>
+          </a:lnRef>
+          <a:fillRef idx="0">
+            <a:schemeClr val="accent1"/>
+          </a:fillRef>
+          <a:effectRef idx="0">
+            <a:schemeClr val="accent1"/>
+          </a:effectRef>
+          <a:fontRef idx="minor">
+            <a:schemeClr val="tx1"/>
+          </a:fontRef>
+        </p:style>
+      </p:cxnSp>
+      <p:cxnSp>
+        <p:nvCxnSpPr>
+          <p:cNvPr id="34" name="直線コネクタ 33">
+            <a:extLst>
+              <a:ext uri="{FF2B5EF4-FFF2-40B4-BE49-F238E27FC236}">
+                <a16:creationId xmlns:a16="http://schemas.microsoft.com/office/drawing/2014/main" id="{CD37BC0B-7BF3-3978-9B21-0F18B6B1E131}"/>
+              </a:ext>
+            </a:extLst>
+          </p:cNvPr>
+          <p:cNvCxnSpPr>
+            <a:cxnSpLocks/>
+          </p:cNvCxnSpPr>
+          <p:nvPr/>
+        </p:nvCxnSpPr>
+        <p:spPr>
+          <a:xfrm>
+            <a:off x="6444208" y="4221088"/>
+            <a:ext cx="2160240" cy="0"/>
+          </a:xfrm>
+          <a:prstGeom prst="line">
+            <a:avLst/>
+          </a:prstGeom>
+          <a:ln>
+            <a:solidFill>
+              <a:schemeClr val="tx1"/>
+            </a:solidFill>
+            <a:headEnd type="none" w="med" len="med"/>
+            <a:tailEnd type="none" w="med" len="med"/>
+          </a:ln>
+        </p:spPr>
+        <p:style>
+          <a:lnRef idx="1">
+            <a:schemeClr val="accent1"/>
+          </a:lnRef>
+          <a:fillRef idx="0">
+            <a:schemeClr val="accent1"/>
+          </a:fillRef>
+          <a:effectRef idx="0">
+            <a:schemeClr val="accent1"/>
+          </a:effectRef>
+          <a:fontRef idx="minor">
+            <a:schemeClr val="tx1"/>
+          </a:fontRef>
+        </p:style>
+      </p:cxnSp>
+      <p:cxnSp>
+        <p:nvCxnSpPr>
+          <p:cNvPr id="35" name="直線コネクタ 34">
+            <a:extLst>
+              <a:ext uri="{FF2B5EF4-FFF2-40B4-BE49-F238E27FC236}">
+                <a16:creationId xmlns:a16="http://schemas.microsoft.com/office/drawing/2014/main" id="{D814C608-BE1C-B2D9-2222-F8C12B383AA3}"/>
+              </a:ext>
+            </a:extLst>
+          </p:cNvPr>
+          <p:cNvCxnSpPr>
+            <a:cxnSpLocks/>
+          </p:cNvCxnSpPr>
+          <p:nvPr/>
+        </p:nvCxnSpPr>
+        <p:spPr>
+          <a:xfrm>
+            <a:off x="6444208" y="4941168"/>
+            <a:ext cx="2160240" cy="0"/>
+          </a:xfrm>
+          <a:prstGeom prst="line">
+            <a:avLst/>
+          </a:prstGeom>
+          <a:ln>
+            <a:solidFill>
+              <a:schemeClr val="tx1"/>
+            </a:solidFill>
+            <a:headEnd type="none" w="med" len="med"/>
+            <a:tailEnd type="none" w="med" len="med"/>
+          </a:ln>
+        </p:spPr>
+        <p:style>
+          <a:lnRef idx="1">
+            <a:schemeClr val="accent1"/>
+          </a:lnRef>
+          <a:fillRef idx="0">
+            <a:schemeClr val="accent1"/>
+          </a:fillRef>
+          <a:effectRef idx="0">
+            <a:schemeClr val="accent1"/>
+          </a:effectRef>
+          <a:fontRef idx="minor">
+            <a:schemeClr val="tx1"/>
+          </a:fontRef>
+        </p:style>
+      </p:cxnSp>
+      <p:sp>
+        <p:nvSpPr>
+          <p:cNvPr id="36" name="楕円 35">
+            <a:extLst>
+              <a:ext uri="{FF2B5EF4-FFF2-40B4-BE49-F238E27FC236}">
+                <a16:creationId xmlns:a16="http://schemas.microsoft.com/office/drawing/2014/main" id="{ED6618FE-AFA6-65BB-07B3-782CF4EDC93C}"/>
+              </a:ext>
+            </a:extLst>
+          </p:cNvPr>
+          <p:cNvSpPr/>
+          <p:nvPr/>
+        </p:nvSpPr>
+        <p:spPr>
+          <a:xfrm>
+            <a:off x="6444208" y="2780928"/>
+            <a:ext cx="720080" cy="720080"/>
+          </a:xfrm>
+          <a:prstGeom prst="ellipse">
+            <a:avLst/>
+          </a:prstGeom>
+          <a:solidFill>
+            <a:srgbClr val="011893"/>
+          </a:solidFill>
+          <a:ln>
+            <a:solidFill>
+              <a:schemeClr val="tx1"/>
+            </a:solidFill>
+          </a:ln>
+        </p:spPr>
+        <p:style>
+          <a:lnRef idx="2">
+            <a:schemeClr val="accent1">
+              <a:shade val="50000"/>
+            </a:schemeClr>
+          </a:lnRef>
+          <a:fillRef idx="1">
+            <a:schemeClr val="accent1"/>
+          </a:fillRef>
+          <a:effectRef idx="0">
+            <a:schemeClr val="accent1"/>
+          </a:effectRef>
+          <a:fontRef idx="minor">
+            <a:schemeClr val="lt1"/>
+          </a:fontRef>
+        </p:style>
+        <p:txBody>
+          <a:bodyPr rtlCol="0" anchor="ctr"/>
+          <a:lstStyle/>
+          <a:p>
+            <a:pPr algn="ctr"/>
+            <a:endParaRPr kumimoji="1" lang="ja-JP" altLang="en-US"/>
+          </a:p>
+        </p:txBody>
+      </p:sp>
+      <p:sp>
+        <p:nvSpPr>
+          <p:cNvPr id="37" name="楕円 36">
+            <a:extLst>
+              <a:ext uri="{FF2B5EF4-FFF2-40B4-BE49-F238E27FC236}">
+                <a16:creationId xmlns:a16="http://schemas.microsoft.com/office/drawing/2014/main" id="{7C3AA4A7-F58D-8BB0-B241-E5465BA110DD}"/>
+              </a:ext>
+            </a:extLst>
+          </p:cNvPr>
+          <p:cNvSpPr/>
+          <p:nvPr/>
+        </p:nvSpPr>
+        <p:spPr>
+          <a:xfrm>
+            <a:off x="7884368" y="3501008"/>
+            <a:ext cx="720080" cy="720080"/>
+          </a:xfrm>
+          <a:prstGeom prst="ellipse">
+            <a:avLst/>
+          </a:prstGeom>
+          <a:solidFill>
+            <a:srgbClr val="011893"/>
+          </a:solidFill>
+          <a:ln>
+            <a:solidFill>
+              <a:schemeClr val="tx1"/>
+            </a:solidFill>
+          </a:ln>
+        </p:spPr>
+        <p:style>
+          <a:lnRef idx="2">
+            <a:schemeClr val="accent1">
+              <a:shade val="50000"/>
+            </a:schemeClr>
+          </a:lnRef>
+          <a:fillRef idx="1">
+            <a:schemeClr val="accent1"/>
+          </a:fillRef>
+          <a:effectRef idx="0">
+            <a:schemeClr val="accent1"/>
+          </a:effectRef>
+          <a:fontRef idx="minor">
+            <a:schemeClr val="lt1"/>
+          </a:fontRef>
+        </p:style>
+        <p:txBody>
+          <a:bodyPr rtlCol="0" anchor="ctr"/>
+          <a:lstStyle/>
+          <a:p>
+            <a:pPr algn="ctr"/>
+            <a:endParaRPr kumimoji="1" lang="ja-JP" altLang="en-US"/>
+          </a:p>
+        </p:txBody>
+      </p:sp>
+      <p:sp>
+        <p:nvSpPr>
+          <p:cNvPr id="38" name="テキスト ボックス 37">
+            <a:extLst>
+              <a:ext uri="{FF2B5EF4-FFF2-40B4-BE49-F238E27FC236}">
+                <a16:creationId xmlns:a16="http://schemas.microsoft.com/office/drawing/2014/main" id="{01568B25-3294-7495-8773-8F7BF302AEB1}"/>
+              </a:ext>
+            </a:extLst>
+          </p:cNvPr>
+          <p:cNvSpPr txBox="1"/>
+          <p:nvPr/>
+        </p:nvSpPr>
+        <p:spPr>
+          <a:xfrm>
+            <a:off x="6372200" y="1556792"/>
+            <a:ext cx="2339102" cy="954107"/>
+          </a:xfrm>
+          <a:prstGeom prst="rect">
+            <a:avLst/>
+          </a:prstGeom>
+          <a:noFill/>
+        </p:spPr>
+        <p:txBody>
+          <a:bodyPr wrap="none" rtlCol="0">
+            <a:spAutoFit/>
+          </a:bodyPr>
+          <a:lstStyle/>
+          <a:p>
+            <a:r>
+              <a:rPr kumimoji="1" lang="ja-JP" altLang="en-US" sz="2800"/>
+              <a:t>遠距離で</a:t>
+            </a:r>
+            <a:endParaRPr kumimoji="1" lang="en-US" altLang="ja-JP" sz="2800"/>
+          </a:p>
+          <a:p>
+            <a:r>
+              <a:rPr kumimoji="1" lang="ja-JP" altLang="en-US" sz="2800"/>
+              <a:t>相互作用無し</a:t>
+            </a:r>
+          </a:p>
+        </p:txBody>
+      </p:sp>
+      <p:sp>
+        <p:nvSpPr>
+          <p:cNvPr id="39" name="テキスト ボックス 38">
+            <a:extLst>
+              <a:ext uri="{FF2B5EF4-FFF2-40B4-BE49-F238E27FC236}">
+                <a16:creationId xmlns:a16="http://schemas.microsoft.com/office/drawing/2014/main" id="{948F50F1-82D3-8A3B-3E56-3E86A0A09205}"/>
+              </a:ext>
+            </a:extLst>
+          </p:cNvPr>
+          <p:cNvSpPr txBox="1"/>
+          <p:nvPr/>
+        </p:nvSpPr>
+        <p:spPr>
+          <a:xfrm>
+            <a:off x="4067944" y="2204864"/>
+            <a:ext cx="465192" cy="523220"/>
+          </a:xfrm>
+          <a:prstGeom prst="rect">
+            <a:avLst/>
+          </a:prstGeom>
+          <a:noFill/>
+        </p:spPr>
+        <p:txBody>
+          <a:bodyPr wrap="none" rtlCol="0">
+            <a:spAutoFit/>
+          </a:bodyPr>
+          <a:lstStyle/>
+          <a:p>
+            <a:r>
+              <a:rPr kumimoji="1" lang="en-US" altLang="ja-JP" sz="2800">
+                <a:solidFill>
+                  <a:srgbClr val="FF0000"/>
+                </a:solidFill>
+              </a:rPr>
+              <a:t>-ε</a:t>
+            </a:r>
+            <a:endParaRPr kumimoji="1" lang="ja-JP" altLang="en-US" sz="2800">
+              <a:solidFill>
+                <a:srgbClr val="FF0000"/>
+              </a:solidFill>
+            </a:endParaRPr>
+          </a:p>
+        </p:txBody>
+      </p:sp>
+      <p:sp>
+        <p:nvSpPr>
+          <p:cNvPr id="40" name="テキスト ボックス 39">
+            <a:extLst>
+              <a:ext uri="{FF2B5EF4-FFF2-40B4-BE49-F238E27FC236}">
+                <a16:creationId xmlns:a16="http://schemas.microsoft.com/office/drawing/2014/main" id="{CBECC123-26B5-7A82-6C8D-43678E71AD77}"/>
+              </a:ext>
+            </a:extLst>
+          </p:cNvPr>
+          <p:cNvSpPr txBox="1"/>
+          <p:nvPr/>
+        </p:nvSpPr>
+        <p:spPr>
+          <a:xfrm>
+            <a:off x="3275856" y="5085184"/>
+            <a:ext cx="2723823" cy="646331"/>
+          </a:xfrm>
+          <a:prstGeom prst="rect">
+            <a:avLst/>
+          </a:prstGeom>
+          <a:noFill/>
+        </p:spPr>
+        <p:txBody>
+          <a:bodyPr wrap="none" rtlCol="0">
+            <a:spAutoFit/>
+          </a:bodyPr>
+          <a:lstStyle/>
+          <a:p>
+            <a:r>
+              <a:rPr kumimoji="1" lang="ja-JP" altLang="en-US"/>
+              <a:t>隣り合うとエネルギー</a:t>
+            </a:r>
+            <a:r>
+              <a:rPr lang="ja-JP" altLang="en-US"/>
+              <a:t>が</a:t>
+            </a:r>
+            <a:endParaRPr lang="en-US" altLang="ja-JP"/>
+          </a:p>
+          <a:p>
+            <a:r>
+              <a:rPr kumimoji="1" lang="en-US" altLang="ja-JP"/>
+              <a:t>ε</a:t>
+            </a:r>
+            <a:r>
+              <a:rPr kumimoji="1" lang="ja-JP" altLang="en-US"/>
+              <a:t>だけ下がる</a:t>
+            </a:r>
+            <a:endParaRPr kumimoji="1" lang="en-US" altLang="ja-JP"/>
+          </a:p>
+        </p:txBody>
+      </p:sp>
+      <p:sp>
+        <p:nvSpPr>
+          <p:cNvPr id="41" name="テキスト ボックス 40">
+            <a:extLst>
+              <a:ext uri="{FF2B5EF4-FFF2-40B4-BE49-F238E27FC236}">
+                <a16:creationId xmlns:a16="http://schemas.microsoft.com/office/drawing/2014/main" id="{9582B61E-E779-676A-7F1B-10B827A57CCE}"/>
+              </a:ext>
+            </a:extLst>
+          </p:cNvPr>
+          <p:cNvSpPr txBox="1"/>
+          <p:nvPr/>
+        </p:nvSpPr>
+        <p:spPr>
+          <a:xfrm>
+            <a:off x="6429107" y="5086925"/>
+            <a:ext cx="2031325" cy="646331"/>
+          </a:xfrm>
+          <a:prstGeom prst="rect">
+            <a:avLst/>
+          </a:prstGeom>
+          <a:noFill/>
+        </p:spPr>
+        <p:txBody>
+          <a:bodyPr wrap="none" rtlCol="0">
+            <a:spAutoFit/>
+          </a:bodyPr>
+          <a:lstStyle/>
+          <a:p>
+            <a:r>
+              <a:rPr kumimoji="1" lang="ja-JP" altLang="en-US" dirty="0"/>
+              <a:t>隣接していないと</a:t>
+            </a:r>
+            <a:endParaRPr kumimoji="1" lang="en-US" altLang="ja-JP" dirty="0"/>
+          </a:p>
+          <a:p>
+            <a:r>
+              <a:rPr lang="ja-JP" altLang="en-US" dirty="0"/>
+              <a:t>相互作用なし</a:t>
+            </a:r>
+            <a:endParaRPr kumimoji="1" lang="en-US" altLang="ja-JP" dirty="0"/>
+          </a:p>
+        </p:txBody>
+      </p:sp>
+    </p:spTree>
+    <p:extLst>
+      <p:ext uri="{BB962C8B-B14F-4D97-AF65-F5344CB8AC3E}">
+        <p14:creationId xmlns:p14="http://schemas.microsoft.com/office/powerpoint/2010/main" val="3495559529"/>
       </p:ext>
     </p:extLst>
   </p:cSld>

--- a/05_md_advanced/yamagata05.pptx
+++ b/05_md_advanced/yamagata05.pptx
@@ -5,7 +5,7 @@
     <p:sldMasterId id="2147483665" r:id="rId1"/>
   </p:sldMasterIdLst>
   <p:notesMasterIdLst>
-    <p:notesMasterId r:id="rId13"/>
+    <p:notesMasterId r:id="rId18"/>
   </p:notesMasterIdLst>
   <p:sldIdLst>
     <p:sldId id="256" r:id="rId2"/>
@@ -19,6 +19,11 @@
     <p:sldId id="346" r:id="rId10"/>
     <p:sldId id="347" r:id="rId11"/>
     <p:sldId id="348" r:id="rId12"/>
+    <p:sldId id="349" r:id="rId13"/>
+    <p:sldId id="350" r:id="rId14"/>
+    <p:sldId id="351" r:id="rId15"/>
+    <p:sldId id="352" r:id="rId16"/>
+    <p:sldId id="353" r:id="rId17"/>
   </p:sldIdLst>
   <p:sldSz cx="9144000" cy="6858000" type="screen4x3"/>
   <p:notesSz cx="6858000" cy="9144000"/>
@@ -229,7 +234,7 @@
           </a:lstStyle>
           <a:p>
             <a:fld id="{6B8D1B20-A248-FB47-8240-73C0C5F47C9D}" type="datetimeFigureOut">
-              <a:t>2022/8/3</a:t>
+              <a:t>2022/8/4</a:t>
             </a:fld>
             <a:endParaRPr kumimoji="1" lang="ja-JP" altLang="en-US"/>
           </a:p>
@@ -3803,8 +3808,8 @@
           </a:p>
         </p:txBody>
       </p:sp>
-      <mc:AlternateContent xmlns:mc="http://schemas.openxmlformats.org/markup-compatibility/2006">
-        <mc:Choice xmlns:a14="http://schemas.microsoft.com/office/drawing/2010/main" Requires="a14">
+      <mc:AlternateContent xmlns:mc="http://schemas.openxmlformats.org/markup-compatibility/2006" xmlns:a14="http://schemas.microsoft.com/office/drawing/2010/main">
+        <mc:Choice Requires="a14">
           <p:sp>
             <p:nvSpPr>
               <p:cNvPr id="56" name="テキスト ボックス 55">
@@ -3833,6 +3838,7 @@
               </a:bodyPr>
               <a:lstStyle/>
               <a:p>
+                <a:pPr/>
                 <a14:m>
                   <m:oMathPara xmlns:m="http://schemas.openxmlformats.org/officeDocument/2006/math">
                     <m:oMathParaPr>
@@ -3877,7 +3883,7 @@
             </p:txBody>
           </p:sp>
         </mc:Choice>
-        <mc:Fallback>
+        <mc:Fallback xmlns="">
           <p:sp>
             <p:nvSpPr>
               <p:cNvPr id="56" name="テキスト ボックス 55">
@@ -4106,8 +4112,8 @@
           </a:p>
         </p:txBody>
       </p:sp>
-      <mc:AlternateContent xmlns:mc="http://schemas.openxmlformats.org/markup-compatibility/2006">
-        <mc:Choice xmlns:a14="http://schemas.microsoft.com/office/drawing/2010/main" Requires="a14">
+      <mc:AlternateContent xmlns:mc="http://schemas.openxmlformats.org/markup-compatibility/2006" xmlns:a14="http://schemas.microsoft.com/office/drawing/2010/main">
+        <mc:Choice Requires="a14">
           <p:sp>
             <p:nvSpPr>
               <p:cNvPr id="4" name="テキスト ボックス 3">
@@ -4136,6 +4142,7 @@
               </a:bodyPr>
               <a:lstStyle/>
               <a:p>
+                <a:pPr/>
                 <a14:m>
                   <m:oMathPara xmlns:m="http://schemas.openxmlformats.org/officeDocument/2006/math">
                     <m:oMathParaPr>
@@ -4180,7 +4187,7 @@
             </p:txBody>
           </p:sp>
         </mc:Choice>
-        <mc:Fallback>
+        <mc:Fallback xmlns="">
           <p:sp>
             <p:nvSpPr>
               <p:cNvPr id="4" name="テキスト ボックス 3">
@@ -6752,6 +6759,6116 @@
 </p:sld>
 </file>
 
+<file path=ppt/slides/slide12.xml><?xml version="1.0" encoding="utf-8"?>
+<p:sld xmlns:a="http://schemas.openxmlformats.org/drawingml/2006/main" xmlns:r="http://schemas.openxmlformats.org/officeDocument/2006/relationships" xmlns:p="http://schemas.openxmlformats.org/presentationml/2006/main">
+  <p:cSld>
+    <p:spTree>
+      <p:nvGrpSpPr>
+        <p:cNvPr id="1" name=""/>
+        <p:cNvGrpSpPr/>
+        <p:nvPr/>
+      </p:nvGrpSpPr>
+      <p:grpSpPr>
+        <a:xfrm>
+          <a:off x="0" y="0"/>
+          <a:ext cx="0" cy="0"/>
+          <a:chOff x="0" y="0"/>
+          <a:chExt cx="0" cy="0"/>
+        </a:xfrm>
+      </p:grpSpPr>
+      <p:sp>
+        <p:nvSpPr>
+          <p:cNvPr id="2" name="テキスト プレースホルダー 1">
+            <a:extLst>
+              <a:ext uri="{FF2B5EF4-FFF2-40B4-BE49-F238E27FC236}">
+                <a16:creationId xmlns:a16="http://schemas.microsoft.com/office/drawing/2014/main" id="{926C06FD-7266-1D1A-C653-84EEB06BDBCF}"/>
+              </a:ext>
+            </a:extLst>
+          </p:cNvPr>
+          <p:cNvSpPr>
+            <a:spLocks noGrp="1"/>
+          </p:cNvSpPr>
+          <p:nvPr>
+            <p:ph type="body" sz="quarter" idx="10"/>
+          </p:nvPr>
+        </p:nvSpPr>
+        <p:spPr/>
+        <p:txBody>
+          <a:bodyPr/>
+          <a:lstStyle/>
+          <a:p>
+            <a:r>
+              <a:rPr lang="ja-JP" altLang="en-US"/>
+              <a:t>自由エネルギー</a:t>
+            </a:r>
+            <a:endParaRPr kumimoji="1" lang="ja-JP" altLang="en-US"/>
+          </a:p>
+        </p:txBody>
+      </p:sp>
+      <p:grpSp>
+        <p:nvGrpSpPr>
+          <p:cNvPr id="3" name="グループ化 2">
+            <a:extLst>
+              <a:ext uri="{FF2B5EF4-FFF2-40B4-BE49-F238E27FC236}">
+                <a16:creationId xmlns:a16="http://schemas.microsoft.com/office/drawing/2014/main" id="{EE0AB1A3-B084-5BD8-A30A-8962936434FE}"/>
+              </a:ext>
+            </a:extLst>
+          </p:cNvPr>
+          <p:cNvGrpSpPr/>
+          <p:nvPr/>
+        </p:nvGrpSpPr>
+        <p:grpSpPr>
+          <a:xfrm>
+            <a:off x="7596336" y="3717032"/>
+            <a:ext cx="1224136" cy="1440160"/>
+            <a:chOff x="1547664" y="2852936"/>
+            <a:chExt cx="1728192" cy="2232248"/>
+          </a:xfrm>
+        </p:grpSpPr>
+        <p:sp>
+          <p:nvSpPr>
+            <p:cNvPr id="4" name="楕円 3">
+              <a:extLst>
+                <a:ext uri="{FF2B5EF4-FFF2-40B4-BE49-F238E27FC236}">
+                  <a16:creationId xmlns:a16="http://schemas.microsoft.com/office/drawing/2014/main" id="{B7DB324C-29B3-0562-67F5-E7006C6796B3}"/>
+                </a:ext>
+              </a:extLst>
+            </p:cNvPr>
+            <p:cNvSpPr/>
+            <p:nvPr/>
+          </p:nvSpPr>
+          <p:spPr>
+            <a:xfrm>
+              <a:off x="1547664" y="2852936"/>
+              <a:ext cx="1728192" cy="504056"/>
+            </a:xfrm>
+            <a:prstGeom prst="ellipse">
+              <a:avLst/>
+            </a:prstGeom>
+            <a:noFill/>
+            <a:ln>
+              <a:solidFill>
+                <a:schemeClr val="tx1"/>
+              </a:solidFill>
+            </a:ln>
+          </p:spPr>
+          <p:style>
+            <a:lnRef idx="2">
+              <a:schemeClr val="accent1">
+                <a:shade val="50000"/>
+              </a:schemeClr>
+            </a:lnRef>
+            <a:fillRef idx="1">
+              <a:schemeClr val="accent1"/>
+            </a:fillRef>
+            <a:effectRef idx="0">
+              <a:schemeClr val="accent1"/>
+            </a:effectRef>
+            <a:fontRef idx="minor">
+              <a:schemeClr val="lt1"/>
+            </a:fontRef>
+          </p:style>
+          <p:txBody>
+            <a:bodyPr rtlCol="0" anchor="ctr"/>
+            <a:lstStyle/>
+            <a:p>
+              <a:pPr algn="ctr"/>
+              <a:endParaRPr kumimoji="1" lang="ja-JP" altLang="en-US"/>
+            </a:p>
+          </p:txBody>
+        </p:sp>
+        <p:sp>
+          <p:nvSpPr>
+            <p:cNvPr id="5" name="楕円 4">
+              <a:extLst>
+                <a:ext uri="{FF2B5EF4-FFF2-40B4-BE49-F238E27FC236}">
+                  <a16:creationId xmlns:a16="http://schemas.microsoft.com/office/drawing/2014/main" id="{22E5385D-C3F7-EBC5-1B64-ED58B658E52C}"/>
+                </a:ext>
+              </a:extLst>
+            </p:cNvPr>
+            <p:cNvSpPr/>
+            <p:nvPr/>
+          </p:nvSpPr>
+          <p:spPr>
+            <a:xfrm>
+              <a:off x="1835696" y="4653136"/>
+              <a:ext cx="1152128" cy="432048"/>
+            </a:xfrm>
+            <a:prstGeom prst="ellipse">
+              <a:avLst/>
+            </a:prstGeom>
+            <a:noFill/>
+            <a:ln>
+              <a:solidFill>
+                <a:schemeClr val="tx1"/>
+              </a:solidFill>
+            </a:ln>
+          </p:spPr>
+          <p:style>
+            <a:lnRef idx="2">
+              <a:schemeClr val="accent1">
+                <a:shade val="50000"/>
+              </a:schemeClr>
+            </a:lnRef>
+            <a:fillRef idx="1">
+              <a:schemeClr val="accent1"/>
+            </a:fillRef>
+            <a:effectRef idx="0">
+              <a:schemeClr val="accent1"/>
+            </a:effectRef>
+            <a:fontRef idx="minor">
+              <a:schemeClr val="lt1"/>
+            </a:fontRef>
+          </p:style>
+          <p:txBody>
+            <a:bodyPr rtlCol="0" anchor="ctr"/>
+            <a:lstStyle/>
+            <a:p>
+              <a:pPr algn="ctr"/>
+              <a:endParaRPr kumimoji="1" lang="ja-JP" altLang="en-US"/>
+            </a:p>
+          </p:txBody>
+        </p:sp>
+        <p:cxnSp>
+          <p:nvCxnSpPr>
+            <p:cNvPr id="6" name="直線コネクタ 5">
+              <a:extLst>
+                <a:ext uri="{FF2B5EF4-FFF2-40B4-BE49-F238E27FC236}">
+                  <a16:creationId xmlns:a16="http://schemas.microsoft.com/office/drawing/2014/main" id="{A7EF62B8-05E4-69A5-B06C-0C3416E59419}"/>
+                </a:ext>
+              </a:extLst>
+            </p:cNvPr>
+            <p:cNvCxnSpPr>
+              <a:stCxn id="4" idx="6"/>
+              <a:endCxn id="5" idx="6"/>
+            </p:cNvCxnSpPr>
+            <p:nvPr/>
+          </p:nvCxnSpPr>
+          <p:spPr>
+            <a:xfrm flipH="1">
+              <a:off x="2987824" y="3104964"/>
+              <a:ext cx="288032" cy="1764196"/>
+            </a:xfrm>
+            <a:prstGeom prst="line">
+              <a:avLst/>
+            </a:prstGeom>
+            <a:ln>
+              <a:solidFill>
+                <a:schemeClr val="tx1"/>
+              </a:solidFill>
+              <a:headEnd type="none" w="med" len="med"/>
+              <a:tailEnd type="none" w="med" len="med"/>
+            </a:ln>
+          </p:spPr>
+          <p:style>
+            <a:lnRef idx="1">
+              <a:schemeClr val="accent1"/>
+            </a:lnRef>
+            <a:fillRef idx="0">
+              <a:schemeClr val="accent1"/>
+            </a:fillRef>
+            <a:effectRef idx="0">
+              <a:schemeClr val="accent1"/>
+            </a:effectRef>
+            <a:fontRef idx="minor">
+              <a:schemeClr val="tx1"/>
+            </a:fontRef>
+          </p:style>
+        </p:cxnSp>
+        <p:cxnSp>
+          <p:nvCxnSpPr>
+            <p:cNvPr id="7" name="直線コネクタ 6">
+              <a:extLst>
+                <a:ext uri="{FF2B5EF4-FFF2-40B4-BE49-F238E27FC236}">
+                  <a16:creationId xmlns:a16="http://schemas.microsoft.com/office/drawing/2014/main" id="{A694DF84-51B5-843B-FEB3-C0A20B9A1C8F}"/>
+                </a:ext>
+              </a:extLst>
+            </p:cNvPr>
+            <p:cNvCxnSpPr>
+              <a:stCxn id="4" idx="2"/>
+              <a:endCxn id="5" idx="2"/>
+            </p:cNvCxnSpPr>
+            <p:nvPr/>
+          </p:nvCxnSpPr>
+          <p:spPr>
+            <a:xfrm>
+              <a:off x="1547664" y="3104964"/>
+              <a:ext cx="288032" cy="1764196"/>
+            </a:xfrm>
+            <a:prstGeom prst="line">
+              <a:avLst/>
+            </a:prstGeom>
+            <a:ln>
+              <a:solidFill>
+                <a:schemeClr val="tx1"/>
+              </a:solidFill>
+              <a:headEnd type="none" w="med" len="med"/>
+              <a:tailEnd type="none" w="med" len="med"/>
+            </a:ln>
+          </p:spPr>
+          <p:style>
+            <a:lnRef idx="1">
+              <a:schemeClr val="accent1"/>
+            </a:lnRef>
+            <a:fillRef idx="0">
+              <a:schemeClr val="accent1"/>
+            </a:fillRef>
+            <a:effectRef idx="0">
+              <a:schemeClr val="accent1"/>
+            </a:effectRef>
+            <a:fontRef idx="minor">
+              <a:schemeClr val="tx1"/>
+            </a:fontRef>
+          </p:style>
+        </p:cxnSp>
+        <p:sp>
+          <p:nvSpPr>
+            <p:cNvPr id="8" name="楕円 7">
+              <a:extLst>
+                <a:ext uri="{FF2B5EF4-FFF2-40B4-BE49-F238E27FC236}">
+                  <a16:creationId xmlns:a16="http://schemas.microsoft.com/office/drawing/2014/main" id="{411548D7-ED4B-44A8-91A1-57F37DEC3D17}"/>
+                </a:ext>
+              </a:extLst>
+            </p:cNvPr>
+            <p:cNvSpPr/>
+            <p:nvPr/>
+          </p:nvSpPr>
+          <p:spPr>
+            <a:xfrm>
+              <a:off x="1876336" y="4570080"/>
+              <a:ext cx="1080120" cy="432048"/>
+            </a:xfrm>
+            <a:prstGeom prst="ellipse">
+              <a:avLst/>
+            </a:prstGeom>
+            <a:solidFill>
+              <a:srgbClr val="00B0F0"/>
+            </a:solidFill>
+            <a:ln>
+              <a:noFill/>
+            </a:ln>
+          </p:spPr>
+          <p:style>
+            <a:lnRef idx="2">
+              <a:schemeClr val="accent1">
+                <a:shade val="50000"/>
+              </a:schemeClr>
+            </a:lnRef>
+            <a:fillRef idx="1">
+              <a:schemeClr val="accent1"/>
+            </a:fillRef>
+            <a:effectRef idx="0">
+              <a:schemeClr val="accent1"/>
+            </a:effectRef>
+            <a:fontRef idx="minor">
+              <a:schemeClr val="lt1"/>
+            </a:fontRef>
+          </p:style>
+          <p:txBody>
+            <a:bodyPr rtlCol="0" anchor="ctr"/>
+            <a:lstStyle/>
+            <a:p>
+              <a:pPr algn="ctr"/>
+              <a:endParaRPr kumimoji="1" lang="ja-JP" altLang="en-US"/>
+            </a:p>
+          </p:txBody>
+        </p:sp>
+        <p:sp>
+          <p:nvSpPr>
+            <p:cNvPr id="9" name="台形 8">
+              <a:extLst>
+                <a:ext uri="{FF2B5EF4-FFF2-40B4-BE49-F238E27FC236}">
+                  <a16:creationId xmlns:a16="http://schemas.microsoft.com/office/drawing/2014/main" id="{202088FD-45F1-B94B-EA51-62FD13A9F769}"/>
+                </a:ext>
+              </a:extLst>
+            </p:cNvPr>
+            <p:cNvSpPr/>
+            <p:nvPr/>
+          </p:nvSpPr>
+          <p:spPr>
+            <a:xfrm flipV="1">
+              <a:off x="1660312" y="3633976"/>
+              <a:ext cx="1512168" cy="1152128"/>
+            </a:xfrm>
+            <a:prstGeom prst="trapezoid">
+              <a:avLst>
+                <a:gd name="adj" fmla="val 18416"/>
+              </a:avLst>
+            </a:prstGeom>
+            <a:solidFill>
+              <a:srgbClr val="00B0F0"/>
+            </a:solidFill>
+            <a:ln>
+              <a:noFill/>
+            </a:ln>
+          </p:spPr>
+          <p:style>
+            <a:lnRef idx="2">
+              <a:schemeClr val="accent1">
+                <a:shade val="50000"/>
+              </a:schemeClr>
+            </a:lnRef>
+            <a:fillRef idx="1">
+              <a:schemeClr val="accent1"/>
+            </a:fillRef>
+            <a:effectRef idx="0">
+              <a:schemeClr val="accent1"/>
+            </a:effectRef>
+            <a:fontRef idx="minor">
+              <a:schemeClr val="lt1"/>
+            </a:fontRef>
+          </p:style>
+          <p:txBody>
+            <a:bodyPr rtlCol="0" anchor="ctr"/>
+            <a:lstStyle/>
+            <a:p>
+              <a:pPr algn="ctr"/>
+              <a:endParaRPr kumimoji="1" lang="ja-JP" altLang="en-US"/>
+            </a:p>
+          </p:txBody>
+        </p:sp>
+        <p:sp>
+          <p:nvSpPr>
+            <p:cNvPr id="10" name="楕円 9">
+              <a:extLst>
+                <a:ext uri="{FF2B5EF4-FFF2-40B4-BE49-F238E27FC236}">
+                  <a16:creationId xmlns:a16="http://schemas.microsoft.com/office/drawing/2014/main" id="{1A932381-3A93-C66E-48C0-F779110626BC}"/>
+                </a:ext>
+              </a:extLst>
+            </p:cNvPr>
+            <p:cNvSpPr/>
+            <p:nvPr/>
+          </p:nvSpPr>
+          <p:spPr>
+            <a:xfrm>
+              <a:off x="1660312" y="3417952"/>
+              <a:ext cx="1512168" cy="432048"/>
+            </a:xfrm>
+            <a:prstGeom prst="ellipse">
+              <a:avLst/>
+            </a:prstGeom>
+            <a:solidFill>
+              <a:srgbClr val="47CFFF"/>
+            </a:solidFill>
+            <a:ln>
+              <a:noFill/>
+            </a:ln>
+          </p:spPr>
+          <p:style>
+            <a:lnRef idx="2">
+              <a:schemeClr val="accent1">
+                <a:shade val="50000"/>
+              </a:schemeClr>
+            </a:lnRef>
+            <a:fillRef idx="1">
+              <a:schemeClr val="accent1"/>
+            </a:fillRef>
+            <a:effectRef idx="0">
+              <a:schemeClr val="accent1"/>
+            </a:effectRef>
+            <a:fontRef idx="minor">
+              <a:schemeClr val="lt1"/>
+            </a:fontRef>
+          </p:style>
+          <p:txBody>
+            <a:bodyPr rtlCol="0" anchor="ctr"/>
+            <a:lstStyle/>
+            <a:p>
+              <a:pPr algn="ctr"/>
+              <a:endParaRPr kumimoji="1" lang="ja-JP" altLang="en-US"/>
+            </a:p>
+          </p:txBody>
+        </p:sp>
+      </p:grpSp>
+      <p:sp>
+        <p:nvSpPr>
+          <p:cNvPr id="11" name="テキスト ボックス 10">
+            <a:extLst>
+              <a:ext uri="{FF2B5EF4-FFF2-40B4-BE49-F238E27FC236}">
+                <a16:creationId xmlns:a16="http://schemas.microsoft.com/office/drawing/2014/main" id="{8B6405B8-451C-FA90-DD1F-DA8ADF080118}"/>
+              </a:ext>
+            </a:extLst>
+          </p:cNvPr>
+          <p:cNvSpPr txBox="1"/>
+          <p:nvPr/>
+        </p:nvSpPr>
+        <p:spPr>
+          <a:xfrm>
+            <a:off x="395536" y="836712"/>
+            <a:ext cx="7571303" cy="830997"/>
+          </a:xfrm>
+          <a:prstGeom prst="rect">
+            <a:avLst/>
+          </a:prstGeom>
+          <a:noFill/>
+        </p:spPr>
+        <p:txBody>
+          <a:bodyPr wrap="none" rtlCol="0">
+            <a:spAutoFit/>
+          </a:bodyPr>
+          <a:lstStyle/>
+          <a:p>
+            <a:r>
+              <a:rPr lang="ja-JP" altLang="en-US" sz="2400"/>
+              <a:t>ヘルムホルツ自由エネルギーの</a:t>
+            </a:r>
+            <a:r>
+              <a:rPr lang="ja-JP" altLang="en-US" sz="2400">
+                <a:solidFill>
+                  <a:srgbClr val="FF0000"/>
+                </a:solidFill>
+              </a:rPr>
+              <a:t>自然な変数</a:t>
+            </a:r>
+            <a:r>
+              <a:rPr lang="ja-JP" altLang="en-US" sz="2400"/>
+              <a:t>は</a:t>
+            </a:r>
+            <a:r>
+              <a:rPr lang="en-US" altLang="ja-JP" sz="2400"/>
+              <a:t>N</a:t>
+            </a:r>
+            <a:r>
+              <a:rPr lang="ja-JP" altLang="en-US" sz="2400"/>
+              <a:t>、</a:t>
+            </a:r>
+            <a:r>
+              <a:rPr lang="en-US" altLang="ja-JP" sz="2400"/>
+              <a:t>V</a:t>
+            </a:r>
+            <a:r>
+              <a:rPr lang="ja-JP" altLang="en-US" sz="2400"/>
+              <a:t>、</a:t>
+            </a:r>
+            <a:r>
+              <a:rPr lang="en-US" altLang="ja-JP" sz="2400"/>
+              <a:t>T</a:t>
+            </a:r>
+          </a:p>
+          <a:p>
+            <a:r>
+              <a:rPr lang="ja-JP" altLang="en-US" sz="2400"/>
+              <a:t>すなわち「定物質量、定積、定温」条件</a:t>
+            </a:r>
+            <a:endParaRPr lang="en-US" altLang="ja-JP" sz="2400"/>
+          </a:p>
+        </p:txBody>
+      </p:sp>
+      <p:sp>
+        <p:nvSpPr>
+          <p:cNvPr id="12" name="テキスト ボックス 11">
+            <a:extLst>
+              <a:ext uri="{FF2B5EF4-FFF2-40B4-BE49-F238E27FC236}">
+                <a16:creationId xmlns:a16="http://schemas.microsoft.com/office/drawing/2014/main" id="{A88EE1BF-56F7-BBEE-F74E-D83DD7552054}"/>
+              </a:ext>
+            </a:extLst>
+          </p:cNvPr>
+          <p:cNvSpPr txBox="1"/>
+          <p:nvPr/>
+        </p:nvSpPr>
+        <p:spPr>
+          <a:xfrm>
+            <a:off x="395536" y="1844824"/>
+            <a:ext cx="7366119" cy="707886"/>
+          </a:xfrm>
+          <a:prstGeom prst="rect">
+            <a:avLst/>
+          </a:prstGeom>
+          <a:noFill/>
+        </p:spPr>
+        <p:txBody>
+          <a:bodyPr wrap="none" rtlCol="0">
+            <a:spAutoFit/>
+          </a:bodyPr>
+          <a:lstStyle/>
+          <a:p>
+            <a:r>
+              <a:rPr lang="ja-JP" altLang="en-US" sz="2000"/>
+              <a:t>我々の興味ある現象は、「定積」ではなく「定圧」条件</a:t>
+            </a:r>
+            <a:endParaRPr lang="en-US" altLang="ja-JP" sz="2000"/>
+          </a:p>
+          <a:p>
+            <a:r>
+              <a:rPr kumimoji="1" lang="ja-JP" altLang="en-US" sz="2000"/>
+              <a:t>ヘルムホルツの自由エネルギーからギブスの自由エネルギーへ</a:t>
+            </a:r>
+          </a:p>
+        </p:txBody>
+      </p:sp>
+      <p:sp>
+        <p:nvSpPr>
+          <p:cNvPr id="13" name="矢印: 下 12">
+            <a:extLst>
+              <a:ext uri="{FF2B5EF4-FFF2-40B4-BE49-F238E27FC236}">
+                <a16:creationId xmlns:a16="http://schemas.microsoft.com/office/drawing/2014/main" id="{B0C55A72-73B7-C8AD-F7BE-11C23A025BCB}"/>
+              </a:ext>
+            </a:extLst>
+          </p:cNvPr>
+          <p:cNvSpPr/>
+          <p:nvPr/>
+        </p:nvSpPr>
+        <p:spPr>
+          <a:xfrm>
+            <a:off x="7812360" y="3284984"/>
+            <a:ext cx="792088" cy="648072"/>
+          </a:xfrm>
+          <a:prstGeom prst="downArrow">
+            <a:avLst/>
+          </a:prstGeom>
+          <a:solidFill>
+            <a:srgbClr val="FF0000"/>
+          </a:solidFill>
+          <a:ln>
+            <a:solidFill>
+              <a:schemeClr val="tx1"/>
+            </a:solidFill>
+          </a:ln>
+        </p:spPr>
+        <p:style>
+          <a:lnRef idx="2">
+            <a:schemeClr val="accent1">
+              <a:shade val="50000"/>
+            </a:schemeClr>
+          </a:lnRef>
+          <a:fillRef idx="1">
+            <a:schemeClr val="accent1"/>
+          </a:fillRef>
+          <a:effectRef idx="0">
+            <a:schemeClr val="accent1"/>
+          </a:effectRef>
+          <a:fontRef idx="minor">
+            <a:schemeClr val="lt1"/>
+          </a:fontRef>
+        </p:style>
+        <p:txBody>
+          <a:bodyPr rtlCol="0" anchor="ctr"/>
+          <a:lstStyle/>
+          <a:p>
+            <a:pPr algn="ctr"/>
+            <a:endParaRPr kumimoji="1" lang="ja-JP" altLang="en-US"/>
+          </a:p>
+        </p:txBody>
+      </p:sp>
+      <p:sp>
+        <p:nvSpPr>
+          <p:cNvPr id="14" name="テキスト ボックス 13">
+            <a:extLst>
+              <a:ext uri="{FF2B5EF4-FFF2-40B4-BE49-F238E27FC236}">
+                <a16:creationId xmlns:a16="http://schemas.microsoft.com/office/drawing/2014/main" id="{391ADB9C-36B6-8AA1-8AF5-7E9527BE6A4B}"/>
+              </a:ext>
+            </a:extLst>
+          </p:cNvPr>
+          <p:cNvSpPr txBox="1"/>
+          <p:nvPr/>
+        </p:nvSpPr>
+        <p:spPr>
+          <a:xfrm>
+            <a:off x="7812360" y="2780928"/>
+            <a:ext cx="800219" cy="461665"/>
+          </a:xfrm>
+          <a:prstGeom prst="rect">
+            <a:avLst/>
+          </a:prstGeom>
+          <a:noFill/>
+        </p:spPr>
+        <p:txBody>
+          <a:bodyPr wrap="none" rtlCol="0">
+            <a:spAutoFit/>
+          </a:bodyPr>
+          <a:lstStyle/>
+          <a:p>
+            <a:r>
+              <a:rPr kumimoji="1" lang="ja-JP" altLang="en-US" sz="2400"/>
+              <a:t>気圧</a:t>
+            </a:r>
+          </a:p>
+        </p:txBody>
+      </p:sp>
+      <p:sp>
+        <p:nvSpPr>
+          <p:cNvPr id="15" name="矢印: 下 14">
+            <a:extLst>
+              <a:ext uri="{FF2B5EF4-FFF2-40B4-BE49-F238E27FC236}">
+                <a16:creationId xmlns:a16="http://schemas.microsoft.com/office/drawing/2014/main" id="{50A79A2B-596E-7212-46AE-0AC21A149548}"/>
+              </a:ext>
+            </a:extLst>
+          </p:cNvPr>
+          <p:cNvSpPr/>
+          <p:nvPr/>
+        </p:nvSpPr>
+        <p:spPr>
+          <a:xfrm rot="10800000">
+            <a:off x="8028384" y="4149080"/>
+            <a:ext cx="288032" cy="258328"/>
+          </a:xfrm>
+          <a:prstGeom prst="downArrow">
+            <a:avLst/>
+          </a:prstGeom>
+          <a:solidFill>
+            <a:srgbClr val="011893"/>
+          </a:solidFill>
+          <a:ln>
+            <a:solidFill>
+              <a:schemeClr val="tx1"/>
+            </a:solidFill>
+          </a:ln>
+        </p:spPr>
+        <p:style>
+          <a:lnRef idx="2">
+            <a:schemeClr val="accent1">
+              <a:shade val="50000"/>
+            </a:schemeClr>
+          </a:lnRef>
+          <a:fillRef idx="1">
+            <a:schemeClr val="accent1"/>
+          </a:fillRef>
+          <a:effectRef idx="0">
+            <a:schemeClr val="accent1"/>
+          </a:effectRef>
+          <a:fontRef idx="minor">
+            <a:schemeClr val="lt1"/>
+          </a:fontRef>
+        </p:style>
+        <p:txBody>
+          <a:bodyPr rtlCol="0" anchor="ctr"/>
+          <a:lstStyle/>
+          <a:p>
+            <a:pPr algn="ctr"/>
+            <a:endParaRPr kumimoji="1" lang="ja-JP" altLang="en-US"/>
+          </a:p>
+        </p:txBody>
+      </p:sp>
+      <p:sp>
+        <p:nvSpPr>
+          <p:cNvPr id="16" name="テキスト ボックス 15">
+            <a:extLst>
+              <a:ext uri="{FF2B5EF4-FFF2-40B4-BE49-F238E27FC236}">
+                <a16:creationId xmlns:a16="http://schemas.microsoft.com/office/drawing/2014/main" id="{6AD99E65-D174-E684-702E-F096E57801EA}"/>
+              </a:ext>
+            </a:extLst>
+          </p:cNvPr>
+          <p:cNvSpPr txBox="1"/>
+          <p:nvPr/>
+        </p:nvSpPr>
+        <p:spPr>
+          <a:xfrm>
+            <a:off x="7884368" y="4365104"/>
+            <a:ext cx="646331" cy="369332"/>
+          </a:xfrm>
+          <a:prstGeom prst="rect">
+            <a:avLst/>
+          </a:prstGeom>
+          <a:noFill/>
+        </p:spPr>
+        <p:txBody>
+          <a:bodyPr wrap="none" rtlCol="0">
+            <a:spAutoFit/>
+          </a:bodyPr>
+          <a:lstStyle/>
+          <a:p>
+            <a:r>
+              <a:rPr lang="ja-JP" altLang="en-US"/>
+              <a:t>蒸発</a:t>
+            </a:r>
+            <a:endParaRPr kumimoji="1" lang="ja-JP" altLang="en-US"/>
+          </a:p>
+        </p:txBody>
+      </p:sp>
+      <mc:AlternateContent xmlns:mc="http://schemas.openxmlformats.org/markup-compatibility/2006">
+        <mc:Choice xmlns:a14="http://schemas.microsoft.com/office/drawing/2010/main" Requires="a14">
+          <p:sp>
+            <p:nvSpPr>
+              <p:cNvPr id="17" name="テキスト ボックス 16">
+                <a:extLst>
+                  <a:ext uri="{FF2B5EF4-FFF2-40B4-BE49-F238E27FC236}">
+                    <a16:creationId xmlns:a16="http://schemas.microsoft.com/office/drawing/2014/main" id="{E9B7A776-D905-88B4-F974-429EF298D964}"/>
+                  </a:ext>
+                </a:extLst>
+              </p:cNvPr>
+              <p:cNvSpPr txBox="1"/>
+              <p:nvPr/>
+            </p:nvSpPr>
+            <p:spPr>
+              <a:xfrm>
+                <a:off x="683568" y="3212976"/>
+                <a:ext cx="6460615" cy="830997"/>
+              </a:xfrm>
+              <a:prstGeom prst="rect">
+                <a:avLst/>
+              </a:prstGeom>
+              <a:noFill/>
+            </p:spPr>
+            <p:txBody>
+              <a:bodyPr wrap="none" rtlCol="0">
+                <a:spAutoFit/>
+              </a:bodyPr>
+              <a:lstStyle/>
+              <a:p>
+                <a:pPr/>
+                <a14:m>
+                  <m:oMathPara xmlns:m="http://schemas.openxmlformats.org/officeDocument/2006/math">
+                    <m:oMathParaPr>
+                      <m:jc m:val="centerGroup"/>
+                    </m:oMathParaPr>
+                    <m:oMath xmlns:m="http://schemas.openxmlformats.org/officeDocument/2006/math">
+                      <m:r>
+                        <a:rPr kumimoji="1" lang="en-US" altLang="ja-JP" sz="4800" b="0" i="1" smtClean="0">
+                          <a:latin typeface="Cambria Math" panose="02040503050406030204" pitchFamily="18" charset="0"/>
+                        </a:rPr>
+                        <m:t>𝐹</m:t>
+                      </m:r>
+                      <m:d>
+                        <m:dPr>
+                          <m:ctrlPr>
+                            <a:rPr kumimoji="1" lang="en-US" altLang="ja-JP" sz="4800" b="0" i="1" smtClean="0">
+                              <a:latin typeface="Cambria Math" panose="02040503050406030204" pitchFamily="18" charset="0"/>
+                            </a:rPr>
+                          </m:ctrlPr>
+                        </m:dPr>
+                        <m:e>
+                          <m:r>
+                            <a:rPr kumimoji="1" lang="en-US" altLang="ja-JP" sz="4800" b="0" i="1" smtClean="0">
+                              <a:latin typeface="Cambria Math" panose="02040503050406030204" pitchFamily="18" charset="0"/>
+                            </a:rPr>
+                            <m:t>𝑁</m:t>
+                          </m:r>
+                          <m:r>
+                            <a:rPr kumimoji="1" lang="en-US" altLang="ja-JP" sz="4800" b="0" i="1" smtClean="0">
+                              <a:latin typeface="Cambria Math" panose="02040503050406030204" pitchFamily="18" charset="0"/>
+                            </a:rPr>
+                            <m:t>,</m:t>
+                          </m:r>
+                          <m:r>
+                            <a:rPr kumimoji="1" lang="en-US" altLang="ja-JP" sz="4800" b="0" i="1" smtClean="0">
+                              <a:latin typeface="Cambria Math" panose="02040503050406030204" pitchFamily="18" charset="0"/>
+                            </a:rPr>
+                            <m:t>𝑉</m:t>
+                          </m:r>
+                          <m:r>
+                            <a:rPr kumimoji="1" lang="en-US" altLang="ja-JP" sz="4800" b="0" i="1" smtClean="0">
+                              <a:latin typeface="Cambria Math" panose="02040503050406030204" pitchFamily="18" charset="0"/>
+                            </a:rPr>
+                            <m:t>,</m:t>
+                          </m:r>
+                          <m:r>
+                            <a:rPr kumimoji="1" lang="en-US" altLang="ja-JP" sz="4800" b="0" i="1" smtClean="0">
+                              <a:latin typeface="Cambria Math" panose="02040503050406030204" pitchFamily="18" charset="0"/>
+                            </a:rPr>
+                            <m:t>𝑇</m:t>
+                          </m:r>
+                        </m:e>
+                      </m:d>
+                      <m:r>
+                        <a:rPr kumimoji="1" lang="en-US" altLang="ja-JP" sz="4800" b="0" i="1" smtClean="0">
+                          <a:latin typeface="Cambria Math" panose="02040503050406030204" pitchFamily="18" charset="0"/>
+                        </a:rPr>
+                        <m:t>→</m:t>
+                      </m:r>
+                      <m:r>
+                        <a:rPr kumimoji="1" lang="en-US" altLang="ja-JP" sz="4800" b="0" i="1" smtClean="0">
+                          <a:latin typeface="Cambria Math" panose="02040503050406030204" pitchFamily="18" charset="0"/>
+                        </a:rPr>
+                        <m:t>𝐺</m:t>
+                      </m:r>
+                      <m:r>
+                        <a:rPr kumimoji="1" lang="en-US" altLang="ja-JP" sz="4800" b="0" i="1" smtClean="0">
+                          <a:latin typeface="Cambria Math" panose="02040503050406030204" pitchFamily="18" charset="0"/>
+                        </a:rPr>
+                        <m:t>(</m:t>
+                      </m:r>
+                      <m:r>
+                        <a:rPr kumimoji="1" lang="en-US" altLang="ja-JP" sz="4800" b="0" i="1" smtClean="0">
+                          <a:latin typeface="Cambria Math" panose="02040503050406030204" pitchFamily="18" charset="0"/>
+                        </a:rPr>
+                        <m:t>𝑁</m:t>
+                      </m:r>
+                      <m:r>
+                        <a:rPr kumimoji="1" lang="en-US" altLang="ja-JP" sz="4800" b="0" i="1" smtClean="0">
+                          <a:latin typeface="Cambria Math" panose="02040503050406030204" pitchFamily="18" charset="0"/>
+                        </a:rPr>
+                        <m:t>,</m:t>
+                      </m:r>
+                      <m:r>
+                        <a:rPr kumimoji="1" lang="en-US" altLang="ja-JP" sz="4800" b="0" i="1" smtClean="0">
+                          <a:latin typeface="Cambria Math" panose="02040503050406030204" pitchFamily="18" charset="0"/>
+                        </a:rPr>
+                        <m:t>𝑃</m:t>
+                      </m:r>
+                      <m:r>
+                        <a:rPr kumimoji="1" lang="en-US" altLang="ja-JP" sz="4800" b="0" i="1" smtClean="0">
+                          <a:latin typeface="Cambria Math" panose="02040503050406030204" pitchFamily="18" charset="0"/>
+                        </a:rPr>
+                        <m:t>,</m:t>
+                      </m:r>
+                      <m:r>
+                        <a:rPr kumimoji="1" lang="en-US" altLang="ja-JP" sz="4800" b="0" i="1" smtClean="0">
+                          <a:latin typeface="Cambria Math" panose="02040503050406030204" pitchFamily="18" charset="0"/>
+                        </a:rPr>
+                        <m:t>𝑇</m:t>
+                      </m:r>
+                      <m:r>
+                        <a:rPr kumimoji="1" lang="en-US" altLang="ja-JP" sz="4800" b="0" i="1" smtClean="0">
+                          <a:latin typeface="Cambria Math" panose="02040503050406030204" pitchFamily="18" charset="0"/>
+                        </a:rPr>
+                        <m:t>)</m:t>
+                      </m:r>
+                    </m:oMath>
+                  </m:oMathPara>
+                </a14:m>
+                <a:endParaRPr kumimoji="1" lang="ja-JP" altLang="en-US" sz="4800"/>
+              </a:p>
+            </p:txBody>
+          </p:sp>
+        </mc:Choice>
+        <mc:Fallback>
+          <p:sp>
+            <p:nvSpPr>
+              <p:cNvPr id="17" name="テキスト ボックス 16">
+                <a:extLst>
+                  <a:ext uri="{FF2B5EF4-FFF2-40B4-BE49-F238E27FC236}">
+                    <a16:creationId xmlns:a16="http://schemas.microsoft.com/office/drawing/2014/main" id="{E9B7A776-D905-88B4-F974-429EF298D964}"/>
+                  </a:ext>
+                </a:extLst>
+              </p:cNvPr>
+              <p:cNvSpPr txBox="1">
+                <a:spLocks noRot="1" noChangeAspect="1" noMove="1" noResize="1" noEditPoints="1" noAdjustHandles="1" noChangeArrowheads="1" noChangeShapeType="1" noTextEdit="1"/>
+              </p:cNvSpPr>
+              <p:nvPr/>
+            </p:nvSpPr>
+            <p:spPr>
+              <a:xfrm>
+                <a:off x="683568" y="3212976"/>
+                <a:ext cx="6460615" cy="830997"/>
+              </a:xfrm>
+              <a:prstGeom prst="rect">
+                <a:avLst/>
+              </a:prstGeom>
+              <a:blipFill>
+                <a:blip r:embed="rId2"/>
+                <a:stretch>
+                  <a:fillRect/>
+                </a:stretch>
+              </a:blipFill>
+            </p:spPr>
+            <p:txBody>
+              <a:bodyPr/>
+              <a:lstStyle/>
+              <a:p>
+                <a:r>
+                  <a:rPr lang="ja-JP" altLang="en-US">
+                    <a:noFill/>
+                  </a:rPr>
+                  <a:t> </a:t>
+                </a:r>
+              </a:p>
+            </p:txBody>
+          </p:sp>
+        </mc:Fallback>
+      </mc:AlternateContent>
+      <p:sp>
+        <p:nvSpPr>
+          <p:cNvPr id="18" name="四角形: 角を丸くする 17">
+            <a:extLst>
+              <a:ext uri="{FF2B5EF4-FFF2-40B4-BE49-F238E27FC236}">
+                <a16:creationId xmlns:a16="http://schemas.microsoft.com/office/drawing/2014/main" id="{FB8EA1FF-6FFD-04A8-3D87-7FA3C81A657F}"/>
+              </a:ext>
+            </a:extLst>
+          </p:cNvPr>
+          <p:cNvSpPr/>
+          <p:nvPr/>
+        </p:nvSpPr>
+        <p:spPr>
+          <a:xfrm>
+            <a:off x="2123728" y="3356992"/>
+            <a:ext cx="504056" cy="576064"/>
+          </a:xfrm>
+          <a:prstGeom prst="roundRect">
+            <a:avLst/>
+          </a:prstGeom>
+          <a:noFill/>
+          <a:ln w="28575">
+            <a:solidFill>
+              <a:srgbClr val="FF0000"/>
+            </a:solidFill>
+            <a:prstDash val="sysDot"/>
+          </a:ln>
+        </p:spPr>
+        <p:style>
+          <a:lnRef idx="2">
+            <a:schemeClr val="accent1">
+              <a:shade val="50000"/>
+            </a:schemeClr>
+          </a:lnRef>
+          <a:fillRef idx="1">
+            <a:schemeClr val="accent1"/>
+          </a:fillRef>
+          <a:effectRef idx="0">
+            <a:schemeClr val="accent1"/>
+          </a:effectRef>
+          <a:fontRef idx="minor">
+            <a:schemeClr val="lt1"/>
+          </a:fontRef>
+        </p:style>
+        <p:txBody>
+          <a:bodyPr rtlCol="0" anchor="ctr"/>
+          <a:lstStyle/>
+          <a:p>
+            <a:pPr algn="ctr"/>
+            <a:endParaRPr kumimoji="1" lang="ja-JP" altLang="en-US"/>
+          </a:p>
+        </p:txBody>
+      </p:sp>
+      <p:sp>
+        <p:nvSpPr>
+          <p:cNvPr id="19" name="四角形: 角を丸くする 18">
+            <a:extLst>
+              <a:ext uri="{FF2B5EF4-FFF2-40B4-BE49-F238E27FC236}">
+                <a16:creationId xmlns:a16="http://schemas.microsoft.com/office/drawing/2014/main" id="{241CD02E-CBBF-CDD7-D11E-B33AF11756DE}"/>
+              </a:ext>
+            </a:extLst>
+          </p:cNvPr>
+          <p:cNvSpPr/>
+          <p:nvPr/>
+        </p:nvSpPr>
+        <p:spPr>
+          <a:xfrm>
+            <a:off x="5652120" y="3356992"/>
+            <a:ext cx="504056" cy="576064"/>
+          </a:xfrm>
+          <a:prstGeom prst="roundRect">
+            <a:avLst/>
+          </a:prstGeom>
+          <a:noFill/>
+          <a:ln w="28575">
+            <a:solidFill>
+              <a:srgbClr val="FF0000"/>
+            </a:solidFill>
+            <a:prstDash val="sysDot"/>
+          </a:ln>
+        </p:spPr>
+        <p:style>
+          <a:lnRef idx="2">
+            <a:schemeClr val="accent1">
+              <a:shade val="50000"/>
+            </a:schemeClr>
+          </a:lnRef>
+          <a:fillRef idx="1">
+            <a:schemeClr val="accent1"/>
+          </a:fillRef>
+          <a:effectRef idx="0">
+            <a:schemeClr val="accent1"/>
+          </a:effectRef>
+          <a:fontRef idx="minor">
+            <a:schemeClr val="lt1"/>
+          </a:fontRef>
+        </p:style>
+        <p:txBody>
+          <a:bodyPr rtlCol="0" anchor="ctr"/>
+          <a:lstStyle/>
+          <a:p>
+            <a:pPr algn="ctr"/>
+            <a:endParaRPr kumimoji="1" lang="ja-JP" altLang="en-US"/>
+          </a:p>
+        </p:txBody>
+      </p:sp>
+      <p:cxnSp>
+        <p:nvCxnSpPr>
+          <p:cNvPr id="21" name="コネクタ: カギ線 20">
+            <a:extLst>
+              <a:ext uri="{FF2B5EF4-FFF2-40B4-BE49-F238E27FC236}">
+                <a16:creationId xmlns:a16="http://schemas.microsoft.com/office/drawing/2014/main" id="{8BB742E0-2A8B-C1DB-FA3D-253564FC8CCC}"/>
+              </a:ext>
+            </a:extLst>
+          </p:cNvPr>
+          <p:cNvCxnSpPr>
+            <a:cxnSpLocks/>
+            <a:stCxn id="18" idx="0"/>
+            <a:endCxn id="19" idx="0"/>
+          </p:cNvCxnSpPr>
+          <p:nvPr/>
+        </p:nvCxnSpPr>
+        <p:spPr>
+          <a:xfrm rot="5400000" flipH="1" flipV="1">
+            <a:off x="4139952" y="1592796"/>
+            <a:ext cx="12700" cy="3528392"/>
+          </a:xfrm>
+          <a:prstGeom prst="bentConnector3">
+            <a:avLst>
+              <a:gd name="adj1" fmla="val 1800000"/>
+            </a:avLst>
+          </a:prstGeom>
+          <a:ln>
+            <a:solidFill>
+              <a:schemeClr val="tx1"/>
+            </a:solidFill>
+            <a:headEnd type="none" w="med" len="med"/>
+            <a:tailEnd type="triangle"/>
+          </a:ln>
+        </p:spPr>
+        <p:style>
+          <a:lnRef idx="1">
+            <a:schemeClr val="accent1"/>
+          </a:lnRef>
+          <a:fillRef idx="0">
+            <a:schemeClr val="accent1"/>
+          </a:fillRef>
+          <a:effectRef idx="0">
+            <a:schemeClr val="accent1"/>
+          </a:effectRef>
+          <a:fontRef idx="minor">
+            <a:schemeClr val="tx1"/>
+          </a:fontRef>
+        </p:style>
+      </p:cxnSp>
+      <p:sp>
+        <p:nvSpPr>
+          <p:cNvPr id="24" name="テキスト ボックス 23">
+            <a:extLst>
+              <a:ext uri="{FF2B5EF4-FFF2-40B4-BE49-F238E27FC236}">
+                <a16:creationId xmlns:a16="http://schemas.microsoft.com/office/drawing/2014/main" id="{24642A62-4D45-41E8-187B-BE50B6D9929F}"/>
+              </a:ext>
+            </a:extLst>
+          </p:cNvPr>
+          <p:cNvSpPr txBox="1"/>
+          <p:nvPr/>
+        </p:nvSpPr>
+        <p:spPr>
+          <a:xfrm>
+            <a:off x="3131840" y="2699628"/>
+            <a:ext cx="2031325" cy="369332"/>
+          </a:xfrm>
+          <a:prstGeom prst="rect">
+            <a:avLst/>
+          </a:prstGeom>
+          <a:noFill/>
+        </p:spPr>
+        <p:txBody>
+          <a:bodyPr wrap="none" rtlCol="0">
+            <a:spAutoFit/>
+          </a:bodyPr>
+          <a:lstStyle/>
+          <a:p>
+            <a:r>
+              <a:rPr lang="ja-JP" altLang="en-US"/>
+              <a:t>ルジャンドル変換</a:t>
+            </a:r>
+            <a:endParaRPr kumimoji="1" lang="ja-JP" altLang="en-US"/>
+          </a:p>
+        </p:txBody>
+      </p:sp>
+      <mc:AlternateContent xmlns:mc="http://schemas.openxmlformats.org/markup-compatibility/2006">
+        <mc:Choice xmlns:a14="http://schemas.microsoft.com/office/drawing/2010/main" Requires="a14">
+          <p:sp>
+            <p:nvSpPr>
+              <p:cNvPr id="27" name="テキスト ボックス 26">
+                <a:extLst>
+                  <a:ext uri="{FF2B5EF4-FFF2-40B4-BE49-F238E27FC236}">
+                    <a16:creationId xmlns:a16="http://schemas.microsoft.com/office/drawing/2014/main" id="{21630272-53C2-BF8C-FAF3-8D2F2D982D9B}"/>
+                  </a:ext>
+                </a:extLst>
+              </p:cNvPr>
+              <p:cNvSpPr txBox="1"/>
+              <p:nvPr/>
+            </p:nvSpPr>
+            <p:spPr>
+              <a:xfrm>
+                <a:off x="4139952" y="4509120"/>
+                <a:ext cx="2203104" cy="492443"/>
+              </a:xfrm>
+              <a:prstGeom prst="rect">
+                <a:avLst/>
+              </a:prstGeom>
+              <a:noFill/>
+            </p:spPr>
+            <p:txBody>
+              <a:bodyPr wrap="none" lIns="0" tIns="0" rIns="0" bIns="0" rtlCol="0">
+                <a:spAutoFit/>
+              </a:bodyPr>
+              <a:lstStyle/>
+              <a:p>
+                <a14:m>
+                  <m:oMathPara xmlns:m="http://schemas.openxmlformats.org/officeDocument/2006/math">
+                    <m:oMathParaPr>
+                      <m:jc m:val="centerGroup"/>
+                    </m:oMathParaPr>
+                    <m:oMath xmlns:m="http://schemas.openxmlformats.org/officeDocument/2006/math">
+                      <m:r>
+                        <a:rPr kumimoji="1" lang="en-US" altLang="ja-JP" sz="3200" b="0" i="1" smtClean="0">
+                          <a:latin typeface="Cambria Math" panose="02040503050406030204" pitchFamily="18" charset="0"/>
+                        </a:rPr>
+                        <m:t>𝐺</m:t>
+                      </m:r>
+                      <m:r>
+                        <a:rPr kumimoji="1" lang="en-US" altLang="ja-JP" sz="3200" b="0" i="1" smtClean="0">
+                          <a:latin typeface="Cambria Math" panose="02040503050406030204" pitchFamily="18" charset="0"/>
+                        </a:rPr>
+                        <m:t>=</m:t>
+                      </m:r>
+                      <m:r>
+                        <a:rPr kumimoji="1" lang="en-US" altLang="ja-JP" sz="3200" b="0" i="1" smtClean="0">
+                          <a:latin typeface="Cambria Math" panose="02040503050406030204" pitchFamily="18" charset="0"/>
+                        </a:rPr>
+                        <m:t>𝐹</m:t>
+                      </m:r>
+                      <m:r>
+                        <a:rPr kumimoji="1" lang="en-US" altLang="ja-JP" sz="3200" b="0" i="1" smtClean="0">
+                          <a:latin typeface="Cambria Math" panose="02040503050406030204" pitchFamily="18" charset="0"/>
+                        </a:rPr>
+                        <m:t>+</m:t>
+                      </m:r>
+                      <m:r>
+                        <a:rPr kumimoji="1" lang="en-US" altLang="ja-JP" sz="3200" b="0" i="1" smtClean="0">
+                          <a:latin typeface="Cambria Math" panose="02040503050406030204" pitchFamily="18" charset="0"/>
+                        </a:rPr>
+                        <m:t>𝑃𝑉</m:t>
+                      </m:r>
+                    </m:oMath>
+                  </m:oMathPara>
+                </a14:m>
+                <a:endParaRPr kumimoji="1" lang="ja-JP" altLang="en-US" sz="3200"/>
+              </a:p>
+            </p:txBody>
+          </p:sp>
+        </mc:Choice>
+        <mc:Fallback>
+          <p:sp>
+            <p:nvSpPr>
+              <p:cNvPr id="27" name="テキスト ボックス 26">
+                <a:extLst>
+                  <a:ext uri="{FF2B5EF4-FFF2-40B4-BE49-F238E27FC236}">
+                    <a16:creationId xmlns:a16="http://schemas.microsoft.com/office/drawing/2014/main" id="{21630272-53C2-BF8C-FAF3-8D2F2D982D9B}"/>
+                  </a:ext>
+                </a:extLst>
+              </p:cNvPr>
+              <p:cNvSpPr txBox="1">
+                <a:spLocks noRot="1" noChangeAspect="1" noMove="1" noResize="1" noEditPoints="1" noAdjustHandles="1" noChangeArrowheads="1" noChangeShapeType="1" noTextEdit="1"/>
+              </p:cNvSpPr>
+              <p:nvPr/>
+            </p:nvSpPr>
+            <p:spPr>
+              <a:xfrm>
+                <a:off x="4139952" y="4509120"/>
+                <a:ext cx="2203104" cy="492443"/>
+              </a:xfrm>
+              <a:prstGeom prst="rect">
+                <a:avLst/>
+              </a:prstGeom>
+              <a:blipFill>
+                <a:blip r:embed="rId3"/>
+                <a:stretch>
+                  <a:fillRect/>
+                </a:stretch>
+              </a:blipFill>
+            </p:spPr>
+            <p:txBody>
+              <a:bodyPr/>
+              <a:lstStyle/>
+              <a:p>
+                <a:r>
+                  <a:rPr lang="ja-JP" altLang="en-US">
+                    <a:noFill/>
+                  </a:rPr>
+                  <a:t> </a:t>
+                </a:r>
+              </a:p>
+            </p:txBody>
+          </p:sp>
+        </mc:Fallback>
+      </mc:AlternateContent>
+      <mc:AlternateContent xmlns:mc="http://schemas.openxmlformats.org/markup-compatibility/2006">
+        <mc:Choice xmlns:a14="http://schemas.microsoft.com/office/drawing/2010/main" Requires="a14">
+          <p:sp>
+            <p:nvSpPr>
+              <p:cNvPr id="28" name="テキスト ボックス 27">
+                <a:extLst>
+                  <a:ext uri="{FF2B5EF4-FFF2-40B4-BE49-F238E27FC236}">
+                    <a16:creationId xmlns:a16="http://schemas.microsoft.com/office/drawing/2014/main" id="{87284B81-17D9-E8DB-1A0F-BED87D9DDD92}"/>
+                  </a:ext>
+                </a:extLst>
+              </p:cNvPr>
+              <p:cNvSpPr txBox="1"/>
+              <p:nvPr/>
+            </p:nvSpPr>
+            <p:spPr>
+              <a:xfrm>
+                <a:off x="1691680" y="4293096"/>
+                <a:ext cx="1784591" cy="936410"/>
+              </a:xfrm>
+              <a:prstGeom prst="rect">
+                <a:avLst/>
+              </a:prstGeom>
+              <a:noFill/>
+            </p:spPr>
+            <p:txBody>
+              <a:bodyPr wrap="none" lIns="0" tIns="0" rIns="0" bIns="0" rtlCol="0">
+                <a:spAutoFit/>
+              </a:bodyPr>
+              <a:lstStyle/>
+              <a:p>
+                <a14:m>
+                  <m:oMathPara xmlns:m="http://schemas.openxmlformats.org/officeDocument/2006/math">
+                    <m:oMathParaPr>
+                      <m:jc m:val="centerGroup"/>
+                    </m:oMathParaPr>
+                    <m:oMath xmlns:m="http://schemas.openxmlformats.org/officeDocument/2006/math">
+                      <m:r>
+                        <a:rPr kumimoji="1" lang="en-US" altLang="ja-JP" sz="3200" b="0" i="1" smtClean="0">
+                          <a:latin typeface="Cambria Math" panose="02040503050406030204" pitchFamily="18" charset="0"/>
+                        </a:rPr>
+                        <m:t>𝑃</m:t>
+                      </m:r>
+                      <m:r>
+                        <a:rPr kumimoji="1" lang="en-US" altLang="ja-JP" sz="3200" b="0" i="1" smtClean="0">
+                          <a:latin typeface="Cambria Math" panose="02040503050406030204" pitchFamily="18" charset="0"/>
+                        </a:rPr>
+                        <m:t>=−</m:t>
+                      </m:r>
+                      <m:f>
+                        <m:fPr>
+                          <m:ctrlPr>
+                            <a:rPr kumimoji="1" lang="en-US" altLang="ja-JP" sz="3200" b="0" i="1" smtClean="0">
+                              <a:latin typeface="Cambria Math" panose="02040503050406030204" pitchFamily="18" charset="0"/>
+                            </a:rPr>
+                          </m:ctrlPr>
+                        </m:fPr>
+                        <m:num>
+                          <m:r>
+                            <a:rPr kumimoji="1" lang="en-US" altLang="ja-JP" sz="3200" b="0" i="1" smtClean="0">
+                              <a:latin typeface="Cambria Math" panose="02040503050406030204" pitchFamily="18" charset="0"/>
+                            </a:rPr>
+                            <m:t>𝜕</m:t>
+                          </m:r>
+                          <m:r>
+                            <a:rPr kumimoji="1" lang="en-US" altLang="ja-JP" sz="3200" b="0" i="1" smtClean="0">
+                              <a:latin typeface="Cambria Math" panose="02040503050406030204" pitchFamily="18" charset="0"/>
+                            </a:rPr>
+                            <m:t>𝐹</m:t>
+                          </m:r>
+                        </m:num>
+                        <m:den>
+                          <m:r>
+                            <a:rPr kumimoji="1" lang="en-US" altLang="ja-JP" sz="3200" b="0" i="1" smtClean="0">
+                              <a:latin typeface="Cambria Math" panose="02040503050406030204" pitchFamily="18" charset="0"/>
+                            </a:rPr>
+                            <m:t>𝜕</m:t>
+                          </m:r>
+                          <m:r>
+                            <a:rPr kumimoji="1" lang="en-US" altLang="ja-JP" sz="3200" b="0" i="1" smtClean="0">
+                              <a:latin typeface="Cambria Math" panose="02040503050406030204" pitchFamily="18" charset="0"/>
+                            </a:rPr>
+                            <m:t>𝑉</m:t>
+                          </m:r>
+                        </m:den>
+                      </m:f>
+                    </m:oMath>
+                  </m:oMathPara>
+                </a14:m>
+                <a:endParaRPr kumimoji="1" lang="ja-JP" altLang="en-US" sz="3200"/>
+              </a:p>
+            </p:txBody>
+          </p:sp>
+        </mc:Choice>
+        <mc:Fallback>
+          <p:sp>
+            <p:nvSpPr>
+              <p:cNvPr id="28" name="テキスト ボックス 27">
+                <a:extLst>
+                  <a:ext uri="{FF2B5EF4-FFF2-40B4-BE49-F238E27FC236}">
+                    <a16:creationId xmlns:a16="http://schemas.microsoft.com/office/drawing/2014/main" id="{87284B81-17D9-E8DB-1A0F-BED87D9DDD92}"/>
+                  </a:ext>
+                </a:extLst>
+              </p:cNvPr>
+              <p:cNvSpPr txBox="1">
+                <a:spLocks noRot="1" noChangeAspect="1" noMove="1" noResize="1" noEditPoints="1" noAdjustHandles="1" noChangeArrowheads="1" noChangeShapeType="1" noTextEdit="1"/>
+              </p:cNvSpPr>
+              <p:nvPr/>
+            </p:nvSpPr>
+            <p:spPr>
+              <a:xfrm>
+                <a:off x="1691680" y="4293096"/>
+                <a:ext cx="1784591" cy="936410"/>
+              </a:xfrm>
+              <a:prstGeom prst="rect">
+                <a:avLst/>
+              </a:prstGeom>
+              <a:blipFill>
+                <a:blip r:embed="rId4"/>
+                <a:stretch>
+                  <a:fillRect/>
+                </a:stretch>
+              </a:blipFill>
+            </p:spPr>
+            <p:txBody>
+              <a:bodyPr/>
+              <a:lstStyle/>
+              <a:p>
+                <a:r>
+                  <a:rPr lang="ja-JP" altLang="en-US">
+                    <a:noFill/>
+                  </a:rPr>
+                  <a:t> </a:t>
+                </a:r>
+              </a:p>
+            </p:txBody>
+          </p:sp>
+        </mc:Fallback>
+      </mc:AlternateContent>
+      <p:sp>
+        <p:nvSpPr>
+          <p:cNvPr id="29" name="テキスト ボックス 28">
+            <a:extLst>
+              <a:ext uri="{FF2B5EF4-FFF2-40B4-BE49-F238E27FC236}">
+                <a16:creationId xmlns:a16="http://schemas.microsoft.com/office/drawing/2014/main" id="{EF9979D7-AB51-D0D9-BF05-7E0BCA914B27}"/>
+              </a:ext>
+            </a:extLst>
+          </p:cNvPr>
+          <p:cNvSpPr txBox="1"/>
+          <p:nvPr/>
+        </p:nvSpPr>
+        <p:spPr>
+          <a:xfrm>
+            <a:off x="251520" y="5589240"/>
+            <a:ext cx="8186857" cy="830997"/>
+          </a:xfrm>
+          <a:prstGeom prst="rect">
+            <a:avLst/>
+          </a:prstGeom>
+          <a:noFill/>
+        </p:spPr>
+        <p:txBody>
+          <a:bodyPr wrap="none" rtlCol="0">
+            <a:spAutoFit/>
+          </a:bodyPr>
+          <a:lstStyle/>
+          <a:p>
+            <a:r>
+              <a:rPr lang="ja-JP" altLang="en-US" sz="2400"/>
+              <a:t>定温、定圧下において、自然はギブスの自由エネルギーを</a:t>
+            </a:r>
+            <a:endParaRPr lang="en-US" altLang="ja-JP" sz="2400"/>
+          </a:p>
+          <a:p>
+            <a:r>
+              <a:rPr lang="ja-JP" altLang="en-US" sz="2400"/>
+              <a:t>最小にする状態を平衡状態として実現する</a:t>
+            </a:r>
+            <a:endParaRPr kumimoji="1" lang="ja-JP" altLang="en-US" sz="2400"/>
+          </a:p>
+        </p:txBody>
+      </p:sp>
+    </p:spTree>
+    <p:extLst>
+      <p:ext uri="{BB962C8B-B14F-4D97-AF65-F5344CB8AC3E}">
+        <p14:creationId xmlns:p14="http://schemas.microsoft.com/office/powerpoint/2010/main" val="2767716476"/>
+      </p:ext>
+    </p:extLst>
+  </p:cSld>
+  <p:clrMapOvr>
+    <a:masterClrMapping/>
+  </p:clrMapOvr>
+</p:sld>
+</file>
+
+<file path=ppt/slides/slide13.xml><?xml version="1.0" encoding="utf-8"?>
+<p:sld xmlns:a="http://schemas.openxmlformats.org/drawingml/2006/main" xmlns:r="http://schemas.openxmlformats.org/officeDocument/2006/relationships" xmlns:p="http://schemas.openxmlformats.org/presentationml/2006/main">
+  <p:cSld>
+    <p:spTree>
+      <p:nvGrpSpPr>
+        <p:cNvPr id="1" name=""/>
+        <p:cNvGrpSpPr/>
+        <p:nvPr/>
+      </p:nvGrpSpPr>
+      <p:grpSpPr>
+        <a:xfrm>
+          <a:off x="0" y="0"/>
+          <a:ext cx="0" cy="0"/>
+          <a:chOff x="0" y="0"/>
+          <a:chExt cx="0" cy="0"/>
+        </a:xfrm>
+      </p:grpSpPr>
+      <p:sp>
+        <p:nvSpPr>
+          <p:cNvPr id="2" name="テキスト プレースホルダー 1">
+            <a:extLst>
+              <a:ext uri="{FF2B5EF4-FFF2-40B4-BE49-F238E27FC236}">
+                <a16:creationId xmlns:a16="http://schemas.microsoft.com/office/drawing/2014/main" id="{77327A66-EA0F-79D5-6CAC-146AB701715B}"/>
+              </a:ext>
+            </a:extLst>
+          </p:cNvPr>
+          <p:cNvSpPr>
+            <a:spLocks noGrp="1"/>
+          </p:cNvSpPr>
+          <p:nvPr>
+            <p:ph type="body" sz="quarter" idx="10"/>
+          </p:nvPr>
+        </p:nvSpPr>
+        <p:spPr/>
+        <p:txBody>
+          <a:bodyPr/>
+          <a:lstStyle/>
+          <a:p>
+            <a:r>
+              <a:rPr lang="ja-JP" altLang="en-US"/>
+              <a:t>熱力学量</a:t>
+            </a:r>
+            <a:endParaRPr kumimoji="1" lang="ja-JP" altLang="en-US"/>
+          </a:p>
+        </p:txBody>
+      </p:sp>
+      <p:sp>
+        <p:nvSpPr>
+          <p:cNvPr id="5" name="テキスト ボックス 4">
+            <a:extLst>
+              <a:ext uri="{FF2B5EF4-FFF2-40B4-BE49-F238E27FC236}">
+                <a16:creationId xmlns:a16="http://schemas.microsoft.com/office/drawing/2014/main" id="{68226011-70ED-193D-9398-D3E09185DB26}"/>
+              </a:ext>
+            </a:extLst>
+          </p:cNvPr>
+          <p:cNvSpPr txBox="1"/>
+          <p:nvPr/>
+        </p:nvSpPr>
+        <p:spPr>
+          <a:xfrm>
+            <a:off x="395536" y="1340768"/>
+            <a:ext cx="5583580" cy="584775"/>
+          </a:xfrm>
+          <a:prstGeom prst="rect">
+            <a:avLst/>
+          </a:prstGeom>
+          <a:noFill/>
+        </p:spPr>
+        <p:txBody>
+          <a:bodyPr wrap="none" rtlCol="0">
+            <a:spAutoFit/>
+          </a:bodyPr>
+          <a:lstStyle/>
+          <a:p>
+            <a:r>
+              <a:rPr lang="ja-JP" altLang="en-US" sz="3200">
+                <a:solidFill>
+                  <a:srgbClr val="011893"/>
+                </a:solidFill>
+              </a:rPr>
+              <a:t>示量変数</a:t>
+            </a:r>
+            <a:r>
+              <a:rPr lang="en-US" altLang="ja-JP" sz="3200" dirty="0">
+                <a:solidFill>
+                  <a:srgbClr val="011893"/>
+                </a:solidFill>
+              </a:rPr>
+              <a:t>(extensive variable)</a:t>
+            </a:r>
+            <a:endParaRPr kumimoji="1" lang="ja-JP" altLang="en-US" sz="3200">
+              <a:solidFill>
+                <a:srgbClr val="011893"/>
+              </a:solidFill>
+            </a:endParaRPr>
+          </a:p>
+        </p:txBody>
+      </p:sp>
+      <mc:AlternateContent xmlns:mc="http://schemas.openxmlformats.org/markup-compatibility/2006">
+        <mc:Choice xmlns:a14="http://schemas.microsoft.com/office/drawing/2010/main" Requires="a14">
+          <p:sp>
+            <p:nvSpPr>
+              <p:cNvPr id="6" name="テキスト ボックス 5">
+                <a:extLst>
+                  <a:ext uri="{FF2B5EF4-FFF2-40B4-BE49-F238E27FC236}">
+                    <a16:creationId xmlns:a16="http://schemas.microsoft.com/office/drawing/2014/main" id="{F0B6ACE6-8DF9-6429-E608-7ED445AA57F9}"/>
+                  </a:ext>
+                </a:extLst>
+              </p:cNvPr>
+              <p:cNvSpPr txBox="1"/>
+              <p:nvPr/>
+            </p:nvSpPr>
+            <p:spPr>
+              <a:xfrm>
+                <a:off x="899592" y="2132856"/>
+                <a:ext cx="7007046" cy="954107"/>
+              </a:xfrm>
+              <a:prstGeom prst="rect">
+                <a:avLst/>
+              </a:prstGeom>
+              <a:noFill/>
+            </p:spPr>
+            <p:txBody>
+              <a:bodyPr wrap="none" rtlCol="0">
+                <a:spAutoFit/>
+              </a:bodyPr>
+              <a:lstStyle/>
+              <a:p>
+                <a:r>
+                  <a:rPr lang="ja-JP" altLang="en-US" sz="2800"/>
+                  <a:t>全く同じ系を二つつけた時、二倍になる量</a:t>
+                </a:r>
+                <a:endParaRPr lang="en-US" altLang="ja-JP" sz="2800" dirty="0"/>
+              </a:p>
+              <a:p>
+                <a:r>
+                  <a:rPr kumimoji="1" lang="ja-JP" altLang="en-US" sz="2800"/>
+                  <a:t>体積</a:t>
+                </a:r>
+                <a14:m>
+                  <m:oMath xmlns:m="http://schemas.openxmlformats.org/officeDocument/2006/math">
+                    <m:r>
+                      <a:rPr kumimoji="1" lang="en-US" altLang="ja-JP" sz="2800" b="0" i="1" smtClean="0">
+                        <a:latin typeface="Cambria Math" panose="02040503050406030204" pitchFamily="18" charset="0"/>
+                      </a:rPr>
+                      <m:t>𝑉</m:t>
+                    </m:r>
+                  </m:oMath>
+                </a14:m>
+                <a:r>
+                  <a:rPr kumimoji="1" lang="ja-JP" altLang="en-US" sz="2800"/>
+                  <a:t>、エントロピー</a:t>
+                </a:r>
+                <a14:m>
+                  <m:oMath xmlns:m="http://schemas.openxmlformats.org/officeDocument/2006/math">
+                    <m:r>
+                      <a:rPr kumimoji="1" lang="en-US" altLang="ja-JP" sz="2800" b="0" i="1" smtClean="0">
+                        <a:latin typeface="Cambria Math" panose="02040503050406030204" pitchFamily="18" charset="0"/>
+                      </a:rPr>
+                      <m:t>𝑆</m:t>
+                    </m:r>
+                  </m:oMath>
+                </a14:m>
+                <a:r>
+                  <a:rPr kumimoji="1" lang="ja-JP" altLang="en-US" sz="2800"/>
+                  <a:t>、物質量</a:t>
+                </a:r>
+                <a14:m>
+                  <m:oMath xmlns:m="http://schemas.openxmlformats.org/officeDocument/2006/math">
+                    <m:r>
+                      <a:rPr kumimoji="1" lang="en-US" altLang="ja-JP" sz="2800" b="0" i="1" smtClean="0">
+                        <a:latin typeface="Cambria Math" panose="02040503050406030204" pitchFamily="18" charset="0"/>
+                      </a:rPr>
+                      <m:t>𝑁</m:t>
+                    </m:r>
+                  </m:oMath>
+                </a14:m>
+                <a:endParaRPr kumimoji="1" lang="ja-JP" altLang="en-US" sz="2800"/>
+              </a:p>
+            </p:txBody>
+          </p:sp>
+        </mc:Choice>
+        <mc:Fallback>
+          <p:sp>
+            <p:nvSpPr>
+              <p:cNvPr id="6" name="テキスト ボックス 5">
+                <a:extLst>
+                  <a:ext uri="{FF2B5EF4-FFF2-40B4-BE49-F238E27FC236}">
+                    <a16:creationId xmlns:a16="http://schemas.microsoft.com/office/drawing/2014/main" id="{F0B6ACE6-8DF9-6429-E608-7ED445AA57F9}"/>
+                  </a:ext>
+                </a:extLst>
+              </p:cNvPr>
+              <p:cNvSpPr txBox="1">
+                <a:spLocks noRot="1" noChangeAspect="1" noMove="1" noResize="1" noEditPoints="1" noAdjustHandles="1" noChangeArrowheads="1" noChangeShapeType="1" noTextEdit="1"/>
+              </p:cNvSpPr>
+              <p:nvPr/>
+            </p:nvSpPr>
+            <p:spPr>
+              <a:xfrm>
+                <a:off x="899592" y="2132856"/>
+                <a:ext cx="7007046" cy="954107"/>
+              </a:xfrm>
+              <a:prstGeom prst="rect">
+                <a:avLst/>
+              </a:prstGeom>
+              <a:blipFill>
+                <a:blip r:embed="rId2"/>
+                <a:stretch>
+                  <a:fillRect l="-1828" t="-8974" r="-870" b="-15385"/>
+                </a:stretch>
+              </a:blipFill>
+            </p:spPr>
+            <p:txBody>
+              <a:bodyPr/>
+              <a:lstStyle/>
+              <a:p>
+                <a:r>
+                  <a:rPr lang="ja-JP" altLang="en-US">
+                    <a:noFill/>
+                  </a:rPr>
+                  <a:t> </a:t>
+                </a:r>
+              </a:p>
+            </p:txBody>
+          </p:sp>
+        </mc:Fallback>
+      </mc:AlternateContent>
+      <p:sp>
+        <p:nvSpPr>
+          <p:cNvPr id="7" name="テキスト ボックス 6">
+            <a:extLst>
+              <a:ext uri="{FF2B5EF4-FFF2-40B4-BE49-F238E27FC236}">
+                <a16:creationId xmlns:a16="http://schemas.microsoft.com/office/drawing/2014/main" id="{E8E80501-A21F-7C07-140E-C8F6446230C6}"/>
+              </a:ext>
+            </a:extLst>
+          </p:cNvPr>
+          <p:cNvSpPr txBox="1"/>
+          <p:nvPr/>
+        </p:nvSpPr>
+        <p:spPr>
+          <a:xfrm>
+            <a:off x="467544" y="3356992"/>
+            <a:ext cx="5264583" cy="584775"/>
+          </a:xfrm>
+          <a:prstGeom prst="rect">
+            <a:avLst/>
+          </a:prstGeom>
+          <a:noFill/>
+        </p:spPr>
+        <p:txBody>
+          <a:bodyPr wrap="none" rtlCol="0">
+            <a:spAutoFit/>
+          </a:bodyPr>
+          <a:lstStyle/>
+          <a:p>
+            <a:r>
+              <a:rPr lang="ja-JP" altLang="en-US" sz="3200">
+                <a:solidFill>
+                  <a:srgbClr val="011893"/>
+                </a:solidFill>
+              </a:rPr>
+              <a:t>示強変数</a:t>
+            </a:r>
+            <a:r>
+              <a:rPr lang="en-US" altLang="ja-JP" sz="3200" dirty="0">
+                <a:solidFill>
+                  <a:srgbClr val="011893"/>
+                </a:solidFill>
+              </a:rPr>
+              <a:t>(intensive variable)</a:t>
+            </a:r>
+            <a:endParaRPr kumimoji="1" lang="ja-JP" altLang="en-US" sz="3200">
+              <a:solidFill>
+                <a:srgbClr val="011893"/>
+              </a:solidFill>
+            </a:endParaRPr>
+          </a:p>
+        </p:txBody>
+      </p:sp>
+      <mc:AlternateContent xmlns:mc="http://schemas.openxmlformats.org/markup-compatibility/2006">
+        <mc:Choice xmlns:a14="http://schemas.microsoft.com/office/drawing/2010/main" Requires="a14">
+          <p:sp>
+            <p:nvSpPr>
+              <p:cNvPr id="8" name="テキスト ボックス 7">
+                <a:extLst>
+                  <a:ext uri="{FF2B5EF4-FFF2-40B4-BE49-F238E27FC236}">
+                    <a16:creationId xmlns:a16="http://schemas.microsoft.com/office/drawing/2014/main" id="{095D0BD7-ED78-D343-758D-1D2B0C406CF5}"/>
+                  </a:ext>
+                </a:extLst>
+              </p:cNvPr>
+              <p:cNvSpPr txBox="1"/>
+              <p:nvPr/>
+            </p:nvSpPr>
+            <p:spPr>
+              <a:xfrm>
+                <a:off x="971600" y="3933056"/>
+                <a:ext cx="7725192" cy="954107"/>
+              </a:xfrm>
+              <a:prstGeom prst="rect">
+                <a:avLst/>
+              </a:prstGeom>
+              <a:noFill/>
+            </p:spPr>
+            <p:txBody>
+              <a:bodyPr wrap="none" rtlCol="0">
+                <a:spAutoFit/>
+              </a:bodyPr>
+              <a:lstStyle/>
+              <a:p>
+                <a:r>
+                  <a:rPr lang="ja-JP" altLang="en-US" sz="2800"/>
+                  <a:t>全く同じ系を二つつけた時、値が変わらない量</a:t>
+                </a:r>
+                <a:endParaRPr lang="en-US" altLang="ja-JP" sz="2800" dirty="0"/>
+              </a:p>
+              <a:p>
+                <a:r>
+                  <a:rPr lang="ja-JP" altLang="en-US" sz="2800"/>
+                  <a:t>圧力</a:t>
+                </a:r>
+                <a14:m>
+                  <m:oMath xmlns:m="http://schemas.openxmlformats.org/officeDocument/2006/math">
+                    <m:r>
+                      <a:rPr lang="en-US" altLang="ja-JP" sz="2800" b="0" i="1" smtClean="0">
+                        <a:latin typeface="Cambria Math" panose="02040503050406030204" pitchFamily="18" charset="0"/>
+                      </a:rPr>
+                      <m:t>𝑃</m:t>
+                    </m:r>
+                  </m:oMath>
+                </a14:m>
+                <a:r>
+                  <a:rPr kumimoji="1" lang="ja-JP" altLang="en-US" sz="2800"/>
+                  <a:t>、温度</a:t>
+                </a:r>
+                <a14:m>
+                  <m:oMath xmlns:m="http://schemas.openxmlformats.org/officeDocument/2006/math">
+                    <m:r>
+                      <a:rPr kumimoji="1" lang="en-US" altLang="ja-JP" sz="2800" b="0" i="1" smtClean="0">
+                        <a:latin typeface="Cambria Math" panose="02040503050406030204" pitchFamily="18" charset="0"/>
+                      </a:rPr>
+                      <m:t>𝑇</m:t>
+                    </m:r>
+                  </m:oMath>
+                </a14:m>
+                <a:r>
+                  <a:rPr kumimoji="1" lang="ja-JP" altLang="en-US" sz="2800"/>
+                  <a:t>、化学ポテンシャル</a:t>
+                </a:r>
+                <a14:m>
+                  <m:oMath xmlns:m="http://schemas.openxmlformats.org/officeDocument/2006/math">
+                    <m:r>
+                      <a:rPr kumimoji="1" lang="en-US" altLang="ja-JP" sz="2800" b="0" i="1" smtClean="0">
+                        <a:latin typeface="Cambria Math" panose="02040503050406030204" pitchFamily="18" charset="0"/>
+                      </a:rPr>
+                      <m:t>𝜇</m:t>
+                    </m:r>
+                  </m:oMath>
+                </a14:m>
+                <a:endParaRPr kumimoji="1" lang="ja-JP" altLang="en-US" sz="2800"/>
+              </a:p>
+            </p:txBody>
+          </p:sp>
+        </mc:Choice>
+        <mc:Fallback>
+          <p:sp>
+            <p:nvSpPr>
+              <p:cNvPr id="8" name="テキスト ボックス 7">
+                <a:extLst>
+                  <a:ext uri="{FF2B5EF4-FFF2-40B4-BE49-F238E27FC236}">
+                    <a16:creationId xmlns:a16="http://schemas.microsoft.com/office/drawing/2014/main" id="{095D0BD7-ED78-D343-758D-1D2B0C406CF5}"/>
+                  </a:ext>
+                </a:extLst>
+              </p:cNvPr>
+              <p:cNvSpPr txBox="1">
+                <a:spLocks noRot="1" noChangeAspect="1" noMove="1" noResize="1" noEditPoints="1" noAdjustHandles="1" noChangeArrowheads="1" noChangeShapeType="1" noTextEdit="1"/>
+              </p:cNvSpPr>
+              <p:nvPr/>
+            </p:nvSpPr>
+            <p:spPr>
+              <a:xfrm>
+                <a:off x="971600" y="3933056"/>
+                <a:ext cx="7725192" cy="954107"/>
+              </a:xfrm>
+              <a:prstGeom prst="rect">
+                <a:avLst/>
+              </a:prstGeom>
+              <a:blipFill>
+                <a:blip r:embed="rId3"/>
+                <a:stretch>
+                  <a:fillRect l="-1577" t="-8280" r="-631" b="-14650"/>
+                </a:stretch>
+              </a:blipFill>
+            </p:spPr>
+            <p:txBody>
+              <a:bodyPr/>
+              <a:lstStyle/>
+              <a:p>
+                <a:r>
+                  <a:rPr lang="ja-JP" altLang="en-US">
+                    <a:noFill/>
+                  </a:rPr>
+                  <a:t> </a:t>
+                </a:r>
+              </a:p>
+            </p:txBody>
+          </p:sp>
+        </mc:Fallback>
+      </mc:AlternateContent>
+      <p:sp>
+        <p:nvSpPr>
+          <p:cNvPr id="9" name="正方形/長方形 8">
+            <a:extLst>
+              <a:ext uri="{FF2B5EF4-FFF2-40B4-BE49-F238E27FC236}">
+                <a16:creationId xmlns:a16="http://schemas.microsoft.com/office/drawing/2014/main" id="{D4E6B8AA-99C4-9E63-EF1B-44F7B8AD5887}"/>
+              </a:ext>
+            </a:extLst>
+          </p:cNvPr>
+          <p:cNvSpPr/>
+          <p:nvPr/>
+        </p:nvSpPr>
+        <p:spPr>
+          <a:xfrm>
+            <a:off x="971600" y="5589240"/>
+            <a:ext cx="720080" cy="720080"/>
+          </a:xfrm>
+          <a:prstGeom prst="rect">
+            <a:avLst/>
+          </a:prstGeom>
+          <a:solidFill>
+            <a:schemeClr val="accent2">
+              <a:lumMod val="40000"/>
+              <a:lumOff val="60000"/>
+            </a:schemeClr>
+          </a:solidFill>
+          <a:ln>
+            <a:solidFill>
+              <a:schemeClr val="tx1"/>
+            </a:solidFill>
+          </a:ln>
+        </p:spPr>
+        <p:style>
+          <a:lnRef idx="2">
+            <a:schemeClr val="accent1">
+              <a:shade val="50000"/>
+            </a:schemeClr>
+          </a:lnRef>
+          <a:fillRef idx="1">
+            <a:schemeClr val="accent1"/>
+          </a:fillRef>
+          <a:effectRef idx="0">
+            <a:schemeClr val="accent1"/>
+          </a:effectRef>
+          <a:fontRef idx="minor">
+            <a:schemeClr val="lt1"/>
+          </a:fontRef>
+        </p:style>
+        <p:txBody>
+          <a:bodyPr rtlCol="0" anchor="ctr"/>
+          <a:lstStyle/>
+          <a:p>
+            <a:pPr algn="ctr"/>
+            <a:endParaRPr kumimoji="1" lang="ja-JP" altLang="en-US"/>
+          </a:p>
+        </p:txBody>
+      </p:sp>
+      <p:sp>
+        <p:nvSpPr>
+          <p:cNvPr id="10" name="正方形/長方形 9">
+            <a:extLst>
+              <a:ext uri="{FF2B5EF4-FFF2-40B4-BE49-F238E27FC236}">
+                <a16:creationId xmlns:a16="http://schemas.microsoft.com/office/drawing/2014/main" id="{ED9729D7-B41D-7B0F-900B-7DB4AE260854}"/>
+              </a:ext>
+            </a:extLst>
+          </p:cNvPr>
+          <p:cNvSpPr/>
+          <p:nvPr/>
+        </p:nvSpPr>
+        <p:spPr>
+          <a:xfrm>
+            <a:off x="1979712" y="5589240"/>
+            <a:ext cx="720080" cy="720080"/>
+          </a:xfrm>
+          <a:prstGeom prst="rect">
+            <a:avLst/>
+          </a:prstGeom>
+          <a:solidFill>
+            <a:schemeClr val="accent2">
+              <a:lumMod val="40000"/>
+              <a:lumOff val="60000"/>
+            </a:schemeClr>
+          </a:solidFill>
+          <a:ln>
+            <a:solidFill>
+              <a:schemeClr val="tx1"/>
+            </a:solidFill>
+          </a:ln>
+        </p:spPr>
+        <p:style>
+          <a:lnRef idx="2">
+            <a:schemeClr val="accent1">
+              <a:shade val="50000"/>
+            </a:schemeClr>
+          </a:lnRef>
+          <a:fillRef idx="1">
+            <a:schemeClr val="accent1"/>
+          </a:fillRef>
+          <a:effectRef idx="0">
+            <a:schemeClr val="accent1"/>
+          </a:effectRef>
+          <a:fontRef idx="minor">
+            <a:schemeClr val="lt1"/>
+          </a:fontRef>
+        </p:style>
+        <p:txBody>
+          <a:bodyPr rtlCol="0" anchor="ctr"/>
+          <a:lstStyle/>
+          <a:p>
+            <a:pPr algn="ctr"/>
+            <a:endParaRPr kumimoji="1" lang="ja-JP" altLang="en-US"/>
+          </a:p>
+        </p:txBody>
+      </p:sp>
+      <p:sp>
+        <p:nvSpPr>
+          <p:cNvPr id="11" name="矢印: 右 10">
+            <a:extLst>
+              <a:ext uri="{FF2B5EF4-FFF2-40B4-BE49-F238E27FC236}">
+                <a16:creationId xmlns:a16="http://schemas.microsoft.com/office/drawing/2014/main" id="{1EEC4A32-6AC6-3584-79FE-A5C21B7148F3}"/>
+              </a:ext>
+            </a:extLst>
+          </p:cNvPr>
+          <p:cNvSpPr/>
+          <p:nvPr/>
+        </p:nvSpPr>
+        <p:spPr>
+          <a:xfrm>
+            <a:off x="2987824" y="5733256"/>
+            <a:ext cx="576064" cy="484632"/>
+          </a:xfrm>
+          <a:prstGeom prst="rightArrow">
+            <a:avLst/>
+          </a:prstGeom>
+          <a:solidFill>
+            <a:srgbClr val="FF0000"/>
+          </a:solidFill>
+          <a:ln>
+            <a:solidFill>
+              <a:schemeClr val="tx1"/>
+            </a:solidFill>
+          </a:ln>
+        </p:spPr>
+        <p:style>
+          <a:lnRef idx="2">
+            <a:schemeClr val="accent1">
+              <a:shade val="50000"/>
+            </a:schemeClr>
+          </a:lnRef>
+          <a:fillRef idx="1">
+            <a:schemeClr val="accent1"/>
+          </a:fillRef>
+          <a:effectRef idx="0">
+            <a:schemeClr val="accent1"/>
+          </a:effectRef>
+          <a:fontRef idx="minor">
+            <a:schemeClr val="lt1"/>
+          </a:fontRef>
+        </p:style>
+        <p:txBody>
+          <a:bodyPr rtlCol="0" anchor="ctr"/>
+          <a:lstStyle/>
+          <a:p>
+            <a:pPr algn="ctr"/>
+            <a:endParaRPr kumimoji="1" lang="ja-JP" altLang="en-US"/>
+          </a:p>
+        </p:txBody>
+      </p:sp>
+      <p:sp>
+        <p:nvSpPr>
+          <p:cNvPr id="12" name="正方形/長方形 11">
+            <a:extLst>
+              <a:ext uri="{FF2B5EF4-FFF2-40B4-BE49-F238E27FC236}">
+                <a16:creationId xmlns:a16="http://schemas.microsoft.com/office/drawing/2014/main" id="{31507E0C-B25A-6128-ED4E-13268C8953BF}"/>
+              </a:ext>
+            </a:extLst>
+          </p:cNvPr>
+          <p:cNvSpPr/>
+          <p:nvPr/>
+        </p:nvSpPr>
+        <p:spPr>
+          <a:xfrm>
+            <a:off x="4067944" y="5589240"/>
+            <a:ext cx="720080" cy="720080"/>
+          </a:xfrm>
+          <a:prstGeom prst="rect">
+            <a:avLst/>
+          </a:prstGeom>
+          <a:solidFill>
+            <a:schemeClr val="accent2">
+              <a:lumMod val="40000"/>
+              <a:lumOff val="60000"/>
+            </a:schemeClr>
+          </a:solidFill>
+          <a:ln>
+            <a:solidFill>
+              <a:schemeClr val="tx1"/>
+            </a:solidFill>
+          </a:ln>
+        </p:spPr>
+        <p:style>
+          <a:lnRef idx="2">
+            <a:schemeClr val="accent1">
+              <a:shade val="50000"/>
+            </a:schemeClr>
+          </a:lnRef>
+          <a:fillRef idx="1">
+            <a:schemeClr val="accent1"/>
+          </a:fillRef>
+          <a:effectRef idx="0">
+            <a:schemeClr val="accent1"/>
+          </a:effectRef>
+          <a:fontRef idx="minor">
+            <a:schemeClr val="lt1"/>
+          </a:fontRef>
+        </p:style>
+        <p:txBody>
+          <a:bodyPr rtlCol="0" anchor="ctr"/>
+          <a:lstStyle/>
+          <a:p>
+            <a:pPr algn="ctr"/>
+            <a:endParaRPr kumimoji="1" lang="ja-JP" altLang="en-US"/>
+          </a:p>
+        </p:txBody>
+      </p:sp>
+      <p:sp>
+        <p:nvSpPr>
+          <p:cNvPr id="13" name="正方形/長方形 12">
+            <a:extLst>
+              <a:ext uri="{FF2B5EF4-FFF2-40B4-BE49-F238E27FC236}">
+                <a16:creationId xmlns:a16="http://schemas.microsoft.com/office/drawing/2014/main" id="{CF2B336F-7E37-53A4-6E63-3C554536B9B7}"/>
+              </a:ext>
+            </a:extLst>
+          </p:cNvPr>
+          <p:cNvSpPr/>
+          <p:nvPr/>
+        </p:nvSpPr>
+        <p:spPr>
+          <a:xfrm>
+            <a:off x="4788024" y="5589240"/>
+            <a:ext cx="720080" cy="720080"/>
+          </a:xfrm>
+          <a:prstGeom prst="rect">
+            <a:avLst/>
+          </a:prstGeom>
+          <a:solidFill>
+            <a:schemeClr val="accent2">
+              <a:lumMod val="40000"/>
+              <a:lumOff val="60000"/>
+            </a:schemeClr>
+          </a:solidFill>
+          <a:ln>
+            <a:solidFill>
+              <a:schemeClr val="tx1"/>
+            </a:solidFill>
+          </a:ln>
+        </p:spPr>
+        <p:style>
+          <a:lnRef idx="2">
+            <a:schemeClr val="accent1">
+              <a:shade val="50000"/>
+            </a:schemeClr>
+          </a:lnRef>
+          <a:fillRef idx="1">
+            <a:schemeClr val="accent1"/>
+          </a:fillRef>
+          <a:effectRef idx="0">
+            <a:schemeClr val="accent1"/>
+          </a:effectRef>
+          <a:fontRef idx="minor">
+            <a:schemeClr val="lt1"/>
+          </a:fontRef>
+        </p:style>
+        <p:txBody>
+          <a:bodyPr rtlCol="0" anchor="ctr"/>
+          <a:lstStyle/>
+          <a:p>
+            <a:pPr algn="ctr"/>
+            <a:endParaRPr kumimoji="1" lang="ja-JP" altLang="en-US"/>
+          </a:p>
+        </p:txBody>
+      </p:sp>
+      <p:sp>
+        <p:nvSpPr>
+          <p:cNvPr id="14" name="矢印: 右 13">
+            <a:extLst>
+              <a:ext uri="{FF2B5EF4-FFF2-40B4-BE49-F238E27FC236}">
+                <a16:creationId xmlns:a16="http://schemas.microsoft.com/office/drawing/2014/main" id="{1D33C4A1-913B-DF55-49CE-CD58299FABA1}"/>
+              </a:ext>
+            </a:extLst>
+          </p:cNvPr>
+          <p:cNvSpPr/>
+          <p:nvPr/>
+        </p:nvSpPr>
+        <p:spPr>
+          <a:xfrm>
+            <a:off x="5796136" y="5661248"/>
+            <a:ext cx="576064" cy="484632"/>
+          </a:xfrm>
+          <a:prstGeom prst="rightArrow">
+            <a:avLst/>
+          </a:prstGeom>
+          <a:solidFill>
+            <a:srgbClr val="FF0000"/>
+          </a:solidFill>
+          <a:ln>
+            <a:solidFill>
+              <a:schemeClr val="tx1"/>
+            </a:solidFill>
+          </a:ln>
+        </p:spPr>
+        <p:style>
+          <a:lnRef idx="2">
+            <a:schemeClr val="accent1">
+              <a:shade val="50000"/>
+            </a:schemeClr>
+          </a:lnRef>
+          <a:fillRef idx="1">
+            <a:schemeClr val="accent1"/>
+          </a:fillRef>
+          <a:effectRef idx="0">
+            <a:schemeClr val="accent1"/>
+          </a:effectRef>
+          <a:fontRef idx="minor">
+            <a:schemeClr val="lt1"/>
+          </a:fontRef>
+        </p:style>
+        <p:txBody>
+          <a:bodyPr rtlCol="0" anchor="ctr"/>
+          <a:lstStyle/>
+          <a:p>
+            <a:pPr algn="ctr"/>
+            <a:endParaRPr kumimoji="1" lang="ja-JP" altLang="en-US"/>
+          </a:p>
+        </p:txBody>
+      </p:sp>
+      <p:sp>
+        <p:nvSpPr>
+          <p:cNvPr id="15" name="正方形/長方形 14">
+            <a:extLst>
+              <a:ext uri="{FF2B5EF4-FFF2-40B4-BE49-F238E27FC236}">
+                <a16:creationId xmlns:a16="http://schemas.microsoft.com/office/drawing/2014/main" id="{00C673D0-C641-0271-8A59-00DE8B3D7DA9}"/>
+              </a:ext>
+            </a:extLst>
+          </p:cNvPr>
+          <p:cNvSpPr/>
+          <p:nvPr/>
+        </p:nvSpPr>
+        <p:spPr>
+          <a:xfrm>
+            <a:off x="6732240" y="5589240"/>
+            <a:ext cx="1440160" cy="720080"/>
+          </a:xfrm>
+          <a:prstGeom prst="rect">
+            <a:avLst/>
+          </a:prstGeom>
+          <a:solidFill>
+            <a:schemeClr val="accent2">
+              <a:lumMod val="40000"/>
+              <a:lumOff val="60000"/>
+            </a:schemeClr>
+          </a:solidFill>
+          <a:ln>
+            <a:solidFill>
+              <a:schemeClr val="tx1"/>
+            </a:solidFill>
+          </a:ln>
+        </p:spPr>
+        <p:style>
+          <a:lnRef idx="2">
+            <a:schemeClr val="accent1">
+              <a:shade val="50000"/>
+            </a:schemeClr>
+          </a:lnRef>
+          <a:fillRef idx="1">
+            <a:schemeClr val="accent1"/>
+          </a:fillRef>
+          <a:effectRef idx="0">
+            <a:schemeClr val="accent1"/>
+          </a:effectRef>
+          <a:fontRef idx="minor">
+            <a:schemeClr val="lt1"/>
+          </a:fontRef>
+        </p:style>
+        <p:txBody>
+          <a:bodyPr rtlCol="0" anchor="ctr"/>
+          <a:lstStyle/>
+          <a:p>
+            <a:pPr algn="ctr"/>
+            <a:endParaRPr kumimoji="1" lang="ja-JP" altLang="en-US"/>
+          </a:p>
+        </p:txBody>
+      </p:sp>
+      <p:cxnSp>
+        <p:nvCxnSpPr>
+          <p:cNvPr id="16" name="直線コネクタ 15">
+            <a:extLst>
+              <a:ext uri="{FF2B5EF4-FFF2-40B4-BE49-F238E27FC236}">
+                <a16:creationId xmlns:a16="http://schemas.microsoft.com/office/drawing/2014/main" id="{CC0B6DCF-7507-AEDC-8014-5E4F2306456B}"/>
+              </a:ext>
+            </a:extLst>
+          </p:cNvPr>
+          <p:cNvCxnSpPr>
+            <a:cxnSpLocks/>
+          </p:cNvCxnSpPr>
+          <p:nvPr/>
+        </p:nvCxnSpPr>
+        <p:spPr>
+          <a:xfrm flipV="1">
+            <a:off x="7452320" y="5229200"/>
+            <a:ext cx="0" cy="720080"/>
+          </a:xfrm>
+          <a:prstGeom prst="line">
+            <a:avLst/>
+          </a:prstGeom>
+          <a:ln>
+            <a:solidFill>
+              <a:schemeClr val="tx1"/>
+            </a:solidFill>
+            <a:headEnd type="none" w="med" len="med"/>
+            <a:tailEnd type="none" w="med" len="med"/>
+          </a:ln>
+        </p:spPr>
+        <p:style>
+          <a:lnRef idx="1">
+            <a:schemeClr val="accent1"/>
+          </a:lnRef>
+          <a:fillRef idx="0">
+            <a:schemeClr val="accent1"/>
+          </a:fillRef>
+          <a:effectRef idx="0">
+            <a:schemeClr val="accent1"/>
+          </a:effectRef>
+          <a:fontRef idx="minor">
+            <a:schemeClr val="tx1"/>
+          </a:fontRef>
+        </p:style>
+      </p:cxnSp>
+      <p:sp>
+        <p:nvSpPr>
+          <p:cNvPr id="17" name="矢印: 右 16">
+            <a:extLst>
+              <a:ext uri="{FF2B5EF4-FFF2-40B4-BE49-F238E27FC236}">
+                <a16:creationId xmlns:a16="http://schemas.microsoft.com/office/drawing/2014/main" id="{B4E2037A-9625-80CE-35B4-42EB79935E17}"/>
+              </a:ext>
+            </a:extLst>
+          </p:cNvPr>
+          <p:cNvSpPr/>
+          <p:nvPr/>
+        </p:nvSpPr>
+        <p:spPr>
+          <a:xfrm rot="16200000">
+            <a:off x="7279445" y="4826011"/>
+            <a:ext cx="363659" cy="305940"/>
+          </a:xfrm>
+          <a:prstGeom prst="rightArrow">
+            <a:avLst/>
+          </a:prstGeom>
+          <a:solidFill>
+            <a:srgbClr val="FF0000"/>
+          </a:solidFill>
+          <a:ln>
+            <a:solidFill>
+              <a:schemeClr val="tx1"/>
+            </a:solidFill>
+          </a:ln>
+        </p:spPr>
+        <p:style>
+          <a:lnRef idx="2">
+            <a:schemeClr val="accent1">
+              <a:shade val="50000"/>
+            </a:schemeClr>
+          </a:lnRef>
+          <a:fillRef idx="1">
+            <a:schemeClr val="accent1"/>
+          </a:fillRef>
+          <a:effectRef idx="0">
+            <a:schemeClr val="accent1"/>
+          </a:effectRef>
+          <a:fontRef idx="minor">
+            <a:schemeClr val="lt1"/>
+          </a:fontRef>
+        </p:style>
+        <p:txBody>
+          <a:bodyPr rtlCol="0" anchor="ctr"/>
+          <a:lstStyle/>
+          <a:p>
+            <a:pPr algn="ctr"/>
+            <a:endParaRPr kumimoji="1" lang="ja-JP" altLang="en-US"/>
+          </a:p>
+        </p:txBody>
+      </p:sp>
+    </p:spTree>
+    <p:extLst>
+      <p:ext uri="{BB962C8B-B14F-4D97-AF65-F5344CB8AC3E}">
+        <p14:creationId xmlns:p14="http://schemas.microsoft.com/office/powerpoint/2010/main" val="2846459856"/>
+      </p:ext>
+    </p:extLst>
+  </p:cSld>
+  <p:clrMapOvr>
+    <a:masterClrMapping/>
+  </p:clrMapOvr>
+</p:sld>
+</file>
+
+<file path=ppt/slides/slide14.xml><?xml version="1.0" encoding="utf-8"?>
+<p:sld xmlns:a="http://schemas.openxmlformats.org/drawingml/2006/main" xmlns:r="http://schemas.openxmlformats.org/officeDocument/2006/relationships" xmlns:p="http://schemas.openxmlformats.org/presentationml/2006/main">
+  <p:cSld>
+    <p:spTree>
+      <p:nvGrpSpPr>
+        <p:cNvPr id="1" name=""/>
+        <p:cNvGrpSpPr/>
+        <p:nvPr/>
+      </p:nvGrpSpPr>
+      <p:grpSpPr>
+        <a:xfrm>
+          <a:off x="0" y="0"/>
+          <a:ext cx="0" cy="0"/>
+          <a:chOff x="0" y="0"/>
+          <a:chExt cx="0" cy="0"/>
+        </a:xfrm>
+      </p:grpSpPr>
+      <p:sp>
+        <p:nvSpPr>
+          <p:cNvPr id="2" name="テキスト プレースホルダー 1">
+            <a:extLst>
+              <a:ext uri="{FF2B5EF4-FFF2-40B4-BE49-F238E27FC236}">
+                <a16:creationId xmlns:a16="http://schemas.microsoft.com/office/drawing/2014/main" id="{8CFB2D9A-F49C-36C0-C113-EE109BBB5393}"/>
+              </a:ext>
+            </a:extLst>
+          </p:cNvPr>
+          <p:cNvSpPr>
+            <a:spLocks noGrp="1"/>
+          </p:cNvSpPr>
+          <p:nvPr>
+            <p:ph type="body" sz="quarter" idx="10"/>
+          </p:nvPr>
+        </p:nvSpPr>
+        <p:spPr/>
+        <p:txBody>
+          <a:bodyPr/>
+          <a:lstStyle/>
+          <a:p>
+            <a:r>
+              <a:rPr lang="ja-JP" altLang="en-US"/>
+              <a:t>熱力学量</a:t>
+            </a:r>
+            <a:endParaRPr kumimoji="1" lang="ja-JP" altLang="en-US"/>
+          </a:p>
+        </p:txBody>
+      </p:sp>
+      <p:sp>
+        <p:nvSpPr>
+          <p:cNvPr id="3" name="テキスト ボックス 2">
+            <a:extLst>
+              <a:ext uri="{FF2B5EF4-FFF2-40B4-BE49-F238E27FC236}">
+                <a16:creationId xmlns:a16="http://schemas.microsoft.com/office/drawing/2014/main" id="{3A85C4B1-3664-1CF9-0F96-C43F31AE569D}"/>
+              </a:ext>
+            </a:extLst>
+          </p:cNvPr>
+          <p:cNvSpPr txBox="1"/>
+          <p:nvPr/>
+        </p:nvSpPr>
+        <p:spPr>
+          <a:xfrm>
+            <a:off x="1327430" y="1988840"/>
+            <a:ext cx="1826141" cy="584775"/>
+          </a:xfrm>
+          <a:prstGeom prst="rect">
+            <a:avLst/>
+          </a:prstGeom>
+          <a:noFill/>
+        </p:spPr>
+        <p:txBody>
+          <a:bodyPr wrap="none" rtlCol="0">
+            <a:spAutoFit/>
+          </a:bodyPr>
+          <a:lstStyle/>
+          <a:p>
+            <a:r>
+              <a:rPr lang="ja-JP" altLang="en-US" sz="3200">
+                <a:solidFill>
+                  <a:srgbClr val="011893"/>
+                </a:solidFill>
+              </a:rPr>
+              <a:t>示量変数</a:t>
+            </a:r>
+            <a:endParaRPr kumimoji="1" lang="ja-JP" altLang="en-US" sz="3200">
+              <a:solidFill>
+                <a:srgbClr val="011893"/>
+              </a:solidFill>
+            </a:endParaRPr>
+          </a:p>
+        </p:txBody>
+      </p:sp>
+      <p:sp>
+        <p:nvSpPr>
+          <p:cNvPr id="4" name="テキスト ボックス 3">
+            <a:extLst>
+              <a:ext uri="{FF2B5EF4-FFF2-40B4-BE49-F238E27FC236}">
+                <a16:creationId xmlns:a16="http://schemas.microsoft.com/office/drawing/2014/main" id="{6BE48658-635D-4855-ABDA-2695D1ED042D}"/>
+              </a:ext>
+            </a:extLst>
+          </p:cNvPr>
+          <p:cNvSpPr txBox="1"/>
+          <p:nvPr/>
+        </p:nvSpPr>
+        <p:spPr>
+          <a:xfrm>
+            <a:off x="5531138" y="1988840"/>
+            <a:ext cx="1826141" cy="584775"/>
+          </a:xfrm>
+          <a:prstGeom prst="rect">
+            <a:avLst/>
+          </a:prstGeom>
+          <a:noFill/>
+        </p:spPr>
+        <p:txBody>
+          <a:bodyPr wrap="none" rtlCol="0">
+            <a:spAutoFit/>
+          </a:bodyPr>
+          <a:lstStyle/>
+          <a:p>
+            <a:r>
+              <a:rPr lang="ja-JP" altLang="en-US" sz="3200">
+                <a:solidFill>
+                  <a:srgbClr val="011893"/>
+                </a:solidFill>
+              </a:rPr>
+              <a:t>示強変数</a:t>
+            </a:r>
+            <a:endParaRPr kumimoji="1" lang="ja-JP" altLang="en-US" sz="3200">
+              <a:solidFill>
+                <a:srgbClr val="011893"/>
+              </a:solidFill>
+            </a:endParaRPr>
+          </a:p>
+        </p:txBody>
+      </p:sp>
+      <mc:AlternateContent xmlns:mc="http://schemas.openxmlformats.org/markup-compatibility/2006">
+        <mc:Choice xmlns:a14="http://schemas.microsoft.com/office/drawing/2010/main" Requires="a14">
+          <p:sp>
+            <p:nvSpPr>
+              <p:cNvPr id="5" name="テキスト ボックス 4">
+                <a:extLst>
+                  <a:ext uri="{FF2B5EF4-FFF2-40B4-BE49-F238E27FC236}">
+                    <a16:creationId xmlns:a16="http://schemas.microsoft.com/office/drawing/2014/main" id="{566BC5D3-18A8-E804-D845-696CCE7FB00C}"/>
+                  </a:ext>
+                </a:extLst>
+              </p:cNvPr>
+              <p:cNvSpPr txBox="1"/>
+              <p:nvPr/>
+            </p:nvSpPr>
+            <p:spPr>
+              <a:xfrm>
+                <a:off x="1534890" y="2780928"/>
+                <a:ext cx="1411220" cy="646331"/>
+              </a:xfrm>
+              <a:prstGeom prst="rect">
+                <a:avLst/>
+              </a:prstGeom>
+              <a:noFill/>
+            </p:spPr>
+            <p:txBody>
+              <a:bodyPr wrap="none" rtlCol="0">
+                <a:spAutoFit/>
+              </a:bodyPr>
+              <a:lstStyle/>
+              <a:p>
+                <a:r>
+                  <a:rPr kumimoji="1" lang="ja-JP" altLang="en-US" sz="3600"/>
+                  <a:t>体積</a:t>
+                </a:r>
+                <a14:m>
+                  <m:oMath xmlns:m="http://schemas.openxmlformats.org/officeDocument/2006/math">
+                    <m:r>
+                      <a:rPr kumimoji="1" lang="en-US" altLang="ja-JP" sz="3600" b="0" i="1" smtClean="0">
+                        <a:latin typeface="Cambria Math" panose="02040503050406030204" pitchFamily="18" charset="0"/>
+                      </a:rPr>
+                      <m:t>𝑉</m:t>
+                    </m:r>
+                  </m:oMath>
+                </a14:m>
+                <a:endParaRPr kumimoji="1" lang="ja-JP" altLang="en-US" sz="3600"/>
+              </a:p>
+            </p:txBody>
+          </p:sp>
+        </mc:Choice>
+        <mc:Fallback>
+          <p:sp>
+            <p:nvSpPr>
+              <p:cNvPr id="5" name="テキスト ボックス 4">
+                <a:extLst>
+                  <a:ext uri="{FF2B5EF4-FFF2-40B4-BE49-F238E27FC236}">
+                    <a16:creationId xmlns:a16="http://schemas.microsoft.com/office/drawing/2014/main" id="{566BC5D3-18A8-E804-D845-696CCE7FB00C}"/>
+                  </a:ext>
+                </a:extLst>
+              </p:cNvPr>
+              <p:cNvSpPr txBox="1">
+                <a:spLocks noRot="1" noChangeAspect="1" noMove="1" noResize="1" noEditPoints="1" noAdjustHandles="1" noChangeArrowheads="1" noChangeShapeType="1" noTextEdit="1"/>
+              </p:cNvSpPr>
+              <p:nvPr/>
+            </p:nvSpPr>
+            <p:spPr>
+              <a:xfrm>
+                <a:off x="1534890" y="2780928"/>
+                <a:ext cx="1411220" cy="646331"/>
+              </a:xfrm>
+              <a:prstGeom prst="rect">
+                <a:avLst/>
+              </a:prstGeom>
+              <a:blipFill>
+                <a:blip r:embed="rId2"/>
+                <a:stretch>
+                  <a:fillRect l="-13420" t="-16981" b="-32075"/>
+                </a:stretch>
+              </a:blipFill>
+            </p:spPr>
+            <p:txBody>
+              <a:bodyPr/>
+              <a:lstStyle/>
+              <a:p>
+                <a:r>
+                  <a:rPr lang="ja-JP" altLang="en-US">
+                    <a:noFill/>
+                  </a:rPr>
+                  <a:t> </a:t>
+                </a:r>
+              </a:p>
+            </p:txBody>
+          </p:sp>
+        </mc:Fallback>
+      </mc:AlternateContent>
+      <mc:AlternateContent xmlns:mc="http://schemas.openxmlformats.org/markup-compatibility/2006">
+        <mc:Choice xmlns:a14="http://schemas.microsoft.com/office/drawing/2010/main" Requires="a14">
+          <p:sp>
+            <p:nvSpPr>
+              <p:cNvPr id="6" name="テキスト ボックス 5">
+                <a:extLst>
+                  <a:ext uri="{FF2B5EF4-FFF2-40B4-BE49-F238E27FC236}">
+                    <a16:creationId xmlns:a16="http://schemas.microsoft.com/office/drawing/2014/main" id="{E75923B2-6480-F0FD-E142-9A5E11DDE3F8}"/>
+                  </a:ext>
+                </a:extLst>
+              </p:cNvPr>
+              <p:cNvSpPr txBox="1"/>
+              <p:nvPr/>
+            </p:nvSpPr>
+            <p:spPr>
+              <a:xfrm>
+                <a:off x="5741099" y="2780928"/>
+                <a:ext cx="1406219" cy="646331"/>
+              </a:xfrm>
+              <a:prstGeom prst="rect">
+                <a:avLst/>
+              </a:prstGeom>
+              <a:noFill/>
+            </p:spPr>
+            <p:txBody>
+              <a:bodyPr wrap="square" rtlCol="0">
+                <a:spAutoFit/>
+              </a:bodyPr>
+              <a:lstStyle/>
+              <a:p>
+                <a:r>
+                  <a:rPr kumimoji="1" lang="ja-JP" altLang="en-US" sz="3600"/>
+                  <a:t>圧力</a:t>
+                </a:r>
+                <a14:m>
+                  <m:oMath xmlns:m="http://schemas.openxmlformats.org/officeDocument/2006/math">
+                    <m:r>
+                      <a:rPr kumimoji="1" lang="en-US" altLang="ja-JP" sz="3600" b="0" i="1" smtClean="0">
+                        <a:latin typeface="Cambria Math" panose="02040503050406030204" pitchFamily="18" charset="0"/>
+                      </a:rPr>
+                      <m:t>𝑃</m:t>
+                    </m:r>
+                  </m:oMath>
+                </a14:m>
+                <a:endParaRPr kumimoji="1" lang="ja-JP" altLang="en-US" sz="3600"/>
+              </a:p>
+            </p:txBody>
+          </p:sp>
+        </mc:Choice>
+        <mc:Fallback>
+          <p:sp>
+            <p:nvSpPr>
+              <p:cNvPr id="6" name="テキスト ボックス 5">
+                <a:extLst>
+                  <a:ext uri="{FF2B5EF4-FFF2-40B4-BE49-F238E27FC236}">
+                    <a16:creationId xmlns:a16="http://schemas.microsoft.com/office/drawing/2014/main" id="{E75923B2-6480-F0FD-E142-9A5E11DDE3F8}"/>
+                  </a:ext>
+                </a:extLst>
+              </p:cNvPr>
+              <p:cNvSpPr txBox="1">
+                <a:spLocks noRot="1" noChangeAspect="1" noMove="1" noResize="1" noEditPoints="1" noAdjustHandles="1" noChangeArrowheads="1" noChangeShapeType="1" noTextEdit="1"/>
+              </p:cNvSpPr>
+              <p:nvPr/>
+            </p:nvSpPr>
+            <p:spPr>
+              <a:xfrm>
+                <a:off x="5741099" y="2780928"/>
+                <a:ext cx="1406219" cy="646331"/>
+              </a:xfrm>
+              <a:prstGeom prst="rect">
+                <a:avLst/>
+              </a:prstGeom>
+              <a:blipFill>
+                <a:blip r:embed="rId3"/>
+                <a:stretch>
+                  <a:fillRect l="-13478" t="-16981" b="-32075"/>
+                </a:stretch>
+              </a:blipFill>
+            </p:spPr>
+            <p:txBody>
+              <a:bodyPr/>
+              <a:lstStyle/>
+              <a:p>
+                <a:r>
+                  <a:rPr lang="ja-JP" altLang="en-US">
+                    <a:noFill/>
+                  </a:rPr>
+                  <a:t> </a:t>
+                </a:r>
+              </a:p>
+            </p:txBody>
+          </p:sp>
+        </mc:Fallback>
+      </mc:AlternateContent>
+      <p:sp>
+        <p:nvSpPr>
+          <p:cNvPr id="7" name="テキスト ボックス 6">
+            <a:extLst>
+              <a:ext uri="{FF2B5EF4-FFF2-40B4-BE49-F238E27FC236}">
+                <a16:creationId xmlns:a16="http://schemas.microsoft.com/office/drawing/2014/main" id="{D5066AD1-1E23-05FA-A93F-C837DA4CF5ED}"/>
+              </a:ext>
+            </a:extLst>
+          </p:cNvPr>
+          <p:cNvSpPr txBox="1"/>
+          <p:nvPr/>
+        </p:nvSpPr>
+        <p:spPr>
+          <a:xfrm>
+            <a:off x="251520" y="1196752"/>
+            <a:ext cx="8443337" cy="523220"/>
+          </a:xfrm>
+          <a:prstGeom prst="rect">
+            <a:avLst/>
+          </a:prstGeom>
+          <a:noFill/>
+        </p:spPr>
+        <p:txBody>
+          <a:bodyPr wrap="none" rtlCol="0">
+            <a:spAutoFit/>
+          </a:bodyPr>
+          <a:lstStyle/>
+          <a:p>
+            <a:r>
+              <a:rPr kumimoji="1" lang="ja-JP" altLang="en-US" sz="2800"/>
+              <a:t>かけたらエネルギーになる量をお互いに共役と呼ぶ</a:t>
+            </a:r>
+          </a:p>
+        </p:txBody>
+      </p:sp>
+      <mc:AlternateContent xmlns:mc="http://schemas.openxmlformats.org/markup-compatibility/2006">
+        <mc:Choice xmlns:a14="http://schemas.microsoft.com/office/drawing/2010/main" Requires="a14">
+          <p:sp>
+            <p:nvSpPr>
+              <p:cNvPr id="8" name="テキスト ボックス 7">
+                <a:extLst>
+                  <a:ext uri="{FF2B5EF4-FFF2-40B4-BE49-F238E27FC236}">
+                    <a16:creationId xmlns:a16="http://schemas.microsoft.com/office/drawing/2014/main" id="{D3326231-41EA-5707-1D43-67482CC120A0}"/>
+                  </a:ext>
+                </a:extLst>
+              </p:cNvPr>
+              <p:cNvSpPr txBox="1"/>
+              <p:nvPr/>
+            </p:nvSpPr>
+            <p:spPr>
+              <a:xfrm>
+                <a:off x="5741099" y="3933056"/>
+                <a:ext cx="1406219" cy="646331"/>
+              </a:xfrm>
+              <a:prstGeom prst="rect">
+                <a:avLst/>
+              </a:prstGeom>
+              <a:noFill/>
+            </p:spPr>
+            <p:txBody>
+              <a:bodyPr wrap="none" rtlCol="0">
+                <a:spAutoFit/>
+              </a:bodyPr>
+              <a:lstStyle/>
+              <a:p>
+                <a:r>
+                  <a:rPr lang="ja-JP" altLang="en-US" sz="3600">
+                    <a:solidFill>
+                      <a:schemeClr val="tx1"/>
+                    </a:solidFill>
+                  </a:rPr>
+                  <a:t>温度</a:t>
+                </a:r>
+                <a14:m>
+                  <m:oMath xmlns:m="http://schemas.openxmlformats.org/officeDocument/2006/math">
+                    <m:r>
+                      <a:rPr kumimoji="1" lang="en-US" altLang="ja-JP" sz="3600" b="0" i="1" smtClean="0">
+                        <a:solidFill>
+                          <a:schemeClr val="tx1"/>
+                        </a:solidFill>
+                        <a:latin typeface="Cambria Math" panose="02040503050406030204" pitchFamily="18" charset="0"/>
+                      </a:rPr>
+                      <m:t>𝑇</m:t>
+                    </m:r>
+                  </m:oMath>
+                </a14:m>
+                <a:endParaRPr kumimoji="1" lang="ja-JP" altLang="en-US" sz="3600">
+                  <a:solidFill>
+                    <a:schemeClr val="tx1"/>
+                  </a:solidFill>
+                </a:endParaRPr>
+              </a:p>
+            </p:txBody>
+          </p:sp>
+        </mc:Choice>
+        <mc:Fallback>
+          <p:sp>
+            <p:nvSpPr>
+              <p:cNvPr id="8" name="テキスト ボックス 7">
+                <a:extLst>
+                  <a:ext uri="{FF2B5EF4-FFF2-40B4-BE49-F238E27FC236}">
+                    <a16:creationId xmlns:a16="http://schemas.microsoft.com/office/drawing/2014/main" id="{D3326231-41EA-5707-1D43-67482CC120A0}"/>
+                  </a:ext>
+                </a:extLst>
+              </p:cNvPr>
+              <p:cNvSpPr txBox="1">
+                <a:spLocks noRot="1" noChangeAspect="1" noMove="1" noResize="1" noEditPoints="1" noAdjustHandles="1" noChangeArrowheads="1" noChangeShapeType="1" noTextEdit="1"/>
+              </p:cNvSpPr>
+              <p:nvPr/>
+            </p:nvSpPr>
+            <p:spPr>
+              <a:xfrm>
+                <a:off x="5741099" y="3933056"/>
+                <a:ext cx="1406219" cy="646331"/>
+              </a:xfrm>
+              <a:prstGeom prst="rect">
+                <a:avLst/>
+              </a:prstGeom>
+              <a:blipFill>
+                <a:blip r:embed="rId4"/>
+                <a:stretch>
+                  <a:fillRect l="-13478" t="-16981" b="-32075"/>
+                </a:stretch>
+              </a:blipFill>
+            </p:spPr>
+            <p:txBody>
+              <a:bodyPr/>
+              <a:lstStyle/>
+              <a:p>
+                <a:r>
+                  <a:rPr lang="ja-JP" altLang="en-US">
+                    <a:noFill/>
+                  </a:rPr>
+                  <a:t> </a:t>
+                </a:r>
+              </a:p>
+            </p:txBody>
+          </p:sp>
+        </mc:Fallback>
+      </mc:AlternateContent>
+      <mc:AlternateContent xmlns:mc="http://schemas.openxmlformats.org/markup-compatibility/2006">
+        <mc:Choice xmlns:a14="http://schemas.microsoft.com/office/drawing/2010/main" Requires="a14">
+          <p:sp>
+            <p:nvSpPr>
+              <p:cNvPr id="9" name="テキスト ボックス 8">
+                <a:extLst>
+                  <a:ext uri="{FF2B5EF4-FFF2-40B4-BE49-F238E27FC236}">
+                    <a16:creationId xmlns:a16="http://schemas.microsoft.com/office/drawing/2014/main" id="{B50795DA-6A28-92B3-5937-76F5DA215D65}"/>
+                  </a:ext>
+                </a:extLst>
+              </p:cNvPr>
+              <p:cNvSpPr txBox="1"/>
+              <p:nvPr/>
+            </p:nvSpPr>
+            <p:spPr>
+              <a:xfrm>
+                <a:off x="611560" y="3933056"/>
+                <a:ext cx="3257880" cy="646331"/>
+              </a:xfrm>
+              <a:prstGeom prst="rect">
+                <a:avLst/>
+              </a:prstGeom>
+              <a:noFill/>
+            </p:spPr>
+            <p:txBody>
+              <a:bodyPr wrap="none" rtlCol="0">
+                <a:spAutoFit/>
+              </a:bodyPr>
+              <a:lstStyle/>
+              <a:p>
+                <a:r>
+                  <a:rPr kumimoji="1" lang="ja-JP" altLang="en-US" sz="3600">
+                    <a:solidFill>
+                      <a:schemeClr val="tx1"/>
+                    </a:solidFill>
+                  </a:rPr>
+                  <a:t>エントロピー</a:t>
+                </a:r>
+                <a14:m>
+                  <m:oMath xmlns:m="http://schemas.openxmlformats.org/officeDocument/2006/math">
+                    <m:r>
+                      <a:rPr kumimoji="1" lang="en-US" altLang="ja-JP" sz="3600" b="0" i="1" smtClean="0">
+                        <a:solidFill>
+                          <a:schemeClr val="tx1"/>
+                        </a:solidFill>
+                        <a:latin typeface="Cambria Math" panose="02040503050406030204" pitchFamily="18" charset="0"/>
+                      </a:rPr>
+                      <m:t>𝑆</m:t>
+                    </m:r>
+                  </m:oMath>
+                </a14:m>
+                <a:endParaRPr kumimoji="1" lang="ja-JP" altLang="en-US" sz="3600">
+                  <a:solidFill>
+                    <a:schemeClr val="tx1"/>
+                  </a:solidFill>
+                </a:endParaRPr>
+              </a:p>
+            </p:txBody>
+          </p:sp>
+        </mc:Choice>
+        <mc:Fallback>
+          <p:sp>
+            <p:nvSpPr>
+              <p:cNvPr id="9" name="テキスト ボックス 8">
+                <a:extLst>
+                  <a:ext uri="{FF2B5EF4-FFF2-40B4-BE49-F238E27FC236}">
+                    <a16:creationId xmlns:a16="http://schemas.microsoft.com/office/drawing/2014/main" id="{B50795DA-6A28-92B3-5937-76F5DA215D65}"/>
+                  </a:ext>
+                </a:extLst>
+              </p:cNvPr>
+              <p:cNvSpPr txBox="1">
+                <a:spLocks noRot="1" noChangeAspect="1" noMove="1" noResize="1" noEditPoints="1" noAdjustHandles="1" noChangeArrowheads="1" noChangeShapeType="1" noTextEdit="1"/>
+              </p:cNvSpPr>
+              <p:nvPr/>
+            </p:nvSpPr>
+            <p:spPr>
+              <a:xfrm>
+                <a:off x="611560" y="3933056"/>
+                <a:ext cx="3257880" cy="646331"/>
+              </a:xfrm>
+              <a:prstGeom prst="rect">
+                <a:avLst/>
+              </a:prstGeom>
+              <a:blipFill>
+                <a:blip r:embed="rId5"/>
+                <a:stretch>
+                  <a:fillRect l="-5607" t="-16981" b="-32075"/>
+                </a:stretch>
+              </a:blipFill>
+            </p:spPr>
+            <p:txBody>
+              <a:bodyPr/>
+              <a:lstStyle/>
+              <a:p>
+                <a:r>
+                  <a:rPr lang="ja-JP" altLang="en-US">
+                    <a:noFill/>
+                  </a:rPr>
+                  <a:t> </a:t>
+                </a:r>
+              </a:p>
+            </p:txBody>
+          </p:sp>
+        </mc:Fallback>
+      </mc:AlternateContent>
+      <mc:AlternateContent xmlns:mc="http://schemas.openxmlformats.org/markup-compatibility/2006">
+        <mc:Choice xmlns:a14="http://schemas.microsoft.com/office/drawing/2010/main" Requires="a14">
+          <p:sp>
+            <p:nvSpPr>
+              <p:cNvPr id="10" name="テキスト ボックス 9">
+                <a:extLst>
+                  <a:ext uri="{FF2B5EF4-FFF2-40B4-BE49-F238E27FC236}">
+                    <a16:creationId xmlns:a16="http://schemas.microsoft.com/office/drawing/2014/main" id="{64CE2940-E380-C3A6-37C7-A8D3374D23B4}"/>
+                  </a:ext>
+                </a:extLst>
+              </p:cNvPr>
+              <p:cNvSpPr txBox="1"/>
+              <p:nvPr/>
+            </p:nvSpPr>
+            <p:spPr>
+              <a:xfrm>
+                <a:off x="1280910" y="5085184"/>
+                <a:ext cx="1919180" cy="646331"/>
+              </a:xfrm>
+              <a:prstGeom prst="rect">
+                <a:avLst/>
+              </a:prstGeom>
+              <a:noFill/>
+            </p:spPr>
+            <p:txBody>
+              <a:bodyPr wrap="none" rtlCol="0">
+                <a:spAutoFit/>
+              </a:bodyPr>
+              <a:lstStyle/>
+              <a:p>
+                <a:r>
+                  <a:rPr lang="ja-JP" altLang="en-US" sz="3600"/>
+                  <a:t>物質量</a:t>
+                </a:r>
+                <a14:m>
+                  <m:oMath xmlns:m="http://schemas.openxmlformats.org/officeDocument/2006/math">
+                    <m:r>
+                      <a:rPr kumimoji="1" lang="en-US" altLang="ja-JP" sz="3600" b="0" i="1" smtClean="0">
+                        <a:latin typeface="Cambria Math" panose="02040503050406030204" pitchFamily="18" charset="0"/>
+                      </a:rPr>
+                      <m:t>𝑁</m:t>
+                    </m:r>
+                  </m:oMath>
+                </a14:m>
+                <a:endParaRPr kumimoji="1" lang="ja-JP" altLang="en-US" sz="3600"/>
+              </a:p>
+            </p:txBody>
+          </p:sp>
+        </mc:Choice>
+        <mc:Fallback>
+          <p:sp>
+            <p:nvSpPr>
+              <p:cNvPr id="10" name="テキスト ボックス 9">
+                <a:extLst>
+                  <a:ext uri="{FF2B5EF4-FFF2-40B4-BE49-F238E27FC236}">
+                    <a16:creationId xmlns:a16="http://schemas.microsoft.com/office/drawing/2014/main" id="{64CE2940-E380-C3A6-37C7-A8D3374D23B4}"/>
+                  </a:ext>
+                </a:extLst>
+              </p:cNvPr>
+              <p:cNvSpPr txBox="1">
+                <a:spLocks noRot="1" noChangeAspect="1" noMove="1" noResize="1" noEditPoints="1" noAdjustHandles="1" noChangeArrowheads="1" noChangeShapeType="1" noTextEdit="1"/>
+              </p:cNvSpPr>
+              <p:nvPr/>
+            </p:nvSpPr>
+            <p:spPr>
+              <a:xfrm>
+                <a:off x="1280910" y="5085184"/>
+                <a:ext cx="1919180" cy="646331"/>
+              </a:xfrm>
+              <a:prstGeom prst="rect">
+                <a:avLst/>
+              </a:prstGeom>
+              <a:blipFill>
+                <a:blip r:embed="rId6"/>
+                <a:stretch>
+                  <a:fillRect l="-9524" t="-16981" b="-32075"/>
+                </a:stretch>
+              </a:blipFill>
+            </p:spPr>
+            <p:txBody>
+              <a:bodyPr/>
+              <a:lstStyle/>
+              <a:p>
+                <a:r>
+                  <a:rPr lang="ja-JP" altLang="en-US">
+                    <a:noFill/>
+                  </a:rPr>
+                  <a:t> </a:t>
+                </a:r>
+              </a:p>
+            </p:txBody>
+          </p:sp>
+        </mc:Fallback>
+      </mc:AlternateContent>
+      <mc:AlternateContent xmlns:mc="http://schemas.openxmlformats.org/markup-compatibility/2006">
+        <mc:Choice xmlns:a14="http://schemas.microsoft.com/office/drawing/2010/main" Requires="a14">
+          <p:sp>
+            <p:nvSpPr>
+              <p:cNvPr id="11" name="テキスト ボックス 10">
+                <a:extLst>
+                  <a:ext uri="{FF2B5EF4-FFF2-40B4-BE49-F238E27FC236}">
+                    <a16:creationId xmlns:a16="http://schemas.microsoft.com/office/drawing/2014/main" id="{08C38F63-2AD4-A687-12EF-0E13A980F5B5}"/>
+                  </a:ext>
+                </a:extLst>
+              </p:cNvPr>
+              <p:cNvSpPr txBox="1"/>
+              <p:nvPr/>
+            </p:nvSpPr>
+            <p:spPr>
+              <a:xfrm>
+                <a:off x="4355976" y="5085184"/>
+                <a:ext cx="4176464" cy="646331"/>
+              </a:xfrm>
+              <a:prstGeom prst="rect">
+                <a:avLst/>
+              </a:prstGeom>
+              <a:noFill/>
+            </p:spPr>
+            <p:txBody>
+              <a:bodyPr wrap="square" rtlCol="0">
+                <a:spAutoFit/>
+              </a:bodyPr>
+              <a:lstStyle/>
+              <a:p>
+                <a:r>
+                  <a:rPr kumimoji="1" lang="ja-JP" altLang="en-US" sz="3600"/>
+                  <a:t>化学ポテンシャル</a:t>
+                </a:r>
+                <a14:m>
+                  <m:oMath xmlns:m="http://schemas.openxmlformats.org/officeDocument/2006/math">
+                    <m:r>
+                      <a:rPr kumimoji="1" lang="en-US" altLang="ja-JP" sz="3600" b="0" i="1" smtClean="0">
+                        <a:latin typeface="Cambria Math" panose="02040503050406030204" pitchFamily="18" charset="0"/>
+                      </a:rPr>
+                      <m:t>𝜇</m:t>
+                    </m:r>
+                  </m:oMath>
+                </a14:m>
+                <a:endParaRPr kumimoji="1" lang="ja-JP" altLang="en-US" sz="3600"/>
+              </a:p>
+            </p:txBody>
+          </p:sp>
+        </mc:Choice>
+        <mc:Fallback>
+          <p:sp>
+            <p:nvSpPr>
+              <p:cNvPr id="11" name="テキスト ボックス 10">
+                <a:extLst>
+                  <a:ext uri="{FF2B5EF4-FFF2-40B4-BE49-F238E27FC236}">
+                    <a16:creationId xmlns:a16="http://schemas.microsoft.com/office/drawing/2014/main" id="{08C38F63-2AD4-A687-12EF-0E13A980F5B5}"/>
+                  </a:ext>
+                </a:extLst>
+              </p:cNvPr>
+              <p:cNvSpPr txBox="1">
+                <a:spLocks noRot="1" noChangeAspect="1" noMove="1" noResize="1" noEditPoints="1" noAdjustHandles="1" noChangeArrowheads="1" noChangeShapeType="1" noTextEdit="1"/>
+              </p:cNvSpPr>
+              <p:nvPr/>
+            </p:nvSpPr>
+            <p:spPr>
+              <a:xfrm>
+                <a:off x="4355976" y="5085184"/>
+                <a:ext cx="4176464" cy="646331"/>
+              </a:xfrm>
+              <a:prstGeom prst="rect">
+                <a:avLst/>
+              </a:prstGeom>
+              <a:blipFill>
+                <a:blip r:embed="rId7"/>
+                <a:stretch>
+                  <a:fillRect l="-4526" t="-16981" b="-32075"/>
+                </a:stretch>
+              </a:blipFill>
+            </p:spPr>
+            <p:txBody>
+              <a:bodyPr/>
+              <a:lstStyle/>
+              <a:p>
+                <a:r>
+                  <a:rPr lang="ja-JP" altLang="en-US">
+                    <a:noFill/>
+                  </a:rPr>
+                  <a:t> </a:t>
+                </a:r>
+              </a:p>
+            </p:txBody>
+          </p:sp>
+        </mc:Fallback>
+      </mc:AlternateContent>
+    </p:spTree>
+    <p:extLst>
+      <p:ext uri="{BB962C8B-B14F-4D97-AF65-F5344CB8AC3E}">
+        <p14:creationId xmlns:p14="http://schemas.microsoft.com/office/powerpoint/2010/main" val="2117508860"/>
+      </p:ext>
+    </p:extLst>
+  </p:cSld>
+  <p:clrMapOvr>
+    <a:masterClrMapping/>
+  </p:clrMapOvr>
+</p:sld>
+</file>
+
+<file path=ppt/slides/slide15.xml><?xml version="1.0" encoding="utf-8"?>
+<p:sld xmlns:a="http://schemas.openxmlformats.org/drawingml/2006/main" xmlns:r="http://schemas.openxmlformats.org/officeDocument/2006/relationships" xmlns:p="http://schemas.openxmlformats.org/presentationml/2006/main">
+  <p:cSld>
+    <p:spTree>
+      <p:nvGrpSpPr>
+        <p:cNvPr id="1" name=""/>
+        <p:cNvGrpSpPr/>
+        <p:nvPr/>
+      </p:nvGrpSpPr>
+      <p:grpSpPr>
+        <a:xfrm>
+          <a:off x="0" y="0"/>
+          <a:ext cx="0" cy="0"/>
+          <a:chOff x="0" y="0"/>
+          <a:chExt cx="0" cy="0"/>
+        </a:xfrm>
+      </p:grpSpPr>
+      <p:sp>
+        <p:nvSpPr>
+          <p:cNvPr id="2" name="テキスト プレースホルダー 1">
+            <a:extLst>
+              <a:ext uri="{FF2B5EF4-FFF2-40B4-BE49-F238E27FC236}">
+                <a16:creationId xmlns:a16="http://schemas.microsoft.com/office/drawing/2014/main" id="{9A16182E-C2EB-FCE3-9AFF-C58A17912897}"/>
+              </a:ext>
+            </a:extLst>
+          </p:cNvPr>
+          <p:cNvSpPr>
+            <a:spLocks noGrp="1"/>
+          </p:cNvSpPr>
+          <p:nvPr>
+            <p:ph type="body" sz="quarter" idx="10"/>
+          </p:nvPr>
+        </p:nvSpPr>
+        <p:spPr/>
+        <p:txBody>
+          <a:bodyPr/>
+          <a:lstStyle/>
+          <a:p>
+            <a:r>
+              <a:rPr lang="ja-JP" altLang="en-US"/>
+              <a:t>熱力学量</a:t>
+            </a:r>
+            <a:endParaRPr kumimoji="1" lang="ja-JP" altLang="en-US"/>
+          </a:p>
+        </p:txBody>
+      </p:sp>
+      <mc:AlternateContent xmlns:mc="http://schemas.openxmlformats.org/markup-compatibility/2006">
+        <mc:Choice xmlns:a14="http://schemas.microsoft.com/office/drawing/2010/main" Requires="a14">
+          <p:sp>
+            <p:nvSpPr>
+              <p:cNvPr id="3" name="テキスト ボックス 2">
+                <a:extLst>
+                  <a:ext uri="{FF2B5EF4-FFF2-40B4-BE49-F238E27FC236}">
+                    <a16:creationId xmlns:a16="http://schemas.microsoft.com/office/drawing/2014/main" id="{F7894F43-666A-257B-0CC1-675EB70CB808}"/>
+                  </a:ext>
+                </a:extLst>
+              </p:cNvPr>
+              <p:cNvSpPr txBox="1"/>
+              <p:nvPr/>
+            </p:nvSpPr>
+            <p:spPr>
+              <a:xfrm>
+                <a:off x="2699792" y="1196752"/>
+                <a:ext cx="2729145" cy="769441"/>
+              </a:xfrm>
+              <a:prstGeom prst="rect">
+                <a:avLst/>
+              </a:prstGeom>
+              <a:noFill/>
+            </p:spPr>
+            <p:txBody>
+              <a:bodyPr wrap="none" rtlCol="0">
+                <a:spAutoFit/>
+              </a:bodyPr>
+              <a:lstStyle/>
+              <a:p>
+                <a:pPr/>
+                <a14:m>
+                  <m:oMathPara xmlns:m="http://schemas.openxmlformats.org/officeDocument/2006/math">
+                    <m:oMathParaPr>
+                      <m:jc m:val="centerGroup"/>
+                    </m:oMathParaPr>
+                    <m:oMath xmlns:m="http://schemas.openxmlformats.org/officeDocument/2006/math">
+                      <m:r>
+                        <a:rPr kumimoji="1" lang="en-US" altLang="ja-JP" sz="4400" b="0" i="1" smtClean="0">
+                          <a:latin typeface="Cambria Math" panose="02040503050406030204" pitchFamily="18" charset="0"/>
+                        </a:rPr>
+                        <m:t>𝑈</m:t>
+                      </m:r>
+                      <m:r>
+                        <a:rPr kumimoji="1" lang="en-US" altLang="ja-JP" sz="4400" b="0" i="1" smtClean="0">
+                          <a:latin typeface="Cambria Math" panose="02040503050406030204" pitchFamily="18" charset="0"/>
+                        </a:rPr>
+                        <m:t>(</m:t>
+                      </m:r>
+                      <m:r>
+                        <a:rPr kumimoji="1" lang="en-US" altLang="ja-JP" sz="4400" b="0" i="1" smtClean="0">
+                          <a:latin typeface="Cambria Math" panose="02040503050406030204" pitchFamily="18" charset="0"/>
+                        </a:rPr>
+                        <m:t>𝑆</m:t>
+                      </m:r>
+                      <m:r>
+                        <a:rPr kumimoji="1" lang="en-US" altLang="ja-JP" sz="4400" b="0" i="1" smtClean="0">
+                          <a:latin typeface="Cambria Math" panose="02040503050406030204" pitchFamily="18" charset="0"/>
+                        </a:rPr>
+                        <m:t>,</m:t>
+                      </m:r>
+                      <m:r>
+                        <a:rPr kumimoji="1" lang="en-US" altLang="ja-JP" sz="4400" b="0" i="1" smtClean="0">
+                          <a:latin typeface="Cambria Math" panose="02040503050406030204" pitchFamily="18" charset="0"/>
+                        </a:rPr>
+                        <m:t>𝑉</m:t>
+                      </m:r>
+                      <m:r>
+                        <a:rPr kumimoji="1" lang="en-US" altLang="ja-JP" sz="4400" b="0" i="1" smtClean="0">
+                          <a:latin typeface="Cambria Math" panose="02040503050406030204" pitchFamily="18" charset="0"/>
+                        </a:rPr>
+                        <m:t>,</m:t>
+                      </m:r>
+                      <m:r>
+                        <a:rPr kumimoji="1" lang="en-US" altLang="ja-JP" sz="4400" b="0" i="1" smtClean="0">
+                          <a:latin typeface="Cambria Math" panose="02040503050406030204" pitchFamily="18" charset="0"/>
+                        </a:rPr>
+                        <m:t>𝑁</m:t>
+                      </m:r>
+                      <m:r>
+                        <a:rPr kumimoji="1" lang="en-US" altLang="ja-JP" sz="4400" b="0" i="1" smtClean="0">
+                          <a:latin typeface="Cambria Math" panose="02040503050406030204" pitchFamily="18" charset="0"/>
+                        </a:rPr>
+                        <m:t>)</m:t>
+                      </m:r>
+                    </m:oMath>
+                  </m:oMathPara>
+                </a14:m>
+                <a:endParaRPr kumimoji="1" lang="ja-JP" altLang="en-US" sz="4400"/>
+              </a:p>
+            </p:txBody>
+          </p:sp>
+        </mc:Choice>
+        <mc:Fallback>
+          <p:sp>
+            <p:nvSpPr>
+              <p:cNvPr id="3" name="テキスト ボックス 2">
+                <a:extLst>
+                  <a:ext uri="{FF2B5EF4-FFF2-40B4-BE49-F238E27FC236}">
+                    <a16:creationId xmlns:a16="http://schemas.microsoft.com/office/drawing/2014/main" id="{F7894F43-666A-257B-0CC1-675EB70CB808}"/>
+                  </a:ext>
+                </a:extLst>
+              </p:cNvPr>
+              <p:cNvSpPr txBox="1">
+                <a:spLocks noRot="1" noChangeAspect="1" noMove="1" noResize="1" noEditPoints="1" noAdjustHandles="1" noChangeArrowheads="1" noChangeShapeType="1" noTextEdit="1"/>
+              </p:cNvSpPr>
+              <p:nvPr/>
+            </p:nvSpPr>
+            <p:spPr>
+              <a:xfrm>
+                <a:off x="2699792" y="1196752"/>
+                <a:ext cx="2729145" cy="769441"/>
+              </a:xfrm>
+              <a:prstGeom prst="rect">
+                <a:avLst/>
+              </a:prstGeom>
+              <a:blipFill>
+                <a:blip r:embed="rId2"/>
+                <a:stretch>
+                  <a:fillRect/>
+                </a:stretch>
+              </a:blipFill>
+            </p:spPr>
+            <p:txBody>
+              <a:bodyPr/>
+              <a:lstStyle/>
+              <a:p>
+                <a:r>
+                  <a:rPr lang="ja-JP" altLang="en-US">
+                    <a:noFill/>
+                  </a:rPr>
+                  <a:t> </a:t>
+                </a:r>
+              </a:p>
+            </p:txBody>
+          </p:sp>
+        </mc:Fallback>
+      </mc:AlternateContent>
+      <mc:AlternateContent xmlns:mc="http://schemas.openxmlformats.org/markup-compatibility/2006">
+        <mc:Choice xmlns:a14="http://schemas.microsoft.com/office/drawing/2010/main" Requires="a14">
+          <p:sp>
+            <p:nvSpPr>
+              <p:cNvPr id="4" name="テキスト ボックス 3">
+                <a:extLst>
+                  <a:ext uri="{FF2B5EF4-FFF2-40B4-BE49-F238E27FC236}">
+                    <a16:creationId xmlns:a16="http://schemas.microsoft.com/office/drawing/2014/main" id="{DDC2B477-4F9F-2937-E0C1-D8120B8F1993}"/>
+                  </a:ext>
+                </a:extLst>
+              </p:cNvPr>
+              <p:cNvSpPr txBox="1"/>
+              <p:nvPr/>
+            </p:nvSpPr>
+            <p:spPr>
+              <a:xfrm>
+                <a:off x="683568" y="2564904"/>
+                <a:ext cx="2729145" cy="769441"/>
+              </a:xfrm>
+              <a:prstGeom prst="rect">
+                <a:avLst/>
+              </a:prstGeom>
+              <a:noFill/>
+            </p:spPr>
+            <p:txBody>
+              <a:bodyPr wrap="none" rtlCol="0">
+                <a:spAutoFit/>
+              </a:bodyPr>
+              <a:lstStyle/>
+              <a:p>
+                <a:pPr/>
+                <a14:m>
+                  <m:oMathPara xmlns:m="http://schemas.openxmlformats.org/officeDocument/2006/math">
+                    <m:oMathParaPr>
+                      <m:jc m:val="centerGroup"/>
+                    </m:oMathParaPr>
+                    <m:oMath xmlns:m="http://schemas.openxmlformats.org/officeDocument/2006/math">
+                      <m:r>
+                        <a:rPr kumimoji="1" lang="en-US" altLang="ja-JP" sz="4400" b="0" i="1" smtClean="0">
+                          <a:latin typeface="Cambria Math" panose="02040503050406030204" pitchFamily="18" charset="0"/>
+                        </a:rPr>
+                        <m:t>𝐻</m:t>
+                      </m:r>
+                      <m:r>
+                        <a:rPr kumimoji="1" lang="en-US" altLang="ja-JP" sz="4400" b="0" i="1" smtClean="0">
+                          <a:latin typeface="Cambria Math" panose="02040503050406030204" pitchFamily="18" charset="0"/>
+                        </a:rPr>
+                        <m:t>(</m:t>
+                      </m:r>
+                      <m:r>
+                        <a:rPr kumimoji="1" lang="en-US" altLang="ja-JP" sz="4400" b="0" i="1" smtClean="0">
+                          <a:latin typeface="Cambria Math" panose="02040503050406030204" pitchFamily="18" charset="0"/>
+                        </a:rPr>
+                        <m:t>𝑆</m:t>
+                      </m:r>
+                      <m:r>
+                        <a:rPr kumimoji="1" lang="en-US" altLang="ja-JP" sz="4400" b="0" i="1" smtClean="0">
+                          <a:latin typeface="Cambria Math" panose="02040503050406030204" pitchFamily="18" charset="0"/>
+                        </a:rPr>
+                        <m:t>,</m:t>
+                      </m:r>
+                      <m:r>
+                        <a:rPr kumimoji="1" lang="en-US" altLang="ja-JP" sz="4400" b="0" i="1" smtClean="0">
+                          <a:solidFill>
+                            <a:srgbClr val="FF0000"/>
+                          </a:solidFill>
+                          <a:latin typeface="Cambria Math" panose="02040503050406030204" pitchFamily="18" charset="0"/>
+                        </a:rPr>
+                        <m:t>𝑃</m:t>
+                      </m:r>
+                      <m:r>
+                        <a:rPr kumimoji="1" lang="en-US" altLang="ja-JP" sz="4400" b="0" i="1" smtClean="0">
+                          <a:latin typeface="Cambria Math" panose="02040503050406030204" pitchFamily="18" charset="0"/>
+                        </a:rPr>
+                        <m:t>,</m:t>
+                      </m:r>
+                      <m:r>
+                        <a:rPr kumimoji="1" lang="en-US" altLang="ja-JP" sz="4400" b="0" i="1" smtClean="0">
+                          <a:latin typeface="Cambria Math" panose="02040503050406030204" pitchFamily="18" charset="0"/>
+                        </a:rPr>
+                        <m:t>𝑁</m:t>
+                      </m:r>
+                      <m:r>
+                        <a:rPr kumimoji="1" lang="en-US" altLang="ja-JP" sz="4400" b="0" i="1" smtClean="0">
+                          <a:latin typeface="Cambria Math" panose="02040503050406030204" pitchFamily="18" charset="0"/>
+                        </a:rPr>
+                        <m:t>)</m:t>
+                      </m:r>
+                    </m:oMath>
+                  </m:oMathPara>
+                </a14:m>
+                <a:endParaRPr kumimoji="1" lang="ja-JP" altLang="en-US" sz="4400"/>
+              </a:p>
+            </p:txBody>
+          </p:sp>
+        </mc:Choice>
+        <mc:Fallback>
+          <p:sp>
+            <p:nvSpPr>
+              <p:cNvPr id="4" name="テキスト ボックス 3">
+                <a:extLst>
+                  <a:ext uri="{FF2B5EF4-FFF2-40B4-BE49-F238E27FC236}">
+                    <a16:creationId xmlns:a16="http://schemas.microsoft.com/office/drawing/2014/main" id="{DDC2B477-4F9F-2937-E0C1-D8120B8F1993}"/>
+                  </a:ext>
+                </a:extLst>
+              </p:cNvPr>
+              <p:cNvSpPr txBox="1">
+                <a:spLocks noRot="1" noChangeAspect="1" noMove="1" noResize="1" noEditPoints="1" noAdjustHandles="1" noChangeArrowheads="1" noChangeShapeType="1" noTextEdit="1"/>
+              </p:cNvSpPr>
+              <p:nvPr/>
+            </p:nvSpPr>
+            <p:spPr>
+              <a:xfrm>
+                <a:off x="683568" y="2564904"/>
+                <a:ext cx="2729145" cy="769441"/>
+              </a:xfrm>
+              <a:prstGeom prst="rect">
+                <a:avLst/>
+              </a:prstGeom>
+              <a:blipFill>
+                <a:blip r:embed="rId3"/>
+                <a:stretch>
+                  <a:fillRect/>
+                </a:stretch>
+              </a:blipFill>
+            </p:spPr>
+            <p:txBody>
+              <a:bodyPr/>
+              <a:lstStyle/>
+              <a:p>
+                <a:r>
+                  <a:rPr lang="ja-JP" altLang="en-US">
+                    <a:noFill/>
+                  </a:rPr>
+                  <a:t> </a:t>
+                </a:r>
+              </a:p>
+            </p:txBody>
+          </p:sp>
+        </mc:Fallback>
+      </mc:AlternateContent>
+      <mc:AlternateContent xmlns:mc="http://schemas.openxmlformats.org/markup-compatibility/2006">
+        <mc:Choice xmlns:a14="http://schemas.microsoft.com/office/drawing/2010/main" Requires="a14">
+          <p:sp>
+            <p:nvSpPr>
+              <p:cNvPr id="5" name="テキスト ボックス 4">
+                <a:extLst>
+                  <a:ext uri="{FF2B5EF4-FFF2-40B4-BE49-F238E27FC236}">
+                    <a16:creationId xmlns:a16="http://schemas.microsoft.com/office/drawing/2014/main" id="{F6B10BAE-D570-194D-444B-4A3F82DED2D4}"/>
+                  </a:ext>
+                </a:extLst>
+              </p:cNvPr>
+              <p:cNvSpPr txBox="1"/>
+              <p:nvPr/>
+            </p:nvSpPr>
+            <p:spPr>
+              <a:xfrm>
+                <a:off x="5004048" y="2468215"/>
+                <a:ext cx="2756652" cy="769441"/>
+              </a:xfrm>
+              <a:prstGeom prst="rect">
+                <a:avLst/>
+              </a:prstGeom>
+              <a:noFill/>
+            </p:spPr>
+            <p:txBody>
+              <a:bodyPr wrap="none" rtlCol="0">
+                <a:spAutoFit/>
+              </a:bodyPr>
+              <a:lstStyle/>
+              <a:p>
+                <a:pPr/>
+                <a14:m>
+                  <m:oMathPara xmlns:m="http://schemas.openxmlformats.org/officeDocument/2006/math">
+                    <m:oMathParaPr>
+                      <m:jc m:val="centerGroup"/>
+                    </m:oMathParaPr>
+                    <m:oMath xmlns:m="http://schemas.openxmlformats.org/officeDocument/2006/math">
+                      <m:r>
+                        <a:rPr kumimoji="1" lang="en-US" altLang="ja-JP" sz="4400" b="0" i="1" smtClean="0">
+                          <a:latin typeface="Cambria Math" panose="02040503050406030204" pitchFamily="18" charset="0"/>
+                        </a:rPr>
+                        <m:t>𝐹</m:t>
+                      </m:r>
+                      <m:r>
+                        <a:rPr kumimoji="1" lang="en-US" altLang="ja-JP" sz="4400" b="0" i="1" smtClean="0">
+                          <a:latin typeface="Cambria Math" panose="02040503050406030204" pitchFamily="18" charset="0"/>
+                        </a:rPr>
+                        <m:t>(</m:t>
+                      </m:r>
+                      <m:r>
+                        <a:rPr kumimoji="1" lang="en-US" altLang="ja-JP" sz="4400" b="0" i="1" smtClean="0">
+                          <a:solidFill>
+                            <a:srgbClr val="FF0000"/>
+                          </a:solidFill>
+                          <a:latin typeface="Cambria Math" panose="02040503050406030204" pitchFamily="18" charset="0"/>
+                        </a:rPr>
+                        <m:t>𝑇</m:t>
+                      </m:r>
+                      <m:r>
+                        <a:rPr kumimoji="1" lang="en-US" altLang="ja-JP" sz="4400" b="0" i="1" smtClean="0">
+                          <a:latin typeface="Cambria Math" panose="02040503050406030204" pitchFamily="18" charset="0"/>
+                        </a:rPr>
+                        <m:t>,</m:t>
+                      </m:r>
+                      <m:r>
+                        <a:rPr kumimoji="1" lang="en-US" altLang="ja-JP" sz="4400" b="0" i="1" smtClean="0">
+                          <a:latin typeface="Cambria Math" panose="02040503050406030204" pitchFamily="18" charset="0"/>
+                        </a:rPr>
+                        <m:t>𝑉</m:t>
+                      </m:r>
+                      <m:r>
+                        <a:rPr kumimoji="1" lang="en-US" altLang="ja-JP" sz="4400" b="0" i="1" smtClean="0">
+                          <a:latin typeface="Cambria Math" panose="02040503050406030204" pitchFamily="18" charset="0"/>
+                        </a:rPr>
+                        <m:t>,</m:t>
+                      </m:r>
+                      <m:r>
+                        <a:rPr kumimoji="1" lang="en-US" altLang="ja-JP" sz="4400" b="0" i="1" smtClean="0">
+                          <a:latin typeface="Cambria Math" panose="02040503050406030204" pitchFamily="18" charset="0"/>
+                        </a:rPr>
+                        <m:t>𝑁</m:t>
+                      </m:r>
+                      <m:r>
+                        <a:rPr kumimoji="1" lang="en-US" altLang="ja-JP" sz="4400" b="0" i="1" smtClean="0">
+                          <a:latin typeface="Cambria Math" panose="02040503050406030204" pitchFamily="18" charset="0"/>
+                        </a:rPr>
+                        <m:t>)</m:t>
+                      </m:r>
+                    </m:oMath>
+                  </m:oMathPara>
+                </a14:m>
+                <a:endParaRPr kumimoji="1" lang="ja-JP" altLang="en-US" sz="4400"/>
+              </a:p>
+            </p:txBody>
+          </p:sp>
+        </mc:Choice>
+        <mc:Fallback>
+          <p:sp>
+            <p:nvSpPr>
+              <p:cNvPr id="5" name="テキスト ボックス 4">
+                <a:extLst>
+                  <a:ext uri="{FF2B5EF4-FFF2-40B4-BE49-F238E27FC236}">
+                    <a16:creationId xmlns:a16="http://schemas.microsoft.com/office/drawing/2014/main" id="{F6B10BAE-D570-194D-444B-4A3F82DED2D4}"/>
+                  </a:ext>
+                </a:extLst>
+              </p:cNvPr>
+              <p:cNvSpPr txBox="1">
+                <a:spLocks noRot="1" noChangeAspect="1" noMove="1" noResize="1" noEditPoints="1" noAdjustHandles="1" noChangeArrowheads="1" noChangeShapeType="1" noTextEdit="1"/>
+              </p:cNvSpPr>
+              <p:nvPr/>
+            </p:nvSpPr>
+            <p:spPr>
+              <a:xfrm>
+                <a:off x="5004048" y="2468215"/>
+                <a:ext cx="2756652" cy="769441"/>
+              </a:xfrm>
+              <a:prstGeom prst="rect">
+                <a:avLst/>
+              </a:prstGeom>
+              <a:blipFill>
+                <a:blip r:embed="rId4"/>
+                <a:stretch>
+                  <a:fillRect/>
+                </a:stretch>
+              </a:blipFill>
+            </p:spPr>
+            <p:txBody>
+              <a:bodyPr/>
+              <a:lstStyle/>
+              <a:p>
+                <a:r>
+                  <a:rPr lang="ja-JP" altLang="en-US">
+                    <a:noFill/>
+                  </a:rPr>
+                  <a:t> </a:t>
+                </a:r>
+              </a:p>
+            </p:txBody>
+          </p:sp>
+        </mc:Fallback>
+      </mc:AlternateContent>
+      <mc:AlternateContent xmlns:mc="http://schemas.openxmlformats.org/markup-compatibility/2006">
+        <mc:Choice xmlns:a14="http://schemas.microsoft.com/office/drawing/2010/main" Requires="a14">
+          <p:sp>
+            <p:nvSpPr>
+              <p:cNvPr id="6" name="テキスト ボックス 5">
+                <a:extLst>
+                  <a:ext uri="{FF2B5EF4-FFF2-40B4-BE49-F238E27FC236}">
+                    <a16:creationId xmlns:a16="http://schemas.microsoft.com/office/drawing/2014/main" id="{ABEE2DD4-2F18-BD8B-4AA2-72EED5E8841E}"/>
+                  </a:ext>
+                </a:extLst>
+              </p:cNvPr>
+              <p:cNvSpPr txBox="1"/>
+              <p:nvPr/>
+            </p:nvSpPr>
+            <p:spPr>
+              <a:xfrm>
+                <a:off x="1763688" y="4797152"/>
+                <a:ext cx="2756652" cy="769441"/>
+              </a:xfrm>
+              <a:prstGeom prst="rect">
+                <a:avLst/>
+              </a:prstGeom>
+              <a:noFill/>
+            </p:spPr>
+            <p:txBody>
+              <a:bodyPr wrap="none" rtlCol="0">
+                <a:spAutoFit/>
+              </a:bodyPr>
+              <a:lstStyle/>
+              <a:p>
+                <a:pPr/>
+                <a14:m>
+                  <m:oMathPara xmlns:m="http://schemas.openxmlformats.org/officeDocument/2006/math">
+                    <m:oMathParaPr>
+                      <m:jc m:val="centerGroup"/>
+                    </m:oMathParaPr>
+                    <m:oMath xmlns:m="http://schemas.openxmlformats.org/officeDocument/2006/math">
+                      <m:r>
+                        <a:rPr kumimoji="1" lang="en-US" altLang="ja-JP" sz="4400" b="0" i="1" smtClean="0">
+                          <a:latin typeface="Cambria Math" panose="02040503050406030204" pitchFamily="18" charset="0"/>
+                        </a:rPr>
+                        <m:t>𝐺</m:t>
+                      </m:r>
+                      <m:r>
+                        <a:rPr kumimoji="1" lang="en-US" altLang="ja-JP" sz="4400" b="0" i="1" smtClean="0">
+                          <a:latin typeface="Cambria Math" panose="02040503050406030204" pitchFamily="18" charset="0"/>
+                        </a:rPr>
+                        <m:t>(</m:t>
+                      </m:r>
+                      <m:r>
+                        <a:rPr kumimoji="1" lang="en-US" altLang="ja-JP" sz="4400" b="0" i="1" smtClean="0">
+                          <a:solidFill>
+                            <a:srgbClr val="FF0000"/>
+                          </a:solidFill>
+                          <a:latin typeface="Cambria Math" panose="02040503050406030204" pitchFamily="18" charset="0"/>
+                        </a:rPr>
+                        <m:t>𝑇</m:t>
+                      </m:r>
+                      <m:r>
+                        <a:rPr kumimoji="1" lang="en-US" altLang="ja-JP" sz="4400" b="0" i="1" smtClean="0">
+                          <a:latin typeface="Cambria Math" panose="02040503050406030204" pitchFamily="18" charset="0"/>
+                        </a:rPr>
+                        <m:t>,</m:t>
+                      </m:r>
+                      <m:r>
+                        <a:rPr kumimoji="1" lang="en-US" altLang="ja-JP" sz="4400" b="0" i="1" smtClean="0">
+                          <a:solidFill>
+                            <a:srgbClr val="FF0000"/>
+                          </a:solidFill>
+                          <a:latin typeface="Cambria Math" panose="02040503050406030204" pitchFamily="18" charset="0"/>
+                        </a:rPr>
+                        <m:t>𝑃</m:t>
+                      </m:r>
+                      <m:r>
+                        <a:rPr kumimoji="1" lang="en-US" altLang="ja-JP" sz="4400" b="0" i="1" smtClean="0">
+                          <a:latin typeface="Cambria Math" panose="02040503050406030204" pitchFamily="18" charset="0"/>
+                        </a:rPr>
+                        <m:t>,</m:t>
+                      </m:r>
+                      <m:r>
+                        <a:rPr kumimoji="1" lang="en-US" altLang="ja-JP" sz="4400" b="0" i="1" smtClean="0">
+                          <a:latin typeface="Cambria Math" panose="02040503050406030204" pitchFamily="18" charset="0"/>
+                        </a:rPr>
+                        <m:t>𝑁</m:t>
+                      </m:r>
+                      <m:r>
+                        <a:rPr kumimoji="1" lang="en-US" altLang="ja-JP" sz="4400" b="0" i="1" smtClean="0">
+                          <a:latin typeface="Cambria Math" panose="02040503050406030204" pitchFamily="18" charset="0"/>
+                        </a:rPr>
+                        <m:t>)</m:t>
+                      </m:r>
+                    </m:oMath>
+                  </m:oMathPara>
+                </a14:m>
+                <a:endParaRPr kumimoji="1" lang="ja-JP" altLang="en-US" sz="4400"/>
+              </a:p>
+            </p:txBody>
+          </p:sp>
+        </mc:Choice>
+        <mc:Fallback>
+          <p:sp>
+            <p:nvSpPr>
+              <p:cNvPr id="6" name="テキスト ボックス 5">
+                <a:extLst>
+                  <a:ext uri="{FF2B5EF4-FFF2-40B4-BE49-F238E27FC236}">
+                    <a16:creationId xmlns:a16="http://schemas.microsoft.com/office/drawing/2014/main" id="{ABEE2DD4-2F18-BD8B-4AA2-72EED5E8841E}"/>
+                  </a:ext>
+                </a:extLst>
+              </p:cNvPr>
+              <p:cNvSpPr txBox="1">
+                <a:spLocks noRot="1" noChangeAspect="1" noMove="1" noResize="1" noEditPoints="1" noAdjustHandles="1" noChangeArrowheads="1" noChangeShapeType="1" noTextEdit="1"/>
+              </p:cNvSpPr>
+              <p:nvPr/>
+            </p:nvSpPr>
+            <p:spPr>
+              <a:xfrm>
+                <a:off x="1763688" y="4797152"/>
+                <a:ext cx="2756652" cy="769441"/>
+              </a:xfrm>
+              <a:prstGeom prst="rect">
+                <a:avLst/>
+              </a:prstGeom>
+              <a:blipFill>
+                <a:blip r:embed="rId5"/>
+                <a:stretch>
+                  <a:fillRect/>
+                </a:stretch>
+              </a:blipFill>
+            </p:spPr>
+            <p:txBody>
+              <a:bodyPr/>
+              <a:lstStyle/>
+              <a:p>
+                <a:r>
+                  <a:rPr lang="ja-JP" altLang="en-US">
+                    <a:noFill/>
+                  </a:rPr>
+                  <a:t> </a:t>
+                </a:r>
+              </a:p>
+            </p:txBody>
+          </p:sp>
+        </mc:Fallback>
+      </mc:AlternateContent>
+      <p:cxnSp>
+        <p:nvCxnSpPr>
+          <p:cNvPr id="7" name="直線矢印コネクタ 6">
+            <a:extLst>
+              <a:ext uri="{FF2B5EF4-FFF2-40B4-BE49-F238E27FC236}">
+                <a16:creationId xmlns:a16="http://schemas.microsoft.com/office/drawing/2014/main" id="{6FF16FC9-C7C9-C6E0-FB0A-CFEE9446B798}"/>
+              </a:ext>
+            </a:extLst>
+          </p:cNvPr>
+          <p:cNvCxnSpPr>
+            <a:cxnSpLocks/>
+            <a:stCxn id="3" idx="2"/>
+            <a:endCxn id="4" idx="0"/>
+          </p:cNvCxnSpPr>
+          <p:nvPr/>
+        </p:nvCxnSpPr>
+        <p:spPr>
+          <a:xfrm flipH="1">
+            <a:off x="2048141" y="1966193"/>
+            <a:ext cx="2016224" cy="598711"/>
+          </a:xfrm>
+          <a:prstGeom prst="straightConnector1">
+            <a:avLst/>
+          </a:prstGeom>
+          <a:ln>
+            <a:solidFill>
+              <a:schemeClr val="tx1"/>
+            </a:solidFill>
+            <a:headEnd type="none" w="med" len="med"/>
+            <a:tailEnd type="triangle"/>
+          </a:ln>
+        </p:spPr>
+        <p:style>
+          <a:lnRef idx="1">
+            <a:schemeClr val="accent1"/>
+          </a:lnRef>
+          <a:fillRef idx="0">
+            <a:schemeClr val="accent1"/>
+          </a:fillRef>
+          <a:effectRef idx="0">
+            <a:schemeClr val="accent1"/>
+          </a:effectRef>
+          <a:fontRef idx="minor">
+            <a:schemeClr val="tx1"/>
+          </a:fontRef>
+        </p:style>
+      </p:cxnSp>
+      <p:cxnSp>
+        <p:nvCxnSpPr>
+          <p:cNvPr id="8" name="直線矢印コネクタ 7">
+            <a:extLst>
+              <a:ext uri="{FF2B5EF4-FFF2-40B4-BE49-F238E27FC236}">
+                <a16:creationId xmlns:a16="http://schemas.microsoft.com/office/drawing/2014/main" id="{A2551274-ED7F-E149-F7A2-89F4EB1D920A}"/>
+              </a:ext>
+            </a:extLst>
+          </p:cNvPr>
+          <p:cNvCxnSpPr>
+            <a:cxnSpLocks/>
+            <a:stCxn id="3" idx="2"/>
+            <a:endCxn id="5" idx="0"/>
+          </p:cNvCxnSpPr>
+          <p:nvPr/>
+        </p:nvCxnSpPr>
+        <p:spPr>
+          <a:xfrm>
+            <a:off x="4064365" y="1966193"/>
+            <a:ext cx="2318009" cy="502022"/>
+          </a:xfrm>
+          <a:prstGeom prst="straightConnector1">
+            <a:avLst/>
+          </a:prstGeom>
+          <a:ln>
+            <a:solidFill>
+              <a:schemeClr val="tx1"/>
+            </a:solidFill>
+            <a:headEnd type="none" w="med" len="med"/>
+            <a:tailEnd type="triangle"/>
+          </a:ln>
+        </p:spPr>
+        <p:style>
+          <a:lnRef idx="1">
+            <a:schemeClr val="accent1"/>
+          </a:lnRef>
+          <a:fillRef idx="0">
+            <a:schemeClr val="accent1"/>
+          </a:fillRef>
+          <a:effectRef idx="0">
+            <a:schemeClr val="accent1"/>
+          </a:effectRef>
+          <a:fontRef idx="minor">
+            <a:schemeClr val="tx1"/>
+          </a:fontRef>
+        </p:style>
+      </p:cxnSp>
+      <p:cxnSp>
+        <p:nvCxnSpPr>
+          <p:cNvPr id="9" name="直線矢印コネクタ 8">
+            <a:extLst>
+              <a:ext uri="{FF2B5EF4-FFF2-40B4-BE49-F238E27FC236}">
+                <a16:creationId xmlns:a16="http://schemas.microsoft.com/office/drawing/2014/main" id="{33CAD3D3-9966-0211-973C-7A65B58FE595}"/>
+              </a:ext>
+            </a:extLst>
+          </p:cNvPr>
+          <p:cNvCxnSpPr>
+            <a:cxnSpLocks/>
+            <a:stCxn id="5" idx="2"/>
+            <a:endCxn id="6" idx="0"/>
+          </p:cNvCxnSpPr>
+          <p:nvPr/>
+        </p:nvCxnSpPr>
+        <p:spPr>
+          <a:xfrm flipH="1">
+            <a:off x="3142014" y="3237656"/>
+            <a:ext cx="3240360" cy="1559496"/>
+          </a:xfrm>
+          <a:prstGeom prst="straightConnector1">
+            <a:avLst/>
+          </a:prstGeom>
+          <a:ln>
+            <a:solidFill>
+              <a:schemeClr val="tx1"/>
+            </a:solidFill>
+            <a:headEnd type="none" w="med" len="med"/>
+            <a:tailEnd type="triangle"/>
+          </a:ln>
+        </p:spPr>
+        <p:style>
+          <a:lnRef idx="1">
+            <a:schemeClr val="accent1"/>
+          </a:lnRef>
+          <a:fillRef idx="0">
+            <a:schemeClr val="accent1"/>
+          </a:fillRef>
+          <a:effectRef idx="0">
+            <a:schemeClr val="accent1"/>
+          </a:effectRef>
+          <a:fontRef idx="minor">
+            <a:schemeClr val="tx1"/>
+          </a:fontRef>
+        </p:style>
+      </p:cxnSp>
+      <p:cxnSp>
+        <p:nvCxnSpPr>
+          <p:cNvPr id="10" name="直線矢印コネクタ 9">
+            <a:extLst>
+              <a:ext uri="{FF2B5EF4-FFF2-40B4-BE49-F238E27FC236}">
+                <a16:creationId xmlns:a16="http://schemas.microsoft.com/office/drawing/2014/main" id="{2990A5A9-32EB-E732-E4BA-D064CA8793CE}"/>
+              </a:ext>
+            </a:extLst>
+          </p:cNvPr>
+          <p:cNvCxnSpPr>
+            <a:cxnSpLocks/>
+            <a:stCxn id="4" idx="2"/>
+            <a:endCxn id="6" idx="0"/>
+          </p:cNvCxnSpPr>
+          <p:nvPr/>
+        </p:nvCxnSpPr>
+        <p:spPr>
+          <a:xfrm>
+            <a:off x="2048141" y="3334345"/>
+            <a:ext cx="1093873" cy="1462807"/>
+          </a:xfrm>
+          <a:prstGeom prst="straightConnector1">
+            <a:avLst/>
+          </a:prstGeom>
+          <a:ln>
+            <a:solidFill>
+              <a:schemeClr val="tx1"/>
+            </a:solidFill>
+            <a:headEnd type="none" w="med" len="med"/>
+            <a:tailEnd type="triangle"/>
+          </a:ln>
+        </p:spPr>
+        <p:style>
+          <a:lnRef idx="1">
+            <a:schemeClr val="accent1"/>
+          </a:lnRef>
+          <a:fillRef idx="0">
+            <a:schemeClr val="accent1"/>
+          </a:fillRef>
+          <a:effectRef idx="0">
+            <a:schemeClr val="accent1"/>
+          </a:effectRef>
+          <a:fontRef idx="minor">
+            <a:schemeClr val="tx1"/>
+          </a:fontRef>
+        </p:style>
+      </p:cxnSp>
+      <mc:AlternateContent xmlns:mc="http://schemas.openxmlformats.org/markup-compatibility/2006">
+        <mc:Choice xmlns:a14="http://schemas.microsoft.com/office/drawing/2010/main" Requires="a14">
+          <p:sp>
+            <p:nvSpPr>
+              <p:cNvPr id="11" name="テキスト ボックス 10">
+                <a:extLst>
+                  <a:ext uri="{FF2B5EF4-FFF2-40B4-BE49-F238E27FC236}">
+                    <a16:creationId xmlns:a16="http://schemas.microsoft.com/office/drawing/2014/main" id="{5566EC77-86F2-0175-BDC5-96CF03D9031F}"/>
+                  </a:ext>
+                </a:extLst>
+              </p:cNvPr>
+              <p:cNvSpPr txBox="1"/>
+              <p:nvPr/>
+            </p:nvSpPr>
+            <p:spPr>
+              <a:xfrm>
+                <a:off x="5868144" y="4797152"/>
+                <a:ext cx="2655983" cy="769441"/>
+              </a:xfrm>
+              <a:prstGeom prst="rect">
+                <a:avLst/>
+              </a:prstGeom>
+              <a:noFill/>
+            </p:spPr>
+            <p:txBody>
+              <a:bodyPr wrap="none" rtlCol="0">
+                <a:spAutoFit/>
+              </a:bodyPr>
+              <a:lstStyle/>
+              <a:p>
+                <a:pPr/>
+                <a14:m>
+                  <m:oMathPara xmlns:m="http://schemas.openxmlformats.org/officeDocument/2006/math">
+                    <m:oMathParaPr>
+                      <m:jc m:val="centerGroup"/>
+                    </m:oMathParaPr>
+                    <m:oMath xmlns:m="http://schemas.openxmlformats.org/officeDocument/2006/math">
+                      <m:r>
+                        <m:rPr>
+                          <m:sty m:val="p"/>
+                        </m:rPr>
+                        <a:rPr lang="en-US" altLang="ja-JP" sz="4400" i="0" smtClean="0">
+                          <a:latin typeface="Cambria Math" panose="02040503050406030204" pitchFamily="18" charset="0"/>
+                        </a:rPr>
+                        <m:t>Ω</m:t>
+                      </m:r>
+                      <m:r>
+                        <a:rPr kumimoji="1" lang="en-US" altLang="ja-JP" sz="4400" b="0" i="1" smtClean="0">
+                          <a:latin typeface="Cambria Math" panose="02040503050406030204" pitchFamily="18" charset="0"/>
+                        </a:rPr>
+                        <m:t>(</m:t>
+                      </m:r>
+                      <m:r>
+                        <a:rPr kumimoji="1" lang="en-US" altLang="ja-JP" sz="4400" b="0" i="1" smtClean="0">
+                          <a:solidFill>
+                            <a:srgbClr val="FF0000"/>
+                          </a:solidFill>
+                          <a:latin typeface="Cambria Math" panose="02040503050406030204" pitchFamily="18" charset="0"/>
+                        </a:rPr>
+                        <m:t>𝑇</m:t>
+                      </m:r>
+                      <m:r>
+                        <a:rPr kumimoji="1" lang="en-US" altLang="ja-JP" sz="4400" b="0" i="1" smtClean="0">
+                          <a:latin typeface="Cambria Math" panose="02040503050406030204" pitchFamily="18" charset="0"/>
+                        </a:rPr>
+                        <m:t>,</m:t>
+                      </m:r>
+                      <m:r>
+                        <a:rPr kumimoji="1" lang="en-US" altLang="ja-JP" sz="4400" b="0" i="1" smtClean="0">
+                          <a:latin typeface="Cambria Math" panose="02040503050406030204" pitchFamily="18" charset="0"/>
+                        </a:rPr>
+                        <m:t>𝑉</m:t>
+                      </m:r>
+                      <m:r>
+                        <a:rPr kumimoji="1" lang="en-US" altLang="ja-JP" sz="4400" b="0" i="1" smtClean="0">
+                          <a:latin typeface="Cambria Math" panose="02040503050406030204" pitchFamily="18" charset="0"/>
+                        </a:rPr>
+                        <m:t>,</m:t>
+                      </m:r>
+                      <m:r>
+                        <a:rPr kumimoji="1" lang="en-US" altLang="ja-JP" sz="4400" b="0" i="1" smtClean="0">
+                          <a:solidFill>
+                            <a:srgbClr val="FF0000"/>
+                          </a:solidFill>
+                          <a:latin typeface="Cambria Math" panose="02040503050406030204" pitchFamily="18" charset="0"/>
+                        </a:rPr>
+                        <m:t>𝜇</m:t>
+                      </m:r>
+                      <m:r>
+                        <a:rPr kumimoji="1" lang="en-US" altLang="ja-JP" sz="4400" b="0" i="1" smtClean="0">
+                          <a:latin typeface="Cambria Math" panose="02040503050406030204" pitchFamily="18" charset="0"/>
+                        </a:rPr>
+                        <m:t>)</m:t>
+                      </m:r>
+                    </m:oMath>
+                  </m:oMathPara>
+                </a14:m>
+                <a:endParaRPr kumimoji="1" lang="ja-JP" altLang="en-US" sz="4400"/>
+              </a:p>
+            </p:txBody>
+          </p:sp>
+        </mc:Choice>
+        <mc:Fallback>
+          <p:sp>
+            <p:nvSpPr>
+              <p:cNvPr id="11" name="テキスト ボックス 10">
+                <a:extLst>
+                  <a:ext uri="{FF2B5EF4-FFF2-40B4-BE49-F238E27FC236}">
+                    <a16:creationId xmlns:a16="http://schemas.microsoft.com/office/drawing/2014/main" id="{5566EC77-86F2-0175-BDC5-96CF03D9031F}"/>
+                  </a:ext>
+                </a:extLst>
+              </p:cNvPr>
+              <p:cNvSpPr txBox="1">
+                <a:spLocks noRot="1" noChangeAspect="1" noMove="1" noResize="1" noEditPoints="1" noAdjustHandles="1" noChangeArrowheads="1" noChangeShapeType="1" noTextEdit="1"/>
+              </p:cNvSpPr>
+              <p:nvPr/>
+            </p:nvSpPr>
+            <p:spPr>
+              <a:xfrm>
+                <a:off x="5868144" y="4797152"/>
+                <a:ext cx="2655983" cy="769441"/>
+              </a:xfrm>
+              <a:prstGeom prst="rect">
+                <a:avLst/>
+              </a:prstGeom>
+              <a:blipFill>
+                <a:blip r:embed="rId6"/>
+                <a:stretch>
+                  <a:fillRect/>
+                </a:stretch>
+              </a:blipFill>
+            </p:spPr>
+            <p:txBody>
+              <a:bodyPr/>
+              <a:lstStyle/>
+              <a:p>
+                <a:r>
+                  <a:rPr lang="ja-JP" altLang="en-US">
+                    <a:noFill/>
+                  </a:rPr>
+                  <a:t> </a:t>
+                </a:r>
+              </a:p>
+            </p:txBody>
+          </p:sp>
+        </mc:Fallback>
+      </mc:AlternateContent>
+      <mc:AlternateContent xmlns:mc="http://schemas.openxmlformats.org/markup-compatibility/2006">
+        <mc:Choice xmlns:a14="http://schemas.microsoft.com/office/drawing/2010/main" Requires="a14">
+          <p:sp>
+            <p:nvSpPr>
+              <p:cNvPr id="12" name="テキスト ボックス 11">
+                <a:extLst>
+                  <a:ext uri="{FF2B5EF4-FFF2-40B4-BE49-F238E27FC236}">
+                    <a16:creationId xmlns:a16="http://schemas.microsoft.com/office/drawing/2014/main" id="{81A991E2-8154-58D5-C2B7-508CA3E4D040}"/>
+                  </a:ext>
+                </a:extLst>
+              </p:cNvPr>
+              <p:cNvSpPr txBox="1"/>
+              <p:nvPr/>
+            </p:nvSpPr>
+            <p:spPr>
+              <a:xfrm>
+                <a:off x="6084168" y="1844824"/>
+                <a:ext cx="1805366" cy="461665"/>
+              </a:xfrm>
+              <a:prstGeom prst="rect">
+                <a:avLst/>
+              </a:prstGeom>
+              <a:noFill/>
+            </p:spPr>
+            <p:txBody>
+              <a:bodyPr wrap="none" rtlCol="0">
+                <a:spAutoFit/>
+              </a:bodyPr>
+              <a:lstStyle/>
+              <a:p>
+                <a:pPr/>
+                <a14:m>
+                  <m:oMathPara xmlns:m="http://schemas.openxmlformats.org/officeDocument/2006/math">
+                    <m:oMathParaPr>
+                      <m:jc m:val="centerGroup"/>
+                    </m:oMathParaPr>
+                    <m:oMath xmlns:m="http://schemas.openxmlformats.org/officeDocument/2006/math">
+                      <m:r>
+                        <a:rPr kumimoji="1" lang="en-US" altLang="ja-JP" sz="2400" b="0" i="1" smtClean="0">
+                          <a:latin typeface="Cambria Math" panose="02040503050406030204" pitchFamily="18" charset="0"/>
+                        </a:rPr>
+                        <m:t>𝐹</m:t>
+                      </m:r>
+                      <m:r>
+                        <a:rPr kumimoji="1" lang="en-US" altLang="ja-JP" sz="2400" b="0" i="1" smtClean="0">
+                          <a:latin typeface="Cambria Math" panose="02040503050406030204" pitchFamily="18" charset="0"/>
+                        </a:rPr>
+                        <m:t>=</m:t>
+                      </m:r>
+                      <m:r>
+                        <a:rPr kumimoji="1" lang="en-US" altLang="ja-JP" sz="2400" b="0" i="1" smtClean="0">
+                          <a:latin typeface="Cambria Math" panose="02040503050406030204" pitchFamily="18" charset="0"/>
+                        </a:rPr>
+                        <m:t>𝑈</m:t>
+                      </m:r>
+                      <m:r>
+                        <a:rPr kumimoji="1" lang="en-US" altLang="ja-JP" sz="2400" b="0" i="1" smtClean="0">
+                          <a:latin typeface="Cambria Math" panose="02040503050406030204" pitchFamily="18" charset="0"/>
+                        </a:rPr>
+                        <m:t>−</m:t>
+                      </m:r>
+                      <m:r>
+                        <a:rPr kumimoji="1" lang="en-US" altLang="ja-JP" sz="2400" b="0" i="1" smtClean="0">
+                          <a:latin typeface="Cambria Math" panose="02040503050406030204" pitchFamily="18" charset="0"/>
+                        </a:rPr>
+                        <m:t>𝑇𝑆</m:t>
+                      </m:r>
+                    </m:oMath>
+                  </m:oMathPara>
+                </a14:m>
+                <a:endParaRPr kumimoji="1" lang="ja-JP" altLang="en-US" sz="2400"/>
+              </a:p>
+            </p:txBody>
+          </p:sp>
+        </mc:Choice>
+        <mc:Fallback>
+          <p:sp>
+            <p:nvSpPr>
+              <p:cNvPr id="12" name="テキスト ボックス 11">
+                <a:extLst>
+                  <a:ext uri="{FF2B5EF4-FFF2-40B4-BE49-F238E27FC236}">
+                    <a16:creationId xmlns:a16="http://schemas.microsoft.com/office/drawing/2014/main" id="{81A991E2-8154-58D5-C2B7-508CA3E4D040}"/>
+                  </a:ext>
+                </a:extLst>
+              </p:cNvPr>
+              <p:cNvSpPr txBox="1">
+                <a:spLocks noRot="1" noChangeAspect="1" noMove="1" noResize="1" noEditPoints="1" noAdjustHandles="1" noChangeArrowheads="1" noChangeShapeType="1" noTextEdit="1"/>
+              </p:cNvSpPr>
+              <p:nvPr/>
+            </p:nvSpPr>
+            <p:spPr>
+              <a:xfrm>
+                <a:off x="6084168" y="1844824"/>
+                <a:ext cx="1805366" cy="461665"/>
+              </a:xfrm>
+              <a:prstGeom prst="rect">
+                <a:avLst/>
+              </a:prstGeom>
+              <a:blipFill>
+                <a:blip r:embed="rId7"/>
+                <a:stretch>
+                  <a:fillRect/>
+                </a:stretch>
+              </a:blipFill>
+            </p:spPr>
+            <p:txBody>
+              <a:bodyPr/>
+              <a:lstStyle/>
+              <a:p>
+                <a:r>
+                  <a:rPr lang="ja-JP" altLang="en-US">
+                    <a:noFill/>
+                  </a:rPr>
+                  <a:t> </a:t>
+                </a:r>
+              </a:p>
+            </p:txBody>
+          </p:sp>
+        </mc:Fallback>
+      </mc:AlternateContent>
+      <mc:AlternateContent xmlns:mc="http://schemas.openxmlformats.org/markup-compatibility/2006">
+        <mc:Choice xmlns:a14="http://schemas.microsoft.com/office/drawing/2010/main" Requires="a14">
+          <p:sp>
+            <p:nvSpPr>
+              <p:cNvPr id="13" name="テキスト ボックス 12">
+                <a:extLst>
+                  <a:ext uri="{FF2B5EF4-FFF2-40B4-BE49-F238E27FC236}">
+                    <a16:creationId xmlns:a16="http://schemas.microsoft.com/office/drawing/2014/main" id="{AC9A9A25-0DD0-0F9C-2245-FBE218E726FB}"/>
+                  </a:ext>
+                </a:extLst>
+              </p:cNvPr>
+              <p:cNvSpPr txBox="1"/>
+              <p:nvPr/>
+            </p:nvSpPr>
+            <p:spPr>
+              <a:xfrm>
+                <a:off x="755576" y="1772816"/>
+                <a:ext cx="1879810" cy="461665"/>
+              </a:xfrm>
+              <a:prstGeom prst="rect">
+                <a:avLst/>
+              </a:prstGeom>
+              <a:noFill/>
+            </p:spPr>
+            <p:txBody>
+              <a:bodyPr wrap="none" rtlCol="0">
+                <a:spAutoFit/>
+              </a:bodyPr>
+              <a:lstStyle/>
+              <a:p>
+                <a:pPr/>
+                <a14:m>
+                  <m:oMathPara xmlns:m="http://schemas.openxmlformats.org/officeDocument/2006/math">
+                    <m:oMathParaPr>
+                      <m:jc m:val="centerGroup"/>
+                    </m:oMathParaPr>
+                    <m:oMath xmlns:m="http://schemas.openxmlformats.org/officeDocument/2006/math">
+                      <m:r>
+                        <a:rPr kumimoji="1" lang="en-US" altLang="ja-JP" sz="2400" b="0" i="1" smtClean="0">
+                          <a:latin typeface="Cambria Math" panose="02040503050406030204" pitchFamily="18" charset="0"/>
+                        </a:rPr>
+                        <m:t>𝐻</m:t>
+                      </m:r>
+                      <m:r>
+                        <a:rPr kumimoji="1" lang="en-US" altLang="ja-JP" sz="2400" b="0" i="1" smtClean="0">
+                          <a:latin typeface="Cambria Math" panose="02040503050406030204" pitchFamily="18" charset="0"/>
+                        </a:rPr>
+                        <m:t>=</m:t>
+                      </m:r>
+                      <m:r>
+                        <a:rPr kumimoji="1" lang="en-US" altLang="ja-JP" sz="2400" b="0" i="1" smtClean="0">
+                          <a:latin typeface="Cambria Math" panose="02040503050406030204" pitchFamily="18" charset="0"/>
+                        </a:rPr>
+                        <m:t>𝑈</m:t>
+                      </m:r>
+                      <m:r>
+                        <a:rPr kumimoji="1" lang="en-US" altLang="ja-JP" sz="2400" b="0" i="1" smtClean="0">
+                          <a:latin typeface="Cambria Math" panose="02040503050406030204" pitchFamily="18" charset="0"/>
+                        </a:rPr>
+                        <m:t>+</m:t>
+                      </m:r>
+                      <m:r>
+                        <a:rPr kumimoji="1" lang="en-US" altLang="ja-JP" sz="2400" b="0" i="1" smtClean="0">
+                          <a:latin typeface="Cambria Math" panose="02040503050406030204" pitchFamily="18" charset="0"/>
+                        </a:rPr>
+                        <m:t>𝑃𝑉</m:t>
+                      </m:r>
+                    </m:oMath>
+                  </m:oMathPara>
+                </a14:m>
+                <a:endParaRPr kumimoji="1" lang="ja-JP" altLang="en-US" sz="2400"/>
+              </a:p>
+            </p:txBody>
+          </p:sp>
+        </mc:Choice>
+        <mc:Fallback>
+          <p:sp>
+            <p:nvSpPr>
+              <p:cNvPr id="13" name="テキスト ボックス 12">
+                <a:extLst>
+                  <a:ext uri="{FF2B5EF4-FFF2-40B4-BE49-F238E27FC236}">
+                    <a16:creationId xmlns:a16="http://schemas.microsoft.com/office/drawing/2014/main" id="{AC9A9A25-0DD0-0F9C-2245-FBE218E726FB}"/>
+                  </a:ext>
+                </a:extLst>
+              </p:cNvPr>
+              <p:cNvSpPr txBox="1">
+                <a:spLocks noRot="1" noChangeAspect="1" noMove="1" noResize="1" noEditPoints="1" noAdjustHandles="1" noChangeArrowheads="1" noChangeShapeType="1" noTextEdit="1"/>
+              </p:cNvSpPr>
+              <p:nvPr/>
+            </p:nvSpPr>
+            <p:spPr>
+              <a:xfrm>
+                <a:off x="755576" y="1772816"/>
+                <a:ext cx="1879810" cy="461665"/>
+              </a:xfrm>
+              <a:prstGeom prst="rect">
+                <a:avLst/>
+              </a:prstGeom>
+              <a:blipFill>
+                <a:blip r:embed="rId8"/>
+                <a:stretch>
+                  <a:fillRect/>
+                </a:stretch>
+              </a:blipFill>
+            </p:spPr>
+            <p:txBody>
+              <a:bodyPr/>
+              <a:lstStyle/>
+              <a:p>
+                <a:r>
+                  <a:rPr lang="ja-JP" altLang="en-US">
+                    <a:noFill/>
+                  </a:rPr>
+                  <a:t> </a:t>
+                </a:r>
+              </a:p>
+            </p:txBody>
+          </p:sp>
+        </mc:Fallback>
+      </mc:AlternateContent>
+      <mc:AlternateContent xmlns:mc="http://schemas.openxmlformats.org/markup-compatibility/2006">
+        <mc:Choice xmlns:a14="http://schemas.microsoft.com/office/drawing/2010/main" Requires="a14">
+          <p:sp>
+            <p:nvSpPr>
+              <p:cNvPr id="14" name="テキスト ボックス 13">
+                <a:extLst>
+                  <a:ext uri="{FF2B5EF4-FFF2-40B4-BE49-F238E27FC236}">
+                    <a16:creationId xmlns:a16="http://schemas.microsoft.com/office/drawing/2014/main" id="{7700DA98-2784-0F2F-A964-79687C50A69B}"/>
+                  </a:ext>
+                </a:extLst>
+              </p:cNvPr>
+              <p:cNvSpPr txBox="1"/>
+              <p:nvPr/>
+            </p:nvSpPr>
+            <p:spPr>
+              <a:xfrm>
+                <a:off x="395536" y="3933056"/>
+                <a:ext cx="1829090" cy="461665"/>
+              </a:xfrm>
+              <a:prstGeom prst="rect">
+                <a:avLst/>
+              </a:prstGeom>
+              <a:noFill/>
+            </p:spPr>
+            <p:txBody>
+              <a:bodyPr wrap="none" rtlCol="0">
+                <a:spAutoFit/>
+              </a:bodyPr>
+              <a:lstStyle/>
+              <a:p>
+                <a:pPr/>
+                <a14:m>
+                  <m:oMathPara xmlns:m="http://schemas.openxmlformats.org/officeDocument/2006/math">
+                    <m:oMathParaPr>
+                      <m:jc m:val="centerGroup"/>
+                    </m:oMathParaPr>
+                    <m:oMath xmlns:m="http://schemas.openxmlformats.org/officeDocument/2006/math">
+                      <m:r>
+                        <a:rPr kumimoji="1" lang="en-US" altLang="ja-JP" sz="2400" b="0" i="1" smtClean="0">
+                          <a:latin typeface="Cambria Math" panose="02040503050406030204" pitchFamily="18" charset="0"/>
+                        </a:rPr>
+                        <m:t>𝐺</m:t>
+                      </m:r>
+                      <m:r>
+                        <a:rPr kumimoji="1" lang="en-US" altLang="ja-JP" sz="2400" b="0" i="1" smtClean="0">
+                          <a:latin typeface="Cambria Math" panose="02040503050406030204" pitchFamily="18" charset="0"/>
+                        </a:rPr>
+                        <m:t>=</m:t>
+                      </m:r>
+                      <m:r>
+                        <a:rPr kumimoji="1" lang="en-US" altLang="ja-JP" sz="2400" b="0" i="1" smtClean="0">
+                          <a:latin typeface="Cambria Math" panose="02040503050406030204" pitchFamily="18" charset="0"/>
+                        </a:rPr>
+                        <m:t>𝐻</m:t>
+                      </m:r>
+                      <m:r>
+                        <a:rPr kumimoji="1" lang="en-US" altLang="ja-JP" sz="2400" b="0" i="1" smtClean="0">
+                          <a:latin typeface="Cambria Math" panose="02040503050406030204" pitchFamily="18" charset="0"/>
+                        </a:rPr>
+                        <m:t>−</m:t>
+                      </m:r>
+                      <m:r>
+                        <a:rPr kumimoji="1" lang="en-US" altLang="ja-JP" sz="2400" b="0" i="1" smtClean="0">
+                          <a:latin typeface="Cambria Math" panose="02040503050406030204" pitchFamily="18" charset="0"/>
+                        </a:rPr>
+                        <m:t>𝑇𝑆</m:t>
+                      </m:r>
+                    </m:oMath>
+                  </m:oMathPara>
+                </a14:m>
+                <a:endParaRPr kumimoji="1" lang="ja-JP" altLang="en-US" sz="2400"/>
+              </a:p>
+            </p:txBody>
+          </p:sp>
+        </mc:Choice>
+        <mc:Fallback>
+          <p:sp>
+            <p:nvSpPr>
+              <p:cNvPr id="14" name="テキスト ボックス 13">
+                <a:extLst>
+                  <a:ext uri="{FF2B5EF4-FFF2-40B4-BE49-F238E27FC236}">
+                    <a16:creationId xmlns:a16="http://schemas.microsoft.com/office/drawing/2014/main" id="{7700DA98-2784-0F2F-A964-79687C50A69B}"/>
+                  </a:ext>
+                </a:extLst>
+              </p:cNvPr>
+              <p:cNvSpPr txBox="1">
+                <a:spLocks noRot="1" noChangeAspect="1" noMove="1" noResize="1" noEditPoints="1" noAdjustHandles="1" noChangeArrowheads="1" noChangeShapeType="1" noTextEdit="1"/>
+              </p:cNvSpPr>
+              <p:nvPr/>
+            </p:nvSpPr>
+            <p:spPr>
+              <a:xfrm>
+                <a:off x="395536" y="3933056"/>
+                <a:ext cx="1829090" cy="461665"/>
+              </a:xfrm>
+              <a:prstGeom prst="rect">
+                <a:avLst/>
+              </a:prstGeom>
+              <a:blipFill>
+                <a:blip r:embed="rId9"/>
+                <a:stretch>
+                  <a:fillRect/>
+                </a:stretch>
+              </a:blipFill>
+            </p:spPr>
+            <p:txBody>
+              <a:bodyPr/>
+              <a:lstStyle/>
+              <a:p>
+                <a:r>
+                  <a:rPr lang="ja-JP" altLang="en-US">
+                    <a:noFill/>
+                  </a:rPr>
+                  <a:t> </a:t>
+                </a:r>
+              </a:p>
+            </p:txBody>
+          </p:sp>
+        </mc:Fallback>
+      </mc:AlternateContent>
+      <mc:AlternateContent xmlns:mc="http://schemas.openxmlformats.org/markup-compatibility/2006">
+        <mc:Choice xmlns:a14="http://schemas.microsoft.com/office/drawing/2010/main" Requires="a14">
+          <p:sp>
+            <p:nvSpPr>
+              <p:cNvPr id="15" name="テキスト ボックス 14">
+                <a:extLst>
+                  <a:ext uri="{FF2B5EF4-FFF2-40B4-BE49-F238E27FC236}">
+                    <a16:creationId xmlns:a16="http://schemas.microsoft.com/office/drawing/2014/main" id="{141283E7-96C5-5752-463E-9CAE18F86CF5}"/>
+                  </a:ext>
+                </a:extLst>
+              </p:cNvPr>
+              <p:cNvSpPr txBox="1"/>
+              <p:nvPr/>
+            </p:nvSpPr>
+            <p:spPr>
+              <a:xfrm>
+                <a:off x="4139952" y="4149080"/>
+                <a:ext cx="1835824" cy="461665"/>
+              </a:xfrm>
+              <a:prstGeom prst="rect">
+                <a:avLst/>
+              </a:prstGeom>
+              <a:noFill/>
+            </p:spPr>
+            <p:txBody>
+              <a:bodyPr wrap="none" rtlCol="0">
+                <a:spAutoFit/>
+              </a:bodyPr>
+              <a:lstStyle/>
+              <a:p>
+                <a:pPr/>
+                <a14:m>
+                  <m:oMathPara xmlns:m="http://schemas.openxmlformats.org/officeDocument/2006/math">
+                    <m:oMathParaPr>
+                      <m:jc m:val="centerGroup"/>
+                    </m:oMathParaPr>
+                    <m:oMath xmlns:m="http://schemas.openxmlformats.org/officeDocument/2006/math">
+                      <m:r>
+                        <a:rPr kumimoji="1" lang="en-US" altLang="ja-JP" sz="2400" b="0" i="1" smtClean="0">
+                          <a:latin typeface="Cambria Math" panose="02040503050406030204" pitchFamily="18" charset="0"/>
+                        </a:rPr>
+                        <m:t>𝐺</m:t>
+                      </m:r>
+                      <m:r>
+                        <a:rPr kumimoji="1" lang="en-US" altLang="ja-JP" sz="2400" b="0" i="1" smtClean="0">
+                          <a:latin typeface="Cambria Math" panose="02040503050406030204" pitchFamily="18" charset="0"/>
+                        </a:rPr>
+                        <m:t>=</m:t>
+                      </m:r>
+                      <m:r>
+                        <a:rPr kumimoji="1" lang="en-US" altLang="ja-JP" sz="2400" b="0" i="1" smtClean="0">
+                          <a:latin typeface="Cambria Math" panose="02040503050406030204" pitchFamily="18" charset="0"/>
+                        </a:rPr>
+                        <m:t>𝐹</m:t>
+                      </m:r>
+                      <m:r>
+                        <a:rPr kumimoji="1" lang="en-US" altLang="ja-JP" sz="2400" b="0" i="1" smtClean="0">
+                          <a:latin typeface="Cambria Math" panose="02040503050406030204" pitchFamily="18" charset="0"/>
+                        </a:rPr>
+                        <m:t>+</m:t>
+                      </m:r>
+                      <m:r>
+                        <a:rPr kumimoji="1" lang="en-US" altLang="ja-JP" sz="2400" b="0" i="1" smtClean="0">
+                          <a:latin typeface="Cambria Math" panose="02040503050406030204" pitchFamily="18" charset="0"/>
+                        </a:rPr>
+                        <m:t>𝑃𝑉</m:t>
+                      </m:r>
+                    </m:oMath>
+                  </m:oMathPara>
+                </a14:m>
+                <a:endParaRPr kumimoji="1" lang="ja-JP" altLang="en-US" sz="2400"/>
+              </a:p>
+            </p:txBody>
+          </p:sp>
+        </mc:Choice>
+        <mc:Fallback>
+          <p:sp>
+            <p:nvSpPr>
+              <p:cNvPr id="15" name="テキスト ボックス 14">
+                <a:extLst>
+                  <a:ext uri="{FF2B5EF4-FFF2-40B4-BE49-F238E27FC236}">
+                    <a16:creationId xmlns:a16="http://schemas.microsoft.com/office/drawing/2014/main" id="{141283E7-96C5-5752-463E-9CAE18F86CF5}"/>
+                  </a:ext>
+                </a:extLst>
+              </p:cNvPr>
+              <p:cNvSpPr txBox="1">
+                <a:spLocks noRot="1" noChangeAspect="1" noMove="1" noResize="1" noEditPoints="1" noAdjustHandles="1" noChangeArrowheads="1" noChangeShapeType="1" noTextEdit="1"/>
+              </p:cNvSpPr>
+              <p:nvPr/>
+            </p:nvSpPr>
+            <p:spPr>
+              <a:xfrm>
+                <a:off x="4139952" y="4149080"/>
+                <a:ext cx="1835824" cy="461665"/>
+              </a:xfrm>
+              <a:prstGeom prst="rect">
+                <a:avLst/>
+              </a:prstGeom>
+              <a:blipFill>
+                <a:blip r:embed="rId10"/>
+                <a:stretch>
+                  <a:fillRect/>
+                </a:stretch>
+              </a:blipFill>
+            </p:spPr>
+            <p:txBody>
+              <a:bodyPr/>
+              <a:lstStyle/>
+              <a:p>
+                <a:r>
+                  <a:rPr lang="ja-JP" altLang="en-US">
+                    <a:noFill/>
+                  </a:rPr>
+                  <a:t> </a:t>
+                </a:r>
+              </a:p>
+            </p:txBody>
+          </p:sp>
+        </mc:Fallback>
+      </mc:AlternateContent>
+      <p:cxnSp>
+        <p:nvCxnSpPr>
+          <p:cNvPr id="16" name="直線矢印コネクタ 15">
+            <a:extLst>
+              <a:ext uri="{FF2B5EF4-FFF2-40B4-BE49-F238E27FC236}">
+                <a16:creationId xmlns:a16="http://schemas.microsoft.com/office/drawing/2014/main" id="{78442456-C047-B615-0D5B-9B24B466A241}"/>
+              </a:ext>
+            </a:extLst>
+          </p:cNvPr>
+          <p:cNvCxnSpPr>
+            <a:stCxn id="5" idx="2"/>
+            <a:endCxn id="11" idx="0"/>
+          </p:cNvCxnSpPr>
+          <p:nvPr/>
+        </p:nvCxnSpPr>
+        <p:spPr>
+          <a:xfrm>
+            <a:off x="6382374" y="3237656"/>
+            <a:ext cx="813762" cy="1559496"/>
+          </a:xfrm>
+          <a:prstGeom prst="straightConnector1">
+            <a:avLst/>
+          </a:prstGeom>
+          <a:ln>
+            <a:solidFill>
+              <a:schemeClr val="tx1"/>
+            </a:solidFill>
+            <a:headEnd type="none" w="med" len="med"/>
+            <a:tailEnd type="triangle"/>
+          </a:ln>
+        </p:spPr>
+        <p:style>
+          <a:lnRef idx="1">
+            <a:schemeClr val="accent1"/>
+          </a:lnRef>
+          <a:fillRef idx="0">
+            <a:schemeClr val="accent1"/>
+          </a:fillRef>
+          <a:effectRef idx="0">
+            <a:schemeClr val="accent1"/>
+          </a:effectRef>
+          <a:fontRef idx="minor">
+            <a:schemeClr val="tx1"/>
+          </a:fontRef>
+        </p:style>
+      </p:cxnSp>
+      <mc:AlternateContent xmlns:mc="http://schemas.openxmlformats.org/markup-compatibility/2006">
+        <mc:Choice xmlns:a14="http://schemas.microsoft.com/office/drawing/2010/main" Requires="a14">
+          <p:sp>
+            <p:nvSpPr>
+              <p:cNvPr id="17" name="テキスト ボックス 16">
+                <a:extLst>
+                  <a:ext uri="{FF2B5EF4-FFF2-40B4-BE49-F238E27FC236}">
+                    <a16:creationId xmlns:a16="http://schemas.microsoft.com/office/drawing/2014/main" id="{14EB495F-C646-0C47-CA90-F65A9D10E563}"/>
+                  </a:ext>
+                </a:extLst>
+              </p:cNvPr>
+              <p:cNvSpPr txBox="1"/>
+              <p:nvPr/>
+            </p:nvSpPr>
+            <p:spPr>
+              <a:xfrm>
+                <a:off x="6948264" y="3789040"/>
+                <a:ext cx="1845698" cy="461665"/>
+              </a:xfrm>
+              <a:prstGeom prst="rect">
+                <a:avLst/>
+              </a:prstGeom>
+              <a:noFill/>
+            </p:spPr>
+            <p:txBody>
+              <a:bodyPr wrap="none" rtlCol="0">
+                <a:spAutoFit/>
+              </a:bodyPr>
+              <a:lstStyle/>
+              <a:p>
+                <a:pPr/>
+                <a14:m>
+                  <m:oMathPara xmlns:m="http://schemas.openxmlformats.org/officeDocument/2006/math">
+                    <m:oMathParaPr>
+                      <m:jc m:val="centerGroup"/>
+                    </m:oMathParaPr>
+                    <m:oMath xmlns:m="http://schemas.openxmlformats.org/officeDocument/2006/math">
+                      <m:r>
+                        <m:rPr>
+                          <m:sty m:val="p"/>
+                        </m:rPr>
+                        <a:rPr kumimoji="1" lang="en-US" altLang="ja-JP" sz="2400" b="0" i="0" smtClean="0">
+                          <a:latin typeface="Cambria Math" panose="02040503050406030204" pitchFamily="18" charset="0"/>
+                        </a:rPr>
+                        <m:t>Ω</m:t>
+                      </m:r>
+                      <m:r>
+                        <a:rPr kumimoji="1" lang="en-US" altLang="ja-JP" sz="2400" b="0" i="1" smtClean="0">
+                          <a:latin typeface="Cambria Math" panose="02040503050406030204" pitchFamily="18" charset="0"/>
+                        </a:rPr>
+                        <m:t>=</m:t>
+                      </m:r>
+                      <m:r>
+                        <a:rPr kumimoji="1" lang="en-US" altLang="ja-JP" sz="2400" b="0" i="1" smtClean="0">
+                          <a:latin typeface="Cambria Math" panose="02040503050406030204" pitchFamily="18" charset="0"/>
+                        </a:rPr>
+                        <m:t>𝐹</m:t>
+                      </m:r>
+                      <m:r>
+                        <a:rPr kumimoji="1" lang="en-US" altLang="ja-JP" sz="2400" b="0" i="1" smtClean="0">
+                          <a:latin typeface="Cambria Math" panose="02040503050406030204" pitchFamily="18" charset="0"/>
+                        </a:rPr>
+                        <m:t>−</m:t>
+                      </m:r>
+                      <m:r>
+                        <a:rPr kumimoji="1" lang="en-US" altLang="ja-JP" sz="2400" b="0" i="1" smtClean="0">
+                          <a:latin typeface="Cambria Math" panose="02040503050406030204" pitchFamily="18" charset="0"/>
+                        </a:rPr>
+                        <m:t>𝜇</m:t>
+                      </m:r>
+                      <m:r>
+                        <a:rPr kumimoji="1" lang="en-US" altLang="ja-JP" sz="2400" b="0" i="1" smtClean="0">
+                          <a:latin typeface="Cambria Math" panose="02040503050406030204" pitchFamily="18" charset="0"/>
+                        </a:rPr>
+                        <m:t>𝑁</m:t>
+                      </m:r>
+                    </m:oMath>
+                  </m:oMathPara>
+                </a14:m>
+                <a:endParaRPr kumimoji="1" lang="ja-JP" altLang="en-US" sz="2400"/>
+              </a:p>
+            </p:txBody>
+          </p:sp>
+        </mc:Choice>
+        <mc:Fallback>
+          <p:sp>
+            <p:nvSpPr>
+              <p:cNvPr id="17" name="テキスト ボックス 16">
+                <a:extLst>
+                  <a:ext uri="{FF2B5EF4-FFF2-40B4-BE49-F238E27FC236}">
+                    <a16:creationId xmlns:a16="http://schemas.microsoft.com/office/drawing/2014/main" id="{14EB495F-C646-0C47-CA90-F65A9D10E563}"/>
+                  </a:ext>
+                </a:extLst>
+              </p:cNvPr>
+              <p:cNvSpPr txBox="1">
+                <a:spLocks noRot="1" noChangeAspect="1" noMove="1" noResize="1" noEditPoints="1" noAdjustHandles="1" noChangeArrowheads="1" noChangeShapeType="1" noTextEdit="1"/>
+              </p:cNvSpPr>
+              <p:nvPr/>
+            </p:nvSpPr>
+            <p:spPr>
+              <a:xfrm>
+                <a:off x="6948264" y="3789040"/>
+                <a:ext cx="1845698" cy="461665"/>
+              </a:xfrm>
+              <a:prstGeom prst="rect">
+                <a:avLst/>
+              </a:prstGeom>
+              <a:blipFill>
+                <a:blip r:embed="rId11"/>
+                <a:stretch>
+                  <a:fillRect b="-18667"/>
+                </a:stretch>
+              </a:blipFill>
+            </p:spPr>
+            <p:txBody>
+              <a:bodyPr/>
+              <a:lstStyle/>
+              <a:p>
+                <a:r>
+                  <a:rPr lang="ja-JP" altLang="en-US">
+                    <a:noFill/>
+                  </a:rPr>
+                  <a:t> </a:t>
+                </a:r>
+              </a:p>
+            </p:txBody>
+          </p:sp>
+        </mc:Fallback>
+      </mc:AlternateContent>
+      <p:sp>
+        <p:nvSpPr>
+          <p:cNvPr id="18" name="テキスト ボックス 17">
+            <a:extLst>
+              <a:ext uri="{FF2B5EF4-FFF2-40B4-BE49-F238E27FC236}">
+                <a16:creationId xmlns:a16="http://schemas.microsoft.com/office/drawing/2014/main" id="{243838DA-EA5E-8477-1BF8-29EDD4058762}"/>
+              </a:ext>
+            </a:extLst>
+          </p:cNvPr>
+          <p:cNvSpPr txBox="1"/>
+          <p:nvPr/>
+        </p:nvSpPr>
+        <p:spPr>
+          <a:xfrm>
+            <a:off x="755576" y="6021288"/>
+            <a:ext cx="6955750" cy="461665"/>
+          </a:xfrm>
+          <a:prstGeom prst="rect">
+            <a:avLst/>
+          </a:prstGeom>
+          <a:noFill/>
+        </p:spPr>
+        <p:txBody>
+          <a:bodyPr wrap="none" rtlCol="0">
+            <a:spAutoFit/>
+          </a:bodyPr>
+          <a:lstStyle/>
+          <a:p>
+            <a:r>
+              <a:rPr lang="ja-JP" altLang="en-US" sz="2400"/>
+              <a:t>共役な量＝ルジャンドル変換で互いに変換する量</a:t>
+            </a:r>
+            <a:endParaRPr kumimoji="1" lang="ja-JP" altLang="en-US" sz="2400"/>
+          </a:p>
+        </p:txBody>
+      </p:sp>
+      <p:sp>
+        <p:nvSpPr>
+          <p:cNvPr id="19" name="四角形: 角を丸くする 18">
+            <a:extLst>
+              <a:ext uri="{FF2B5EF4-FFF2-40B4-BE49-F238E27FC236}">
+                <a16:creationId xmlns:a16="http://schemas.microsoft.com/office/drawing/2014/main" id="{F76EEACB-28D0-912E-4C5D-3305ABD59C86}"/>
+              </a:ext>
+            </a:extLst>
+          </p:cNvPr>
+          <p:cNvSpPr/>
+          <p:nvPr/>
+        </p:nvSpPr>
+        <p:spPr>
+          <a:xfrm>
+            <a:off x="1619672" y="3933056"/>
+            <a:ext cx="504056" cy="432048"/>
+          </a:xfrm>
+          <a:prstGeom prst="roundRect">
+            <a:avLst/>
+          </a:prstGeom>
+          <a:noFill/>
+          <a:ln w="28575">
+            <a:solidFill>
+              <a:srgbClr val="FF0000"/>
+            </a:solidFill>
+            <a:prstDash val="dash"/>
+          </a:ln>
+        </p:spPr>
+        <p:style>
+          <a:lnRef idx="2">
+            <a:schemeClr val="accent1">
+              <a:shade val="50000"/>
+            </a:schemeClr>
+          </a:lnRef>
+          <a:fillRef idx="1">
+            <a:schemeClr val="accent1"/>
+          </a:fillRef>
+          <a:effectRef idx="0">
+            <a:schemeClr val="accent1"/>
+          </a:effectRef>
+          <a:fontRef idx="minor">
+            <a:schemeClr val="lt1"/>
+          </a:fontRef>
+        </p:style>
+        <p:txBody>
+          <a:bodyPr rtlCol="0" anchor="ctr"/>
+          <a:lstStyle/>
+          <a:p>
+            <a:pPr algn="ctr"/>
+            <a:endParaRPr kumimoji="1" lang="ja-JP" altLang="en-US"/>
+          </a:p>
+        </p:txBody>
+      </p:sp>
+      <p:cxnSp>
+        <p:nvCxnSpPr>
+          <p:cNvPr id="20" name="コネクタ: カギ線 19">
+            <a:extLst>
+              <a:ext uri="{FF2B5EF4-FFF2-40B4-BE49-F238E27FC236}">
+                <a16:creationId xmlns:a16="http://schemas.microsoft.com/office/drawing/2014/main" id="{DE3EB86F-F8BC-D7EA-C725-DA90D3B287F3}"/>
+              </a:ext>
+            </a:extLst>
+          </p:cNvPr>
+          <p:cNvCxnSpPr>
+            <a:stCxn id="19" idx="2"/>
+            <a:endCxn id="18" idx="1"/>
+          </p:cNvCxnSpPr>
+          <p:nvPr/>
+        </p:nvCxnSpPr>
+        <p:spPr>
+          <a:xfrm rot="5400000">
+            <a:off x="370130" y="4750550"/>
+            <a:ext cx="1887017" cy="1116124"/>
+          </a:xfrm>
+          <a:prstGeom prst="bentConnector4">
+            <a:avLst>
+              <a:gd name="adj1" fmla="val 43884"/>
+              <a:gd name="adj2" fmla="val 120482"/>
+            </a:avLst>
+          </a:prstGeom>
+          <a:ln>
+            <a:solidFill>
+              <a:schemeClr val="tx1"/>
+            </a:solidFill>
+            <a:headEnd type="none" w="med" len="med"/>
+            <a:tailEnd type="triangle"/>
+          </a:ln>
+        </p:spPr>
+        <p:style>
+          <a:lnRef idx="1">
+            <a:schemeClr val="accent1"/>
+          </a:lnRef>
+          <a:fillRef idx="0">
+            <a:schemeClr val="accent1"/>
+          </a:fillRef>
+          <a:effectRef idx="0">
+            <a:schemeClr val="accent1"/>
+          </a:effectRef>
+          <a:fontRef idx="minor">
+            <a:schemeClr val="tx1"/>
+          </a:fontRef>
+        </p:style>
+      </p:cxnSp>
+      <p:sp>
+        <p:nvSpPr>
+          <p:cNvPr id="21" name="テキスト ボックス 20">
+            <a:extLst>
+              <a:ext uri="{FF2B5EF4-FFF2-40B4-BE49-F238E27FC236}">
+                <a16:creationId xmlns:a16="http://schemas.microsoft.com/office/drawing/2014/main" id="{F77F0475-BF78-DC92-22FB-D3CE98DA258C}"/>
+              </a:ext>
+            </a:extLst>
+          </p:cNvPr>
+          <p:cNvSpPr txBox="1"/>
+          <p:nvPr/>
+        </p:nvSpPr>
+        <p:spPr>
+          <a:xfrm>
+            <a:off x="6372200" y="908720"/>
+            <a:ext cx="1569660" cy="369332"/>
+          </a:xfrm>
+          <a:prstGeom prst="rect">
+            <a:avLst/>
+          </a:prstGeom>
+          <a:noFill/>
+        </p:spPr>
+        <p:txBody>
+          <a:bodyPr wrap="none" rtlCol="0">
+            <a:spAutoFit/>
+          </a:bodyPr>
+          <a:lstStyle/>
+          <a:p>
+            <a:r>
+              <a:rPr kumimoji="1" lang="ja-JP" altLang="en-US"/>
+              <a:t>全て示量変数</a:t>
+            </a:r>
+          </a:p>
+        </p:txBody>
+      </p:sp>
+      <p:cxnSp>
+        <p:nvCxnSpPr>
+          <p:cNvPr id="22" name="直線矢印コネクタ 21">
+            <a:extLst>
+              <a:ext uri="{FF2B5EF4-FFF2-40B4-BE49-F238E27FC236}">
+                <a16:creationId xmlns:a16="http://schemas.microsoft.com/office/drawing/2014/main" id="{010BB224-AAE1-B511-3D95-BA6401C947FC}"/>
+              </a:ext>
+            </a:extLst>
+          </p:cNvPr>
+          <p:cNvCxnSpPr>
+            <a:stCxn id="21" idx="1"/>
+          </p:cNvCxnSpPr>
+          <p:nvPr/>
+        </p:nvCxnSpPr>
+        <p:spPr>
+          <a:xfrm flipH="1">
+            <a:off x="5292080" y="1093386"/>
+            <a:ext cx="1080120" cy="391398"/>
+          </a:xfrm>
+          <a:prstGeom prst="straightConnector1">
+            <a:avLst/>
+          </a:prstGeom>
+          <a:ln>
+            <a:solidFill>
+              <a:schemeClr val="tx1"/>
+            </a:solidFill>
+            <a:headEnd type="none" w="med" len="med"/>
+            <a:tailEnd type="triangle"/>
+          </a:ln>
+        </p:spPr>
+        <p:style>
+          <a:lnRef idx="1">
+            <a:schemeClr val="accent1"/>
+          </a:lnRef>
+          <a:fillRef idx="0">
+            <a:schemeClr val="accent1"/>
+          </a:fillRef>
+          <a:effectRef idx="0">
+            <a:schemeClr val="accent1"/>
+          </a:effectRef>
+          <a:fontRef idx="minor">
+            <a:schemeClr val="tx1"/>
+          </a:fontRef>
+        </p:style>
+      </p:cxnSp>
+    </p:spTree>
+    <p:extLst>
+      <p:ext uri="{BB962C8B-B14F-4D97-AF65-F5344CB8AC3E}">
+        <p14:creationId xmlns:p14="http://schemas.microsoft.com/office/powerpoint/2010/main" val="3114311813"/>
+      </p:ext>
+    </p:extLst>
+  </p:cSld>
+  <p:clrMapOvr>
+    <a:masterClrMapping/>
+  </p:clrMapOvr>
+</p:sld>
+</file>
+
+<file path=ppt/slides/slide16.xml><?xml version="1.0" encoding="utf-8"?>
+<p:sld xmlns:a="http://schemas.openxmlformats.org/drawingml/2006/main" xmlns:r="http://schemas.openxmlformats.org/officeDocument/2006/relationships" xmlns:p="http://schemas.openxmlformats.org/presentationml/2006/main">
+  <p:cSld>
+    <p:spTree>
+      <p:nvGrpSpPr>
+        <p:cNvPr id="1" name=""/>
+        <p:cNvGrpSpPr/>
+        <p:nvPr/>
+      </p:nvGrpSpPr>
+      <p:grpSpPr>
+        <a:xfrm>
+          <a:off x="0" y="0"/>
+          <a:ext cx="0" cy="0"/>
+          <a:chOff x="0" y="0"/>
+          <a:chExt cx="0" cy="0"/>
+        </a:xfrm>
+      </p:grpSpPr>
+      <p:sp>
+        <p:nvSpPr>
+          <p:cNvPr id="2" name="テキスト プレースホルダー 1">
+            <a:extLst>
+              <a:ext uri="{FF2B5EF4-FFF2-40B4-BE49-F238E27FC236}">
+                <a16:creationId xmlns:a16="http://schemas.microsoft.com/office/drawing/2014/main" id="{6A8893F1-634B-FF6B-87E2-BFAF0ACB9A55}"/>
+              </a:ext>
+            </a:extLst>
+          </p:cNvPr>
+          <p:cNvSpPr>
+            <a:spLocks noGrp="1"/>
+          </p:cNvSpPr>
+          <p:nvPr>
+            <p:ph type="body" sz="quarter" idx="10"/>
+          </p:nvPr>
+        </p:nvSpPr>
+        <p:spPr/>
+        <p:txBody>
+          <a:bodyPr/>
+          <a:lstStyle/>
+          <a:p>
+            <a:r>
+              <a:rPr kumimoji="1" lang="ja-JP" altLang="en-US"/>
+              <a:t>ギブスの自由エネルギー</a:t>
+            </a:r>
+          </a:p>
+        </p:txBody>
+      </p:sp>
+      <p:sp>
+        <p:nvSpPr>
+          <p:cNvPr id="4" name="フリーフォーム: 図形 3">
+            <a:extLst>
+              <a:ext uri="{FF2B5EF4-FFF2-40B4-BE49-F238E27FC236}">
+                <a16:creationId xmlns:a16="http://schemas.microsoft.com/office/drawing/2014/main" id="{2A8F54D3-0CD6-7386-5F89-9E0AEBDBDB2C}"/>
+              </a:ext>
+            </a:extLst>
+          </p:cNvPr>
+          <p:cNvSpPr/>
+          <p:nvPr/>
+        </p:nvSpPr>
+        <p:spPr>
+          <a:xfrm>
+            <a:off x="1763688" y="2420888"/>
+            <a:ext cx="5517204" cy="2304256"/>
+          </a:xfrm>
+          <a:custGeom>
+            <a:avLst/>
+            <a:gdLst>
+              <a:gd name="connsiteX0" fmla="*/ 0 w 5373188"/>
+              <a:gd name="connsiteY0" fmla="*/ 2865120 h 2865120"/>
+              <a:gd name="connsiteX1" fmla="*/ 2299063 w 5373188"/>
+              <a:gd name="connsiteY1" fmla="*/ 853440 h 2865120"/>
+              <a:gd name="connsiteX2" fmla="*/ 5373188 w 5373188"/>
+              <a:gd name="connsiteY2" fmla="*/ 0 h 2865120"/>
+            </a:gdLst>
+            <a:ahLst/>
+            <a:cxnLst>
+              <a:cxn ang="0">
+                <a:pos x="connsiteX0" y="connsiteY0"/>
+              </a:cxn>
+              <a:cxn ang="0">
+                <a:pos x="connsiteX1" y="connsiteY1"/>
+              </a:cxn>
+              <a:cxn ang="0">
+                <a:pos x="connsiteX2" y="connsiteY2"/>
+              </a:cxn>
+            </a:cxnLst>
+            <a:rect l="l" t="t" r="r" b="b"/>
+            <a:pathLst>
+              <a:path w="5373188" h="2865120">
+                <a:moveTo>
+                  <a:pt x="0" y="2865120"/>
+                </a:moveTo>
+                <a:cubicBezTo>
+                  <a:pt x="701766" y="2098040"/>
+                  <a:pt x="1403532" y="1330960"/>
+                  <a:pt x="2299063" y="853440"/>
+                </a:cubicBezTo>
+                <a:cubicBezTo>
+                  <a:pt x="3194594" y="375920"/>
+                  <a:pt x="4283891" y="187960"/>
+                  <a:pt x="5373188" y="0"/>
+                </a:cubicBezTo>
+              </a:path>
+            </a:pathLst>
+          </a:custGeom>
+          <a:noFill/>
+          <a:ln w="28575">
+            <a:solidFill>
+              <a:srgbClr val="FF0000"/>
+            </a:solidFill>
+          </a:ln>
+        </p:spPr>
+        <p:style>
+          <a:lnRef idx="2">
+            <a:schemeClr val="accent1">
+              <a:shade val="50000"/>
+            </a:schemeClr>
+          </a:lnRef>
+          <a:fillRef idx="1">
+            <a:schemeClr val="accent1"/>
+          </a:fillRef>
+          <a:effectRef idx="0">
+            <a:schemeClr val="accent1"/>
+          </a:effectRef>
+          <a:fontRef idx="minor">
+            <a:schemeClr val="lt1"/>
+          </a:fontRef>
+        </p:style>
+        <p:txBody>
+          <a:bodyPr rtlCol="0" anchor="ctr"/>
+          <a:lstStyle/>
+          <a:p>
+            <a:pPr algn="ctr"/>
+            <a:endParaRPr kumimoji="1" lang="ja-JP" altLang="en-US"/>
+          </a:p>
+        </p:txBody>
+      </p:sp>
+      <p:sp>
+        <p:nvSpPr>
+          <p:cNvPr id="5" name="フリーフォーム: 図形 4">
+            <a:extLst>
+              <a:ext uri="{FF2B5EF4-FFF2-40B4-BE49-F238E27FC236}">
+                <a16:creationId xmlns:a16="http://schemas.microsoft.com/office/drawing/2014/main" id="{FB31C092-24D4-E796-11C3-4A5E496762E0}"/>
+              </a:ext>
+            </a:extLst>
+          </p:cNvPr>
+          <p:cNvSpPr/>
+          <p:nvPr/>
+        </p:nvSpPr>
+        <p:spPr>
+          <a:xfrm>
+            <a:off x="2267744" y="1484785"/>
+            <a:ext cx="4968552" cy="3672407"/>
+          </a:xfrm>
+          <a:custGeom>
+            <a:avLst/>
+            <a:gdLst>
+              <a:gd name="connsiteX0" fmla="*/ 0 w 3378926"/>
+              <a:gd name="connsiteY0" fmla="*/ 4093029 h 4093029"/>
+              <a:gd name="connsiteX1" fmla="*/ 1968137 w 3378926"/>
+              <a:gd name="connsiteY1" fmla="*/ 888275 h 4093029"/>
+              <a:gd name="connsiteX2" fmla="*/ 3378926 w 3378926"/>
+              <a:gd name="connsiteY2" fmla="*/ 0 h 4093029"/>
+            </a:gdLst>
+            <a:ahLst/>
+            <a:cxnLst>
+              <a:cxn ang="0">
+                <a:pos x="connsiteX0" y="connsiteY0"/>
+              </a:cxn>
+              <a:cxn ang="0">
+                <a:pos x="connsiteX1" y="connsiteY1"/>
+              </a:cxn>
+              <a:cxn ang="0">
+                <a:pos x="connsiteX2" y="connsiteY2"/>
+              </a:cxn>
+            </a:cxnLst>
+            <a:rect l="l" t="t" r="r" b="b"/>
+            <a:pathLst>
+              <a:path w="3378926" h="4093029">
+                <a:moveTo>
+                  <a:pt x="0" y="4093029"/>
+                </a:moveTo>
+                <a:cubicBezTo>
+                  <a:pt x="702491" y="2831737"/>
+                  <a:pt x="1404983" y="1570446"/>
+                  <a:pt x="1968137" y="888275"/>
+                </a:cubicBezTo>
+                <a:cubicBezTo>
+                  <a:pt x="2531291" y="206103"/>
+                  <a:pt x="2955108" y="103051"/>
+                  <a:pt x="3378926" y="0"/>
+                </a:cubicBezTo>
+              </a:path>
+            </a:pathLst>
+          </a:custGeom>
+          <a:noFill/>
+          <a:ln w="28575">
+            <a:solidFill>
+              <a:srgbClr val="011893"/>
+            </a:solidFill>
+          </a:ln>
+        </p:spPr>
+        <p:style>
+          <a:lnRef idx="2">
+            <a:schemeClr val="accent1">
+              <a:shade val="50000"/>
+            </a:schemeClr>
+          </a:lnRef>
+          <a:fillRef idx="1">
+            <a:schemeClr val="accent1"/>
+          </a:fillRef>
+          <a:effectRef idx="0">
+            <a:schemeClr val="accent1"/>
+          </a:effectRef>
+          <a:fontRef idx="minor">
+            <a:schemeClr val="lt1"/>
+          </a:fontRef>
+        </p:style>
+        <p:txBody>
+          <a:bodyPr rtlCol="0" anchor="ctr"/>
+          <a:lstStyle/>
+          <a:p>
+            <a:pPr algn="ctr"/>
+            <a:endParaRPr kumimoji="1" lang="ja-JP" altLang="en-US"/>
+          </a:p>
+        </p:txBody>
+      </p:sp>
+      <p:sp>
+        <p:nvSpPr>
+          <p:cNvPr id="6" name="テキスト ボックス 5">
+            <a:extLst>
+              <a:ext uri="{FF2B5EF4-FFF2-40B4-BE49-F238E27FC236}">
+                <a16:creationId xmlns:a16="http://schemas.microsoft.com/office/drawing/2014/main" id="{DB6CFFE1-78E2-AA8E-CEBA-6005983EE72F}"/>
+              </a:ext>
+            </a:extLst>
+          </p:cNvPr>
+          <p:cNvSpPr txBox="1"/>
+          <p:nvPr/>
+        </p:nvSpPr>
+        <p:spPr>
+          <a:xfrm>
+            <a:off x="7236296" y="1052736"/>
+            <a:ext cx="1800493" cy="646331"/>
+          </a:xfrm>
+          <a:prstGeom prst="rect">
+            <a:avLst/>
+          </a:prstGeom>
+          <a:noFill/>
+        </p:spPr>
+        <p:txBody>
+          <a:bodyPr wrap="none" rtlCol="0">
+            <a:spAutoFit/>
+          </a:bodyPr>
+          <a:lstStyle/>
+          <a:p>
+            <a:r>
+              <a:rPr kumimoji="1" lang="ja-JP" altLang="en-US"/>
+              <a:t>液相である時の</a:t>
+            </a:r>
+            <a:endParaRPr kumimoji="1" lang="en-US" altLang="ja-JP"/>
+          </a:p>
+          <a:p>
+            <a:r>
+              <a:rPr lang="ja-JP" altLang="en-US"/>
+              <a:t>自由エネルギー</a:t>
+            </a:r>
+            <a:endParaRPr kumimoji="1" lang="ja-JP" altLang="en-US"/>
+          </a:p>
+        </p:txBody>
+      </p:sp>
+      <p:sp>
+        <p:nvSpPr>
+          <p:cNvPr id="7" name="テキスト ボックス 6">
+            <a:extLst>
+              <a:ext uri="{FF2B5EF4-FFF2-40B4-BE49-F238E27FC236}">
+                <a16:creationId xmlns:a16="http://schemas.microsoft.com/office/drawing/2014/main" id="{0D354B47-03C6-A73B-328A-675622851B9D}"/>
+              </a:ext>
+            </a:extLst>
+          </p:cNvPr>
+          <p:cNvSpPr txBox="1"/>
+          <p:nvPr/>
+        </p:nvSpPr>
+        <p:spPr>
+          <a:xfrm>
+            <a:off x="7308304" y="2132856"/>
+            <a:ext cx="1800493" cy="646331"/>
+          </a:xfrm>
+          <a:prstGeom prst="rect">
+            <a:avLst/>
+          </a:prstGeom>
+          <a:noFill/>
+        </p:spPr>
+        <p:txBody>
+          <a:bodyPr wrap="none" rtlCol="0">
+            <a:spAutoFit/>
+          </a:bodyPr>
+          <a:lstStyle/>
+          <a:p>
+            <a:r>
+              <a:rPr lang="ja-JP" altLang="en-US"/>
+              <a:t>気</a:t>
+            </a:r>
+            <a:r>
+              <a:rPr kumimoji="1" lang="ja-JP" altLang="en-US"/>
+              <a:t>相である時の</a:t>
+            </a:r>
+            <a:endParaRPr kumimoji="1" lang="en-US" altLang="ja-JP"/>
+          </a:p>
+          <a:p>
+            <a:r>
+              <a:rPr lang="ja-JP" altLang="en-US"/>
+              <a:t>自由エネルギー</a:t>
+            </a:r>
+            <a:endParaRPr kumimoji="1" lang="ja-JP" altLang="en-US"/>
+          </a:p>
+        </p:txBody>
+      </p:sp>
+      <p:cxnSp>
+        <p:nvCxnSpPr>
+          <p:cNvPr id="9" name="直線矢印コネクタ 8">
+            <a:extLst>
+              <a:ext uri="{FF2B5EF4-FFF2-40B4-BE49-F238E27FC236}">
+                <a16:creationId xmlns:a16="http://schemas.microsoft.com/office/drawing/2014/main" id="{FADCA20A-6E1D-85D0-9159-6543CA25687D}"/>
+              </a:ext>
+            </a:extLst>
+          </p:cNvPr>
+          <p:cNvCxnSpPr/>
+          <p:nvPr/>
+        </p:nvCxnSpPr>
+        <p:spPr>
+          <a:xfrm flipV="1">
+            <a:off x="1691680" y="1340768"/>
+            <a:ext cx="0" cy="4104456"/>
+          </a:xfrm>
+          <a:prstGeom prst="straightConnector1">
+            <a:avLst/>
+          </a:prstGeom>
+          <a:ln>
+            <a:solidFill>
+              <a:schemeClr val="tx1"/>
+            </a:solidFill>
+            <a:headEnd type="none" w="med" len="med"/>
+            <a:tailEnd type="triangle"/>
+          </a:ln>
+        </p:spPr>
+        <p:style>
+          <a:lnRef idx="1">
+            <a:schemeClr val="accent1"/>
+          </a:lnRef>
+          <a:fillRef idx="0">
+            <a:schemeClr val="accent1"/>
+          </a:fillRef>
+          <a:effectRef idx="0">
+            <a:schemeClr val="accent1"/>
+          </a:effectRef>
+          <a:fontRef idx="minor">
+            <a:schemeClr val="tx1"/>
+          </a:fontRef>
+        </p:style>
+      </p:cxnSp>
+      <p:cxnSp>
+        <p:nvCxnSpPr>
+          <p:cNvPr id="11" name="直線矢印コネクタ 10">
+            <a:extLst>
+              <a:ext uri="{FF2B5EF4-FFF2-40B4-BE49-F238E27FC236}">
+                <a16:creationId xmlns:a16="http://schemas.microsoft.com/office/drawing/2014/main" id="{B4AC6331-A67C-8859-30C3-AA3180BD823B}"/>
+              </a:ext>
+            </a:extLst>
+          </p:cNvPr>
+          <p:cNvCxnSpPr/>
+          <p:nvPr/>
+        </p:nvCxnSpPr>
+        <p:spPr>
+          <a:xfrm>
+            <a:off x="1259632" y="5157192"/>
+            <a:ext cx="6696744" cy="0"/>
+          </a:xfrm>
+          <a:prstGeom prst="straightConnector1">
+            <a:avLst/>
+          </a:prstGeom>
+          <a:ln>
+            <a:solidFill>
+              <a:schemeClr val="tx1"/>
+            </a:solidFill>
+            <a:headEnd type="none" w="med" len="med"/>
+            <a:tailEnd type="triangle"/>
+          </a:ln>
+        </p:spPr>
+        <p:style>
+          <a:lnRef idx="1">
+            <a:schemeClr val="accent1"/>
+          </a:lnRef>
+          <a:fillRef idx="0">
+            <a:schemeClr val="accent1"/>
+          </a:fillRef>
+          <a:effectRef idx="0">
+            <a:schemeClr val="accent1"/>
+          </a:effectRef>
+          <a:fontRef idx="minor">
+            <a:schemeClr val="tx1"/>
+          </a:fontRef>
+        </p:style>
+      </p:cxnSp>
+      <p:sp>
+        <p:nvSpPr>
+          <p:cNvPr id="12" name="テキスト ボックス 11">
+            <a:extLst>
+              <a:ext uri="{FF2B5EF4-FFF2-40B4-BE49-F238E27FC236}">
+                <a16:creationId xmlns:a16="http://schemas.microsoft.com/office/drawing/2014/main" id="{37DC1300-4945-9A50-89CD-7D442B4C5A5B}"/>
+              </a:ext>
+            </a:extLst>
+          </p:cNvPr>
+          <p:cNvSpPr txBox="1"/>
+          <p:nvPr/>
+        </p:nvSpPr>
+        <p:spPr>
+          <a:xfrm>
+            <a:off x="611560" y="980728"/>
+            <a:ext cx="2723823" cy="369332"/>
+          </a:xfrm>
+          <a:prstGeom prst="rect">
+            <a:avLst/>
+          </a:prstGeom>
+          <a:noFill/>
+        </p:spPr>
+        <p:txBody>
+          <a:bodyPr wrap="none" rtlCol="0">
+            <a:spAutoFit/>
+          </a:bodyPr>
+          <a:lstStyle/>
+          <a:p>
+            <a:r>
+              <a:rPr kumimoji="1" lang="ja-JP" altLang="en-US"/>
+              <a:t>ギブスの自由エネルギー</a:t>
+            </a:r>
+          </a:p>
+        </p:txBody>
+      </p:sp>
+      <p:sp>
+        <p:nvSpPr>
+          <p:cNvPr id="13" name="テキスト ボックス 12">
+            <a:extLst>
+              <a:ext uri="{FF2B5EF4-FFF2-40B4-BE49-F238E27FC236}">
+                <a16:creationId xmlns:a16="http://schemas.microsoft.com/office/drawing/2014/main" id="{11A3853E-183E-81B5-11F8-AFEE77FD9012}"/>
+              </a:ext>
+            </a:extLst>
+          </p:cNvPr>
+          <p:cNvSpPr txBox="1"/>
+          <p:nvPr/>
+        </p:nvSpPr>
+        <p:spPr>
+          <a:xfrm>
+            <a:off x="7956376" y="5013176"/>
+            <a:ext cx="646331" cy="369332"/>
+          </a:xfrm>
+          <a:prstGeom prst="rect">
+            <a:avLst/>
+          </a:prstGeom>
+          <a:noFill/>
+        </p:spPr>
+        <p:txBody>
+          <a:bodyPr wrap="none" rtlCol="0">
+            <a:spAutoFit/>
+          </a:bodyPr>
+          <a:lstStyle/>
+          <a:p>
+            <a:r>
+              <a:rPr kumimoji="1" lang="ja-JP" altLang="en-US"/>
+              <a:t>温度</a:t>
+            </a:r>
+          </a:p>
+        </p:txBody>
+      </p:sp>
+      <p:grpSp>
+        <p:nvGrpSpPr>
+          <p:cNvPr id="30" name="グループ化 29">
+            <a:extLst>
+              <a:ext uri="{FF2B5EF4-FFF2-40B4-BE49-F238E27FC236}">
+                <a16:creationId xmlns:a16="http://schemas.microsoft.com/office/drawing/2014/main" id="{0FEFC99D-AFD0-8FF2-0F3D-782EE42F3452}"/>
+              </a:ext>
+            </a:extLst>
+          </p:cNvPr>
+          <p:cNvGrpSpPr/>
+          <p:nvPr/>
+        </p:nvGrpSpPr>
+        <p:grpSpPr>
+          <a:xfrm>
+            <a:off x="6372200" y="2708920"/>
+            <a:ext cx="1224136" cy="2376264"/>
+            <a:chOff x="6516216" y="4293096"/>
+            <a:chExt cx="1224136" cy="2376264"/>
+          </a:xfrm>
+        </p:grpSpPr>
+        <p:grpSp>
+          <p:nvGrpSpPr>
+            <p:cNvPr id="14" name="グループ化 13">
+              <a:extLst>
+                <a:ext uri="{FF2B5EF4-FFF2-40B4-BE49-F238E27FC236}">
+                  <a16:creationId xmlns:a16="http://schemas.microsoft.com/office/drawing/2014/main" id="{E6B7D664-65E8-478B-DDC7-2781076C05CB}"/>
+                </a:ext>
+              </a:extLst>
+            </p:cNvPr>
+            <p:cNvGrpSpPr/>
+            <p:nvPr/>
+          </p:nvGrpSpPr>
+          <p:grpSpPr>
+            <a:xfrm>
+              <a:off x="6516216" y="5229200"/>
+              <a:ext cx="1224136" cy="1440160"/>
+              <a:chOff x="1547664" y="2852936"/>
+              <a:chExt cx="1728192" cy="2232248"/>
+            </a:xfrm>
+          </p:grpSpPr>
+          <p:sp>
+            <p:nvSpPr>
+              <p:cNvPr id="15" name="楕円 14">
+                <a:extLst>
+                  <a:ext uri="{FF2B5EF4-FFF2-40B4-BE49-F238E27FC236}">
+                    <a16:creationId xmlns:a16="http://schemas.microsoft.com/office/drawing/2014/main" id="{21187186-4E0D-6623-BDE3-F618C95D8E5B}"/>
+                  </a:ext>
+                </a:extLst>
+              </p:cNvPr>
+              <p:cNvSpPr/>
+              <p:nvPr/>
+            </p:nvSpPr>
+            <p:spPr>
+              <a:xfrm>
+                <a:off x="1547664" y="2852936"/>
+                <a:ext cx="1728192" cy="504056"/>
+              </a:xfrm>
+              <a:prstGeom prst="ellipse">
+                <a:avLst/>
+              </a:prstGeom>
+              <a:noFill/>
+              <a:ln>
+                <a:solidFill>
+                  <a:schemeClr val="tx1"/>
+                </a:solidFill>
+              </a:ln>
+            </p:spPr>
+            <p:style>
+              <a:lnRef idx="2">
+                <a:schemeClr val="accent1">
+                  <a:shade val="50000"/>
+                </a:schemeClr>
+              </a:lnRef>
+              <a:fillRef idx="1">
+                <a:schemeClr val="accent1"/>
+              </a:fillRef>
+              <a:effectRef idx="0">
+                <a:schemeClr val="accent1"/>
+              </a:effectRef>
+              <a:fontRef idx="minor">
+                <a:schemeClr val="lt1"/>
+              </a:fontRef>
+            </p:style>
+            <p:txBody>
+              <a:bodyPr rtlCol="0" anchor="ctr"/>
+              <a:lstStyle/>
+              <a:p>
+                <a:pPr algn="ctr"/>
+                <a:endParaRPr kumimoji="1" lang="ja-JP" altLang="en-US"/>
+              </a:p>
+            </p:txBody>
+          </p:sp>
+          <p:sp>
+            <p:nvSpPr>
+              <p:cNvPr id="16" name="楕円 15">
+                <a:extLst>
+                  <a:ext uri="{FF2B5EF4-FFF2-40B4-BE49-F238E27FC236}">
+                    <a16:creationId xmlns:a16="http://schemas.microsoft.com/office/drawing/2014/main" id="{752FDAC1-9939-1C1D-DD7A-C5C191C1AC3C}"/>
+                  </a:ext>
+                </a:extLst>
+              </p:cNvPr>
+              <p:cNvSpPr/>
+              <p:nvPr/>
+            </p:nvSpPr>
+            <p:spPr>
+              <a:xfrm>
+                <a:off x="1835696" y="4653136"/>
+                <a:ext cx="1152128" cy="432048"/>
+              </a:xfrm>
+              <a:prstGeom prst="ellipse">
+                <a:avLst/>
+              </a:prstGeom>
+              <a:noFill/>
+              <a:ln>
+                <a:solidFill>
+                  <a:schemeClr val="tx1"/>
+                </a:solidFill>
+              </a:ln>
+            </p:spPr>
+            <p:style>
+              <a:lnRef idx="2">
+                <a:schemeClr val="accent1">
+                  <a:shade val="50000"/>
+                </a:schemeClr>
+              </a:lnRef>
+              <a:fillRef idx="1">
+                <a:schemeClr val="accent1"/>
+              </a:fillRef>
+              <a:effectRef idx="0">
+                <a:schemeClr val="accent1"/>
+              </a:effectRef>
+              <a:fontRef idx="minor">
+                <a:schemeClr val="lt1"/>
+              </a:fontRef>
+            </p:style>
+            <p:txBody>
+              <a:bodyPr rtlCol="0" anchor="ctr"/>
+              <a:lstStyle/>
+              <a:p>
+                <a:pPr algn="ctr"/>
+                <a:endParaRPr kumimoji="1" lang="ja-JP" altLang="en-US"/>
+              </a:p>
+            </p:txBody>
+          </p:sp>
+          <p:cxnSp>
+            <p:nvCxnSpPr>
+              <p:cNvPr id="17" name="直線コネクタ 16">
+                <a:extLst>
+                  <a:ext uri="{FF2B5EF4-FFF2-40B4-BE49-F238E27FC236}">
+                    <a16:creationId xmlns:a16="http://schemas.microsoft.com/office/drawing/2014/main" id="{2F672538-4C7F-B907-0012-F8FF2A626C81}"/>
+                  </a:ext>
+                </a:extLst>
+              </p:cNvPr>
+              <p:cNvCxnSpPr>
+                <a:stCxn id="15" idx="6"/>
+                <a:endCxn id="16" idx="6"/>
+              </p:cNvCxnSpPr>
+              <p:nvPr/>
+            </p:nvCxnSpPr>
+            <p:spPr>
+              <a:xfrm flipH="1">
+                <a:off x="2987824" y="3104964"/>
+                <a:ext cx="288032" cy="1764196"/>
+              </a:xfrm>
+              <a:prstGeom prst="line">
+                <a:avLst/>
+              </a:prstGeom>
+              <a:ln>
+                <a:solidFill>
+                  <a:schemeClr val="tx1"/>
+                </a:solidFill>
+                <a:headEnd type="none" w="med" len="med"/>
+                <a:tailEnd type="none" w="med" len="med"/>
+              </a:ln>
+            </p:spPr>
+            <p:style>
+              <a:lnRef idx="1">
+                <a:schemeClr val="accent1"/>
+              </a:lnRef>
+              <a:fillRef idx="0">
+                <a:schemeClr val="accent1"/>
+              </a:fillRef>
+              <a:effectRef idx="0">
+                <a:schemeClr val="accent1"/>
+              </a:effectRef>
+              <a:fontRef idx="minor">
+                <a:schemeClr val="tx1"/>
+              </a:fontRef>
+            </p:style>
+          </p:cxnSp>
+          <p:cxnSp>
+            <p:nvCxnSpPr>
+              <p:cNvPr id="18" name="直線コネクタ 17">
+                <a:extLst>
+                  <a:ext uri="{FF2B5EF4-FFF2-40B4-BE49-F238E27FC236}">
+                    <a16:creationId xmlns:a16="http://schemas.microsoft.com/office/drawing/2014/main" id="{2F6DDC6F-37CA-A246-CE60-9C6BF20CC2F2}"/>
+                  </a:ext>
+                </a:extLst>
+              </p:cNvPr>
+              <p:cNvCxnSpPr>
+                <a:stCxn id="15" idx="2"/>
+                <a:endCxn id="16" idx="2"/>
+              </p:cNvCxnSpPr>
+              <p:nvPr/>
+            </p:nvCxnSpPr>
+            <p:spPr>
+              <a:xfrm>
+                <a:off x="1547664" y="3104964"/>
+                <a:ext cx="288032" cy="1764196"/>
+              </a:xfrm>
+              <a:prstGeom prst="line">
+                <a:avLst/>
+              </a:prstGeom>
+              <a:ln>
+                <a:solidFill>
+                  <a:schemeClr val="tx1"/>
+                </a:solidFill>
+                <a:headEnd type="none" w="med" len="med"/>
+                <a:tailEnd type="none" w="med" len="med"/>
+              </a:ln>
+            </p:spPr>
+            <p:style>
+              <a:lnRef idx="1">
+                <a:schemeClr val="accent1"/>
+              </a:lnRef>
+              <a:fillRef idx="0">
+                <a:schemeClr val="accent1"/>
+              </a:fillRef>
+              <a:effectRef idx="0">
+                <a:schemeClr val="accent1"/>
+              </a:effectRef>
+              <a:fontRef idx="minor">
+                <a:schemeClr val="tx1"/>
+              </a:fontRef>
+            </p:style>
+          </p:cxnSp>
+          <p:sp>
+            <p:nvSpPr>
+              <p:cNvPr id="19" name="楕円 18">
+                <a:extLst>
+                  <a:ext uri="{FF2B5EF4-FFF2-40B4-BE49-F238E27FC236}">
+                    <a16:creationId xmlns:a16="http://schemas.microsoft.com/office/drawing/2014/main" id="{39217705-A47D-3DC4-A0E1-92BB8D5F3663}"/>
+                  </a:ext>
+                </a:extLst>
+              </p:cNvPr>
+              <p:cNvSpPr/>
+              <p:nvPr/>
+            </p:nvSpPr>
+            <p:spPr>
+              <a:xfrm>
+                <a:off x="1876336" y="4570080"/>
+                <a:ext cx="1080120" cy="432048"/>
+              </a:xfrm>
+              <a:prstGeom prst="ellipse">
+                <a:avLst/>
+              </a:prstGeom>
+              <a:solidFill>
+                <a:srgbClr val="00B0F0"/>
+              </a:solidFill>
+              <a:ln>
+                <a:noFill/>
+              </a:ln>
+            </p:spPr>
+            <p:style>
+              <a:lnRef idx="2">
+                <a:schemeClr val="accent1">
+                  <a:shade val="50000"/>
+                </a:schemeClr>
+              </a:lnRef>
+              <a:fillRef idx="1">
+                <a:schemeClr val="accent1"/>
+              </a:fillRef>
+              <a:effectRef idx="0">
+                <a:schemeClr val="accent1"/>
+              </a:effectRef>
+              <a:fontRef idx="minor">
+                <a:schemeClr val="lt1"/>
+              </a:fontRef>
+            </p:style>
+            <p:txBody>
+              <a:bodyPr rtlCol="0" anchor="ctr"/>
+              <a:lstStyle/>
+              <a:p>
+                <a:pPr algn="ctr"/>
+                <a:endParaRPr kumimoji="1" lang="ja-JP" altLang="en-US"/>
+              </a:p>
+            </p:txBody>
+          </p:sp>
+          <p:sp>
+            <p:nvSpPr>
+              <p:cNvPr id="20" name="台形 19">
+                <a:extLst>
+                  <a:ext uri="{FF2B5EF4-FFF2-40B4-BE49-F238E27FC236}">
+                    <a16:creationId xmlns:a16="http://schemas.microsoft.com/office/drawing/2014/main" id="{BB6D94AD-5D58-CE90-9F20-D7E32E86011D}"/>
+                  </a:ext>
+                </a:extLst>
+              </p:cNvPr>
+              <p:cNvSpPr/>
+              <p:nvPr/>
+            </p:nvSpPr>
+            <p:spPr>
+              <a:xfrm flipV="1">
+                <a:off x="1660312" y="3633976"/>
+                <a:ext cx="1512168" cy="1152128"/>
+              </a:xfrm>
+              <a:prstGeom prst="trapezoid">
+                <a:avLst>
+                  <a:gd name="adj" fmla="val 18416"/>
+                </a:avLst>
+              </a:prstGeom>
+              <a:solidFill>
+                <a:srgbClr val="00B0F0"/>
+              </a:solidFill>
+              <a:ln>
+                <a:noFill/>
+              </a:ln>
+            </p:spPr>
+            <p:style>
+              <a:lnRef idx="2">
+                <a:schemeClr val="accent1">
+                  <a:shade val="50000"/>
+                </a:schemeClr>
+              </a:lnRef>
+              <a:fillRef idx="1">
+                <a:schemeClr val="accent1"/>
+              </a:fillRef>
+              <a:effectRef idx="0">
+                <a:schemeClr val="accent1"/>
+              </a:effectRef>
+              <a:fontRef idx="minor">
+                <a:schemeClr val="lt1"/>
+              </a:fontRef>
+            </p:style>
+            <p:txBody>
+              <a:bodyPr rtlCol="0" anchor="ctr"/>
+              <a:lstStyle/>
+              <a:p>
+                <a:pPr algn="ctr"/>
+                <a:endParaRPr kumimoji="1" lang="ja-JP" altLang="en-US"/>
+              </a:p>
+            </p:txBody>
+          </p:sp>
+          <p:sp>
+            <p:nvSpPr>
+              <p:cNvPr id="21" name="楕円 20">
+                <a:extLst>
+                  <a:ext uri="{FF2B5EF4-FFF2-40B4-BE49-F238E27FC236}">
+                    <a16:creationId xmlns:a16="http://schemas.microsoft.com/office/drawing/2014/main" id="{E36EB2CC-9B6E-DBD8-271F-6E0027412DA1}"/>
+                  </a:ext>
+                </a:extLst>
+              </p:cNvPr>
+              <p:cNvSpPr/>
+              <p:nvPr/>
+            </p:nvSpPr>
+            <p:spPr>
+              <a:xfrm>
+                <a:off x="1660312" y="3417952"/>
+                <a:ext cx="1512168" cy="432048"/>
+              </a:xfrm>
+              <a:prstGeom prst="ellipse">
+                <a:avLst/>
+              </a:prstGeom>
+              <a:solidFill>
+                <a:srgbClr val="47CFFF"/>
+              </a:solidFill>
+              <a:ln>
+                <a:noFill/>
+              </a:ln>
+            </p:spPr>
+            <p:style>
+              <a:lnRef idx="2">
+                <a:schemeClr val="accent1">
+                  <a:shade val="50000"/>
+                </a:schemeClr>
+              </a:lnRef>
+              <a:fillRef idx="1">
+                <a:schemeClr val="accent1"/>
+              </a:fillRef>
+              <a:effectRef idx="0">
+                <a:schemeClr val="accent1"/>
+              </a:effectRef>
+              <a:fontRef idx="minor">
+                <a:schemeClr val="lt1"/>
+              </a:fontRef>
+            </p:style>
+            <p:txBody>
+              <a:bodyPr rtlCol="0" anchor="ctr"/>
+              <a:lstStyle/>
+              <a:p>
+                <a:pPr algn="ctr"/>
+                <a:endParaRPr kumimoji="1" lang="ja-JP" altLang="en-US"/>
+              </a:p>
+            </p:txBody>
+          </p:sp>
+        </p:grpSp>
+        <p:sp>
+          <p:nvSpPr>
+            <p:cNvPr id="22" name="矢印: 下 21">
+              <a:extLst>
+                <a:ext uri="{FF2B5EF4-FFF2-40B4-BE49-F238E27FC236}">
+                  <a16:creationId xmlns:a16="http://schemas.microsoft.com/office/drawing/2014/main" id="{CA675499-FCB8-46C3-B9A0-268BFF168061}"/>
+                </a:ext>
+              </a:extLst>
+            </p:cNvPr>
+            <p:cNvSpPr/>
+            <p:nvPr/>
+          </p:nvSpPr>
+          <p:spPr>
+            <a:xfrm>
+              <a:off x="6732240" y="4797152"/>
+              <a:ext cx="792088" cy="648072"/>
+            </a:xfrm>
+            <a:prstGeom prst="downArrow">
+              <a:avLst/>
+            </a:prstGeom>
+            <a:solidFill>
+              <a:srgbClr val="FF0000"/>
+            </a:solidFill>
+            <a:ln>
+              <a:solidFill>
+                <a:schemeClr val="tx1"/>
+              </a:solidFill>
+            </a:ln>
+          </p:spPr>
+          <p:style>
+            <a:lnRef idx="2">
+              <a:schemeClr val="accent1">
+                <a:shade val="50000"/>
+              </a:schemeClr>
+            </a:lnRef>
+            <a:fillRef idx="1">
+              <a:schemeClr val="accent1"/>
+            </a:fillRef>
+            <a:effectRef idx="0">
+              <a:schemeClr val="accent1"/>
+            </a:effectRef>
+            <a:fontRef idx="minor">
+              <a:schemeClr val="lt1"/>
+            </a:fontRef>
+          </p:style>
+          <p:txBody>
+            <a:bodyPr rtlCol="0" anchor="ctr"/>
+            <a:lstStyle/>
+            <a:p>
+              <a:pPr algn="ctr"/>
+              <a:endParaRPr kumimoji="1" lang="ja-JP" altLang="en-US"/>
+            </a:p>
+          </p:txBody>
+        </p:sp>
+        <p:sp>
+          <p:nvSpPr>
+            <p:cNvPr id="23" name="テキスト ボックス 22">
+              <a:extLst>
+                <a:ext uri="{FF2B5EF4-FFF2-40B4-BE49-F238E27FC236}">
+                  <a16:creationId xmlns:a16="http://schemas.microsoft.com/office/drawing/2014/main" id="{B2E64360-93EE-BBF7-3027-AF7FCCD40ACE}"/>
+                </a:ext>
+              </a:extLst>
+            </p:cNvPr>
+            <p:cNvSpPr txBox="1"/>
+            <p:nvPr/>
+          </p:nvSpPr>
+          <p:spPr>
+            <a:xfrm>
+              <a:off x="6732240" y="4293096"/>
+              <a:ext cx="800219" cy="461665"/>
+            </a:xfrm>
+            <a:prstGeom prst="rect">
+              <a:avLst/>
+            </a:prstGeom>
+            <a:noFill/>
+          </p:spPr>
+          <p:txBody>
+            <a:bodyPr wrap="none" rtlCol="0">
+              <a:spAutoFit/>
+            </a:bodyPr>
+            <a:lstStyle/>
+            <a:p>
+              <a:r>
+                <a:rPr kumimoji="1" lang="ja-JP" altLang="en-US" sz="2400"/>
+                <a:t>気圧</a:t>
+              </a:r>
+            </a:p>
+          </p:txBody>
+        </p:sp>
+        <p:sp>
+          <p:nvSpPr>
+            <p:cNvPr id="24" name="矢印: 下 23">
+              <a:extLst>
+                <a:ext uri="{FF2B5EF4-FFF2-40B4-BE49-F238E27FC236}">
+                  <a16:creationId xmlns:a16="http://schemas.microsoft.com/office/drawing/2014/main" id="{195761EC-721B-EF63-FF52-A29BFE6B1D6A}"/>
+                </a:ext>
+              </a:extLst>
+            </p:cNvPr>
+            <p:cNvSpPr/>
+            <p:nvPr/>
+          </p:nvSpPr>
+          <p:spPr>
+            <a:xfrm rot="10800000">
+              <a:off x="6948264" y="5661248"/>
+              <a:ext cx="288032" cy="258328"/>
+            </a:xfrm>
+            <a:prstGeom prst="downArrow">
+              <a:avLst/>
+            </a:prstGeom>
+            <a:solidFill>
+              <a:srgbClr val="011893"/>
+            </a:solidFill>
+            <a:ln>
+              <a:solidFill>
+                <a:schemeClr val="tx1"/>
+              </a:solidFill>
+            </a:ln>
+          </p:spPr>
+          <p:style>
+            <a:lnRef idx="2">
+              <a:schemeClr val="accent1">
+                <a:shade val="50000"/>
+              </a:schemeClr>
+            </a:lnRef>
+            <a:fillRef idx="1">
+              <a:schemeClr val="accent1"/>
+            </a:fillRef>
+            <a:effectRef idx="0">
+              <a:schemeClr val="accent1"/>
+            </a:effectRef>
+            <a:fontRef idx="minor">
+              <a:schemeClr val="lt1"/>
+            </a:fontRef>
+          </p:style>
+          <p:txBody>
+            <a:bodyPr rtlCol="0" anchor="ctr"/>
+            <a:lstStyle/>
+            <a:p>
+              <a:pPr algn="ctr"/>
+              <a:endParaRPr kumimoji="1" lang="ja-JP" altLang="en-US"/>
+            </a:p>
+          </p:txBody>
+        </p:sp>
+        <p:sp>
+          <p:nvSpPr>
+            <p:cNvPr id="25" name="テキスト ボックス 24">
+              <a:extLst>
+                <a:ext uri="{FF2B5EF4-FFF2-40B4-BE49-F238E27FC236}">
+                  <a16:creationId xmlns:a16="http://schemas.microsoft.com/office/drawing/2014/main" id="{46D86B03-82C6-A52B-5567-98E671F96E7D}"/>
+                </a:ext>
+              </a:extLst>
+            </p:cNvPr>
+            <p:cNvSpPr txBox="1"/>
+            <p:nvPr/>
+          </p:nvSpPr>
+          <p:spPr>
+            <a:xfrm>
+              <a:off x="6804248" y="5877272"/>
+              <a:ext cx="646331" cy="369332"/>
+            </a:xfrm>
+            <a:prstGeom prst="rect">
+              <a:avLst/>
+            </a:prstGeom>
+            <a:noFill/>
+          </p:spPr>
+          <p:txBody>
+            <a:bodyPr wrap="none" rtlCol="0">
+              <a:spAutoFit/>
+            </a:bodyPr>
+            <a:lstStyle/>
+            <a:p>
+              <a:r>
+                <a:rPr lang="ja-JP" altLang="en-US"/>
+                <a:t>蒸発</a:t>
+              </a:r>
+              <a:endParaRPr kumimoji="1" lang="ja-JP" altLang="en-US"/>
+            </a:p>
+          </p:txBody>
+        </p:sp>
+      </p:grpSp>
+      <p:cxnSp>
+        <p:nvCxnSpPr>
+          <p:cNvPr id="27" name="直線コネクタ 26">
+            <a:extLst>
+              <a:ext uri="{FF2B5EF4-FFF2-40B4-BE49-F238E27FC236}">
+                <a16:creationId xmlns:a16="http://schemas.microsoft.com/office/drawing/2014/main" id="{4F6A310E-52CC-AD02-EDE0-BDBA9899B9A7}"/>
+              </a:ext>
+            </a:extLst>
+          </p:cNvPr>
+          <p:cNvCxnSpPr/>
+          <p:nvPr/>
+        </p:nvCxnSpPr>
+        <p:spPr>
+          <a:xfrm>
+            <a:off x="5292080" y="1268760"/>
+            <a:ext cx="0" cy="4032448"/>
+          </a:xfrm>
+          <a:prstGeom prst="line">
+            <a:avLst/>
+          </a:prstGeom>
+          <a:ln>
+            <a:solidFill>
+              <a:schemeClr val="tx1"/>
+            </a:solidFill>
+            <a:headEnd type="none" w="med" len="med"/>
+            <a:tailEnd type="none" w="med" len="med"/>
+          </a:ln>
+        </p:spPr>
+        <p:style>
+          <a:lnRef idx="1">
+            <a:schemeClr val="accent1"/>
+          </a:lnRef>
+          <a:fillRef idx="0">
+            <a:schemeClr val="accent1"/>
+          </a:fillRef>
+          <a:effectRef idx="0">
+            <a:schemeClr val="accent1"/>
+          </a:effectRef>
+          <a:fontRef idx="minor">
+            <a:schemeClr val="tx1"/>
+          </a:fontRef>
+        </p:style>
+      </p:cxnSp>
+      <p:sp>
+        <p:nvSpPr>
+          <p:cNvPr id="28" name="テキスト ボックス 27">
+            <a:extLst>
+              <a:ext uri="{FF2B5EF4-FFF2-40B4-BE49-F238E27FC236}">
+                <a16:creationId xmlns:a16="http://schemas.microsoft.com/office/drawing/2014/main" id="{CC374264-8C12-970D-43F1-9BA230E22F21}"/>
+              </a:ext>
+            </a:extLst>
+          </p:cNvPr>
+          <p:cNvSpPr txBox="1"/>
+          <p:nvPr/>
+        </p:nvSpPr>
+        <p:spPr>
+          <a:xfrm>
+            <a:off x="4979662" y="5373216"/>
+            <a:ext cx="646331" cy="369332"/>
+          </a:xfrm>
+          <a:prstGeom prst="rect">
+            <a:avLst/>
+          </a:prstGeom>
+          <a:noFill/>
+        </p:spPr>
+        <p:txBody>
+          <a:bodyPr wrap="none" rtlCol="0">
+            <a:spAutoFit/>
+          </a:bodyPr>
+          <a:lstStyle/>
+          <a:p>
+            <a:r>
+              <a:rPr kumimoji="1" lang="ja-JP" altLang="en-US"/>
+              <a:t>室温</a:t>
+            </a:r>
+          </a:p>
+        </p:txBody>
+      </p:sp>
+      <p:sp>
+        <p:nvSpPr>
+          <p:cNvPr id="29" name="テキスト ボックス 28">
+            <a:extLst>
+              <a:ext uri="{FF2B5EF4-FFF2-40B4-BE49-F238E27FC236}">
+                <a16:creationId xmlns:a16="http://schemas.microsoft.com/office/drawing/2014/main" id="{77FE244F-60A1-422B-A270-651095D2E322}"/>
+              </a:ext>
+            </a:extLst>
+          </p:cNvPr>
+          <p:cNvSpPr txBox="1"/>
+          <p:nvPr/>
+        </p:nvSpPr>
+        <p:spPr>
+          <a:xfrm>
+            <a:off x="611560" y="5877272"/>
+            <a:ext cx="6340197" cy="707886"/>
+          </a:xfrm>
+          <a:prstGeom prst="rect">
+            <a:avLst/>
+          </a:prstGeom>
+          <a:noFill/>
+        </p:spPr>
+        <p:txBody>
+          <a:bodyPr wrap="none" rtlCol="0">
+            <a:spAutoFit/>
+          </a:bodyPr>
+          <a:lstStyle/>
+          <a:p>
+            <a:r>
+              <a:rPr lang="ja-JP" altLang="en-US" sz="2000"/>
+              <a:t>その温度、圧力では、液相でいるより気相でいる方が</a:t>
+            </a:r>
+            <a:endParaRPr lang="en-US" altLang="ja-JP" sz="2000"/>
+          </a:p>
+          <a:p>
+            <a:r>
+              <a:rPr kumimoji="1" lang="ja-JP" altLang="en-US" sz="2000"/>
+              <a:t>自由エネルギーが低い→</a:t>
+            </a:r>
+            <a:r>
+              <a:rPr kumimoji="1" lang="ja-JP" altLang="en-US" sz="2000">
+                <a:solidFill>
+                  <a:srgbClr val="FF0000"/>
+                </a:solidFill>
+              </a:rPr>
+              <a:t>蒸発</a:t>
+            </a:r>
+          </a:p>
+        </p:txBody>
+      </p:sp>
+    </p:spTree>
+    <p:extLst>
+      <p:ext uri="{BB962C8B-B14F-4D97-AF65-F5344CB8AC3E}">
+        <p14:creationId xmlns:p14="http://schemas.microsoft.com/office/powerpoint/2010/main" val="3463075667"/>
+      </p:ext>
+    </p:extLst>
+  </p:cSld>
+  <p:clrMapOvr>
+    <a:masterClrMapping/>
+  </p:clrMapOvr>
+</p:sld>
+</file>
+
 <file path=ppt/slides/slide2.xml><?xml version="1.0" encoding="utf-8"?>
 <p:sld xmlns:a="http://schemas.openxmlformats.org/drawingml/2006/main" xmlns:r="http://schemas.openxmlformats.org/officeDocument/2006/relationships" xmlns:p="http://schemas.openxmlformats.org/presentationml/2006/main">
   <p:cSld>

--- a/05_md_advanced/yamagata05.pptx
+++ b/05_md_advanced/yamagata05.pptx
@@ -5,7 +5,7 @@
     <p:sldMasterId id="2147483665" r:id="rId1"/>
   </p:sldMasterIdLst>
   <p:notesMasterIdLst>
-    <p:notesMasterId r:id="rId22"/>
+    <p:notesMasterId r:id="rId29"/>
   </p:notesMasterIdLst>
   <p:sldIdLst>
     <p:sldId id="256" r:id="rId2"/>
@@ -28,6 +28,13 @@
     <p:sldId id="353" r:id="rId19"/>
     <p:sldId id="354" r:id="rId20"/>
     <p:sldId id="355" r:id="rId21"/>
+    <p:sldId id="358" r:id="rId22"/>
+    <p:sldId id="359" r:id="rId23"/>
+    <p:sldId id="360" r:id="rId24"/>
+    <p:sldId id="361" r:id="rId25"/>
+    <p:sldId id="362" r:id="rId26"/>
+    <p:sldId id="363" r:id="rId27"/>
+    <p:sldId id="364" r:id="rId28"/>
   </p:sldIdLst>
   <p:sldSz cx="9144000" cy="6858000" type="screen4x3"/>
   <p:notesSz cx="6858000" cy="9144000"/>
@@ -17481,39 +17488,10 @@
       </p:grpSpPr>
       <p:sp>
         <p:nvSpPr>
-          <p:cNvPr id="2" name="テキスト プレースホルダー 1">
-            <a:extLst>
-              <a:ext uri="{FF2B5EF4-FFF2-40B4-BE49-F238E27FC236}">
-                <a16:creationId xmlns:a16="http://schemas.microsoft.com/office/drawing/2014/main" id="{386185D2-1815-E71B-816A-FC88FF89584B}"/>
-              </a:ext>
-            </a:extLst>
-          </p:cNvPr>
-          <p:cNvSpPr>
-            <a:spLocks noGrp="1"/>
-          </p:cNvSpPr>
-          <p:nvPr>
-            <p:ph type="body" sz="quarter" idx="10"/>
-          </p:nvPr>
-        </p:nvSpPr>
-        <p:spPr/>
-        <p:txBody>
-          <a:bodyPr/>
-          <a:lstStyle/>
-          <a:p>
-            <a:r>
-              <a:rPr lang="ja-JP" altLang="en-US"/>
-              <a:t>飽和蒸気圧</a:t>
-            </a:r>
-            <a:endParaRPr kumimoji="1" lang="ja-JP" altLang="en-US"/>
-          </a:p>
-        </p:txBody>
-      </p:sp>
-      <p:sp>
-        <p:nvSpPr>
-          <p:cNvPr id="3" name="正方形/長方形 2">
-            <a:extLst>
-              <a:ext uri="{FF2B5EF4-FFF2-40B4-BE49-F238E27FC236}">
-                <a16:creationId xmlns:a16="http://schemas.microsoft.com/office/drawing/2014/main" id="{EA7D67EC-5053-D001-0EFC-7064D6AE6229}"/>
+          <p:cNvPr id="13" name="正方形/長方形 12">
+            <a:extLst>
+              <a:ext uri="{FF2B5EF4-FFF2-40B4-BE49-F238E27FC236}">
+                <a16:creationId xmlns:a16="http://schemas.microsoft.com/office/drawing/2014/main" id="{4E575BB9-074E-A475-9137-C5EAAD71087F}"/>
               </a:ext>
             </a:extLst>
           </p:cNvPr>
@@ -17522,14 +17500,19 @@
         </p:nvSpPr>
         <p:spPr>
           <a:xfrm>
-            <a:off x="971600" y="1988840"/>
-            <a:ext cx="1440160" cy="2160240"/>
+            <a:off x="6012160" y="2636912"/>
+            <a:ext cx="1440160" cy="1152128"/>
           </a:xfrm>
           <a:prstGeom prst="rect">
             <a:avLst/>
           </a:prstGeom>
-          <a:noFill/>
-          <a:ln w="38100">
+          <a:solidFill>
+            <a:schemeClr val="accent2">
+              <a:lumMod val="40000"/>
+              <a:lumOff val="60000"/>
+            </a:schemeClr>
+          </a:solidFill>
+          <a:ln>
             <a:solidFill>
               <a:schemeClr val="tx1"/>
             </a:solidFill>
@@ -17562,6 +17545,87 @@
       </p:sp>
       <p:sp>
         <p:nvSpPr>
+          <p:cNvPr id="2" name="テキスト プレースホルダー 1">
+            <a:extLst>
+              <a:ext uri="{FF2B5EF4-FFF2-40B4-BE49-F238E27FC236}">
+                <a16:creationId xmlns:a16="http://schemas.microsoft.com/office/drawing/2014/main" id="{386185D2-1815-E71B-816A-FC88FF89584B}"/>
+              </a:ext>
+            </a:extLst>
+          </p:cNvPr>
+          <p:cNvSpPr>
+            <a:spLocks noGrp="1"/>
+          </p:cNvSpPr>
+          <p:nvPr>
+            <p:ph type="body" sz="quarter" idx="10"/>
+          </p:nvPr>
+        </p:nvSpPr>
+        <p:spPr/>
+        <p:txBody>
+          <a:bodyPr/>
+          <a:lstStyle/>
+          <a:p>
+            <a:r>
+              <a:rPr lang="ja-JP" altLang="en-US"/>
+              <a:t>飽和蒸気圧</a:t>
+            </a:r>
+            <a:endParaRPr kumimoji="1" lang="ja-JP" altLang="en-US"/>
+          </a:p>
+        </p:txBody>
+      </p:sp>
+      <p:sp>
+        <p:nvSpPr>
+          <p:cNvPr id="3" name="正方形/長方形 2">
+            <a:extLst>
+              <a:ext uri="{FF2B5EF4-FFF2-40B4-BE49-F238E27FC236}">
+                <a16:creationId xmlns:a16="http://schemas.microsoft.com/office/drawing/2014/main" id="{EA7D67EC-5053-D001-0EFC-7064D6AE6229}"/>
+              </a:ext>
+            </a:extLst>
+          </p:cNvPr>
+          <p:cNvSpPr/>
+          <p:nvPr/>
+        </p:nvSpPr>
+        <p:spPr>
+          <a:xfrm>
+            <a:off x="1691680" y="2564904"/>
+            <a:ext cx="1440160" cy="2160240"/>
+          </a:xfrm>
+          <a:prstGeom prst="rect">
+            <a:avLst/>
+          </a:prstGeom>
+          <a:noFill/>
+          <a:ln w="38100">
+            <a:solidFill>
+              <a:schemeClr val="tx1"/>
+            </a:solidFill>
+          </a:ln>
+        </p:spPr>
+        <p:style>
+          <a:lnRef idx="2">
+            <a:schemeClr val="accent1">
+              <a:shade val="50000"/>
+            </a:schemeClr>
+          </a:lnRef>
+          <a:fillRef idx="1">
+            <a:schemeClr val="accent1"/>
+          </a:fillRef>
+          <a:effectRef idx="0">
+            <a:schemeClr val="accent1"/>
+          </a:effectRef>
+          <a:fontRef idx="minor">
+            <a:schemeClr val="lt1"/>
+          </a:fontRef>
+        </p:style>
+        <p:txBody>
+          <a:bodyPr rtlCol="0" anchor="ctr"/>
+          <a:lstStyle/>
+          <a:p>
+            <a:pPr algn="ctr"/>
+            <a:endParaRPr kumimoji="1" lang="ja-JP" altLang="en-US"/>
+          </a:p>
+        </p:txBody>
+      </p:sp>
+      <p:sp>
+        <p:nvSpPr>
           <p:cNvPr id="4" name="正方形/長方形 3">
             <a:extLst>
               <a:ext uri="{FF2B5EF4-FFF2-40B4-BE49-F238E27FC236}">
@@ -17574,7 +17638,7 @@
         </p:nvSpPr>
         <p:spPr>
           <a:xfrm>
-            <a:off x="971600" y="3068960"/>
+            <a:off x="1691680" y="3645024"/>
             <a:ext cx="1440160" cy="1080120"/>
           </a:xfrm>
           <a:prstGeom prst="rect">
@@ -17614,10 +17678,7696 @@
           </a:p>
         </p:txBody>
       </p:sp>
+      <p:sp>
+        <p:nvSpPr>
+          <p:cNvPr id="5" name="テキスト ボックス 4">
+            <a:extLst>
+              <a:ext uri="{FF2B5EF4-FFF2-40B4-BE49-F238E27FC236}">
+                <a16:creationId xmlns:a16="http://schemas.microsoft.com/office/drawing/2014/main" id="{A36F69FA-6F6F-99D6-B741-A8F5EEEE8E4E}"/>
+              </a:ext>
+            </a:extLst>
+          </p:cNvPr>
+          <p:cNvSpPr txBox="1"/>
+          <p:nvPr/>
+        </p:nvSpPr>
+        <p:spPr>
+          <a:xfrm>
+            <a:off x="827584" y="1412776"/>
+            <a:ext cx="3262432" cy="830997"/>
+          </a:xfrm>
+          <a:prstGeom prst="rect">
+            <a:avLst/>
+          </a:prstGeom>
+          <a:noFill/>
+        </p:spPr>
+        <p:txBody>
+          <a:bodyPr wrap="none" rtlCol="0">
+            <a:spAutoFit/>
+          </a:bodyPr>
+          <a:lstStyle/>
+          <a:p>
+            <a:r>
+              <a:rPr kumimoji="1" lang="ja-JP" altLang="en-US" sz="2400"/>
+              <a:t>密閉容器に水を入れて</a:t>
+            </a:r>
+            <a:endParaRPr kumimoji="1" lang="en-US" altLang="ja-JP" sz="2400"/>
+          </a:p>
+          <a:p>
+            <a:r>
+              <a:rPr lang="ja-JP" altLang="en-US" sz="2400"/>
+              <a:t>定温に保つ</a:t>
+            </a:r>
+            <a:endParaRPr kumimoji="1" lang="ja-JP" altLang="en-US" sz="2400"/>
+          </a:p>
+        </p:txBody>
+      </p:sp>
+      <p:sp>
+        <p:nvSpPr>
+          <p:cNvPr id="6" name="矢印: 右 5">
+            <a:extLst>
+              <a:ext uri="{FF2B5EF4-FFF2-40B4-BE49-F238E27FC236}">
+                <a16:creationId xmlns:a16="http://schemas.microsoft.com/office/drawing/2014/main" id="{D3D5AF36-C85E-2FB1-B58C-700031EA37D1}"/>
+              </a:ext>
+            </a:extLst>
+          </p:cNvPr>
+          <p:cNvSpPr/>
+          <p:nvPr/>
+        </p:nvSpPr>
+        <p:spPr>
+          <a:xfrm>
+            <a:off x="4283968" y="3140968"/>
+            <a:ext cx="978408" cy="700656"/>
+          </a:xfrm>
+          <a:prstGeom prst="rightArrow">
+            <a:avLst/>
+          </a:prstGeom>
+          <a:solidFill>
+            <a:srgbClr val="FF0000"/>
+          </a:solidFill>
+          <a:ln>
+            <a:solidFill>
+              <a:schemeClr val="tx1"/>
+            </a:solidFill>
+          </a:ln>
+        </p:spPr>
+        <p:style>
+          <a:lnRef idx="2">
+            <a:schemeClr val="accent1">
+              <a:shade val="50000"/>
+            </a:schemeClr>
+          </a:lnRef>
+          <a:fillRef idx="1">
+            <a:schemeClr val="accent1"/>
+          </a:fillRef>
+          <a:effectRef idx="0">
+            <a:schemeClr val="accent1"/>
+          </a:effectRef>
+          <a:fontRef idx="minor">
+            <a:schemeClr val="lt1"/>
+          </a:fontRef>
+        </p:style>
+        <p:txBody>
+          <a:bodyPr rtlCol="0" anchor="ctr"/>
+          <a:lstStyle/>
+          <a:p>
+            <a:pPr algn="ctr"/>
+            <a:endParaRPr kumimoji="1" lang="ja-JP" altLang="en-US"/>
+          </a:p>
+        </p:txBody>
+      </p:sp>
+      <p:sp>
+        <p:nvSpPr>
+          <p:cNvPr id="7" name="テキスト ボックス 6">
+            <a:extLst>
+              <a:ext uri="{FF2B5EF4-FFF2-40B4-BE49-F238E27FC236}">
+                <a16:creationId xmlns:a16="http://schemas.microsoft.com/office/drawing/2014/main" id="{3FE460CC-2B29-F59C-682D-C643E708A5D4}"/>
+              </a:ext>
+            </a:extLst>
+          </p:cNvPr>
+          <p:cNvSpPr txBox="1"/>
+          <p:nvPr/>
+        </p:nvSpPr>
+        <p:spPr>
+          <a:xfrm>
+            <a:off x="2195736" y="4005064"/>
+            <a:ext cx="415498" cy="369332"/>
+          </a:xfrm>
+          <a:prstGeom prst="rect">
+            <a:avLst/>
+          </a:prstGeom>
+          <a:solidFill>
+            <a:schemeClr val="bg1"/>
+          </a:solidFill>
+        </p:spPr>
+        <p:txBody>
+          <a:bodyPr wrap="none" rtlCol="0">
+            <a:spAutoFit/>
+          </a:bodyPr>
+          <a:lstStyle/>
+          <a:p>
+            <a:r>
+              <a:rPr kumimoji="1" lang="ja-JP" altLang="en-US"/>
+              <a:t>水</a:t>
+            </a:r>
+          </a:p>
+        </p:txBody>
+      </p:sp>
+      <p:sp>
+        <p:nvSpPr>
+          <p:cNvPr id="8" name="テキスト ボックス 7">
+            <a:extLst>
+              <a:ext uri="{FF2B5EF4-FFF2-40B4-BE49-F238E27FC236}">
+                <a16:creationId xmlns:a16="http://schemas.microsoft.com/office/drawing/2014/main" id="{045CF04B-A379-AE08-FDC2-6D152A0A219F}"/>
+              </a:ext>
+            </a:extLst>
+          </p:cNvPr>
+          <p:cNvSpPr txBox="1"/>
+          <p:nvPr/>
+        </p:nvSpPr>
+        <p:spPr>
+          <a:xfrm>
+            <a:off x="2053461" y="2924944"/>
+            <a:ext cx="646331" cy="369332"/>
+          </a:xfrm>
+          <a:prstGeom prst="rect">
+            <a:avLst/>
+          </a:prstGeom>
+          <a:noFill/>
+        </p:spPr>
+        <p:txBody>
+          <a:bodyPr wrap="none" rtlCol="0">
+            <a:spAutoFit/>
+          </a:bodyPr>
+          <a:lstStyle/>
+          <a:p>
+            <a:r>
+              <a:rPr lang="ja-JP" altLang="en-US"/>
+              <a:t>真空</a:t>
+            </a:r>
+            <a:endParaRPr kumimoji="1" lang="ja-JP" altLang="en-US"/>
+          </a:p>
+        </p:txBody>
+      </p:sp>
+      <p:sp>
+        <p:nvSpPr>
+          <p:cNvPr id="9" name="正方形/長方形 8">
+            <a:extLst>
+              <a:ext uri="{FF2B5EF4-FFF2-40B4-BE49-F238E27FC236}">
+                <a16:creationId xmlns:a16="http://schemas.microsoft.com/office/drawing/2014/main" id="{1D8B6994-3BAD-97FC-D9B3-4A6C96872D6D}"/>
+              </a:ext>
+            </a:extLst>
+          </p:cNvPr>
+          <p:cNvSpPr/>
+          <p:nvPr/>
+        </p:nvSpPr>
+        <p:spPr>
+          <a:xfrm>
+            <a:off x="6012160" y="2636912"/>
+            <a:ext cx="1440160" cy="2160240"/>
+          </a:xfrm>
+          <a:prstGeom prst="rect">
+            <a:avLst/>
+          </a:prstGeom>
+          <a:noFill/>
+          <a:ln w="38100">
+            <a:solidFill>
+              <a:schemeClr val="tx1"/>
+            </a:solidFill>
+          </a:ln>
+        </p:spPr>
+        <p:style>
+          <a:lnRef idx="2">
+            <a:schemeClr val="accent1">
+              <a:shade val="50000"/>
+            </a:schemeClr>
+          </a:lnRef>
+          <a:fillRef idx="1">
+            <a:schemeClr val="accent1"/>
+          </a:fillRef>
+          <a:effectRef idx="0">
+            <a:schemeClr val="accent1"/>
+          </a:effectRef>
+          <a:fontRef idx="minor">
+            <a:schemeClr val="lt1"/>
+          </a:fontRef>
+        </p:style>
+        <p:txBody>
+          <a:bodyPr rtlCol="0" anchor="ctr"/>
+          <a:lstStyle/>
+          <a:p>
+            <a:pPr algn="ctr"/>
+            <a:endParaRPr kumimoji="1" lang="ja-JP" altLang="en-US"/>
+          </a:p>
+        </p:txBody>
+      </p:sp>
+      <p:sp>
+        <p:nvSpPr>
+          <p:cNvPr id="10" name="正方形/長方形 9">
+            <a:extLst>
+              <a:ext uri="{FF2B5EF4-FFF2-40B4-BE49-F238E27FC236}">
+                <a16:creationId xmlns:a16="http://schemas.microsoft.com/office/drawing/2014/main" id="{2D4AEBC9-B13A-8154-A68C-292ABC7C3438}"/>
+              </a:ext>
+            </a:extLst>
+          </p:cNvPr>
+          <p:cNvSpPr/>
+          <p:nvPr/>
+        </p:nvSpPr>
+        <p:spPr>
+          <a:xfrm>
+            <a:off x="6012160" y="3789040"/>
+            <a:ext cx="1440160" cy="1008112"/>
+          </a:xfrm>
+          <a:prstGeom prst="rect">
+            <a:avLst/>
+          </a:prstGeom>
+          <a:solidFill>
+            <a:srgbClr val="011893"/>
+          </a:solidFill>
+          <a:ln>
+            <a:solidFill>
+              <a:schemeClr val="tx1"/>
+            </a:solidFill>
+          </a:ln>
+        </p:spPr>
+        <p:style>
+          <a:lnRef idx="2">
+            <a:schemeClr val="accent1">
+              <a:shade val="50000"/>
+            </a:schemeClr>
+          </a:lnRef>
+          <a:fillRef idx="1">
+            <a:schemeClr val="accent1"/>
+          </a:fillRef>
+          <a:effectRef idx="0">
+            <a:schemeClr val="accent1"/>
+          </a:effectRef>
+          <a:fontRef idx="minor">
+            <a:schemeClr val="lt1"/>
+          </a:fontRef>
+        </p:style>
+        <p:txBody>
+          <a:bodyPr rtlCol="0" anchor="ctr"/>
+          <a:lstStyle/>
+          <a:p>
+            <a:pPr algn="ctr"/>
+            <a:endParaRPr kumimoji="1" lang="ja-JP" altLang="en-US"/>
+          </a:p>
+        </p:txBody>
+      </p:sp>
+      <p:sp>
+        <p:nvSpPr>
+          <p:cNvPr id="11" name="テキスト ボックス 10">
+            <a:extLst>
+              <a:ext uri="{FF2B5EF4-FFF2-40B4-BE49-F238E27FC236}">
+                <a16:creationId xmlns:a16="http://schemas.microsoft.com/office/drawing/2014/main" id="{13B85CAB-49C6-B0A1-B695-47F8649FC320}"/>
+              </a:ext>
+            </a:extLst>
+          </p:cNvPr>
+          <p:cNvSpPr txBox="1"/>
+          <p:nvPr/>
+        </p:nvSpPr>
+        <p:spPr>
+          <a:xfrm>
+            <a:off x="6516216" y="4077072"/>
+            <a:ext cx="415498" cy="369332"/>
+          </a:xfrm>
+          <a:prstGeom prst="rect">
+            <a:avLst/>
+          </a:prstGeom>
+          <a:solidFill>
+            <a:schemeClr val="bg1"/>
+          </a:solidFill>
+        </p:spPr>
+        <p:txBody>
+          <a:bodyPr wrap="none" rtlCol="0">
+            <a:spAutoFit/>
+          </a:bodyPr>
+          <a:lstStyle/>
+          <a:p>
+            <a:r>
+              <a:rPr kumimoji="1" lang="ja-JP" altLang="en-US"/>
+              <a:t>水</a:t>
+            </a:r>
+          </a:p>
+        </p:txBody>
+      </p:sp>
+      <p:sp>
+        <p:nvSpPr>
+          <p:cNvPr id="12" name="テキスト ボックス 11">
+            <a:extLst>
+              <a:ext uri="{FF2B5EF4-FFF2-40B4-BE49-F238E27FC236}">
+                <a16:creationId xmlns:a16="http://schemas.microsoft.com/office/drawing/2014/main" id="{4CD44A73-8DB3-71A5-DC17-A1D3AD22CFAB}"/>
+              </a:ext>
+            </a:extLst>
+          </p:cNvPr>
+          <p:cNvSpPr txBox="1"/>
+          <p:nvPr/>
+        </p:nvSpPr>
+        <p:spPr>
+          <a:xfrm>
+            <a:off x="6300192" y="2996952"/>
+            <a:ext cx="877163" cy="369332"/>
+          </a:xfrm>
+          <a:prstGeom prst="rect">
+            <a:avLst/>
+          </a:prstGeom>
+          <a:noFill/>
+        </p:spPr>
+        <p:txBody>
+          <a:bodyPr wrap="none" rtlCol="0">
+            <a:spAutoFit/>
+          </a:bodyPr>
+          <a:lstStyle/>
+          <a:p>
+            <a:r>
+              <a:rPr kumimoji="1" lang="ja-JP" altLang="en-US"/>
+              <a:t>水蒸気</a:t>
+            </a:r>
+          </a:p>
+        </p:txBody>
+      </p:sp>
+      <p:sp>
+        <p:nvSpPr>
+          <p:cNvPr id="14" name="テキスト ボックス 13">
+            <a:extLst>
+              <a:ext uri="{FF2B5EF4-FFF2-40B4-BE49-F238E27FC236}">
+                <a16:creationId xmlns:a16="http://schemas.microsoft.com/office/drawing/2014/main" id="{A28E223E-D935-010A-B80B-2DE730E65410}"/>
+              </a:ext>
+            </a:extLst>
+          </p:cNvPr>
+          <p:cNvSpPr txBox="1"/>
+          <p:nvPr/>
+        </p:nvSpPr>
+        <p:spPr>
+          <a:xfrm>
+            <a:off x="5436096" y="1412776"/>
+            <a:ext cx="3262432" cy="830997"/>
+          </a:xfrm>
+          <a:prstGeom prst="rect">
+            <a:avLst/>
+          </a:prstGeom>
+          <a:noFill/>
+        </p:spPr>
+        <p:txBody>
+          <a:bodyPr wrap="none" rtlCol="0">
+            <a:spAutoFit/>
+          </a:bodyPr>
+          <a:lstStyle/>
+          <a:p>
+            <a:r>
+              <a:rPr kumimoji="1" lang="ja-JP" altLang="en-US" sz="2400"/>
+              <a:t>水が蒸発して、やがて</a:t>
+            </a:r>
+            <a:endParaRPr kumimoji="1" lang="en-US" altLang="ja-JP" sz="2400"/>
+          </a:p>
+          <a:p>
+            <a:r>
+              <a:rPr lang="ja-JP" altLang="en-US" sz="2400">
+                <a:solidFill>
+                  <a:srgbClr val="FF0000"/>
+                </a:solidFill>
+              </a:rPr>
+              <a:t>釣り合う</a:t>
+            </a:r>
+            <a:endParaRPr kumimoji="1" lang="ja-JP" altLang="en-US" sz="2400">
+              <a:solidFill>
+                <a:srgbClr val="FF0000"/>
+              </a:solidFill>
+            </a:endParaRPr>
+          </a:p>
+        </p:txBody>
+      </p:sp>
+      <p:sp>
+        <p:nvSpPr>
+          <p:cNvPr id="15" name="テキスト ボックス 14">
+            <a:extLst>
+              <a:ext uri="{FF2B5EF4-FFF2-40B4-BE49-F238E27FC236}">
+                <a16:creationId xmlns:a16="http://schemas.microsoft.com/office/drawing/2014/main" id="{C382AB7C-ACB8-D1B7-451D-0F7EB3645EDD}"/>
+              </a:ext>
+            </a:extLst>
+          </p:cNvPr>
+          <p:cNvSpPr txBox="1"/>
+          <p:nvPr/>
+        </p:nvSpPr>
+        <p:spPr>
+          <a:xfrm>
+            <a:off x="899592" y="5157192"/>
+            <a:ext cx="6750566" cy="584775"/>
+          </a:xfrm>
+          <a:prstGeom prst="rect">
+            <a:avLst/>
+          </a:prstGeom>
+          <a:noFill/>
+        </p:spPr>
+        <p:txBody>
+          <a:bodyPr wrap="none" rtlCol="0">
+            <a:spAutoFit/>
+          </a:bodyPr>
+          <a:lstStyle/>
+          <a:p>
+            <a:r>
+              <a:rPr kumimoji="1" lang="ja-JP" altLang="en-US" sz="3200"/>
+              <a:t>この時の水蒸気の圧力が飽和蒸気圧</a:t>
+            </a:r>
+          </a:p>
+        </p:txBody>
+      </p:sp>
+      <p:cxnSp>
+        <p:nvCxnSpPr>
+          <p:cNvPr id="17" name="コネクタ: カギ線 16">
+            <a:extLst>
+              <a:ext uri="{FF2B5EF4-FFF2-40B4-BE49-F238E27FC236}">
+                <a16:creationId xmlns:a16="http://schemas.microsoft.com/office/drawing/2014/main" id="{41AB5174-6941-B416-90BF-F7D4A077C17B}"/>
+              </a:ext>
+            </a:extLst>
+          </p:cNvPr>
+          <p:cNvCxnSpPr>
+            <a:stCxn id="15" idx="3"/>
+            <a:endCxn id="13" idx="3"/>
+          </p:cNvCxnSpPr>
+          <p:nvPr/>
+        </p:nvCxnSpPr>
+        <p:spPr>
+          <a:xfrm flipH="1" flipV="1">
+            <a:off x="7452320" y="3212976"/>
+            <a:ext cx="197838" cy="2236604"/>
+          </a:xfrm>
+          <a:prstGeom prst="bentConnector3">
+            <a:avLst>
+              <a:gd name="adj1" fmla="val -115549"/>
+            </a:avLst>
+          </a:prstGeom>
+          <a:ln>
+            <a:solidFill>
+              <a:schemeClr val="tx1"/>
+            </a:solidFill>
+            <a:headEnd type="none" w="med" len="med"/>
+            <a:tailEnd type="triangle"/>
+          </a:ln>
+        </p:spPr>
+        <p:style>
+          <a:lnRef idx="1">
+            <a:schemeClr val="accent1"/>
+          </a:lnRef>
+          <a:fillRef idx="0">
+            <a:schemeClr val="accent1"/>
+          </a:fillRef>
+          <a:effectRef idx="0">
+            <a:schemeClr val="accent1"/>
+          </a:effectRef>
+          <a:fontRef idx="minor">
+            <a:schemeClr val="tx1"/>
+          </a:fontRef>
+        </p:style>
+      </p:cxnSp>
     </p:spTree>
     <p:extLst>
       <p:ext uri="{BB962C8B-B14F-4D97-AF65-F5344CB8AC3E}">
         <p14:creationId xmlns:p14="http://schemas.microsoft.com/office/powerpoint/2010/main" val="4214015529"/>
+      </p:ext>
+    </p:extLst>
+  </p:cSld>
+  <p:clrMapOvr>
+    <a:masterClrMapping/>
+  </p:clrMapOvr>
+</p:sld>
+</file>
+
+<file path=ppt/slides/slide21.xml><?xml version="1.0" encoding="utf-8"?>
+<p:sld xmlns:a="http://schemas.openxmlformats.org/drawingml/2006/main" xmlns:r="http://schemas.openxmlformats.org/officeDocument/2006/relationships" xmlns:p="http://schemas.openxmlformats.org/presentationml/2006/main">
+  <p:cSld>
+    <p:spTree>
+      <p:nvGrpSpPr>
+        <p:cNvPr id="1" name=""/>
+        <p:cNvGrpSpPr/>
+        <p:nvPr/>
+      </p:nvGrpSpPr>
+      <p:grpSpPr>
+        <a:xfrm>
+          <a:off x="0" y="0"/>
+          <a:ext cx="0" cy="0"/>
+          <a:chOff x="0" y="0"/>
+          <a:chExt cx="0" cy="0"/>
+        </a:xfrm>
+      </p:grpSpPr>
+      <p:sp>
+        <p:nvSpPr>
+          <p:cNvPr id="2" name="テキスト プレースホルダー 1">
+            <a:extLst>
+              <a:ext uri="{FF2B5EF4-FFF2-40B4-BE49-F238E27FC236}">
+                <a16:creationId xmlns:a16="http://schemas.microsoft.com/office/drawing/2014/main" id="{C8077E0A-D067-D17E-4F84-95B208545DFC}"/>
+              </a:ext>
+            </a:extLst>
+          </p:cNvPr>
+          <p:cNvSpPr>
+            <a:spLocks noGrp="1"/>
+          </p:cNvSpPr>
+          <p:nvPr>
+            <p:ph type="body" sz="quarter" idx="10"/>
+          </p:nvPr>
+        </p:nvSpPr>
+        <p:spPr/>
+        <p:txBody>
+          <a:bodyPr/>
+          <a:lstStyle/>
+          <a:p>
+            <a:r>
+              <a:rPr lang="ja-JP" altLang="en-US"/>
+              <a:t>飽和蒸気圧</a:t>
+            </a:r>
+            <a:endParaRPr kumimoji="1" lang="ja-JP" altLang="en-US"/>
+          </a:p>
+        </p:txBody>
+      </p:sp>
+      <p:sp>
+        <p:nvSpPr>
+          <p:cNvPr id="3" name="正方形/長方形 2">
+            <a:extLst>
+              <a:ext uri="{FF2B5EF4-FFF2-40B4-BE49-F238E27FC236}">
+                <a16:creationId xmlns:a16="http://schemas.microsoft.com/office/drawing/2014/main" id="{DA8A1E8D-9120-094B-1820-7B82230BA546}"/>
+              </a:ext>
+            </a:extLst>
+          </p:cNvPr>
+          <p:cNvSpPr/>
+          <p:nvPr/>
+        </p:nvSpPr>
+        <p:spPr>
+          <a:xfrm>
+            <a:off x="971600" y="2348880"/>
+            <a:ext cx="1440160" cy="1152128"/>
+          </a:xfrm>
+          <a:prstGeom prst="rect">
+            <a:avLst/>
+          </a:prstGeom>
+          <a:solidFill>
+            <a:schemeClr val="accent2">
+              <a:lumMod val="40000"/>
+              <a:lumOff val="60000"/>
+            </a:schemeClr>
+          </a:solidFill>
+          <a:ln>
+            <a:solidFill>
+              <a:schemeClr val="tx1"/>
+            </a:solidFill>
+          </a:ln>
+        </p:spPr>
+        <p:style>
+          <a:lnRef idx="2">
+            <a:schemeClr val="accent1">
+              <a:shade val="50000"/>
+            </a:schemeClr>
+          </a:lnRef>
+          <a:fillRef idx="1">
+            <a:schemeClr val="accent1"/>
+          </a:fillRef>
+          <a:effectRef idx="0">
+            <a:schemeClr val="accent1"/>
+          </a:effectRef>
+          <a:fontRef idx="minor">
+            <a:schemeClr val="lt1"/>
+          </a:fontRef>
+        </p:style>
+        <p:txBody>
+          <a:bodyPr rtlCol="0" anchor="ctr"/>
+          <a:lstStyle/>
+          <a:p>
+            <a:pPr algn="ctr"/>
+            <a:endParaRPr kumimoji="1" lang="ja-JP" altLang="en-US"/>
+          </a:p>
+        </p:txBody>
+      </p:sp>
+      <p:sp>
+        <p:nvSpPr>
+          <p:cNvPr id="4" name="正方形/長方形 3">
+            <a:extLst>
+              <a:ext uri="{FF2B5EF4-FFF2-40B4-BE49-F238E27FC236}">
+                <a16:creationId xmlns:a16="http://schemas.microsoft.com/office/drawing/2014/main" id="{2E09B4B8-1A7E-2BD7-D069-CDEA5277383F}"/>
+              </a:ext>
+            </a:extLst>
+          </p:cNvPr>
+          <p:cNvSpPr/>
+          <p:nvPr/>
+        </p:nvSpPr>
+        <p:spPr>
+          <a:xfrm>
+            <a:off x="971600" y="2348880"/>
+            <a:ext cx="1440160" cy="2160240"/>
+          </a:xfrm>
+          <a:prstGeom prst="rect">
+            <a:avLst/>
+          </a:prstGeom>
+          <a:noFill/>
+          <a:ln w="38100">
+            <a:solidFill>
+              <a:schemeClr val="tx1"/>
+            </a:solidFill>
+          </a:ln>
+        </p:spPr>
+        <p:style>
+          <a:lnRef idx="2">
+            <a:schemeClr val="accent1">
+              <a:shade val="50000"/>
+            </a:schemeClr>
+          </a:lnRef>
+          <a:fillRef idx="1">
+            <a:schemeClr val="accent1"/>
+          </a:fillRef>
+          <a:effectRef idx="0">
+            <a:schemeClr val="accent1"/>
+          </a:effectRef>
+          <a:fontRef idx="minor">
+            <a:schemeClr val="lt1"/>
+          </a:fontRef>
+        </p:style>
+        <p:txBody>
+          <a:bodyPr rtlCol="0" anchor="ctr"/>
+          <a:lstStyle/>
+          <a:p>
+            <a:pPr algn="ctr"/>
+            <a:endParaRPr kumimoji="1" lang="ja-JP" altLang="en-US"/>
+          </a:p>
+        </p:txBody>
+      </p:sp>
+      <p:sp>
+        <p:nvSpPr>
+          <p:cNvPr id="5" name="正方形/長方形 4">
+            <a:extLst>
+              <a:ext uri="{FF2B5EF4-FFF2-40B4-BE49-F238E27FC236}">
+                <a16:creationId xmlns:a16="http://schemas.microsoft.com/office/drawing/2014/main" id="{BFFC58BA-EADD-73AD-FBA7-7CF0C7A1651F}"/>
+              </a:ext>
+            </a:extLst>
+          </p:cNvPr>
+          <p:cNvSpPr/>
+          <p:nvPr/>
+        </p:nvSpPr>
+        <p:spPr>
+          <a:xfrm>
+            <a:off x="971600" y="3501008"/>
+            <a:ext cx="1440160" cy="1008112"/>
+          </a:xfrm>
+          <a:prstGeom prst="rect">
+            <a:avLst/>
+          </a:prstGeom>
+          <a:solidFill>
+            <a:srgbClr val="011893"/>
+          </a:solidFill>
+          <a:ln>
+            <a:solidFill>
+              <a:schemeClr val="tx1"/>
+            </a:solidFill>
+          </a:ln>
+        </p:spPr>
+        <p:style>
+          <a:lnRef idx="2">
+            <a:schemeClr val="accent1">
+              <a:shade val="50000"/>
+            </a:schemeClr>
+          </a:lnRef>
+          <a:fillRef idx="1">
+            <a:schemeClr val="accent1"/>
+          </a:fillRef>
+          <a:effectRef idx="0">
+            <a:schemeClr val="accent1"/>
+          </a:effectRef>
+          <a:fontRef idx="minor">
+            <a:schemeClr val="lt1"/>
+          </a:fontRef>
+        </p:style>
+        <p:txBody>
+          <a:bodyPr rtlCol="0" anchor="ctr"/>
+          <a:lstStyle/>
+          <a:p>
+            <a:pPr algn="ctr"/>
+            <a:endParaRPr kumimoji="1" lang="ja-JP" altLang="en-US"/>
+          </a:p>
+        </p:txBody>
+      </p:sp>
+      <p:sp>
+        <p:nvSpPr>
+          <p:cNvPr id="6" name="テキスト ボックス 5">
+            <a:extLst>
+              <a:ext uri="{FF2B5EF4-FFF2-40B4-BE49-F238E27FC236}">
+                <a16:creationId xmlns:a16="http://schemas.microsoft.com/office/drawing/2014/main" id="{42239F68-27F8-66E0-005A-5C9FAD50CCBB}"/>
+              </a:ext>
+            </a:extLst>
+          </p:cNvPr>
+          <p:cNvSpPr txBox="1"/>
+          <p:nvPr/>
+        </p:nvSpPr>
+        <p:spPr>
+          <a:xfrm>
+            <a:off x="1475656" y="3789040"/>
+            <a:ext cx="415498" cy="369332"/>
+          </a:xfrm>
+          <a:prstGeom prst="rect">
+            <a:avLst/>
+          </a:prstGeom>
+          <a:solidFill>
+            <a:schemeClr val="bg1"/>
+          </a:solidFill>
+        </p:spPr>
+        <p:txBody>
+          <a:bodyPr wrap="none" rtlCol="0">
+            <a:spAutoFit/>
+          </a:bodyPr>
+          <a:lstStyle/>
+          <a:p>
+            <a:r>
+              <a:rPr kumimoji="1" lang="ja-JP" altLang="en-US"/>
+              <a:t>水</a:t>
+            </a:r>
+          </a:p>
+        </p:txBody>
+      </p:sp>
+      <p:sp>
+        <p:nvSpPr>
+          <p:cNvPr id="7" name="テキスト ボックス 6">
+            <a:extLst>
+              <a:ext uri="{FF2B5EF4-FFF2-40B4-BE49-F238E27FC236}">
+                <a16:creationId xmlns:a16="http://schemas.microsoft.com/office/drawing/2014/main" id="{6A30F16D-4A2F-5DCE-1EAC-795B0F6E08CB}"/>
+              </a:ext>
+            </a:extLst>
+          </p:cNvPr>
+          <p:cNvSpPr txBox="1"/>
+          <p:nvPr/>
+        </p:nvSpPr>
+        <p:spPr>
+          <a:xfrm>
+            <a:off x="1259632" y="2708920"/>
+            <a:ext cx="877163" cy="369332"/>
+          </a:xfrm>
+          <a:prstGeom prst="rect">
+            <a:avLst/>
+          </a:prstGeom>
+          <a:noFill/>
+        </p:spPr>
+        <p:txBody>
+          <a:bodyPr wrap="none" rtlCol="0">
+            <a:spAutoFit/>
+          </a:bodyPr>
+          <a:lstStyle/>
+          <a:p>
+            <a:r>
+              <a:rPr kumimoji="1" lang="ja-JP" altLang="en-US"/>
+              <a:t>水蒸気</a:t>
+            </a:r>
+          </a:p>
+        </p:txBody>
+      </p:sp>
+      <p:sp>
+        <p:nvSpPr>
+          <p:cNvPr id="8" name="正方形/長方形 7">
+            <a:extLst>
+              <a:ext uri="{FF2B5EF4-FFF2-40B4-BE49-F238E27FC236}">
+                <a16:creationId xmlns:a16="http://schemas.microsoft.com/office/drawing/2014/main" id="{725BA9D7-A115-494B-71B9-C115EB21CB33}"/>
+              </a:ext>
+            </a:extLst>
+          </p:cNvPr>
+          <p:cNvSpPr/>
+          <p:nvPr/>
+        </p:nvSpPr>
+        <p:spPr>
+          <a:xfrm>
+            <a:off x="4067944" y="2348880"/>
+            <a:ext cx="1440160" cy="1296144"/>
+          </a:xfrm>
+          <a:prstGeom prst="rect">
+            <a:avLst/>
+          </a:prstGeom>
+          <a:solidFill>
+            <a:schemeClr val="accent2">
+              <a:lumMod val="40000"/>
+              <a:lumOff val="60000"/>
+            </a:schemeClr>
+          </a:solidFill>
+          <a:ln>
+            <a:solidFill>
+              <a:schemeClr val="tx1"/>
+            </a:solidFill>
+          </a:ln>
+        </p:spPr>
+        <p:style>
+          <a:lnRef idx="2">
+            <a:schemeClr val="accent1">
+              <a:shade val="50000"/>
+            </a:schemeClr>
+          </a:lnRef>
+          <a:fillRef idx="1">
+            <a:schemeClr val="accent1"/>
+          </a:fillRef>
+          <a:effectRef idx="0">
+            <a:schemeClr val="accent1"/>
+          </a:effectRef>
+          <a:fontRef idx="minor">
+            <a:schemeClr val="lt1"/>
+          </a:fontRef>
+        </p:style>
+        <p:txBody>
+          <a:bodyPr rtlCol="0" anchor="ctr"/>
+          <a:lstStyle/>
+          <a:p>
+            <a:pPr algn="ctr"/>
+            <a:endParaRPr kumimoji="1" lang="ja-JP" altLang="en-US"/>
+          </a:p>
+        </p:txBody>
+      </p:sp>
+      <p:sp>
+        <p:nvSpPr>
+          <p:cNvPr id="9" name="正方形/長方形 8">
+            <a:extLst>
+              <a:ext uri="{FF2B5EF4-FFF2-40B4-BE49-F238E27FC236}">
+                <a16:creationId xmlns:a16="http://schemas.microsoft.com/office/drawing/2014/main" id="{FE37E25B-30B2-EA1F-31DE-B147EF148078}"/>
+              </a:ext>
+            </a:extLst>
+          </p:cNvPr>
+          <p:cNvSpPr/>
+          <p:nvPr/>
+        </p:nvSpPr>
+        <p:spPr>
+          <a:xfrm>
+            <a:off x="4067944" y="2348880"/>
+            <a:ext cx="1440160" cy="2160240"/>
+          </a:xfrm>
+          <a:prstGeom prst="rect">
+            <a:avLst/>
+          </a:prstGeom>
+          <a:noFill/>
+          <a:ln w="38100">
+            <a:solidFill>
+              <a:schemeClr val="tx1"/>
+            </a:solidFill>
+          </a:ln>
+        </p:spPr>
+        <p:style>
+          <a:lnRef idx="2">
+            <a:schemeClr val="accent1">
+              <a:shade val="50000"/>
+            </a:schemeClr>
+          </a:lnRef>
+          <a:fillRef idx="1">
+            <a:schemeClr val="accent1"/>
+          </a:fillRef>
+          <a:effectRef idx="0">
+            <a:schemeClr val="accent1"/>
+          </a:effectRef>
+          <a:fontRef idx="minor">
+            <a:schemeClr val="lt1"/>
+          </a:fontRef>
+        </p:style>
+        <p:txBody>
+          <a:bodyPr rtlCol="0" anchor="ctr"/>
+          <a:lstStyle/>
+          <a:p>
+            <a:pPr algn="ctr"/>
+            <a:endParaRPr kumimoji="1" lang="ja-JP" altLang="en-US"/>
+          </a:p>
+        </p:txBody>
+      </p:sp>
+      <p:sp>
+        <p:nvSpPr>
+          <p:cNvPr id="10" name="正方形/長方形 9">
+            <a:extLst>
+              <a:ext uri="{FF2B5EF4-FFF2-40B4-BE49-F238E27FC236}">
+                <a16:creationId xmlns:a16="http://schemas.microsoft.com/office/drawing/2014/main" id="{A3C07169-D63A-7D5B-7F16-D7DCB7762C5E}"/>
+              </a:ext>
+            </a:extLst>
+          </p:cNvPr>
+          <p:cNvSpPr/>
+          <p:nvPr/>
+        </p:nvSpPr>
+        <p:spPr>
+          <a:xfrm>
+            <a:off x="4067944" y="3645024"/>
+            <a:ext cx="1440160" cy="864096"/>
+          </a:xfrm>
+          <a:prstGeom prst="rect">
+            <a:avLst/>
+          </a:prstGeom>
+          <a:solidFill>
+            <a:srgbClr val="011893"/>
+          </a:solidFill>
+          <a:ln>
+            <a:solidFill>
+              <a:schemeClr val="tx1"/>
+            </a:solidFill>
+          </a:ln>
+        </p:spPr>
+        <p:style>
+          <a:lnRef idx="2">
+            <a:schemeClr val="accent1">
+              <a:shade val="50000"/>
+            </a:schemeClr>
+          </a:lnRef>
+          <a:fillRef idx="1">
+            <a:schemeClr val="accent1"/>
+          </a:fillRef>
+          <a:effectRef idx="0">
+            <a:schemeClr val="accent1"/>
+          </a:effectRef>
+          <a:fontRef idx="minor">
+            <a:schemeClr val="lt1"/>
+          </a:fontRef>
+        </p:style>
+        <p:txBody>
+          <a:bodyPr rtlCol="0" anchor="ctr"/>
+          <a:lstStyle/>
+          <a:p>
+            <a:pPr algn="ctr"/>
+            <a:endParaRPr kumimoji="1" lang="ja-JP" altLang="en-US"/>
+          </a:p>
+        </p:txBody>
+      </p:sp>
+      <p:sp>
+        <p:nvSpPr>
+          <p:cNvPr id="11" name="テキスト ボックス 10">
+            <a:extLst>
+              <a:ext uri="{FF2B5EF4-FFF2-40B4-BE49-F238E27FC236}">
+                <a16:creationId xmlns:a16="http://schemas.microsoft.com/office/drawing/2014/main" id="{42E444CD-2D3D-84A0-ADDF-2B8F7C225514}"/>
+              </a:ext>
+            </a:extLst>
+          </p:cNvPr>
+          <p:cNvSpPr txBox="1"/>
+          <p:nvPr/>
+        </p:nvSpPr>
+        <p:spPr>
+          <a:xfrm>
+            <a:off x="4572000" y="3789040"/>
+            <a:ext cx="415498" cy="369332"/>
+          </a:xfrm>
+          <a:prstGeom prst="rect">
+            <a:avLst/>
+          </a:prstGeom>
+          <a:solidFill>
+            <a:schemeClr val="bg1"/>
+          </a:solidFill>
+        </p:spPr>
+        <p:txBody>
+          <a:bodyPr wrap="none" rtlCol="0">
+            <a:spAutoFit/>
+          </a:bodyPr>
+          <a:lstStyle/>
+          <a:p>
+            <a:r>
+              <a:rPr kumimoji="1" lang="ja-JP" altLang="en-US"/>
+              <a:t>水</a:t>
+            </a:r>
+          </a:p>
+        </p:txBody>
+      </p:sp>
+      <p:sp>
+        <p:nvSpPr>
+          <p:cNvPr id="12" name="テキスト ボックス 11">
+            <a:extLst>
+              <a:ext uri="{FF2B5EF4-FFF2-40B4-BE49-F238E27FC236}">
+                <a16:creationId xmlns:a16="http://schemas.microsoft.com/office/drawing/2014/main" id="{145BEBA9-801A-658F-8B2A-92C84358EAF7}"/>
+              </a:ext>
+            </a:extLst>
+          </p:cNvPr>
+          <p:cNvSpPr txBox="1"/>
+          <p:nvPr/>
+        </p:nvSpPr>
+        <p:spPr>
+          <a:xfrm>
+            <a:off x="4355976" y="2708920"/>
+            <a:ext cx="877163" cy="369332"/>
+          </a:xfrm>
+          <a:prstGeom prst="rect">
+            <a:avLst/>
+          </a:prstGeom>
+          <a:noFill/>
+        </p:spPr>
+        <p:txBody>
+          <a:bodyPr wrap="none" rtlCol="0">
+            <a:spAutoFit/>
+          </a:bodyPr>
+          <a:lstStyle/>
+          <a:p>
+            <a:r>
+              <a:rPr kumimoji="1" lang="ja-JP" altLang="en-US"/>
+              <a:t>水蒸気</a:t>
+            </a:r>
+          </a:p>
+        </p:txBody>
+      </p:sp>
+      <p:sp>
+        <p:nvSpPr>
+          <p:cNvPr id="13" name="正方形/長方形 12">
+            <a:extLst>
+              <a:ext uri="{FF2B5EF4-FFF2-40B4-BE49-F238E27FC236}">
+                <a16:creationId xmlns:a16="http://schemas.microsoft.com/office/drawing/2014/main" id="{0BC04EA3-63FC-CD74-73D0-E30D93796CAD}"/>
+              </a:ext>
+            </a:extLst>
+          </p:cNvPr>
+          <p:cNvSpPr/>
+          <p:nvPr/>
+        </p:nvSpPr>
+        <p:spPr>
+          <a:xfrm>
+            <a:off x="6948264" y="2348880"/>
+            <a:ext cx="1440160" cy="1512168"/>
+          </a:xfrm>
+          <a:prstGeom prst="rect">
+            <a:avLst/>
+          </a:prstGeom>
+          <a:solidFill>
+            <a:schemeClr val="accent2">
+              <a:lumMod val="40000"/>
+              <a:lumOff val="60000"/>
+            </a:schemeClr>
+          </a:solidFill>
+          <a:ln>
+            <a:solidFill>
+              <a:schemeClr val="tx1"/>
+            </a:solidFill>
+          </a:ln>
+        </p:spPr>
+        <p:style>
+          <a:lnRef idx="2">
+            <a:schemeClr val="accent1">
+              <a:shade val="50000"/>
+            </a:schemeClr>
+          </a:lnRef>
+          <a:fillRef idx="1">
+            <a:schemeClr val="accent1"/>
+          </a:fillRef>
+          <a:effectRef idx="0">
+            <a:schemeClr val="accent1"/>
+          </a:effectRef>
+          <a:fontRef idx="minor">
+            <a:schemeClr val="lt1"/>
+          </a:fontRef>
+        </p:style>
+        <p:txBody>
+          <a:bodyPr rtlCol="0" anchor="ctr"/>
+          <a:lstStyle/>
+          <a:p>
+            <a:pPr algn="ctr"/>
+            <a:endParaRPr kumimoji="1" lang="ja-JP" altLang="en-US"/>
+          </a:p>
+        </p:txBody>
+      </p:sp>
+      <p:sp>
+        <p:nvSpPr>
+          <p:cNvPr id="14" name="正方形/長方形 13">
+            <a:extLst>
+              <a:ext uri="{FF2B5EF4-FFF2-40B4-BE49-F238E27FC236}">
+                <a16:creationId xmlns:a16="http://schemas.microsoft.com/office/drawing/2014/main" id="{DB060918-8F69-796A-062B-B18CEFE9A571}"/>
+              </a:ext>
+            </a:extLst>
+          </p:cNvPr>
+          <p:cNvSpPr/>
+          <p:nvPr/>
+        </p:nvSpPr>
+        <p:spPr>
+          <a:xfrm>
+            <a:off x="6948264" y="2348880"/>
+            <a:ext cx="1440160" cy="2160240"/>
+          </a:xfrm>
+          <a:prstGeom prst="rect">
+            <a:avLst/>
+          </a:prstGeom>
+          <a:noFill/>
+          <a:ln w="38100">
+            <a:solidFill>
+              <a:schemeClr val="tx1"/>
+            </a:solidFill>
+          </a:ln>
+        </p:spPr>
+        <p:style>
+          <a:lnRef idx="2">
+            <a:schemeClr val="accent1">
+              <a:shade val="50000"/>
+            </a:schemeClr>
+          </a:lnRef>
+          <a:fillRef idx="1">
+            <a:schemeClr val="accent1"/>
+          </a:fillRef>
+          <a:effectRef idx="0">
+            <a:schemeClr val="accent1"/>
+          </a:effectRef>
+          <a:fontRef idx="minor">
+            <a:schemeClr val="lt1"/>
+          </a:fontRef>
+        </p:style>
+        <p:txBody>
+          <a:bodyPr rtlCol="0" anchor="ctr"/>
+          <a:lstStyle/>
+          <a:p>
+            <a:pPr algn="ctr"/>
+            <a:endParaRPr kumimoji="1" lang="ja-JP" altLang="en-US"/>
+          </a:p>
+        </p:txBody>
+      </p:sp>
+      <p:sp>
+        <p:nvSpPr>
+          <p:cNvPr id="15" name="正方形/長方形 14">
+            <a:extLst>
+              <a:ext uri="{FF2B5EF4-FFF2-40B4-BE49-F238E27FC236}">
+                <a16:creationId xmlns:a16="http://schemas.microsoft.com/office/drawing/2014/main" id="{3F52763E-04D7-239B-5474-F80D82D6503D}"/>
+              </a:ext>
+            </a:extLst>
+          </p:cNvPr>
+          <p:cNvSpPr/>
+          <p:nvPr/>
+        </p:nvSpPr>
+        <p:spPr>
+          <a:xfrm>
+            <a:off x="6948264" y="3861048"/>
+            <a:ext cx="1440160" cy="648072"/>
+          </a:xfrm>
+          <a:prstGeom prst="rect">
+            <a:avLst/>
+          </a:prstGeom>
+          <a:solidFill>
+            <a:srgbClr val="011893"/>
+          </a:solidFill>
+          <a:ln>
+            <a:solidFill>
+              <a:schemeClr val="tx1"/>
+            </a:solidFill>
+          </a:ln>
+        </p:spPr>
+        <p:style>
+          <a:lnRef idx="2">
+            <a:schemeClr val="accent1">
+              <a:shade val="50000"/>
+            </a:schemeClr>
+          </a:lnRef>
+          <a:fillRef idx="1">
+            <a:schemeClr val="accent1"/>
+          </a:fillRef>
+          <a:effectRef idx="0">
+            <a:schemeClr val="accent1"/>
+          </a:effectRef>
+          <a:fontRef idx="minor">
+            <a:schemeClr val="lt1"/>
+          </a:fontRef>
+        </p:style>
+        <p:txBody>
+          <a:bodyPr rtlCol="0" anchor="ctr"/>
+          <a:lstStyle/>
+          <a:p>
+            <a:pPr algn="ctr"/>
+            <a:endParaRPr kumimoji="1" lang="ja-JP" altLang="en-US"/>
+          </a:p>
+        </p:txBody>
+      </p:sp>
+      <p:sp>
+        <p:nvSpPr>
+          <p:cNvPr id="16" name="テキスト ボックス 15">
+            <a:extLst>
+              <a:ext uri="{FF2B5EF4-FFF2-40B4-BE49-F238E27FC236}">
+                <a16:creationId xmlns:a16="http://schemas.microsoft.com/office/drawing/2014/main" id="{2149D43A-7F7F-766C-399C-57841168F02B}"/>
+              </a:ext>
+            </a:extLst>
+          </p:cNvPr>
+          <p:cNvSpPr txBox="1"/>
+          <p:nvPr/>
+        </p:nvSpPr>
+        <p:spPr>
+          <a:xfrm>
+            <a:off x="7452320" y="3995772"/>
+            <a:ext cx="415498" cy="369332"/>
+          </a:xfrm>
+          <a:prstGeom prst="rect">
+            <a:avLst/>
+          </a:prstGeom>
+          <a:solidFill>
+            <a:schemeClr val="bg1"/>
+          </a:solidFill>
+        </p:spPr>
+        <p:txBody>
+          <a:bodyPr wrap="none" rtlCol="0">
+            <a:spAutoFit/>
+          </a:bodyPr>
+          <a:lstStyle/>
+          <a:p>
+            <a:r>
+              <a:rPr kumimoji="1" lang="ja-JP" altLang="en-US"/>
+              <a:t>水</a:t>
+            </a:r>
+          </a:p>
+        </p:txBody>
+      </p:sp>
+      <p:sp>
+        <p:nvSpPr>
+          <p:cNvPr id="17" name="テキスト ボックス 16">
+            <a:extLst>
+              <a:ext uri="{FF2B5EF4-FFF2-40B4-BE49-F238E27FC236}">
+                <a16:creationId xmlns:a16="http://schemas.microsoft.com/office/drawing/2014/main" id="{22D65971-E1C1-4A25-A564-A8DE9D560A83}"/>
+              </a:ext>
+            </a:extLst>
+          </p:cNvPr>
+          <p:cNvSpPr txBox="1"/>
+          <p:nvPr/>
+        </p:nvSpPr>
+        <p:spPr>
+          <a:xfrm>
+            <a:off x="7236296" y="2708920"/>
+            <a:ext cx="877163" cy="369332"/>
+          </a:xfrm>
+          <a:prstGeom prst="rect">
+            <a:avLst/>
+          </a:prstGeom>
+          <a:noFill/>
+        </p:spPr>
+        <p:txBody>
+          <a:bodyPr wrap="none" rtlCol="0">
+            <a:spAutoFit/>
+          </a:bodyPr>
+          <a:lstStyle/>
+          <a:p>
+            <a:r>
+              <a:rPr kumimoji="1" lang="ja-JP" altLang="en-US"/>
+              <a:t>水蒸気</a:t>
+            </a:r>
+          </a:p>
+        </p:txBody>
+      </p:sp>
+      <p:sp>
+        <p:nvSpPr>
+          <p:cNvPr id="18" name="テキスト ボックス 17">
+            <a:extLst>
+              <a:ext uri="{FF2B5EF4-FFF2-40B4-BE49-F238E27FC236}">
+                <a16:creationId xmlns:a16="http://schemas.microsoft.com/office/drawing/2014/main" id="{F2543FA0-A51A-7BE3-CF2B-E942444162A5}"/>
+              </a:ext>
+            </a:extLst>
+          </p:cNvPr>
+          <p:cNvSpPr txBox="1"/>
+          <p:nvPr/>
+        </p:nvSpPr>
+        <p:spPr>
+          <a:xfrm>
+            <a:off x="683568" y="1412776"/>
+            <a:ext cx="1980029" cy="523220"/>
+          </a:xfrm>
+          <a:prstGeom prst="rect">
+            <a:avLst/>
+          </a:prstGeom>
+          <a:noFill/>
+        </p:spPr>
+        <p:txBody>
+          <a:bodyPr wrap="none" rtlCol="0">
+            <a:spAutoFit/>
+          </a:bodyPr>
+          <a:lstStyle/>
+          <a:p>
+            <a:r>
+              <a:rPr lang="ja-JP" altLang="en-US" sz="2800"/>
+              <a:t>圧力が低い</a:t>
+            </a:r>
+            <a:endParaRPr lang="en-US" altLang="ja-JP" sz="2800"/>
+          </a:p>
+        </p:txBody>
+      </p:sp>
+      <p:sp>
+        <p:nvSpPr>
+          <p:cNvPr id="19" name="テキスト ボックス 18">
+            <a:extLst>
+              <a:ext uri="{FF2B5EF4-FFF2-40B4-BE49-F238E27FC236}">
+                <a16:creationId xmlns:a16="http://schemas.microsoft.com/office/drawing/2014/main" id="{D81F81FE-E2B5-BCFE-F5A6-A01113401704}"/>
+              </a:ext>
+            </a:extLst>
+          </p:cNvPr>
+          <p:cNvSpPr txBox="1"/>
+          <p:nvPr/>
+        </p:nvSpPr>
+        <p:spPr>
+          <a:xfrm>
+            <a:off x="3851920" y="1268760"/>
+            <a:ext cx="2339102" cy="954107"/>
+          </a:xfrm>
+          <a:prstGeom prst="rect">
+            <a:avLst/>
+          </a:prstGeom>
+          <a:noFill/>
+        </p:spPr>
+        <p:txBody>
+          <a:bodyPr wrap="none" rtlCol="0">
+            <a:spAutoFit/>
+          </a:bodyPr>
+          <a:lstStyle/>
+          <a:p>
+            <a:r>
+              <a:rPr lang="ja-JP" altLang="en-US" sz="2800"/>
+              <a:t>圧力が</a:t>
+            </a:r>
+            <a:endParaRPr lang="en-US" altLang="ja-JP" sz="2800"/>
+          </a:p>
+          <a:p>
+            <a:r>
+              <a:rPr lang="ja-JP" altLang="en-US" sz="2800"/>
+              <a:t>ちょうど良い</a:t>
+            </a:r>
+            <a:endParaRPr lang="en-US" altLang="ja-JP" sz="2800"/>
+          </a:p>
+        </p:txBody>
+      </p:sp>
+      <p:sp>
+        <p:nvSpPr>
+          <p:cNvPr id="20" name="テキスト ボックス 19">
+            <a:extLst>
+              <a:ext uri="{FF2B5EF4-FFF2-40B4-BE49-F238E27FC236}">
+                <a16:creationId xmlns:a16="http://schemas.microsoft.com/office/drawing/2014/main" id="{6D18253D-737A-53F0-26CF-B50FA740DC0B}"/>
+              </a:ext>
+            </a:extLst>
+          </p:cNvPr>
+          <p:cNvSpPr txBox="1"/>
+          <p:nvPr/>
+        </p:nvSpPr>
+        <p:spPr>
+          <a:xfrm>
+            <a:off x="6732240" y="1249596"/>
+            <a:ext cx="1980029" cy="523220"/>
+          </a:xfrm>
+          <a:prstGeom prst="rect">
+            <a:avLst/>
+          </a:prstGeom>
+          <a:noFill/>
+        </p:spPr>
+        <p:txBody>
+          <a:bodyPr wrap="none" rtlCol="0">
+            <a:spAutoFit/>
+          </a:bodyPr>
+          <a:lstStyle/>
+          <a:p>
+            <a:r>
+              <a:rPr lang="ja-JP" altLang="en-US" sz="2800"/>
+              <a:t>圧力が高い</a:t>
+            </a:r>
+            <a:endParaRPr lang="en-US" altLang="ja-JP" sz="2800"/>
+          </a:p>
+        </p:txBody>
+      </p:sp>
+      <p:sp>
+        <p:nvSpPr>
+          <p:cNvPr id="21" name="テキスト ボックス 20">
+            <a:extLst>
+              <a:ext uri="{FF2B5EF4-FFF2-40B4-BE49-F238E27FC236}">
+                <a16:creationId xmlns:a16="http://schemas.microsoft.com/office/drawing/2014/main" id="{6E90B7BA-954D-1190-FFD3-10A41EAA528C}"/>
+              </a:ext>
+            </a:extLst>
+          </p:cNvPr>
+          <p:cNvSpPr txBox="1"/>
+          <p:nvPr/>
+        </p:nvSpPr>
+        <p:spPr>
+          <a:xfrm>
+            <a:off x="611560" y="4941168"/>
+            <a:ext cx="7007046" cy="954107"/>
+          </a:xfrm>
+          <a:prstGeom prst="rect">
+            <a:avLst/>
+          </a:prstGeom>
+          <a:noFill/>
+        </p:spPr>
+        <p:txBody>
+          <a:bodyPr wrap="none" rtlCol="0">
+            <a:spAutoFit/>
+          </a:bodyPr>
+          <a:lstStyle/>
+          <a:p>
+            <a:r>
+              <a:rPr kumimoji="1" lang="ja-JP" altLang="en-US" sz="2800"/>
+              <a:t>これらすべての状態は、温度と圧力が一様</a:t>
+            </a:r>
+            <a:endParaRPr kumimoji="1" lang="en-US" altLang="ja-JP" sz="2800"/>
+          </a:p>
+          <a:p>
+            <a:r>
+              <a:rPr lang="ja-JP" altLang="en-US" sz="2800"/>
+              <a:t>でも実現する平衡状態は一つだけ</a:t>
+            </a:r>
+            <a:endParaRPr kumimoji="1" lang="ja-JP" altLang="en-US" sz="2800"/>
+          </a:p>
+        </p:txBody>
+      </p:sp>
+      <p:sp>
+        <p:nvSpPr>
+          <p:cNvPr id="22" name="矢印: 右 21">
+            <a:extLst>
+              <a:ext uri="{FF2B5EF4-FFF2-40B4-BE49-F238E27FC236}">
+                <a16:creationId xmlns:a16="http://schemas.microsoft.com/office/drawing/2014/main" id="{65243C46-6705-5D85-72DD-8C9875AC77C6}"/>
+              </a:ext>
+            </a:extLst>
+          </p:cNvPr>
+          <p:cNvSpPr/>
+          <p:nvPr/>
+        </p:nvSpPr>
+        <p:spPr>
+          <a:xfrm>
+            <a:off x="1547664" y="6093296"/>
+            <a:ext cx="792088" cy="556640"/>
+          </a:xfrm>
+          <a:prstGeom prst="rightArrow">
+            <a:avLst/>
+          </a:prstGeom>
+          <a:solidFill>
+            <a:srgbClr val="FF0000"/>
+          </a:solidFill>
+          <a:ln>
+            <a:solidFill>
+              <a:schemeClr val="tx1"/>
+            </a:solidFill>
+          </a:ln>
+        </p:spPr>
+        <p:style>
+          <a:lnRef idx="2">
+            <a:schemeClr val="accent1">
+              <a:shade val="50000"/>
+            </a:schemeClr>
+          </a:lnRef>
+          <a:fillRef idx="1">
+            <a:schemeClr val="accent1"/>
+          </a:fillRef>
+          <a:effectRef idx="0">
+            <a:schemeClr val="accent1"/>
+          </a:effectRef>
+          <a:fontRef idx="minor">
+            <a:schemeClr val="lt1"/>
+          </a:fontRef>
+        </p:style>
+        <p:txBody>
+          <a:bodyPr rtlCol="0" anchor="ctr"/>
+          <a:lstStyle/>
+          <a:p>
+            <a:pPr algn="ctr"/>
+            <a:endParaRPr kumimoji="1" lang="ja-JP" altLang="en-US"/>
+          </a:p>
+        </p:txBody>
+      </p:sp>
+      <p:sp>
+        <p:nvSpPr>
+          <p:cNvPr id="23" name="テキスト ボックス 22">
+            <a:extLst>
+              <a:ext uri="{FF2B5EF4-FFF2-40B4-BE49-F238E27FC236}">
+                <a16:creationId xmlns:a16="http://schemas.microsoft.com/office/drawing/2014/main" id="{DB53E9E0-754C-E0F6-C5D0-F7C41DAB5DDC}"/>
+              </a:ext>
+            </a:extLst>
+          </p:cNvPr>
+          <p:cNvSpPr txBox="1"/>
+          <p:nvPr/>
+        </p:nvSpPr>
+        <p:spPr>
+          <a:xfrm>
+            <a:off x="2555776" y="6165304"/>
+            <a:ext cx="5724644" cy="461665"/>
+          </a:xfrm>
+          <a:prstGeom prst="rect">
+            <a:avLst/>
+          </a:prstGeom>
+          <a:noFill/>
+        </p:spPr>
+        <p:txBody>
+          <a:bodyPr wrap="none" rtlCol="0">
+            <a:spAutoFit/>
+          </a:bodyPr>
+          <a:lstStyle/>
+          <a:p>
+            <a:r>
+              <a:rPr lang="ja-JP" altLang="en-US" sz="2400"/>
+              <a:t>平衡状態では何が釣り合っているのか？</a:t>
+            </a:r>
+            <a:endParaRPr kumimoji="1" lang="ja-JP" altLang="en-US" sz="2400"/>
+          </a:p>
+        </p:txBody>
+      </p:sp>
+      <p:cxnSp>
+        <p:nvCxnSpPr>
+          <p:cNvPr id="25" name="直線矢印コネクタ 24">
+            <a:extLst>
+              <a:ext uri="{FF2B5EF4-FFF2-40B4-BE49-F238E27FC236}">
+                <a16:creationId xmlns:a16="http://schemas.microsoft.com/office/drawing/2014/main" id="{BA390FAA-A69E-4486-414E-78145DDA8555}"/>
+              </a:ext>
+            </a:extLst>
+          </p:cNvPr>
+          <p:cNvCxnSpPr/>
+          <p:nvPr/>
+        </p:nvCxnSpPr>
+        <p:spPr>
+          <a:xfrm>
+            <a:off x="2699792" y="3429000"/>
+            <a:ext cx="1008112" cy="0"/>
+          </a:xfrm>
+          <a:prstGeom prst="straightConnector1">
+            <a:avLst/>
+          </a:prstGeom>
+          <a:ln>
+            <a:solidFill>
+              <a:schemeClr val="tx1"/>
+            </a:solidFill>
+            <a:headEnd type="none" w="med" len="med"/>
+            <a:tailEnd type="triangle"/>
+          </a:ln>
+        </p:spPr>
+        <p:style>
+          <a:lnRef idx="1">
+            <a:schemeClr val="accent1"/>
+          </a:lnRef>
+          <a:fillRef idx="0">
+            <a:schemeClr val="accent1"/>
+          </a:fillRef>
+          <a:effectRef idx="0">
+            <a:schemeClr val="accent1"/>
+          </a:effectRef>
+          <a:fontRef idx="minor">
+            <a:schemeClr val="tx1"/>
+          </a:fontRef>
+        </p:style>
+      </p:cxnSp>
+      <p:sp>
+        <p:nvSpPr>
+          <p:cNvPr id="26" name="テキスト ボックス 25">
+            <a:extLst>
+              <a:ext uri="{FF2B5EF4-FFF2-40B4-BE49-F238E27FC236}">
+                <a16:creationId xmlns:a16="http://schemas.microsoft.com/office/drawing/2014/main" id="{C6F41C05-95E4-FDCA-1881-9C508EFCC293}"/>
+              </a:ext>
+            </a:extLst>
+          </p:cNvPr>
+          <p:cNvSpPr txBox="1"/>
+          <p:nvPr/>
+        </p:nvSpPr>
+        <p:spPr>
+          <a:xfrm>
+            <a:off x="2771800" y="2638653"/>
+            <a:ext cx="877163" cy="646331"/>
+          </a:xfrm>
+          <a:prstGeom prst="rect">
+            <a:avLst/>
+          </a:prstGeom>
+          <a:noFill/>
+        </p:spPr>
+        <p:txBody>
+          <a:bodyPr wrap="none" rtlCol="0">
+            <a:spAutoFit/>
+          </a:bodyPr>
+          <a:lstStyle/>
+          <a:p>
+            <a:r>
+              <a:rPr kumimoji="1" lang="ja-JP" altLang="en-US"/>
+              <a:t>もっと</a:t>
+            </a:r>
+            <a:endParaRPr kumimoji="1" lang="en-US" altLang="ja-JP"/>
+          </a:p>
+          <a:p>
+            <a:r>
+              <a:rPr lang="ja-JP" altLang="en-US"/>
+              <a:t>蒸発</a:t>
+            </a:r>
+            <a:endParaRPr kumimoji="1" lang="ja-JP" altLang="en-US"/>
+          </a:p>
+        </p:txBody>
+      </p:sp>
+      <p:cxnSp>
+        <p:nvCxnSpPr>
+          <p:cNvPr id="27" name="直線矢印コネクタ 26">
+            <a:extLst>
+              <a:ext uri="{FF2B5EF4-FFF2-40B4-BE49-F238E27FC236}">
+                <a16:creationId xmlns:a16="http://schemas.microsoft.com/office/drawing/2014/main" id="{99FEAAB3-0948-AE2E-D3A9-EDB165B24E41}"/>
+              </a:ext>
+            </a:extLst>
+          </p:cNvPr>
+          <p:cNvCxnSpPr/>
+          <p:nvPr/>
+        </p:nvCxnSpPr>
+        <p:spPr>
+          <a:xfrm>
+            <a:off x="5724128" y="3356992"/>
+            <a:ext cx="1008112" cy="0"/>
+          </a:xfrm>
+          <a:prstGeom prst="straightConnector1">
+            <a:avLst/>
+          </a:prstGeom>
+          <a:ln>
+            <a:solidFill>
+              <a:schemeClr val="tx1"/>
+            </a:solidFill>
+            <a:headEnd type="none" w="med" len="med"/>
+            <a:tailEnd type="triangle"/>
+          </a:ln>
+        </p:spPr>
+        <p:style>
+          <a:lnRef idx="1">
+            <a:schemeClr val="accent1"/>
+          </a:lnRef>
+          <a:fillRef idx="0">
+            <a:schemeClr val="accent1"/>
+          </a:fillRef>
+          <a:effectRef idx="0">
+            <a:schemeClr val="accent1"/>
+          </a:effectRef>
+          <a:fontRef idx="minor">
+            <a:schemeClr val="tx1"/>
+          </a:fontRef>
+        </p:style>
+      </p:cxnSp>
+      <p:sp>
+        <p:nvSpPr>
+          <p:cNvPr id="28" name="テキスト ボックス 27">
+            <a:extLst>
+              <a:ext uri="{FF2B5EF4-FFF2-40B4-BE49-F238E27FC236}">
+                <a16:creationId xmlns:a16="http://schemas.microsoft.com/office/drawing/2014/main" id="{44743BCA-516E-B9AB-C515-EB313B76A99A}"/>
+              </a:ext>
+            </a:extLst>
+          </p:cNvPr>
+          <p:cNvSpPr txBox="1"/>
+          <p:nvPr/>
+        </p:nvSpPr>
+        <p:spPr>
+          <a:xfrm>
+            <a:off x="5796136" y="2566645"/>
+            <a:ext cx="877163" cy="646331"/>
+          </a:xfrm>
+          <a:prstGeom prst="rect">
+            <a:avLst/>
+          </a:prstGeom>
+          <a:noFill/>
+        </p:spPr>
+        <p:txBody>
+          <a:bodyPr wrap="none" rtlCol="0">
+            <a:spAutoFit/>
+          </a:bodyPr>
+          <a:lstStyle/>
+          <a:p>
+            <a:r>
+              <a:rPr kumimoji="1" lang="ja-JP" altLang="en-US"/>
+              <a:t>もっと</a:t>
+            </a:r>
+            <a:endParaRPr kumimoji="1" lang="en-US" altLang="ja-JP"/>
+          </a:p>
+          <a:p>
+            <a:r>
+              <a:rPr lang="ja-JP" altLang="en-US"/>
+              <a:t>蒸発</a:t>
+            </a:r>
+            <a:endParaRPr kumimoji="1" lang="ja-JP" altLang="en-US"/>
+          </a:p>
+        </p:txBody>
+      </p:sp>
+    </p:spTree>
+    <p:extLst>
+      <p:ext uri="{BB962C8B-B14F-4D97-AF65-F5344CB8AC3E}">
+        <p14:creationId xmlns:p14="http://schemas.microsoft.com/office/powerpoint/2010/main" val="864547861"/>
+      </p:ext>
+    </p:extLst>
+  </p:cSld>
+  <p:clrMapOvr>
+    <a:masterClrMapping/>
+  </p:clrMapOvr>
+</p:sld>
+</file>
+
+<file path=ppt/slides/slide22.xml><?xml version="1.0" encoding="utf-8"?>
+<p:sld xmlns:a="http://schemas.openxmlformats.org/drawingml/2006/main" xmlns:r="http://schemas.openxmlformats.org/officeDocument/2006/relationships" xmlns:p="http://schemas.openxmlformats.org/presentationml/2006/main">
+  <p:cSld>
+    <p:spTree>
+      <p:nvGrpSpPr>
+        <p:cNvPr id="1" name=""/>
+        <p:cNvGrpSpPr/>
+        <p:nvPr/>
+      </p:nvGrpSpPr>
+      <p:grpSpPr>
+        <a:xfrm>
+          <a:off x="0" y="0"/>
+          <a:ext cx="0" cy="0"/>
+          <a:chOff x="0" y="0"/>
+          <a:chExt cx="0" cy="0"/>
+        </a:xfrm>
+      </p:grpSpPr>
+      <p:sp>
+        <p:nvSpPr>
+          <p:cNvPr id="2" name="テキスト プレースホルダー 1">
+            <a:extLst>
+              <a:ext uri="{FF2B5EF4-FFF2-40B4-BE49-F238E27FC236}">
+                <a16:creationId xmlns:a16="http://schemas.microsoft.com/office/drawing/2014/main" id="{E6A5373C-6BD3-6C73-338E-32E079A5DDB0}"/>
+              </a:ext>
+            </a:extLst>
+          </p:cNvPr>
+          <p:cNvSpPr>
+            <a:spLocks noGrp="1"/>
+          </p:cNvSpPr>
+          <p:nvPr>
+            <p:ph type="body" sz="quarter" idx="10"/>
+          </p:nvPr>
+        </p:nvSpPr>
+        <p:spPr/>
+        <p:txBody>
+          <a:bodyPr/>
+          <a:lstStyle/>
+          <a:p>
+            <a:r>
+              <a:rPr kumimoji="1" lang="ja-JP" altLang="en-US"/>
+              <a:t>平衡状態</a:t>
+            </a:r>
+          </a:p>
+        </p:txBody>
+      </p:sp>
+      <p:sp>
+        <p:nvSpPr>
+          <p:cNvPr id="3" name="テキスト ボックス 2">
+            <a:extLst>
+              <a:ext uri="{FF2B5EF4-FFF2-40B4-BE49-F238E27FC236}">
+                <a16:creationId xmlns:a16="http://schemas.microsoft.com/office/drawing/2014/main" id="{6905A35C-4420-490A-FD64-067D6F8F9BEE}"/>
+              </a:ext>
+            </a:extLst>
+          </p:cNvPr>
+          <p:cNvSpPr txBox="1"/>
+          <p:nvPr/>
+        </p:nvSpPr>
+        <p:spPr>
+          <a:xfrm>
+            <a:off x="1255422" y="2420888"/>
+            <a:ext cx="1826141" cy="584775"/>
+          </a:xfrm>
+          <a:prstGeom prst="rect">
+            <a:avLst/>
+          </a:prstGeom>
+          <a:noFill/>
+        </p:spPr>
+        <p:txBody>
+          <a:bodyPr wrap="none" rtlCol="0">
+            <a:spAutoFit/>
+          </a:bodyPr>
+          <a:lstStyle/>
+          <a:p>
+            <a:r>
+              <a:rPr lang="ja-JP" altLang="en-US" sz="3200">
+                <a:solidFill>
+                  <a:srgbClr val="011893"/>
+                </a:solidFill>
+              </a:rPr>
+              <a:t>示量変数</a:t>
+            </a:r>
+            <a:endParaRPr kumimoji="1" lang="ja-JP" altLang="en-US" sz="3200">
+              <a:solidFill>
+                <a:srgbClr val="011893"/>
+              </a:solidFill>
+            </a:endParaRPr>
+          </a:p>
+        </p:txBody>
+      </p:sp>
+      <p:sp>
+        <p:nvSpPr>
+          <p:cNvPr id="4" name="テキスト ボックス 3">
+            <a:extLst>
+              <a:ext uri="{FF2B5EF4-FFF2-40B4-BE49-F238E27FC236}">
+                <a16:creationId xmlns:a16="http://schemas.microsoft.com/office/drawing/2014/main" id="{7172C602-9646-4326-30EE-DC88CE57649E}"/>
+              </a:ext>
+            </a:extLst>
+          </p:cNvPr>
+          <p:cNvSpPr txBox="1"/>
+          <p:nvPr/>
+        </p:nvSpPr>
+        <p:spPr>
+          <a:xfrm>
+            <a:off x="5459130" y="2420888"/>
+            <a:ext cx="1826141" cy="584775"/>
+          </a:xfrm>
+          <a:prstGeom prst="rect">
+            <a:avLst/>
+          </a:prstGeom>
+          <a:noFill/>
+        </p:spPr>
+        <p:txBody>
+          <a:bodyPr wrap="none" rtlCol="0">
+            <a:spAutoFit/>
+          </a:bodyPr>
+          <a:lstStyle/>
+          <a:p>
+            <a:r>
+              <a:rPr lang="ja-JP" altLang="en-US" sz="3200">
+                <a:solidFill>
+                  <a:srgbClr val="011893"/>
+                </a:solidFill>
+              </a:rPr>
+              <a:t>示強変数</a:t>
+            </a:r>
+            <a:endParaRPr kumimoji="1" lang="ja-JP" altLang="en-US" sz="3200">
+              <a:solidFill>
+                <a:srgbClr val="011893"/>
+              </a:solidFill>
+            </a:endParaRPr>
+          </a:p>
+        </p:txBody>
+      </p:sp>
+      <mc:AlternateContent xmlns:mc="http://schemas.openxmlformats.org/markup-compatibility/2006">
+        <mc:Choice xmlns:a14="http://schemas.microsoft.com/office/drawing/2010/main" Requires="a14">
+          <p:sp>
+            <p:nvSpPr>
+              <p:cNvPr id="5" name="テキスト ボックス 4">
+                <a:extLst>
+                  <a:ext uri="{FF2B5EF4-FFF2-40B4-BE49-F238E27FC236}">
+                    <a16:creationId xmlns:a16="http://schemas.microsoft.com/office/drawing/2014/main" id="{AB921C50-1481-3F2B-005B-FE14AB64E90F}"/>
+                  </a:ext>
+                </a:extLst>
+              </p:cNvPr>
+              <p:cNvSpPr txBox="1"/>
+              <p:nvPr/>
+            </p:nvSpPr>
+            <p:spPr>
+              <a:xfrm>
+                <a:off x="1462882" y="3212976"/>
+                <a:ext cx="1411220" cy="646331"/>
+              </a:xfrm>
+              <a:prstGeom prst="rect">
+                <a:avLst/>
+              </a:prstGeom>
+              <a:noFill/>
+            </p:spPr>
+            <p:txBody>
+              <a:bodyPr wrap="none" rtlCol="0">
+                <a:spAutoFit/>
+              </a:bodyPr>
+              <a:lstStyle/>
+              <a:p>
+                <a:r>
+                  <a:rPr kumimoji="1" lang="ja-JP" altLang="en-US" sz="3600"/>
+                  <a:t>体積</a:t>
+                </a:r>
+                <a14:m>
+                  <m:oMath xmlns:m="http://schemas.openxmlformats.org/officeDocument/2006/math">
+                    <m:r>
+                      <a:rPr kumimoji="1" lang="en-US" altLang="ja-JP" sz="3600" b="0" i="1" smtClean="0">
+                        <a:latin typeface="Cambria Math" panose="02040503050406030204" pitchFamily="18" charset="0"/>
+                      </a:rPr>
+                      <m:t>𝑉</m:t>
+                    </m:r>
+                  </m:oMath>
+                </a14:m>
+                <a:endParaRPr kumimoji="1" lang="ja-JP" altLang="en-US" sz="3600"/>
+              </a:p>
+            </p:txBody>
+          </p:sp>
+        </mc:Choice>
+        <mc:Fallback>
+          <p:sp>
+            <p:nvSpPr>
+              <p:cNvPr id="5" name="テキスト ボックス 4">
+                <a:extLst>
+                  <a:ext uri="{FF2B5EF4-FFF2-40B4-BE49-F238E27FC236}">
+                    <a16:creationId xmlns:a16="http://schemas.microsoft.com/office/drawing/2014/main" id="{AB921C50-1481-3F2B-005B-FE14AB64E90F}"/>
+                  </a:ext>
+                </a:extLst>
+              </p:cNvPr>
+              <p:cNvSpPr txBox="1">
+                <a:spLocks noRot="1" noChangeAspect="1" noMove="1" noResize="1" noEditPoints="1" noAdjustHandles="1" noChangeArrowheads="1" noChangeShapeType="1" noTextEdit="1"/>
+              </p:cNvSpPr>
+              <p:nvPr/>
+            </p:nvSpPr>
+            <p:spPr>
+              <a:xfrm>
+                <a:off x="1462882" y="3212976"/>
+                <a:ext cx="1411220" cy="646331"/>
+              </a:xfrm>
+              <a:prstGeom prst="rect">
+                <a:avLst/>
+              </a:prstGeom>
+              <a:blipFill>
+                <a:blip r:embed="rId2"/>
+                <a:stretch>
+                  <a:fillRect l="-13420" t="-16981" b="-32075"/>
+                </a:stretch>
+              </a:blipFill>
+            </p:spPr>
+            <p:txBody>
+              <a:bodyPr/>
+              <a:lstStyle/>
+              <a:p>
+                <a:r>
+                  <a:rPr lang="ja-JP" altLang="en-US">
+                    <a:noFill/>
+                  </a:rPr>
+                  <a:t> </a:t>
+                </a:r>
+              </a:p>
+            </p:txBody>
+          </p:sp>
+        </mc:Fallback>
+      </mc:AlternateContent>
+      <mc:AlternateContent xmlns:mc="http://schemas.openxmlformats.org/markup-compatibility/2006">
+        <mc:Choice xmlns:a14="http://schemas.microsoft.com/office/drawing/2010/main" Requires="a14">
+          <p:sp>
+            <p:nvSpPr>
+              <p:cNvPr id="6" name="テキスト ボックス 5">
+                <a:extLst>
+                  <a:ext uri="{FF2B5EF4-FFF2-40B4-BE49-F238E27FC236}">
+                    <a16:creationId xmlns:a16="http://schemas.microsoft.com/office/drawing/2014/main" id="{0A7B7CF0-8202-ADEC-8F98-83BC3DB6B8F5}"/>
+                  </a:ext>
+                </a:extLst>
+              </p:cNvPr>
+              <p:cNvSpPr txBox="1"/>
+              <p:nvPr/>
+            </p:nvSpPr>
+            <p:spPr>
+              <a:xfrm>
+                <a:off x="5669091" y="3212976"/>
+                <a:ext cx="1406219" cy="646331"/>
+              </a:xfrm>
+              <a:prstGeom prst="rect">
+                <a:avLst/>
+              </a:prstGeom>
+              <a:noFill/>
+            </p:spPr>
+            <p:txBody>
+              <a:bodyPr wrap="square" rtlCol="0">
+                <a:spAutoFit/>
+              </a:bodyPr>
+              <a:lstStyle/>
+              <a:p>
+                <a:r>
+                  <a:rPr kumimoji="1" lang="ja-JP" altLang="en-US" sz="3600"/>
+                  <a:t>圧力</a:t>
+                </a:r>
+                <a14:m>
+                  <m:oMath xmlns:m="http://schemas.openxmlformats.org/officeDocument/2006/math">
+                    <m:r>
+                      <a:rPr kumimoji="1" lang="en-US" altLang="ja-JP" sz="3600" b="0" i="1" smtClean="0">
+                        <a:latin typeface="Cambria Math" panose="02040503050406030204" pitchFamily="18" charset="0"/>
+                      </a:rPr>
+                      <m:t>𝑃</m:t>
+                    </m:r>
+                  </m:oMath>
+                </a14:m>
+                <a:endParaRPr kumimoji="1" lang="ja-JP" altLang="en-US" sz="3600"/>
+              </a:p>
+            </p:txBody>
+          </p:sp>
+        </mc:Choice>
+        <mc:Fallback>
+          <p:sp>
+            <p:nvSpPr>
+              <p:cNvPr id="6" name="テキスト ボックス 5">
+                <a:extLst>
+                  <a:ext uri="{FF2B5EF4-FFF2-40B4-BE49-F238E27FC236}">
+                    <a16:creationId xmlns:a16="http://schemas.microsoft.com/office/drawing/2014/main" id="{0A7B7CF0-8202-ADEC-8F98-83BC3DB6B8F5}"/>
+                  </a:ext>
+                </a:extLst>
+              </p:cNvPr>
+              <p:cNvSpPr txBox="1">
+                <a:spLocks noRot="1" noChangeAspect="1" noMove="1" noResize="1" noEditPoints="1" noAdjustHandles="1" noChangeArrowheads="1" noChangeShapeType="1" noTextEdit="1"/>
+              </p:cNvSpPr>
+              <p:nvPr/>
+            </p:nvSpPr>
+            <p:spPr>
+              <a:xfrm>
+                <a:off x="5669091" y="3212976"/>
+                <a:ext cx="1406219" cy="646331"/>
+              </a:xfrm>
+              <a:prstGeom prst="rect">
+                <a:avLst/>
+              </a:prstGeom>
+              <a:blipFill>
+                <a:blip r:embed="rId3"/>
+                <a:stretch>
+                  <a:fillRect l="-13420" t="-16981" b="-32075"/>
+                </a:stretch>
+              </a:blipFill>
+            </p:spPr>
+            <p:txBody>
+              <a:bodyPr/>
+              <a:lstStyle/>
+              <a:p>
+                <a:r>
+                  <a:rPr lang="ja-JP" altLang="en-US">
+                    <a:noFill/>
+                  </a:rPr>
+                  <a:t> </a:t>
+                </a:r>
+              </a:p>
+            </p:txBody>
+          </p:sp>
+        </mc:Fallback>
+      </mc:AlternateContent>
+      <mc:AlternateContent xmlns:mc="http://schemas.openxmlformats.org/markup-compatibility/2006">
+        <mc:Choice xmlns:a14="http://schemas.microsoft.com/office/drawing/2010/main" Requires="a14">
+          <p:sp>
+            <p:nvSpPr>
+              <p:cNvPr id="8" name="テキスト ボックス 7">
+                <a:extLst>
+                  <a:ext uri="{FF2B5EF4-FFF2-40B4-BE49-F238E27FC236}">
+                    <a16:creationId xmlns:a16="http://schemas.microsoft.com/office/drawing/2014/main" id="{49A4E8DF-792F-750A-45EC-9776B5C86007}"/>
+                  </a:ext>
+                </a:extLst>
+              </p:cNvPr>
+              <p:cNvSpPr txBox="1"/>
+              <p:nvPr/>
+            </p:nvSpPr>
+            <p:spPr>
+              <a:xfrm>
+                <a:off x="5669091" y="4365104"/>
+                <a:ext cx="1406219" cy="646331"/>
+              </a:xfrm>
+              <a:prstGeom prst="rect">
+                <a:avLst/>
+              </a:prstGeom>
+              <a:noFill/>
+            </p:spPr>
+            <p:txBody>
+              <a:bodyPr wrap="none" rtlCol="0">
+                <a:spAutoFit/>
+              </a:bodyPr>
+              <a:lstStyle/>
+              <a:p>
+                <a:r>
+                  <a:rPr lang="ja-JP" altLang="en-US" sz="3600">
+                    <a:solidFill>
+                      <a:schemeClr val="tx1"/>
+                    </a:solidFill>
+                  </a:rPr>
+                  <a:t>温度</a:t>
+                </a:r>
+                <a14:m>
+                  <m:oMath xmlns:m="http://schemas.openxmlformats.org/officeDocument/2006/math">
+                    <m:r>
+                      <a:rPr kumimoji="1" lang="en-US" altLang="ja-JP" sz="3600" b="0" i="1" smtClean="0">
+                        <a:solidFill>
+                          <a:schemeClr val="tx1"/>
+                        </a:solidFill>
+                        <a:latin typeface="Cambria Math" panose="02040503050406030204" pitchFamily="18" charset="0"/>
+                      </a:rPr>
+                      <m:t>𝑇</m:t>
+                    </m:r>
+                  </m:oMath>
+                </a14:m>
+                <a:endParaRPr kumimoji="1" lang="ja-JP" altLang="en-US" sz="3600">
+                  <a:solidFill>
+                    <a:schemeClr val="tx1"/>
+                  </a:solidFill>
+                </a:endParaRPr>
+              </a:p>
+            </p:txBody>
+          </p:sp>
+        </mc:Choice>
+        <mc:Fallback>
+          <p:sp>
+            <p:nvSpPr>
+              <p:cNvPr id="8" name="テキスト ボックス 7">
+                <a:extLst>
+                  <a:ext uri="{FF2B5EF4-FFF2-40B4-BE49-F238E27FC236}">
+                    <a16:creationId xmlns:a16="http://schemas.microsoft.com/office/drawing/2014/main" id="{49A4E8DF-792F-750A-45EC-9776B5C86007}"/>
+                  </a:ext>
+                </a:extLst>
+              </p:cNvPr>
+              <p:cNvSpPr txBox="1">
+                <a:spLocks noRot="1" noChangeAspect="1" noMove="1" noResize="1" noEditPoints="1" noAdjustHandles="1" noChangeArrowheads="1" noChangeShapeType="1" noTextEdit="1"/>
+              </p:cNvSpPr>
+              <p:nvPr/>
+            </p:nvSpPr>
+            <p:spPr>
+              <a:xfrm>
+                <a:off x="5669091" y="4365104"/>
+                <a:ext cx="1406219" cy="646331"/>
+              </a:xfrm>
+              <a:prstGeom prst="rect">
+                <a:avLst/>
+              </a:prstGeom>
+              <a:blipFill>
+                <a:blip r:embed="rId4"/>
+                <a:stretch>
+                  <a:fillRect l="-13420" t="-16981" b="-32075"/>
+                </a:stretch>
+              </a:blipFill>
+            </p:spPr>
+            <p:txBody>
+              <a:bodyPr/>
+              <a:lstStyle/>
+              <a:p>
+                <a:r>
+                  <a:rPr lang="ja-JP" altLang="en-US">
+                    <a:noFill/>
+                  </a:rPr>
+                  <a:t> </a:t>
+                </a:r>
+              </a:p>
+            </p:txBody>
+          </p:sp>
+        </mc:Fallback>
+      </mc:AlternateContent>
+      <mc:AlternateContent xmlns:mc="http://schemas.openxmlformats.org/markup-compatibility/2006">
+        <mc:Choice xmlns:a14="http://schemas.microsoft.com/office/drawing/2010/main" Requires="a14">
+          <p:sp>
+            <p:nvSpPr>
+              <p:cNvPr id="9" name="テキスト ボックス 8">
+                <a:extLst>
+                  <a:ext uri="{FF2B5EF4-FFF2-40B4-BE49-F238E27FC236}">
+                    <a16:creationId xmlns:a16="http://schemas.microsoft.com/office/drawing/2014/main" id="{3A36ED8B-A5C6-2AB9-D7A3-D2943E97DB0C}"/>
+                  </a:ext>
+                </a:extLst>
+              </p:cNvPr>
+              <p:cNvSpPr txBox="1"/>
+              <p:nvPr/>
+            </p:nvSpPr>
+            <p:spPr>
+              <a:xfrm>
+                <a:off x="539552" y="4365104"/>
+                <a:ext cx="3257880" cy="646331"/>
+              </a:xfrm>
+              <a:prstGeom prst="rect">
+                <a:avLst/>
+              </a:prstGeom>
+              <a:noFill/>
+            </p:spPr>
+            <p:txBody>
+              <a:bodyPr wrap="none" rtlCol="0">
+                <a:spAutoFit/>
+              </a:bodyPr>
+              <a:lstStyle/>
+              <a:p>
+                <a:r>
+                  <a:rPr kumimoji="1" lang="ja-JP" altLang="en-US" sz="3600">
+                    <a:solidFill>
+                      <a:schemeClr val="tx1"/>
+                    </a:solidFill>
+                  </a:rPr>
+                  <a:t>エントロピー</a:t>
+                </a:r>
+                <a14:m>
+                  <m:oMath xmlns:m="http://schemas.openxmlformats.org/officeDocument/2006/math">
+                    <m:r>
+                      <a:rPr kumimoji="1" lang="en-US" altLang="ja-JP" sz="3600" b="0" i="1" smtClean="0">
+                        <a:solidFill>
+                          <a:schemeClr val="tx1"/>
+                        </a:solidFill>
+                        <a:latin typeface="Cambria Math" panose="02040503050406030204" pitchFamily="18" charset="0"/>
+                      </a:rPr>
+                      <m:t>𝑆</m:t>
+                    </m:r>
+                  </m:oMath>
+                </a14:m>
+                <a:endParaRPr kumimoji="1" lang="ja-JP" altLang="en-US" sz="3600">
+                  <a:solidFill>
+                    <a:schemeClr val="tx1"/>
+                  </a:solidFill>
+                </a:endParaRPr>
+              </a:p>
+            </p:txBody>
+          </p:sp>
+        </mc:Choice>
+        <mc:Fallback>
+          <p:sp>
+            <p:nvSpPr>
+              <p:cNvPr id="9" name="テキスト ボックス 8">
+                <a:extLst>
+                  <a:ext uri="{FF2B5EF4-FFF2-40B4-BE49-F238E27FC236}">
+                    <a16:creationId xmlns:a16="http://schemas.microsoft.com/office/drawing/2014/main" id="{3A36ED8B-A5C6-2AB9-D7A3-D2943E97DB0C}"/>
+                  </a:ext>
+                </a:extLst>
+              </p:cNvPr>
+              <p:cNvSpPr txBox="1">
+                <a:spLocks noRot="1" noChangeAspect="1" noMove="1" noResize="1" noEditPoints="1" noAdjustHandles="1" noChangeArrowheads="1" noChangeShapeType="1" noTextEdit="1"/>
+              </p:cNvSpPr>
+              <p:nvPr/>
+            </p:nvSpPr>
+            <p:spPr>
+              <a:xfrm>
+                <a:off x="539552" y="4365104"/>
+                <a:ext cx="3257880" cy="646331"/>
+              </a:xfrm>
+              <a:prstGeom prst="rect">
+                <a:avLst/>
+              </a:prstGeom>
+              <a:blipFill>
+                <a:blip r:embed="rId5"/>
+                <a:stretch>
+                  <a:fillRect l="-5805" t="-16981" b="-32075"/>
+                </a:stretch>
+              </a:blipFill>
+            </p:spPr>
+            <p:txBody>
+              <a:bodyPr/>
+              <a:lstStyle/>
+              <a:p>
+                <a:r>
+                  <a:rPr lang="ja-JP" altLang="en-US">
+                    <a:noFill/>
+                  </a:rPr>
+                  <a:t> </a:t>
+                </a:r>
+              </a:p>
+            </p:txBody>
+          </p:sp>
+        </mc:Fallback>
+      </mc:AlternateContent>
+      <mc:AlternateContent xmlns:mc="http://schemas.openxmlformats.org/markup-compatibility/2006">
+        <mc:Choice xmlns:a14="http://schemas.microsoft.com/office/drawing/2010/main" Requires="a14">
+          <p:sp>
+            <p:nvSpPr>
+              <p:cNvPr id="10" name="テキスト ボックス 9">
+                <a:extLst>
+                  <a:ext uri="{FF2B5EF4-FFF2-40B4-BE49-F238E27FC236}">
+                    <a16:creationId xmlns:a16="http://schemas.microsoft.com/office/drawing/2014/main" id="{09BC92EB-19DD-77EC-A689-1F4D8B29F187}"/>
+                  </a:ext>
+                </a:extLst>
+              </p:cNvPr>
+              <p:cNvSpPr txBox="1"/>
+              <p:nvPr/>
+            </p:nvSpPr>
+            <p:spPr>
+              <a:xfrm>
+                <a:off x="1208902" y="5517232"/>
+                <a:ext cx="1919180" cy="646331"/>
+              </a:xfrm>
+              <a:prstGeom prst="rect">
+                <a:avLst/>
+              </a:prstGeom>
+              <a:noFill/>
+            </p:spPr>
+            <p:txBody>
+              <a:bodyPr wrap="none" rtlCol="0">
+                <a:spAutoFit/>
+              </a:bodyPr>
+              <a:lstStyle/>
+              <a:p>
+                <a:r>
+                  <a:rPr lang="ja-JP" altLang="en-US" sz="3600"/>
+                  <a:t>物質量</a:t>
+                </a:r>
+                <a14:m>
+                  <m:oMath xmlns:m="http://schemas.openxmlformats.org/officeDocument/2006/math">
+                    <m:r>
+                      <a:rPr kumimoji="1" lang="en-US" altLang="ja-JP" sz="3600" b="0" i="1" smtClean="0">
+                        <a:latin typeface="Cambria Math" panose="02040503050406030204" pitchFamily="18" charset="0"/>
+                      </a:rPr>
+                      <m:t>𝑁</m:t>
+                    </m:r>
+                  </m:oMath>
+                </a14:m>
+                <a:endParaRPr kumimoji="1" lang="ja-JP" altLang="en-US" sz="3600"/>
+              </a:p>
+            </p:txBody>
+          </p:sp>
+        </mc:Choice>
+        <mc:Fallback>
+          <p:sp>
+            <p:nvSpPr>
+              <p:cNvPr id="10" name="テキスト ボックス 9">
+                <a:extLst>
+                  <a:ext uri="{FF2B5EF4-FFF2-40B4-BE49-F238E27FC236}">
+                    <a16:creationId xmlns:a16="http://schemas.microsoft.com/office/drawing/2014/main" id="{09BC92EB-19DD-77EC-A689-1F4D8B29F187}"/>
+                  </a:ext>
+                </a:extLst>
+              </p:cNvPr>
+              <p:cNvSpPr txBox="1">
+                <a:spLocks noRot="1" noChangeAspect="1" noMove="1" noResize="1" noEditPoints="1" noAdjustHandles="1" noChangeArrowheads="1" noChangeShapeType="1" noTextEdit="1"/>
+              </p:cNvSpPr>
+              <p:nvPr/>
+            </p:nvSpPr>
+            <p:spPr>
+              <a:xfrm>
+                <a:off x="1208902" y="5517232"/>
+                <a:ext cx="1919180" cy="646331"/>
+              </a:xfrm>
+              <a:prstGeom prst="rect">
+                <a:avLst/>
+              </a:prstGeom>
+              <a:blipFill>
+                <a:blip r:embed="rId6"/>
+                <a:stretch>
+                  <a:fillRect l="-9524" t="-16981" b="-32075"/>
+                </a:stretch>
+              </a:blipFill>
+            </p:spPr>
+            <p:txBody>
+              <a:bodyPr/>
+              <a:lstStyle/>
+              <a:p>
+                <a:r>
+                  <a:rPr lang="ja-JP" altLang="en-US">
+                    <a:noFill/>
+                  </a:rPr>
+                  <a:t> </a:t>
+                </a:r>
+              </a:p>
+            </p:txBody>
+          </p:sp>
+        </mc:Fallback>
+      </mc:AlternateContent>
+      <mc:AlternateContent xmlns:mc="http://schemas.openxmlformats.org/markup-compatibility/2006">
+        <mc:Choice xmlns:a14="http://schemas.microsoft.com/office/drawing/2010/main" Requires="a14">
+          <p:sp>
+            <p:nvSpPr>
+              <p:cNvPr id="11" name="テキスト ボックス 10">
+                <a:extLst>
+                  <a:ext uri="{FF2B5EF4-FFF2-40B4-BE49-F238E27FC236}">
+                    <a16:creationId xmlns:a16="http://schemas.microsoft.com/office/drawing/2014/main" id="{6E283523-CE4C-6416-C60B-601F496FB500}"/>
+                  </a:ext>
+                </a:extLst>
+              </p:cNvPr>
+              <p:cNvSpPr txBox="1"/>
+              <p:nvPr/>
+            </p:nvSpPr>
+            <p:spPr>
+              <a:xfrm>
+                <a:off x="4283968" y="5517232"/>
+                <a:ext cx="4176464" cy="646331"/>
+              </a:xfrm>
+              <a:prstGeom prst="rect">
+                <a:avLst/>
+              </a:prstGeom>
+              <a:noFill/>
+            </p:spPr>
+            <p:txBody>
+              <a:bodyPr wrap="square" rtlCol="0">
+                <a:spAutoFit/>
+              </a:bodyPr>
+              <a:lstStyle/>
+              <a:p>
+                <a:r>
+                  <a:rPr kumimoji="1" lang="ja-JP" altLang="en-US" sz="3600">
+                    <a:solidFill>
+                      <a:srgbClr val="FF0000"/>
+                    </a:solidFill>
+                  </a:rPr>
+                  <a:t>化学ポテンシャル</a:t>
+                </a:r>
+                <a14:m>
+                  <m:oMath xmlns:m="http://schemas.openxmlformats.org/officeDocument/2006/math">
+                    <m:r>
+                      <a:rPr kumimoji="1" lang="en-US" altLang="ja-JP" sz="3600" b="0" i="1" smtClean="0">
+                        <a:solidFill>
+                          <a:srgbClr val="FF0000"/>
+                        </a:solidFill>
+                        <a:latin typeface="Cambria Math" panose="02040503050406030204" pitchFamily="18" charset="0"/>
+                      </a:rPr>
+                      <m:t>𝜇</m:t>
+                    </m:r>
+                  </m:oMath>
+                </a14:m>
+                <a:endParaRPr kumimoji="1" lang="ja-JP" altLang="en-US" sz="3600">
+                  <a:solidFill>
+                    <a:srgbClr val="FF0000"/>
+                  </a:solidFill>
+                </a:endParaRPr>
+              </a:p>
+            </p:txBody>
+          </p:sp>
+        </mc:Choice>
+        <mc:Fallback>
+          <p:sp>
+            <p:nvSpPr>
+              <p:cNvPr id="11" name="テキスト ボックス 10">
+                <a:extLst>
+                  <a:ext uri="{FF2B5EF4-FFF2-40B4-BE49-F238E27FC236}">
+                    <a16:creationId xmlns:a16="http://schemas.microsoft.com/office/drawing/2014/main" id="{6E283523-CE4C-6416-C60B-601F496FB500}"/>
+                  </a:ext>
+                </a:extLst>
+              </p:cNvPr>
+              <p:cNvSpPr txBox="1">
+                <a:spLocks noRot="1" noChangeAspect="1" noMove="1" noResize="1" noEditPoints="1" noAdjustHandles="1" noChangeArrowheads="1" noChangeShapeType="1" noTextEdit="1"/>
+              </p:cNvSpPr>
+              <p:nvPr/>
+            </p:nvSpPr>
+            <p:spPr>
+              <a:xfrm>
+                <a:off x="4283968" y="5517232"/>
+                <a:ext cx="4176464" cy="646331"/>
+              </a:xfrm>
+              <a:prstGeom prst="rect">
+                <a:avLst/>
+              </a:prstGeom>
+              <a:blipFill>
+                <a:blip r:embed="rId7"/>
+                <a:stretch>
+                  <a:fillRect l="-4526" t="-16981" b="-32075"/>
+                </a:stretch>
+              </a:blipFill>
+            </p:spPr>
+            <p:txBody>
+              <a:bodyPr/>
+              <a:lstStyle/>
+              <a:p>
+                <a:r>
+                  <a:rPr lang="ja-JP" altLang="en-US">
+                    <a:noFill/>
+                  </a:rPr>
+                  <a:t> </a:t>
+                </a:r>
+              </a:p>
+            </p:txBody>
+          </p:sp>
+        </mc:Fallback>
+      </mc:AlternateContent>
+      <p:sp>
+        <p:nvSpPr>
+          <p:cNvPr id="12" name="テキスト ボックス 11">
+            <a:extLst>
+              <a:ext uri="{FF2B5EF4-FFF2-40B4-BE49-F238E27FC236}">
+                <a16:creationId xmlns:a16="http://schemas.microsoft.com/office/drawing/2014/main" id="{25766D32-E748-25C1-0677-1B4753255B30}"/>
+              </a:ext>
+            </a:extLst>
+          </p:cNvPr>
+          <p:cNvSpPr txBox="1"/>
+          <p:nvPr/>
+        </p:nvSpPr>
+        <p:spPr>
+          <a:xfrm>
+            <a:off x="395536" y="1268760"/>
+            <a:ext cx="7981672" cy="584775"/>
+          </a:xfrm>
+          <a:prstGeom prst="rect">
+            <a:avLst/>
+          </a:prstGeom>
+          <a:noFill/>
+        </p:spPr>
+        <p:txBody>
+          <a:bodyPr wrap="none" rtlCol="0">
+            <a:spAutoFit/>
+          </a:bodyPr>
+          <a:lstStyle/>
+          <a:p>
+            <a:r>
+              <a:rPr kumimoji="1" lang="ja-JP" altLang="en-US" sz="3200"/>
+              <a:t>平衡状態では、系の示強変数が一様になる</a:t>
+            </a:r>
+          </a:p>
+        </p:txBody>
+      </p:sp>
+    </p:spTree>
+    <p:extLst>
+      <p:ext uri="{BB962C8B-B14F-4D97-AF65-F5344CB8AC3E}">
+        <p14:creationId xmlns:p14="http://schemas.microsoft.com/office/powerpoint/2010/main" val="4048602546"/>
+      </p:ext>
+    </p:extLst>
+  </p:cSld>
+  <p:clrMapOvr>
+    <a:masterClrMapping/>
+  </p:clrMapOvr>
+</p:sld>
+</file>
+
+<file path=ppt/slides/slide23.xml><?xml version="1.0" encoding="utf-8"?>
+<p:sld xmlns:a="http://schemas.openxmlformats.org/drawingml/2006/main" xmlns:r="http://schemas.openxmlformats.org/officeDocument/2006/relationships" xmlns:p="http://schemas.openxmlformats.org/presentationml/2006/main">
+  <p:cSld>
+    <p:spTree>
+      <p:nvGrpSpPr>
+        <p:cNvPr id="1" name=""/>
+        <p:cNvGrpSpPr/>
+        <p:nvPr/>
+      </p:nvGrpSpPr>
+      <p:grpSpPr>
+        <a:xfrm>
+          <a:off x="0" y="0"/>
+          <a:ext cx="0" cy="0"/>
+          <a:chOff x="0" y="0"/>
+          <a:chExt cx="0" cy="0"/>
+        </a:xfrm>
+      </p:grpSpPr>
+      <p:sp>
+        <p:nvSpPr>
+          <p:cNvPr id="2" name="テキスト プレースホルダー 1">
+            <a:extLst>
+              <a:ext uri="{FF2B5EF4-FFF2-40B4-BE49-F238E27FC236}">
+                <a16:creationId xmlns:a16="http://schemas.microsoft.com/office/drawing/2014/main" id="{A8A17E38-DBCD-37B9-0650-05881DCEFD43}"/>
+              </a:ext>
+            </a:extLst>
+          </p:cNvPr>
+          <p:cNvSpPr>
+            <a:spLocks noGrp="1"/>
+          </p:cNvSpPr>
+          <p:nvPr>
+            <p:ph type="body" sz="quarter" idx="10"/>
+          </p:nvPr>
+        </p:nvSpPr>
+        <p:spPr/>
+        <p:txBody>
+          <a:bodyPr/>
+          <a:lstStyle/>
+          <a:p>
+            <a:r>
+              <a:rPr kumimoji="1" lang="ja-JP" altLang="en-US"/>
+              <a:t>化学ポテンシャル</a:t>
+            </a:r>
+          </a:p>
+        </p:txBody>
+      </p:sp>
+      <p:grpSp>
+        <p:nvGrpSpPr>
+          <p:cNvPr id="29" name="グループ化 28">
+            <a:extLst>
+              <a:ext uri="{FF2B5EF4-FFF2-40B4-BE49-F238E27FC236}">
+                <a16:creationId xmlns:a16="http://schemas.microsoft.com/office/drawing/2014/main" id="{753F4455-D945-738A-E7AB-FF9ACEE15B3E}"/>
+              </a:ext>
+            </a:extLst>
+          </p:cNvPr>
+          <p:cNvGrpSpPr/>
+          <p:nvPr/>
+        </p:nvGrpSpPr>
+        <p:grpSpPr>
+          <a:xfrm>
+            <a:off x="971600" y="2348880"/>
+            <a:ext cx="1440160" cy="2160240"/>
+            <a:chOff x="971600" y="2348880"/>
+            <a:chExt cx="1440160" cy="2160240"/>
+          </a:xfrm>
+        </p:grpSpPr>
+        <p:sp>
+          <p:nvSpPr>
+            <p:cNvPr id="3" name="正方形/長方形 2">
+              <a:extLst>
+                <a:ext uri="{FF2B5EF4-FFF2-40B4-BE49-F238E27FC236}">
+                  <a16:creationId xmlns:a16="http://schemas.microsoft.com/office/drawing/2014/main" id="{A9635ADB-98CB-65FC-B879-F8FBB1822DB6}"/>
+                </a:ext>
+              </a:extLst>
+            </p:cNvPr>
+            <p:cNvSpPr/>
+            <p:nvPr/>
+          </p:nvSpPr>
+          <p:spPr>
+            <a:xfrm>
+              <a:off x="971600" y="2348880"/>
+              <a:ext cx="1440160" cy="1152128"/>
+            </a:xfrm>
+            <a:prstGeom prst="rect">
+              <a:avLst/>
+            </a:prstGeom>
+            <a:solidFill>
+              <a:schemeClr val="accent2">
+                <a:lumMod val="40000"/>
+                <a:lumOff val="60000"/>
+              </a:schemeClr>
+            </a:solidFill>
+            <a:ln>
+              <a:solidFill>
+                <a:schemeClr val="tx1"/>
+              </a:solidFill>
+            </a:ln>
+          </p:spPr>
+          <p:style>
+            <a:lnRef idx="2">
+              <a:schemeClr val="accent1">
+                <a:shade val="50000"/>
+              </a:schemeClr>
+            </a:lnRef>
+            <a:fillRef idx="1">
+              <a:schemeClr val="accent1"/>
+            </a:fillRef>
+            <a:effectRef idx="0">
+              <a:schemeClr val="accent1"/>
+            </a:effectRef>
+            <a:fontRef idx="minor">
+              <a:schemeClr val="lt1"/>
+            </a:fontRef>
+          </p:style>
+          <p:txBody>
+            <a:bodyPr rtlCol="0" anchor="ctr"/>
+            <a:lstStyle/>
+            <a:p>
+              <a:pPr algn="ctr"/>
+              <a:endParaRPr kumimoji="1" lang="ja-JP" altLang="en-US"/>
+            </a:p>
+          </p:txBody>
+        </p:sp>
+        <p:sp>
+          <p:nvSpPr>
+            <p:cNvPr id="4" name="正方形/長方形 3">
+              <a:extLst>
+                <a:ext uri="{FF2B5EF4-FFF2-40B4-BE49-F238E27FC236}">
+                  <a16:creationId xmlns:a16="http://schemas.microsoft.com/office/drawing/2014/main" id="{D59B14A2-650B-D429-FB5F-48B32D0E79B2}"/>
+                </a:ext>
+              </a:extLst>
+            </p:cNvPr>
+            <p:cNvSpPr/>
+            <p:nvPr/>
+          </p:nvSpPr>
+          <p:spPr>
+            <a:xfrm>
+              <a:off x="971600" y="2348880"/>
+              <a:ext cx="1440160" cy="2160240"/>
+            </a:xfrm>
+            <a:prstGeom prst="rect">
+              <a:avLst/>
+            </a:prstGeom>
+            <a:noFill/>
+            <a:ln w="38100">
+              <a:solidFill>
+                <a:schemeClr val="tx1"/>
+              </a:solidFill>
+            </a:ln>
+          </p:spPr>
+          <p:style>
+            <a:lnRef idx="2">
+              <a:schemeClr val="accent1">
+                <a:shade val="50000"/>
+              </a:schemeClr>
+            </a:lnRef>
+            <a:fillRef idx="1">
+              <a:schemeClr val="accent1"/>
+            </a:fillRef>
+            <a:effectRef idx="0">
+              <a:schemeClr val="accent1"/>
+            </a:effectRef>
+            <a:fontRef idx="minor">
+              <a:schemeClr val="lt1"/>
+            </a:fontRef>
+          </p:style>
+          <p:txBody>
+            <a:bodyPr rtlCol="0" anchor="ctr"/>
+            <a:lstStyle/>
+            <a:p>
+              <a:pPr algn="ctr"/>
+              <a:endParaRPr kumimoji="1" lang="ja-JP" altLang="en-US"/>
+            </a:p>
+          </p:txBody>
+        </p:sp>
+        <p:sp>
+          <p:nvSpPr>
+            <p:cNvPr id="5" name="正方形/長方形 4">
+              <a:extLst>
+                <a:ext uri="{FF2B5EF4-FFF2-40B4-BE49-F238E27FC236}">
+                  <a16:creationId xmlns:a16="http://schemas.microsoft.com/office/drawing/2014/main" id="{2BF788A2-5C06-20A3-5479-35483BE3902D}"/>
+                </a:ext>
+              </a:extLst>
+            </p:cNvPr>
+            <p:cNvSpPr/>
+            <p:nvPr/>
+          </p:nvSpPr>
+          <p:spPr>
+            <a:xfrm>
+              <a:off x="971600" y="3501008"/>
+              <a:ext cx="1440160" cy="1008112"/>
+            </a:xfrm>
+            <a:prstGeom prst="rect">
+              <a:avLst/>
+            </a:prstGeom>
+            <a:solidFill>
+              <a:srgbClr val="011893"/>
+            </a:solidFill>
+            <a:ln>
+              <a:solidFill>
+                <a:schemeClr val="tx1"/>
+              </a:solidFill>
+            </a:ln>
+          </p:spPr>
+          <p:style>
+            <a:lnRef idx="2">
+              <a:schemeClr val="accent1">
+                <a:shade val="50000"/>
+              </a:schemeClr>
+            </a:lnRef>
+            <a:fillRef idx="1">
+              <a:schemeClr val="accent1"/>
+            </a:fillRef>
+            <a:effectRef idx="0">
+              <a:schemeClr val="accent1"/>
+            </a:effectRef>
+            <a:fontRef idx="minor">
+              <a:schemeClr val="lt1"/>
+            </a:fontRef>
+          </p:style>
+          <p:txBody>
+            <a:bodyPr rtlCol="0" anchor="ctr"/>
+            <a:lstStyle/>
+            <a:p>
+              <a:pPr algn="ctr"/>
+              <a:endParaRPr kumimoji="1" lang="ja-JP" altLang="en-US"/>
+            </a:p>
+          </p:txBody>
+        </p:sp>
+        <p:sp>
+          <p:nvSpPr>
+            <p:cNvPr id="6" name="テキスト ボックス 5">
+              <a:extLst>
+                <a:ext uri="{FF2B5EF4-FFF2-40B4-BE49-F238E27FC236}">
+                  <a16:creationId xmlns:a16="http://schemas.microsoft.com/office/drawing/2014/main" id="{97970011-D2FD-258C-1A1B-368014DD0C5E}"/>
+                </a:ext>
+              </a:extLst>
+            </p:cNvPr>
+            <p:cNvSpPr txBox="1"/>
+            <p:nvPr/>
+          </p:nvSpPr>
+          <p:spPr>
+            <a:xfrm>
+              <a:off x="1475656" y="3789040"/>
+              <a:ext cx="415498" cy="369332"/>
+            </a:xfrm>
+            <a:prstGeom prst="rect">
+              <a:avLst/>
+            </a:prstGeom>
+            <a:solidFill>
+              <a:schemeClr val="bg1"/>
+            </a:solidFill>
+          </p:spPr>
+          <p:txBody>
+            <a:bodyPr wrap="none" rtlCol="0">
+              <a:spAutoFit/>
+            </a:bodyPr>
+            <a:lstStyle/>
+            <a:p>
+              <a:r>
+                <a:rPr kumimoji="1" lang="ja-JP" altLang="en-US"/>
+                <a:t>水</a:t>
+              </a:r>
+            </a:p>
+          </p:txBody>
+        </p:sp>
+        <p:sp>
+          <p:nvSpPr>
+            <p:cNvPr id="7" name="テキスト ボックス 6">
+              <a:extLst>
+                <a:ext uri="{FF2B5EF4-FFF2-40B4-BE49-F238E27FC236}">
+                  <a16:creationId xmlns:a16="http://schemas.microsoft.com/office/drawing/2014/main" id="{A9C0080E-A5AA-1E6C-3A8A-E049DFF85210}"/>
+                </a:ext>
+              </a:extLst>
+            </p:cNvPr>
+            <p:cNvSpPr txBox="1"/>
+            <p:nvPr/>
+          </p:nvSpPr>
+          <p:spPr>
+            <a:xfrm>
+              <a:off x="1259632" y="2708920"/>
+              <a:ext cx="877163" cy="369332"/>
+            </a:xfrm>
+            <a:prstGeom prst="rect">
+              <a:avLst/>
+            </a:prstGeom>
+            <a:noFill/>
+          </p:spPr>
+          <p:txBody>
+            <a:bodyPr wrap="none" rtlCol="0">
+              <a:spAutoFit/>
+            </a:bodyPr>
+            <a:lstStyle/>
+            <a:p>
+              <a:r>
+                <a:rPr kumimoji="1" lang="ja-JP" altLang="en-US"/>
+                <a:t>水蒸気</a:t>
+              </a:r>
+            </a:p>
+          </p:txBody>
+        </p:sp>
+      </p:grpSp>
+      <p:sp>
+        <p:nvSpPr>
+          <p:cNvPr id="8" name="正方形/長方形 7">
+            <a:extLst>
+              <a:ext uri="{FF2B5EF4-FFF2-40B4-BE49-F238E27FC236}">
+                <a16:creationId xmlns:a16="http://schemas.microsoft.com/office/drawing/2014/main" id="{A276033C-5C29-F589-F65F-22EDB7BBBF3D}"/>
+              </a:ext>
+            </a:extLst>
+          </p:cNvPr>
+          <p:cNvSpPr/>
+          <p:nvPr/>
+        </p:nvSpPr>
+        <p:spPr>
+          <a:xfrm>
+            <a:off x="4067944" y="2348880"/>
+            <a:ext cx="1440160" cy="1296144"/>
+          </a:xfrm>
+          <a:prstGeom prst="rect">
+            <a:avLst/>
+          </a:prstGeom>
+          <a:solidFill>
+            <a:schemeClr val="accent2">
+              <a:lumMod val="40000"/>
+              <a:lumOff val="60000"/>
+            </a:schemeClr>
+          </a:solidFill>
+          <a:ln>
+            <a:solidFill>
+              <a:schemeClr val="tx1"/>
+            </a:solidFill>
+          </a:ln>
+        </p:spPr>
+        <p:style>
+          <a:lnRef idx="2">
+            <a:schemeClr val="accent1">
+              <a:shade val="50000"/>
+            </a:schemeClr>
+          </a:lnRef>
+          <a:fillRef idx="1">
+            <a:schemeClr val="accent1"/>
+          </a:fillRef>
+          <a:effectRef idx="0">
+            <a:schemeClr val="accent1"/>
+          </a:effectRef>
+          <a:fontRef idx="minor">
+            <a:schemeClr val="lt1"/>
+          </a:fontRef>
+        </p:style>
+        <p:txBody>
+          <a:bodyPr rtlCol="0" anchor="ctr"/>
+          <a:lstStyle/>
+          <a:p>
+            <a:pPr algn="ctr"/>
+            <a:endParaRPr kumimoji="1" lang="ja-JP" altLang="en-US"/>
+          </a:p>
+        </p:txBody>
+      </p:sp>
+      <p:sp>
+        <p:nvSpPr>
+          <p:cNvPr id="9" name="正方形/長方形 8">
+            <a:extLst>
+              <a:ext uri="{FF2B5EF4-FFF2-40B4-BE49-F238E27FC236}">
+                <a16:creationId xmlns:a16="http://schemas.microsoft.com/office/drawing/2014/main" id="{30AE4CDF-1660-6541-B429-6251BDE7ACAD}"/>
+              </a:ext>
+            </a:extLst>
+          </p:cNvPr>
+          <p:cNvSpPr/>
+          <p:nvPr/>
+        </p:nvSpPr>
+        <p:spPr>
+          <a:xfrm>
+            <a:off x="4067944" y="2348880"/>
+            <a:ext cx="1440160" cy="2160240"/>
+          </a:xfrm>
+          <a:prstGeom prst="rect">
+            <a:avLst/>
+          </a:prstGeom>
+          <a:noFill/>
+          <a:ln w="38100">
+            <a:solidFill>
+              <a:schemeClr val="tx1"/>
+            </a:solidFill>
+          </a:ln>
+        </p:spPr>
+        <p:style>
+          <a:lnRef idx="2">
+            <a:schemeClr val="accent1">
+              <a:shade val="50000"/>
+            </a:schemeClr>
+          </a:lnRef>
+          <a:fillRef idx="1">
+            <a:schemeClr val="accent1"/>
+          </a:fillRef>
+          <a:effectRef idx="0">
+            <a:schemeClr val="accent1"/>
+          </a:effectRef>
+          <a:fontRef idx="minor">
+            <a:schemeClr val="lt1"/>
+          </a:fontRef>
+        </p:style>
+        <p:txBody>
+          <a:bodyPr rtlCol="0" anchor="ctr"/>
+          <a:lstStyle/>
+          <a:p>
+            <a:pPr algn="ctr"/>
+            <a:endParaRPr kumimoji="1" lang="ja-JP" altLang="en-US"/>
+          </a:p>
+        </p:txBody>
+      </p:sp>
+      <p:sp>
+        <p:nvSpPr>
+          <p:cNvPr id="10" name="正方形/長方形 9">
+            <a:extLst>
+              <a:ext uri="{FF2B5EF4-FFF2-40B4-BE49-F238E27FC236}">
+                <a16:creationId xmlns:a16="http://schemas.microsoft.com/office/drawing/2014/main" id="{94ACDA8E-C6D7-0E7B-002E-A0A628B4EA02}"/>
+              </a:ext>
+            </a:extLst>
+          </p:cNvPr>
+          <p:cNvSpPr/>
+          <p:nvPr/>
+        </p:nvSpPr>
+        <p:spPr>
+          <a:xfrm>
+            <a:off x="4067944" y="3645024"/>
+            <a:ext cx="1440160" cy="864096"/>
+          </a:xfrm>
+          <a:prstGeom prst="rect">
+            <a:avLst/>
+          </a:prstGeom>
+          <a:solidFill>
+            <a:srgbClr val="011893"/>
+          </a:solidFill>
+          <a:ln>
+            <a:solidFill>
+              <a:schemeClr val="tx1"/>
+            </a:solidFill>
+          </a:ln>
+        </p:spPr>
+        <p:style>
+          <a:lnRef idx="2">
+            <a:schemeClr val="accent1">
+              <a:shade val="50000"/>
+            </a:schemeClr>
+          </a:lnRef>
+          <a:fillRef idx="1">
+            <a:schemeClr val="accent1"/>
+          </a:fillRef>
+          <a:effectRef idx="0">
+            <a:schemeClr val="accent1"/>
+          </a:effectRef>
+          <a:fontRef idx="minor">
+            <a:schemeClr val="lt1"/>
+          </a:fontRef>
+        </p:style>
+        <p:txBody>
+          <a:bodyPr rtlCol="0" anchor="ctr"/>
+          <a:lstStyle/>
+          <a:p>
+            <a:pPr algn="ctr"/>
+            <a:endParaRPr kumimoji="1" lang="ja-JP" altLang="en-US"/>
+          </a:p>
+        </p:txBody>
+      </p:sp>
+      <p:sp>
+        <p:nvSpPr>
+          <p:cNvPr id="11" name="テキスト ボックス 10">
+            <a:extLst>
+              <a:ext uri="{FF2B5EF4-FFF2-40B4-BE49-F238E27FC236}">
+                <a16:creationId xmlns:a16="http://schemas.microsoft.com/office/drawing/2014/main" id="{51C701E2-E2A4-0BDB-048A-CB83C4F90A4A}"/>
+              </a:ext>
+            </a:extLst>
+          </p:cNvPr>
+          <p:cNvSpPr txBox="1"/>
+          <p:nvPr/>
+        </p:nvSpPr>
+        <p:spPr>
+          <a:xfrm>
+            <a:off x="4572000" y="3789040"/>
+            <a:ext cx="415498" cy="369332"/>
+          </a:xfrm>
+          <a:prstGeom prst="rect">
+            <a:avLst/>
+          </a:prstGeom>
+          <a:solidFill>
+            <a:schemeClr val="bg1"/>
+          </a:solidFill>
+        </p:spPr>
+        <p:txBody>
+          <a:bodyPr wrap="none" rtlCol="0">
+            <a:spAutoFit/>
+          </a:bodyPr>
+          <a:lstStyle/>
+          <a:p>
+            <a:r>
+              <a:rPr kumimoji="1" lang="ja-JP" altLang="en-US"/>
+              <a:t>水</a:t>
+            </a:r>
+          </a:p>
+        </p:txBody>
+      </p:sp>
+      <p:sp>
+        <p:nvSpPr>
+          <p:cNvPr id="12" name="テキスト ボックス 11">
+            <a:extLst>
+              <a:ext uri="{FF2B5EF4-FFF2-40B4-BE49-F238E27FC236}">
+                <a16:creationId xmlns:a16="http://schemas.microsoft.com/office/drawing/2014/main" id="{7AD5BB02-BDBC-D383-C993-2885093925F5}"/>
+              </a:ext>
+            </a:extLst>
+          </p:cNvPr>
+          <p:cNvSpPr txBox="1"/>
+          <p:nvPr/>
+        </p:nvSpPr>
+        <p:spPr>
+          <a:xfrm>
+            <a:off x="4355976" y="2708920"/>
+            <a:ext cx="877163" cy="369332"/>
+          </a:xfrm>
+          <a:prstGeom prst="rect">
+            <a:avLst/>
+          </a:prstGeom>
+          <a:noFill/>
+        </p:spPr>
+        <p:txBody>
+          <a:bodyPr wrap="none" rtlCol="0">
+            <a:spAutoFit/>
+          </a:bodyPr>
+          <a:lstStyle/>
+          <a:p>
+            <a:r>
+              <a:rPr kumimoji="1" lang="ja-JP" altLang="en-US"/>
+              <a:t>水蒸気</a:t>
+            </a:r>
+          </a:p>
+        </p:txBody>
+      </p:sp>
+      <p:sp>
+        <p:nvSpPr>
+          <p:cNvPr id="13" name="正方形/長方形 12">
+            <a:extLst>
+              <a:ext uri="{FF2B5EF4-FFF2-40B4-BE49-F238E27FC236}">
+                <a16:creationId xmlns:a16="http://schemas.microsoft.com/office/drawing/2014/main" id="{4A487BF5-108A-D6ED-FF9E-0A3547683027}"/>
+              </a:ext>
+            </a:extLst>
+          </p:cNvPr>
+          <p:cNvSpPr/>
+          <p:nvPr/>
+        </p:nvSpPr>
+        <p:spPr>
+          <a:xfrm>
+            <a:off x="6948264" y="2348880"/>
+            <a:ext cx="1440160" cy="1512168"/>
+          </a:xfrm>
+          <a:prstGeom prst="rect">
+            <a:avLst/>
+          </a:prstGeom>
+          <a:solidFill>
+            <a:schemeClr val="accent2">
+              <a:lumMod val="40000"/>
+              <a:lumOff val="60000"/>
+            </a:schemeClr>
+          </a:solidFill>
+          <a:ln>
+            <a:solidFill>
+              <a:schemeClr val="tx1"/>
+            </a:solidFill>
+          </a:ln>
+        </p:spPr>
+        <p:style>
+          <a:lnRef idx="2">
+            <a:schemeClr val="accent1">
+              <a:shade val="50000"/>
+            </a:schemeClr>
+          </a:lnRef>
+          <a:fillRef idx="1">
+            <a:schemeClr val="accent1"/>
+          </a:fillRef>
+          <a:effectRef idx="0">
+            <a:schemeClr val="accent1"/>
+          </a:effectRef>
+          <a:fontRef idx="minor">
+            <a:schemeClr val="lt1"/>
+          </a:fontRef>
+        </p:style>
+        <p:txBody>
+          <a:bodyPr rtlCol="0" anchor="ctr"/>
+          <a:lstStyle/>
+          <a:p>
+            <a:pPr algn="ctr"/>
+            <a:endParaRPr kumimoji="1" lang="ja-JP" altLang="en-US"/>
+          </a:p>
+        </p:txBody>
+      </p:sp>
+      <p:sp>
+        <p:nvSpPr>
+          <p:cNvPr id="14" name="正方形/長方形 13">
+            <a:extLst>
+              <a:ext uri="{FF2B5EF4-FFF2-40B4-BE49-F238E27FC236}">
+                <a16:creationId xmlns:a16="http://schemas.microsoft.com/office/drawing/2014/main" id="{43BFC551-0F14-352B-D9F9-04FCBDC7C0D7}"/>
+              </a:ext>
+            </a:extLst>
+          </p:cNvPr>
+          <p:cNvSpPr/>
+          <p:nvPr/>
+        </p:nvSpPr>
+        <p:spPr>
+          <a:xfrm>
+            <a:off x="6948264" y="2348880"/>
+            <a:ext cx="1440160" cy="2160240"/>
+          </a:xfrm>
+          <a:prstGeom prst="rect">
+            <a:avLst/>
+          </a:prstGeom>
+          <a:noFill/>
+          <a:ln w="38100">
+            <a:solidFill>
+              <a:schemeClr val="tx1"/>
+            </a:solidFill>
+          </a:ln>
+        </p:spPr>
+        <p:style>
+          <a:lnRef idx="2">
+            <a:schemeClr val="accent1">
+              <a:shade val="50000"/>
+            </a:schemeClr>
+          </a:lnRef>
+          <a:fillRef idx="1">
+            <a:schemeClr val="accent1"/>
+          </a:fillRef>
+          <a:effectRef idx="0">
+            <a:schemeClr val="accent1"/>
+          </a:effectRef>
+          <a:fontRef idx="minor">
+            <a:schemeClr val="lt1"/>
+          </a:fontRef>
+        </p:style>
+        <p:txBody>
+          <a:bodyPr rtlCol="0" anchor="ctr"/>
+          <a:lstStyle/>
+          <a:p>
+            <a:pPr algn="ctr"/>
+            <a:endParaRPr kumimoji="1" lang="ja-JP" altLang="en-US"/>
+          </a:p>
+        </p:txBody>
+      </p:sp>
+      <p:sp>
+        <p:nvSpPr>
+          <p:cNvPr id="15" name="正方形/長方形 14">
+            <a:extLst>
+              <a:ext uri="{FF2B5EF4-FFF2-40B4-BE49-F238E27FC236}">
+                <a16:creationId xmlns:a16="http://schemas.microsoft.com/office/drawing/2014/main" id="{51E225E3-7198-F6A1-5B18-F8971031A98D}"/>
+              </a:ext>
+            </a:extLst>
+          </p:cNvPr>
+          <p:cNvSpPr/>
+          <p:nvPr/>
+        </p:nvSpPr>
+        <p:spPr>
+          <a:xfrm>
+            <a:off x="6948264" y="3861048"/>
+            <a:ext cx="1440160" cy="648072"/>
+          </a:xfrm>
+          <a:prstGeom prst="rect">
+            <a:avLst/>
+          </a:prstGeom>
+          <a:solidFill>
+            <a:srgbClr val="011893"/>
+          </a:solidFill>
+          <a:ln>
+            <a:solidFill>
+              <a:schemeClr val="tx1"/>
+            </a:solidFill>
+          </a:ln>
+        </p:spPr>
+        <p:style>
+          <a:lnRef idx="2">
+            <a:schemeClr val="accent1">
+              <a:shade val="50000"/>
+            </a:schemeClr>
+          </a:lnRef>
+          <a:fillRef idx="1">
+            <a:schemeClr val="accent1"/>
+          </a:fillRef>
+          <a:effectRef idx="0">
+            <a:schemeClr val="accent1"/>
+          </a:effectRef>
+          <a:fontRef idx="minor">
+            <a:schemeClr val="lt1"/>
+          </a:fontRef>
+        </p:style>
+        <p:txBody>
+          <a:bodyPr rtlCol="0" anchor="ctr"/>
+          <a:lstStyle/>
+          <a:p>
+            <a:pPr algn="ctr"/>
+            <a:endParaRPr kumimoji="1" lang="ja-JP" altLang="en-US"/>
+          </a:p>
+        </p:txBody>
+      </p:sp>
+      <p:sp>
+        <p:nvSpPr>
+          <p:cNvPr id="16" name="テキスト ボックス 15">
+            <a:extLst>
+              <a:ext uri="{FF2B5EF4-FFF2-40B4-BE49-F238E27FC236}">
+                <a16:creationId xmlns:a16="http://schemas.microsoft.com/office/drawing/2014/main" id="{198C2920-BA6D-0018-B82D-F26B65AF01EF}"/>
+              </a:ext>
+            </a:extLst>
+          </p:cNvPr>
+          <p:cNvSpPr txBox="1"/>
+          <p:nvPr/>
+        </p:nvSpPr>
+        <p:spPr>
+          <a:xfrm>
+            <a:off x="7452320" y="3995772"/>
+            <a:ext cx="415498" cy="369332"/>
+          </a:xfrm>
+          <a:prstGeom prst="rect">
+            <a:avLst/>
+          </a:prstGeom>
+          <a:solidFill>
+            <a:schemeClr val="bg1"/>
+          </a:solidFill>
+        </p:spPr>
+        <p:txBody>
+          <a:bodyPr wrap="none" rtlCol="0">
+            <a:spAutoFit/>
+          </a:bodyPr>
+          <a:lstStyle/>
+          <a:p>
+            <a:r>
+              <a:rPr kumimoji="1" lang="ja-JP" altLang="en-US"/>
+              <a:t>水</a:t>
+            </a:r>
+          </a:p>
+        </p:txBody>
+      </p:sp>
+      <p:sp>
+        <p:nvSpPr>
+          <p:cNvPr id="17" name="テキスト ボックス 16">
+            <a:extLst>
+              <a:ext uri="{FF2B5EF4-FFF2-40B4-BE49-F238E27FC236}">
+                <a16:creationId xmlns:a16="http://schemas.microsoft.com/office/drawing/2014/main" id="{A1FB6F21-9C96-1A9C-900D-279916CAED09}"/>
+              </a:ext>
+            </a:extLst>
+          </p:cNvPr>
+          <p:cNvSpPr txBox="1"/>
+          <p:nvPr/>
+        </p:nvSpPr>
+        <p:spPr>
+          <a:xfrm>
+            <a:off x="7236296" y="2708920"/>
+            <a:ext cx="877163" cy="369332"/>
+          </a:xfrm>
+          <a:prstGeom prst="rect">
+            <a:avLst/>
+          </a:prstGeom>
+          <a:noFill/>
+        </p:spPr>
+        <p:txBody>
+          <a:bodyPr wrap="none" rtlCol="0">
+            <a:spAutoFit/>
+          </a:bodyPr>
+          <a:lstStyle/>
+          <a:p>
+            <a:r>
+              <a:rPr kumimoji="1" lang="ja-JP" altLang="en-US"/>
+              <a:t>水蒸気</a:t>
+            </a:r>
+          </a:p>
+        </p:txBody>
+      </p:sp>
+      <p:sp>
+        <p:nvSpPr>
+          <p:cNvPr id="18" name="テキスト ボックス 17">
+            <a:extLst>
+              <a:ext uri="{FF2B5EF4-FFF2-40B4-BE49-F238E27FC236}">
+                <a16:creationId xmlns:a16="http://schemas.microsoft.com/office/drawing/2014/main" id="{9332E24E-3B31-6307-6806-63390C5BF3F2}"/>
+              </a:ext>
+            </a:extLst>
+          </p:cNvPr>
+          <p:cNvSpPr txBox="1"/>
+          <p:nvPr/>
+        </p:nvSpPr>
+        <p:spPr>
+          <a:xfrm>
+            <a:off x="683568" y="1412776"/>
+            <a:ext cx="1980029" cy="523220"/>
+          </a:xfrm>
+          <a:prstGeom prst="rect">
+            <a:avLst/>
+          </a:prstGeom>
+          <a:noFill/>
+        </p:spPr>
+        <p:txBody>
+          <a:bodyPr wrap="none" rtlCol="0">
+            <a:spAutoFit/>
+          </a:bodyPr>
+          <a:lstStyle/>
+          <a:p>
+            <a:r>
+              <a:rPr lang="ja-JP" altLang="en-US" sz="2800"/>
+              <a:t>圧力が低い</a:t>
+            </a:r>
+            <a:endParaRPr lang="en-US" altLang="ja-JP" sz="2800"/>
+          </a:p>
+        </p:txBody>
+      </p:sp>
+      <p:sp>
+        <p:nvSpPr>
+          <p:cNvPr id="19" name="テキスト ボックス 18">
+            <a:extLst>
+              <a:ext uri="{FF2B5EF4-FFF2-40B4-BE49-F238E27FC236}">
+                <a16:creationId xmlns:a16="http://schemas.microsoft.com/office/drawing/2014/main" id="{859E004C-2359-22E9-827D-02F6AB7700FA}"/>
+              </a:ext>
+            </a:extLst>
+          </p:cNvPr>
+          <p:cNvSpPr txBox="1"/>
+          <p:nvPr/>
+        </p:nvSpPr>
+        <p:spPr>
+          <a:xfrm>
+            <a:off x="3851920" y="1268760"/>
+            <a:ext cx="2339102" cy="954107"/>
+          </a:xfrm>
+          <a:prstGeom prst="rect">
+            <a:avLst/>
+          </a:prstGeom>
+          <a:noFill/>
+        </p:spPr>
+        <p:txBody>
+          <a:bodyPr wrap="none" rtlCol="0">
+            <a:spAutoFit/>
+          </a:bodyPr>
+          <a:lstStyle/>
+          <a:p>
+            <a:r>
+              <a:rPr lang="ja-JP" altLang="en-US" sz="2800"/>
+              <a:t>圧力が</a:t>
+            </a:r>
+            <a:endParaRPr lang="en-US" altLang="ja-JP" sz="2800"/>
+          </a:p>
+          <a:p>
+            <a:r>
+              <a:rPr lang="ja-JP" altLang="en-US" sz="2800"/>
+              <a:t>ちょうど良い</a:t>
+            </a:r>
+            <a:endParaRPr lang="en-US" altLang="ja-JP" sz="2800"/>
+          </a:p>
+        </p:txBody>
+      </p:sp>
+      <p:sp>
+        <p:nvSpPr>
+          <p:cNvPr id="20" name="テキスト ボックス 19">
+            <a:extLst>
+              <a:ext uri="{FF2B5EF4-FFF2-40B4-BE49-F238E27FC236}">
+                <a16:creationId xmlns:a16="http://schemas.microsoft.com/office/drawing/2014/main" id="{C1D7F103-7D79-626F-5215-005060656E88}"/>
+              </a:ext>
+            </a:extLst>
+          </p:cNvPr>
+          <p:cNvSpPr txBox="1"/>
+          <p:nvPr/>
+        </p:nvSpPr>
+        <p:spPr>
+          <a:xfrm>
+            <a:off x="6732240" y="1249596"/>
+            <a:ext cx="1980029" cy="523220"/>
+          </a:xfrm>
+          <a:prstGeom prst="rect">
+            <a:avLst/>
+          </a:prstGeom>
+          <a:noFill/>
+        </p:spPr>
+        <p:txBody>
+          <a:bodyPr wrap="none" rtlCol="0">
+            <a:spAutoFit/>
+          </a:bodyPr>
+          <a:lstStyle/>
+          <a:p>
+            <a:r>
+              <a:rPr lang="ja-JP" altLang="en-US" sz="2800"/>
+              <a:t>圧力が高い</a:t>
+            </a:r>
+            <a:endParaRPr lang="en-US" altLang="ja-JP" sz="2800"/>
+          </a:p>
+        </p:txBody>
+      </p:sp>
+      <p:cxnSp>
+        <p:nvCxnSpPr>
+          <p:cNvPr id="21" name="直線矢印コネクタ 20">
+            <a:extLst>
+              <a:ext uri="{FF2B5EF4-FFF2-40B4-BE49-F238E27FC236}">
+                <a16:creationId xmlns:a16="http://schemas.microsoft.com/office/drawing/2014/main" id="{FFD168F9-52F2-7005-41C7-175F59C966C1}"/>
+              </a:ext>
+            </a:extLst>
+          </p:cNvPr>
+          <p:cNvCxnSpPr/>
+          <p:nvPr/>
+        </p:nvCxnSpPr>
+        <p:spPr>
+          <a:xfrm>
+            <a:off x="2699792" y="3429000"/>
+            <a:ext cx="1008112" cy="0"/>
+          </a:xfrm>
+          <a:prstGeom prst="straightConnector1">
+            <a:avLst/>
+          </a:prstGeom>
+          <a:ln>
+            <a:solidFill>
+              <a:schemeClr val="tx1"/>
+            </a:solidFill>
+            <a:headEnd type="none" w="med" len="med"/>
+            <a:tailEnd type="triangle"/>
+          </a:ln>
+        </p:spPr>
+        <p:style>
+          <a:lnRef idx="1">
+            <a:schemeClr val="accent1"/>
+          </a:lnRef>
+          <a:fillRef idx="0">
+            <a:schemeClr val="accent1"/>
+          </a:fillRef>
+          <a:effectRef idx="0">
+            <a:schemeClr val="accent1"/>
+          </a:effectRef>
+          <a:fontRef idx="minor">
+            <a:schemeClr val="tx1"/>
+          </a:fontRef>
+        </p:style>
+      </p:cxnSp>
+      <p:sp>
+        <p:nvSpPr>
+          <p:cNvPr id="22" name="テキスト ボックス 21">
+            <a:extLst>
+              <a:ext uri="{FF2B5EF4-FFF2-40B4-BE49-F238E27FC236}">
+                <a16:creationId xmlns:a16="http://schemas.microsoft.com/office/drawing/2014/main" id="{2D0C1E95-B8E9-535F-29F9-4C5DC04B4994}"/>
+              </a:ext>
+            </a:extLst>
+          </p:cNvPr>
+          <p:cNvSpPr txBox="1"/>
+          <p:nvPr/>
+        </p:nvSpPr>
+        <p:spPr>
+          <a:xfrm>
+            <a:off x="2771800" y="2638653"/>
+            <a:ext cx="877163" cy="646331"/>
+          </a:xfrm>
+          <a:prstGeom prst="rect">
+            <a:avLst/>
+          </a:prstGeom>
+          <a:noFill/>
+        </p:spPr>
+        <p:txBody>
+          <a:bodyPr wrap="none" rtlCol="0">
+            <a:spAutoFit/>
+          </a:bodyPr>
+          <a:lstStyle/>
+          <a:p>
+            <a:r>
+              <a:rPr kumimoji="1" lang="ja-JP" altLang="en-US"/>
+              <a:t>もっと</a:t>
+            </a:r>
+            <a:endParaRPr kumimoji="1" lang="en-US" altLang="ja-JP"/>
+          </a:p>
+          <a:p>
+            <a:r>
+              <a:rPr lang="ja-JP" altLang="en-US"/>
+              <a:t>蒸発</a:t>
+            </a:r>
+            <a:endParaRPr kumimoji="1" lang="ja-JP" altLang="en-US"/>
+          </a:p>
+        </p:txBody>
+      </p:sp>
+      <p:cxnSp>
+        <p:nvCxnSpPr>
+          <p:cNvPr id="23" name="直線矢印コネクタ 22">
+            <a:extLst>
+              <a:ext uri="{FF2B5EF4-FFF2-40B4-BE49-F238E27FC236}">
+                <a16:creationId xmlns:a16="http://schemas.microsoft.com/office/drawing/2014/main" id="{C392EA22-30E9-51B9-7697-A88C6802A337}"/>
+              </a:ext>
+            </a:extLst>
+          </p:cNvPr>
+          <p:cNvCxnSpPr/>
+          <p:nvPr/>
+        </p:nvCxnSpPr>
+        <p:spPr>
+          <a:xfrm>
+            <a:off x="5724128" y="3356992"/>
+            <a:ext cx="1008112" cy="0"/>
+          </a:xfrm>
+          <a:prstGeom prst="straightConnector1">
+            <a:avLst/>
+          </a:prstGeom>
+          <a:ln>
+            <a:solidFill>
+              <a:schemeClr val="tx1"/>
+            </a:solidFill>
+            <a:headEnd type="none" w="med" len="med"/>
+            <a:tailEnd type="triangle"/>
+          </a:ln>
+        </p:spPr>
+        <p:style>
+          <a:lnRef idx="1">
+            <a:schemeClr val="accent1"/>
+          </a:lnRef>
+          <a:fillRef idx="0">
+            <a:schemeClr val="accent1"/>
+          </a:fillRef>
+          <a:effectRef idx="0">
+            <a:schemeClr val="accent1"/>
+          </a:effectRef>
+          <a:fontRef idx="minor">
+            <a:schemeClr val="tx1"/>
+          </a:fontRef>
+        </p:style>
+      </p:cxnSp>
+      <p:sp>
+        <p:nvSpPr>
+          <p:cNvPr id="24" name="テキスト ボックス 23">
+            <a:extLst>
+              <a:ext uri="{FF2B5EF4-FFF2-40B4-BE49-F238E27FC236}">
+                <a16:creationId xmlns:a16="http://schemas.microsoft.com/office/drawing/2014/main" id="{BC660EFE-FC1E-E001-19BD-A746A9030A7D}"/>
+              </a:ext>
+            </a:extLst>
+          </p:cNvPr>
+          <p:cNvSpPr txBox="1"/>
+          <p:nvPr/>
+        </p:nvSpPr>
+        <p:spPr>
+          <a:xfrm>
+            <a:off x="5796136" y="2566645"/>
+            <a:ext cx="877163" cy="646331"/>
+          </a:xfrm>
+          <a:prstGeom prst="rect">
+            <a:avLst/>
+          </a:prstGeom>
+          <a:noFill/>
+        </p:spPr>
+        <p:txBody>
+          <a:bodyPr wrap="none" rtlCol="0">
+            <a:spAutoFit/>
+          </a:bodyPr>
+          <a:lstStyle/>
+          <a:p>
+            <a:r>
+              <a:rPr kumimoji="1" lang="ja-JP" altLang="en-US"/>
+              <a:t>もっと</a:t>
+            </a:r>
+            <a:endParaRPr kumimoji="1" lang="en-US" altLang="ja-JP"/>
+          </a:p>
+          <a:p>
+            <a:r>
+              <a:rPr lang="ja-JP" altLang="en-US"/>
+              <a:t>蒸発</a:t>
+            </a:r>
+            <a:endParaRPr kumimoji="1" lang="ja-JP" altLang="en-US"/>
+          </a:p>
+        </p:txBody>
+      </p:sp>
+      <mc:AlternateContent xmlns:mc="http://schemas.openxmlformats.org/markup-compatibility/2006">
+        <mc:Choice xmlns:a14="http://schemas.microsoft.com/office/drawing/2010/main" Requires="a14">
+          <p:sp>
+            <p:nvSpPr>
+              <p:cNvPr id="25" name="テキスト ボックス 24">
+                <a:extLst>
+                  <a:ext uri="{FF2B5EF4-FFF2-40B4-BE49-F238E27FC236}">
+                    <a16:creationId xmlns:a16="http://schemas.microsoft.com/office/drawing/2014/main" id="{4ECC11A3-AA11-C0A4-79FC-4D734FBB71C2}"/>
+                  </a:ext>
+                </a:extLst>
+              </p:cNvPr>
+              <p:cNvSpPr txBox="1"/>
+              <p:nvPr/>
+            </p:nvSpPr>
+            <p:spPr>
+              <a:xfrm>
+                <a:off x="899592" y="4725144"/>
+                <a:ext cx="1703672" cy="553998"/>
+              </a:xfrm>
+              <a:prstGeom prst="rect">
+                <a:avLst/>
+              </a:prstGeom>
+              <a:noFill/>
+            </p:spPr>
+            <p:txBody>
+              <a:bodyPr wrap="none" lIns="0" tIns="0" rIns="0" bIns="0" rtlCol="0">
+                <a:spAutoFit/>
+              </a:bodyPr>
+              <a:lstStyle/>
+              <a:p>
+                <a14:m>
+                  <m:oMathPara xmlns:m="http://schemas.openxmlformats.org/officeDocument/2006/math">
+                    <m:oMathParaPr>
+                      <m:jc m:val="centerGroup"/>
+                    </m:oMathParaPr>
+                    <m:oMath xmlns:m="http://schemas.openxmlformats.org/officeDocument/2006/math">
+                      <m:sSub>
+                        <m:sSubPr>
+                          <m:ctrlPr>
+                            <a:rPr kumimoji="1" lang="en-US" altLang="ja-JP" sz="3600" b="0" i="1" smtClean="0">
+                              <a:latin typeface="Cambria Math" panose="02040503050406030204" pitchFamily="18" charset="0"/>
+                            </a:rPr>
+                          </m:ctrlPr>
+                        </m:sSubPr>
+                        <m:e>
+                          <m:r>
+                            <a:rPr kumimoji="1" lang="en-US" altLang="ja-JP" sz="3600" b="0" i="1" smtClean="0">
+                              <a:latin typeface="Cambria Math" panose="02040503050406030204" pitchFamily="18" charset="0"/>
+                            </a:rPr>
+                            <m:t>𝜇</m:t>
+                          </m:r>
+                        </m:e>
+                        <m:sub>
+                          <m:r>
+                            <a:rPr kumimoji="1" lang="en-US" altLang="ja-JP" sz="3600" b="0" i="1" smtClean="0">
+                              <a:latin typeface="Cambria Math" panose="02040503050406030204" pitchFamily="18" charset="0"/>
+                            </a:rPr>
+                            <m:t>𝐺</m:t>
+                          </m:r>
+                        </m:sub>
+                      </m:sSub>
+                      <m:r>
+                        <a:rPr kumimoji="1" lang="en-US" altLang="ja-JP" sz="3600" b="0" i="1" smtClean="0">
+                          <a:latin typeface="Cambria Math" panose="02040503050406030204" pitchFamily="18" charset="0"/>
+                        </a:rPr>
+                        <m:t>&lt;</m:t>
+                      </m:r>
+                      <m:sSub>
+                        <m:sSubPr>
+                          <m:ctrlPr>
+                            <a:rPr kumimoji="1" lang="en-US" altLang="ja-JP" sz="3600" b="0" i="1" smtClean="0">
+                              <a:latin typeface="Cambria Math" panose="02040503050406030204" pitchFamily="18" charset="0"/>
+                            </a:rPr>
+                          </m:ctrlPr>
+                        </m:sSubPr>
+                        <m:e>
+                          <m:r>
+                            <a:rPr kumimoji="1" lang="en-US" altLang="ja-JP" sz="3600" b="0" i="1" smtClean="0">
+                              <a:latin typeface="Cambria Math" panose="02040503050406030204" pitchFamily="18" charset="0"/>
+                            </a:rPr>
+                            <m:t>𝜇</m:t>
+                          </m:r>
+                        </m:e>
+                        <m:sub>
+                          <m:r>
+                            <a:rPr kumimoji="1" lang="en-US" altLang="ja-JP" sz="3600" b="0" i="1" smtClean="0">
+                              <a:latin typeface="Cambria Math" panose="02040503050406030204" pitchFamily="18" charset="0"/>
+                            </a:rPr>
+                            <m:t>𝐿</m:t>
+                          </m:r>
+                        </m:sub>
+                      </m:sSub>
+                    </m:oMath>
+                  </m:oMathPara>
+                </a14:m>
+                <a:endParaRPr kumimoji="1" lang="ja-JP" altLang="en-US" sz="3600"/>
+              </a:p>
+            </p:txBody>
+          </p:sp>
+        </mc:Choice>
+        <mc:Fallback>
+          <p:sp>
+            <p:nvSpPr>
+              <p:cNvPr id="25" name="テキスト ボックス 24">
+                <a:extLst>
+                  <a:ext uri="{FF2B5EF4-FFF2-40B4-BE49-F238E27FC236}">
+                    <a16:creationId xmlns:a16="http://schemas.microsoft.com/office/drawing/2014/main" id="{4ECC11A3-AA11-C0A4-79FC-4D734FBB71C2}"/>
+                  </a:ext>
+                </a:extLst>
+              </p:cNvPr>
+              <p:cNvSpPr txBox="1">
+                <a:spLocks noRot="1" noChangeAspect="1" noMove="1" noResize="1" noEditPoints="1" noAdjustHandles="1" noChangeArrowheads="1" noChangeShapeType="1" noTextEdit="1"/>
+              </p:cNvSpPr>
+              <p:nvPr/>
+            </p:nvSpPr>
+            <p:spPr>
+              <a:xfrm>
+                <a:off x="899592" y="4725144"/>
+                <a:ext cx="1703672" cy="553998"/>
+              </a:xfrm>
+              <a:prstGeom prst="rect">
+                <a:avLst/>
+              </a:prstGeom>
+              <a:blipFill>
+                <a:blip r:embed="rId2"/>
+                <a:stretch>
+                  <a:fillRect/>
+                </a:stretch>
+              </a:blipFill>
+            </p:spPr>
+            <p:txBody>
+              <a:bodyPr/>
+              <a:lstStyle/>
+              <a:p>
+                <a:r>
+                  <a:rPr lang="ja-JP" altLang="en-US">
+                    <a:noFill/>
+                  </a:rPr>
+                  <a:t> </a:t>
+                </a:r>
+              </a:p>
+            </p:txBody>
+          </p:sp>
+        </mc:Fallback>
+      </mc:AlternateContent>
+      <mc:AlternateContent xmlns:mc="http://schemas.openxmlformats.org/markup-compatibility/2006">
+        <mc:Choice xmlns:a14="http://schemas.microsoft.com/office/drawing/2010/main" Requires="a14">
+          <p:sp>
+            <p:nvSpPr>
+              <p:cNvPr id="26" name="テキスト ボックス 25">
+                <a:extLst>
+                  <a:ext uri="{FF2B5EF4-FFF2-40B4-BE49-F238E27FC236}">
+                    <a16:creationId xmlns:a16="http://schemas.microsoft.com/office/drawing/2014/main" id="{1F8CEB00-2BBD-CCBE-D4F7-9FA400C98B8A}"/>
+                  </a:ext>
+                </a:extLst>
+              </p:cNvPr>
+              <p:cNvSpPr txBox="1"/>
+              <p:nvPr/>
+            </p:nvSpPr>
+            <p:spPr>
+              <a:xfrm>
+                <a:off x="3995936" y="4725144"/>
+                <a:ext cx="1703672" cy="553998"/>
+              </a:xfrm>
+              <a:prstGeom prst="rect">
+                <a:avLst/>
+              </a:prstGeom>
+              <a:noFill/>
+            </p:spPr>
+            <p:txBody>
+              <a:bodyPr wrap="none" lIns="0" tIns="0" rIns="0" bIns="0" rtlCol="0">
+                <a:spAutoFit/>
+              </a:bodyPr>
+              <a:lstStyle/>
+              <a:p>
+                <a14:m>
+                  <m:oMathPara xmlns:m="http://schemas.openxmlformats.org/officeDocument/2006/math">
+                    <m:oMathParaPr>
+                      <m:jc m:val="centerGroup"/>
+                    </m:oMathParaPr>
+                    <m:oMath xmlns:m="http://schemas.openxmlformats.org/officeDocument/2006/math">
+                      <m:sSub>
+                        <m:sSubPr>
+                          <m:ctrlPr>
+                            <a:rPr kumimoji="1" lang="en-US" altLang="ja-JP" sz="3600" b="0" i="1" smtClean="0">
+                              <a:latin typeface="Cambria Math" panose="02040503050406030204" pitchFamily="18" charset="0"/>
+                            </a:rPr>
+                          </m:ctrlPr>
+                        </m:sSubPr>
+                        <m:e>
+                          <m:r>
+                            <a:rPr kumimoji="1" lang="en-US" altLang="ja-JP" sz="3600" b="0" i="1" smtClean="0">
+                              <a:latin typeface="Cambria Math" panose="02040503050406030204" pitchFamily="18" charset="0"/>
+                            </a:rPr>
+                            <m:t>𝜇</m:t>
+                          </m:r>
+                        </m:e>
+                        <m:sub>
+                          <m:r>
+                            <a:rPr kumimoji="1" lang="en-US" altLang="ja-JP" sz="3600" b="0" i="1" smtClean="0">
+                              <a:latin typeface="Cambria Math" panose="02040503050406030204" pitchFamily="18" charset="0"/>
+                            </a:rPr>
+                            <m:t>𝐺</m:t>
+                          </m:r>
+                        </m:sub>
+                      </m:sSub>
+                      <m:r>
+                        <a:rPr kumimoji="1" lang="en-US" altLang="ja-JP" sz="3600" b="0" i="1" smtClean="0">
+                          <a:latin typeface="Cambria Math" panose="02040503050406030204" pitchFamily="18" charset="0"/>
+                        </a:rPr>
+                        <m:t>=</m:t>
+                      </m:r>
+                      <m:sSub>
+                        <m:sSubPr>
+                          <m:ctrlPr>
+                            <a:rPr kumimoji="1" lang="en-US" altLang="ja-JP" sz="3600" b="0" i="1" smtClean="0">
+                              <a:latin typeface="Cambria Math" panose="02040503050406030204" pitchFamily="18" charset="0"/>
+                            </a:rPr>
+                          </m:ctrlPr>
+                        </m:sSubPr>
+                        <m:e>
+                          <m:r>
+                            <a:rPr kumimoji="1" lang="en-US" altLang="ja-JP" sz="3600" b="0" i="1" smtClean="0">
+                              <a:latin typeface="Cambria Math" panose="02040503050406030204" pitchFamily="18" charset="0"/>
+                            </a:rPr>
+                            <m:t>𝜇</m:t>
+                          </m:r>
+                        </m:e>
+                        <m:sub>
+                          <m:r>
+                            <a:rPr kumimoji="1" lang="en-US" altLang="ja-JP" sz="3600" b="0" i="1" smtClean="0">
+                              <a:latin typeface="Cambria Math" panose="02040503050406030204" pitchFamily="18" charset="0"/>
+                            </a:rPr>
+                            <m:t>𝐿</m:t>
+                          </m:r>
+                        </m:sub>
+                      </m:sSub>
+                    </m:oMath>
+                  </m:oMathPara>
+                </a14:m>
+                <a:endParaRPr kumimoji="1" lang="ja-JP" altLang="en-US" sz="3600"/>
+              </a:p>
+            </p:txBody>
+          </p:sp>
+        </mc:Choice>
+        <mc:Fallback>
+          <p:sp>
+            <p:nvSpPr>
+              <p:cNvPr id="26" name="テキスト ボックス 25">
+                <a:extLst>
+                  <a:ext uri="{FF2B5EF4-FFF2-40B4-BE49-F238E27FC236}">
+                    <a16:creationId xmlns:a16="http://schemas.microsoft.com/office/drawing/2014/main" id="{1F8CEB00-2BBD-CCBE-D4F7-9FA400C98B8A}"/>
+                  </a:ext>
+                </a:extLst>
+              </p:cNvPr>
+              <p:cNvSpPr txBox="1">
+                <a:spLocks noRot="1" noChangeAspect="1" noMove="1" noResize="1" noEditPoints="1" noAdjustHandles="1" noChangeArrowheads="1" noChangeShapeType="1" noTextEdit="1"/>
+              </p:cNvSpPr>
+              <p:nvPr/>
+            </p:nvSpPr>
+            <p:spPr>
+              <a:xfrm>
+                <a:off x="3995936" y="4725144"/>
+                <a:ext cx="1703672" cy="553998"/>
+              </a:xfrm>
+              <a:prstGeom prst="rect">
+                <a:avLst/>
+              </a:prstGeom>
+              <a:blipFill>
+                <a:blip r:embed="rId3"/>
+                <a:stretch>
+                  <a:fillRect/>
+                </a:stretch>
+              </a:blipFill>
+            </p:spPr>
+            <p:txBody>
+              <a:bodyPr/>
+              <a:lstStyle/>
+              <a:p>
+                <a:r>
+                  <a:rPr lang="ja-JP" altLang="en-US">
+                    <a:noFill/>
+                  </a:rPr>
+                  <a:t> </a:t>
+                </a:r>
+              </a:p>
+            </p:txBody>
+          </p:sp>
+        </mc:Fallback>
+      </mc:AlternateContent>
+      <mc:AlternateContent xmlns:mc="http://schemas.openxmlformats.org/markup-compatibility/2006">
+        <mc:Choice xmlns:a14="http://schemas.microsoft.com/office/drawing/2010/main" Requires="a14">
+          <p:sp>
+            <p:nvSpPr>
+              <p:cNvPr id="27" name="テキスト ボックス 26">
+                <a:extLst>
+                  <a:ext uri="{FF2B5EF4-FFF2-40B4-BE49-F238E27FC236}">
+                    <a16:creationId xmlns:a16="http://schemas.microsoft.com/office/drawing/2014/main" id="{B87542D8-58DD-BBA7-5630-4884C91B8D2A}"/>
+                  </a:ext>
+                </a:extLst>
+              </p:cNvPr>
+              <p:cNvSpPr txBox="1"/>
+              <p:nvPr/>
+            </p:nvSpPr>
+            <p:spPr>
+              <a:xfrm>
+                <a:off x="6876256" y="4797152"/>
+                <a:ext cx="1703672" cy="553998"/>
+              </a:xfrm>
+              <a:prstGeom prst="rect">
+                <a:avLst/>
+              </a:prstGeom>
+              <a:noFill/>
+            </p:spPr>
+            <p:txBody>
+              <a:bodyPr wrap="none" lIns="0" tIns="0" rIns="0" bIns="0" rtlCol="0">
+                <a:spAutoFit/>
+              </a:bodyPr>
+              <a:lstStyle/>
+              <a:p>
+                <a14:m>
+                  <m:oMathPara xmlns:m="http://schemas.openxmlformats.org/officeDocument/2006/math">
+                    <m:oMathParaPr>
+                      <m:jc m:val="centerGroup"/>
+                    </m:oMathParaPr>
+                    <m:oMath xmlns:m="http://schemas.openxmlformats.org/officeDocument/2006/math">
+                      <m:sSub>
+                        <m:sSubPr>
+                          <m:ctrlPr>
+                            <a:rPr kumimoji="1" lang="en-US" altLang="ja-JP" sz="3600" b="0" i="1" smtClean="0">
+                              <a:latin typeface="Cambria Math" panose="02040503050406030204" pitchFamily="18" charset="0"/>
+                            </a:rPr>
+                          </m:ctrlPr>
+                        </m:sSubPr>
+                        <m:e>
+                          <m:r>
+                            <a:rPr kumimoji="1" lang="en-US" altLang="ja-JP" sz="3600" b="0" i="1" smtClean="0">
+                              <a:latin typeface="Cambria Math" panose="02040503050406030204" pitchFamily="18" charset="0"/>
+                            </a:rPr>
+                            <m:t>𝜇</m:t>
+                          </m:r>
+                        </m:e>
+                        <m:sub>
+                          <m:r>
+                            <a:rPr kumimoji="1" lang="en-US" altLang="ja-JP" sz="3600" b="0" i="1" smtClean="0">
+                              <a:latin typeface="Cambria Math" panose="02040503050406030204" pitchFamily="18" charset="0"/>
+                            </a:rPr>
+                            <m:t>𝐺</m:t>
+                          </m:r>
+                        </m:sub>
+                      </m:sSub>
+                      <m:r>
+                        <a:rPr kumimoji="1" lang="en-US" altLang="ja-JP" sz="3600" b="0" i="1" smtClean="0">
+                          <a:latin typeface="Cambria Math" panose="02040503050406030204" pitchFamily="18" charset="0"/>
+                        </a:rPr>
+                        <m:t>&gt;</m:t>
+                      </m:r>
+                      <m:sSub>
+                        <m:sSubPr>
+                          <m:ctrlPr>
+                            <a:rPr kumimoji="1" lang="en-US" altLang="ja-JP" sz="3600" b="0" i="1" smtClean="0">
+                              <a:latin typeface="Cambria Math" panose="02040503050406030204" pitchFamily="18" charset="0"/>
+                            </a:rPr>
+                          </m:ctrlPr>
+                        </m:sSubPr>
+                        <m:e>
+                          <m:r>
+                            <a:rPr kumimoji="1" lang="en-US" altLang="ja-JP" sz="3600" b="0" i="1" smtClean="0">
+                              <a:latin typeface="Cambria Math" panose="02040503050406030204" pitchFamily="18" charset="0"/>
+                            </a:rPr>
+                            <m:t>𝜇</m:t>
+                          </m:r>
+                        </m:e>
+                        <m:sub>
+                          <m:r>
+                            <a:rPr kumimoji="1" lang="en-US" altLang="ja-JP" sz="3600" b="0" i="1" smtClean="0">
+                              <a:latin typeface="Cambria Math" panose="02040503050406030204" pitchFamily="18" charset="0"/>
+                            </a:rPr>
+                            <m:t>𝐿</m:t>
+                          </m:r>
+                        </m:sub>
+                      </m:sSub>
+                    </m:oMath>
+                  </m:oMathPara>
+                </a14:m>
+                <a:endParaRPr kumimoji="1" lang="ja-JP" altLang="en-US" sz="3600"/>
+              </a:p>
+            </p:txBody>
+          </p:sp>
+        </mc:Choice>
+        <mc:Fallback>
+          <p:sp>
+            <p:nvSpPr>
+              <p:cNvPr id="27" name="テキスト ボックス 26">
+                <a:extLst>
+                  <a:ext uri="{FF2B5EF4-FFF2-40B4-BE49-F238E27FC236}">
+                    <a16:creationId xmlns:a16="http://schemas.microsoft.com/office/drawing/2014/main" id="{B87542D8-58DD-BBA7-5630-4884C91B8D2A}"/>
+                  </a:ext>
+                </a:extLst>
+              </p:cNvPr>
+              <p:cNvSpPr txBox="1">
+                <a:spLocks noRot="1" noChangeAspect="1" noMove="1" noResize="1" noEditPoints="1" noAdjustHandles="1" noChangeArrowheads="1" noChangeShapeType="1" noTextEdit="1"/>
+              </p:cNvSpPr>
+              <p:nvPr/>
+            </p:nvSpPr>
+            <p:spPr>
+              <a:xfrm>
+                <a:off x="6876256" y="4797152"/>
+                <a:ext cx="1703672" cy="553998"/>
+              </a:xfrm>
+              <a:prstGeom prst="rect">
+                <a:avLst/>
+              </a:prstGeom>
+              <a:blipFill>
+                <a:blip r:embed="rId4"/>
+                <a:stretch>
+                  <a:fillRect/>
+                </a:stretch>
+              </a:blipFill>
+            </p:spPr>
+            <p:txBody>
+              <a:bodyPr/>
+              <a:lstStyle/>
+              <a:p>
+                <a:r>
+                  <a:rPr lang="ja-JP" altLang="en-US">
+                    <a:noFill/>
+                  </a:rPr>
+                  <a:t> </a:t>
+                </a:r>
+              </a:p>
+            </p:txBody>
+          </p:sp>
+        </mc:Fallback>
+      </mc:AlternateContent>
+      <p:sp>
+        <p:nvSpPr>
+          <p:cNvPr id="28" name="テキスト ボックス 27">
+            <a:extLst>
+              <a:ext uri="{FF2B5EF4-FFF2-40B4-BE49-F238E27FC236}">
+                <a16:creationId xmlns:a16="http://schemas.microsoft.com/office/drawing/2014/main" id="{6F918C0B-FD5C-2F31-D7BD-A6285D343628}"/>
+              </a:ext>
+            </a:extLst>
+          </p:cNvPr>
+          <p:cNvSpPr txBox="1"/>
+          <p:nvPr/>
+        </p:nvSpPr>
+        <p:spPr>
+          <a:xfrm>
+            <a:off x="683568" y="5805264"/>
+            <a:ext cx="6853158" cy="707886"/>
+          </a:xfrm>
+          <a:prstGeom prst="rect">
+            <a:avLst/>
+          </a:prstGeom>
+          <a:noFill/>
+        </p:spPr>
+        <p:txBody>
+          <a:bodyPr wrap="none" rtlCol="0">
+            <a:spAutoFit/>
+          </a:bodyPr>
+          <a:lstStyle/>
+          <a:p>
+            <a:r>
+              <a:rPr kumimoji="1" lang="ja-JP" altLang="en-US" sz="2000"/>
+              <a:t>圧力に依存して化学ポテンシャルが変化する</a:t>
+            </a:r>
+            <a:endParaRPr kumimoji="1" lang="en-US" altLang="ja-JP" sz="2000"/>
+          </a:p>
+          <a:p>
+            <a:r>
+              <a:rPr lang="ja-JP" altLang="en-US" sz="2000"/>
+              <a:t>どこかの圧力で液相と気相の化学ポテンシャルが釣り合う</a:t>
+            </a:r>
+            <a:endParaRPr kumimoji="1" lang="ja-JP" altLang="en-US" sz="2000"/>
+          </a:p>
+        </p:txBody>
+      </p:sp>
+    </p:spTree>
+    <p:extLst>
+      <p:ext uri="{BB962C8B-B14F-4D97-AF65-F5344CB8AC3E}">
+        <p14:creationId xmlns:p14="http://schemas.microsoft.com/office/powerpoint/2010/main" val="2946389138"/>
+      </p:ext>
+    </p:extLst>
+  </p:cSld>
+  <p:clrMapOvr>
+    <a:masterClrMapping/>
+  </p:clrMapOvr>
+</p:sld>
+</file>
+
+<file path=ppt/slides/slide24.xml><?xml version="1.0" encoding="utf-8"?>
+<p:sld xmlns:a="http://schemas.openxmlformats.org/drawingml/2006/main" xmlns:r="http://schemas.openxmlformats.org/officeDocument/2006/relationships" xmlns:p="http://schemas.openxmlformats.org/presentationml/2006/main">
+  <p:cSld>
+    <p:spTree>
+      <p:nvGrpSpPr>
+        <p:cNvPr id="1" name=""/>
+        <p:cNvGrpSpPr/>
+        <p:nvPr/>
+      </p:nvGrpSpPr>
+      <p:grpSpPr>
+        <a:xfrm>
+          <a:off x="0" y="0"/>
+          <a:ext cx="0" cy="0"/>
+          <a:chOff x="0" y="0"/>
+          <a:chExt cx="0" cy="0"/>
+        </a:xfrm>
+      </p:grpSpPr>
+      <p:sp>
+        <p:nvSpPr>
+          <p:cNvPr id="2" name="テキスト プレースホルダー 1">
+            <a:extLst>
+              <a:ext uri="{FF2B5EF4-FFF2-40B4-BE49-F238E27FC236}">
+                <a16:creationId xmlns:a16="http://schemas.microsoft.com/office/drawing/2014/main" id="{9360275A-8BFE-344F-70BD-B734F5D7771C}"/>
+              </a:ext>
+            </a:extLst>
+          </p:cNvPr>
+          <p:cNvSpPr>
+            <a:spLocks noGrp="1"/>
+          </p:cNvSpPr>
+          <p:nvPr>
+            <p:ph type="body" sz="quarter" idx="10"/>
+          </p:nvPr>
+        </p:nvSpPr>
+        <p:spPr/>
+        <p:txBody>
+          <a:bodyPr/>
+          <a:lstStyle/>
+          <a:p>
+            <a:r>
+              <a:rPr kumimoji="1" lang="ja-JP" altLang="en-US"/>
+              <a:t>化学ポテンシャル</a:t>
+            </a:r>
+          </a:p>
+        </p:txBody>
+      </p:sp>
+      <p:sp>
+        <p:nvSpPr>
+          <p:cNvPr id="3" name="フリーフォーム: 図形 2">
+            <a:extLst>
+              <a:ext uri="{FF2B5EF4-FFF2-40B4-BE49-F238E27FC236}">
+                <a16:creationId xmlns:a16="http://schemas.microsoft.com/office/drawing/2014/main" id="{9F6717F4-1C97-F8BA-723B-FD64E20F5FD7}"/>
+              </a:ext>
+            </a:extLst>
+          </p:cNvPr>
+          <p:cNvSpPr/>
+          <p:nvPr/>
+        </p:nvSpPr>
+        <p:spPr>
+          <a:xfrm>
+            <a:off x="1691680" y="2204864"/>
+            <a:ext cx="5517204" cy="2304256"/>
+          </a:xfrm>
+          <a:custGeom>
+            <a:avLst/>
+            <a:gdLst>
+              <a:gd name="connsiteX0" fmla="*/ 0 w 5373188"/>
+              <a:gd name="connsiteY0" fmla="*/ 2865120 h 2865120"/>
+              <a:gd name="connsiteX1" fmla="*/ 2299063 w 5373188"/>
+              <a:gd name="connsiteY1" fmla="*/ 853440 h 2865120"/>
+              <a:gd name="connsiteX2" fmla="*/ 5373188 w 5373188"/>
+              <a:gd name="connsiteY2" fmla="*/ 0 h 2865120"/>
+            </a:gdLst>
+            <a:ahLst/>
+            <a:cxnLst>
+              <a:cxn ang="0">
+                <a:pos x="connsiteX0" y="connsiteY0"/>
+              </a:cxn>
+              <a:cxn ang="0">
+                <a:pos x="connsiteX1" y="connsiteY1"/>
+              </a:cxn>
+              <a:cxn ang="0">
+                <a:pos x="connsiteX2" y="connsiteY2"/>
+              </a:cxn>
+            </a:cxnLst>
+            <a:rect l="l" t="t" r="r" b="b"/>
+            <a:pathLst>
+              <a:path w="5373188" h="2865120">
+                <a:moveTo>
+                  <a:pt x="0" y="2865120"/>
+                </a:moveTo>
+                <a:cubicBezTo>
+                  <a:pt x="701766" y="2098040"/>
+                  <a:pt x="1403532" y="1330960"/>
+                  <a:pt x="2299063" y="853440"/>
+                </a:cubicBezTo>
+                <a:cubicBezTo>
+                  <a:pt x="3194594" y="375920"/>
+                  <a:pt x="4283891" y="187960"/>
+                  <a:pt x="5373188" y="0"/>
+                </a:cubicBezTo>
+              </a:path>
+            </a:pathLst>
+          </a:custGeom>
+          <a:noFill/>
+          <a:ln w="28575">
+            <a:solidFill>
+              <a:srgbClr val="FF0000"/>
+            </a:solidFill>
+          </a:ln>
+        </p:spPr>
+        <p:style>
+          <a:lnRef idx="2">
+            <a:schemeClr val="accent1">
+              <a:shade val="50000"/>
+            </a:schemeClr>
+          </a:lnRef>
+          <a:fillRef idx="1">
+            <a:schemeClr val="accent1"/>
+          </a:fillRef>
+          <a:effectRef idx="0">
+            <a:schemeClr val="accent1"/>
+          </a:effectRef>
+          <a:fontRef idx="minor">
+            <a:schemeClr val="lt1"/>
+          </a:fontRef>
+        </p:style>
+        <p:txBody>
+          <a:bodyPr rtlCol="0" anchor="ctr"/>
+          <a:lstStyle/>
+          <a:p>
+            <a:pPr algn="ctr"/>
+            <a:endParaRPr kumimoji="1" lang="ja-JP" altLang="en-US"/>
+          </a:p>
+        </p:txBody>
+      </p:sp>
+      <p:sp>
+        <p:nvSpPr>
+          <p:cNvPr id="4" name="フリーフォーム: 図形 3">
+            <a:extLst>
+              <a:ext uri="{FF2B5EF4-FFF2-40B4-BE49-F238E27FC236}">
+                <a16:creationId xmlns:a16="http://schemas.microsoft.com/office/drawing/2014/main" id="{F0B05074-70E3-EE83-479D-10B39242FC2B}"/>
+              </a:ext>
+            </a:extLst>
+          </p:cNvPr>
+          <p:cNvSpPr/>
+          <p:nvPr/>
+        </p:nvSpPr>
+        <p:spPr>
+          <a:xfrm>
+            <a:off x="2267744" y="1556792"/>
+            <a:ext cx="4968552" cy="3672407"/>
+          </a:xfrm>
+          <a:custGeom>
+            <a:avLst/>
+            <a:gdLst>
+              <a:gd name="connsiteX0" fmla="*/ 0 w 3378926"/>
+              <a:gd name="connsiteY0" fmla="*/ 4093029 h 4093029"/>
+              <a:gd name="connsiteX1" fmla="*/ 1968137 w 3378926"/>
+              <a:gd name="connsiteY1" fmla="*/ 888275 h 4093029"/>
+              <a:gd name="connsiteX2" fmla="*/ 3378926 w 3378926"/>
+              <a:gd name="connsiteY2" fmla="*/ 0 h 4093029"/>
+            </a:gdLst>
+            <a:ahLst/>
+            <a:cxnLst>
+              <a:cxn ang="0">
+                <a:pos x="connsiteX0" y="connsiteY0"/>
+              </a:cxn>
+              <a:cxn ang="0">
+                <a:pos x="connsiteX1" y="connsiteY1"/>
+              </a:cxn>
+              <a:cxn ang="0">
+                <a:pos x="connsiteX2" y="connsiteY2"/>
+              </a:cxn>
+            </a:cxnLst>
+            <a:rect l="l" t="t" r="r" b="b"/>
+            <a:pathLst>
+              <a:path w="3378926" h="4093029">
+                <a:moveTo>
+                  <a:pt x="0" y="4093029"/>
+                </a:moveTo>
+                <a:cubicBezTo>
+                  <a:pt x="702491" y="2831737"/>
+                  <a:pt x="1404983" y="1570446"/>
+                  <a:pt x="1968137" y="888275"/>
+                </a:cubicBezTo>
+                <a:cubicBezTo>
+                  <a:pt x="2531291" y="206103"/>
+                  <a:pt x="2955108" y="103051"/>
+                  <a:pt x="3378926" y="0"/>
+                </a:cubicBezTo>
+              </a:path>
+            </a:pathLst>
+          </a:custGeom>
+          <a:noFill/>
+          <a:ln w="28575">
+            <a:solidFill>
+              <a:srgbClr val="011893"/>
+            </a:solidFill>
+          </a:ln>
+        </p:spPr>
+        <p:style>
+          <a:lnRef idx="2">
+            <a:schemeClr val="accent1">
+              <a:shade val="50000"/>
+            </a:schemeClr>
+          </a:lnRef>
+          <a:fillRef idx="1">
+            <a:schemeClr val="accent1"/>
+          </a:fillRef>
+          <a:effectRef idx="0">
+            <a:schemeClr val="accent1"/>
+          </a:effectRef>
+          <a:fontRef idx="minor">
+            <a:schemeClr val="lt1"/>
+          </a:fontRef>
+        </p:style>
+        <p:txBody>
+          <a:bodyPr rtlCol="0" anchor="ctr"/>
+          <a:lstStyle/>
+          <a:p>
+            <a:pPr algn="ctr"/>
+            <a:endParaRPr kumimoji="1" lang="ja-JP" altLang="en-US"/>
+          </a:p>
+        </p:txBody>
+      </p:sp>
+      <p:sp>
+        <p:nvSpPr>
+          <p:cNvPr id="5" name="テキスト ボックス 4">
+            <a:extLst>
+              <a:ext uri="{FF2B5EF4-FFF2-40B4-BE49-F238E27FC236}">
+                <a16:creationId xmlns:a16="http://schemas.microsoft.com/office/drawing/2014/main" id="{35E09BF5-FF94-B9F1-D1AB-7D5ED3401F2B}"/>
+              </a:ext>
+            </a:extLst>
+          </p:cNvPr>
+          <p:cNvSpPr txBox="1"/>
+          <p:nvPr/>
+        </p:nvSpPr>
+        <p:spPr>
+          <a:xfrm>
+            <a:off x="6804248" y="2348880"/>
+            <a:ext cx="1569660" cy="646331"/>
+          </a:xfrm>
+          <a:prstGeom prst="rect">
+            <a:avLst/>
+          </a:prstGeom>
+          <a:noFill/>
+        </p:spPr>
+        <p:txBody>
+          <a:bodyPr wrap="none" rtlCol="0">
+            <a:spAutoFit/>
+          </a:bodyPr>
+          <a:lstStyle/>
+          <a:p>
+            <a:r>
+              <a:rPr kumimoji="1" lang="ja-JP" altLang="en-US"/>
+              <a:t>液相の化学</a:t>
+            </a:r>
+            <a:endParaRPr kumimoji="1" lang="en-US" altLang="ja-JP"/>
+          </a:p>
+          <a:p>
+            <a:r>
+              <a:rPr lang="ja-JP" altLang="en-US"/>
+              <a:t>ポテンシャル</a:t>
+            </a:r>
+            <a:endParaRPr kumimoji="1" lang="en-US" altLang="ja-JP"/>
+          </a:p>
+        </p:txBody>
+      </p:sp>
+      <p:sp>
+        <p:nvSpPr>
+          <p:cNvPr id="6" name="テキスト ボックス 5">
+            <a:extLst>
+              <a:ext uri="{FF2B5EF4-FFF2-40B4-BE49-F238E27FC236}">
+                <a16:creationId xmlns:a16="http://schemas.microsoft.com/office/drawing/2014/main" id="{1395ADA0-9178-A717-D9BD-2707645ACD5F}"/>
+              </a:ext>
+            </a:extLst>
+          </p:cNvPr>
+          <p:cNvSpPr txBox="1"/>
+          <p:nvPr/>
+        </p:nvSpPr>
+        <p:spPr>
+          <a:xfrm>
+            <a:off x="6660232" y="1196752"/>
+            <a:ext cx="1569660" cy="646331"/>
+          </a:xfrm>
+          <a:prstGeom prst="rect">
+            <a:avLst/>
+          </a:prstGeom>
+          <a:noFill/>
+        </p:spPr>
+        <p:txBody>
+          <a:bodyPr wrap="none" rtlCol="0">
+            <a:spAutoFit/>
+          </a:bodyPr>
+          <a:lstStyle/>
+          <a:p>
+            <a:r>
+              <a:rPr lang="ja-JP" altLang="en-US"/>
+              <a:t>気</a:t>
+            </a:r>
+            <a:r>
+              <a:rPr kumimoji="1" lang="ja-JP" altLang="en-US"/>
+              <a:t>相の化学</a:t>
+            </a:r>
+            <a:endParaRPr kumimoji="1" lang="en-US" altLang="ja-JP"/>
+          </a:p>
+          <a:p>
+            <a:r>
+              <a:rPr kumimoji="1" lang="ja-JP" altLang="en-US"/>
+              <a:t>ポテンシャル</a:t>
+            </a:r>
+          </a:p>
+        </p:txBody>
+      </p:sp>
+      <p:cxnSp>
+        <p:nvCxnSpPr>
+          <p:cNvPr id="7" name="直線矢印コネクタ 6">
+            <a:extLst>
+              <a:ext uri="{FF2B5EF4-FFF2-40B4-BE49-F238E27FC236}">
+                <a16:creationId xmlns:a16="http://schemas.microsoft.com/office/drawing/2014/main" id="{FDEB4286-4067-ED43-8B6A-7F3D7665FCE6}"/>
+              </a:ext>
+            </a:extLst>
+          </p:cNvPr>
+          <p:cNvCxnSpPr/>
+          <p:nvPr/>
+        </p:nvCxnSpPr>
+        <p:spPr>
+          <a:xfrm flipV="1">
+            <a:off x="1691680" y="1340768"/>
+            <a:ext cx="0" cy="4104456"/>
+          </a:xfrm>
+          <a:prstGeom prst="straightConnector1">
+            <a:avLst/>
+          </a:prstGeom>
+          <a:ln>
+            <a:solidFill>
+              <a:schemeClr val="tx1"/>
+            </a:solidFill>
+            <a:headEnd type="none" w="med" len="med"/>
+            <a:tailEnd type="triangle"/>
+          </a:ln>
+        </p:spPr>
+        <p:style>
+          <a:lnRef idx="1">
+            <a:schemeClr val="accent1"/>
+          </a:lnRef>
+          <a:fillRef idx="0">
+            <a:schemeClr val="accent1"/>
+          </a:fillRef>
+          <a:effectRef idx="0">
+            <a:schemeClr val="accent1"/>
+          </a:effectRef>
+          <a:fontRef idx="minor">
+            <a:schemeClr val="tx1"/>
+          </a:fontRef>
+        </p:style>
+      </p:cxnSp>
+      <p:cxnSp>
+        <p:nvCxnSpPr>
+          <p:cNvPr id="8" name="直線矢印コネクタ 7">
+            <a:extLst>
+              <a:ext uri="{FF2B5EF4-FFF2-40B4-BE49-F238E27FC236}">
+                <a16:creationId xmlns:a16="http://schemas.microsoft.com/office/drawing/2014/main" id="{579CBEB1-C12C-E62E-5E49-D7AFDD38868F}"/>
+              </a:ext>
+            </a:extLst>
+          </p:cNvPr>
+          <p:cNvCxnSpPr/>
+          <p:nvPr/>
+        </p:nvCxnSpPr>
+        <p:spPr>
+          <a:xfrm>
+            <a:off x="1259632" y="5157192"/>
+            <a:ext cx="6696744" cy="0"/>
+          </a:xfrm>
+          <a:prstGeom prst="straightConnector1">
+            <a:avLst/>
+          </a:prstGeom>
+          <a:ln>
+            <a:solidFill>
+              <a:schemeClr val="tx1"/>
+            </a:solidFill>
+            <a:headEnd type="none" w="med" len="med"/>
+            <a:tailEnd type="triangle"/>
+          </a:ln>
+        </p:spPr>
+        <p:style>
+          <a:lnRef idx="1">
+            <a:schemeClr val="accent1"/>
+          </a:lnRef>
+          <a:fillRef idx="0">
+            <a:schemeClr val="accent1"/>
+          </a:fillRef>
+          <a:effectRef idx="0">
+            <a:schemeClr val="accent1"/>
+          </a:effectRef>
+          <a:fontRef idx="minor">
+            <a:schemeClr val="tx1"/>
+          </a:fontRef>
+        </p:style>
+      </p:cxnSp>
+      <p:sp>
+        <p:nvSpPr>
+          <p:cNvPr id="9" name="テキスト ボックス 8">
+            <a:extLst>
+              <a:ext uri="{FF2B5EF4-FFF2-40B4-BE49-F238E27FC236}">
+                <a16:creationId xmlns:a16="http://schemas.microsoft.com/office/drawing/2014/main" id="{49C8B822-E319-5F56-6C78-049A3DD00825}"/>
+              </a:ext>
+            </a:extLst>
+          </p:cNvPr>
+          <p:cNvSpPr txBox="1"/>
+          <p:nvPr/>
+        </p:nvSpPr>
+        <p:spPr>
+          <a:xfrm>
+            <a:off x="611560" y="980728"/>
+            <a:ext cx="2031325" cy="369332"/>
+          </a:xfrm>
+          <a:prstGeom prst="rect">
+            <a:avLst/>
+          </a:prstGeom>
+          <a:noFill/>
+        </p:spPr>
+        <p:txBody>
+          <a:bodyPr wrap="none" rtlCol="0">
+            <a:spAutoFit/>
+          </a:bodyPr>
+          <a:lstStyle/>
+          <a:p>
+            <a:r>
+              <a:rPr kumimoji="1" lang="ja-JP" altLang="en-US"/>
+              <a:t>化学ポテンシャル</a:t>
+            </a:r>
+          </a:p>
+        </p:txBody>
+      </p:sp>
+      <p:sp>
+        <p:nvSpPr>
+          <p:cNvPr id="10" name="テキスト ボックス 9">
+            <a:extLst>
+              <a:ext uri="{FF2B5EF4-FFF2-40B4-BE49-F238E27FC236}">
+                <a16:creationId xmlns:a16="http://schemas.microsoft.com/office/drawing/2014/main" id="{95AC71B8-AB19-2D3A-159A-51ED516D4650}"/>
+              </a:ext>
+            </a:extLst>
+          </p:cNvPr>
+          <p:cNvSpPr txBox="1"/>
+          <p:nvPr/>
+        </p:nvSpPr>
+        <p:spPr>
+          <a:xfrm>
+            <a:off x="7956376" y="5013176"/>
+            <a:ext cx="646331" cy="369332"/>
+          </a:xfrm>
+          <a:prstGeom prst="rect">
+            <a:avLst/>
+          </a:prstGeom>
+          <a:noFill/>
+        </p:spPr>
+        <p:txBody>
+          <a:bodyPr wrap="none" rtlCol="0">
+            <a:spAutoFit/>
+          </a:bodyPr>
+          <a:lstStyle/>
+          <a:p>
+            <a:r>
+              <a:rPr lang="ja-JP" altLang="en-US"/>
+              <a:t>圧力</a:t>
+            </a:r>
+            <a:endParaRPr kumimoji="1" lang="ja-JP" altLang="en-US"/>
+          </a:p>
+        </p:txBody>
+      </p:sp>
+      <p:cxnSp>
+        <p:nvCxnSpPr>
+          <p:cNvPr id="24" name="直線コネクタ 23">
+            <a:extLst>
+              <a:ext uri="{FF2B5EF4-FFF2-40B4-BE49-F238E27FC236}">
+                <a16:creationId xmlns:a16="http://schemas.microsoft.com/office/drawing/2014/main" id="{6826BA22-C948-0D8E-F812-387E54DA3F24}"/>
+              </a:ext>
+            </a:extLst>
+          </p:cNvPr>
+          <p:cNvCxnSpPr>
+            <a:cxnSpLocks/>
+            <a:endCxn id="65" idx="0"/>
+          </p:cNvCxnSpPr>
+          <p:nvPr/>
+        </p:nvCxnSpPr>
+        <p:spPr>
+          <a:xfrm>
+            <a:off x="4788024" y="1340768"/>
+            <a:ext cx="0" cy="3960440"/>
+          </a:xfrm>
+          <a:prstGeom prst="line">
+            <a:avLst/>
+          </a:prstGeom>
+          <a:ln>
+            <a:solidFill>
+              <a:schemeClr val="tx1"/>
+            </a:solidFill>
+            <a:headEnd type="none" w="med" len="med"/>
+            <a:tailEnd type="none" w="med" len="med"/>
+          </a:ln>
+        </p:spPr>
+        <p:style>
+          <a:lnRef idx="1">
+            <a:schemeClr val="accent1"/>
+          </a:lnRef>
+          <a:fillRef idx="0">
+            <a:schemeClr val="accent1"/>
+          </a:fillRef>
+          <a:effectRef idx="0">
+            <a:schemeClr val="accent1"/>
+          </a:effectRef>
+          <a:fontRef idx="minor">
+            <a:schemeClr val="tx1"/>
+          </a:fontRef>
+        </p:style>
+      </p:cxnSp>
+      <p:grpSp>
+        <p:nvGrpSpPr>
+          <p:cNvPr id="57" name="グループ化 56">
+            <a:extLst>
+              <a:ext uri="{FF2B5EF4-FFF2-40B4-BE49-F238E27FC236}">
+                <a16:creationId xmlns:a16="http://schemas.microsoft.com/office/drawing/2014/main" id="{09E1A181-147E-3160-60D8-D5682B4DCA4B}"/>
+              </a:ext>
+            </a:extLst>
+          </p:cNvPr>
+          <p:cNvGrpSpPr/>
+          <p:nvPr/>
+        </p:nvGrpSpPr>
+        <p:grpSpPr>
+          <a:xfrm>
+            <a:off x="2123728" y="1484784"/>
+            <a:ext cx="1080120" cy="1620180"/>
+            <a:chOff x="1835696" y="4697760"/>
+            <a:chExt cx="1440160" cy="2160240"/>
+          </a:xfrm>
+        </p:grpSpPr>
+        <p:sp>
+          <p:nvSpPr>
+            <p:cNvPr id="53" name="正方形/長方形 52">
+              <a:extLst>
+                <a:ext uri="{FF2B5EF4-FFF2-40B4-BE49-F238E27FC236}">
+                  <a16:creationId xmlns:a16="http://schemas.microsoft.com/office/drawing/2014/main" id="{0EA3E50D-8966-4BEF-C2A3-91657917E057}"/>
+                </a:ext>
+              </a:extLst>
+            </p:cNvPr>
+            <p:cNvSpPr/>
+            <p:nvPr/>
+          </p:nvSpPr>
+          <p:spPr>
+            <a:xfrm>
+              <a:off x="1835696" y="4697760"/>
+              <a:ext cx="1440160" cy="2160240"/>
+            </a:xfrm>
+            <a:prstGeom prst="rect">
+              <a:avLst/>
+            </a:prstGeom>
+            <a:noFill/>
+            <a:ln w="38100">
+              <a:solidFill>
+                <a:schemeClr val="tx1"/>
+              </a:solidFill>
+            </a:ln>
+          </p:spPr>
+          <p:style>
+            <a:lnRef idx="2">
+              <a:schemeClr val="accent1">
+                <a:shade val="50000"/>
+              </a:schemeClr>
+            </a:lnRef>
+            <a:fillRef idx="1">
+              <a:schemeClr val="accent1"/>
+            </a:fillRef>
+            <a:effectRef idx="0">
+              <a:schemeClr val="accent1"/>
+            </a:effectRef>
+            <a:fontRef idx="minor">
+              <a:schemeClr val="lt1"/>
+            </a:fontRef>
+          </p:style>
+          <p:txBody>
+            <a:bodyPr rtlCol="0" anchor="ctr"/>
+            <a:lstStyle/>
+            <a:p>
+              <a:pPr algn="ctr"/>
+              <a:endParaRPr kumimoji="1" lang="ja-JP" altLang="en-US"/>
+            </a:p>
+          </p:txBody>
+        </p:sp>
+        <p:sp>
+          <p:nvSpPr>
+            <p:cNvPr id="54" name="正方形/長方形 53">
+              <a:extLst>
+                <a:ext uri="{FF2B5EF4-FFF2-40B4-BE49-F238E27FC236}">
+                  <a16:creationId xmlns:a16="http://schemas.microsoft.com/office/drawing/2014/main" id="{8F1E2606-CE07-5906-CD45-028EC11EEE98}"/>
+                </a:ext>
+              </a:extLst>
+            </p:cNvPr>
+            <p:cNvSpPr/>
+            <p:nvPr/>
+          </p:nvSpPr>
+          <p:spPr>
+            <a:xfrm>
+              <a:off x="1835696" y="5777880"/>
+              <a:ext cx="1440160" cy="1080120"/>
+            </a:xfrm>
+            <a:prstGeom prst="rect">
+              <a:avLst/>
+            </a:prstGeom>
+            <a:solidFill>
+              <a:srgbClr val="011893"/>
+            </a:solidFill>
+            <a:ln>
+              <a:solidFill>
+                <a:schemeClr val="tx1"/>
+              </a:solidFill>
+            </a:ln>
+          </p:spPr>
+          <p:style>
+            <a:lnRef idx="2">
+              <a:schemeClr val="accent1">
+                <a:shade val="50000"/>
+              </a:schemeClr>
+            </a:lnRef>
+            <a:fillRef idx="1">
+              <a:schemeClr val="accent1"/>
+            </a:fillRef>
+            <a:effectRef idx="0">
+              <a:schemeClr val="accent1"/>
+            </a:effectRef>
+            <a:fontRef idx="minor">
+              <a:schemeClr val="lt1"/>
+            </a:fontRef>
+          </p:style>
+          <p:txBody>
+            <a:bodyPr rtlCol="0" anchor="ctr"/>
+            <a:lstStyle/>
+            <a:p>
+              <a:pPr algn="ctr"/>
+              <a:endParaRPr kumimoji="1" lang="ja-JP" altLang="en-US"/>
+            </a:p>
+          </p:txBody>
+        </p:sp>
+        <p:sp>
+          <p:nvSpPr>
+            <p:cNvPr id="56" name="テキスト ボックス 55">
+              <a:extLst>
+                <a:ext uri="{FF2B5EF4-FFF2-40B4-BE49-F238E27FC236}">
+                  <a16:creationId xmlns:a16="http://schemas.microsoft.com/office/drawing/2014/main" id="{6D968FCA-CDB0-C9FE-0DA6-109583DF72EE}"/>
+                </a:ext>
+              </a:extLst>
+            </p:cNvPr>
+            <p:cNvSpPr txBox="1"/>
+            <p:nvPr/>
+          </p:nvSpPr>
+          <p:spPr>
+            <a:xfrm>
+              <a:off x="2197477" y="5118760"/>
+              <a:ext cx="543739" cy="307777"/>
+            </a:xfrm>
+            <a:prstGeom prst="rect">
+              <a:avLst/>
+            </a:prstGeom>
+            <a:noFill/>
+          </p:spPr>
+          <p:txBody>
+            <a:bodyPr wrap="none" rtlCol="0">
+              <a:spAutoFit/>
+            </a:bodyPr>
+            <a:lstStyle/>
+            <a:p>
+              <a:r>
+                <a:rPr lang="ja-JP" altLang="en-US" sz="1400"/>
+                <a:t>真空</a:t>
+              </a:r>
+              <a:endParaRPr kumimoji="1" lang="ja-JP" altLang="en-US" sz="1400"/>
+            </a:p>
+          </p:txBody>
+        </p:sp>
+      </p:grpSp>
+      <p:sp>
+        <p:nvSpPr>
+          <p:cNvPr id="58" name="矢印: 上 57">
+            <a:extLst>
+              <a:ext uri="{FF2B5EF4-FFF2-40B4-BE49-F238E27FC236}">
+                <a16:creationId xmlns:a16="http://schemas.microsoft.com/office/drawing/2014/main" id="{DA1C3FB0-B330-5818-9F82-0BD74EB8142E}"/>
+              </a:ext>
+            </a:extLst>
+          </p:cNvPr>
+          <p:cNvSpPr/>
+          <p:nvPr/>
+        </p:nvSpPr>
+        <p:spPr>
+          <a:xfrm>
+            <a:off x="2195736" y="5301208"/>
+            <a:ext cx="432048" cy="576064"/>
+          </a:xfrm>
+          <a:prstGeom prst="upArrow">
+            <a:avLst/>
+          </a:prstGeom>
+          <a:solidFill>
+            <a:srgbClr val="FF0000"/>
+          </a:solidFill>
+          <a:ln>
+            <a:solidFill>
+              <a:schemeClr val="tx1"/>
+            </a:solidFill>
+          </a:ln>
+        </p:spPr>
+        <p:style>
+          <a:lnRef idx="2">
+            <a:schemeClr val="accent1">
+              <a:shade val="50000"/>
+            </a:schemeClr>
+          </a:lnRef>
+          <a:fillRef idx="1">
+            <a:schemeClr val="accent1"/>
+          </a:fillRef>
+          <a:effectRef idx="0">
+            <a:schemeClr val="accent1"/>
+          </a:effectRef>
+          <a:fontRef idx="minor">
+            <a:schemeClr val="lt1"/>
+          </a:fontRef>
+        </p:style>
+        <p:txBody>
+          <a:bodyPr rtlCol="0" anchor="ctr"/>
+          <a:lstStyle/>
+          <a:p>
+            <a:pPr algn="ctr"/>
+            <a:endParaRPr kumimoji="1" lang="ja-JP" altLang="en-US"/>
+          </a:p>
+        </p:txBody>
+      </p:sp>
+      <p:sp>
+        <p:nvSpPr>
+          <p:cNvPr id="59" name="テキスト ボックス 58">
+            <a:extLst>
+              <a:ext uri="{FF2B5EF4-FFF2-40B4-BE49-F238E27FC236}">
+                <a16:creationId xmlns:a16="http://schemas.microsoft.com/office/drawing/2014/main" id="{7EC19554-644F-7271-37B9-7A8A6D1ECA1F}"/>
+              </a:ext>
+            </a:extLst>
+          </p:cNvPr>
+          <p:cNvSpPr txBox="1"/>
+          <p:nvPr/>
+        </p:nvSpPr>
+        <p:spPr>
+          <a:xfrm>
+            <a:off x="1879828" y="6023029"/>
+            <a:ext cx="1107996" cy="646331"/>
+          </a:xfrm>
+          <a:prstGeom prst="rect">
+            <a:avLst/>
+          </a:prstGeom>
+          <a:noFill/>
+        </p:spPr>
+        <p:txBody>
+          <a:bodyPr wrap="none" rtlCol="0">
+            <a:spAutoFit/>
+          </a:bodyPr>
+          <a:lstStyle/>
+          <a:p>
+            <a:r>
+              <a:rPr kumimoji="1" lang="ja-JP" altLang="en-US"/>
+              <a:t>ここから</a:t>
+            </a:r>
+            <a:endParaRPr kumimoji="1" lang="en-US" altLang="ja-JP"/>
+          </a:p>
+          <a:p>
+            <a:r>
+              <a:rPr kumimoji="1" lang="ja-JP" altLang="en-US"/>
+              <a:t>スタート</a:t>
+            </a:r>
+          </a:p>
+        </p:txBody>
+      </p:sp>
+      <p:sp>
+        <p:nvSpPr>
+          <p:cNvPr id="61" name="正方形/長方形 60">
+            <a:extLst>
+              <a:ext uri="{FF2B5EF4-FFF2-40B4-BE49-F238E27FC236}">
+                <a16:creationId xmlns:a16="http://schemas.microsoft.com/office/drawing/2014/main" id="{252814C9-09AF-85BC-6EE7-8BB2FA686797}"/>
+              </a:ext>
+            </a:extLst>
+          </p:cNvPr>
+          <p:cNvSpPr/>
+          <p:nvPr/>
+        </p:nvSpPr>
+        <p:spPr>
+          <a:xfrm>
+            <a:off x="5004048" y="3068960"/>
+            <a:ext cx="1080120" cy="1620180"/>
+          </a:xfrm>
+          <a:prstGeom prst="rect">
+            <a:avLst/>
+          </a:prstGeom>
+          <a:noFill/>
+          <a:ln w="38100">
+            <a:solidFill>
+              <a:schemeClr val="tx1"/>
+            </a:solidFill>
+          </a:ln>
+        </p:spPr>
+        <p:style>
+          <a:lnRef idx="2">
+            <a:schemeClr val="accent1">
+              <a:shade val="50000"/>
+            </a:schemeClr>
+          </a:lnRef>
+          <a:fillRef idx="1">
+            <a:schemeClr val="accent1"/>
+          </a:fillRef>
+          <a:effectRef idx="0">
+            <a:schemeClr val="accent1"/>
+          </a:effectRef>
+          <a:fontRef idx="minor">
+            <a:schemeClr val="lt1"/>
+          </a:fontRef>
+        </p:style>
+        <p:txBody>
+          <a:bodyPr rtlCol="0" anchor="ctr"/>
+          <a:lstStyle/>
+          <a:p>
+            <a:pPr algn="ctr"/>
+            <a:endParaRPr kumimoji="1" lang="ja-JP" altLang="en-US"/>
+          </a:p>
+        </p:txBody>
+      </p:sp>
+      <p:sp>
+        <p:nvSpPr>
+          <p:cNvPr id="62" name="正方形/長方形 61">
+            <a:extLst>
+              <a:ext uri="{FF2B5EF4-FFF2-40B4-BE49-F238E27FC236}">
+                <a16:creationId xmlns:a16="http://schemas.microsoft.com/office/drawing/2014/main" id="{38DB094A-CFEE-EB4F-0A5B-F98E03745274}"/>
+              </a:ext>
+            </a:extLst>
+          </p:cNvPr>
+          <p:cNvSpPr/>
+          <p:nvPr/>
+        </p:nvSpPr>
+        <p:spPr>
+          <a:xfrm>
+            <a:off x="5004048" y="4005064"/>
+            <a:ext cx="1080120" cy="684076"/>
+          </a:xfrm>
+          <a:prstGeom prst="rect">
+            <a:avLst/>
+          </a:prstGeom>
+          <a:solidFill>
+            <a:srgbClr val="011893"/>
+          </a:solidFill>
+          <a:ln>
+            <a:solidFill>
+              <a:schemeClr val="tx1"/>
+            </a:solidFill>
+          </a:ln>
+        </p:spPr>
+        <p:style>
+          <a:lnRef idx="2">
+            <a:schemeClr val="accent1">
+              <a:shade val="50000"/>
+            </a:schemeClr>
+          </a:lnRef>
+          <a:fillRef idx="1">
+            <a:schemeClr val="accent1"/>
+          </a:fillRef>
+          <a:effectRef idx="0">
+            <a:schemeClr val="accent1"/>
+          </a:effectRef>
+          <a:fontRef idx="minor">
+            <a:schemeClr val="lt1"/>
+          </a:fontRef>
+        </p:style>
+        <p:txBody>
+          <a:bodyPr rtlCol="0" anchor="ctr"/>
+          <a:lstStyle/>
+          <a:p>
+            <a:pPr algn="ctr"/>
+            <a:endParaRPr kumimoji="1" lang="ja-JP" altLang="en-US"/>
+          </a:p>
+        </p:txBody>
+      </p:sp>
+      <p:sp>
+        <p:nvSpPr>
+          <p:cNvPr id="64" name="正方形/長方形 63">
+            <a:extLst>
+              <a:ext uri="{FF2B5EF4-FFF2-40B4-BE49-F238E27FC236}">
+                <a16:creationId xmlns:a16="http://schemas.microsoft.com/office/drawing/2014/main" id="{68E3CE4A-4222-DAFC-C611-AD30D02EC402}"/>
+              </a:ext>
+            </a:extLst>
+          </p:cNvPr>
+          <p:cNvSpPr/>
+          <p:nvPr/>
+        </p:nvSpPr>
+        <p:spPr>
+          <a:xfrm>
+            <a:off x="5004048" y="3068960"/>
+            <a:ext cx="1080120" cy="936104"/>
+          </a:xfrm>
+          <a:prstGeom prst="rect">
+            <a:avLst/>
+          </a:prstGeom>
+          <a:solidFill>
+            <a:schemeClr val="accent2">
+              <a:lumMod val="40000"/>
+              <a:lumOff val="60000"/>
+            </a:schemeClr>
+          </a:solidFill>
+          <a:ln>
+            <a:solidFill>
+              <a:schemeClr val="tx1"/>
+            </a:solidFill>
+          </a:ln>
+        </p:spPr>
+        <p:style>
+          <a:lnRef idx="2">
+            <a:schemeClr val="accent1">
+              <a:shade val="50000"/>
+            </a:schemeClr>
+          </a:lnRef>
+          <a:fillRef idx="1">
+            <a:schemeClr val="accent1"/>
+          </a:fillRef>
+          <a:effectRef idx="0">
+            <a:schemeClr val="accent1"/>
+          </a:effectRef>
+          <a:fontRef idx="minor">
+            <a:schemeClr val="lt1"/>
+          </a:fontRef>
+        </p:style>
+        <p:txBody>
+          <a:bodyPr rtlCol="0" anchor="ctr"/>
+          <a:lstStyle/>
+          <a:p>
+            <a:pPr algn="ctr"/>
+            <a:endParaRPr kumimoji="1" lang="ja-JP" altLang="en-US"/>
+          </a:p>
+        </p:txBody>
+      </p:sp>
+      <p:sp>
+        <p:nvSpPr>
+          <p:cNvPr id="65" name="矢印: 上 64">
+            <a:extLst>
+              <a:ext uri="{FF2B5EF4-FFF2-40B4-BE49-F238E27FC236}">
+                <a16:creationId xmlns:a16="http://schemas.microsoft.com/office/drawing/2014/main" id="{A7E7938C-E79F-714F-6F56-96A3F34C85F5}"/>
+              </a:ext>
+            </a:extLst>
+          </p:cNvPr>
+          <p:cNvSpPr/>
+          <p:nvPr/>
+        </p:nvSpPr>
+        <p:spPr>
+          <a:xfrm>
+            <a:off x="4572000" y="5301208"/>
+            <a:ext cx="432048" cy="576064"/>
+          </a:xfrm>
+          <a:prstGeom prst="upArrow">
+            <a:avLst/>
+          </a:prstGeom>
+          <a:solidFill>
+            <a:srgbClr val="FF0000"/>
+          </a:solidFill>
+          <a:ln>
+            <a:solidFill>
+              <a:schemeClr val="tx1"/>
+            </a:solidFill>
+          </a:ln>
+        </p:spPr>
+        <p:style>
+          <a:lnRef idx="2">
+            <a:schemeClr val="accent1">
+              <a:shade val="50000"/>
+            </a:schemeClr>
+          </a:lnRef>
+          <a:fillRef idx="1">
+            <a:schemeClr val="accent1"/>
+          </a:fillRef>
+          <a:effectRef idx="0">
+            <a:schemeClr val="accent1"/>
+          </a:effectRef>
+          <a:fontRef idx="minor">
+            <a:schemeClr val="lt1"/>
+          </a:fontRef>
+        </p:style>
+        <p:txBody>
+          <a:bodyPr rtlCol="0" anchor="ctr"/>
+          <a:lstStyle/>
+          <a:p>
+            <a:pPr algn="ctr"/>
+            <a:endParaRPr kumimoji="1" lang="ja-JP" altLang="en-US"/>
+          </a:p>
+        </p:txBody>
+      </p:sp>
+      <p:sp>
+        <p:nvSpPr>
+          <p:cNvPr id="66" name="テキスト ボックス 65">
+            <a:extLst>
+              <a:ext uri="{FF2B5EF4-FFF2-40B4-BE49-F238E27FC236}">
+                <a16:creationId xmlns:a16="http://schemas.microsoft.com/office/drawing/2014/main" id="{ED014B76-6ACF-875C-20EB-BD301856FE5A}"/>
+              </a:ext>
+            </a:extLst>
+          </p:cNvPr>
+          <p:cNvSpPr txBox="1"/>
+          <p:nvPr/>
+        </p:nvSpPr>
+        <p:spPr>
+          <a:xfrm>
+            <a:off x="4211960" y="6021288"/>
+            <a:ext cx="1800493" cy="646331"/>
+          </a:xfrm>
+          <a:prstGeom prst="rect">
+            <a:avLst/>
+          </a:prstGeom>
+          <a:noFill/>
+        </p:spPr>
+        <p:txBody>
+          <a:bodyPr wrap="none" rtlCol="0">
+            <a:spAutoFit/>
+          </a:bodyPr>
+          <a:lstStyle/>
+          <a:p>
+            <a:r>
+              <a:rPr kumimoji="1" lang="ja-JP" altLang="en-US"/>
+              <a:t>ここで釣り合う</a:t>
+            </a:r>
+            <a:endParaRPr kumimoji="1" lang="en-US" altLang="ja-JP"/>
+          </a:p>
+          <a:p>
+            <a:r>
+              <a:rPr lang="ja-JP" altLang="en-US">
+                <a:solidFill>
+                  <a:srgbClr val="FF0000"/>
+                </a:solidFill>
+              </a:rPr>
+              <a:t>飽和蒸気圧</a:t>
+            </a:r>
+            <a:endParaRPr kumimoji="1" lang="ja-JP" altLang="en-US">
+              <a:solidFill>
+                <a:srgbClr val="FF0000"/>
+              </a:solidFill>
+            </a:endParaRPr>
+          </a:p>
+        </p:txBody>
+      </p:sp>
+    </p:spTree>
+    <p:extLst>
+      <p:ext uri="{BB962C8B-B14F-4D97-AF65-F5344CB8AC3E}">
+        <p14:creationId xmlns:p14="http://schemas.microsoft.com/office/powerpoint/2010/main" val="436972691"/>
+      </p:ext>
+    </p:extLst>
+  </p:cSld>
+  <p:clrMapOvr>
+    <a:masterClrMapping/>
+  </p:clrMapOvr>
+</p:sld>
+</file>
+
+<file path=ppt/slides/slide25.xml><?xml version="1.0" encoding="utf-8"?>
+<p:sld xmlns:a="http://schemas.openxmlformats.org/drawingml/2006/main" xmlns:r="http://schemas.openxmlformats.org/officeDocument/2006/relationships" xmlns:p="http://schemas.openxmlformats.org/presentationml/2006/main">
+  <p:cSld>
+    <p:spTree>
+      <p:nvGrpSpPr>
+        <p:cNvPr id="1" name=""/>
+        <p:cNvGrpSpPr/>
+        <p:nvPr/>
+      </p:nvGrpSpPr>
+      <p:grpSpPr>
+        <a:xfrm>
+          <a:off x="0" y="0"/>
+          <a:ext cx="0" cy="0"/>
+          <a:chOff x="0" y="0"/>
+          <a:chExt cx="0" cy="0"/>
+        </a:xfrm>
+      </p:grpSpPr>
+      <p:sp>
+        <p:nvSpPr>
+          <p:cNvPr id="2" name="テキスト プレースホルダー 1">
+            <a:extLst>
+              <a:ext uri="{FF2B5EF4-FFF2-40B4-BE49-F238E27FC236}">
+                <a16:creationId xmlns:a16="http://schemas.microsoft.com/office/drawing/2014/main" id="{834DB576-6C0E-F003-A172-F4A94BCDB085}"/>
+              </a:ext>
+            </a:extLst>
+          </p:cNvPr>
+          <p:cNvSpPr>
+            <a:spLocks noGrp="1"/>
+          </p:cNvSpPr>
+          <p:nvPr>
+            <p:ph type="body" sz="quarter" idx="10"/>
+          </p:nvPr>
+        </p:nvSpPr>
+        <p:spPr/>
+        <p:txBody>
+          <a:bodyPr/>
+          <a:lstStyle/>
+          <a:p>
+            <a:r>
+              <a:rPr kumimoji="1" lang="ja-JP" altLang="en-US"/>
+              <a:t>沸騰</a:t>
+            </a:r>
+          </a:p>
+        </p:txBody>
+      </p:sp>
+      <p:sp>
+        <p:nvSpPr>
+          <p:cNvPr id="3" name="正方形/長方形 2">
+            <a:extLst>
+              <a:ext uri="{FF2B5EF4-FFF2-40B4-BE49-F238E27FC236}">
+                <a16:creationId xmlns:a16="http://schemas.microsoft.com/office/drawing/2014/main" id="{A404BC9D-D30D-14D1-7185-A987F4FFB5B0}"/>
+              </a:ext>
+            </a:extLst>
+          </p:cNvPr>
+          <p:cNvSpPr/>
+          <p:nvPr/>
+        </p:nvSpPr>
+        <p:spPr>
+          <a:xfrm>
+            <a:off x="971600" y="1988840"/>
+            <a:ext cx="2880320" cy="2880320"/>
+          </a:xfrm>
+          <a:prstGeom prst="rect">
+            <a:avLst/>
+          </a:prstGeom>
+          <a:solidFill>
+            <a:srgbClr val="011893"/>
+          </a:solidFill>
+          <a:ln>
+            <a:solidFill>
+              <a:schemeClr val="tx1"/>
+            </a:solidFill>
+          </a:ln>
+        </p:spPr>
+        <p:style>
+          <a:lnRef idx="2">
+            <a:schemeClr val="accent1">
+              <a:shade val="50000"/>
+            </a:schemeClr>
+          </a:lnRef>
+          <a:fillRef idx="1">
+            <a:schemeClr val="accent1"/>
+          </a:fillRef>
+          <a:effectRef idx="0">
+            <a:schemeClr val="accent1"/>
+          </a:effectRef>
+          <a:fontRef idx="minor">
+            <a:schemeClr val="lt1"/>
+          </a:fontRef>
+        </p:style>
+        <p:txBody>
+          <a:bodyPr rtlCol="0" anchor="ctr"/>
+          <a:lstStyle/>
+          <a:p>
+            <a:pPr algn="ctr"/>
+            <a:endParaRPr kumimoji="1" lang="ja-JP" altLang="en-US"/>
+          </a:p>
+        </p:txBody>
+      </p:sp>
+      <p:sp>
+        <p:nvSpPr>
+          <p:cNvPr id="4" name="楕円 3">
+            <a:extLst>
+              <a:ext uri="{FF2B5EF4-FFF2-40B4-BE49-F238E27FC236}">
+                <a16:creationId xmlns:a16="http://schemas.microsoft.com/office/drawing/2014/main" id="{026AA855-D35E-B729-11CE-E882B5A0B168}"/>
+              </a:ext>
+            </a:extLst>
+          </p:cNvPr>
+          <p:cNvSpPr/>
+          <p:nvPr/>
+        </p:nvSpPr>
+        <p:spPr>
+          <a:xfrm>
+            <a:off x="1835696" y="2852936"/>
+            <a:ext cx="1152128" cy="1152128"/>
+          </a:xfrm>
+          <a:prstGeom prst="ellipse">
+            <a:avLst/>
+          </a:prstGeom>
+          <a:solidFill>
+            <a:schemeClr val="bg1"/>
+          </a:solidFill>
+          <a:ln>
+            <a:solidFill>
+              <a:schemeClr val="tx1"/>
+            </a:solidFill>
+          </a:ln>
+        </p:spPr>
+        <p:style>
+          <a:lnRef idx="2">
+            <a:schemeClr val="accent1">
+              <a:shade val="50000"/>
+            </a:schemeClr>
+          </a:lnRef>
+          <a:fillRef idx="1">
+            <a:schemeClr val="accent1"/>
+          </a:fillRef>
+          <a:effectRef idx="0">
+            <a:schemeClr val="accent1"/>
+          </a:effectRef>
+          <a:fontRef idx="minor">
+            <a:schemeClr val="lt1"/>
+          </a:fontRef>
+        </p:style>
+        <p:txBody>
+          <a:bodyPr rtlCol="0" anchor="ctr"/>
+          <a:lstStyle/>
+          <a:p>
+            <a:pPr algn="ctr"/>
+            <a:endParaRPr kumimoji="1" lang="ja-JP" altLang="en-US"/>
+          </a:p>
+        </p:txBody>
+      </p:sp>
+      <p:sp>
+        <p:nvSpPr>
+          <p:cNvPr id="5" name="矢印: 上 4">
+            <a:extLst>
+              <a:ext uri="{FF2B5EF4-FFF2-40B4-BE49-F238E27FC236}">
+                <a16:creationId xmlns:a16="http://schemas.microsoft.com/office/drawing/2014/main" id="{DBD295CB-5678-A104-483A-2931BB94FFCF}"/>
+              </a:ext>
+            </a:extLst>
+          </p:cNvPr>
+          <p:cNvSpPr/>
+          <p:nvPr/>
+        </p:nvSpPr>
+        <p:spPr>
+          <a:xfrm>
+            <a:off x="2195736" y="4077072"/>
+            <a:ext cx="432048" cy="432048"/>
+          </a:xfrm>
+          <a:prstGeom prst="upArrow">
+            <a:avLst/>
+          </a:prstGeom>
+          <a:solidFill>
+            <a:srgbClr val="FFFF00"/>
+          </a:solidFill>
+          <a:ln>
+            <a:solidFill>
+              <a:schemeClr val="tx1"/>
+            </a:solidFill>
+          </a:ln>
+        </p:spPr>
+        <p:style>
+          <a:lnRef idx="2">
+            <a:schemeClr val="accent1">
+              <a:shade val="50000"/>
+            </a:schemeClr>
+          </a:lnRef>
+          <a:fillRef idx="1">
+            <a:schemeClr val="accent1"/>
+          </a:fillRef>
+          <a:effectRef idx="0">
+            <a:schemeClr val="accent1"/>
+          </a:effectRef>
+          <a:fontRef idx="minor">
+            <a:schemeClr val="lt1"/>
+          </a:fontRef>
+        </p:style>
+        <p:txBody>
+          <a:bodyPr rtlCol="0" anchor="ctr"/>
+          <a:lstStyle/>
+          <a:p>
+            <a:pPr algn="ctr"/>
+            <a:endParaRPr kumimoji="1" lang="ja-JP" altLang="en-US"/>
+          </a:p>
+        </p:txBody>
+      </p:sp>
+      <p:sp>
+        <p:nvSpPr>
+          <p:cNvPr id="9" name="矢印: 上 8">
+            <a:extLst>
+              <a:ext uri="{FF2B5EF4-FFF2-40B4-BE49-F238E27FC236}">
+                <a16:creationId xmlns:a16="http://schemas.microsoft.com/office/drawing/2014/main" id="{076B8D90-0C54-D54C-41CA-627A3CCFCB97}"/>
+              </a:ext>
+            </a:extLst>
+          </p:cNvPr>
+          <p:cNvSpPr/>
+          <p:nvPr/>
+        </p:nvSpPr>
+        <p:spPr>
+          <a:xfrm rot="5400000">
+            <a:off x="1331640" y="3212976"/>
+            <a:ext cx="432048" cy="432048"/>
+          </a:xfrm>
+          <a:prstGeom prst="upArrow">
+            <a:avLst/>
+          </a:prstGeom>
+          <a:solidFill>
+            <a:srgbClr val="FFFF00"/>
+          </a:solidFill>
+          <a:ln>
+            <a:solidFill>
+              <a:schemeClr val="tx1"/>
+            </a:solidFill>
+          </a:ln>
+        </p:spPr>
+        <p:style>
+          <a:lnRef idx="2">
+            <a:schemeClr val="accent1">
+              <a:shade val="50000"/>
+            </a:schemeClr>
+          </a:lnRef>
+          <a:fillRef idx="1">
+            <a:schemeClr val="accent1"/>
+          </a:fillRef>
+          <a:effectRef idx="0">
+            <a:schemeClr val="accent1"/>
+          </a:effectRef>
+          <a:fontRef idx="minor">
+            <a:schemeClr val="lt1"/>
+          </a:fontRef>
+        </p:style>
+        <p:txBody>
+          <a:bodyPr rtlCol="0" anchor="ctr"/>
+          <a:lstStyle/>
+          <a:p>
+            <a:pPr algn="ctr"/>
+            <a:endParaRPr kumimoji="1" lang="ja-JP" altLang="en-US"/>
+          </a:p>
+        </p:txBody>
+      </p:sp>
+      <p:sp>
+        <p:nvSpPr>
+          <p:cNvPr id="10" name="矢印: 上 9">
+            <a:extLst>
+              <a:ext uri="{FF2B5EF4-FFF2-40B4-BE49-F238E27FC236}">
+                <a16:creationId xmlns:a16="http://schemas.microsoft.com/office/drawing/2014/main" id="{769305A4-2A0D-5EE7-8291-4F1295D9330E}"/>
+              </a:ext>
+            </a:extLst>
+          </p:cNvPr>
+          <p:cNvSpPr/>
+          <p:nvPr/>
+        </p:nvSpPr>
+        <p:spPr>
+          <a:xfrm rot="16200000">
+            <a:off x="3131840" y="3212976"/>
+            <a:ext cx="432048" cy="432048"/>
+          </a:xfrm>
+          <a:prstGeom prst="upArrow">
+            <a:avLst/>
+          </a:prstGeom>
+          <a:solidFill>
+            <a:srgbClr val="FFFF00"/>
+          </a:solidFill>
+          <a:ln>
+            <a:solidFill>
+              <a:schemeClr val="tx1"/>
+            </a:solidFill>
+          </a:ln>
+        </p:spPr>
+        <p:style>
+          <a:lnRef idx="2">
+            <a:schemeClr val="accent1">
+              <a:shade val="50000"/>
+            </a:schemeClr>
+          </a:lnRef>
+          <a:fillRef idx="1">
+            <a:schemeClr val="accent1"/>
+          </a:fillRef>
+          <a:effectRef idx="0">
+            <a:schemeClr val="accent1"/>
+          </a:effectRef>
+          <a:fontRef idx="minor">
+            <a:schemeClr val="lt1"/>
+          </a:fontRef>
+        </p:style>
+        <p:txBody>
+          <a:bodyPr rtlCol="0" anchor="ctr"/>
+          <a:lstStyle/>
+          <a:p>
+            <a:pPr algn="ctr"/>
+            <a:endParaRPr kumimoji="1" lang="ja-JP" altLang="en-US"/>
+          </a:p>
+        </p:txBody>
+      </p:sp>
+      <p:sp>
+        <p:nvSpPr>
+          <p:cNvPr id="11" name="矢印: 上 10">
+            <a:extLst>
+              <a:ext uri="{FF2B5EF4-FFF2-40B4-BE49-F238E27FC236}">
+                <a16:creationId xmlns:a16="http://schemas.microsoft.com/office/drawing/2014/main" id="{E19BB833-8C52-00D5-DBA7-B00BEB4DDB76}"/>
+              </a:ext>
+            </a:extLst>
+          </p:cNvPr>
+          <p:cNvSpPr/>
+          <p:nvPr/>
+        </p:nvSpPr>
+        <p:spPr>
+          <a:xfrm rot="10800000">
+            <a:off x="2195736" y="2348880"/>
+            <a:ext cx="432048" cy="432048"/>
+          </a:xfrm>
+          <a:prstGeom prst="upArrow">
+            <a:avLst/>
+          </a:prstGeom>
+          <a:solidFill>
+            <a:srgbClr val="FFFF00"/>
+          </a:solidFill>
+          <a:ln>
+            <a:solidFill>
+              <a:schemeClr val="tx1"/>
+            </a:solidFill>
+          </a:ln>
+        </p:spPr>
+        <p:style>
+          <a:lnRef idx="2">
+            <a:schemeClr val="accent1">
+              <a:shade val="50000"/>
+            </a:schemeClr>
+          </a:lnRef>
+          <a:fillRef idx="1">
+            <a:schemeClr val="accent1"/>
+          </a:fillRef>
+          <a:effectRef idx="0">
+            <a:schemeClr val="accent1"/>
+          </a:effectRef>
+          <a:fontRef idx="minor">
+            <a:schemeClr val="lt1"/>
+          </a:fontRef>
+        </p:style>
+        <p:txBody>
+          <a:bodyPr rtlCol="0" anchor="ctr"/>
+          <a:lstStyle/>
+          <a:p>
+            <a:pPr algn="ctr"/>
+            <a:endParaRPr kumimoji="1" lang="ja-JP" altLang="en-US"/>
+          </a:p>
+        </p:txBody>
+      </p:sp>
+      <p:sp>
+        <p:nvSpPr>
+          <p:cNvPr id="12" name="矢印: 上 11">
+            <a:extLst>
+              <a:ext uri="{FF2B5EF4-FFF2-40B4-BE49-F238E27FC236}">
+                <a16:creationId xmlns:a16="http://schemas.microsoft.com/office/drawing/2014/main" id="{F226E6B3-D5F9-091A-50E5-E0834AC9AE45}"/>
+              </a:ext>
+            </a:extLst>
+          </p:cNvPr>
+          <p:cNvSpPr/>
+          <p:nvPr/>
+        </p:nvSpPr>
+        <p:spPr>
+          <a:xfrm rot="16200000">
+            <a:off x="1979712" y="3284984"/>
+            <a:ext cx="296416" cy="296416"/>
+          </a:xfrm>
+          <a:prstGeom prst="upArrow">
+            <a:avLst/>
+          </a:prstGeom>
+          <a:solidFill>
+            <a:srgbClr val="47CFFF"/>
+          </a:solidFill>
+          <a:ln>
+            <a:solidFill>
+              <a:schemeClr val="tx1"/>
+            </a:solidFill>
+          </a:ln>
+        </p:spPr>
+        <p:style>
+          <a:lnRef idx="2">
+            <a:schemeClr val="accent1">
+              <a:shade val="50000"/>
+            </a:schemeClr>
+          </a:lnRef>
+          <a:fillRef idx="1">
+            <a:schemeClr val="accent1"/>
+          </a:fillRef>
+          <a:effectRef idx="0">
+            <a:schemeClr val="accent1"/>
+          </a:effectRef>
+          <a:fontRef idx="minor">
+            <a:schemeClr val="lt1"/>
+          </a:fontRef>
+        </p:style>
+        <p:txBody>
+          <a:bodyPr rtlCol="0" anchor="ctr"/>
+          <a:lstStyle/>
+          <a:p>
+            <a:pPr algn="ctr"/>
+            <a:endParaRPr kumimoji="1" lang="ja-JP" altLang="en-US"/>
+          </a:p>
+        </p:txBody>
+      </p:sp>
+      <p:sp>
+        <p:nvSpPr>
+          <p:cNvPr id="13" name="矢印: 上 12">
+            <a:extLst>
+              <a:ext uri="{FF2B5EF4-FFF2-40B4-BE49-F238E27FC236}">
+                <a16:creationId xmlns:a16="http://schemas.microsoft.com/office/drawing/2014/main" id="{6A854D23-70A6-7153-04EB-8860920A1012}"/>
+              </a:ext>
+            </a:extLst>
+          </p:cNvPr>
+          <p:cNvSpPr/>
+          <p:nvPr/>
+        </p:nvSpPr>
+        <p:spPr>
+          <a:xfrm rot="5400000">
+            <a:off x="2555776" y="3284984"/>
+            <a:ext cx="296416" cy="296416"/>
+          </a:xfrm>
+          <a:prstGeom prst="upArrow">
+            <a:avLst/>
+          </a:prstGeom>
+          <a:solidFill>
+            <a:srgbClr val="47CFFF"/>
+          </a:solidFill>
+          <a:ln>
+            <a:solidFill>
+              <a:schemeClr val="tx1"/>
+            </a:solidFill>
+          </a:ln>
+        </p:spPr>
+        <p:style>
+          <a:lnRef idx="2">
+            <a:schemeClr val="accent1">
+              <a:shade val="50000"/>
+            </a:schemeClr>
+          </a:lnRef>
+          <a:fillRef idx="1">
+            <a:schemeClr val="accent1"/>
+          </a:fillRef>
+          <a:effectRef idx="0">
+            <a:schemeClr val="accent1"/>
+          </a:effectRef>
+          <a:fontRef idx="minor">
+            <a:schemeClr val="lt1"/>
+          </a:fontRef>
+        </p:style>
+        <p:txBody>
+          <a:bodyPr rtlCol="0" anchor="ctr"/>
+          <a:lstStyle/>
+          <a:p>
+            <a:pPr algn="ctr"/>
+            <a:endParaRPr kumimoji="1" lang="ja-JP" altLang="en-US"/>
+          </a:p>
+        </p:txBody>
+      </p:sp>
+      <p:sp>
+        <p:nvSpPr>
+          <p:cNvPr id="14" name="矢印: 上 13">
+            <a:extLst>
+              <a:ext uri="{FF2B5EF4-FFF2-40B4-BE49-F238E27FC236}">
+                <a16:creationId xmlns:a16="http://schemas.microsoft.com/office/drawing/2014/main" id="{37FB7D50-1B3D-2186-213D-E434177EFB12}"/>
+              </a:ext>
+            </a:extLst>
+          </p:cNvPr>
+          <p:cNvSpPr/>
+          <p:nvPr/>
+        </p:nvSpPr>
+        <p:spPr>
+          <a:xfrm rot="10800000">
+            <a:off x="2267745" y="3573016"/>
+            <a:ext cx="296416" cy="296416"/>
+          </a:xfrm>
+          <a:prstGeom prst="upArrow">
+            <a:avLst/>
+          </a:prstGeom>
+          <a:solidFill>
+            <a:srgbClr val="47CFFF"/>
+          </a:solidFill>
+          <a:ln>
+            <a:solidFill>
+              <a:schemeClr val="tx1"/>
+            </a:solidFill>
+          </a:ln>
+        </p:spPr>
+        <p:style>
+          <a:lnRef idx="2">
+            <a:schemeClr val="accent1">
+              <a:shade val="50000"/>
+            </a:schemeClr>
+          </a:lnRef>
+          <a:fillRef idx="1">
+            <a:schemeClr val="accent1"/>
+          </a:fillRef>
+          <a:effectRef idx="0">
+            <a:schemeClr val="accent1"/>
+          </a:effectRef>
+          <a:fontRef idx="minor">
+            <a:schemeClr val="lt1"/>
+          </a:fontRef>
+        </p:style>
+        <p:txBody>
+          <a:bodyPr rtlCol="0" anchor="ctr"/>
+          <a:lstStyle/>
+          <a:p>
+            <a:pPr algn="ctr"/>
+            <a:endParaRPr kumimoji="1" lang="ja-JP" altLang="en-US"/>
+          </a:p>
+        </p:txBody>
+      </p:sp>
+      <p:sp>
+        <p:nvSpPr>
+          <p:cNvPr id="15" name="矢印: 上 14">
+            <a:extLst>
+              <a:ext uri="{FF2B5EF4-FFF2-40B4-BE49-F238E27FC236}">
+                <a16:creationId xmlns:a16="http://schemas.microsoft.com/office/drawing/2014/main" id="{486769D4-4854-451E-0DE9-601E3367C8E5}"/>
+              </a:ext>
+            </a:extLst>
+          </p:cNvPr>
+          <p:cNvSpPr/>
+          <p:nvPr/>
+        </p:nvSpPr>
+        <p:spPr>
+          <a:xfrm>
+            <a:off x="2267744" y="2996952"/>
+            <a:ext cx="296416" cy="296416"/>
+          </a:xfrm>
+          <a:prstGeom prst="upArrow">
+            <a:avLst/>
+          </a:prstGeom>
+          <a:solidFill>
+            <a:srgbClr val="47CFFF"/>
+          </a:solidFill>
+          <a:ln>
+            <a:solidFill>
+              <a:schemeClr val="tx1"/>
+            </a:solidFill>
+          </a:ln>
+        </p:spPr>
+        <p:style>
+          <a:lnRef idx="2">
+            <a:schemeClr val="accent1">
+              <a:shade val="50000"/>
+            </a:schemeClr>
+          </a:lnRef>
+          <a:fillRef idx="1">
+            <a:schemeClr val="accent1"/>
+          </a:fillRef>
+          <a:effectRef idx="0">
+            <a:schemeClr val="accent1"/>
+          </a:effectRef>
+          <a:fontRef idx="minor">
+            <a:schemeClr val="lt1"/>
+          </a:fontRef>
+        </p:style>
+        <p:txBody>
+          <a:bodyPr rtlCol="0" anchor="ctr"/>
+          <a:lstStyle/>
+          <a:p>
+            <a:pPr algn="ctr"/>
+            <a:endParaRPr kumimoji="1" lang="ja-JP" altLang="en-US"/>
+          </a:p>
+        </p:txBody>
+      </p:sp>
+      <p:sp>
+        <p:nvSpPr>
+          <p:cNvPr id="16" name="テキスト ボックス 15">
+            <a:extLst>
+              <a:ext uri="{FF2B5EF4-FFF2-40B4-BE49-F238E27FC236}">
+                <a16:creationId xmlns:a16="http://schemas.microsoft.com/office/drawing/2014/main" id="{3DAF91FF-DF6F-FE03-7AFE-258939D71FFE}"/>
+              </a:ext>
+            </a:extLst>
+          </p:cNvPr>
+          <p:cNvSpPr txBox="1"/>
+          <p:nvPr/>
+        </p:nvSpPr>
+        <p:spPr>
+          <a:xfrm>
+            <a:off x="539552" y="1196752"/>
+            <a:ext cx="4852610" cy="523220"/>
+          </a:xfrm>
+          <a:prstGeom prst="rect">
+            <a:avLst/>
+          </a:prstGeom>
+          <a:noFill/>
+        </p:spPr>
+        <p:txBody>
+          <a:bodyPr wrap="none" rtlCol="0">
+            <a:spAutoFit/>
+          </a:bodyPr>
+          <a:lstStyle/>
+          <a:p>
+            <a:r>
+              <a:rPr kumimoji="1" lang="ja-JP" altLang="en-US" sz="2800"/>
+              <a:t>液相の中で泡ができたとする</a:t>
+            </a:r>
+          </a:p>
+        </p:txBody>
+      </p:sp>
+      <p:sp>
+        <p:nvSpPr>
+          <p:cNvPr id="17" name="テキスト ボックス 16">
+            <a:extLst>
+              <a:ext uri="{FF2B5EF4-FFF2-40B4-BE49-F238E27FC236}">
+                <a16:creationId xmlns:a16="http://schemas.microsoft.com/office/drawing/2014/main" id="{68CD9745-1D6E-CEC4-BA3F-0E3494EB6C9C}"/>
+              </a:ext>
+            </a:extLst>
+          </p:cNvPr>
+          <p:cNvSpPr txBox="1"/>
+          <p:nvPr/>
+        </p:nvSpPr>
+        <p:spPr>
+          <a:xfrm>
+            <a:off x="395536" y="5085184"/>
+            <a:ext cx="8443337" cy="954107"/>
+          </a:xfrm>
+          <a:prstGeom prst="rect">
+            <a:avLst/>
+          </a:prstGeom>
+          <a:noFill/>
+        </p:spPr>
+        <p:txBody>
+          <a:bodyPr wrap="none" rtlCol="0">
+            <a:spAutoFit/>
+          </a:bodyPr>
+          <a:lstStyle/>
+          <a:p>
+            <a:r>
+              <a:rPr kumimoji="1" lang="ja-JP" altLang="en-US" sz="2800"/>
+              <a:t>その温度での飽和蒸気圧が、外気圧より小さければ</a:t>
+            </a:r>
+            <a:endParaRPr kumimoji="1" lang="en-US" altLang="ja-JP" sz="2800"/>
+          </a:p>
+          <a:p>
+            <a:r>
+              <a:rPr lang="ja-JP" altLang="en-US" sz="2800"/>
+              <a:t>泡は潰れてしまう</a:t>
+            </a:r>
+            <a:endParaRPr kumimoji="1" lang="ja-JP" altLang="en-US" sz="2800"/>
+          </a:p>
+        </p:txBody>
+      </p:sp>
+      <p:sp>
+        <p:nvSpPr>
+          <p:cNvPr id="18" name="正方形/長方形 17">
+            <a:extLst>
+              <a:ext uri="{FF2B5EF4-FFF2-40B4-BE49-F238E27FC236}">
+                <a16:creationId xmlns:a16="http://schemas.microsoft.com/office/drawing/2014/main" id="{A7D5C07C-9E25-C631-D5DC-3793DF1F9A06}"/>
+              </a:ext>
+            </a:extLst>
+          </p:cNvPr>
+          <p:cNvSpPr/>
+          <p:nvPr/>
+        </p:nvSpPr>
+        <p:spPr>
+          <a:xfrm>
+            <a:off x="5292080" y="1988840"/>
+            <a:ext cx="2880320" cy="2880320"/>
+          </a:xfrm>
+          <a:prstGeom prst="rect">
+            <a:avLst/>
+          </a:prstGeom>
+          <a:solidFill>
+            <a:srgbClr val="011893"/>
+          </a:solidFill>
+          <a:ln>
+            <a:solidFill>
+              <a:schemeClr val="tx1"/>
+            </a:solidFill>
+          </a:ln>
+        </p:spPr>
+        <p:style>
+          <a:lnRef idx="2">
+            <a:schemeClr val="accent1">
+              <a:shade val="50000"/>
+            </a:schemeClr>
+          </a:lnRef>
+          <a:fillRef idx="1">
+            <a:schemeClr val="accent1"/>
+          </a:fillRef>
+          <a:effectRef idx="0">
+            <a:schemeClr val="accent1"/>
+          </a:effectRef>
+          <a:fontRef idx="minor">
+            <a:schemeClr val="lt1"/>
+          </a:fontRef>
+        </p:style>
+        <p:txBody>
+          <a:bodyPr rtlCol="0" anchor="ctr"/>
+          <a:lstStyle/>
+          <a:p>
+            <a:pPr algn="ctr"/>
+            <a:endParaRPr kumimoji="1" lang="ja-JP" altLang="en-US"/>
+          </a:p>
+        </p:txBody>
+      </p:sp>
+      <p:sp>
+        <p:nvSpPr>
+          <p:cNvPr id="19" name="楕円 18">
+            <a:extLst>
+              <a:ext uri="{FF2B5EF4-FFF2-40B4-BE49-F238E27FC236}">
+                <a16:creationId xmlns:a16="http://schemas.microsoft.com/office/drawing/2014/main" id="{EBF524BD-8B14-BC35-FFE5-90EFFA65823A}"/>
+              </a:ext>
+            </a:extLst>
+          </p:cNvPr>
+          <p:cNvSpPr/>
+          <p:nvPr/>
+        </p:nvSpPr>
+        <p:spPr>
+          <a:xfrm>
+            <a:off x="6444208" y="3140968"/>
+            <a:ext cx="576064" cy="576064"/>
+          </a:xfrm>
+          <a:prstGeom prst="ellipse">
+            <a:avLst/>
+          </a:prstGeom>
+          <a:solidFill>
+            <a:schemeClr val="bg1"/>
+          </a:solidFill>
+          <a:ln>
+            <a:solidFill>
+              <a:schemeClr val="tx1"/>
+            </a:solidFill>
+          </a:ln>
+        </p:spPr>
+        <p:style>
+          <a:lnRef idx="2">
+            <a:schemeClr val="accent1">
+              <a:shade val="50000"/>
+            </a:schemeClr>
+          </a:lnRef>
+          <a:fillRef idx="1">
+            <a:schemeClr val="accent1"/>
+          </a:fillRef>
+          <a:effectRef idx="0">
+            <a:schemeClr val="accent1"/>
+          </a:effectRef>
+          <a:fontRef idx="minor">
+            <a:schemeClr val="lt1"/>
+          </a:fontRef>
+        </p:style>
+        <p:txBody>
+          <a:bodyPr rtlCol="0" anchor="ctr"/>
+          <a:lstStyle/>
+          <a:p>
+            <a:pPr algn="ctr"/>
+            <a:endParaRPr kumimoji="1" lang="ja-JP" altLang="en-US"/>
+          </a:p>
+        </p:txBody>
+      </p:sp>
+      <p:sp>
+        <p:nvSpPr>
+          <p:cNvPr id="20" name="矢印: 上 19">
+            <a:extLst>
+              <a:ext uri="{FF2B5EF4-FFF2-40B4-BE49-F238E27FC236}">
+                <a16:creationId xmlns:a16="http://schemas.microsoft.com/office/drawing/2014/main" id="{8C28D02C-5107-9056-251C-93070B12671C}"/>
+              </a:ext>
+            </a:extLst>
+          </p:cNvPr>
+          <p:cNvSpPr/>
+          <p:nvPr/>
+        </p:nvSpPr>
+        <p:spPr>
+          <a:xfrm>
+            <a:off x="6516216" y="3861048"/>
+            <a:ext cx="432048" cy="432048"/>
+          </a:xfrm>
+          <a:prstGeom prst="upArrow">
+            <a:avLst/>
+          </a:prstGeom>
+          <a:solidFill>
+            <a:srgbClr val="FFFF00"/>
+          </a:solidFill>
+          <a:ln>
+            <a:solidFill>
+              <a:schemeClr val="tx1"/>
+            </a:solidFill>
+          </a:ln>
+        </p:spPr>
+        <p:style>
+          <a:lnRef idx="2">
+            <a:schemeClr val="accent1">
+              <a:shade val="50000"/>
+            </a:schemeClr>
+          </a:lnRef>
+          <a:fillRef idx="1">
+            <a:schemeClr val="accent1"/>
+          </a:fillRef>
+          <a:effectRef idx="0">
+            <a:schemeClr val="accent1"/>
+          </a:effectRef>
+          <a:fontRef idx="minor">
+            <a:schemeClr val="lt1"/>
+          </a:fontRef>
+        </p:style>
+        <p:txBody>
+          <a:bodyPr rtlCol="0" anchor="ctr"/>
+          <a:lstStyle/>
+          <a:p>
+            <a:pPr algn="ctr"/>
+            <a:endParaRPr kumimoji="1" lang="ja-JP" altLang="en-US"/>
+          </a:p>
+        </p:txBody>
+      </p:sp>
+      <p:sp>
+        <p:nvSpPr>
+          <p:cNvPr id="21" name="矢印: 上 20">
+            <a:extLst>
+              <a:ext uri="{FF2B5EF4-FFF2-40B4-BE49-F238E27FC236}">
+                <a16:creationId xmlns:a16="http://schemas.microsoft.com/office/drawing/2014/main" id="{1BF2269D-6174-4677-B1D5-1BB3513A2BE0}"/>
+              </a:ext>
+            </a:extLst>
+          </p:cNvPr>
+          <p:cNvSpPr/>
+          <p:nvPr/>
+        </p:nvSpPr>
+        <p:spPr>
+          <a:xfrm rot="5400000">
+            <a:off x="5940152" y="3212976"/>
+            <a:ext cx="432048" cy="432048"/>
+          </a:xfrm>
+          <a:prstGeom prst="upArrow">
+            <a:avLst/>
+          </a:prstGeom>
+          <a:solidFill>
+            <a:srgbClr val="FFFF00"/>
+          </a:solidFill>
+          <a:ln>
+            <a:solidFill>
+              <a:schemeClr val="tx1"/>
+            </a:solidFill>
+          </a:ln>
+        </p:spPr>
+        <p:style>
+          <a:lnRef idx="2">
+            <a:schemeClr val="accent1">
+              <a:shade val="50000"/>
+            </a:schemeClr>
+          </a:lnRef>
+          <a:fillRef idx="1">
+            <a:schemeClr val="accent1"/>
+          </a:fillRef>
+          <a:effectRef idx="0">
+            <a:schemeClr val="accent1"/>
+          </a:effectRef>
+          <a:fontRef idx="minor">
+            <a:schemeClr val="lt1"/>
+          </a:fontRef>
+        </p:style>
+        <p:txBody>
+          <a:bodyPr rtlCol="0" anchor="ctr"/>
+          <a:lstStyle/>
+          <a:p>
+            <a:pPr algn="ctr"/>
+            <a:endParaRPr kumimoji="1" lang="ja-JP" altLang="en-US"/>
+          </a:p>
+        </p:txBody>
+      </p:sp>
+      <p:sp>
+        <p:nvSpPr>
+          <p:cNvPr id="22" name="矢印: 上 21">
+            <a:extLst>
+              <a:ext uri="{FF2B5EF4-FFF2-40B4-BE49-F238E27FC236}">
+                <a16:creationId xmlns:a16="http://schemas.microsoft.com/office/drawing/2014/main" id="{5C9E4D06-F040-1CB7-F94D-C028398BF278}"/>
+              </a:ext>
+            </a:extLst>
+          </p:cNvPr>
+          <p:cNvSpPr/>
+          <p:nvPr/>
+        </p:nvSpPr>
+        <p:spPr>
+          <a:xfrm rot="16200000">
+            <a:off x="7092280" y="3212976"/>
+            <a:ext cx="432048" cy="432048"/>
+          </a:xfrm>
+          <a:prstGeom prst="upArrow">
+            <a:avLst/>
+          </a:prstGeom>
+          <a:solidFill>
+            <a:srgbClr val="FFFF00"/>
+          </a:solidFill>
+          <a:ln>
+            <a:solidFill>
+              <a:schemeClr val="tx1"/>
+            </a:solidFill>
+          </a:ln>
+        </p:spPr>
+        <p:style>
+          <a:lnRef idx="2">
+            <a:schemeClr val="accent1">
+              <a:shade val="50000"/>
+            </a:schemeClr>
+          </a:lnRef>
+          <a:fillRef idx="1">
+            <a:schemeClr val="accent1"/>
+          </a:fillRef>
+          <a:effectRef idx="0">
+            <a:schemeClr val="accent1"/>
+          </a:effectRef>
+          <a:fontRef idx="minor">
+            <a:schemeClr val="lt1"/>
+          </a:fontRef>
+        </p:style>
+        <p:txBody>
+          <a:bodyPr rtlCol="0" anchor="ctr"/>
+          <a:lstStyle/>
+          <a:p>
+            <a:pPr algn="ctr"/>
+            <a:endParaRPr kumimoji="1" lang="ja-JP" altLang="en-US"/>
+          </a:p>
+        </p:txBody>
+      </p:sp>
+      <p:sp>
+        <p:nvSpPr>
+          <p:cNvPr id="23" name="矢印: 上 22">
+            <a:extLst>
+              <a:ext uri="{FF2B5EF4-FFF2-40B4-BE49-F238E27FC236}">
+                <a16:creationId xmlns:a16="http://schemas.microsoft.com/office/drawing/2014/main" id="{BE1D8233-1F6A-4BA7-7CDE-9C0405736E40}"/>
+              </a:ext>
+            </a:extLst>
+          </p:cNvPr>
+          <p:cNvSpPr/>
+          <p:nvPr/>
+        </p:nvSpPr>
+        <p:spPr>
+          <a:xfrm rot="10800000">
+            <a:off x="6516216" y="2636912"/>
+            <a:ext cx="432048" cy="432048"/>
+          </a:xfrm>
+          <a:prstGeom prst="upArrow">
+            <a:avLst/>
+          </a:prstGeom>
+          <a:solidFill>
+            <a:srgbClr val="FFFF00"/>
+          </a:solidFill>
+          <a:ln>
+            <a:solidFill>
+              <a:schemeClr val="tx1"/>
+            </a:solidFill>
+          </a:ln>
+        </p:spPr>
+        <p:style>
+          <a:lnRef idx="2">
+            <a:schemeClr val="accent1">
+              <a:shade val="50000"/>
+            </a:schemeClr>
+          </a:lnRef>
+          <a:fillRef idx="1">
+            <a:schemeClr val="accent1"/>
+          </a:fillRef>
+          <a:effectRef idx="0">
+            <a:schemeClr val="accent1"/>
+          </a:effectRef>
+          <a:fontRef idx="minor">
+            <a:schemeClr val="lt1"/>
+          </a:fontRef>
+        </p:style>
+        <p:txBody>
+          <a:bodyPr rtlCol="0" anchor="ctr"/>
+          <a:lstStyle/>
+          <a:p>
+            <a:pPr algn="ctr"/>
+            <a:endParaRPr kumimoji="1" lang="ja-JP" altLang="en-US"/>
+          </a:p>
+        </p:txBody>
+      </p:sp>
+      <p:sp>
+        <p:nvSpPr>
+          <p:cNvPr id="28" name="矢印: 右 27">
+            <a:extLst>
+              <a:ext uri="{FF2B5EF4-FFF2-40B4-BE49-F238E27FC236}">
+                <a16:creationId xmlns:a16="http://schemas.microsoft.com/office/drawing/2014/main" id="{E52281ED-816B-9E17-08F4-A73648C6EA59}"/>
+              </a:ext>
+            </a:extLst>
+          </p:cNvPr>
+          <p:cNvSpPr/>
+          <p:nvPr/>
+        </p:nvSpPr>
+        <p:spPr>
+          <a:xfrm>
+            <a:off x="4139952" y="3140968"/>
+            <a:ext cx="978408" cy="484632"/>
+          </a:xfrm>
+          <a:prstGeom prst="rightArrow">
+            <a:avLst/>
+          </a:prstGeom>
+          <a:solidFill>
+            <a:srgbClr val="FF0000"/>
+          </a:solidFill>
+          <a:ln>
+            <a:solidFill>
+              <a:schemeClr val="tx1"/>
+            </a:solidFill>
+          </a:ln>
+        </p:spPr>
+        <p:style>
+          <a:lnRef idx="2">
+            <a:schemeClr val="accent1">
+              <a:shade val="50000"/>
+            </a:schemeClr>
+          </a:lnRef>
+          <a:fillRef idx="1">
+            <a:schemeClr val="accent1"/>
+          </a:fillRef>
+          <a:effectRef idx="0">
+            <a:schemeClr val="accent1"/>
+          </a:effectRef>
+          <a:fontRef idx="minor">
+            <a:schemeClr val="lt1"/>
+          </a:fontRef>
+        </p:style>
+        <p:txBody>
+          <a:bodyPr rtlCol="0" anchor="ctr"/>
+          <a:lstStyle/>
+          <a:p>
+            <a:pPr algn="ctr"/>
+            <a:endParaRPr kumimoji="1" lang="ja-JP" altLang="en-US"/>
+          </a:p>
+        </p:txBody>
+      </p:sp>
+    </p:spTree>
+    <p:extLst>
+      <p:ext uri="{BB962C8B-B14F-4D97-AF65-F5344CB8AC3E}">
+        <p14:creationId xmlns:p14="http://schemas.microsoft.com/office/powerpoint/2010/main" val="1529283937"/>
+      </p:ext>
+    </p:extLst>
+  </p:cSld>
+  <p:clrMapOvr>
+    <a:masterClrMapping/>
+  </p:clrMapOvr>
+</p:sld>
+</file>
+
+<file path=ppt/slides/slide26.xml><?xml version="1.0" encoding="utf-8"?>
+<p:sld xmlns:a="http://schemas.openxmlformats.org/drawingml/2006/main" xmlns:r="http://schemas.openxmlformats.org/officeDocument/2006/relationships" xmlns:p="http://schemas.openxmlformats.org/presentationml/2006/main">
+  <p:cSld>
+    <p:spTree>
+      <p:nvGrpSpPr>
+        <p:cNvPr id="1" name=""/>
+        <p:cNvGrpSpPr/>
+        <p:nvPr/>
+      </p:nvGrpSpPr>
+      <p:grpSpPr>
+        <a:xfrm>
+          <a:off x="0" y="0"/>
+          <a:ext cx="0" cy="0"/>
+          <a:chOff x="0" y="0"/>
+          <a:chExt cx="0" cy="0"/>
+        </a:xfrm>
+      </p:grpSpPr>
+      <p:sp>
+        <p:nvSpPr>
+          <p:cNvPr id="2" name="テキスト プレースホルダー 1">
+            <a:extLst>
+              <a:ext uri="{FF2B5EF4-FFF2-40B4-BE49-F238E27FC236}">
+                <a16:creationId xmlns:a16="http://schemas.microsoft.com/office/drawing/2014/main" id="{5229951C-E82F-872F-65B4-5D4EA76C0BC2}"/>
+              </a:ext>
+            </a:extLst>
+          </p:cNvPr>
+          <p:cNvSpPr>
+            <a:spLocks noGrp="1"/>
+          </p:cNvSpPr>
+          <p:nvPr>
+            <p:ph type="body" sz="quarter" idx="10"/>
+          </p:nvPr>
+        </p:nvSpPr>
+        <p:spPr/>
+        <p:txBody>
+          <a:bodyPr/>
+          <a:lstStyle/>
+          <a:p>
+            <a:r>
+              <a:rPr kumimoji="1" lang="ja-JP" altLang="en-US"/>
+              <a:t>沸騰</a:t>
+            </a:r>
+          </a:p>
+        </p:txBody>
+      </p:sp>
+      <p:sp>
+        <p:nvSpPr>
+          <p:cNvPr id="3" name="正方形/長方形 2">
+            <a:extLst>
+              <a:ext uri="{FF2B5EF4-FFF2-40B4-BE49-F238E27FC236}">
+                <a16:creationId xmlns:a16="http://schemas.microsoft.com/office/drawing/2014/main" id="{93F9FE5F-D59A-3708-EFDB-9E000B5CFEC5}"/>
+              </a:ext>
+            </a:extLst>
+          </p:cNvPr>
+          <p:cNvSpPr/>
+          <p:nvPr/>
+        </p:nvSpPr>
+        <p:spPr>
+          <a:xfrm>
+            <a:off x="971600" y="1988840"/>
+            <a:ext cx="2880320" cy="2880320"/>
+          </a:xfrm>
+          <a:prstGeom prst="rect">
+            <a:avLst/>
+          </a:prstGeom>
+          <a:solidFill>
+            <a:srgbClr val="011893"/>
+          </a:solidFill>
+          <a:ln>
+            <a:solidFill>
+              <a:schemeClr val="tx1"/>
+            </a:solidFill>
+          </a:ln>
+        </p:spPr>
+        <p:style>
+          <a:lnRef idx="2">
+            <a:schemeClr val="accent1">
+              <a:shade val="50000"/>
+            </a:schemeClr>
+          </a:lnRef>
+          <a:fillRef idx="1">
+            <a:schemeClr val="accent1"/>
+          </a:fillRef>
+          <a:effectRef idx="0">
+            <a:schemeClr val="accent1"/>
+          </a:effectRef>
+          <a:fontRef idx="minor">
+            <a:schemeClr val="lt1"/>
+          </a:fontRef>
+        </p:style>
+        <p:txBody>
+          <a:bodyPr rtlCol="0" anchor="ctr"/>
+          <a:lstStyle/>
+          <a:p>
+            <a:pPr algn="ctr"/>
+            <a:endParaRPr kumimoji="1" lang="ja-JP" altLang="en-US"/>
+          </a:p>
+        </p:txBody>
+      </p:sp>
+      <p:sp>
+        <p:nvSpPr>
+          <p:cNvPr id="4" name="楕円 3">
+            <a:extLst>
+              <a:ext uri="{FF2B5EF4-FFF2-40B4-BE49-F238E27FC236}">
+                <a16:creationId xmlns:a16="http://schemas.microsoft.com/office/drawing/2014/main" id="{568FD534-4A92-F320-A78A-06B15FEC1C00}"/>
+              </a:ext>
+            </a:extLst>
+          </p:cNvPr>
+          <p:cNvSpPr/>
+          <p:nvPr/>
+        </p:nvSpPr>
+        <p:spPr>
+          <a:xfrm>
+            <a:off x="1835696" y="2852936"/>
+            <a:ext cx="1152128" cy="1152128"/>
+          </a:xfrm>
+          <a:prstGeom prst="ellipse">
+            <a:avLst/>
+          </a:prstGeom>
+          <a:solidFill>
+            <a:schemeClr val="bg1"/>
+          </a:solidFill>
+          <a:ln>
+            <a:solidFill>
+              <a:schemeClr val="tx1"/>
+            </a:solidFill>
+          </a:ln>
+        </p:spPr>
+        <p:style>
+          <a:lnRef idx="2">
+            <a:schemeClr val="accent1">
+              <a:shade val="50000"/>
+            </a:schemeClr>
+          </a:lnRef>
+          <a:fillRef idx="1">
+            <a:schemeClr val="accent1"/>
+          </a:fillRef>
+          <a:effectRef idx="0">
+            <a:schemeClr val="accent1"/>
+          </a:effectRef>
+          <a:fontRef idx="minor">
+            <a:schemeClr val="lt1"/>
+          </a:fontRef>
+        </p:style>
+        <p:txBody>
+          <a:bodyPr rtlCol="0" anchor="ctr"/>
+          <a:lstStyle/>
+          <a:p>
+            <a:pPr algn="ctr"/>
+            <a:endParaRPr kumimoji="1" lang="ja-JP" altLang="en-US"/>
+          </a:p>
+        </p:txBody>
+      </p:sp>
+      <p:sp>
+        <p:nvSpPr>
+          <p:cNvPr id="8" name="矢印: 上 7">
+            <a:extLst>
+              <a:ext uri="{FF2B5EF4-FFF2-40B4-BE49-F238E27FC236}">
+                <a16:creationId xmlns:a16="http://schemas.microsoft.com/office/drawing/2014/main" id="{F58B73E1-C17E-6D4D-64BB-1CB98B1A410F}"/>
+              </a:ext>
+            </a:extLst>
+          </p:cNvPr>
+          <p:cNvSpPr/>
+          <p:nvPr/>
+        </p:nvSpPr>
+        <p:spPr>
+          <a:xfrm rot="10800000">
+            <a:off x="2267744" y="2492895"/>
+            <a:ext cx="288032" cy="288032"/>
+          </a:xfrm>
+          <a:prstGeom prst="upArrow">
+            <a:avLst/>
+          </a:prstGeom>
+          <a:solidFill>
+            <a:srgbClr val="FFFF00"/>
+          </a:solidFill>
+          <a:ln>
+            <a:solidFill>
+              <a:schemeClr val="tx1"/>
+            </a:solidFill>
+          </a:ln>
+        </p:spPr>
+        <p:style>
+          <a:lnRef idx="2">
+            <a:schemeClr val="accent1">
+              <a:shade val="50000"/>
+            </a:schemeClr>
+          </a:lnRef>
+          <a:fillRef idx="1">
+            <a:schemeClr val="accent1"/>
+          </a:fillRef>
+          <a:effectRef idx="0">
+            <a:schemeClr val="accent1"/>
+          </a:effectRef>
+          <a:fontRef idx="minor">
+            <a:schemeClr val="lt1"/>
+          </a:fontRef>
+        </p:style>
+        <p:txBody>
+          <a:bodyPr rtlCol="0" anchor="ctr"/>
+          <a:lstStyle/>
+          <a:p>
+            <a:pPr algn="ctr"/>
+            <a:endParaRPr kumimoji="1" lang="ja-JP" altLang="en-US"/>
+          </a:p>
+        </p:txBody>
+      </p:sp>
+      <p:sp>
+        <p:nvSpPr>
+          <p:cNvPr id="9" name="矢印: 上 8">
+            <a:extLst>
+              <a:ext uri="{FF2B5EF4-FFF2-40B4-BE49-F238E27FC236}">
+                <a16:creationId xmlns:a16="http://schemas.microsoft.com/office/drawing/2014/main" id="{9CFDDAAC-3C83-55AA-2729-D3B801E4CE66}"/>
+              </a:ext>
+            </a:extLst>
+          </p:cNvPr>
+          <p:cNvSpPr/>
+          <p:nvPr/>
+        </p:nvSpPr>
+        <p:spPr>
+          <a:xfrm rot="16200000">
+            <a:off x="1979712" y="3284984"/>
+            <a:ext cx="296416" cy="296416"/>
+          </a:xfrm>
+          <a:prstGeom prst="upArrow">
+            <a:avLst/>
+          </a:prstGeom>
+          <a:solidFill>
+            <a:srgbClr val="47CFFF"/>
+          </a:solidFill>
+          <a:ln>
+            <a:solidFill>
+              <a:schemeClr val="tx1"/>
+            </a:solidFill>
+          </a:ln>
+        </p:spPr>
+        <p:style>
+          <a:lnRef idx="2">
+            <a:schemeClr val="accent1">
+              <a:shade val="50000"/>
+            </a:schemeClr>
+          </a:lnRef>
+          <a:fillRef idx="1">
+            <a:schemeClr val="accent1"/>
+          </a:fillRef>
+          <a:effectRef idx="0">
+            <a:schemeClr val="accent1"/>
+          </a:effectRef>
+          <a:fontRef idx="minor">
+            <a:schemeClr val="lt1"/>
+          </a:fontRef>
+        </p:style>
+        <p:txBody>
+          <a:bodyPr rtlCol="0" anchor="ctr"/>
+          <a:lstStyle/>
+          <a:p>
+            <a:pPr algn="ctr"/>
+            <a:endParaRPr kumimoji="1" lang="ja-JP" altLang="en-US"/>
+          </a:p>
+        </p:txBody>
+      </p:sp>
+      <p:sp>
+        <p:nvSpPr>
+          <p:cNvPr id="10" name="矢印: 上 9">
+            <a:extLst>
+              <a:ext uri="{FF2B5EF4-FFF2-40B4-BE49-F238E27FC236}">
+                <a16:creationId xmlns:a16="http://schemas.microsoft.com/office/drawing/2014/main" id="{435E4F58-11DD-EF65-38B3-C96C4C86DC89}"/>
+              </a:ext>
+            </a:extLst>
+          </p:cNvPr>
+          <p:cNvSpPr/>
+          <p:nvPr/>
+        </p:nvSpPr>
+        <p:spPr>
+          <a:xfrm rot="5400000">
+            <a:off x="2555776" y="3284984"/>
+            <a:ext cx="296416" cy="296416"/>
+          </a:xfrm>
+          <a:prstGeom prst="upArrow">
+            <a:avLst/>
+          </a:prstGeom>
+          <a:solidFill>
+            <a:srgbClr val="47CFFF"/>
+          </a:solidFill>
+          <a:ln>
+            <a:solidFill>
+              <a:schemeClr val="tx1"/>
+            </a:solidFill>
+          </a:ln>
+        </p:spPr>
+        <p:style>
+          <a:lnRef idx="2">
+            <a:schemeClr val="accent1">
+              <a:shade val="50000"/>
+            </a:schemeClr>
+          </a:lnRef>
+          <a:fillRef idx="1">
+            <a:schemeClr val="accent1"/>
+          </a:fillRef>
+          <a:effectRef idx="0">
+            <a:schemeClr val="accent1"/>
+          </a:effectRef>
+          <a:fontRef idx="minor">
+            <a:schemeClr val="lt1"/>
+          </a:fontRef>
+        </p:style>
+        <p:txBody>
+          <a:bodyPr rtlCol="0" anchor="ctr"/>
+          <a:lstStyle/>
+          <a:p>
+            <a:pPr algn="ctr"/>
+            <a:endParaRPr kumimoji="1" lang="ja-JP" altLang="en-US"/>
+          </a:p>
+        </p:txBody>
+      </p:sp>
+      <p:sp>
+        <p:nvSpPr>
+          <p:cNvPr id="11" name="矢印: 上 10">
+            <a:extLst>
+              <a:ext uri="{FF2B5EF4-FFF2-40B4-BE49-F238E27FC236}">
+                <a16:creationId xmlns:a16="http://schemas.microsoft.com/office/drawing/2014/main" id="{DBDF8146-FFFF-C2CF-D765-F31223057262}"/>
+              </a:ext>
+            </a:extLst>
+          </p:cNvPr>
+          <p:cNvSpPr/>
+          <p:nvPr/>
+        </p:nvSpPr>
+        <p:spPr>
+          <a:xfrm rot="10800000">
+            <a:off x="2267745" y="3573016"/>
+            <a:ext cx="296416" cy="296416"/>
+          </a:xfrm>
+          <a:prstGeom prst="upArrow">
+            <a:avLst/>
+          </a:prstGeom>
+          <a:solidFill>
+            <a:srgbClr val="47CFFF"/>
+          </a:solidFill>
+          <a:ln>
+            <a:solidFill>
+              <a:schemeClr val="tx1"/>
+            </a:solidFill>
+          </a:ln>
+        </p:spPr>
+        <p:style>
+          <a:lnRef idx="2">
+            <a:schemeClr val="accent1">
+              <a:shade val="50000"/>
+            </a:schemeClr>
+          </a:lnRef>
+          <a:fillRef idx="1">
+            <a:schemeClr val="accent1"/>
+          </a:fillRef>
+          <a:effectRef idx="0">
+            <a:schemeClr val="accent1"/>
+          </a:effectRef>
+          <a:fontRef idx="minor">
+            <a:schemeClr val="lt1"/>
+          </a:fontRef>
+        </p:style>
+        <p:txBody>
+          <a:bodyPr rtlCol="0" anchor="ctr"/>
+          <a:lstStyle/>
+          <a:p>
+            <a:pPr algn="ctr"/>
+            <a:endParaRPr kumimoji="1" lang="ja-JP" altLang="en-US"/>
+          </a:p>
+        </p:txBody>
+      </p:sp>
+      <p:sp>
+        <p:nvSpPr>
+          <p:cNvPr id="12" name="矢印: 上 11">
+            <a:extLst>
+              <a:ext uri="{FF2B5EF4-FFF2-40B4-BE49-F238E27FC236}">
+                <a16:creationId xmlns:a16="http://schemas.microsoft.com/office/drawing/2014/main" id="{2748C91F-6411-8D4F-4EA5-371845F2670A}"/>
+              </a:ext>
+            </a:extLst>
+          </p:cNvPr>
+          <p:cNvSpPr/>
+          <p:nvPr/>
+        </p:nvSpPr>
+        <p:spPr>
+          <a:xfrm>
+            <a:off x="2267744" y="2996952"/>
+            <a:ext cx="296416" cy="296416"/>
+          </a:xfrm>
+          <a:prstGeom prst="upArrow">
+            <a:avLst/>
+          </a:prstGeom>
+          <a:solidFill>
+            <a:srgbClr val="47CFFF"/>
+          </a:solidFill>
+          <a:ln>
+            <a:solidFill>
+              <a:schemeClr val="tx1"/>
+            </a:solidFill>
+          </a:ln>
+        </p:spPr>
+        <p:style>
+          <a:lnRef idx="2">
+            <a:schemeClr val="accent1">
+              <a:shade val="50000"/>
+            </a:schemeClr>
+          </a:lnRef>
+          <a:fillRef idx="1">
+            <a:schemeClr val="accent1"/>
+          </a:fillRef>
+          <a:effectRef idx="0">
+            <a:schemeClr val="accent1"/>
+          </a:effectRef>
+          <a:fontRef idx="minor">
+            <a:schemeClr val="lt1"/>
+          </a:fontRef>
+        </p:style>
+        <p:txBody>
+          <a:bodyPr rtlCol="0" anchor="ctr"/>
+          <a:lstStyle/>
+          <a:p>
+            <a:pPr algn="ctr"/>
+            <a:endParaRPr kumimoji="1" lang="ja-JP" altLang="en-US"/>
+          </a:p>
+        </p:txBody>
+      </p:sp>
+      <p:sp>
+        <p:nvSpPr>
+          <p:cNvPr id="13" name="テキスト ボックス 12">
+            <a:extLst>
+              <a:ext uri="{FF2B5EF4-FFF2-40B4-BE49-F238E27FC236}">
+                <a16:creationId xmlns:a16="http://schemas.microsoft.com/office/drawing/2014/main" id="{A295732B-4162-BE91-9335-2CB824CD249A}"/>
+              </a:ext>
+            </a:extLst>
+          </p:cNvPr>
+          <p:cNvSpPr txBox="1"/>
+          <p:nvPr/>
+        </p:nvSpPr>
+        <p:spPr>
+          <a:xfrm>
+            <a:off x="539552" y="1196752"/>
+            <a:ext cx="4852610" cy="523220"/>
+          </a:xfrm>
+          <a:prstGeom prst="rect">
+            <a:avLst/>
+          </a:prstGeom>
+          <a:noFill/>
+        </p:spPr>
+        <p:txBody>
+          <a:bodyPr wrap="none" rtlCol="0">
+            <a:spAutoFit/>
+          </a:bodyPr>
+          <a:lstStyle/>
+          <a:p>
+            <a:r>
+              <a:rPr kumimoji="1" lang="ja-JP" altLang="en-US" sz="2800"/>
+              <a:t>液相の中で泡ができたとする</a:t>
+            </a:r>
+          </a:p>
+        </p:txBody>
+      </p:sp>
+      <p:sp>
+        <p:nvSpPr>
+          <p:cNvPr id="14" name="正方形/長方形 13">
+            <a:extLst>
+              <a:ext uri="{FF2B5EF4-FFF2-40B4-BE49-F238E27FC236}">
+                <a16:creationId xmlns:a16="http://schemas.microsoft.com/office/drawing/2014/main" id="{36C16283-1C01-D7CF-5FEB-3EEE7AE02E97}"/>
+              </a:ext>
+            </a:extLst>
+          </p:cNvPr>
+          <p:cNvSpPr/>
+          <p:nvPr/>
+        </p:nvSpPr>
+        <p:spPr>
+          <a:xfrm>
+            <a:off x="5292080" y="1988840"/>
+            <a:ext cx="2880320" cy="2880320"/>
+          </a:xfrm>
+          <a:prstGeom prst="rect">
+            <a:avLst/>
+          </a:prstGeom>
+          <a:solidFill>
+            <a:srgbClr val="011893"/>
+          </a:solidFill>
+          <a:ln>
+            <a:solidFill>
+              <a:schemeClr val="tx1"/>
+            </a:solidFill>
+          </a:ln>
+        </p:spPr>
+        <p:style>
+          <a:lnRef idx="2">
+            <a:schemeClr val="accent1">
+              <a:shade val="50000"/>
+            </a:schemeClr>
+          </a:lnRef>
+          <a:fillRef idx="1">
+            <a:schemeClr val="accent1"/>
+          </a:fillRef>
+          <a:effectRef idx="0">
+            <a:schemeClr val="accent1"/>
+          </a:effectRef>
+          <a:fontRef idx="minor">
+            <a:schemeClr val="lt1"/>
+          </a:fontRef>
+        </p:style>
+        <p:txBody>
+          <a:bodyPr rtlCol="0" anchor="ctr"/>
+          <a:lstStyle/>
+          <a:p>
+            <a:pPr algn="ctr"/>
+            <a:endParaRPr kumimoji="1" lang="ja-JP" altLang="en-US"/>
+          </a:p>
+        </p:txBody>
+      </p:sp>
+      <p:sp>
+        <p:nvSpPr>
+          <p:cNvPr id="15" name="楕円 14">
+            <a:extLst>
+              <a:ext uri="{FF2B5EF4-FFF2-40B4-BE49-F238E27FC236}">
+                <a16:creationId xmlns:a16="http://schemas.microsoft.com/office/drawing/2014/main" id="{403BD8B8-C184-C482-AFAC-0573004B5730}"/>
+              </a:ext>
+            </a:extLst>
+          </p:cNvPr>
+          <p:cNvSpPr/>
+          <p:nvPr/>
+        </p:nvSpPr>
+        <p:spPr>
+          <a:xfrm>
+            <a:off x="5796136" y="2492896"/>
+            <a:ext cx="1872208" cy="1872208"/>
+          </a:xfrm>
+          <a:prstGeom prst="ellipse">
+            <a:avLst/>
+          </a:prstGeom>
+          <a:solidFill>
+            <a:schemeClr val="bg1"/>
+          </a:solidFill>
+          <a:ln>
+            <a:solidFill>
+              <a:schemeClr val="tx1"/>
+            </a:solidFill>
+          </a:ln>
+        </p:spPr>
+        <p:style>
+          <a:lnRef idx="2">
+            <a:schemeClr val="accent1">
+              <a:shade val="50000"/>
+            </a:schemeClr>
+          </a:lnRef>
+          <a:fillRef idx="1">
+            <a:schemeClr val="accent1"/>
+          </a:fillRef>
+          <a:effectRef idx="0">
+            <a:schemeClr val="accent1"/>
+          </a:effectRef>
+          <a:fontRef idx="minor">
+            <a:schemeClr val="lt1"/>
+          </a:fontRef>
+        </p:style>
+        <p:txBody>
+          <a:bodyPr rtlCol="0" anchor="ctr"/>
+          <a:lstStyle/>
+          <a:p>
+            <a:pPr algn="ctr"/>
+            <a:endParaRPr kumimoji="1" lang="ja-JP" altLang="en-US"/>
+          </a:p>
+        </p:txBody>
+      </p:sp>
+      <p:sp>
+        <p:nvSpPr>
+          <p:cNvPr id="20" name="矢印: 右 19">
+            <a:extLst>
+              <a:ext uri="{FF2B5EF4-FFF2-40B4-BE49-F238E27FC236}">
+                <a16:creationId xmlns:a16="http://schemas.microsoft.com/office/drawing/2014/main" id="{B5B251D9-1845-27F2-0CC5-F4E494D184D6}"/>
+              </a:ext>
+            </a:extLst>
+          </p:cNvPr>
+          <p:cNvSpPr/>
+          <p:nvPr/>
+        </p:nvSpPr>
+        <p:spPr>
+          <a:xfrm>
+            <a:off x="4139952" y="3140968"/>
+            <a:ext cx="978408" cy="484632"/>
+          </a:xfrm>
+          <a:prstGeom prst="rightArrow">
+            <a:avLst/>
+          </a:prstGeom>
+          <a:solidFill>
+            <a:srgbClr val="FF0000"/>
+          </a:solidFill>
+          <a:ln>
+            <a:solidFill>
+              <a:schemeClr val="tx1"/>
+            </a:solidFill>
+          </a:ln>
+        </p:spPr>
+        <p:style>
+          <a:lnRef idx="2">
+            <a:schemeClr val="accent1">
+              <a:shade val="50000"/>
+            </a:schemeClr>
+          </a:lnRef>
+          <a:fillRef idx="1">
+            <a:schemeClr val="accent1"/>
+          </a:fillRef>
+          <a:effectRef idx="0">
+            <a:schemeClr val="accent1"/>
+          </a:effectRef>
+          <a:fontRef idx="minor">
+            <a:schemeClr val="lt1"/>
+          </a:fontRef>
+        </p:style>
+        <p:txBody>
+          <a:bodyPr rtlCol="0" anchor="ctr"/>
+          <a:lstStyle/>
+          <a:p>
+            <a:pPr algn="ctr"/>
+            <a:endParaRPr kumimoji="1" lang="ja-JP" altLang="en-US"/>
+          </a:p>
+        </p:txBody>
+      </p:sp>
+      <p:sp>
+        <p:nvSpPr>
+          <p:cNvPr id="21" name="矢印: 上 20">
+            <a:extLst>
+              <a:ext uri="{FF2B5EF4-FFF2-40B4-BE49-F238E27FC236}">
+                <a16:creationId xmlns:a16="http://schemas.microsoft.com/office/drawing/2014/main" id="{6F574ED8-3AD1-CBD6-D00D-B2034B4A39C5}"/>
+              </a:ext>
+            </a:extLst>
+          </p:cNvPr>
+          <p:cNvSpPr/>
+          <p:nvPr/>
+        </p:nvSpPr>
+        <p:spPr>
+          <a:xfrm>
+            <a:off x="2267744" y="4149080"/>
+            <a:ext cx="288032" cy="288032"/>
+          </a:xfrm>
+          <a:prstGeom prst="upArrow">
+            <a:avLst/>
+          </a:prstGeom>
+          <a:solidFill>
+            <a:srgbClr val="FFFF00"/>
+          </a:solidFill>
+          <a:ln>
+            <a:solidFill>
+              <a:schemeClr val="tx1"/>
+            </a:solidFill>
+          </a:ln>
+        </p:spPr>
+        <p:style>
+          <a:lnRef idx="2">
+            <a:schemeClr val="accent1">
+              <a:shade val="50000"/>
+            </a:schemeClr>
+          </a:lnRef>
+          <a:fillRef idx="1">
+            <a:schemeClr val="accent1"/>
+          </a:fillRef>
+          <a:effectRef idx="0">
+            <a:schemeClr val="accent1"/>
+          </a:effectRef>
+          <a:fontRef idx="minor">
+            <a:schemeClr val="lt1"/>
+          </a:fontRef>
+        </p:style>
+        <p:txBody>
+          <a:bodyPr rtlCol="0" anchor="ctr"/>
+          <a:lstStyle/>
+          <a:p>
+            <a:pPr algn="ctr"/>
+            <a:endParaRPr kumimoji="1" lang="ja-JP" altLang="en-US"/>
+          </a:p>
+        </p:txBody>
+      </p:sp>
+      <p:sp>
+        <p:nvSpPr>
+          <p:cNvPr id="22" name="矢印: 上 21">
+            <a:extLst>
+              <a:ext uri="{FF2B5EF4-FFF2-40B4-BE49-F238E27FC236}">
+                <a16:creationId xmlns:a16="http://schemas.microsoft.com/office/drawing/2014/main" id="{45B02A44-02B7-AD57-306F-3C7937EFCF31}"/>
+              </a:ext>
+            </a:extLst>
+          </p:cNvPr>
+          <p:cNvSpPr/>
+          <p:nvPr/>
+        </p:nvSpPr>
+        <p:spPr>
+          <a:xfrm rot="5400000">
+            <a:off x="1475656" y="3284984"/>
+            <a:ext cx="288032" cy="288032"/>
+          </a:xfrm>
+          <a:prstGeom prst="upArrow">
+            <a:avLst/>
+          </a:prstGeom>
+          <a:solidFill>
+            <a:srgbClr val="FFFF00"/>
+          </a:solidFill>
+          <a:ln>
+            <a:solidFill>
+              <a:schemeClr val="tx1"/>
+            </a:solidFill>
+          </a:ln>
+        </p:spPr>
+        <p:style>
+          <a:lnRef idx="2">
+            <a:schemeClr val="accent1">
+              <a:shade val="50000"/>
+            </a:schemeClr>
+          </a:lnRef>
+          <a:fillRef idx="1">
+            <a:schemeClr val="accent1"/>
+          </a:fillRef>
+          <a:effectRef idx="0">
+            <a:schemeClr val="accent1"/>
+          </a:effectRef>
+          <a:fontRef idx="minor">
+            <a:schemeClr val="lt1"/>
+          </a:fontRef>
+        </p:style>
+        <p:txBody>
+          <a:bodyPr rtlCol="0" anchor="ctr"/>
+          <a:lstStyle/>
+          <a:p>
+            <a:pPr algn="ctr"/>
+            <a:endParaRPr kumimoji="1" lang="ja-JP" altLang="en-US"/>
+          </a:p>
+        </p:txBody>
+      </p:sp>
+      <p:sp>
+        <p:nvSpPr>
+          <p:cNvPr id="23" name="矢印: 上 22">
+            <a:extLst>
+              <a:ext uri="{FF2B5EF4-FFF2-40B4-BE49-F238E27FC236}">
+                <a16:creationId xmlns:a16="http://schemas.microsoft.com/office/drawing/2014/main" id="{DAF2DDC9-84E1-A821-5CEC-ACE84C5785AB}"/>
+              </a:ext>
+            </a:extLst>
+          </p:cNvPr>
+          <p:cNvSpPr/>
+          <p:nvPr/>
+        </p:nvSpPr>
+        <p:spPr>
+          <a:xfrm rot="16200000">
+            <a:off x="3131840" y="3284984"/>
+            <a:ext cx="288032" cy="288032"/>
+          </a:xfrm>
+          <a:prstGeom prst="upArrow">
+            <a:avLst/>
+          </a:prstGeom>
+          <a:solidFill>
+            <a:srgbClr val="FFFF00"/>
+          </a:solidFill>
+          <a:ln>
+            <a:solidFill>
+              <a:schemeClr val="tx1"/>
+            </a:solidFill>
+          </a:ln>
+        </p:spPr>
+        <p:style>
+          <a:lnRef idx="2">
+            <a:schemeClr val="accent1">
+              <a:shade val="50000"/>
+            </a:schemeClr>
+          </a:lnRef>
+          <a:fillRef idx="1">
+            <a:schemeClr val="accent1"/>
+          </a:fillRef>
+          <a:effectRef idx="0">
+            <a:schemeClr val="accent1"/>
+          </a:effectRef>
+          <a:fontRef idx="minor">
+            <a:schemeClr val="lt1"/>
+          </a:fontRef>
+        </p:style>
+        <p:txBody>
+          <a:bodyPr rtlCol="0" anchor="ctr"/>
+          <a:lstStyle/>
+          <a:p>
+            <a:pPr algn="ctr"/>
+            <a:endParaRPr kumimoji="1" lang="ja-JP" altLang="en-US"/>
+          </a:p>
+        </p:txBody>
+      </p:sp>
+      <p:sp>
+        <p:nvSpPr>
+          <p:cNvPr id="24" name="矢印: 上 23">
+            <a:extLst>
+              <a:ext uri="{FF2B5EF4-FFF2-40B4-BE49-F238E27FC236}">
+                <a16:creationId xmlns:a16="http://schemas.microsoft.com/office/drawing/2014/main" id="{9CED6F3F-19B8-BB74-6F4B-EE447ECBD3C1}"/>
+              </a:ext>
+            </a:extLst>
+          </p:cNvPr>
+          <p:cNvSpPr/>
+          <p:nvPr/>
+        </p:nvSpPr>
+        <p:spPr>
+          <a:xfrm>
+            <a:off x="6588224" y="2564904"/>
+            <a:ext cx="296416" cy="296416"/>
+          </a:xfrm>
+          <a:prstGeom prst="upArrow">
+            <a:avLst/>
+          </a:prstGeom>
+          <a:solidFill>
+            <a:srgbClr val="47CFFF"/>
+          </a:solidFill>
+          <a:ln>
+            <a:solidFill>
+              <a:schemeClr val="tx1"/>
+            </a:solidFill>
+          </a:ln>
+        </p:spPr>
+        <p:style>
+          <a:lnRef idx="2">
+            <a:schemeClr val="accent1">
+              <a:shade val="50000"/>
+            </a:schemeClr>
+          </a:lnRef>
+          <a:fillRef idx="1">
+            <a:schemeClr val="accent1"/>
+          </a:fillRef>
+          <a:effectRef idx="0">
+            <a:schemeClr val="accent1"/>
+          </a:effectRef>
+          <a:fontRef idx="minor">
+            <a:schemeClr val="lt1"/>
+          </a:fontRef>
+        </p:style>
+        <p:txBody>
+          <a:bodyPr rtlCol="0" anchor="ctr"/>
+          <a:lstStyle/>
+          <a:p>
+            <a:pPr algn="ctr"/>
+            <a:endParaRPr kumimoji="1" lang="ja-JP" altLang="en-US"/>
+          </a:p>
+        </p:txBody>
+      </p:sp>
+      <p:sp>
+        <p:nvSpPr>
+          <p:cNvPr id="25" name="矢印: 上 24">
+            <a:extLst>
+              <a:ext uri="{FF2B5EF4-FFF2-40B4-BE49-F238E27FC236}">
+                <a16:creationId xmlns:a16="http://schemas.microsoft.com/office/drawing/2014/main" id="{8EC26C9D-C9B6-3D87-0378-6B3D72A10AB7}"/>
+              </a:ext>
+            </a:extLst>
+          </p:cNvPr>
+          <p:cNvSpPr/>
+          <p:nvPr/>
+        </p:nvSpPr>
+        <p:spPr>
+          <a:xfrm rot="10800000">
+            <a:off x="6588224" y="4005064"/>
+            <a:ext cx="296416" cy="296416"/>
+          </a:xfrm>
+          <a:prstGeom prst="upArrow">
+            <a:avLst/>
+          </a:prstGeom>
+          <a:solidFill>
+            <a:srgbClr val="47CFFF"/>
+          </a:solidFill>
+          <a:ln>
+            <a:solidFill>
+              <a:schemeClr val="tx1"/>
+            </a:solidFill>
+          </a:ln>
+        </p:spPr>
+        <p:style>
+          <a:lnRef idx="2">
+            <a:schemeClr val="accent1">
+              <a:shade val="50000"/>
+            </a:schemeClr>
+          </a:lnRef>
+          <a:fillRef idx="1">
+            <a:schemeClr val="accent1"/>
+          </a:fillRef>
+          <a:effectRef idx="0">
+            <a:schemeClr val="accent1"/>
+          </a:effectRef>
+          <a:fontRef idx="minor">
+            <a:schemeClr val="lt1"/>
+          </a:fontRef>
+        </p:style>
+        <p:txBody>
+          <a:bodyPr rtlCol="0" anchor="ctr"/>
+          <a:lstStyle/>
+          <a:p>
+            <a:pPr algn="ctr"/>
+            <a:endParaRPr kumimoji="1" lang="ja-JP" altLang="en-US"/>
+          </a:p>
+        </p:txBody>
+      </p:sp>
+      <p:sp>
+        <p:nvSpPr>
+          <p:cNvPr id="26" name="矢印: 上 25">
+            <a:extLst>
+              <a:ext uri="{FF2B5EF4-FFF2-40B4-BE49-F238E27FC236}">
+                <a16:creationId xmlns:a16="http://schemas.microsoft.com/office/drawing/2014/main" id="{5DA91221-8399-4C62-77A7-CEDA61A60127}"/>
+              </a:ext>
+            </a:extLst>
+          </p:cNvPr>
+          <p:cNvSpPr/>
+          <p:nvPr/>
+        </p:nvSpPr>
+        <p:spPr>
+          <a:xfrm rot="5400000">
+            <a:off x="7236296" y="3284984"/>
+            <a:ext cx="296416" cy="296416"/>
+          </a:xfrm>
+          <a:prstGeom prst="upArrow">
+            <a:avLst/>
+          </a:prstGeom>
+          <a:solidFill>
+            <a:srgbClr val="47CFFF"/>
+          </a:solidFill>
+          <a:ln>
+            <a:solidFill>
+              <a:schemeClr val="tx1"/>
+            </a:solidFill>
+          </a:ln>
+        </p:spPr>
+        <p:style>
+          <a:lnRef idx="2">
+            <a:schemeClr val="accent1">
+              <a:shade val="50000"/>
+            </a:schemeClr>
+          </a:lnRef>
+          <a:fillRef idx="1">
+            <a:schemeClr val="accent1"/>
+          </a:fillRef>
+          <a:effectRef idx="0">
+            <a:schemeClr val="accent1"/>
+          </a:effectRef>
+          <a:fontRef idx="minor">
+            <a:schemeClr val="lt1"/>
+          </a:fontRef>
+        </p:style>
+        <p:txBody>
+          <a:bodyPr rtlCol="0" anchor="ctr"/>
+          <a:lstStyle/>
+          <a:p>
+            <a:pPr algn="ctr"/>
+            <a:endParaRPr kumimoji="1" lang="ja-JP" altLang="en-US"/>
+          </a:p>
+        </p:txBody>
+      </p:sp>
+      <p:sp>
+        <p:nvSpPr>
+          <p:cNvPr id="27" name="矢印: 上 26">
+            <a:extLst>
+              <a:ext uri="{FF2B5EF4-FFF2-40B4-BE49-F238E27FC236}">
+                <a16:creationId xmlns:a16="http://schemas.microsoft.com/office/drawing/2014/main" id="{8BEB2339-7A7E-A958-6FC4-B776453A0C82}"/>
+              </a:ext>
+            </a:extLst>
+          </p:cNvPr>
+          <p:cNvSpPr/>
+          <p:nvPr/>
+        </p:nvSpPr>
+        <p:spPr>
+          <a:xfrm rot="16200000">
+            <a:off x="5868144" y="3284984"/>
+            <a:ext cx="296416" cy="296416"/>
+          </a:xfrm>
+          <a:prstGeom prst="upArrow">
+            <a:avLst/>
+          </a:prstGeom>
+          <a:solidFill>
+            <a:srgbClr val="47CFFF"/>
+          </a:solidFill>
+          <a:ln>
+            <a:solidFill>
+              <a:schemeClr val="tx1"/>
+            </a:solidFill>
+          </a:ln>
+        </p:spPr>
+        <p:style>
+          <a:lnRef idx="2">
+            <a:schemeClr val="accent1">
+              <a:shade val="50000"/>
+            </a:schemeClr>
+          </a:lnRef>
+          <a:fillRef idx="1">
+            <a:schemeClr val="accent1"/>
+          </a:fillRef>
+          <a:effectRef idx="0">
+            <a:schemeClr val="accent1"/>
+          </a:effectRef>
+          <a:fontRef idx="minor">
+            <a:schemeClr val="lt1"/>
+          </a:fontRef>
+        </p:style>
+        <p:txBody>
+          <a:bodyPr rtlCol="0" anchor="ctr"/>
+          <a:lstStyle/>
+          <a:p>
+            <a:pPr algn="ctr"/>
+            <a:endParaRPr kumimoji="1" lang="ja-JP" altLang="en-US"/>
+          </a:p>
+        </p:txBody>
+      </p:sp>
+      <p:sp>
+        <p:nvSpPr>
+          <p:cNvPr id="28" name="矢印: 上 27">
+            <a:extLst>
+              <a:ext uri="{FF2B5EF4-FFF2-40B4-BE49-F238E27FC236}">
+                <a16:creationId xmlns:a16="http://schemas.microsoft.com/office/drawing/2014/main" id="{40501C58-0973-248B-FFEC-7B3646847059}"/>
+              </a:ext>
+            </a:extLst>
+          </p:cNvPr>
+          <p:cNvSpPr/>
+          <p:nvPr/>
+        </p:nvSpPr>
+        <p:spPr>
+          <a:xfrm rot="10800000">
+            <a:off x="6588224" y="2132856"/>
+            <a:ext cx="288032" cy="288032"/>
+          </a:xfrm>
+          <a:prstGeom prst="upArrow">
+            <a:avLst/>
+          </a:prstGeom>
+          <a:solidFill>
+            <a:srgbClr val="FFFF00"/>
+          </a:solidFill>
+          <a:ln>
+            <a:solidFill>
+              <a:schemeClr val="tx1"/>
+            </a:solidFill>
+          </a:ln>
+        </p:spPr>
+        <p:style>
+          <a:lnRef idx="2">
+            <a:schemeClr val="accent1">
+              <a:shade val="50000"/>
+            </a:schemeClr>
+          </a:lnRef>
+          <a:fillRef idx="1">
+            <a:schemeClr val="accent1"/>
+          </a:fillRef>
+          <a:effectRef idx="0">
+            <a:schemeClr val="accent1"/>
+          </a:effectRef>
+          <a:fontRef idx="minor">
+            <a:schemeClr val="lt1"/>
+          </a:fontRef>
+        </p:style>
+        <p:txBody>
+          <a:bodyPr rtlCol="0" anchor="ctr"/>
+          <a:lstStyle/>
+          <a:p>
+            <a:pPr algn="ctr"/>
+            <a:endParaRPr kumimoji="1" lang="ja-JP" altLang="en-US"/>
+          </a:p>
+        </p:txBody>
+      </p:sp>
+      <p:sp>
+        <p:nvSpPr>
+          <p:cNvPr id="29" name="矢印: 上 28">
+            <a:extLst>
+              <a:ext uri="{FF2B5EF4-FFF2-40B4-BE49-F238E27FC236}">
+                <a16:creationId xmlns:a16="http://schemas.microsoft.com/office/drawing/2014/main" id="{8BBCB1D0-7F04-C795-B8F1-E473F4BC32A3}"/>
+              </a:ext>
+            </a:extLst>
+          </p:cNvPr>
+          <p:cNvSpPr/>
+          <p:nvPr/>
+        </p:nvSpPr>
+        <p:spPr>
+          <a:xfrm rot="5400000">
+            <a:off x="5436096" y="3284984"/>
+            <a:ext cx="288032" cy="288032"/>
+          </a:xfrm>
+          <a:prstGeom prst="upArrow">
+            <a:avLst/>
+          </a:prstGeom>
+          <a:solidFill>
+            <a:srgbClr val="FFFF00"/>
+          </a:solidFill>
+          <a:ln>
+            <a:solidFill>
+              <a:schemeClr val="tx1"/>
+            </a:solidFill>
+          </a:ln>
+        </p:spPr>
+        <p:style>
+          <a:lnRef idx="2">
+            <a:schemeClr val="accent1">
+              <a:shade val="50000"/>
+            </a:schemeClr>
+          </a:lnRef>
+          <a:fillRef idx="1">
+            <a:schemeClr val="accent1"/>
+          </a:fillRef>
+          <a:effectRef idx="0">
+            <a:schemeClr val="accent1"/>
+          </a:effectRef>
+          <a:fontRef idx="minor">
+            <a:schemeClr val="lt1"/>
+          </a:fontRef>
+        </p:style>
+        <p:txBody>
+          <a:bodyPr rtlCol="0" anchor="ctr"/>
+          <a:lstStyle/>
+          <a:p>
+            <a:pPr algn="ctr"/>
+            <a:endParaRPr kumimoji="1" lang="ja-JP" altLang="en-US"/>
+          </a:p>
+        </p:txBody>
+      </p:sp>
+      <p:sp>
+        <p:nvSpPr>
+          <p:cNvPr id="30" name="矢印: 上 29">
+            <a:extLst>
+              <a:ext uri="{FF2B5EF4-FFF2-40B4-BE49-F238E27FC236}">
+                <a16:creationId xmlns:a16="http://schemas.microsoft.com/office/drawing/2014/main" id="{452D7450-7F7D-8395-DFDD-36D3CEA7674F}"/>
+              </a:ext>
+            </a:extLst>
+          </p:cNvPr>
+          <p:cNvSpPr/>
+          <p:nvPr/>
+        </p:nvSpPr>
+        <p:spPr>
+          <a:xfrm rot="16200000">
+            <a:off x="7740352" y="3284984"/>
+            <a:ext cx="288032" cy="288032"/>
+          </a:xfrm>
+          <a:prstGeom prst="upArrow">
+            <a:avLst/>
+          </a:prstGeom>
+          <a:solidFill>
+            <a:srgbClr val="FFFF00"/>
+          </a:solidFill>
+          <a:ln>
+            <a:solidFill>
+              <a:schemeClr val="tx1"/>
+            </a:solidFill>
+          </a:ln>
+        </p:spPr>
+        <p:style>
+          <a:lnRef idx="2">
+            <a:schemeClr val="accent1">
+              <a:shade val="50000"/>
+            </a:schemeClr>
+          </a:lnRef>
+          <a:fillRef idx="1">
+            <a:schemeClr val="accent1"/>
+          </a:fillRef>
+          <a:effectRef idx="0">
+            <a:schemeClr val="accent1"/>
+          </a:effectRef>
+          <a:fontRef idx="minor">
+            <a:schemeClr val="lt1"/>
+          </a:fontRef>
+        </p:style>
+        <p:txBody>
+          <a:bodyPr rtlCol="0" anchor="ctr"/>
+          <a:lstStyle/>
+          <a:p>
+            <a:pPr algn="ctr"/>
+            <a:endParaRPr kumimoji="1" lang="ja-JP" altLang="en-US"/>
+          </a:p>
+        </p:txBody>
+      </p:sp>
+      <p:sp>
+        <p:nvSpPr>
+          <p:cNvPr id="31" name="矢印: 上 30">
+            <a:extLst>
+              <a:ext uri="{FF2B5EF4-FFF2-40B4-BE49-F238E27FC236}">
+                <a16:creationId xmlns:a16="http://schemas.microsoft.com/office/drawing/2014/main" id="{FB05A4CC-AEF9-4942-4342-6D01A17FA27C}"/>
+              </a:ext>
+            </a:extLst>
+          </p:cNvPr>
+          <p:cNvSpPr/>
+          <p:nvPr/>
+        </p:nvSpPr>
+        <p:spPr>
+          <a:xfrm>
+            <a:off x="6588224" y="4437112"/>
+            <a:ext cx="288032" cy="288032"/>
+          </a:xfrm>
+          <a:prstGeom prst="upArrow">
+            <a:avLst/>
+          </a:prstGeom>
+          <a:solidFill>
+            <a:srgbClr val="FFFF00"/>
+          </a:solidFill>
+          <a:ln>
+            <a:solidFill>
+              <a:schemeClr val="tx1"/>
+            </a:solidFill>
+          </a:ln>
+        </p:spPr>
+        <p:style>
+          <a:lnRef idx="2">
+            <a:schemeClr val="accent1">
+              <a:shade val="50000"/>
+            </a:schemeClr>
+          </a:lnRef>
+          <a:fillRef idx="1">
+            <a:schemeClr val="accent1"/>
+          </a:fillRef>
+          <a:effectRef idx="0">
+            <a:schemeClr val="accent1"/>
+          </a:effectRef>
+          <a:fontRef idx="minor">
+            <a:schemeClr val="lt1"/>
+          </a:fontRef>
+        </p:style>
+        <p:txBody>
+          <a:bodyPr rtlCol="0" anchor="ctr"/>
+          <a:lstStyle/>
+          <a:p>
+            <a:pPr algn="ctr"/>
+            <a:endParaRPr kumimoji="1" lang="ja-JP" altLang="en-US"/>
+          </a:p>
+        </p:txBody>
+      </p:sp>
+      <p:sp>
+        <p:nvSpPr>
+          <p:cNvPr id="32" name="テキスト ボックス 31">
+            <a:extLst>
+              <a:ext uri="{FF2B5EF4-FFF2-40B4-BE49-F238E27FC236}">
+                <a16:creationId xmlns:a16="http://schemas.microsoft.com/office/drawing/2014/main" id="{96371AF4-4DB5-3970-A65A-31CE264BE802}"/>
+              </a:ext>
+            </a:extLst>
+          </p:cNvPr>
+          <p:cNvSpPr txBox="1"/>
+          <p:nvPr/>
+        </p:nvSpPr>
+        <p:spPr>
+          <a:xfrm>
+            <a:off x="395536" y="5085184"/>
+            <a:ext cx="8443337" cy="954107"/>
+          </a:xfrm>
+          <a:prstGeom prst="rect">
+            <a:avLst/>
+          </a:prstGeom>
+          <a:noFill/>
+        </p:spPr>
+        <p:txBody>
+          <a:bodyPr wrap="none" rtlCol="0">
+            <a:spAutoFit/>
+          </a:bodyPr>
+          <a:lstStyle/>
+          <a:p>
+            <a:r>
+              <a:rPr kumimoji="1" lang="ja-JP" altLang="en-US" sz="2800"/>
+              <a:t>その温度での飽和蒸気圧が、外気圧より</a:t>
+            </a:r>
+            <a:r>
+              <a:rPr lang="ja-JP" altLang="en-US" sz="2800"/>
+              <a:t>大きければ</a:t>
+            </a:r>
+            <a:endParaRPr lang="en-US" altLang="ja-JP" sz="2800"/>
+          </a:p>
+          <a:p>
+            <a:r>
+              <a:rPr kumimoji="1" lang="ja-JP" altLang="en-US" sz="2800"/>
+              <a:t>泡は成長する→沸騰</a:t>
+            </a:r>
+          </a:p>
+        </p:txBody>
+      </p:sp>
+      <p:sp>
+        <p:nvSpPr>
+          <p:cNvPr id="33" name="テキスト ボックス 32">
+            <a:extLst>
+              <a:ext uri="{FF2B5EF4-FFF2-40B4-BE49-F238E27FC236}">
+                <a16:creationId xmlns:a16="http://schemas.microsoft.com/office/drawing/2014/main" id="{24FF9BEE-7FE4-6220-672D-6FFE3252ECE9}"/>
+              </a:ext>
+            </a:extLst>
+          </p:cNvPr>
+          <p:cNvSpPr txBox="1"/>
+          <p:nvPr/>
+        </p:nvSpPr>
+        <p:spPr>
+          <a:xfrm>
+            <a:off x="4427984" y="6309320"/>
+            <a:ext cx="3877985" cy="369332"/>
+          </a:xfrm>
+          <a:prstGeom prst="rect">
+            <a:avLst/>
+          </a:prstGeom>
+          <a:noFill/>
+        </p:spPr>
+        <p:txBody>
+          <a:bodyPr wrap="none" rtlCol="0">
+            <a:spAutoFit/>
+          </a:bodyPr>
+          <a:lstStyle/>
+          <a:p>
+            <a:r>
+              <a:rPr lang="en-US" altLang="ja-JP"/>
+              <a:t>※</a:t>
+            </a:r>
+            <a:r>
+              <a:rPr lang="ja-JP" altLang="en-US"/>
+              <a:t>水圧と界面張力は無視しています</a:t>
+            </a:r>
+            <a:endParaRPr kumimoji="1" lang="ja-JP" altLang="en-US"/>
+          </a:p>
+        </p:txBody>
+      </p:sp>
+    </p:spTree>
+    <p:extLst>
+      <p:ext uri="{BB962C8B-B14F-4D97-AF65-F5344CB8AC3E}">
+        <p14:creationId xmlns:p14="http://schemas.microsoft.com/office/powerpoint/2010/main" val="1014369125"/>
+      </p:ext>
+    </p:extLst>
+  </p:cSld>
+  <p:clrMapOvr>
+    <a:masterClrMapping/>
+  </p:clrMapOvr>
+</p:sld>
+</file>
+
+<file path=ppt/slides/slide27.xml><?xml version="1.0" encoding="utf-8"?>
+<p:sld xmlns:a="http://schemas.openxmlformats.org/drawingml/2006/main" xmlns:r="http://schemas.openxmlformats.org/officeDocument/2006/relationships" xmlns:p="http://schemas.openxmlformats.org/presentationml/2006/main">
+  <p:cSld>
+    <p:spTree>
+      <p:nvGrpSpPr>
+        <p:cNvPr id="1" name=""/>
+        <p:cNvGrpSpPr/>
+        <p:nvPr/>
+      </p:nvGrpSpPr>
+      <p:grpSpPr>
+        <a:xfrm>
+          <a:off x="0" y="0"/>
+          <a:ext cx="0" cy="0"/>
+          <a:chOff x="0" y="0"/>
+          <a:chExt cx="0" cy="0"/>
+        </a:xfrm>
+      </p:grpSpPr>
+      <p:sp>
+        <p:nvSpPr>
+          <p:cNvPr id="2" name="テキスト プレースホルダー 1">
+            <a:extLst>
+              <a:ext uri="{FF2B5EF4-FFF2-40B4-BE49-F238E27FC236}">
+                <a16:creationId xmlns:a16="http://schemas.microsoft.com/office/drawing/2014/main" id="{33027FB7-1F15-80C1-C843-EB3479B1447A}"/>
+              </a:ext>
+            </a:extLst>
+          </p:cNvPr>
+          <p:cNvSpPr>
+            <a:spLocks noGrp="1"/>
+          </p:cNvSpPr>
+          <p:nvPr>
+            <p:ph type="body" sz="quarter" idx="10"/>
+          </p:nvPr>
+        </p:nvSpPr>
+        <p:spPr/>
+        <p:txBody>
+          <a:bodyPr/>
+          <a:lstStyle/>
+          <a:p>
+            <a:r>
+              <a:rPr kumimoji="1" lang="ja-JP" altLang="en-US"/>
+              <a:t>蒸発と沸騰</a:t>
+            </a:r>
+          </a:p>
+        </p:txBody>
+      </p:sp>
+      <p:sp>
+        <p:nvSpPr>
+          <p:cNvPr id="3" name="テキスト ボックス 2">
+            <a:extLst>
+              <a:ext uri="{FF2B5EF4-FFF2-40B4-BE49-F238E27FC236}">
+                <a16:creationId xmlns:a16="http://schemas.microsoft.com/office/drawing/2014/main" id="{4784B76C-3093-05A6-6567-03A9DCFC255C}"/>
+              </a:ext>
+            </a:extLst>
+          </p:cNvPr>
+          <p:cNvSpPr txBox="1"/>
+          <p:nvPr/>
+        </p:nvSpPr>
+        <p:spPr>
+          <a:xfrm>
+            <a:off x="323528" y="1124744"/>
+            <a:ext cx="1107996" cy="646331"/>
+          </a:xfrm>
+          <a:prstGeom prst="rect">
+            <a:avLst/>
+          </a:prstGeom>
+          <a:noFill/>
+        </p:spPr>
+        <p:txBody>
+          <a:bodyPr wrap="none" rtlCol="0">
+            <a:spAutoFit/>
+          </a:bodyPr>
+          <a:lstStyle/>
+          <a:p>
+            <a:r>
+              <a:rPr lang="ja-JP" altLang="en-US" sz="3600">
+                <a:solidFill>
+                  <a:srgbClr val="011893"/>
+                </a:solidFill>
+              </a:rPr>
+              <a:t>蒸発</a:t>
+            </a:r>
+            <a:endParaRPr kumimoji="1" lang="ja-JP" altLang="en-US" sz="3600">
+              <a:solidFill>
+                <a:srgbClr val="011893"/>
+              </a:solidFill>
+            </a:endParaRPr>
+          </a:p>
+        </p:txBody>
+      </p:sp>
+      <p:sp>
+        <p:nvSpPr>
+          <p:cNvPr id="4" name="テキスト ボックス 3">
+            <a:extLst>
+              <a:ext uri="{FF2B5EF4-FFF2-40B4-BE49-F238E27FC236}">
+                <a16:creationId xmlns:a16="http://schemas.microsoft.com/office/drawing/2014/main" id="{DDE782E4-CB20-0C10-BB5A-7306DDDE627D}"/>
+              </a:ext>
+            </a:extLst>
+          </p:cNvPr>
+          <p:cNvSpPr txBox="1"/>
+          <p:nvPr/>
+        </p:nvSpPr>
+        <p:spPr>
+          <a:xfrm>
+            <a:off x="611560" y="1844824"/>
+            <a:ext cx="7848872" cy="1938992"/>
+          </a:xfrm>
+          <a:prstGeom prst="rect">
+            <a:avLst/>
+          </a:prstGeom>
+          <a:noFill/>
+        </p:spPr>
+        <p:txBody>
+          <a:bodyPr wrap="square" rtlCol="0">
+            <a:spAutoFit/>
+          </a:bodyPr>
+          <a:lstStyle/>
+          <a:p>
+            <a:pPr marL="342900" indent="-342900">
+              <a:buFont typeface="Arial" panose="020B0604020202020204" pitchFamily="34" charset="0"/>
+              <a:buChar char="•"/>
+            </a:pPr>
+            <a:r>
+              <a:rPr lang="ja-JP" altLang="en-US" sz="2400"/>
+              <a:t>定圧定温条件下では、ギブスの自由エネルギーを最小とする状態が平衡状態となる</a:t>
+            </a:r>
+            <a:endParaRPr lang="en-US" altLang="ja-JP" sz="2400"/>
+          </a:p>
+          <a:p>
+            <a:pPr marL="342900" indent="-342900">
+              <a:buFont typeface="Arial" panose="020B0604020202020204" pitchFamily="34" charset="0"/>
+              <a:buChar char="•"/>
+            </a:pPr>
+            <a:r>
+              <a:rPr kumimoji="1" lang="ja-JP" altLang="en-US" sz="2400"/>
+              <a:t>与えられた環境での温度、圧力において、液相のギブス自由エネルギーよりも気相のギブス自由エネルギーの方が低い場合に、</a:t>
+            </a:r>
+            <a:r>
+              <a:rPr kumimoji="1" lang="ja-JP" altLang="en-US" sz="2400">
+                <a:solidFill>
+                  <a:srgbClr val="FF0000"/>
+                </a:solidFill>
+              </a:rPr>
+              <a:t>液相表面</a:t>
+            </a:r>
+            <a:r>
+              <a:rPr kumimoji="1" lang="ja-JP" altLang="en-US" sz="2400"/>
+              <a:t>から気化する現象のこと</a:t>
+            </a:r>
+          </a:p>
+        </p:txBody>
+      </p:sp>
+      <p:sp>
+        <p:nvSpPr>
+          <p:cNvPr id="5" name="テキスト ボックス 4">
+            <a:extLst>
+              <a:ext uri="{FF2B5EF4-FFF2-40B4-BE49-F238E27FC236}">
+                <a16:creationId xmlns:a16="http://schemas.microsoft.com/office/drawing/2014/main" id="{D10FE23B-9EF7-801D-0825-8B6F6DAF25D5}"/>
+              </a:ext>
+            </a:extLst>
+          </p:cNvPr>
+          <p:cNvSpPr txBox="1"/>
+          <p:nvPr/>
+        </p:nvSpPr>
+        <p:spPr>
+          <a:xfrm>
+            <a:off x="323528" y="3861048"/>
+            <a:ext cx="1107996" cy="646331"/>
+          </a:xfrm>
+          <a:prstGeom prst="rect">
+            <a:avLst/>
+          </a:prstGeom>
+          <a:noFill/>
+        </p:spPr>
+        <p:txBody>
+          <a:bodyPr wrap="none" rtlCol="0">
+            <a:spAutoFit/>
+          </a:bodyPr>
+          <a:lstStyle/>
+          <a:p>
+            <a:r>
+              <a:rPr kumimoji="1" lang="ja-JP" altLang="en-US" sz="3600">
+                <a:solidFill>
+                  <a:srgbClr val="011893"/>
+                </a:solidFill>
+              </a:rPr>
+              <a:t>沸騰</a:t>
+            </a:r>
+          </a:p>
+        </p:txBody>
+      </p:sp>
+      <p:sp>
+        <p:nvSpPr>
+          <p:cNvPr id="6" name="テキスト ボックス 5">
+            <a:extLst>
+              <a:ext uri="{FF2B5EF4-FFF2-40B4-BE49-F238E27FC236}">
+                <a16:creationId xmlns:a16="http://schemas.microsoft.com/office/drawing/2014/main" id="{713DE393-D50B-1ABD-B632-773B19D2225A}"/>
+              </a:ext>
+            </a:extLst>
+          </p:cNvPr>
+          <p:cNvSpPr txBox="1"/>
+          <p:nvPr/>
+        </p:nvSpPr>
+        <p:spPr>
+          <a:xfrm>
+            <a:off x="611560" y="4725144"/>
+            <a:ext cx="7992888" cy="1569660"/>
+          </a:xfrm>
+          <a:prstGeom prst="rect">
+            <a:avLst/>
+          </a:prstGeom>
+          <a:noFill/>
+        </p:spPr>
+        <p:txBody>
+          <a:bodyPr wrap="square" rtlCol="0">
+            <a:spAutoFit/>
+          </a:bodyPr>
+          <a:lstStyle/>
+          <a:p>
+            <a:pPr marL="342900" indent="-342900">
+              <a:buFont typeface="Arial" panose="020B0604020202020204" pitchFamily="34" charset="0"/>
+              <a:buChar char="•"/>
+            </a:pPr>
+            <a:r>
+              <a:rPr lang="ja-JP" altLang="en-US" sz="2400"/>
+              <a:t>気相と液相の化学ポテンシャルが等しくなる圧力を飽和蒸気圧と呼ぶ</a:t>
+            </a:r>
+            <a:endParaRPr kumimoji="1" lang="en-US" altLang="ja-JP" sz="2400">
+              <a:solidFill>
+                <a:srgbClr val="FF0000"/>
+              </a:solidFill>
+            </a:endParaRPr>
+          </a:p>
+          <a:p>
+            <a:pPr marL="342900" indent="-342900">
+              <a:buFont typeface="Arial" panose="020B0604020202020204" pitchFamily="34" charset="0"/>
+              <a:buChar char="•"/>
+            </a:pPr>
+            <a:r>
+              <a:rPr kumimoji="1" lang="ja-JP" altLang="en-US" sz="2400"/>
+              <a:t>飽和蒸気圧が外気圧と等しくなった時に、</a:t>
+            </a:r>
+            <a:r>
+              <a:rPr kumimoji="1" lang="ja-JP" altLang="en-US" sz="2400">
+                <a:solidFill>
+                  <a:srgbClr val="FF0000"/>
+                </a:solidFill>
+              </a:rPr>
+              <a:t>液相内部</a:t>
+            </a:r>
+            <a:r>
+              <a:rPr kumimoji="1" lang="ja-JP" altLang="en-US" sz="2400"/>
+              <a:t>から気化する現象のこと</a:t>
+            </a:r>
+          </a:p>
+        </p:txBody>
+      </p:sp>
+    </p:spTree>
+    <p:extLst>
+      <p:ext uri="{BB962C8B-B14F-4D97-AF65-F5344CB8AC3E}">
+        <p14:creationId xmlns:p14="http://schemas.microsoft.com/office/powerpoint/2010/main" val="1907071337"/>
       </p:ext>
     </p:extLst>
   </p:cSld>
@@ -20145,8 +27895,8 @@
         </p:nvSpPr>
         <p:spPr>
           <a:xfrm>
-            <a:off x="539552" y="980728"/>
-            <a:ext cx="8135560" cy="707886"/>
+            <a:off x="539553" y="980728"/>
+            <a:ext cx="8136904" cy="830997"/>
           </a:xfrm>
           <a:prstGeom prst="rect">
             <a:avLst/>
@@ -20154,21 +27904,14 @@
           <a:noFill/>
         </p:spPr>
         <p:txBody>
-          <a:bodyPr wrap="none" rtlCol="0">
+          <a:bodyPr wrap="square" rtlCol="0">
             <a:spAutoFit/>
           </a:bodyPr>
           <a:lstStyle/>
           <a:p>
             <a:r>
-              <a:rPr kumimoji="1" lang="ja-JP" altLang="en-US" sz="2000"/>
-              <a:t>温度や圧力といったマクロなパラメータを指定した時に、物質の相を</a:t>
-            </a:r>
-            <a:endParaRPr kumimoji="1" lang="en-US" altLang="ja-JP" sz="2000"/>
-          </a:p>
-          <a:p>
-            <a:r>
-              <a:rPr kumimoji="1" lang="ja-JP" altLang="en-US" sz="2000"/>
-              <a:t>知ることができる「地図」</a:t>
+              <a:rPr kumimoji="1" lang="ja-JP" altLang="en-US" sz="2400"/>
+              <a:t>温度や圧力といったマクロなパラメータを指定した時に、物質の相を知ることができる「地図」</a:t>
             </a:r>
           </a:p>
         </p:txBody>

--- a/05_md_advanced/yamagata05.pptx
+++ b/05_md_advanced/yamagata05.pptx
@@ -5,7 +5,7 @@
     <p:sldMasterId id="2147483665" r:id="rId1"/>
   </p:sldMasterIdLst>
   <p:notesMasterIdLst>
-    <p:notesMasterId r:id="rId29"/>
+    <p:notesMasterId r:id="rId44"/>
   </p:notesMasterIdLst>
   <p:sldIdLst>
     <p:sldId id="256" r:id="rId2"/>
@@ -35,6 +35,21 @@
     <p:sldId id="362" r:id="rId26"/>
     <p:sldId id="363" r:id="rId27"/>
     <p:sldId id="364" r:id="rId28"/>
+    <p:sldId id="365" r:id="rId29"/>
+    <p:sldId id="366" r:id="rId30"/>
+    <p:sldId id="367" r:id="rId31"/>
+    <p:sldId id="368" r:id="rId32"/>
+    <p:sldId id="369" r:id="rId33"/>
+    <p:sldId id="370" r:id="rId34"/>
+    <p:sldId id="371" r:id="rId35"/>
+    <p:sldId id="372" r:id="rId36"/>
+    <p:sldId id="373" r:id="rId37"/>
+    <p:sldId id="374" r:id="rId38"/>
+    <p:sldId id="375" r:id="rId39"/>
+    <p:sldId id="376" r:id="rId40"/>
+    <p:sldId id="377" r:id="rId41"/>
+    <p:sldId id="378" r:id="rId42"/>
+    <p:sldId id="379" r:id="rId43"/>
   </p:sldIdLst>
   <p:sldSz cx="9144000" cy="6858000" type="screen4x3"/>
   <p:notesSz cx="6858000" cy="9144000"/>
@@ -245,7 +260,7 @@
           </a:lstStyle>
           <a:p>
             <a:fld id="{6B8D1B20-A248-FB47-8240-73C0C5F47C9D}" type="datetimeFigureOut">
-              <a:t>2022/8/4</a:t>
+              <a:t>2022/8/5</a:t>
             </a:fld>
             <a:endParaRPr kumimoji="1" lang="ja-JP" altLang="en-US"/>
           </a:p>
@@ -19490,8 +19505,8 @@
           </a:p>
         </p:txBody>
       </p:sp>
-      <mc:AlternateContent xmlns:mc="http://schemas.openxmlformats.org/markup-compatibility/2006">
-        <mc:Choice xmlns:a14="http://schemas.microsoft.com/office/drawing/2010/main" Requires="a14">
+      <mc:AlternateContent xmlns:mc="http://schemas.openxmlformats.org/markup-compatibility/2006" xmlns:a14="http://schemas.microsoft.com/office/drawing/2010/main">
+        <mc:Choice Requires="a14">
           <p:sp>
             <p:nvSpPr>
               <p:cNvPr id="5" name="テキスト ボックス 4">
@@ -19539,7 +19554,7 @@
             </p:txBody>
           </p:sp>
         </mc:Choice>
-        <mc:Fallback>
+        <mc:Fallback xmlns="">
           <p:sp>
             <p:nvSpPr>
               <p:cNvPr id="5" name="テキスト ボックス 4">
@@ -19584,8 +19599,8 @@
           </p:sp>
         </mc:Fallback>
       </mc:AlternateContent>
-      <mc:AlternateContent xmlns:mc="http://schemas.openxmlformats.org/markup-compatibility/2006">
-        <mc:Choice xmlns:a14="http://schemas.microsoft.com/office/drawing/2010/main" Requires="a14">
+      <mc:AlternateContent xmlns:mc="http://schemas.openxmlformats.org/markup-compatibility/2006" xmlns:a14="http://schemas.microsoft.com/office/drawing/2010/main">
+        <mc:Choice Requires="a14">
           <p:sp>
             <p:nvSpPr>
               <p:cNvPr id="6" name="テキスト ボックス 5">
@@ -19633,7 +19648,7 @@
             </p:txBody>
           </p:sp>
         </mc:Choice>
-        <mc:Fallback>
+        <mc:Fallback xmlns="">
           <p:sp>
             <p:nvSpPr>
               <p:cNvPr id="6" name="テキスト ボックス 5">
@@ -19678,8 +19693,8 @@
           </p:sp>
         </mc:Fallback>
       </mc:AlternateContent>
-      <mc:AlternateContent xmlns:mc="http://schemas.openxmlformats.org/markup-compatibility/2006">
-        <mc:Choice xmlns:a14="http://schemas.microsoft.com/office/drawing/2010/main" Requires="a14">
+      <mc:AlternateContent xmlns:mc="http://schemas.openxmlformats.org/markup-compatibility/2006" xmlns:a14="http://schemas.microsoft.com/office/drawing/2010/main">
+        <mc:Choice Requires="a14">
           <p:sp>
             <p:nvSpPr>
               <p:cNvPr id="8" name="テキスト ボックス 7">
@@ -19738,7 +19753,7 @@
             </p:txBody>
           </p:sp>
         </mc:Choice>
-        <mc:Fallback>
+        <mc:Fallback xmlns="">
           <p:sp>
             <p:nvSpPr>
               <p:cNvPr id="8" name="テキスト ボックス 7">
@@ -19783,8 +19798,8 @@
           </p:sp>
         </mc:Fallback>
       </mc:AlternateContent>
-      <mc:AlternateContent xmlns:mc="http://schemas.openxmlformats.org/markup-compatibility/2006">
-        <mc:Choice xmlns:a14="http://schemas.microsoft.com/office/drawing/2010/main" Requires="a14">
+      <mc:AlternateContent xmlns:mc="http://schemas.openxmlformats.org/markup-compatibility/2006" xmlns:a14="http://schemas.microsoft.com/office/drawing/2010/main">
+        <mc:Choice Requires="a14">
           <p:sp>
             <p:nvSpPr>
               <p:cNvPr id="9" name="テキスト ボックス 8">
@@ -19843,7 +19858,7 @@
             </p:txBody>
           </p:sp>
         </mc:Choice>
-        <mc:Fallback>
+        <mc:Fallback xmlns="">
           <p:sp>
             <p:nvSpPr>
               <p:cNvPr id="9" name="テキスト ボックス 8">
@@ -19888,8 +19903,8 @@
           </p:sp>
         </mc:Fallback>
       </mc:AlternateContent>
-      <mc:AlternateContent xmlns:mc="http://schemas.openxmlformats.org/markup-compatibility/2006">
-        <mc:Choice xmlns:a14="http://schemas.microsoft.com/office/drawing/2010/main" Requires="a14">
+      <mc:AlternateContent xmlns:mc="http://schemas.openxmlformats.org/markup-compatibility/2006" xmlns:a14="http://schemas.microsoft.com/office/drawing/2010/main">
+        <mc:Choice Requires="a14">
           <p:sp>
             <p:nvSpPr>
               <p:cNvPr id="10" name="テキスト ボックス 9">
@@ -19937,7 +19952,7 @@
             </p:txBody>
           </p:sp>
         </mc:Choice>
-        <mc:Fallback>
+        <mc:Fallback xmlns="">
           <p:sp>
             <p:nvSpPr>
               <p:cNvPr id="10" name="テキスト ボックス 9">
@@ -19982,8 +19997,8 @@
           </p:sp>
         </mc:Fallback>
       </mc:AlternateContent>
-      <mc:AlternateContent xmlns:mc="http://schemas.openxmlformats.org/markup-compatibility/2006">
-        <mc:Choice xmlns:a14="http://schemas.microsoft.com/office/drawing/2010/main" Requires="a14">
+      <mc:AlternateContent xmlns:mc="http://schemas.openxmlformats.org/markup-compatibility/2006" xmlns:a14="http://schemas.microsoft.com/office/drawing/2010/main">
+        <mc:Choice Requires="a14">
           <p:sp>
             <p:nvSpPr>
               <p:cNvPr id="11" name="テキスト ボックス 10">
@@ -20042,7 +20057,7 @@
             </p:txBody>
           </p:sp>
         </mc:Choice>
-        <mc:Fallback>
+        <mc:Fallback xmlns="">
           <p:sp>
             <p:nvSpPr>
               <p:cNvPr id="11" name="テキスト ボックス 10">
@@ -21193,8 +21208,8 @@
           </a:p>
         </p:txBody>
       </p:sp>
-      <mc:AlternateContent xmlns:mc="http://schemas.openxmlformats.org/markup-compatibility/2006">
-        <mc:Choice xmlns:a14="http://schemas.microsoft.com/office/drawing/2010/main" Requires="a14">
+      <mc:AlternateContent xmlns:mc="http://schemas.openxmlformats.org/markup-compatibility/2006" xmlns:a14="http://schemas.microsoft.com/office/drawing/2010/main">
+        <mc:Choice Requires="a14">
           <p:sp>
             <p:nvSpPr>
               <p:cNvPr id="25" name="テキスト ボックス 24">
@@ -21223,6 +21238,7 @@
               </a:bodyPr>
               <a:lstStyle/>
               <a:p>
+                <a:pPr/>
                 <a14:m>
                   <m:oMathPara xmlns:m="http://schemas.openxmlformats.org/officeDocument/2006/math">
                     <m:oMathParaPr>
@@ -21293,7 +21309,7 @@
             </p:txBody>
           </p:sp>
         </mc:Choice>
-        <mc:Fallback>
+        <mc:Fallback xmlns="">
           <p:sp>
             <p:nvSpPr>
               <p:cNvPr id="25" name="テキスト ボックス 24">
@@ -21338,8 +21354,8 @@
           </p:sp>
         </mc:Fallback>
       </mc:AlternateContent>
-      <mc:AlternateContent xmlns:mc="http://schemas.openxmlformats.org/markup-compatibility/2006">
-        <mc:Choice xmlns:a14="http://schemas.microsoft.com/office/drawing/2010/main" Requires="a14">
+      <mc:AlternateContent xmlns:mc="http://schemas.openxmlformats.org/markup-compatibility/2006" xmlns:a14="http://schemas.microsoft.com/office/drawing/2010/main">
+        <mc:Choice Requires="a14">
           <p:sp>
             <p:nvSpPr>
               <p:cNvPr id="26" name="テキスト ボックス 25">
@@ -21368,6 +21384,7 @@
               </a:bodyPr>
               <a:lstStyle/>
               <a:p>
+                <a:pPr/>
                 <a14:m>
                   <m:oMathPara xmlns:m="http://schemas.openxmlformats.org/officeDocument/2006/math">
                     <m:oMathParaPr>
@@ -21438,7 +21455,7 @@
             </p:txBody>
           </p:sp>
         </mc:Choice>
-        <mc:Fallback>
+        <mc:Fallback xmlns="">
           <p:sp>
             <p:nvSpPr>
               <p:cNvPr id="26" name="テキスト ボックス 25">
@@ -21483,8 +21500,8 @@
           </p:sp>
         </mc:Fallback>
       </mc:AlternateContent>
-      <mc:AlternateContent xmlns:mc="http://schemas.openxmlformats.org/markup-compatibility/2006">
-        <mc:Choice xmlns:a14="http://schemas.microsoft.com/office/drawing/2010/main" Requires="a14">
+      <mc:AlternateContent xmlns:mc="http://schemas.openxmlformats.org/markup-compatibility/2006" xmlns:a14="http://schemas.microsoft.com/office/drawing/2010/main">
+        <mc:Choice Requires="a14">
           <p:sp>
             <p:nvSpPr>
               <p:cNvPr id="27" name="テキスト ボックス 26">
@@ -21513,6 +21530,7 @@
               </a:bodyPr>
               <a:lstStyle/>
               <a:p>
+                <a:pPr/>
                 <a14:m>
                   <m:oMathPara xmlns:m="http://schemas.openxmlformats.org/officeDocument/2006/math">
                     <m:oMathParaPr>
@@ -21583,7 +21601,7 @@
             </p:txBody>
           </p:sp>
         </mc:Choice>
-        <mc:Fallback>
+        <mc:Fallback xmlns="">
           <p:sp>
             <p:nvSpPr>
               <p:cNvPr id="27" name="テキスト ボックス 26">
@@ -25377,6 +25395,547 @@
 </p:sld>
 </file>
 
+<file path=ppt/slides/slide28.xml><?xml version="1.0" encoding="utf-8"?>
+<p:sld xmlns:a="http://schemas.openxmlformats.org/drawingml/2006/main" xmlns:r="http://schemas.openxmlformats.org/officeDocument/2006/relationships" xmlns:p="http://schemas.openxmlformats.org/presentationml/2006/main">
+  <p:cSld>
+    <p:spTree>
+      <p:nvGrpSpPr>
+        <p:cNvPr id="1" name=""/>
+        <p:cNvGrpSpPr/>
+        <p:nvPr/>
+      </p:nvGrpSpPr>
+      <p:grpSpPr>
+        <a:xfrm>
+          <a:off x="0" y="0"/>
+          <a:ext cx="0" cy="0"/>
+          <a:chOff x="0" y="0"/>
+          <a:chExt cx="0" cy="0"/>
+        </a:xfrm>
+      </p:grpSpPr>
+      <p:sp>
+        <p:nvSpPr>
+          <p:cNvPr id="2" name="テキスト プレースホルダー 1">
+            <a:extLst>
+              <a:ext uri="{FF2B5EF4-FFF2-40B4-BE49-F238E27FC236}">
+                <a16:creationId xmlns:a16="http://schemas.microsoft.com/office/drawing/2014/main" id="{557E8A52-6C78-DC75-1CE5-0BCD21F4891A}"/>
+              </a:ext>
+            </a:extLst>
+          </p:cNvPr>
+          <p:cNvSpPr>
+            <a:spLocks noGrp="1"/>
+          </p:cNvSpPr>
+          <p:nvPr>
+            <p:ph type="body" sz="quarter" idx="10"/>
+          </p:nvPr>
+        </p:nvSpPr>
+        <p:spPr/>
+        <p:txBody>
+          <a:bodyPr/>
+          <a:lstStyle/>
+          <a:p>
+            <a:r>
+              <a:rPr lang="ja-JP" altLang="en-US"/>
+              <a:t>余談：「</a:t>
+            </a:r>
+            <a:r>
+              <a:rPr lang="en-US" altLang="ja-JP"/>
+              <a:t>Web3</a:t>
+            </a:r>
+            <a:r>
+              <a:rPr lang="ja-JP" altLang="en-US"/>
+              <a:t>の教本」回収事件</a:t>
+            </a:r>
+            <a:endParaRPr kumimoji="1" lang="ja-JP" altLang="en-US"/>
+          </a:p>
+        </p:txBody>
+      </p:sp>
+      <p:sp>
+        <p:nvSpPr>
+          <p:cNvPr id="4" name="テキスト ボックス 3">
+            <a:extLst>
+              <a:ext uri="{FF2B5EF4-FFF2-40B4-BE49-F238E27FC236}">
+                <a16:creationId xmlns:a16="http://schemas.microsoft.com/office/drawing/2014/main" id="{BA950554-6736-9EF3-82D5-AE5D2E50F27D}"/>
+              </a:ext>
+            </a:extLst>
+          </p:cNvPr>
+          <p:cNvSpPr txBox="1"/>
+          <p:nvPr/>
+        </p:nvSpPr>
+        <p:spPr>
+          <a:xfrm>
+            <a:off x="827584" y="6165304"/>
+            <a:ext cx="4943231" cy="369332"/>
+          </a:xfrm>
+          <a:prstGeom prst="rect">
+            <a:avLst/>
+          </a:prstGeom>
+          <a:noFill/>
+        </p:spPr>
+        <p:txBody>
+          <a:bodyPr wrap="square">
+            <a:spAutoFit/>
+          </a:bodyPr>
+          <a:lstStyle/>
+          <a:p>
+            <a:r>
+              <a:rPr lang="ja-JP" altLang="en-US" dirty="0"/>
+              <a:t>https://book.impress.co.jp/info/20220725.html</a:t>
+            </a:r>
+          </a:p>
+        </p:txBody>
+      </p:sp>
+      <p:sp>
+        <p:nvSpPr>
+          <p:cNvPr id="5" name="テキスト ボックス 4">
+            <a:extLst>
+              <a:ext uri="{FF2B5EF4-FFF2-40B4-BE49-F238E27FC236}">
+                <a16:creationId xmlns:a16="http://schemas.microsoft.com/office/drawing/2014/main" id="{93A70640-0DA4-6BE1-875E-7F23FE7B56E2}"/>
+              </a:ext>
+            </a:extLst>
+          </p:cNvPr>
+          <p:cNvSpPr txBox="1"/>
+          <p:nvPr/>
+        </p:nvSpPr>
+        <p:spPr>
+          <a:xfrm>
+            <a:off x="683568" y="908720"/>
+            <a:ext cx="7541846" cy="646331"/>
+          </a:xfrm>
+          <a:prstGeom prst="rect">
+            <a:avLst/>
+          </a:prstGeom>
+          <a:noFill/>
+        </p:spPr>
+        <p:txBody>
+          <a:bodyPr wrap="square" rtlCol="0">
+            <a:spAutoFit/>
+          </a:bodyPr>
+          <a:lstStyle/>
+          <a:p>
+            <a:r>
+              <a:rPr lang="en-US" altLang="ja-JP" dirty="0"/>
+              <a:t>7</a:t>
+            </a:r>
+            <a:r>
+              <a:rPr lang="ja-JP" altLang="en-US" dirty="0"/>
+              <a:t>月</a:t>
+            </a:r>
+            <a:r>
+              <a:rPr lang="en-US" altLang="ja-JP" dirty="0"/>
+              <a:t>25</a:t>
+            </a:r>
+            <a:r>
+              <a:rPr lang="ja-JP" altLang="en-US" dirty="0"/>
+              <a:t>日にインプレスから出版されていた「いちばんやさしい</a:t>
+            </a:r>
+            <a:r>
+              <a:rPr lang="en-US" altLang="ja-JP" dirty="0"/>
+              <a:t>Web3</a:t>
+            </a:r>
+            <a:r>
+              <a:rPr lang="ja-JP" altLang="en-US" dirty="0"/>
+              <a:t>の教本 人気講師が教える</a:t>
+            </a:r>
+            <a:r>
+              <a:rPr lang="en-US" altLang="ja-JP" dirty="0"/>
+              <a:t>NFT</a:t>
+            </a:r>
+            <a:r>
+              <a:rPr lang="ja-JP" altLang="en-US" dirty="0"/>
+              <a:t>、</a:t>
+            </a:r>
+            <a:r>
+              <a:rPr lang="en-US" altLang="ja-JP" dirty="0"/>
+              <a:t>DAO</a:t>
+            </a:r>
+            <a:r>
+              <a:rPr lang="ja-JP" altLang="en-US" dirty="0"/>
+              <a:t>、</a:t>
+            </a:r>
+            <a:r>
+              <a:rPr lang="en-US" altLang="ja-JP" dirty="0" err="1"/>
+              <a:t>DeFi</a:t>
+            </a:r>
+            <a:r>
+              <a:rPr lang="ja-JP" altLang="en-US" dirty="0"/>
+              <a:t>が織りなす新世界」が回収</a:t>
+            </a:r>
+            <a:endParaRPr lang="en-US" altLang="ja-JP" dirty="0"/>
+          </a:p>
+        </p:txBody>
+      </p:sp>
+      <p:pic>
+        <p:nvPicPr>
+          <p:cNvPr id="11" name="図 10">
+            <a:extLst>
+              <a:ext uri="{FF2B5EF4-FFF2-40B4-BE49-F238E27FC236}">
+                <a16:creationId xmlns:a16="http://schemas.microsoft.com/office/drawing/2014/main" id="{762A1E1B-C81C-CC60-94EC-ED1FAC2AA45E}"/>
+              </a:ext>
+            </a:extLst>
+          </p:cNvPr>
+          <p:cNvPicPr>
+            <a:picLocks noChangeAspect="1"/>
+          </p:cNvPicPr>
+          <p:nvPr/>
+        </p:nvPicPr>
+        <p:blipFill>
+          <a:blip r:embed="rId2"/>
+          <a:stretch>
+            <a:fillRect/>
+          </a:stretch>
+        </p:blipFill>
+        <p:spPr>
+          <a:xfrm>
+            <a:off x="323528" y="1844824"/>
+            <a:ext cx="5256584" cy="4172095"/>
+          </a:xfrm>
+          <a:prstGeom prst="rect">
+            <a:avLst/>
+          </a:prstGeom>
+        </p:spPr>
+      </p:pic>
+      <p:pic>
+        <p:nvPicPr>
+          <p:cNvPr id="1026" name="Picture 2" descr="書籍『いちばんやさしいWeb3の教本 人気講師が教えるNFT、DAO、DeFiが織りなす新世界』">
+            <a:extLst>
+              <a:ext uri="{FF2B5EF4-FFF2-40B4-BE49-F238E27FC236}">
+                <a16:creationId xmlns:a16="http://schemas.microsoft.com/office/drawing/2014/main" id="{B7DB21DD-D633-0291-C39C-78C427E9331E}"/>
+              </a:ext>
+            </a:extLst>
+          </p:cNvPr>
+          <p:cNvPicPr>
+            <a:picLocks noChangeAspect="1" noChangeArrowheads="1"/>
+          </p:cNvPicPr>
+          <p:nvPr/>
+        </p:nvPicPr>
+        <p:blipFill>
+          <a:blip r:embed="rId3">
+            <a:extLst>
+              <a:ext uri="{28A0092B-C50C-407E-A947-70E740481C1C}">
+                <a14:useLocalDpi xmlns:a14="http://schemas.microsoft.com/office/drawing/2010/main" val="0"/>
+              </a:ext>
+            </a:extLst>
+          </a:blip>
+          <a:srcRect/>
+          <a:stretch>
+            <a:fillRect/>
+          </a:stretch>
+        </p:blipFill>
+        <p:spPr bwMode="auto">
+          <a:xfrm>
+            <a:off x="5940152" y="1988840"/>
+            <a:ext cx="2743473" cy="3892302"/>
+          </a:xfrm>
+          <a:prstGeom prst="rect">
+            <a:avLst/>
+          </a:prstGeom>
+          <a:noFill/>
+          <a:extLst>
+            <a:ext uri="{909E8E84-426E-40DD-AFC4-6F175D3DCCD1}">
+              <a14:hiddenFill xmlns:a14="http://schemas.microsoft.com/office/drawing/2010/main">
+                <a:solidFill>
+                  <a:srgbClr val="FFFFFF"/>
+                </a:solidFill>
+              </a14:hiddenFill>
+            </a:ext>
+          </a:extLst>
+        </p:spPr>
+      </p:pic>
+    </p:spTree>
+    <p:extLst>
+      <p:ext uri="{BB962C8B-B14F-4D97-AF65-F5344CB8AC3E}">
+        <p14:creationId xmlns:p14="http://schemas.microsoft.com/office/powerpoint/2010/main" val="1037148700"/>
+      </p:ext>
+    </p:extLst>
+  </p:cSld>
+  <p:clrMapOvr>
+    <a:masterClrMapping/>
+  </p:clrMapOvr>
+</p:sld>
+</file>
+
+<file path=ppt/slides/slide29.xml><?xml version="1.0" encoding="utf-8"?>
+<p:sld xmlns:a="http://schemas.openxmlformats.org/drawingml/2006/main" xmlns:r="http://schemas.openxmlformats.org/officeDocument/2006/relationships" xmlns:p="http://schemas.openxmlformats.org/presentationml/2006/main">
+  <p:cSld>
+    <p:spTree>
+      <p:nvGrpSpPr>
+        <p:cNvPr id="1" name=""/>
+        <p:cNvGrpSpPr/>
+        <p:nvPr/>
+      </p:nvGrpSpPr>
+      <p:grpSpPr>
+        <a:xfrm>
+          <a:off x="0" y="0"/>
+          <a:ext cx="0" cy="0"/>
+          <a:chOff x="0" y="0"/>
+          <a:chExt cx="0" cy="0"/>
+        </a:xfrm>
+      </p:grpSpPr>
+      <p:sp>
+        <p:nvSpPr>
+          <p:cNvPr id="2" name="テキスト プレースホルダー 1">
+            <a:extLst>
+              <a:ext uri="{FF2B5EF4-FFF2-40B4-BE49-F238E27FC236}">
+                <a16:creationId xmlns:a16="http://schemas.microsoft.com/office/drawing/2014/main" id="{5B6257CB-1AB8-0F53-732E-C07AFACCFDB2}"/>
+              </a:ext>
+            </a:extLst>
+          </p:cNvPr>
+          <p:cNvSpPr>
+            <a:spLocks noGrp="1"/>
+          </p:cNvSpPr>
+          <p:nvPr>
+            <p:ph type="body" sz="quarter" idx="10"/>
+          </p:nvPr>
+        </p:nvSpPr>
+        <p:spPr/>
+        <p:txBody>
+          <a:bodyPr/>
+          <a:lstStyle/>
+          <a:p>
+            <a:r>
+              <a:rPr lang="ja-JP" altLang="en-US"/>
+              <a:t>時系列</a:t>
+            </a:r>
+            <a:endParaRPr kumimoji="1" lang="ja-JP" altLang="en-US"/>
+          </a:p>
+        </p:txBody>
+      </p:sp>
+      <p:sp>
+        <p:nvSpPr>
+          <p:cNvPr id="3" name="テキスト ボックス 2">
+            <a:extLst>
+              <a:ext uri="{FF2B5EF4-FFF2-40B4-BE49-F238E27FC236}">
+                <a16:creationId xmlns:a16="http://schemas.microsoft.com/office/drawing/2014/main" id="{7D1DDA6A-3B6D-A917-E545-518A81500626}"/>
+              </a:ext>
+            </a:extLst>
+          </p:cNvPr>
+          <p:cNvSpPr txBox="1"/>
+          <p:nvPr/>
+        </p:nvSpPr>
+        <p:spPr>
+          <a:xfrm>
+            <a:off x="251520" y="1340768"/>
+            <a:ext cx="8239369" cy="2308324"/>
+          </a:xfrm>
+          <a:prstGeom prst="rect">
+            <a:avLst/>
+          </a:prstGeom>
+          <a:noFill/>
+        </p:spPr>
+        <p:txBody>
+          <a:bodyPr wrap="square">
+            <a:spAutoFit/>
+          </a:bodyPr>
+          <a:lstStyle/>
+          <a:p>
+            <a:r>
+              <a:rPr lang="en-US" altLang="ja-JP" sz="2400" dirty="0"/>
+              <a:t>7</a:t>
+            </a:r>
+            <a:r>
+              <a:rPr lang="ja-JP" altLang="en-US" sz="2400" dirty="0"/>
+              <a:t>月</a:t>
+            </a:r>
+            <a:r>
+              <a:rPr lang="en-US" altLang="ja-JP" sz="2400" dirty="0"/>
+              <a:t>19</a:t>
+            </a:r>
+            <a:r>
+              <a:rPr lang="ja-JP" altLang="en-US" sz="2400" dirty="0"/>
+              <a:t>日：インプレスから「いちばんやさしい</a:t>
+            </a:r>
+            <a:r>
+              <a:rPr lang="en-US" altLang="ja-JP" sz="2400" dirty="0"/>
+              <a:t>Web3</a:t>
+            </a:r>
+            <a:r>
+              <a:rPr lang="ja-JP" altLang="en-US" sz="2400" dirty="0"/>
+              <a:t>の教本 人気講師が教える</a:t>
+            </a:r>
+            <a:r>
+              <a:rPr lang="en-US" altLang="ja-JP" sz="2400" dirty="0"/>
+              <a:t>NFT</a:t>
+            </a:r>
+            <a:r>
+              <a:rPr lang="ja-JP" altLang="en-US" sz="2400" dirty="0"/>
+              <a:t>、</a:t>
+            </a:r>
+            <a:r>
+              <a:rPr lang="en-US" altLang="ja-JP" sz="2400" dirty="0"/>
+              <a:t>DAO</a:t>
+            </a:r>
+            <a:r>
+              <a:rPr lang="ja-JP" altLang="en-US" sz="2400" dirty="0"/>
+              <a:t>、</a:t>
+            </a:r>
+            <a:r>
+              <a:rPr lang="en-US" altLang="ja-JP" sz="2400" dirty="0" err="1"/>
+              <a:t>DeFi</a:t>
+            </a:r>
+            <a:r>
+              <a:rPr lang="ja-JP" altLang="en-US" sz="2400" dirty="0"/>
+              <a:t>が織りなす新世界」の出版キャンペーンとして第</a:t>
+            </a:r>
+            <a:r>
+              <a:rPr lang="en-US" altLang="ja-JP" sz="2400" dirty="0"/>
+              <a:t>1</a:t>
+            </a:r>
+            <a:r>
+              <a:rPr lang="ja-JP" altLang="en-US" sz="2400" dirty="0"/>
+              <a:t>章と第</a:t>
+            </a:r>
+            <a:r>
+              <a:rPr lang="en-US" altLang="ja-JP" sz="2400" dirty="0"/>
+              <a:t>2</a:t>
+            </a:r>
+            <a:r>
+              <a:rPr lang="ja-JP" altLang="en-US" sz="2400" dirty="0"/>
+              <a:t>章を無料公開</a:t>
+            </a:r>
+            <a:endParaRPr lang="en-US" altLang="ja-JP" sz="2400" dirty="0"/>
+          </a:p>
+          <a:p>
+            <a:r>
+              <a:rPr lang="en-US" altLang="ja-JP" sz="2400" dirty="0"/>
+              <a:t>7</a:t>
+            </a:r>
+            <a:r>
+              <a:rPr lang="ja-JP" altLang="en-US" sz="2400" dirty="0"/>
+              <a:t>月</a:t>
+            </a:r>
+            <a:r>
+              <a:rPr lang="en-US" altLang="ja-JP" sz="2400" dirty="0"/>
+              <a:t>20</a:t>
+            </a:r>
+            <a:r>
+              <a:rPr lang="ja-JP" altLang="en-US" sz="2400" dirty="0"/>
+              <a:t>日：出版</a:t>
+            </a:r>
+            <a:endParaRPr lang="en-US" altLang="ja-JP" sz="2400" dirty="0"/>
+          </a:p>
+          <a:p>
+            <a:r>
+              <a:rPr lang="en-US" altLang="ja-JP" sz="2400" dirty="0"/>
+              <a:t>7</a:t>
+            </a:r>
+            <a:r>
+              <a:rPr lang="ja-JP" altLang="en-US" sz="2400" dirty="0"/>
+              <a:t>月</a:t>
+            </a:r>
+            <a:r>
+              <a:rPr lang="en-US" altLang="ja-JP" sz="2400" dirty="0"/>
+              <a:t>20</a:t>
+            </a:r>
+            <a:r>
+              <a:rPr lang="ja-JP" altLang="en-US" sz="2400" dirty="0"/>
+              <a:t>～</a:t>
+            </a:r>
+            <a:r>
+              <a:rPr lang="en-US" altLang="ja-JP" sz="2400" dirty="0"/>
+              <a:t>21</a:t>
+            </a:r>
+            <a:r>
+              <a:rPr lang="ja-JP" altLang="en-US" sz="2400" dirty="0"/>
+              <a:t>日にかけて：</a:t>
+            </a:r>
+            <a:r>
+              <a:rPr lang="en-US" altLang="ja-JP" sz="2400" dirty="0">
+                <a:solidFill>
+                  <a:srgbClr val="FF0000"/>
+                </a:solidFill>
+              </a:rPr>
+              <a:t>SNS</a:t>
+            </a:r>
+            <a:r>
+              <a:rPr lang="ja-JP" altLang="en-US" sz="2400" dirty="0">
+                <a:solidFill>
+                  <a:srgbClr val="FF0000"/>
+                </a:solidFill>
+              </a:rPr>
+              <a:t>で批判が続出</a:t>
+            </a:r>
+            <a:endParaRPr lang="en-US" altLang="ja-JP" sz="2400" dirty="0">
+              <a:solidFill>
+                <a:srgbClr val="FF0000"/>
+              </a:solidFill>
+            </a:endParaRPr>
+          </a:p>
+          <a:p>
+            <a:r>
+              <a:rPr lang="en-US" altLang="ja-JP" sz="2400" dirty="0"/>
+              <a:t>7</a:t>
+            </a:r>
+            <a:r>
+              <a:rPr lang="ja-JP" altLang="en-US" sz="2400" dirty="0"/>
+              <a:t>月</a:t>
+            </a:r>
+            <a:r>
+              <a:rPr lang="en-US" altLang="ja-JP" sz="2400" dirty="0"/>
+              <a:t>25</a:t>
+            </a:r>
+            <a:r>
+              <a:rPr lang="ja-JP" altLang="en-US" sz="2400" dirty="0"/>
+              <a:t>日：出版社が出版停止、回収を発表</a:t>
+            </a:r>
+            <a:endParaRPr lang="en-US" altLang="ja-JP" sz="2400" dirty="0"/>
+          </a:p>
+        </p:txBody>
+      </p:sp>
+      <p:sp>
+        <p:nvSpPr>
+          <p:cNvPr id="4" name="テキスト ボックス 3">
+            <a:extLst>
+              <a:ext uri="{FF2B5EF4-FFF2-40B4-BE49-F238E27FC236}">
+                <a16:creationId xmlns:a16="http://schemas.microsoft.com/office/drawing/2014/main" id="{4DFB0DCA-CA2F-DFB5-E7D6-453C04DCCA27}"/>
+              </a:ext>
+            </a:extLst>
+          </p:cNvPr>
+          <p:cNvSpPr txBox="1"/>
+          <p:nvPr/>
+        </p:nvSpPr>
+        <p:spPr>
+          <a:xfrm>
+            <a:off x="611560" y="4941168"/>
+            <a:ext cx="7879080" cy="707886"/>
+          </a:xfrm>
+          <a:prstGeom prst="rect">
+            <a:avLst/>
+          </a:prstGeom>
+          <a:noFill/>
+        </p:spPr>
+        <p:txBody>
+          <a:bodyPr wrap="none" rtlCol="0">
+            <a:spAutoFit/>
+          </a:bodyPr>
+          <a:lstStyle/>
+          <a:p>
+            <a:r>
+              <a:rPr lang="ja-JP" altLang="en-US" sz="2000" dirty="0"/>
+              <a:t>技術書が「内容が間違っている」ことが理由で回収されるのは異例</a:t>
+            </a:r>
+            <a:endParaRPr lang="en-US" altLang="ja-JP" sz="2000" dirty="0"/>
+          </a:p>
+          <a:p>
+            <a:r>
+              <a:rPr kumimoji="1" lang="ja-JP" altLang="en-US" sz="2000" dirty="0"/>
+              <a:t>→何が起きたのか？</a:t>
+            </a:r>
+          </a:p>
+        </p:txBody>
+      </p:sp>
+    </p:spTree>
+    <p:extLst>
+      <p:ext uri="{BB962C8B-B14F-4D97-AF65-F5344CB8AC3E}">
+        <p14:creationId xmlns:p14="http://schemas.microsoft.com/office/powerpoint/2010/main" val="2274114939"/>
+      </p:ext>
+    </p:extLst>
+  </p:cSld>
+  <p:clrMapOvr>
+    <a:masterClrMapping/>
+  </p:clrMapOvr>
+</p:sld>
+</file>
+
 <file path=ppt/slides/slide3.xml><?xml version="1.0" encoding="utf-8"?>
 <p:sld xmlns:a="http://schemas.openxmlformats.org/drawingml/2006/main" xmlns:r="http://schemas.openxmlformats.org/officeDocument/2006/relationships" xmlns:p="http://schemas.openxmlformats.org/presentationml/2006/main">
   <p:cSld>
@@ -25587,6 +26146,3402 @@
     <p:extLst>
       <p:ext uri="{BB962C8B-B14F-4D97-AF65-F5344CB8AC3E}">
         <p14:creationId xmlns:p14="http://schemas.microsoft.com/office/powerpoint/2010/main" val="1707362733"/>
+      </p:ext>
+    </p:extLst>
+  </p:cSld>
+  <p:clrMapOvr>
+    <a:masterClrMapping/>
+  </p:clrMapOvr>
+</p:sld>
+</file>
+
+<file path=ppt/slides/slide30.xml><?xml version="1.0" encoding="utf-8"?>
+<p:sld xmlns:a="http://schemas.openxmlformats.org/drawingml/2006/main" xmlns:r="http://schemas.openxmlformats.org/officeDocument/2006/relationships" xmlns:p="http://schemas.openxmlformats.org/presentationml/2006/main">
+  <p:cSld>
+    <p:spTree>
+      <p:nvGrpSpPr>
+        <p:cNvPr id="1" name=""/>
+        <p:cNvGrpSpPr/>
+        <p:nvPr/>
+      </p:nvGrpSpPr>
+      <p:grpSpPr>
+        <a:xfrm>
+          <a:off x="0" y="0"/>
+          <a:ext cx="0" cy="0"/>
+          <a:chOff x="0" y="0"/>
+          <a:chExt cx="0" cy="0"/>
+        </a:xfrm>
+      </p:grpSpPr>
+      <p:sp>
+        <p:nvSpPr>
+          <p:cNvPr id="2" name="テキスト プレースホルダー 1">
+            <a:extLst>
+              <a:ext uri="{FF2B5EF4-FFF2-40B4-BE49-F238E27FC236}">
+                <a16:creationId xmlns:a16="http://schemas.microsoft.com/office/drawing/2014/main" id="{2E2BBA03-456C-53EF-8B9F-BDF0F299DFF3}"/>
+              </a:ext>
+            </a:extLst>
+          </p:cNvPr>
+          <p:cNvSpPr>
+            <a:spLocks noGrp="1"/>
+          </p:cNvSpPr>
+          <p:nvPr>
+            <p:ph type="body" sz="quarter" idx="10"/>
+          </p:nvPr>
+        </p:nvSpPr>
+        <p:spPr/>
+        <p:txBody>
+          <a:bodyPr/>
+          <a:lstStyle/>
+          <a:p>
+            <a:r>
+              <a:rPr kumimoji="1" lang="ja-JP" altLang="en-US"/>
+              <a:t>そもそも</a:t>
+            </a:r>
+            <a:r>
+              <a:rPr kumimoji="1" lang="en-US" altLang="ja-JP"/>
+              <a:t>Web3</a:t>
+            </a:r>
+            <a:r>
+              <a:rPr kumimoji="1" lang="ja-JP" altLang="en-US"/>
+              <a:t>とは何か？</a:t>
+            </a:r>
+          </a:p>
+        </p:txBody>
+      </p:sp>
+      <p:sp>
+        <p:nvSpPr>
+          <p:cNvPr id="3" name="テキスト ボックス 2">
+            <a:extLst>
+              <a:ext uri="{FF2B5EF4-FFF2-40B4-BE49-F238E27FC236}">
+                <a16:creationId xmlns:a16="http://schemas.microsoft.com/office/drawing/2014/main" id="{D05CE3EF-E7DC-603C-A1F0-6A7E5E62CA97}"/>
+              </a:ext>
+            </a:extLst>
+          </p:cNvPr>
+          <p:cNvSpPr txBox="1"/>
+          <p:nvPr/>
+        </p:nvSpPr>
+        <p:spPr>
+          <a:xfrm>
+            <a:off x="2516554" y="1312985"/>
+            <a:ext cx="4288353" cy="707886"/>
+          </a:xfrm>
+          <a:prstGeom prst="rect">
+            <a:avLst/>
+          </a:prstGeom>
+          <a:noFill/>
+        </p:spPr>
+        <p:txBody>
+          <a:bodyPr wrap="none" rtlCol="0">
+            <a:spAutoFit/>
+          </a:bodyPr>
+          <a:lstStyle/>
+          <a:p>
+            <a:r>
+              <a:rPr kumimoji="1" lang="ja-JP" altLang="en-US" sz="4000" dirty="0">
+                <a:solidFill>
+                  <a:srgbClr val="FF0000"/>
+                </a:solidFill>
+              </a:rPr>
+              <a:t>明確な定義はない</a:t>
+            </a:r>
+          </a:p>
+        </p:txBody>
+      </p:sp>
+      <p:sp>
+        <p:nvSpPr>
+          <p:cNvPr id="4" name="テキスト ボックス 3">
+            <a:extLst>
+              <a:ext uri="{FF2B5EF4-FFF2-40B4-BE49-F238E27FC236}">
+                <a16:creationId xmlns:a16="http://schemas.microsoft.com/office/drawing/2014/main" id="{1B18614D-7354-2F24-6D3D-9D53134E5687}"/>
+              </a:ext>
+            </a:extLst>
+          </p:cNvPr>
+          <p:cNvSpPr txBox="1"/>
+          <p:nvPr/>
+        </p:nvSpPr>
+        <p:spPr>
+          <a:xfrm>
+            <a:off x="273538" y="2375877"/>
+            <a:ext cx="8494633" cy="830997"/>
+          </a:xfrm>
+          <a:prstGeom prst="rect">
+            <a:avLst/>
+          </a:prstGeom>
+          <a:noFill/>
+        </p:spPr>
+        <p:txBody>
+          <a:bodyPr wrap="none" rtlCol="0">
+            <a:spAutoFit/>
+          </a:bodyPr>
+          <a:lstStyle/>
+          <a:p>
+            <a:r>
+              <a:rPr kumimoji="1" lang="ja-JP" altLang="en-US" sz="2400" dirty="0"/>
+              <a:t>狭義にはブロックチェーン技術を応用したサービス群を指す</a:t>
+            </a:r>
+            <a:endParaRPr kumimoji="1" lang="en-US" altLang="ja-JP" sz="2400" dirty="0"/>
+          </a:p>
+          <a:p>
+            <a:r>
+              <a:rPr lang="ja-JP" altLang="en-US" sz="2400" dirty="0"/>
+              <a:t>広義にはこれまでの中央集権型から分散型への変換をさす</a:t>
+            </a:r>
+            <a:endParaRPr kumimoji="1" lang="ja-JP" altLang="en-US" sz="2400" dirty="0"/>
+          </a:p>
+        </p:txBody>
+      </p:sp>
+      <p:sp>
+        <p:nvSpPr>
+          <p:cNvPr id="5" name="テキスト ボックス 4">
+            <a:extLst>
+              <a:ext uri="{FF2B5EF4-FFF2-40B4-BE49-F238E27FC236}">
+                <a16:creationId xmlns:a16="http://schemas.microsoft.com/office/drawing/2014/main" id="{DD7FD874-46DE-FFFC-1A12-BDCBB65196AE}"/>
+              </a:ext>
+            </a:extLst>
+          </p:cNvPr>
+          <p:cNvSpPr txBox="1"/>
+          <p:nvPr/>
+        </p:nvSpPr>
+        <p:spPr>
+          <a:xfrm>
+            <a:off x="171939" y="3477847"/>
+            <a:ext cx="4134465" cy="523220"/>
+          </a:xfrm>
+          <a:prstGeom prst="rect">
+            <a:avLst/>
+          </a:prstGeom>
+          <a:noFill/>
+        </p:spPr>
+        <p:txBody>
+          <a:bodyPr wrap="none" rtlCol="0">
+            <a:spAutoFit/>
+          </a:bodyPr>
+          <a:lstStyle/>
+          <a:p>
+            <a:r>
+              <a:rPr kumimoji="1" lang="ja-JP" altLang="en-US" sz="2800" dirty="0"/>
+              <a:t>よく使われるキーワード</a:t>
+            </a:r>
+          </a:p>
+        </p:txBody>
+      </p:sp>
+      <p:sp>
+        <p:nvSpPr>
+          <p:cNvPr id="6" name="テキスト ボックス 5">
+            <a:extLst>
+              <a:ext uri="{FF2B5EF4-FFF2-40B4-BE49-F238E27FC236}">
+                <a16:creationId xmlns:a16="http://schemas.microsoft.com/office/drawing/2014/main" id="{FCD645D5-49F2-12D5-5C7E-22DF6A775CA7}"/>
+              </a:ext>
+            </a:extLst>
+          </p:cNvPr>
+          <p:cNvSpPr txBox="1"/>
+          <p:nvPr/>
+        </p:nvSpPr>
+        <p:spPr>
+          <a:xfrm>
+            <a:off x="508001" y="4165601"/>
+            <a:ext cx="7507440" cy="1015663"/>
+          </a:xfrm>
+          <a:prstGeom prst="rect">
+            <a:avLst/>
+          </a:prstGeom>
+          <a:noFill/>
+        </p:spPr>
+        <p:txBody>
+          <a:bodyPr wrap="none" rtlCol="0">
+            <a:spAutoFit/>
+          </a:bodyPr>
+          <a:lstStyle/>
+          <a:p>
+            <a:r>
+              <a:rPr kumimoji="1" lang="en-US" altLang="ja-JP" sz="2000" dirty="0"/>
+              <a:t>NFT (Non-Fungible Token, </a:t>
+            </a:r>
+            <a:r>
+              <a:rPr kumimoji="1" lang="ja-JP" altLang="en-US" sz="2000" dirty="0"/>
+              <a:t>非代替性トークン</a:t>
+            </a:r>
+            <a:r>
+              <a:rPr kumimoji="1" lang="en-US" altLang="ja-JP" sz="2000" dirty="0"/>
+              <a:t>)</a:t>
+            </a:r>
+          </a:p>
+          <a:p>
+            <a:r>
+              <a:rPr lang="en-US" altLang="ja-JP" sz="2000" dirty="0"/>
+              <a:t>DAO (Decentralized Autonomous Organization, </a:t>
+            </a:r>
+            <a:r>
+              <a:rPr lang="ja-JP" altLang="en-US" sz="2000" dirty="0"/>
+              <a:t>分散型自立組織</a:t>
+            </a:r>
+            <a:r>
+              <a:rPr lang="en-US" altLang="ja-JP" sz="2000" dirty="0"/>
+              <a:t>)</a:t>
+            </a:r>
+          </a:p>
+          <a:p>
+            <a:r>
+              <a:rPr lang="en-US" altLang="ja-JP" sz="2000" dirty="0" err="1"/>
+              <a:t>DeFi</a:t>
+            </a:r>
+            <a:r>
+              <a:rPr lang="en-US" altLang="ja-JP" sz="2000" dirty="0"/>
+              <a:t> (Decentralized Finance, </a:t>
+            </a:r>
+            <a:r>
+              <a:rPr lang="ja-JP" altLang="en-US" sz="2000" dirty="0"/>
+              <a:t>分散型金融</a:t>
+            </a:r>
+            <a:r>
+              <a:rPr lang="en-US" altLang="ja-JP" sz="2000" dirty="0"/>
+              <a:t>) </a:t>
+            </a:r>
+          </a:p>
+        </p:txBody>
+      </p:sp>
+      <p:sp>
+        <p:nvSpPr>
+          <p:cNvPr id="7" name="テキスト ボックス 6">
+            <a:extLst>
+              <a:ext uri="{FF2B5EF4-FFF2-40B4-BE49-F238E27FC236}">
+                <a16:creationId xmlns:a16="http://schemas.microsoft.com/office/drawing/2014/main" id="{CFCF6517-6283-8986-F4F1-8E50B5DBEE60}"/>
+              </a:ext>
+            </a:extLst>
+          </p:cNvPr>
+          <p:cNvSpPr txBox="1"/>
+          <p:nvPr/>
+        </p:nvSpPr>
+        <p:spPr>
+          <a:xfrm>
+            <a:off x="414214" y="5681785"/>
+            <a:ext cx="7973850" cy="400110"/>
+          </a:xfrm>
+          <a:prstGeom prst="rect">
+            <a:avLst/>
+          </a:prstGeom>
+          <a:noFill/>
+        </p:spPr>
+        <p:txBody>
+          <a:bodyPr wrap="none" rtlCol="0">
+            <a:spAutoFit/>
+          </a:bodyPr>
+          <a:lstStyle/>
+          <a:p>
+            <a:r>
+              <a:rPr lang="en-US" altLang="ja-JP" sz="2000" dirty="0"/>
+              <a:t>Web2.0</a:t>
+            </a:r>
+            <a:r>
+              <a:rPr lang="ja-JP" altLang="en-US" sz="2000" dirty="0"/>
+              <a:t>や</a:t>
+            </a:r>
+            <a:r>
+              <a:rPr lang="en-US" altLang="ja-JP" sz="2000" dirty="0"/>
+              <a:t>Society 5.0</a:t>
+            </a:r>
+            <a:r>
+              <a:rPr lang="ja-JP" altLang="en-US" sz="2000" dirty="0"/>
+              <a:t>など「ほげほげ＋数字」はおおむねバズワード</a:t>
+            </a:r>
+            <a:endParaRPr kumimoji="1" lang="ja-JP" altLang="en-US" sz="2000" dirty="0"/>
+          </a:p>
+        </p:txBody>
+      </p:sp>
+    </p:spTree>
+    <p:extLst>
+      <p:ext uri="{BB962C8B-B14F-4D97-AF65-F5344CB8AC3E}">
+        <p14:creationId xmlns:p14="http://schemas.microsoft.com/office/powerpoint/2010/main" val="4070167283"/>
+      </p:ext>
+    </p:extLst>
+  </p:cSld>
+  <p:clrMapOvr>
+    <a:masterClrMapping/>
+  </p:clrMapOvr>
+</p:sld>
+</file>
+
+<file path=ppt/slides/slide31.xml><?xml version="1.0" encoding="utf-8"?>
+<p:sld xmlns:a="http://schemas.openxmlformats.org/drawingml/2006/main" xmlns:r="http://schemas.openxmlformats.org/officeDocument/2006/relationships" xmlns:p="http://schemas.openxmlformats.org/presentationml/2006/main">
+  <p:cSld>
+    <p:spTree>
+      <p:nvGrpSpPr>
+        <p:cNvPr id="1" name=""/>
+        <p:cNvGrpSpPr/>
+        <p:nvPr/>
+      </p:nvGrpSpPr>
+      <p:grpSpPr>
+        <a:xfrm>
+          <a:off x="0" y="0"/>
+          <a:ext cx="0" cy="0"/>
+          <a:chOff x="0" y="0"/>
+          <a:chExt cx="0" cy="0"/>
+        </a:xfrm>
+      </p:grpSpPr>
+      <p:sp>
+        <p:nvSpPr>
+          <p:cNvPr id="2" name="テキスト プレースホルダー 1">
+            <a:extLst>
+              <a:ext uri="{FF2B5EF4-FFF2-40B4-BE49-F238E27FC236}">
+                <a16:creationId xmlns:a16="http://schemas.microsoft.com/office/drawing/2014/main" id="{F7A37C18-D0BA-71F3-D777-532AD63B453F}"/>
+              </a:ext>
+            </a:extLst>
+          </p:cNvPr>
+          <p:cNvSpPr>
+            <a:spLocks noGrp="1"/>
+          </p:cNvSpPr>
+          <p:nvPr>
+            <p:ph type="body" sz="quarter" idx="10"/>
+          </p:nvPr>
+        </p:nvSpPr>
+        <p:spPr/>
+        <p:txBody>
+          <a:bodyPr/>
+          <a:lstStyle/>
+          <a:p>
+            <a:r>
+              <a:rPr kumimoji="1" lang="ja-JP" altLang="en-US"/>
+              <a:t>そもそも</a:t>
+            </a:r>
+            <a:r>
+              <a:rPr kumimoji="1" lang="en-US" altLang="ja-JP"/>
+              <a:t>Web3</a:t>
+            </a:r>
+            <a:r>
+              <a:rPr kumimoji="1" lang="ja-JP" altLang="en-US"/>
+              <a:t>とは何か？</a:t>
+            </a:r>
+          </a:p>
+        </p:txBody>
+      </p:sp>
+      <p:sp>
+        <p:nvSpPr>
+          <p:cNvPr id="3" name="テキスト ボックス 2">
+            <a:extLst>
+              <a:ext uri="{FF2B5EF4-FFF2-40B4-BE49-F238E27FC236}">
+                <a16:creationId xmlns:a16="http://schemas.microsoft.com/office/drawing/2014/main" id="{DBB841A7-E298-C201-3F15-A15A0BB77AE0}"/>
+              </a:ext>
+            </a:extLst>
+          </p:cNvPr>
+          <p:cNvSpPr txBox="1"/>
+          <p:nvPr/>
+        </p:nvSpPr>
+        <p:spPr>
+          <a:xfrm>
+            <a:off x="234462" y="1078523"/>
+            <a:ext cx="1826141" cy="584775"/>
+          </a:xfrm>
+          <a:prstGeom prst="rect">
+            <a:avLst/>
+          </a:prstGeom>
+          <a:noFill/>
+        </p:spPr>
+        <p:txBody>
+          <a:bodyPr wrap="none" rtlCol="0">
+            <a:spAutoFit/>
+          </a:bodyPr>
+          <a:lstStyle/>
+          <a:p>
+            <a:r>
+              <a:rPr lang="ja-JP" altLang="en-US" sz="3200" dirty="0"/>
+              <a:t>法定通貨</a:t>
+            </a:r>
+            <a:endParaRPr kumimoji="1" lang="ja-JP" altLang="en-US" sz="3200" dirty="0"/>
+          </a:p>
+        </p:txBody>
+      </p:sp>
+      <p:sp>
+        <p:nvSpPr>
+          <p:cNvPr id="4" name="テキスト ボックス 3">
+            <a:extLst>
+              <a:ext uri="{FF2B5EF4-FFF2-40B4-BE49-F238E27FC236}">
+                <a16:creationId xmlns:a16="http://schemas.microsoft.com/office/drawing/2014/main" id="{F5E3AA92-3094-1E85-C194-BF2A2FC327FD}"/>
+              </a:ext>
+            </a:extLst>
+          </p:cNvPr>
+          <p:cNvSpPr txBox="1"/>
+          <p:nvPr/>
+        </p:nvSpPr>
+        <p:spPr>
+          <a:xfrm>
+            <a:off x="640863" y="1617785"/>
+            <a:ext cx="7916983" cy="2308324"/>
+          </a:xfrm>
+          <a:prstGeom prst="rect">
+            <a:avLst/>
+          </a:prstGeom>
+          <a:noFill/>
+        </p:spPr>
+        <p:txBody>
+          <a:bodyPr wrap="square" rtlCol="0">
+            <a:spAutoFit/>
+          </a:bodyPr>
+          <a:lstStyle/>
+          <a:p>
+            <a:pPr marL="457200" indent="-457200">
+              <a:buFont typeface="Arial" panose="020B0604020202020204" pitchFamily="34" charset="0"/>
+              <a:buChar char="•"/>
+            </a:pPr>
+            <a:r>
+              <a:rPr kumimoji="1" lang="ja-JP" altLang="en-US" sz="2400" dirty="0"/>
+              <a:t>日本円や、アメリカドルなど</a:t>
+            </a:r>
+            <a:endParaRPr kumimoji="1" lang="en-US" altLang="ja-JP" sz="2400" dirty="0"/>
+          </a:p>
+          <a:p>
+            <a:pPr marL="457200" indent="-457200">
+              <a:buFont typeface="Arial" panose="020B0604020202020204" pitchFamily="34" charset="0"/>
+              <a:buChar char="•"/>
+            </a:pPr>
+            <a:r>
+              <a:rPr lang="ja-JP" altLang="en-US" sz="2400" dirty="0"/>
+              <a:t>価値や信頼性は国が保証する</a:t>
+            </a:r>
+            <a:endParaRPr lang="en-US" altLang="ja-JP" sz="2400" dirty="0"/>
+          </a:p>
+          <a:p>
+            <a:pPr marL="457200" indent="-457200">
+              <a:buFont typeface="Arial" panose="020B0604020202020204" pitchFamily="34" charset="0"/>
+              <a:buChar char="•"/>
+            </a:pPr>
+            <a:r>
+              <a:rPr lang="ja-JP" altLang="en-US" sz="2400" dirty="0"/>
+              <a:t>発行できる機関は限定されている</a:t>
+            </a:r>
+            <a:r>
+              <a:rPr lang="en-US" altLang="ja-JP" sz="2400" dirty="0"/>
+              <a:t>(</a:t>
+            </a:r>
+            <a:r>
+              <a:rPr lang="ja-JP" altLang="en-US" sz="2400" dirty="0">
+                <a:solidFill>
+                  <a:srgbClr val="FF0000"/>
+                </a:solidFill>
+              </a:rPr>
+              <a:t>中央集権型</a:t>
+            </a:r>
+            <a:r>
+              <a:rPr lang="en-US" altLang="ja-JP" sz="2400" dirty="0"/>
+              <a:t>)</a:t>
+            </a:r>
+          </a:p>
+          <a:p>
+            <a:pPr marL="457200" indent="-457200">
+              <a:buFont typeface="Arial" panose="020B0604020202020204" pitchFamily="34" charset="0"/>
+              <a:buChar char="•"/>
+            </a:pPr>
+            <a:r>
+              <a:rPr lang="ja-JP" altLang="en-US" sz="2400" dirty="0"/>
+              <a:t>日本では、</a:t>
+            </a:r>
+            <a:r>
+              <a:rPr lang="ja-JP" altLang="en-US" sz="2400" dirty="0">
+                <a:solidFill>
+                  <a:srgbClr val="FF0000"/>
+                </a:solidFill>
+              </a:rPr>
+              <a:t>日本銀行</a:t>
+            </a:r>
+            <a:r>
+              <a:rPr lang="ja-JP" altLang="en-US" sz="2400" dirty="0"/>
+              <a:t>が発行する日本銀行券</a:t>
+            </a:r>
+            <a:r>
+              <a:rPr lang="en-US" altLang="ja-JP" sz="2400" dirty="0"/>
+              <a:t>(</a:t>
+            </a:r>
+            <a:r>
+              <a:rPr lang="ja-JP" altLang="en-US" sz="2400" dirty="0"/>
+              <a:t>紙幣</a:t>
+            </a:r>
+            <a:r>
+              <a:rPr lang="en-US" altLang="ja-JP" sz="2400" dirty="0"/>
+              <a:t>)</a:t>
+            </a:r>
+            <a:r>
+              <a:rPr lang="ja-JP" altLang="en-US" sz="2400" dirty="0"/>
+              <a:t>及び</a:t>
+            </a:r>
+            <a:r>
+              <a:rPr lang="ja-JP" altLang="en-US" sz="2400" dirty="0">
+                <a:solidFill>
+                  <a:srgbClr val="FF0000"/>
+                </a:solidFill>
+              </a:rPr>
+              <a:t>造幣局</a:t>
+            </a:r>
+            <a:r>
+              <a:rPr lang="ja-JP" altLang="en-US" sz="2400" dirty="0"/>
+              <a:t>が製造する貨幣</a:t>
+            </a:r>
+            <a:r>
+              <a:rPr lang="en-US" altLang="ja-JP" sz="2400" dirty="0"/>
+              <a:t>(</a:t>
+            </a:r>
+            <a:r>
+              <a:rPr lang="ja-JP" altLang="en-US" sz="2400" dirty="0"/>
+              <a:t>硬貨</a:t>
+            </a:r>
+            <a:r>
+              <a:rPr lang="en-US" altLang="ja-JP" sz="2400" dirty="0"/>
+              <a:t>)</a:t>
+            </a:r>
+            <a:r>
+              <a:rPr lang="ja-JP" altLang="en-US" sz="2400" dirty="0"/>
+              <a:t>のみが法定通貨として認められている</a:t>
+            </a:r>
+            <a:endParaRPr lang="en-US" altLang="ja-JP" sz="2400" dirty="0"/>
+          </a:p>
+        </p:txBody>
+      </p:sp>
+      <p:sp>
+        <p:nvSpPr>
+          <p:cNvPr id="5" name="テキスト ボックス 4">
+            <a:extLst>
+              <a:ext uri="{FF2B5EF4-FFF2-40B4-BE49-F238E27FC236}">
+                <a16:creationId xmlns:a16="http://schemas.microsoft.com/office/drawing/2014/main" id="{0A084C4E-2F92-10A8-FBC1-CFF0E13772C0}"/>
+              </a:ext>
+            </a:extLst>
+          </p:cNvPr>
+          <p:cNvSpPr txBox="1"/>
+          <p:nvPr/>
+        </p:nvSpPr>
+        <p:spPr>
+          <a:xfrm>
+            <a:off x="183660" y="4083538"/>
+            <a:ext cx="2646878" cy="584775"/>
+          </a:xfrm>
+          <a:prstGeom prst="rect">
+            <a:avLst/>
+          </a:prstGeom>
+          <a:noFill/>
+        </p:spPr>
+        <p:txBody>
+          <a:bodyPr wrap="none" rtlCol="0">
+            <a:spAutoFit/>
+          </a:bodyPr>
+          <a:lstStyle/>
+          <a:p>
+            <a:r>
+              <a:rPr kumimoji="1" lang="ja-JP" altLang="en-US" sz="3200" dirty="0"/>
+              <a:t>デジタル通貨</a:t>
+            </a:r>
+          </a:p>
+        </p:txBody>
+      </p:sp>
+      <p:sp>
+        <p:nvSpPr>
+          <p:cNvPr id="6" name="テキスト ボックス 5">
+            <a:extLst>
+              <a:ext uri="{FF2B5EF4-FFF2-40B4-BE49-F238E27FC236}">
+                <a16:creationId xmlns:a16="http://schemas.microsoft.com/office/drawing/2014/main" id="{82CC0940-66EA-0F63-FD9E-48185CCC0741}"/>
+              </a:ext>
+            </a:extLst>
+          </p:cNvPr>
+          <p:cNvSpPr txBox="1"/>
+          <p:nvPr/>
+        </p:nvSpPr>
+        <p:spPr>
+          <a:xfrm>
+            <a:off x="664309" y="4759569"/>
+            <a:ext cx="6789038" cy="1200329"/>
+          </a:xfrm>
+          <a:prstGeom prst="rect">
+            <a:avLst/>
+          </a:prstGeom>
+          <a:noFill/>
+        </p:spPr>
+        <p:txBody>
+          <a:bodyPr wrap="none" rtlCol="0">
+            <a:spAutoFit/>
+          </a:bodyPr>
+          <a:lstStyle/>
+          <a:p>
+            <a:pPr marL="342900" indent="-342900">
+              <a:buFont typeface="Arial" panose="020B0604020202020204" pitchFamily="34" charset="0"/>
+              <a:buChar char="•"/>
+            </a:pPr>
+            <a:r>
+              <a:rPr kumimoji="1" lang="ja-JP" altLang="en-US" sz="2400" dirty="0"/>
+              <a:t>ビットコイン</a:t>
+            </a:r>
+            <a:r>
+              <a:rPr kumimoji="1" lang="en-US" altLang="ja-JP" sz="2400" dirty="0"/>
+              <a:t>(BTC)</a:t>
+            </a:r>
+            <a:r>
+              <a:rPr kumimoji="1" lang="ja-JP" altLang="en-US" sz="2400" dirty="0"/>
+              <a:t>、イーサリアム</a:t>
+            </a:r>
+            <a:r>
+              <a:rPr kumimoji="1" lang="en-US" altLang="ja-JP" sz="2400" dirty="0"/>
+              <a:t>(ETH)</a:t>
+            </a:r>
+            <a:r>
+              <a:rPr kumimoji="1" lang="ja-JP" altLang="en-US" sz="2400" dirty="0"/>
+              <a:t>など</a:t>
+            </a:r>
+            <a:endParaRPr kumimoji="1" lang="en-US" altLang="ja-JP" sz="2400" dirty="0"/>
+          </a:p>
+          <a:p>
+            <a:pPr marL="342900" indent="-342900">
+              <a:buFont typeface="Arial" panose="020B0604020202020204" pitchFamily="34" charset="0"/>
+              <a:buChar char="•"/>
+            </a:pPr>
+            <a:r>
+              <a:rPr lang="ja-JP" altLang="en-US" sz="2400" dirty="0"/>
+              <a:t>中央銀行を持たない</a:t>
+            </a:r>
+            <a:r>
+              <a:rPr lang="en-US" altLang="ja-JP" sz="2400" dirty="0"/>
+              <a:t>(</a:t>
+            </a:r>
+            <a:r>
+              <a:rPr lang="ja-JP" altLang="en-US" sz="2400" dirty="0">
+                <a:solidFill>
+                  <a:srgbClr val="FF0000"/>
+                </a:solidFill>
+              </a:rPr>
+              <a:t>分散型</a:t>
+            </a:r>
+            <a:r>
+              <a:rPr lang="en-US" altLang="ja-JP" sz="2400" dirty="0"/>
+              <a:t>)</a:t>
+            </a:r>
+          </a:p>
+          <a:p>
+            <a:pPr marL="342900" indent="-342900">
+              <a:buFont typeface="Arial" panose="020B0604020202020204" pitchFamily="34" charset="0"/>
+              <a:buChar char="•"/>
+            </a:pPr>
+            <a:r>
+              <a:rPr kumimoji="1" lang="ja-JP" altLang="en-US" sz="2400" dirty="0"/>
+              <a:t>トランザクション全体で正当性を保証する</a:t>
+            </a:r>
+          </a:p>
+        </p:txBody>
+      </p:sp>
+    </p:spTree>
+    <p:extLst>
+      <p:ext uri="{BB962C8B-B14F-4D97-AF65-F5344CB8AC3E}">
+        <p14:creationId xmlns:p14="http://schemas.microsoft.com/office/powerpoint/2010/main" val="1866448443"/>
+      </p:ext>
+    </p:extLst>
+  </p:cSld>
+  <p:clrMapOvr>
+    <a:masterClrMapping/>
+  </p:clrMapOvr>
+</p:sld>
+</file>
+
+<file path=ppt/slides/slide32.xml><?xml version="1.0" encoding="utf-8"?>
+<p:sld xmlns:a="http://schemas.openxmlformats.org/drawingml/2006/main" xmlns:r="http://schemas.openxmlformats.org/officeDocument/2006/relationships" xmlns:p="http://schemas.openxmlformats.org/presentationml/2006/main">
+  <p:cSld>
+    <p:spTree>
+      <p:nvGrpSpPr>
+        <p:cNvPr id="1" name=""/>
+        <p:cNvGrpSpPr/>
+        <p:nvPr/>
+      </p:nvGrpSpPr>
+      <p:grpSpPr>
+        <a:xfrm>
+          <a:off x="0" y="0"/>
+          <a:ext cx="0" cy="0"/>
+          <a:chOff x="0" y="0"/>
+          <a:chExt cx="0" cy="0"/>
+        </a:xfrm>
+      </p:grpSpPr>
+      <p:sp>
+        <p:nvSpPr>
+          <p:cNvPr id="2" name="テキスト プレースホルダー 1">
+            <a:extLst>
+              <a:ext uri="{FF2B5EF4-FFF2-40B4-BE49-F238E27FC236}">
+                <a16:creationId xmlns:a16="http://schemas.microsoft.com/office/drawing/2014/main" id="{7F1BCB8D-ABFE-6474-3F00-22B9874FE93F}"/>
+              </a:ext>
+            </a:extLst>
+          </p:cNvPr>
+          <p:cNvSpPr>
+            <a:spLocks noGrp="1"/>
+          </p:cNvSpPr>
+          <p:nvPr>
+            <p:ph type="body" sz="quarter" idx="10"/>
+          </p:nvPr>
+        </p:nvSpPr>
+        <p:spPr/>
+        <p:txBody>
+          <a:bodyPr/>
+          <a:lstStyle/>
+          <a:p>
+            <a:r>
+              <a:rPr kumimoji="1" lang="ja-JP" altLang="en-US"/>
+              <a:t>どの辺がおかしかったのか？</a:t>
+            </a:r>
+          </a:p>
+        </p:txBody>
+      </p:sp>
+      <p:pic>
+        <p:nvPicPr>
+          <p:cNvPr id="3" name="Picture 2" descr="画像">
+            <a:extLst>
+              <a:ext uri="{FF2B5EF4-FFF2-40B4-BE49-F238E27FC236}">
+                <a16:creationId xmlns:a16="http://schemas.microsoft.com/office/drawing/2014/main" id="{3BAFBB24-2D16-0D89-8240-7FA1F61F1A4F}"/>
+              </a:ext>
+            </a:extLst>
+          </p:cNvPr>
+          <p:cNvPicPr>
+            <a:picLocks noChangeAspect="1" noChangeArrowheads="1"/>
+          </p:cNvPicPr>
+          <p:nvPr/>
+        </p:nvPicPr>
+        <p:blipFill>
+          <a:blip r:embed="rId2">
+            <a:extLst>
+              <a:ext uri="{28A0092B-C50C-407E-A947-70E740481C1C}">
+                <a14:useLocalDpi xmlns:a14="http://schemas.microsoft.com/office/drawing/2010/main" val="0"/>
+              </a:ext>
+            </a:extLst>
+          </a:blip>
+          <a:srcRect/>
+          <a:stretch>
+            <a:fillRect/>
+          </a:stretch>
+        </p:blipFill>
+        <p:spPr bwMode="auto">
+          <a:xfrm>
+            <a:off x="1289050" y="1610120"/>
+            <a:ext cx="6033966" cy="4133659"/>
+          </a:xfrm>
+          <a:prstGeom prst="rect">
+            <a:avLst/>
+          </a:prstGeom>
+          <a:noFill/>
+          <a:extLst>
+            <a:ext uri="{909E8E84-426E-40DD-AFC4-6F175D3DCCD1}">
+              <a14:hiddenFill xmlns:a14="http://schemas.microsoft.com/office/drawing/2010/main">
+                <a:solidFill>
+                  <a:srgbClr val="FFFFFF"/>
+                </a:solidFill>
+              </a14:hiddenFill>
+            </a:ext>
+          </a:extLst>
+        </p:spPr>
+      </p:pic>
+      <p:sp>
+        <p:nvSpPr>
+          <p:cNvPr id="4" name="テキスト ボックス 3">
+            <a:extLst>
+              <a:ext uri="{FF2B5EF4-FFF2-40B4-BE49-F238E27FC236}">
+                <a16:creationId xmlns:a16="http://schemas.microsoft.com/office/drawing/2014/main" id="{FF8AC877-6538-CDB2-2252-B56BF09185A9}"/>
+              </a:ext>
+            </a:extLst>
+          </p:cNvPr>
+          <p:cNvSpPr txBox="1"/>
+          <p:nvPr/>
+        </p:nvSpPr>
+        <p:spPr>
+          <a:xfrm>
+            <a:off x="312617" y="1180122"/>
+            <a:ext cx="7491346" cy="400110"/>
+          </a:xfrm>
+          <a:prstGeom prst="rect">
+            <a:avLst/>
+          </a:prstGeom>
+          <a:noFill/>
+        </p:spPr>
+        <p:txBody>
+          <a:bodyPr wrap="none" rtlCol="0">
+            <a:spAutoFit/>
+          </a:bodyPr>
+          <a:lstStyle/>
+          <a:p>
+            <a:r>
+              <a:rPr lang="ja-JP" altLang="en-US" sz="2000" dirty="0"/>
+              <a:t>「</a:t>
+            </a:r>
+            <a:r>
+              <a:rPr kumimoji="1" lang="en-US" altLang="ja-JP" sz="2000" dirty="0"/>
+              <a:t>Web2</a:t>
+            </a:r>
+            <a:r>
+              <a:rPr kumimoji="1" lang="ja-JP" altLang="en-US" sz="2000" dirty="0"/>
+              <a:t>ではプロトコルが</a:t>
+            </a:r>
+            <a:r>
+              <a:rPr kumimoji="1" lang="en-US" altLang="ja-JP" sz="2000" dirty="0"/>
+              <a:t>Google</a:t>
+            </a:r>
+            <a:r>
+              <a:rPr kumimoji="1" lang="ja-JP" altLang="en-US" sz="2000" dirty="0"/>
+              <a:t>や</a:t>
+            </a:r>
+            <a:r>
+              <a:rPr kumimoji="1" lang="en-US" altLang="ja-JP" sz="2000" dirty="0"/>
+              <a:t>Amazon</a:t>
+            </a:r>
+            <a:r>
+              <a:rPr kumimoji="1" lang="ja-JP" altLang="en-US" sz="2000" dirty="0"/>
+              <a:t>に独占されている」</a:t>
+            </a:r>
+          </a:p>
+        </p:txBody>
+      </p:sp>
+      <p:sp>
+        <p:nvSpPr>
+          <p:cNvPr id="5" name="テキスト ボックス 4">
+            <a:extLst>
+              <a:ext uri="{FF2B5EF4-FFF2-40B4-BE49-F238E27FC236}">
+                <a16:creationId xmlns:a16="http://schemas.microsoft.com/office/drawing/2014/main" id="{7EA1788B-56E1-67F1-2513-E7D12D4C42D4}"/>
+              </a:ext>
+            </a:extLst>
+          </p:cNvPr>
+          <p:cNvSpPr txBox="1"/>
+          <p:nvPr/>
+        </p:nvSpPr>
+        <p:spPr>
+          <a:xfrm>
+            <a:off x="539262" y="5924062"/>
+            <a:ext cx="7571303" cy="646331"/>
+          </a:xfrm>
+          <a:prstGeom prst="rect">
+            <a:avLst/>
+          </a:prstGeom>
+          <a:noFill/>
+        </p:spPr>
+        <p:txBody>
+          <a:bodyPr wrap="none" rtlCol="0">
+            <a:spAutoFit/>
+          </a:bodyPr>
+          <a:lstStyle/>
+          <a:p>
+            <a:r>
+              <a:rPr lang="en-US" altLang="ja-JP" dirty="0"/>
+              <a:t>TCP/IP</a:t>
+            </a:r>
+            <a:r>
+              <a:rPr lang="ja-JP" altLang="en-US" dirty="0"/>
+              <a:t>や</a:t>
+            </a:r>
+            <a:r>
+              <a:rPr lang="en-US" altLang="ja-JP" dirty="0"/>
+              <a:t>SMTP</a:t>
+            </a:r>
+            <a:r>
+              <a:rPr lang="ja-JP" altLang="en-US" dirty="0"/>
+              <a:t>、</a:t>
+            </a:r>
+            <a:r>
+              <a:rPr lang="en-US" altLang="ja-JP" dirty="0"/>
+              <a:t>HTTP</a:t>
+            </a:r>
+            <a:r>
+              <a:rPr lang="ja-JP" altLang="en-US" dirty="0"/>
+              <a:t>といったプロトコルは</a:t>
+            </a:r>
+            <a:r>
+              <a:rPr lang="en-US" altLang="ja-JP" dirty="0"/>
+              <a:t>RFC</a:t>
+            </a:r>
+            <a:r>
+              <a:rPr lang="ja-JP" altLang="en-US" dirty="0"/>
+              <a:t>というオープンな</a:t>
+            </a:r>
+            <a:endParaRPr lang="en-US" altLang="ja-JP" dirty="0"/>
+          </a:p>
+          <a:p>
+            <a:r>
+              <a:rPr kumimoji="1" lang="ja-JP" altLang="en-US" dirty="0"/>
+              <a:t>規格で決まっており、「プロトコルを独占する」という言葉はおかしい</a:t>
+            </a:r>
+          </a:p>
+        </p:txBody>
+      </p:sp>
+    </p:spTree>
+    <p:extLst>
+      <p:ext uri="{BB962C8B-B14F-4D97-AF65-F5344CB8AC3E}">
+        <p14:creationId xmlns:p14="http://schemas.microsoft.com/office/powerpoint/2010/main" val="3293115776"/>
+      </p:ext>
+    </p:extLst>
+  </p:cSld>
+  <p:clrMapOvr>
+    <a:masterClrMapping/>
+  </p:clrMapOvr>
+</p:sld>
+</file>
+
+<file path=ppt/slides/slide33.xml><?xml version="1.0" encoding="utf-8"?>
+<p:sld xmlns:a="http://schemas.openxmlformats.org/drawingml/2006/main" xmlns:r="http://schemas.openxmlformats.org/officeDocument/2006/relationships" xmlns:p="http://schemas.openxmlformats.org/presentationml/2006/main">
+  <p:cSld>
+    <p:spTree>
+      <p:nvGrpSpPr>
+        <p:cNvPr id="1" name=""/>
+        <p:cNvGrpSpPr/>
+        <p:nvPr/>
+      </p:nvGrpSpPr>
+      <p:grpSpPr>
+        <a:xfrm>
+          <a:off x="0" y="0"/>
+          <a:ext cx="0" cy="0"/>
+          <a:chOff x="0" y="0"/>
+          <a:chExt cx="0" cy="0"/>
+        </a:xfrm>
+      </p:grpSpPr>
+      <p:sp>
+        <p:nvSpPr>
+          <p:cNvPr id="2" name="テキスト プレースホルダー 1">
+            <a:extLst>
+              <a:ext uri="{FF2B5EF4-FFF2-40B4-BE49-F238E27FC236}">
+                <a16:creationId xmlns:a16="http://schemas.microsoft.com/office/drawing/2014/main" id="{6965024B-60A8-310E-2681-87CEFAE204FA}"/>
+              </a:ext>
+            </a:extLst>
+          </p:cNvPr>
+          <p:cNvSpPr>
+            <a:spLocks noGrp="1"/>
+          </p:cNvSpPr>
+          <p:nvPr>
+            <p:ph type="body" sz="quarter" idx="10"/>
+          </p:nvPr>
+        </p:nvSpPr>
+        <p:spPr/>
+        <p:txBody>
+          <a:bodyPr/>
+          <a:lstStyle/>
+          <a:p>
+            <a:r>
+              <a:rPr kumimoji="1" lang="ja-JP" altLang="en-US"/>
+              <a:t>どの辺がおかしかったのか？</a:t>
+            </a:r>
+          </a:p>
+        </p:txBody>
+      </p:sp>
+      <p:pic>
+        <p:nvPicPr>
+          <p:cNvPr id="3" name="Picture 2">
+            <a:extLst>
+              <a:ext uri="{FF2B5EF4-FFF2-40B4-BE49-F238E27FC236}">
+                <a16:creationId xmlns:a16="http://schemas.microsoft.com/office/drawing/2014/main" id="{8D86C3F9-9DD7-F62B-37A8-496E7C426F47}"/>
+              </a:ext>
+            </a:extLst>
+          </p:cNvPr>
+          <p:cNvPicPr>
+            <a:picLocks noChangeAspect="1" noChangeArrowheads="1"/>
+          </p:cNvPicPr>
+          <p:nvPr/>
+        </p:nvPicPr>
+        <p:blipFill>
+          <a:blip r:embed="rId2">
+            <a:extLst>
+              <a:ext uri="{28A0092B-C50C-407E-A947-70E740481C1C}">
+                <a14:useLocalDpi xmlns:a14="http://schemas.microsoft.com/office/drawing/2010/main" val="0"/>
+              </a:ext>
+            </a:extLst>
+          </a:blip>
+          <a:srcRect/>
+          <a:stretch>
+            <a:fillRect/>
+          </a:stretch>
+        </p:blipFill>
+        <p:spPr bwMode="auto">
+          <a:xfrm>
+            <a:off x="203200" y="1742913"/>
+            <a:ext cx="8682892" cy="3345024"/>
+          </a:xfrm>
+          <a:prstGeom prst="rect">
+            <a:avLst/>
+          </a:prstGeom>
+          <a:noFill/>
+          <a:extLst>
+            <a:ext uri="{909E8E84-426E-40DD-AFC4-6F175D3DCCD1}">
+              <a14:hiddenFill xmlns:a14="http://schemas.microsoft.com/office/drawing/2010/main">
+                <a:solidFill>
+                  <a:srgbClr val="FFFFFF"/>
+                </a:solidFill>
+              </a14:hiddenFill>
+            </a:ext>
+          </a:extLst>
+        </p:spPr>
+      </p:pic>
+      <p:sp>
+        <p:nvSpPr>
+          <p:cNvPr id="4" name="テキスト ボックス 3">
+            <a:extLst>
+              <a:ext uri="{FF2B5EF4-FFF2-40B4-BE49-F238E27FC236}">
+                <a16:creationId xmlns:a16="http://schemas.microsoft.com/office/drawing/2014/main" id="{4255DF3A-8CE3-AE4D-F0B8-E2BE48404D53}"/>
+              </a:ext>
+            </a:extLst>
+          </p:cNvPr>
+          <p:cNvSpPr txBox="1"/>
+          <p:nvPr/>
+        </p:nvSpPr>
+        <p:spPr>
+          <a:xfrm>
+            <a:off x="508000" y="1086338"/>
+            <a:ext cx="7883890" cy="523220"/>
+          </a:xfrm>
+          <a:prstGeom prst="rect">
+            <a:avLst/>
+          </a:prstGeom>
+          <a:noFill/>
+        </p:spPr>
+        <p:txBody>
+          <a:bodyPr wrap="none" rtlCol="0">
+            <a:spAutoFit/>
+          </a:bodyPr>
+          <a:lstStyle/>
+          <a:p>
+            <a:r>
+              <a:rPr kumimoji="1" lang="ja-JP" altLang="en-US" sz="2800" dirty="0"/>
+              <a:t>「</a:t>
+            </a:r>
+            <a:r>
+              <a:rPr kumimoji="1" lang="en-US" altLang="ja-JP" sz="2800" dirty="0"/>
+              <a:t>OS</a:t>
+            </a:r>
+            <a:r>
+              <a:rPr kumimoji="1" lang="ja-JP" altLang="en-US" sz="2800" dirty="0"/>
+              <a:t>としてはイーサリアムの方が適している」</a:t>
+            </a:r>
+          </a:p>
+        </p:txBody>
+      </p:sp>
+      <p:sp>
+        <p:nvSpPr>
+          <p:cNvPr id="5" name="テキスト ボックス 4">
+            <a:extLst>
+              <a:ext uri="{FF2B5EF4-FFF2-40B4-BE49-F238E27FC236}">
+                <a16:creationId xmlns:a16="http://schemas.microsoft.com/office/drawing/2014/main" id="{B39BC6B5-254B-BFED-5F63-DFB25AB8E28E}"/>
+              </a:ext>
+            </a:extLst>
+          </p:cNvPr>
+          <p:cNvSpPr txBox="1"/>
+          <p:nvPr/>
+        </p:nvSpPr>
+        <p:spPr>
+          <a:xfrm>
+            <a:off x="187569" y="5142523"/>
+            <a:ext cx="7992894" cy="1015663"/>
+          </a:xfrm>
+          <a:prstGeom prst="rect">
+            <a:avLst/>
+          </a:prstGeom>
+          <a:noFill/>
+        </p:spPr>
+        <p:txBody>
+          <a:bodyPr wrap="none" rtlCol="0">
+            <a:spAutoFit/>
+          </a:bodyPr>
+          <a:lstStyle/>
+          <a:p>
+            <a:r>
+              <a:rPr lang="ja-JP" altLang="en-US" sz="2000" dirty="0"/>
+              <a:t>全くの別概念である</a:t>
+            </a:r>
+            <a:r>
+              <a:rPr lang="en-US" altLang="ja-JP" sz="2000" dirty="0"/>
+              <a:t>OS</a:t>
+            </a:r>
+            <a:r>
+              <a:rPr lang="ja-JP" altLang="en-US" sz="2000" dirty="0"/>
+              <a:t>とインターネットプロトコルを混同している</a:t>
+            </a:r>
+            <a:endParaRPr lang="en-US" altLang="ja-JP" sz="2000" dirty="0"/>
+          </a:p>
+          <a:p>
+            <a:r>
+              <a:rPr lang="ja-JP" altLang="en-US" sz="2000" dirty="0"/>
+              <a:t>全く無関係な</a:t>
+            </a:r>
+            <a:r>
+              <a:rPr lang="en-US" altLang="ja-JP" sz="2000" dirty="0"/>
+              <a:t>OS</a:t>
+            </a:r>
+            <a:r>
+              <a:rPr lang="ja-JP" altLang="en-US" sz="2000" dirty="0"/>
+              <a:t>とブロックチェーンをごっちゃにしている</a:t>
+            </a:r>
+            <a:endParaRPr lang="en-US" altLang="ja-JP" sz="2000" dirty="0"/>
+          </a:p>
+          <a:p>
+            <a:r>
+              <a:rPr lang="ja-JP" altLang="en-US" sz="2000" dirty="0"/>
+              <a:t>この文脈で</a:t>
+            </a:r>
+            <a:r>
+              <a:rPr lang="en-US" altLang="ja-JP" sz="2000" dirty="0"/>
+              <a:t>OSS</a:t>
+            </a:r>
+            <a:r>
+              <a:rPr lang="ja-JP" altLang="en-US" sz="2000" dirty="0"/>
+              <a:t>な</a:t>
+            </a:r>
+            <a:r>
+              <a:rPr lang="en-US" altLang="ja-JP" sz="2000" dirty="0"/>
+              <a:t>OS</a:t>
+            </a:r>
+            <a:r>
+              <a:rPr lang="ja-JP" altLang="en-US" sz="2000" dirty="0"/>
+              <a:t>である</a:t>
+            </a:r>
+            <a:r>
+              <a:rPr lang="en-US" altLang="ja-JP" sz="2000" dirty="0"/>
+              <a:t>Linux</a:t>
+            </a:r>
+            <a:r>
+              <a:rPr lang="ja-JP" altLang="en-US" sz="2000" dirty="0"/>
+              <a:t>に触れていないのもおかしい</a:t>
+            </a:r>
+            <a:endParaRPr kumimoji="1" lang="en-US" altLang="ja-JP" sz="2000" dirty="0"/>
+          </a:p>
+        </p:txBody>
+      </p:sp>
+    </p:spTree>
+    <p:extLst>
+      <p:ext uri="{BB962C8B-B14F-4D97-AF65-F5344CB8AC3E}">
+        <p14:creationId xmlns:p14="http://schemas.microsoft.com/office/powerpoint/2010/main" val="4023784332"/>
+      </p:ext>
+    </p:extLst>
+  </p:cSld>
+  <p:clrMapOvr>
+    <a:masterClrMapping/>
+  </p:clrMapOvr>
+</p:sld>
+</file>
+
+<file path=ppt/slides/slide34.xml><?xml version="1.0" encoding="utf-8"?>
+<p:sld xmlns:a="http://schemas.openxmlformats.org/drawingml/2006/main" xmlns:r="http://schemas.openxmlformats.org/officeDocument/2006/relationships" xmlns:p="http://schemas.openxmlformats.org/presentationml/2006/main">
+  <p:cSld>
+    <p:spTree>
+      <p:nvGrpSpPr>
+        <p:cNvPr id="1" name=""/>
+        <p:cNvGrpSpPr/>
+        <p:nvPr/>
+      </p:nvGrpSpPr>
+      <p:grpSpPr>
+        <a:xfrm>
+          <a:off x="0" y="0"/>
+          <a:ext cx="0" cy="0"/>
+          <a:chOff x="0" y="0"/>
+          <a:chExt cx="0" cy="0"/>
+        </a:xfrm>
+      </p:grpSpPr>
+      <p:sp>
+        <p:nvSpPr>
+          <p:cNvPr id="2" name="テキスト プレースホルダー 1">
+            <a:extLst>
+              <a:ext uri="{FF2B5EF4-FFF2-40B4-BE49-F238E27FC236}">
+                <a16:creationId xmlns:a16="http://schemas.microsoft.com/office/drawing/2014/main" id="{285B06D0-F185-7C83-CE24-16B0706F0D0B}"/>
+              </a:ext>
+            </a:extLst>
+          </p:cNvPr>
+          <p:cNvSpPr>
+            <a:spLocks noGrp="1"/>
+          </p:cNvSpPr>
+          <p:nvPr>
+            <p:ph type="body" sz="quarter" idx="10"/>
+          </p:nvPr>
+        </p:nvSpPr>
+        <p:spPr/>
+        <p:txBody>
+          <a:bodyPr/>
+          <a:lstStyle/>
+          <a:p>
+            <a:r>
+              <a:rPr kumimoji="1" lang="ja-JP" altLang="en-US"/>
+              <a:t>作者は</a:t>
+            </a:r>
+            <a:r>
+              <a:rPr lang="ja-JP" altLang="en-US"/>
+              <a:t>どんな人</a:t>
+            </a:r>
+            <a:r>
+              <a:rPr kumimoji="1" lang="ja-JP" altLang="en-US"/>
+              <a:t>？</a:t>
+            </a:r>
+          </a:p>
+        </p:txBody>
+      </p:sp>
+      <p:sp>
+        <p:nvSpPr>
+          <p:cNvPr id="3" name="テキスト ボックス 2">
+            <a:extLst>
+              <a:ext uri="{FF2B5EF4-FFF2-40B4-BE49-F238E27FC236}">
+                <a16:creationId xmlns:a16="http://schemas.microsoft.com/office/drawing/2014/main" id="{5709CC61-4F73-0DBB-EC2D-601012E75A47}"/>
+              </a:ext>
+            </a:extLst>
+          </p:cNvPr>
+          <p:cNvSpPr txBox="1"/>
+          <p:nvPr/>
+        </p:nvSpPr>
+        <p:spPr>
+          <a:xfrm>
+            <a:off x="136769" y="1104872"/>
+            <a:ext cx="2950308" cy="646331"/>
+          </a:xfrm>
+          <a:prstGeom prst="rect">
+            <a:avLst/>
+          </a:prstGeom>
+          <a:noFill/>
+        </p:spPr>
+        <p:txBody>
+          <a:bodyPr wrap="square">
+            <a:spAutoFit/>
+          </a:bodyPr>
+          <a:lstStyle/>
+          <a:p>
+            <a:r>
+              <a:rPr lang="ja-JP" altLang="en-US" sz="3600" dirty="0"/>
+              <a:t>田上 智裕氏</a:t>
+            </a:r>
+          </a:p>
+        </p:txBody>
+      </p:sp>
+      <p:sp>
+        <p:nvSpPr>
+          <p:cNvPr id="4" name="テキスト ボックス 3">
+            <a:extLst>
+              <a:ext uri="{FF2B5EF4-FFF2-40B4-BE49-F238E27FC236}">
+                <a16:creationId xmlns:a16="http://schemas.microsoft.com/office/drawing/2014/main" id="{918F544F-6D44-859B-65DF-3A924455DFAE}"/>
+              </a:ext>
+            </a:extLst>
+          </p:cNvPr>
+          <p:cNvSpPr txBox="1"/>
+          <p:nvPr/>
+        </p:nvSpPr>
+        <p:spPr>
+          <a:xfrm>
+            <a:off x="251520" y="2060848"/>
+            <a:ext cx="8745415" cy="2585323"/>
+          </a:xfrm>
+          <a:prstGeom prst="rect">
+            <a:avLst/>
+          </a:prstGeom>
+          <a:noFill/>
+        </p:spPr>
+        <p:txBody>
+          <a:bodyPr wrap="square" rtlCol="0">
+            <a:spAutoFit/>
+          </a:bodyPr>
+          <a:lstStyle/>
+          <a:p>
+            <a:r>
+              <a:rPr lang="ja-JP" altLang="en-US" b="0" i="0" dirty="0">
+                <a:solidFill>
+                  <a:srgbClr val="0F1111"/>
+                </a:solidFill>
+                <a:effectLst/>
+                <a:latin typeface="Hiragino Kaku Gothic ProN"/>
+              </a:rPr>
+              <a:t>株式会社</a:t>
+            </a:r>
+            <a:r>
+              <a:rPr lang="en-US" altLang="ja-JP" b="0" i="0" dirty="0" err="1">
+                <a:solidFill>
+                  <a:srgbClr val="0F1111"/>
+                </a:solidFill>
+                <a:effectLst/>
+                <a:latin typeface="Hiragino Kaku Gothic ProN"/>
+              </a:rPr>
+              <a:t>techtec</a:t>
+            </a:r>
+            <a:r>
+              <a:rPr lang="en-US" altLang="ja-JP" b="0" i="0" dirty="0">
+                <a:solidFill>
+                  <a:srgbClr val="0F1111"/>
+                </a:solidFill>
+                <a:effectLst/>
+                <a:latin typeface="Hiragino Kaku Gothic ProN"/>
+              </a:rPr>
+              <a:t> </a:t>
+            </a:r>
+            <a:r>
+              <a:rPr lang="ja-JP" altLang="en-US" b="0" i="0" dirty="0">
+                <a:solidFill>
+                  <a:srgbClr val="0F1111"/>
+                </a:solidFill>
+                <a:effectLst/>
+                <a:latin typeface="Hiragino Kaku Gothic ProN"/>
+              </a:rPr>
+              <a:t>代表取締役</a:t>
+            </a:r>
+            <a:br>
+              <a:rPr lang="ja-JP" altLang="en-US" dirty="0"/>
+            </a:br>
+            <a:r>
+              <a:rPr lang="en-US" altLang="ja-JP" b="0" i="0" dirty="0">
+                <a:solidFill>
+                  <a:srgbClr val="0F1111"/>
+                </a:solidFill>
+                <a:effectLst/>
+                <a:latin typeface="Hiragino Kaku Gothic ProN"/>
+              </a:rPr>
+              <a:t>KAGEROU Lab Pte. Ltd. CEO</a:t>
+            </a:r>
+            <a:br>
+              <a:rPr lang="ja-JP" altLang="en-US" dirty="0"/>
+            </a:br>
+            <a:r>
+              <a:rPr lang="ja-JP" altLang="en-US" b="0" i="0" dirty="0">
+                <a:solidFill>
+                  <a:srgbClr val="0F1111"/>
+                </a:solidFill>
+                <a:effectLst/>
+                <a:latin typeface="Hiragino Kaku Gothic ProN"/>
+              </a:rPr>
+              <a:t>愛知県名古屋市出身、シンガポール在住。チームラボやリクルートホールディングスを経て</a:t>
+            </a:r>
+            <a:r>
+              <a:rPr lang="en-US" altLang="ja-JP" b="0" i="0" dirty="0">
+                <a:solidFill>
+                  <a:srgbClr val="0F1111"/>
+                </a:solidFill>
+                <a:effectLst/>
+                <a:latin typeface="Hiragino Kaku Gothic ProN"/>
+              </a:rPr>
+              <a:t>2018</a:t>
+            </a:r>
+            <a:r>
+              <a:rPr lang="ja-JP" altLang="en-US" b="0" i="0" dirty="0">
+                <a:solidFill>
+                  <a:srgbClr val="0F1111"/>
+                </a:solidFill>
+                <a:effectLst/>
+                <a:latin typeface="Hiragino Kaku Gothic ProN"/>
+              </a:rPr>
+              <a:t>年に株式会社</a:t>
+            </a:r>
+            <a:r>
+              <a:rPr lang="en-US" altLang="ja-JP" b="0" i="0" dirty="0" err="1">
+                <a:solidFill>
+                  <a:srgbClr val="0F1111"/>
+                </a:solidFill>
+                <a:effectLst/>
+                <a:latin typeface="Hiragino Kaku Gothic ProN"/>
+              </a:rPr>
+              <a:t>techtec</a:t>
+            </a:r>
+            <a:r>
+              <a:rPr lang="ja-JP" altLang="en-US" b="0" i="0" dirty="0">
+                <a:solidFill>
+                  <a:srgbClr val="0F1111"/>
+                </a:solidFill>
+                <a:effectLst/>
+                <a:latin typeface="Hiragino Kaku Gothic ProN"/>
+              </a:rPr>
+              <a:t>を創業。学びながらトークンを獲得できる学習サービス「</a:t>
+            </a:r>
+            <a:r>
+              <a:rPr lang="en-US" altLang="ja-JP" b="0" i="0" dirty="0" err="1">
+                <a:solidFill>
+                  <a:srgbClr val="0F1111"/>
+                </a:solidFill>
+                <a:effectLst/>
+                <a:latin typeface="Hiragino Kaku Gothic ProN"/>
+              </a:rPr>
+              <a:t>PoL</a:t>
+            </a:r>
+            <a:r>
+              <a:rPr lang="en-US" altLang="ja-JP" b="0" i="0" dirty="0">
+                <a:solidFill>
+                  <a:srgbClr val="0F1111"/>
+                </a:solidFill>
+                <a:effectLst/>
+                <a:latin typeface="Hiragino Kaku Gothic ProN"/>
+              </a:rPr>
+              <a:t>(</a:t>
+            </a:r>
+            <a:r>
+              <a:rPr lang="ja-JP" altLang="en-US" b="0" i="0" dirty="0">
+                <a:solidFill>
+                  <a:srgbClr val="0F1111"/>
+                </a:solidFill>
+                <a:effectLst/>
+                <a:latin typeface="Hiragino Kaku Gothic ProN"/>
+              </a:rPr>
+              <a:t>ポル</a:t>
+            </a:r>
+            <a:r>
+              <a:rPr lang="en-US" altLang="ja-JP" b="0" i="0" dirty="0">
+                <a:solidFill>
+                  <a:srgbClr val="0F1111"/>
+                </a:solidFill>
+                <a:effectLst/>
+                <a:latin typeface="Hiragino Kaku Gothic ProN"/>
+              </a:rPr>
+              <a:t>)</a:t>
+            </a:r>
+            <a:r>
+              <a:rPr lang="ja-JP" altLang="en-US" b="0" i="0" dirty="0">
+                <a:solidFill>
+                  <a:srgbClr val="0F1111"/>
+                </a:solidFill>
+                <a:effectLst/>
+                <a:latin typeface="Hiragino Kaku Gothic ProN"/>
+              </a:rPr>
+              <a:t>」を手掛ける。</a:t>
+            </a:r>
+            <a:r>
+              <a:rPr lang="en-US" altLang="ja-JP" b="0" i="0" dirty="0">
+                <a:solidFill>
+                  <a:srgbClr val="0F1111"/>
+                </a:solidFill>
+                <a:effectLst/>
+                <a:latin typeface="Hiragino Kaku Gothic ProN"/>
+              </a:rPr>
+              <a:t>2020</a:t>
+            </a:r>
+            <a:r>
+              <a:rPr lang="ja-JP" altLang="en-US" b="0" i="0" dirty="0">
+                <a:solidFill>
+                  <a:srgbClr val="0F1111"/>
+                </a:solidFill>
+                <a:effectLst/>
+                <a:latin typeface="Hiragino Kaku Gothic ProN"/>
+              </a:rPr>
+              <a:t>年</a:t>
+            </a:r>
+            <a:r>
+              <a:rPr lang="en-US" altLang="ja-JP" b="0" i="0" dirty="0">
+                <a:solidFill>
+                  <a:srgbClr val="0F1111"/>
+                </a:solidFill>
+                <a:effectLst/>
+                <a:latin typeface="Hiragino Kaku Gothic ProN"/>
+              </a:rPr>
+              <a:t>10</a:t>
+            </a:r>
+            <a:r>
+              <a:rPr lang="ja-JP" altLang="en-US" b="0" i="0" dirty="0">
+                <a:solidFill>
+                  <a:srgbClr val="0F1111"/>
+                </a:solidFill>
+                <a:effectLst/>
+                <a:latin typeface="Hiragino Kaku Gothic ProN"/>
+              </a:rPr>
+              <a:t>月には英企業から日本初となる</a:t>
+            </a:r>
+            <a:r>
+              <a:rPr lang="en-US" altLang="ja-JP" b="0" i="0" dirty="0" err="1">
+                <a:solidFill>
+                  <a:srgbClr val="0F1111"/>
+                </a:solidFill>
+                <a:effectLst/>
+                <a:latin typeface="Hiragino Kaku Gothic ProN"/>
+              </a:rPr>
+              <a:t>DeFi</a:t>
+            </a:r>
+            <a:r>
+              <a:rPr lang="ja-JP" altLang="en-US" b="0" i="0" dirty="0">
+                <a:solidFill>
+                  <a:srgbClr val="0F1111"/>
+                </a:solidFill>
+                <a:effectLst/>
+                <a:latin typeface="Hiragino Kaku Gothic ProN"/>
+              </a:rPr>
+              <a:t>関連の資金調達を実施。</a:t>
+            </a:r>
+            <a:r>
+              <a:rPr lang="ja-JP" altLang="en-US" b="0" i="0" dirty="0">
+                <a:solidFill>
+                  <a:srgbClr val="FF0000"/>
+                </a:solidFill>
+                <a:effectLst/>
+                <a:latin typeface="Hiragino Kaku Gothic ProN"/>
+              </a:rPr>
+              <a:t>内閣官房「ブロックチェーンに関する関係府省庁連絡会議」</a:t>
+            </a:r>
+            <a:r>
+              <a:rPr lang="ja-JP" altLang="en-US" b="0" i="0" dirty="0">
+                <a:solidFill>
+                  <a:srgbClr val="0F1111"/>
+                </a:solidFill>
+                <a:effectLst/>
+                <a:latin typeface="Hiragino Kaku Gothic ProN"/>
+              </a:rPr>
+              <a:t>および</a:t>
+            </a:r>
+            <a:r>
+              <a:rPr lang="ja-JP" altLang="en-US" b="0" i="0" dirty="0">
+                <a:solidFill>
+                  <a:srgbClr val="FF0000"/>
+                </a:solidFill>
+                <a:effectLst/>
+                <a:latin typeface="Hiragino Kaku Gothic ProN"/>
+              </a:rPr>
+              <a:t>「ブロックチェーン官民推進会合」へ有識者兼オブザーバーとして参画。</a:t>
+            </a:r>
+            <a:r>
+              <a:rPr lang="ja-JP" altLang="en-US" b="0" i="0" dirty="0">
+                <a:solidFill>
+                  <a:srgbClr val="0F1111"/>
+                </a:solidFill>
+                <a:effectLst/>
+                <a:latin typeface="Hiragino Kaku Gothic ProN"/>
+              </a:rPr>
+              <a:t>日本における</a:t>
+            </a:r>
+            <a:r>
+              <a:rPr lang="en-US" altLang="ja-JP" b="0" i="0" dirty="0">
+                <a:solidFill>
+                  <a:srgbClr val="0F1111"/>
+                </a:solidFill>
+                <a:effectLst/>
+                <a:latin typeface="Hiragino Kaku Gothic ProN"/>
+              </a:rPr>
+              <a:t>Web3</a:t>
+            </a:r>
+            <a:r>
+              <a:rPr lang="ja-JP" altLang="en-US" b="0" i="0" dirty="0">
+                <a:solidFill>
+                  <a:srgbClr val="0F1111"/>
+                </a:solidFill>
+                <a:effectLst/>
+                <a:latin typeface="Hiragino Kaku Gothic ProN"/>
+              </a:rPr>
+              <a:t>、</a:t>
+            </a:r>
+            <a:r>
+              <a:rPr lang="en-US" altLang="ja-JP" b="0" i="0" dirty="0" err="1">
+                <a:solidFill>
+                  <a:srgbClr val="0F1111"/>
+                </a:solidFill>
+                <a:effectLst/>
+                <a:latin typeface="Hiragino Kaku Gothic ProN"/>
+              </a:rPr>
+              <a:t>DeFi</a:t>
+            </a:r>
+            <a:r>
+              <a:rPr lang="ja-JP" altLang="en-US" b="0" i="0" dirty="0">
+                <a:solidFill>
+                  <a:srgbClr val="0F1111"/>
+                </a:solidFill>
+                <a:effectLst/>
+                <a:latin typeface="Hiragino Kaku Gothic ProN"/>
+              </a:rPr>
+              <a:t>の規制環境を整備すべく、</a:t>
+            </a:r>
+            <a:r>
+              <a:rPr lang="en-US" altLang="ja-JP" b="0" i="0" dirty="0">
+                <a:solidFill>
+                  <a:srgbClr val="0F1111"/>
+                </a:solidFill>
+                <a:effectLst/>
+                <a:latin typeface="Hiragino Kaku Gothic ProN"/>
+              </a:rPr>
+              <a:t>2021</a:t>
+            </a:r>
+            <a:r>
+              <a:rPr lang="ja-JP" altLang="en-US" b="0" i="0" dirty="0">
+                <a:solidFill>
+                  <a:srgbClr val="0F1111"/>
+                </a:solidFill>
+                <a:effectLst/>
+                <a:latin typeface="Hiragino Kaku Gothic ProN"/>
+              </a:rPr>
+              <a:t>年</a:t>
+            </a:r>
+            <a:r>
+              <a:rPr lang="en-US" altLang="ja-JP" b="0" i="0" dirty="0">
+                <a:solidFill>
+                  <a:srgbClr val="0F1111"/>
+                </a:solidFill>
+                <a:effectLst/>
+                <a:latin typeface="Hiragino Kaku Gothic ProN"/>
+              </a:rPr>
+              <a:t>2</a:t>
+            </a:r>
+            <a:r>
+              <a:rPr lang="ja-JP" altLang="en-US" b="0" i="0" dirty="0">
+                <a:solidFill>
+                  <a:srgbClr val="0F1111"/>
+                </a:solidFill>
+                <a:effectLst/>
+                <a:latin typeface="Hiragino Kaku Gothic ProN"/>
+              </a:rPr>
+              <a:t>月に</a:t>
+            </a:r>
+            <a:r>
+              <a:rPr lang="en-US" altLang="ja-JP" b="0" i="0" dirty="0">
+                <a:solidFill>
+                  <a:srgbClr val="0F1111"/>
+                </a:solidFill>
+                <a:effectLst/>
+                <a:latin typeface="Hiragino Kaku Gothic ProN"/>
+              </a:rPr>
+              <a:t>Japan </a:t>
+            </a:r>
+            <a:r>
+              <a:rPr lang="en-US" altLang="ja-JP" b="0" i="0" dirty="0" err="1">
+                <a:solidFill>
+                  <a:srgbClr val="0F1111"/>
+                </a:solidFill>
+                <a:effectLst/>
+                <a:latin typeface="Hiragino Kaku Gothic ProN"/>
+              </a:rPr>
+              <a:t>DeFi</a:t>
+            </a:r>
+            <a:r>
+              <a:rPr lang="en-US" altLang="ja-JP" b="0" i="0" dirty="0">
+                <a:solidFill>
+                  <a:srgbClr val="0F1111"/>
+                </a:solidFill>
+                <a:effectLst/>
+                <a:latin typeface="Hiragino Kaku Gothic ProN"/>
+              </a:rPr>
+              <a:t> Alliance(</a:t>
+            </a:r>
+            <a:r>
+              <a:rPr lang="ja-JP" altLang="en-US" b="0" i="0" dirty="0">
+                <a:solidFill>
+                  <a:srgbClr val="0F1111"/>
+                </a:solidFill>
+                <a:effectLst/>
+                <a:latin typeface="Hiragino Kaku Gothic ProN"/>
+              </a:rPr>
+              <a:t>一般社団法人</a:t>
+            </a:r>
+            <a:r>
+              <a:rPr lang="en-US" altLang="ja-JP" b="0" i="0" dirty="0" err="1">
+                <a:solidFill>
+                  <a:srgbClr val="0F1111"/>
+                </a:solidFill>
+                <a:effectLst/>
+                <a:latin typeface="Hiragino Kaku Gothic ProN"/>
+              </a:rPr>
+              <a:t>DeFi</a:t>
+            </a:r>
+            <a:r>
+              <a:rPr lang="ja-JP" altLang="en-US" b="0" i="0" dirty="0">
+                <a:solidFill>
+                  <a:srgbClr val="0F1111"/>
+                </a:solidFill>
+                <a:effectLst/>
+                <a:latin typeface="Hiragino Kaku Gothic ProN"/>
+              </a:rPr>
+              <a:t>協会</a:t>
+            </a:r>
+            <a:r>
+              <a:rPr lang="en-US" altLang="ja-JP" b="0" i="0" dirty="0">
+                <a:solidFill>
+                  <a:srgbClr val="0F1111"/>
+                </a:solidFill>
+                <a:effectLst/>
+                <a:latin typeface="Hiragino Kaku Gothic ProN"/>
+              </a:rPr>
+              <a:t>)</a:t>
+            </a:r>
+            <a:r>
+              <a:rPr lang="ja-JP" altLang="en-US" b="0" i="0" dirty="0">
+                <a:solidFill>
+                  <a:srgbClr val="0F1111"/>
+                </a:solidFill>
+                <a:effectLst/>
+                <a:latin typeface="Hiragino Kaku Gothic ProN"/>
+              </a:rPr>
+              <a:t>を設立。</a:t>
+            </a:r>
+            <a:endParaRPr kumimoji="1" lang="ja-JP" altLang="en-US" dirty="0"/>
+          </a:p>
+        </p:txBody>
+      </p:sp>
+    </p:spTree>
+    <p:extLst>
+      <p:ext uri="{BB962C8B-B14F-4D97-AF65-F5344CB8AC3E}">
+        <p14:creationId xmlns:p14="http://schemas.microsoft.com/office/powerpoint/2010/main" val="2349662682"/>
+      </p:ext>
+    </p:extLst>
+  </p:cSld>
+  <p:clrMapOvr>
+    <a:masterClrMapping/>
+  </p:clrMapOvr>
+</p:sld>
+</file>
+
+<file path=ppt/slides/slide35.xml><?xml version="1.0" encoding="utf-8"?>
+<p:sld xmlns:a="http://schemas.openxmlformats.org/drawingml/2006/main" xmlns:r="http://schemas.openxmlformats.org/officeDocument/2006/relationships" xmlns:p="http://schemas.openxmlformats.org/presentationml/2006/main">
+  <p:cSld>
+    <p:spTree>
+      <p:nvGrpSpPr>
+        <p:cNvPr id="1" name=""/>
+        <p:cNvGrpSpPr/>
+        <p:nvPr/>
+      </p:nvGrpSpPr>
+      <p:grpSpPr>
+        <a:xfrm>
+          <a:off x="0" y="0"/>
+          <a:ext cx="0" cy="0"/>
+          <a:chOff x="0" y="0"/>
+          <a:chExt cx="0" cy="0"/>
+        </a:xfrm>
+      </p:grpSpPr>
+      <p:sp>
+        <p:nvSpPr>
+          <p:cNvPr id="2" name="テキスト プレースホルダー 1">
+            <a:extLst>
+              <a:ext uri="{FF2B5EF4-FFF2-40B4-BE49-F238E27FC236}">
+                <a16:creationId xmlns:a16="http://schemas.microsoft.com/office/drawing/2014/main" id="{BB3CE4B5-2BD0-9A6A-703E-49CA50EAD23C}"/>
+              </a:ext>
+            </a:extLst>
+          </p:cNvPr>
+          <p:cNvSpPr>
+            <a:spLocks noGrp="1"/>
+          </p:cNvSpPr>
+          <p:nvPr>
+            <p:ph type="body" sz="quarter" idx="10"/>
+          </p:nvPr>
+        </p:nvSpPr>
+        <p:spPr/>
+        <p:txBody>
+          <a:bodyPr/>
+          <a:lstStyle/>
+          <a:p>
+            <a:r>
+              <a:rPr lang="ja-JP" altLang="en-US"/>
+              <a:t>過去にはこんな投稿も</a:t>
+            </a:r>
+            <a:endParaRPr kumimoji="1" lang="ja-JP" altLang="en-US"/>
+          </a:p>
+        </p:txBody>
+      </p:sp>
+      <p:pic>
+        <p:nvPicPr>
+          <p:cNvPr id="3" name="図 2">
+            <a:extLst>
+              <a:ext uri="{FF2B5EF4-FFF2-40B4-BE49-F238E27FC236}">
+                <a16:creationId xmlns:a16="http://schemas.microsoft.com/office/drawing/2014/main" id="{AD40F7FA-6ED4-31F6-24D6-55FA62618C86}"/>
+              </a:ext>
+            </a:extLst>
+          </p:cNvPr>
+          <p:cNvPicPr>
+            <a:picLocks noChangeAspect="1"/>
+          </p:cNvPicPr>
+          <p:nvPr/>
+        </p:nvPicPr>
+        <p:blipFill>
+          <a:blip r:embed="rId2"/>
+          <a:stretch>
+            <a:fillRect/>
+          </a:stretch>
+        </p:blipFill>
+        <p:spPr>
+          <a:xfrm>
+            <a:off x="1403648" y="1628800"/>
+            <a:ext cx="4836599" cy="3617565"/>
+          </a:xfrm>
+          <a:prstGeom prst="rect">
+            <a:avLst/>
+          </a:prstGeom>
+        </p:spPr>
+      </p:pic>
+      <p:sp>
+        <p:nvSpPr>
+          <p:cNvPr id="4" name="テキスト ボックス 3">
+            <a:extLst>
+              <a:ext uri="{FF2B5EF4-FFF2-40B4-BE49-F238E27FC236}">
+                <a16:creationId xmlns:a16="http://schemas.microsoft.com/office/drawing/2014/main" id="{A6664944-B16F-9BAA-BBD0-29191D89BDC6}"/>
+              </a:ext>
+            </a:extLst>
+          </p:cNvPr>
+          <p:cNvSpPr txBox="1"/>
+          <p:nvPr/>
+        </p:nvSpPr>
+        <p:spPr>
+          <a:xfrm>
+            <a:off x="969906" y="5282969"/>
+            <a:ext cx="5756031" cy="369332"/>
+          </a:xfrm>
+          <a:prstGeom prst="rect">
+            <a:avLst/>
+          </a:prstGeom>
+          <a:noFill/>
+        </p:spPr>
+        <p:txBody>
+          <a:bodyPr wrap="square">
+            <a:spAutoFit/>
+          </a:bodyPr>
+          <a:lstStyle/>
+          <a:p>
+            <a:r>
+              <a:rPr lang="ja-JP" altLang="en-US" dirty="0"/>
+              <a:t>https://note.com/tomohiro_tagami/n/nc8a6977a4060</a:t>
+            </a:r>
+          </a:p>
+        </p:txBody>
+      </p:sp>
+      <p:sp>
+        <p:nvSpPr>
+          <p:cNvPr id="5" name="テキスト ボックス 4">
+            <a:extLst>
+              <a:ext uri="{FF2B5EF4-FFF2-40B4-BE49-F238E27FC236}">
+                <a16:creationId xmlns:a16="http://schemas.microsoft.com/office/drawing/2014/main" id="{5D01D4BB-C528-2834-6972-7CFD8753AA57}"/>
+              </a:ext>
+            </a:extLst>
+          </p:cNvPr>
+          <p:cNvSpPr txBox="1"/>
+          <p:nvPr/>
+        </p:nvSpPr>
+        <p:spPr>
+          <a:xfrm>
+            <a:off x="0" y="980728"/>
+            <a:ext cx="8837676" cy="461665"/>
+          </a:xfrm>
+          <a:prstGeom prst="rect">
+            <a:avLst/>
+          </a:prstGeom>
+          <a:noFill/>
+        </p:spPr>
+        <p:txBody>
+          <a:bodyPr wrap="none" rtlCol="0">
+            <a:spAutoFit/>
+          </a:bodyPr>
+          <a:lstStyle/>
+          <a:p>
+            <a:r>
+              <a:rPr lang="ja-JP" altLang="en-US" sz="2400" dirty="0"/>
+              <a:t>「</a:t>
+            </a:r>
+            <a:r>
+              <a:rPr kumimoji="1" lang="ja-JP" altLang="en-US" sz="2400" dirty="0"/>
+              <a:t>資本主義における</a:t>
+            </a:r>
+            <a:r>
+              <a:rPr kumimoji="1" lang="en-US" altLang="ja-JP" sz="2400" dirty="0"/>
+              <a:t>21</a:t>
+            </a:r>
+            <a:r>
+              <a:rPr kumimoji="1" lang="ja-JP" altLang="en-US" sz="2400" dirty="0"/>
+              <a:t>世紀最大の発明は間違いなく株式会社」</a:t>
+            </a:r>
+          </a:p>
+        </p:txBody>
+      </p:sp>
+      <p:sp>
+        <p:nvSpPr>
+          <p:cNvPr id="6" name="テキスト ボックス 5">
+            <a:extLst>
+              <a:ext uri="{FF2B5EF4-FFF2-40B4-BE49-F238E27FC236}">
+                <a16:creationId xmlns:a16="http://schemas.microsoft.com/office/drawing/2014/main" id="{3DD8D375-FA9E-C0C7-6797-DAD0FD95314A}"/>
+              </a:ext>
+            </a:extLst>
+          </p:cNvPr>
+          <p:cNvSpPr txBox="1"/>
+          <p:nvPr/>
+        </p:nvSpPr>
+        <p:spPr>
+          <a:xfrm>
+            <a:off x="278245" y="5824964"/>
+            <a:ext cx="7963877" cy="707886"/>
+          </a:xfrm>
+          <a:prstGeom prst="rect">
+            <a:avLst/>
+          </a:prstGeom>
+          <a:noFill/>
+        </p:spPr>
+        <p:txBody>
+          <a:bodyPr wrap="square" rtlCol="0">
+            <a:spAutoFit/>
+          </a:bodyPr>
+          <a:lstStyle/>
+          <a:p>
+            <a:r>
+              <a:rPr kumimoji="1" lang="ja-JP" altLang="en-US" sz="2000" dirty="0"/>
+              <a:t>少し調べれば、株式会社の起源は</a:t>
+            </a:r>
+            <a:r>
+              <a:rPr kumimoji="1" lang="en-US" altLang="ja-JP" sz="2000" dirty="0"/>
+              <a:t>17</a:t>
+            </a:r>
+            <a:r>
+              <a:rPr kumimoji="1" lang="ja-JP" altLang="en-US" sz="2000" dirty="0"/>
+              <a:t>世紀、</a:t>
+            </a:r>
+            <a:r>
+              <a:rPr lang="ja-JP" altLang="en-US" sz="2000" dirty="0"/>
+              <a:t>遅くとも</a:t>
+            </a:r>
+            <a:r>
+              <a:rPr lang="en-US" altLang="ja-JP" sz="2000" dirty="0"/>
+              <a:t>19</a:t>
+            </a:r>
+            <a:r>
+              <a:rPr lang="ja-JP" altLang="en-US" sz="2000" dirty="0"/>
+              <a:t>世紀には制度が確立していることがわかるはず</a:t>
+            </a:r>
+            <a:endParaRPr kumimoji="1" lang="ja-JP" altLang="en-US" sz="2000" dirty="0"/>
+          </a:p>
+        </p:txBody>
+      </p:sp>
+    </p:spTree>
+    <p:extLst>
+      <p:ext uri="{BB962C8B-B14F-4D97-AF65-F5344CB8AC3E}">
+        <p14:creationId xmlns:p14="http://schemas.microsoft.com/office/powerpoint/2010/main" val="1666530261"/>
+      </p:ext>
+    </p:extLst>
+  </p:cSld>
+  <p:clrMapOvr>
+    <a:masterClrMapping/>
+  </p:clrMapOvr>
+</p:sld>
+</file>
+
+<file path=ppt/slides/slide36.xml><?xml version="1.0" encoding="utf-8"?>
+<p:sld xmlns:a="http://schemas.openxmlformats.org/drawingml/2006/main" xmlns:r="http://schemas.openxmlformats.org/officeDocument/2006/relationships" xmlns:p="http://schemas.openxmlformats.org/presentationml/2006/main">
+  <p:cSld>
+    <p:spTree>
+      <p:nvGrpSpPr>
+        <p:cNvPr id="1" name=""/>
+        <p:cNvGrpSpPr/>
+        <p:nvPr/>
+      </p:nvGrpSpPr>
+      <p:grpSpPr>
+        <a:xfrm>
+          <a:off x="0" y="0"/>
+          <a:ext cx="0" cy="0"/>
+          <a:chOff x="0" y="0"/>
+          <a:chExt cx="0" cy="0"/>
+        </a:xfrm>
+      </p:grpSpPr>
+      <p:sp>
+        <p:nvSpPr>
+          <p:cNvPr id="2" name="テキスト プレースホルダー 1">
+            <a:extLst>
+              <a:ext uri="{FF2B5EF4-FFF2-40B4-BE49-F238E27FC236}">
+                <a16:creationId xmlns:a16="http://schemas.microsoft.com/office/drawing/2014/main" id="{78843866-0C76-79FB-1C7C-CFF6C3D7DFE9}"/>
+              </a:ext>
+            </a:extLst>
+          </p:cNvPr>
+          <p:cNvSpPr>
+            <a:spLocks noGrp="1"/>
+          </p:cNvSpPr>
+          <p:nvPr>
+            <p:ph type="body" sz="quarter" idx="10"/>
+          </p:nvPr>
+        </p:nvSpPr>
+        <p:spPr/>
+        <p:txBody>
+          <a:bodyPr/>
+          <a:lstStyle/>
+          <a:p>
+            <a:r>
+              <a:rPr lang="ja-JP" altLang="en-US"/>
+              <a:t>何が問題か？</a:t>
+            </a:r>
+            <a:endParaRPr kumimoji="1" lang="ja-JP" altLang="en-US"/>
+          </a:p>
+        </p:txBody>
+      </p:sp>
+      <p:sp>
+        <p:nvSpPr>
+          <p:cNvPr id="3" name="テキスト ボックス 2">
+            <a:extLst>
+              <a:ext uri="{FF2B5EF4-FFF2-40B4-BE49-F238E27FC236}">
+                <a16:creationId xmlns:a16="http://schemas.microsoft.com/office/drawing/2014/main" id="{2AEB5A26-EDF5-4CFF-8955-4608DAF2019B}"/>
+              </a:ext>
+            </a:extLst>
+          </p:cNvPr>
+          <p:cNvSpPr txBox="1"/>
+          <p:nvPr/>
+        </p:nvSpPr>
+        <p:spPr>
+          <a:xfrm>
+            <a:off x="101601" y="1055077"/>
+            <a:ext cx="4288353" cy="707886"/>
+          </a:xfrm>
+          <a:prstGeom prst="rect">
+            <a:avLst/>
+          </a:prstGeom>
+          <a:noFill/>
+        </p:spPr>
+        <p:txBody>
+          <a:bodyPr wrap="none" rtlCol="0">
+            <a:spAutoFit/>
+          </a:bodyPr>
+          <a:lstStyle/>
+          <a:p>
+            <a:r>
+              <a:rPr kumimoji="1" lang="ja-JP" altLang="en-US" sz="4000" dirty="0"/>
+              <a:t>無知は罪ではない</a:t>
+            </a:r>
+          </a:p>
+        </p:txBody>
+      </p:sp>
+      <p:sp>
+        <p:nvSpPr>
+          <p:cNvPr id="4" name="テキスト ボックス 3">
+            <a:extLst>
+              <a:ext uri="{FF2B5EF4-FFF2-40B4-BE49-F238E27FC236}">
+                <a16:creationId xmlns:a16="http://schemas.microsoft.com/office/drawing/2014/main" id="{1D0337D2-A71B-6D93-A7EF-E753B1766A09}"/>
+              </a:ext>
+            </a:extLst>
+          </p:cNvPr>
+          <p:cNvSpPr txBox="1"/>
+          <p:nvPr/>
+        </p:nvSpPr>
+        <p:spPr>
+          <a:xfrm>
+            <a:off x="341590" y="2024185"/>
+            <a:ext cx="8802410" cy="461665"/>
+          </a:xfrm>
+          <a:prstGeom prst="rect">
+            <a:avLst/>
+          </a:prstGeom>
+          <a:noFill/>
+        </p:spPr>
+        <p:txBody>
+          <a:bodyPr wrap="none" rtlCol="0">
+            <a:spAutoFit/>
+          </a:bodyPr>
+          <a:lstStyle/>
+          <a:p>
+            <a:r>
+              <a:rPr kumimoji="1" lang="ja-JP" altLang="en-US" sz="2400" dirty="0"/>
+              <a:t>「株式会社の起源が何世紀かを知らない」ことは全く問題ない</a:t>
+            </a:r>
+          </a:p>
+        </p:txBody>
+      </p:sp>
+      <p:sp>
+        <p:nvSpPr>
+          <p:cNvPr id="5" name="テキスト ボックス 4">
+            <a:extLst>
+              <a:ext uri="{FF2B5EF4-FFF2-40B4-BE49-F238E27FC236}">
+                <a16:creationId xmlns:a16="http://schemas.microsoft.com/office/drawing/2014/main" id="{CA53D0CE-0615-8E26-ADEA-931484765ADE}"/>
+              </a:ext>
+            </a:extLst>
+          </p:cNvPr>
+          <p:cNvSpPr txBox="1"/>
+          <p:nvPr/>
+        </p:nvSpPr>
+        <p:spPr>
+          <a:xfrm>
+            <a:off x="109416" y="3075354"/>
+            <a:ext cx="6853158" cy="707886"/>
+          </a:xfrm>
+          <a:prstGeom prst="rect">
+            <a:avLst/>
+          </a:prstGeom>
+          <a:noFill/>
+        </p:spPr>
+        <p:txBody>
+          <a:bodyPr wrap="none" rtlCol="0">
+            <a:spAutoFit/>
+          </a:bodyPr>
+          <a:lstStyle/>
+          <a:p>
+            <a:r>
+              <a:rPr kumimoji="1" lang="ja-JP" altLang="en-US" sz="4000" dirty="0"/>
+              <a:t>無知に無自覚であることは罪</a:t>
+            </a:r>
+          </a:p>
+        </p:txBody>
+      </p:sp>
+      <p:sp>
+        <p:nvSpPr>
+          <p:cNvPr id="6" name="テキスト ボックス 5">
+            <a:extLst>
+              <a:ext uri="{FF2B5EF4-FFF2-40B4-BE49-F238E27FC236}">
+                <a16:creationId xmlns:a16="http://schemas.microsoft.com/office/drawing/2014/main" id="{930B3EE3-23D7-2D90-3A89-24519D9A4213}"/>
+              </a:ext>
+            </a:extLst>
+          </p:cNvPr>
+          <p:cNvSpPr txBox="1"/>
+          <p:nvPr/>
+        </p:nvSpPr>
+        <p:spPr>
+          <a:xfrm>
+            <a:off x="203200" y="3884247"/>
+            <a:ext cx="8837676" cy="830997"/>
+          </a:xfrm>
+          <a:prstGeom prst="rect">
+            <a:avLst/>
+          </a:prstGeom>
+          <a:noFill/>
+        </p:spPr>
+        <p:txBody>
+          <a:bodyPr wrap="none" rtlCol="0">
+            <a:spAutoFit/>
+          </a:bodyPr>
+          <a:lstStyle/>
+          <a:p>
+            <a:r>
+              <a:rPr lang="ja-JP" altLang="en-US" sz="2400" dirty="0"/>
+              <a:t>「</a:t>
+            </a:r>
+            <a:r>
+              <a:rPr kumimoji="1" lang="ja-JP" altLang="en-US" sz="2400" dirty="0"/>
+              <a:t>資本主義における</a:t>
+            </a:r>
+            <a:r>
+              <a:rPr kumimoji="1" lang="en-US" altLang="ja-JP" sz="2400" dirty="0"/>
+              <a:t>21</a:t>
+            </a:r>
+            <a:r>
+              <a:rPr kumimoji="1" lang="ja-JP" altLang="en-US" sz="2400" dirty="0"/>
+              <a:t>世紀最大の発明は間違いなく株式会社」</a:t>
+            </a:r>
+            <a:endParaRPr kumimoji="1" lang="en-US" altLang="ja-JP" sz="2400" dirty="0"/>
+          </a:p>
+          <a:p>
+            <a:r>
+              <a:rPr lang="ja-JP" altLang="en-US" sz="2400" dirty="0"/>
+              <a:t>と書く前に、ちょっと調べて欲しい</a:t>
+            </a:r>
+            <a:endParaRPr kumimoji="1" lang="ja-JP" altLang="en-US" sz="2400" dirty="0"/>
+          </a:p>
+        </p:txBody>
+      </p:sp>
+    </p:spTree>
+    <p:extLst>
+      <p:ext uri="{BB962C8B-B14F-4D97-AF65-F5344CB8AC3E}">
+        <p14:creationId xmlns:p14="http://schemas.microsoft.com/office/powerpoint/2010/main" val="2481281713"/>
+      </p:ext>
+    </p:extLst>
+  </p:cSld>
+  <p:clrMapOvr>
+    <a:masterClrMapping/>
+  </p:clrMapOvr>
+</p:sld>
+</file>
+
+<file path=ppt/slides/slide37.xml><?xml version="1.0" encoding="utf-8"?>
+<p:sld xmlns:a="http://schemas.openxmlformats.org/drawingml/2006/main" xmlns:r="http://schemas.openxmlformats.org/officeDocument/2006/relationships" xmlns:p="http://schemas.openxmlformats.org/presentationml/2006/main">
+  <p:cSld>
+    <p:spTree>
+      <p:nvGrpSpPr>
+        <p:cNvPr id="1" name=""/>
+        <p:cNvGrpSpPr/>
+        <p:nvPr/>
+      </p:nvGrpSpPr>
+      <p:grpSpPr>
+        <a:xfrm>
+          <a:off x="0" y="0"/>
+          <a:ext cx="0" cy="0"/>
+          <a:chOff x="0" y="0"/>
+          <a:chExt cx="0" cy="0"/>
+        </a:xfrm>
+      </p:grpSpPr>
+      <p:sp>
+        <p:nvSpPr>
+          <p:cNvPr id="2" name="テキスト プレースホルダー 1">
+            <a:extLst>
+              <a:ext uri="{FF2B5EF4-FFF2-40B4-BE49-F238E27FC236}">
+                <a16:creationId xmlns:a16="http://schemas.microsoft.com/office/drawing/2014/main" id="{C6D85477-9820-FC30-B0EF-B4EF0A308A98}"/>
+              </a:ext>
+            </a:extLst>
+          </p:cNvPr>
+          <p:cNvSpPr>
+            <a:spLocks noGrp="1"/>
+          </p:cNvSpPr>
+          <p:nvPr>
+            <p:ph type="body" sz="quarter" idx="10"/>
+          </p:nvPr>
+        </p:nvSpPr>
+        <p:spPr/>
+        <p:txBody>
+          <a:bodyPr/>
+          <a:lstStyle/>
+          <a:p>
+            <a:r>
+              <a:rPr lang="ja-JP" altLang="en-US"/>
+              <a:t>ダニング＝クルーガー効果</a:t>
+            </a:r>
+            <a:endParaRPr kumimoji="1" lang="ja-JP" altLang="en-US"/>
+          </a:p>
+        </p:txBody>
+      </p:sp>
+      <p:cxnSp>
+        <p:nvCxnSpPr>
+          <p:cNvPr id="3" name="直線矢印コネクタ 2">
+            <a:extLst>
+              <a:ext uri="{FF2B5EF4-FFF2-40B4-BE49-F238E27FC236}">
+                <a16:creationId xmlns:a16="http://schemas.microsoft.com/office/drawing/2014/main" id="{B725A19F-D66B-BB99-4949-EC5573B2A631}"/>
+              </a:ext>
+            </a:extLst>
+          </p:cNvPr>
+          <p:cNvCxnSpPr/>
+          <p:nvPr/>
+        </p:nvCxnSpPr>
+        <p:spPr>
+          <a:xfrm>
+            <a:off x="380970" y="5452241"/>
+            <a:ext cx="6940062" cy="0"/>
+          </a:xfrm>
+          <a:prstGeom prst="straightConnector1">
+            <a:avLst/>
+          </a:prstGeom>
+          <a:ln>
+            <a:solidFill>
+              <a:schemeClr val="tx1"/>
+            </a:solidFill>
+            <a:headEnd type="none" w="med" len="med"/>
+            <a:tailEnd type="triangle"/>
+          </a:ln>
+        </p:spPr>
+        <p:style>
+          <a:lnRef idx="1">
+            <a:schemeClr val="accent1"/>
+          </a:lnRef>
+          <a:fillRef idx="0">
+            <a:schemeClr val="accent1"/>
+          </a:fillRef>
+          <a:effectRef idx="0">
+            <a:schemeClr val="accent1"/>
+          </a:effectRef>
+          <a:fontRef idx="minor">
+            <a:schemeClr val="tx1"/>
+          </a:fontRef>
+        </p:style>
+      </p:cxnSp>
+      <p:cxnSp>
+        <p:nvCxnSpPr>
+          <p:cNvPr id="4" name="直線矢印コネクタ 3">
+            <a:extLst>
+              <a:ext uri="{FF2B5EF4-FFF2-40B4-BE49-F238E27FC236}">
+                <a16:creationId xmlns:a16="http://schemas.microsoft.com/office/drawing/2014/main" id="{99CC908F-FE38-71A9-3ED1-D1320F26186D}"/>
+              </a:ext>
+            </a:extLst>
+          </p:cNvPr>
+          <p:cNvCxnSpPr/>
+          <p:nvPr/>
+        </p:nvCxnSpPr>
+        <p:spPr>
+          <a:xfrm flipV="1">
+            <a:off x="1099986" y="2060364"/>
+            <a:ext cx="0" cy="4024923"/>
+          </a:xfrm>
+          <a:prstGeom prst="straightConnector1">
+            <a:avLst/>
+          </a:prstGeom>
+          <a:ln>
+            <a:solidFill>
+              <a:schemeClr val="tx1"/>
+            </a:solidFill>
+            <a:headEnd type="none" w="med" len="med"/>
+            <a:tailEnd type="triangle"/>
+          </a:ln>
+        </p:spPr>
+        <p:style>
+          <a:lnRef idx="1">
+            <a:schemeClr val="accent1"/>
+          </a:lnRef>
+          <a:fillRef idx="0">
+            <a:schemeClr val="accent1"/>
+          </a:fillRef>
+          <a:effectRef idx="0">
+            <a:schemeClr val="accent1"/>
+          </a:effectRef>
+          <a:fontRef idx="minor">
+            <a:schemeClr val="tx1"/>
+          </a:fontRef>
+        </p:style>
+      </p:cxnSp>
+      <p:sp>
+        <p:nvSpPr>
+          <p:cNvPr id="5" name="テキスト ボックス 4">
+            <a:extLst>
+              <a:ext uri="{FF2B5EF4-FFF2-40B4-BE49-F238E27FC236}">
+                <a16:creationId xmlns:a16="http://schemas.microsoft.com/office/drawing/2014/main" id="{655292BC-E34D-EBB5-5952-AEA9214D0C13}"/>
+              </a:ext>
+            </a:extLst>
+          </p:cNvPr>
+          <p:cNvSpPr txBox="1"/>
+          <p:nvPr/>
+        </p:nvSpPr>
+        <p:spPr>
+          <a:xfrm>
+            <a:off x="803001" y="1536733"/>
+            <a:ext cx="646331" cy="369332"/>
+          </a:xfrm>
+          <a:prstGeom prst="rect">
+            <a:avLst/>
+          </a:prstGeom>
+          <a:noFill/>
+        </p:spPr>
+        <p:txBody>
+          <a:bodyPr wrap="none" rtlCol="0">
+            <a:spAutoFit/>
+          </a:bodyPr>
+          <a:lstStyle/>
+          <a:p>
+            <a:r>
+              <a:rPr kumimoji="1" lang="ja-JP" altLang="en-US" dirty="0"/>
+              <a:t>自信</a:t>
+            </a:r>
+          </a:p>
+        </p:txBody>
+      </p:sp>
+      <p:sp>
+        <p:nvSpPr>
+          <p:cNvPr id="6" name="テキスト ボックス 5">
+            <a:extLst>
+              <a:ext uri="{FF2B5EF4-FFF2-40B4-BE49-F238E27FC236}">
+                <a16:creationId xmlns:a16="http://schemas.microsoft.com/office/drawing/2014/main" id="{A8E2ABE0-E73C-3087-BF1C-508CA3213635}"/>
+              </a:ext>
+            </a:extLst>
+          </p:cNvPr>
+          <p:cNvSpPr txBox="1"/>
+          <p:nvPr/>
+        </p:nvSpPr>
+        <p:spPr>
+          <a:xfrm>
+            <a:off x="7434357" y="5213871"/>
+            <a:ext cx="1107996" cy="369332"/>
+          </a:xfrm>
+          <a:prstGeom prst="rect">
+            <a:avLst/>
+          </a:prstGeom>
+          <a:noFill/>
+        </p:spPr>
+        <p:txBody>
+          <a:bodyPr wrap="none" rtlCol="0">
+            <a:spAutoFit/>
+          </a:bodyPr>
+          <a:lstStyle/>
+          <a:p>
+            <a:r>
+              <a:rPr kumimoji="1" lang="ja-JP" altLang="en-US" dirty="0"/>
+              <a:t>学習進度</a:t>
+            </a:r>
+          </a:p>
+        </p:txBody>
+      </p:sp>
+      <p:sp>
+        <p:nvSpPr>
+          <p:cNvPr id="7" name="フリーフォーム: 図形 6">
+            <a:extLst>
+              <a:ext uri="{FF2B5EF4-FFF2-40B4-BE49-F238E27FC236}">
+                <a16:creationId xmlns:a16="http://schemas.microsoft.com/office/drawing/2014/main" id="{86D332D1-8FC6-DEC8-9500-815C8C7D9735}"/>
+              </a:ext>
+            </a:extLst>
+          </p:cNvPr>
+          <p:cNvSpPr/>
+          <p:nvPr/>
+        </p:nvSpPr>
+        <p:spPr>
+          <a:xfrm>
+            <a:off x="1115616" y="2204864"/>
+            <a:ext cx="5728677" cy="3239561"/>
+          </a:xfrm>
+          <a:custGeom>
+            <a:avLst/>
+            <a:gdLst>
+              <a:gd name="connsiteX0" fmla="*/ 0 w 5728677"/>
+              <a:gd name="connsiteY0" fmla="*/ 3239561 h 3239561"/>
+              <a:gd name="connsiteX1" fmla="*/ 867508 w 5728677"/>
+              <a:gd name="connsiteY1" fmla="*/ 3992 h 3239561"/>
+              <a:gd name="connsiteX2" fmla="*/ 2313354 w 5728677"/>
+              <a:gd name="connsiteY2" fmla="*/ 2567438 h 3239561"/>
+              <a:gd name="connsiteX3" fmla="*/ 4704862 w 5728677"/>
+              <a:gd name="connsiteY3" fmla="*/ 2379869 h 3239561"/>
+              <a:gd name="connsiteX4" fmla="*/ 5728677 w 5728677"/>
+              <a:gd name="connsiteY4" fmla="*/ 855869 h 3239561"/>
+            </a:gdLst>
+            <a:ahLst/>
+            <a:cxnLst>
+              <a:cxn ang="0">
+                <a:pos x="connsiteX0" y="connsiteY0"/>
+              </a:cxn>
+              <a:cxn ang="0">
+                <a:pos x="connsiteX1" y="connsiteY1"/>
+              </a:cxn>
+              <a:cxn ang="0">
+                <a:pos x="connsiteX2" y="connsiteY2"/>
+              </a:cxn>
+              <a:cxn ang="0">
+                <a:pos x="connsiteX3" y="connsiteY3"/>
+              </a:cxn>
+              <a:cxn ang="0">
+                <a:pos x="connsiteX4" y="connsiteY4"/>
+              </a:cxn>
+            </a:cxnLst>
+            <a:rect l="l" t="t" r="r" b="b"/>
+            <a:pathLst>
+              <a:path w="5728677" h="3239561">
+                <a:moveTo>
+                  <a:pt x="0" y="3239561"/>
+                </a:moveTo>
+                <a:cubicBezTo>
+                  <a:pt x="240974" y="1677786"/>
+                  <a:pt x="481949" y="116012"/>
+                  <a:pt x="867508" y="3992"/>
+                </a:cubicBezTo>
+                <a:cubicBezTo>
+                  <a:pt x="1253067" y="-108028"/>
+                  <a:pt x="1673795" y="2171459"/>
+                  <a:pt x="2313354" y="2567438"/>
+                </a:cubicBezTo>
+                <a:cubicBezTo>
+                  <a:pt x="2952913" y="2963417"/>
+                  <a:pt x="4135642" y="2665130"/>
+                  <a:pt x="4704862" y="2379869"/>
+                </a:cubicBezTo>
+                <a:cubicBezTo>
+                  <a:pt x="5274082" y="2094608"/>
+                  <a:pt x="5501379" y="1475238"/>
+                  <a:pt x="5728677" y="855869"/>
+                </a:cubicBezTo>
+              </a:path>
+            </a:pathLst>
+          </a:custGeom>
+          <a:noFill/>
+          <a:ln>
+            <a:solidFill>
+              <a:schemeClr val="tx1"/>
+            </a:solidFill>
+          </a:ln>
+        </p:spPr>
+        <p:style>
+          <a:lnRef idx="2">
+            <a:schemeClr val="accent1">
+              <a:shade val="50000"/>
+            </a:schemeClr>
+          </a:lnRef>
+          <a:fillRef idx="1">
+            <a:schemeClr val="accent1"/>
+          </a:fillRef>
+          <a:effectRef idx="0">
+            <a:schemeClr val="accent1"/>
+          </a:effectRef>
+          <a:fontRef idx="minor">
+            <a:schemeClr val="lt1"/>
+          </a:fontRef>
+        </p:style>
+        <p:txBody>
+          <a:bodyPr rtlCol="0" anchor="ctr"/>
+          <a:lstStyle/>
+          <a:p>
+            <a:pPr algn="ctr"/>
+            <a:endParaRPr kumimoji="1" lang="ja-JP" altLang="en-US"/>
+          </a:p>
+        </p:txBody>
+      </p:sp>
+      <p:sp>
+        <p:nvSpPr>
+          <p:cNvPr id="8" name="テキスト ボックス 7">
+            <a:extLst>
+              <a:ext uri="{FF2B5EF4-FFF2-40B4-BE49-F238E27FC236}">
+                <a16:creationId xmlns:a16="http://schemas.microsoft.com/office/drawing/2014/main" id="{CDFE2231-0A39-B9F9-2691-032CD5906B9A}"/>
+              </a:ext>
+            </a:extLst>
+          </p:cNvPr>
+          <p:cNvSpPr txBox="1"/>
+          <p:nvPr/>
+        </p:nvSpPr>
+        <p:spPr>
+          <a:xfrm>
+            <a:off x="1693955" y="1567994"/>
+            <a:ext cx="1800493" cy="369332"/>
+          </a:xfrm>
+          <a:prstGeom prst="rect">
+            <a:avLst/>
+          </a:prstGeom>
+          <a:noFill/>
+        </p:spPr>
+        <p:txBody>
+          <a:bodyPr wrap="none" rtlCol="0">
+            <a:spAutoFit/>
+          </a:bodyPr>
+          <a:lstStyle/>
+          <a:p>
+            <a:r>
+              <a:rPr kumimoji="1" lang="ja-JP" altLang="en-US" dirty="0"/>
+              <a:t>分かったつもり</a:t>
+            </a:r>
+          </a:p>
+        </p:txBody>
+      </p:sp>
+      <p:sp>
+        <p:nvSpPr>
+          <p:cNvPr id="9" name="テキスト ボックス 8">
+            <a:extLst>
+              <a:ext uri="{FF2B5EF4-FFF2-40B4-BE49-F238E27FC236}">
+                <a16:creationId xmlns:a16="http://schemas.microsoft.com/office/drawing/2014/main" id="{640FC230-8A84-8587-B94B-45836DC2705E}"/>
+              </a:ext>
+            </a:extLst>
+          </p:cNvPr>
+          <p:cNvSpPr txBox="1"/>
+          <p:nvPr/>
+        </p:nvSpPr>
+        <p:spPr>
+          <a:xfrm>
+            <a:off x="2915816" y="5013176"/>
+            <a:ext cx="3416320" cy="369332"/>
+          </a:xfrm>
+          <a:prstGeom prst="rect">
+            <a:avLst/>
+          </a:prstGeom>
+          <a:noFill/>
+        </p:spPr>
+        <p:txBody>
+          <a:bodyPr wrap="none" rtlCol="0">
+            <a:spAutoFit/>
+          </a:bodyPr>
+          <a:lstStyle/>
+          <a:p>
+            <a:r>
+              <a:rPr kumimoji="1" lang="ja-JP" altLang="en-US" dirty="0">
+                <a:solidFill>
+                  <a:srgbClr val="FF0000"/>
+                </a:solidFill>
+              </a:rPr>
+              <a:t>分かっ</a:t>
+            </a:r>
+            <a:r>
+              <a:rPr lang="ja-JP" altLang="en-US" dirty="0">
+                <a:solidFill>
+                  <a:srgbClr val="FF0000"/>
+                </a:solidFill>
+              </a:rPr>
+              <a:t>てなかったことがわかる</a:t>
+            </a:r>
+            <a:endParaRPr kumimoji="1" lang="en-US" altLang="ja-JP" dirty="0">
+              <a:solidFill>
+                <a:srgbClr val="FF0000"/>
+              </a:solidFill>
+            </a:endParaRPr>
+          </a:p>
+        </p:txBody>
+      </p:sp>
+      <p:sp>
+        <p:nvSpPr>
+          <p:cNvPr id="10" name="テキスト ボックス 9">
+            <a:extLst>
+              <a:ext uri="{FF2B5EF4-FFF2-40B4-BE49-F238E27FC236}">
+                <a16:creationId xmlns:a16="http://schemas.microsoft.com/office/drawing/2014/main" id="{2E43F510-0EFD-9BEE-CC93-6BBAED2B42F0}"/>
+              </a:ext>
+            </a:extLst>
+          </p:cNvPr>
+          <p:cNvSpPr txBox="1"/>
+          <p:nvPr/>
+        </p:nvSpPr>
+        <p:spPr>
+          <a:xfrm>
+            <a:off x="5492232" y="2435502"/>
+            <a:ext cx="2262158" cy="369332"/>
+          </a:xfrm>
+          <a:prstGeom prst="rect">
+            <a:avLst/>
+          </a:prstGeom>
+          <a:noFill/>
+        </p:spPr>
+        <p:txBody>
+          <a:bodyPr wrap="none" rtlCol="0">
+            <a:spAutoFit/>
+          </a:bodyPr>
+          <a:lstStyle/>
+          <a:p>
+            <a:r>
+              <a:rPr kumimoji="1" lang="ja-JP" altLang="en-US" dirty="0"/>
+              <a:t>だいぶわかってきた</a:t>
+            </a:r>
+            <a:endParaRPr kumimoji="1" lang="en-US" altLang="ja-JP" dirty="0"/>
+          </a:p>
+        </p:txBody>
+      </p:sp>
+    </p:spTree>
+    <p:extLst>
+      <p:ext uri="{BB962C8B-B14F-4D97-AF65-F5344CB8AC3E}">
+        <p14:creationId xmlns:p14="http://schemas.microsoft.com/office/powerpoint/2010/main" val="605133514"/>
+      </p:ext>
+    </p:extLst>
+  </p:cSld>
+  <p:clrMapOvr>
+    <a:masterClrMapping/>
+  </p:clrMapOvr>
+</p:sld>
+</file>
+
+<file path=ppt/slides/slide38.xml><?xml version="1.0" encoding="utf-8"?>
+<p:sld xmlns:a="http://schemas.openxmlformats.org/drawingml/2006/main" xmlns:r="http://schemas.openxmlformats.org/officeDocument/2006/relationships" xmlns:p="http://schemas.openxmlformats.org/presentationml/2006/main">
+  <p:cSld>
+    <p:spTree>
+      <p:nvGrpSpPr>
+        <p:cNvPr id="1" name=""/>
+        <p:cNvGrpSpPr/>
+        <p:nvPr/>
+      </p:nvGrpSpPr>
+      <p:grpSpPr>
+        <a:xfrm>
+          <a:off x="0" y="0"/>
+          <a:ext cx="0" cy="0"/>
+          <a:chOff x="0" y="0"/>
+          <a:chExt cx="0" cy="0"/>
+        </a:xfrm>
+      </p:grpSpPr>
+      <p:sp>
+        <p:nvSpPr>
+          <p:cNvPr id="2" name="テキスト プレースホルダー 1">
+            <a:extLst>
+              <a:ext uri="{FF2B5EF4-FFF2-40B4-BE49-F238E27FC236}">
+                <a16:creationId xmlns:a16="http://schemas.microsoft.com/office/drawing/2014/main" id="{356348B7-F878-2EE8-4868-1A00D3625BFA}"/>
+              </a:ext>
+            </a:extLst>
+          </p:cNvPr>
+          <p:cNvSpPr>
+            <a:spLocks noGrp="1"/>
+          </p:cNvSpPr>
+          <p:nvPr>
+            <p:ph type="body" sz="quarter" idx="10"/>
+          </p:nvPr>
+        </p:nvSpPr>
+        <p:spPr/>
+        <p:txBody>
+          <a:bodyPr/>
+          <a:lstStyle/>
+          <a:p>
+            <a:r>
+              <a:rPr lang="ja-JP" altLang="en-US"/>
+              <a:t>ダニング＝クルーガー効果</a:t>
+            </a:r>
+            <a:endParaRPr kumimoji="1" lang="ja-JP" altLang="en-US"/>
+          </a:p>
+        </p:txBody>
+      </p:sp>
+      <p:sp>
+        <p:nvSpPr>
+          <p:cNvPr id="3" name="テキスト ボックス 2">
+            <a:extLst>
+              <a:ext uri="{FF2B5EF4-FFF2-40B4-BE49-F238E27FC236}">
+                <a16:creationId xmlns:a16="http://schemas.microsoft.com/office/drawing/2014/main" id="{C630FFFF-DC0A-F325-54CD-5F8D0EBCC780}"/>
+              </a:ext>
+            </a:extLst>
+          </p:cNvPr>
+          <p:cNvSpPr txBox="1"/>
+          <p:nvPr/>
+        </p:nvSpPr>
+        <p:spPr>
+          <a:xfrm>
+            <a:off x="414215" y="1086339"/>
+            <a:ext cx="3467616" cy="584775"/>
+          </a:xfrm>
+          <a:prstGeom prst="rect">
+            <a:avLst/>
+          </a:prstGeom>
+          <a:noFill/>
+        </p:spPr>
+        <p:txBody>
+          <a:bodyPr wrap="none" rtlCol="0">
+            <a:spAutoFit/>
+          </a:bodyPr>
+          <a:lstStyle/>
+          <a:p>
+            <a:r>
+              <a:rPr kumimoji="1" lang="ja-JP" altLang="en-US" sz="3200" dirty="0"/>
+              <a:t>沸騰と蒸発の違い</a:t>
+            </a:r>
+          </a:p>
+        </p:txBody>
+      </p:sp>
+      <p:cxnSp>
+        <p:nvCxnSpPr>
+          <p:cNvPr id="4" name="直線矢印コネクタ 3">
+            <a:extLst>
+              <a:ext uri="{FF2B5EF4-FFF2-40B4-BE49-F238E27FC236}">
+                <a16:creationId xmlns:a16="http://schemas.microsoft.com/office/drawing/2014/main" id="{FB1740CC-3B36-16CF-675D-0BD9C354A48C}"/>
+              </a:ext>
+            </a:extLst>
+          </p:cNvPr>
+          <p:cNvCxnSpPr/>
+          <p:nvPr/>
+        </p:nvCxnSpPr>
+        <p:spPr>
+          <a:xfrm>
+            <a:off x="1016000" y="2102339"/>
+            <a:ext cx="0" cy="4157785"/>
+          </a:xfrm>
+          <a:prstGeom prst="straightConnector1">
+            <a:avLst/>
+          </a:prstGeom>
+          <a:ln>
+            <a:solidFill>
+              <a:schemeClr val="tx1"/>
+            </a:solidFill>
+            <a:headEnd type="none" w="med" len="med"/>
+            <a:tailEnd type="triangle"/>
+          </a:ln>
+        </p:spPr>
+        <p:style>
+          <a:lnRef idx="1">
+            <a:schemeClr val="accent1"/>
+          </a:lnRef>
+          <a:fillRef idx="0">
+            <a:schemeClr val="accent1"/>
+          </a:fillRef>
+          <a:effectRef idx="0">
+            <a:schemeClr val="accent1"/>
+          </a:effectRef>
+          <a:fontRef idx="minor">
+            <a:schemeClr val="tx1"/>
+          </a:fontRef>
+        </p:style>
+      </p:cxnSp>
+      <p:sp>
+        <p:nvSpPr>
+          <p:cNvPr id="5" name="テキスト ボックス 4">
+            <a:extLst>
+              <a:ext uri="{FF2B5EF4-FFF2-40B4-BE49-F238E27FC236}">
+                <a16:creationId xmlns:a16="http://schemas.microsoft.com/office/drawing/2014/main" id="{C1159F95-EAA4-7AF9-0556-14094B0C4F7E}"/>
+              </a:ext>
+            </a:extLst>
+          </p:cNvPr>
+          <p:cNvSpPr txBox="1"/>
+          <p:nvPr/>
+        </p:nvSpPr>
+        <p:spPr>
+          <a:xfrm>
+            <a:off x="1187624" y="2060848"/>
+            <a:ext cx="7366119" cy="830997"/>
+          </a:xfrm>
+          <a:prstGeom prst="rect">
+            <a:avLst/>
+          </a:prstGeom>
+          <a:noFill/>
+        </p:spPr>
+        <p:txBody>
+          <a:bodyPr wrap="none" rtlCol="0">
+            <a:spAutoFit/>
+          </a:bodyPr>
+          <a:lstStyle/>
+          <a:p>
+            <a:r>
+              <a:rPr kumimoji="1" lang="ja-JP" altLang="en-US" sz="2800" dirty="0">
+                <a:solidFill>
+                  <a:srgbClr val="011893"/>
+                </a:solidFill>
+              </a:rPr>
+              <a:t>分かったつもり</a:t>
+            </a:r>
+            <a:endParaRPr kumimoji="1" lang="en-US" altLang="ja-JP" sz="2800" dirty="0">
+              <a:solidFill>
+                <a:srgbClr val="011893"/>
+              </a:solidFill>
+            </a:endParaRPr>
+          </a:p>
+          <a:p>
+            <a:r>
+              <a:rPr lang="ja-JP" altLang="en-US" sz="2000" dirty="0"/>
+              <a:t>・液体表面から起きるのが蒸発、液体内部から起きるのが沸騰</a:t>
+            </a:r>
+            <a:endParaRPr lang="en-US" altLang="ja-JP" sz="2000" dirty="0"/>
+          </a:p>
+        </p:txBody>
+      </p:sp>
+      <p:sp>
+        <p:nvSpPr>
+          <p:cNvPr id="6" name="テキスト ボックス 5">
+            <a:extLst>
+              <a:ext uri="{FF2B5EF4-FFF2-40B4-BE49-F238E27FC236}">
+                <a16:creationId xmlns:a16="http://schemas.microsoft.com/office/drawing/2014/main" id="{A66AC1A6-8C36-2995-4ADB-E8A723EE2616}"/>
+              </a:ext>
+            </a:extLst>
+          </p:cNvPr>
+          <p:cNvSpPr txBox="1"/>
+          <p:nvPr/>
+        </p:nvSpPr>
+        <p:spPr>
+          <a:xfrm>
+            <a:off x="1187624" y="3501008"/>
+            <a:ext cx="5955476" cy="1077218"/>
+          </a:xfrm>
+          <a:prstGeom prst="rect">
+            <a:avLst/>
+          </a:prstGeom>
+          <a:noFill/>
+        </p:spPr>
+        <p:txBody>
+          <a:bodyPr wrap="none" rtlCol="0">
+            <a:spAutoFit/>
+          </a:bodyPr>
+          <a:lstStyle/>
+          <a:p>
+            <a:r>
+              <a:rPr kumimoji="1" lang="ja-JP" altLang="en-US" sz="2800" dirty="0">
+                <a:solidFill>
+                  <a:srgbClr val="011893"/>
+                </a:solidFill>
+              </a:rPr>
+              <a:t>分かってなかった</a:t>
+            </a:r>
+            <a:endParaRPr kumimoji="1" lang="en-US" altLang="ja-JP" sz="2800" dirty="0">
+              <a:solidFill>
+                <a:srgbClr val="011893"/>
+              </a:solidFill>
+            </a:endParaRPr>
+          </a:p>
+          <a:p>
+            <a:r>
+              <a:rPr lang="ja-JP" altLang="en-US" dirty="0"/>
+              <a:t>・沸点とは？蒸発とは？</a:t>
+            </a:r>
+            <a:endParaRPr lang="en-US" altLang="ja-JP" dirty="0"/>
+          </a:p>
+          <a:p>
+            <a:r>
+              <a:rPr lang="ja-JP" altLang="en-US" dirty="0"/>
+              <a:t>・何が沸点を決めているのか？蒸発はなぜ起きるのか？</a:t>
+            </a:r>
+            <a:endParaRPr lang="en-US" altLang="ja-JP" dirty="0"/>
+          </a:p>
+        </p:txBody>
+      </p:sp>
+      <p:sp>
+        <p:nvSpPr>
+          <p:cNvPr id="7" name="テキスト ボックス 6">
+            <a:extLst>
+              <a:ext uri="{FF2B5EF4-FFF2-40B4-BE49-F238E27FC236}">
+                <a16:creationId xmlns:a16="http://schemas.microsoft.com/office/drawing/2014/main" id="{80C11019-8DB8-274A-225F-D25502EC4DC8}"/>
+              </a:ext>
+            </a:extLst>
+          </p:cNvPr>
+          <p:cNvSpPr txBox="1"/>
+          <p:nvPr/>
+        </p:nvSpPr>
+        <p:spPr>
+          <a:xfrm>
+            <a:off x="1259632" y="5013176"/>
+            <a:ext cx="7571303" cy="1077218"/>
+          </a:xfrm>
+          <a:prstGeom prst="rect">
+            <a:avLst/>
+          </a:prstGeom>
+          <a:noFill/>
+        </p:spPr>
+        <p:txBody>
+          <a:bodyPr wrap="none" rtlCol="0">
+            <a:spAutoFit/>
+          </a:bodyPr>
+          <a:lstStyle/>
+          <a:p>
+            <a:r>
+              <a:rPr kumimoji="1" lang="ja-JP" altLang="en-US" sz="2800" dirty="0">
+                <a:solidFill>
+                  <a:srgbClr val="011893"/>
+                </a:solidFill>
+              </a:rPr>
+              <a:t>だいぶわかってきた</a:t>
+            </a:r>
+            <a:endParaRPr kumimoji="1" lang="en-US" altLang="ja-JP" sz="2800" dirty="0">
+              <a:solidFill>
+                <a:srgbClr val="011893"/>
+              </a:solidFill>
+            </a:endParaRPr>
+          </a:p>
+          <a:p>
+            <a:r>
+              <a:rPr lang="ja-JP" altLang="en-US"/>
+              <a:t>・気相の方が液相よりギブスの自由エネルギーが低いと起きるのが蒸発</a:t>
+            </a:r>
+            <a:endParaRPr lang="en-US" altLang="ja-JP"/>
+          </a:p>
+          <a:p>
+            <a:r>
+              <a:rPr lang="ja-JP" altLang="en-US"/>
+              <a:t>・飽和</a:t>
+            </a:r>
+            <a:r>
+              <a:rPr lang="ja-JP" altLang="en-US" dirty="0"/>
+              <a:t>蒸気圧が大気圧に一致する時</a:t>
+            </a:r>
+            <a:r>
+              <a:rPr lang="ja-JP" altLang="en-US"/>
+              <a:t>が沸騰</a:t>
+            </a:r>
+            <a:endParaRPr lang="en-US" altLang="ja-JP" dirty="0"/>
+          </a:p>
+        </p:txBody>
+      </p:sp>
+    </p:spTree>
+    <p:extLst>
+      <p:ext uri="{BB962C8B-B14F-4D97-AF65-F5344CB8AC3E}">
+        <p14:creationId xmlns:p14="http://schemas.microsoft.com/office/powerpoint/2010/main" val="1866931229"/>
+      </p:ext>
+    </p:extLst>
+  </p:cSld>
+  <p:clrMapOvr>
+    <a:masterClrMapping/>
+  </p:clrMapOvr>
+</p:sld>
+</file>
+
+<file path=ppt/slides/slide39.xml><?xml version="1.0" encoding="utf-8"?>
+<p:sld xmlns:a="http://schemas.openxmlformats.org/drawingml/2006/main" xmlns:r="http://schemas.openxmlformats.org/officeDocument/2006/relationships" xmlns:p="http://schemas.openxmlformats.org/presentationml/2006/main">
+  <p:cSld>
+    <p:spTree>
+      <p:nvGrpSpPr>
+        <p:cNvPr id="1" name=""/>
+        <p:cNvGrpSpPr/>
+        <p:nvPr/>
+      </p:nvGrpSpPr>
+      <p:grpSpPr>
+        <a:xfrm>
+          <a:off x="0" y="0"/>
+          <a:ext cx="0" cy="0"/>
+          <a:chOff x="0" y="0"/>
+          <a:chExt cx="0" cy="0"/>
+        </a:xfrm>
+      </p:grpSpPr>
+      <p:sp>
+        <p:nvSpPr>
+          <p:cNvPr id="7" name="部分円 6">
+            <a:extLst>
+              <a:ext uri="{FF2B5EF4-FFF2-40B4-BE49-F238E27FC236}">
+                <a16:creationId xmlns:a16="http://schemas.microsoft.com/office/drawing/2014/main" id="{168C78AE-048E-3E57-904E-718B7143C005}"/>
+              </a:ext>
+            </a:extLst>
+          </p:cNvPr>
+          <p:cNvSpPr/>
+          <p:nvPr/>
+        </p:nvSpPr>
+        <p:spPr>
+          <a:xfrm>
+            <a:off x="1547664" y="4409447"/>
+            <a:ext cx="4176464" cy="4497730"/>
+          </a:xfrm>
+          <a:prstGeom prst="pie">
+            <a:avLst>
+              <a:gd name="adj1" fmla="val 10799734"/>
+              <a:gd name="adj2" fmla="val 21599999"/>
+            </a:avLst>
+          </a:prstGeom>
+          <a:solidFill>
+            <a:schemeClr val="bg1">
+              <a:lumMod val="85000"/>
+            </a:schemeClr>
+          </a:solidFill>
+          <a:ln>
+            <a:solidFill>
+              <a:schemeClr val="tx1"/>
+            </a:solidFill>
+          </a:ln>
+        </p:spPr>
+        <p:style>
+          <a:lnRef idx="2">
+            <a:schemeClr val="accent1">
+              <a:shade val="50000"/>
+            </a:schemeClr>
+          </a:lnRef>
+          <a:fillRef idx="1">
+            <a:schemeClr val="accent1"/>
+          </a:fillRef>
+          <a:effectRef idx="0">
+            <a:schemeClr val="accent1"/>
+          </a:effectRef>
+          <a:fontRef idx="minor">
+            <a:schemeClr val="lt1"/>
+          </a:fontRef>
+        </p:style>
+        <p:txBody>
+          <a:bodyPr rtlCol="0" anchor="ctr"/>
+          <a:lstStyle/>
+          <a:p>
+            <a:pPr algn="ctr"/>
+            <a:endParaRPr kumimoji="1" lang="ja-JP" altLang="en-US">
+              <a:solidFill>
+                <a:schemeClr val="tx1"/>
+              </a:solidFill>
+            </a:endParaRPr>
+          </a:p>
+        </p:txBody>
+      </p:sp>
+      <p:sp>
+        <p:nvSpPr>
+          <p:cNvPr id="2" name="テキスト プレースホルダー 1">
+            <a:extLst>
+              <a:ext uri="{FF2B5EF4-FFF2-40B4-BE49-F238E27FC236}">
+                <a16:creationId xmlns:a16="http://schemas.microsoft.com/office/drawing/2014/main" id="{EC198A01-0A58-3582-2EB5-4E96D36698FD}"/>
+              </a:ext>
+            </a:extLst>
+          </p:cNvPr>
+          <p:cNvSpPr>
+            <a:spLocks noGrp="1"/>
+          </p:cNvSpPr>
+          <p:nvPr>
+            <p:ph type="body" sz="quarter" idx="10"/>
+          </p:nvPr>
+        </p:nvSpPr>
+        <p:spPr/>
+        <p:txBody>
+          <a:bodyPr/>
+          <a:lstStyle/>
+          <a:p>
+            <a:r>
+              <a:rPr kumimoji="1" lang="ja-JP" altLang="en-US"/>
+              <a:t>大学で学ぶ意義</a:t>
+            </a:r>
+          </a:p>
+        </p:txBody>
+      </p:sp>
+      <p:sp>
+        <p:nvSpPr>
+          <p:cNvPr id="3" name="テキスト ボックス 2">
+            <a:extLst>
+              <a:ext uri="{FF2B5EF4-FFF2-40B4-BE49-F238E27FC236}">
+                <a16:creationId xmlns:a16="http://schemas.microsoft.com/office/drawing/2014/main" id="{7FB6997C-A250-581E-0C0B-E84C947F3F57}"/>
+              </a:ext>
+            </a:extLst>
+          </p:cNvPr>
+          <p:cNvSpPr txBox="1"/>
+          <p:nvPr/>
+        </p:nvSpPr>
+        <p:spPr>
+          <a:xfrm>
+            <a:off x="315654" y="1484784"/>
+            <a:ext cx="8802410" cy="584775"/>
+          </a:xfrm>
+          <a:prstGeom prst="rect">
+            <a:avLst/>
+          </a:prstGeom>
+          <a:noFill/>
+        </p:spPr>
+        <p:txBody>
+          <a:bodyPr wrap="none" rtlCol="0">
+            <a:spAutoFit/>
+          </a:bodyPr>
+          <a:lstStyle/>
+          <a:p>
+            <a:r>
+              <a:rPr kumimoji="1" lang="ja-JP" altLang="en-US" sz="3200"/>
+              <a:t>知識やスキルを身につけるのが主目的</a:t>
+            </a:r>
+            <a:r>
+              <a:rPr kumimoji="1" lang="ja-JP" altLang="en-US" sz="3200">
+                <a:solidFill>
+                  <a:srgbClr val="FF0000"/>
+                </a:solidFill>
+              </a:rPr>
+              <a:t>ではない</a:t>
+            </a:r>
+          </a:p>
+        </p:txBody>
+      </p:sp>
+      <p:sp>
+        <p:nvSpPr>
+          <p:cNvPr id="4" name="テキスト ボックス 3">
+            <a:extLst>
+              <a:ext uri="{FF2B5EF4-FFF2-40B4-BE49-F238E27FC236}">
+                <a16:creationId xmlns:a16="http://schemas.microsoft.com/office/drawing/2014/main" id="{DA5B1A65-0DD7-9D67-00A4-1BEEC286E453}"/>
+              </a:ext>
+            </a:extLst>
+          </p:cNvPr>
+          <p:cNvSpPr txBox="1"/>
+          <p:nvPr/>
+        </p:nvSpPr>
+        <p:spPr>
+          <a:xfrm>
+            <a:off x="323528" y="2276872"/>
+            <a:ext cx="8136904" cy="1077218"/>
+          </a:xfrm>
+          <a:prstGeom prst="rect">
+            <a:avLst/>
+          </a:prstGeom>
+          <a:noFill/>
+        </p:spPr>
+        <p:txBody>
+          <a:bodyPr wrap="square" rtlCol="0">
+            <a:spAutoFit/>
+          </a:bodyPr>
+          <a:lstStyle/>
+          <a:p>
+            <a:r>
+              <a:rPr kumimoji="1" lang="ja-JP" altLang="en-US" sz="3200"/>
+              <a:t>自分が今「何を知っていて」「何を知らないか」を区別するための訓練の場</a:t>
+            </a:r>
+          </a:p>
+        </p:txBody>
+      </p:sp>
+      <p:sp>
+        <p:nvSpPr>
+          <p:cNvPr id="6" name="部分円 5">
+            <a:extLst>
+              <a:ext uri="{FF2B5EF4-FFF2-40B4-BE49-F238E27FC236}">
+                <a16:creationId xmlns:a16="http://schemas.microsoft.com/office/drawing/2014/main" id="{B7643C53-2154-7F9F-7BA5-89110E9E927E}"/>
+              </a:ext>
+            </a:extLst>
+          </p:cNvPr>
+          <p:cNvSpPr/>
+          <p:nvPr/>
+        </p:nvSpPr>
+        <p:spPr>
+          <a:xfrm>
+            <a:off x="2699792" y="5661248"/>
+            <a:ext cx="1872208" cy="2016224"/>
+          </a:xfrm>
+          <a:prstGeom prst="pie">
+            <a:avLst>
+              <a:gd name="adj1" fmla="val 10799734"/>
+              <a:gd name="adj2" fmla="val 21599999"/>
+            </a:avLst>
+          </a:prstGeom>
+          <a:solidFill>
+            <a:srgbClr val="47CFFF"/>
+          </a:solidFill>
+          <a:ln>
+            <a:solidFill>
+              <a:schemeClr val="tx1"/>
+            </a:solidFill>
+          </a:ln>
+        </p:spPr>
+        <p:style>
+          <a:lnRef idx="2">
+            <a:schemeClr val="accent1">
+              <a:shade val="50000"/>
+            </a:schemeClr>
+          </a:lnRef>
+          <a:fillRef idx="1">
+            <a:schemeClr val="accent1"/>
+          </a:fillRef>
+          <a:effectRef idx="0">
+            <a:schemeClr val="accent1"/>
+          </a:effectRef>
+          <a:fontRef idx="minor">
+            <a:schemeClr val="lt1"/>
+          </a:fontRef>
+        </p:style>
+        <p:txBody>
+          <a:bodyPr rtlCol="0" anchor="ctr"/>
+          <a:lstStyle/>
+          <a:p>
+            <a:pPr algn="ctr"/>
+            <a:endParaRPr kumimoji="1" lang="ja-JP" altLang="en-US">
+              <a:solidFill>
+                <a:schemeClr val="tx1"/>
+              </a:solidFill>
+            </a:endParaRPr>
+          </a:p>
+        </p:txBody>
+      </p:sp>
+      <p:sp>
+        <p:nvSpPr>
+          <p:cNvPr id="8" name="正方形/長方形 7">
+            <a:extLst>
+              <a:ext uri="{FF2B5EF4-FFF2-40B4-BE49-F238E27FC236}">
+                <a16:creationId xmlns:a16="http://schemas.microsoft.com/office/drawing/2014/main" id="{747FE6C9-23CF-5B57-0357-2A5BEF565407}"/>
+              </a:ext>
+            </a:extLst>
+          </p:cNvPr>
+          <p:cNvSpPr/>
+          <p:nvPr/>
+        </p:nvSpPr>
+        <p:spPr>
+          <a:xfrm rot="13524270">
+            <a:off x="2005885" y="5273554"/>
+            <a:ext cx="1255875" cy="396666"/>
+          </a:xfrm>
+          <a:prstGeom prst="rect">
+            <a:avLst/>
+          </a:prstGeom>
+          <a:solidFill>
+            <a:srgbClr val="FF0000"/>
+          </a:solidFill>
+          <a:ln>
+            <a:solidFill>
+              <a:schemeClr val="tx1"/>
+            </a:solidFill>
+          </a:ln>
+        </p:spPr>
+        <p:style>
+          <a:lnRef idx="2">
+            <a:schemeClr val="accent1">
+              <a:shade val="50000"/>
+            </a:schemeClr>
+          </a:lnRef>
+          <a:fillRef idx="1">
+            <a:schemeClr val="accent1"/>
+          </a:fillRef>
+          <a:effectRef idx="0">
+            <a:schemeClr val="accent1"/>
+          </a:effectRef>
+          <a:fontRef idx="minor">
+            <a:schemeClr val="lt1"/>
+          </a:fontRef>
+        </p:style>
+        <p:txBody>
+          <a:bodyPr rtlCol="0" anchor="ctr"/>
+          <a:lstStyle/>
+          <a:p>
+            <a:pPr algn="ctr"/>
+            <a:endParaRPr kumimoji="1" lang="ja-JP" altLang="en-US"/>
+          </a:p>
+        </p:txBody>
+      </p:sp>
+      <p:sp>
+        <p:nvSpPr>
+          <p:cNvPr id="9" name="テキスト ボックス 8">
+            <a:extLst>
+              <a:ext uri="{FF2B5EF4-FFF2-40B4-BE49-F238E27FC236}">
+                <a16:creationId xmlns:a16="http://schemas.microsoft.com/office/drawing/2014/main" id="{E0CB6A02-CDB3-132D-A35A-1DD8A5E85848}"/>
+              </a:ext>
+            </a:extLst>
+          </p:cNvPr>
+          <p:cNvSpPr txBox="1"/>
+          <p:nvPr/>
+        </p:nvSpPr>
+        <p:spPr>
+          <a:xfrm>
+            <a:off x="3059833" y="6165304"/>
+            <a:ext cx="1107996" cy="369332"/>
+          </a:xfrm>
+          <a:prstGeom prst="rect">
+            <a:avLst/>
+          </a:prstGeom>
+          <a:noFill/>
+        </p:spPr>
+        <p:txBody>
+          <a:bodyPr wrap="none" rtlCol="0">
+            <a:spAutoFit/>
+          </a:bodyPr>
+          <a:lstStyle/>
+          <a:p>
+            <a:r>
+              <a:rPr lang="ja-JP" altLang="en-US"/>
+              <a:t>共通知識</a:t>
+            </a:r>
+            <a:endParaRPr kumimoji="1" lang="ja-JP" altLang="en-US"/>
+          </a:p>
+        </p:txBody>
+      </p:sp>
+      <p:sp>
+        <p:nvSpPr>
+          <p:cNvPr id="10" name="テキスト ボックス 9">
+            <a:extLst>
+              <a:ext uri="{FF2B5EF4-FFF2-40B4-BE49-F238E27FC236}">
+                <a16:creationId xmlns:a16="http://schemas.microsoft.com/office/drawing/2014/main" id="{F9B86714-916E-D0CB-3799-FB7EA9FFA244}"/>
+              </a:ext>
+            </a:extLst>
+          </p:cNvPr>
+          <p:cNvSpPr txBox="1"/>
+          <p:nvPr/>
+        </p:nvSpPr>
+        <p:spPr>
+          <a:xfrm rot="2728830">
+            <a:off x="2089837" y="5312135"/>
+            <a:ext cx="1107996" cy="369332"/>
+          </a:xfrm>
+          <a:prstGeom prst="rect">
+            <a:avLst/>
+          </a:prstGeom>
+          <a:noFill/>
+        </p:spPr>
+        <p:txBody>
+          <a:bodyPr wrap="none" rtlCol="0">
+            <a:spAutoFit/>
+          </a:bodyPr>
+          <a:lstStyle/>
+          <a:p>
+            <a:r>
+              <a:rPr lang="ja-JP" altLang="en-US"/>
+              <a:t>専門知識</a:t>
+            </a:r>
+            <a:endParaRPr kumimoji="1" lang="ja-JP" altLang="en-US"/>
+          </a:p>
+        </p:txBody>
+      </p:sp>
+      <p:cxnSp>
+        <p:nvCxnSpPr>
+          <p:cNvPr id="12" name="直線矢印コネクタ 11">
+            <a:extLst>
+              <a:ext uri="{FF2B5EF4-FFF2-40B4-BE49-F238E27FC236}">
+                <a16:creationId xmlns:a16="http://schemas.microsoft.com/office/drawing/2014/main" id="{C8AA2130-8D48-2E18-CF91-A8148B3964B0}"/>
+              </a:ext>
+            </a:extLst>
+          </p:cNvPr>
+          <p:cNvCxnSpPr>
+            <a:cxnSpLocks/>
+          </p:cNvCxnSpPr>
+          <p:nvPr/>
+        </p:nvCxnSpPr>
+        <p:spPr>
+          <a:xfrm flipH="1">
+            <a:off x="4644009" y="4653136"/>
+            <a:ext cx="1296144" cy="648072"/>
+          </a:xfrm>
+          <a:prstGeom prst="straightConnector1">
+            <a:avLst/>
+          </a:prstGeom>
+          <a:ln>
+            <a:solidFill>
+              <a:schemeClr val="tx1"/>
+            </a:solidFill>
+            <a:headEnd type="none" w="med" len="med"/>
+            <a:tailEnd type="triangle"/>
+          </a:ln>
+        </p:spPr>
+        <p:style>
+          <a:lnRef idx="1">
+            <a:schemeClr val="accent1"/>
+          </a:lnRef>
+          <a:fillRef idx="0">
+            <a:schemeClr val="accent1"/>
+          </a:fillRef>
+          <a:effectRef idx="0">
+            <a:schemeClr val="accent1"/>
+          </a:effectRef>
+          <a:fontRef idx="minor">
+            <a:schemeClr val="tx1"/>
+          </a:fontRef>
+        </p:style>
+      </p:cxnSp>
+      <p:sp>
+        <p:nvSpPr>
+          <p:cNvPr id="14" name="テキスト ボックス 13">
+            <a:extLst>
+              <a:ext uri="{FF2B5EF4-FFF2-40B4-BE49-F238E27FC236}">
+                <a16:creationId xmlns:a16="http://schemas.microsoft.com/office/drawing/2014/main" id="{B80BDCCA-C63A-43C2-4096-2529C4F7D900}"/>
+              </a:ext>
+            </a:extLst>
+          </p:cNvPr>
+          <p:cNvSpPr txBox="1"/>
+          <p:nvPr/>
+        </p:nvSpPr>
+        <p:spPr>
+          <a:xfrm>
+            <a:off x="6084169" y="4149080"/>
+            <a:ext cx="2492990" cy="646331"/>
+          </a:xfrm>
+          <a:prstGeom prst="rect">
+            <a:avLst/>
+          </a:prstGeom>
+          <a:noFill/>
+        </p:spPr>
+        <p:txBody>
+          <a:bodyPr wrap="none" rtlCol="0">
+            <a:spAutoFit/>
+          </a:bodyPr>
+          <a:lstStyle/>
+          <a:p>
+            <a:r>
+              <a:rPr kumimoji="1" lang="ja-JP" altLang="en-US">
+                <a:solidFill>
+                  <a:srgbClr val="FF0000"/>
+                </a:solidFill>
+              </a:rPr>
+              <a:t>自分が「知らない」と</a:t>
+            </a:r>
+            <a:endParaRPr kumimoji="1" lang="en-US" altLang="ja-JP">
+              <a:solidFill>
+                <a:srgbClr val="FF0000"/>
+              </a:solidFill>
+            </a:endParaRPr>
+          </a:p>
+          <a:p>
+            <a:r>
+              <a:rPr lang="ja-JP" altLang="en-US">
+                <a:solidFill>
+                  <a:srgbClr val="FF0000"/>
+                </a:solidFill>
+              </a:rPr>
+              <a:t>予想できる領域</a:t>
+            </a:r>
+            <a:endParaRPr kumimoji="1" lang="ja-JP" altLang="en-US">
+              <a:solidFill>
+                <a:srgbClr val="FF0000"/>
+              </a:solidFill>
+            </a:endParaRPr>
+          </a:p>
+        </p:txBody>
+      </p:sp>
+    </p:spTree>
+    <p:extLst>
+      <p:ext uri="{BB962C8B-B14F-4D97-AF65-F5344CB8AC3E}">
+        <p14:creationId xmlns:p14="http://schemas.microsoft.com/office/powerpoint/2010/main" val="2262928"/>
       </p:ext>
     </p:extLst>
   </p:cSld>
@@ -25829,6 +29784,2533 @@
     <p:extLst>
       <p:ext uri="{BB962C8B-B14F-4D97-AF65-F5344CB8AC3E}">
         <p14:creationId xmlns:p14="http://schemas.microsoft.com/office/powerpoint/2010/main" val="4123718427"/>
+      </p:ext>
+    </p:extLst>
+  </p:cSld>
+  <p:clrMapOvr>
+    <a:masterClrMapping/>
+  </p:clrMapOvr>
+</p:sld>
+</file>
+
+<file path=ppt/slides/slide40.xml><?xml version="1.0" encoding="utf-8"?>
+<p:sld xmlns:a="http://schemas.openxmlformats.org/drawingml/2006/main" xmlns:r="http://schemas.openxmlformats.org/officeDocument/2006/relationships" xmlns:p="http://schemas.openxmlformats.org/presentationml/2006/main">
+  <p:cSld>
+    <p:spTree>
+      <p:nvGrpSpPr>
+        <p:cNvPr id="1" name=""/>
+        <p:cNvGrpSpPr/>
+        <p:nvPr/>
+      </p:nvGrpSpPr>
+      <p:grpSpPr>
+        <a:xfrm>
+          <a:off x="0" y="0"/>
+          <a:ext cx="0" cy="0"/>
+          <a:chOff x="0" y="0"/>
+          <a:chExt cx="0" cy="0"/>
+        </a:xfrm>
+      </p:grpSpPr>
+      <p:sp>
+        <p:nvSpPr>
+          <p:cNvPr id="2" name="テキスト プレースホルダー 1">
+            <a:extLst>
+              <a:ext uri="{FF2B5EF4-FFF2-40B4-BE49-F238E27FC236}">
+                <a16:creationId xmlns:a16="http://schemas.microsoft.com/office/drawing/2014/main" id="{D04B704E-BE14-1644-EFB7-EBE803F1426A}"/>
+              </a:ext>
+            </a:extLst>
+          </p:cNvPr>
+          <p:cNvSpPr>
+            <a:spLocks noGrp="1"/>
+          </p:cNvSpPr>
+          <p:nvPr>
+            <p:ph type="body" sz="quarter" idx="10"/>
+          </p:nvPr>
+        </p:nvSpPr>
+        <p:spPr/>
+        <p:txBody>
+          <a:bodyPr/>
+          <a:lstStyle/>
+          <a:p>
+            <a:r>
+              <a:rPr kumimoji="1" lang="ja-JP" altLang="en-US"/>
+              <a:t>密度ー温度相図</a:t>
+            </a:r>
+          </a:p>
+        </p:txBody>
+      </p:sp>
+      <p:cxnSp>
+        <p:nvCxnSpPr>
+          <p:cNvPr id="3" name="直線矢印コネクタ 2">
+            <a:extLst>
+              <a:ext uri="{FF2B5EF4-FFF2-40B4-BE49-F238E27FC236}">
+                <a16:creationId xmlns:a16="http://schemas.microsoft.com/office/drawing/2014/main" id="{436CAB39-D6E9-D4D3-5D78-E55A44DCE292}"/>
+              </a:ext>
+            </a:extLst>
+          </p:cNvPr>
+          <p:cNvCxnSpPr/>
+          <p:nvPr/>
+        </p:nvCxnSpPr>
+        <p:spPr>
+          <a:xfrm flipV="1">
+            <a:off x="323528" y="2492896"/>
+            <a:ext cx="0" cy="3672408"/>
+          </a:xfrm>
+          <a:prstGeom prst="straightConnector1">
+            <a:avLst/>
+          </a:prstGeom>
+          <a:ln>
+            <a:solidFill>
+              <a:schemeClr val="tx1"/>
+            </a:solidFill>
+            <a:headEnd type="none" w="med" len="med"/>
+            <a:tailEnd type="triangle"/>
+          </a:ln>
+        </p:spPr>
+        <p:style>
+          <a:lnRef idx="1">
+            <a:schemeClr val="accent1"/>
+          </a:lnRef>
+          <a:fillRef idx="0">
+            <a:schemeClr val="accent1"/>
+          </a:fillRef>
+          <a:effectRef idx="0">
+            <a:schemeClr val="accent1"/>
+          </a:effectRef>
+          <a:fontRef idx="minor">
+            <a:schemeClr val="tx1"/>
+          </a:fontRef>
+        </p:style>
+      </p:cxnSp>
+      <p:cxnSp>
+        <p:nvCxnSpPr>
+          <p:cNvPr id="4" name="直線矢印コネクタ 3">
+            <a:extLst>
+              <a:ext uri="{FF2B5EF4-FFF2-40B4-BE49-F238E27FC236}">
+                <a16:creationId xmlns:a16="http://schemas.microsoft.com/office/drawing/2014/main" id="{A3217719-3AF4-7A08-866F-1C2F0FF11E80}"/>
+              </a:ext>
+            </a:extLst>
+          </p:cNvPr>
+          <p:cNvCxnSpPr>
+            <a:cxnSpLocks/>
+          </p:cNvCxnSpPr>
+          <p:nvPr/>
+        </p:nvCxnSpPr>
+        <p:spPr>
+          <a:xfrm>
+            <a:off x="35496" y="5877272"/>
+            <a:ext cx="3960440" cy="0"/>
+          </a:xfrm>
+          <a:prstGeom prst="straightConnector1">
+            <a:avLst/>
+          </a:prstGeom>
+          <a:ln>
+            <a:solidFill>
+              <a:schemeClr val="tx1"/>
+            </a:solidFill>
+            <a:headEnd type="none" w="med" len="med"/>
+            <a:tailEnd type="triangle"/>
+          </a:ln>
+        </p:spPr>
+        <p:style>
+          <a:lnRef idx="1">
+            <a:schemeClr val="accent1"/>
+          </a:lnRef>
+          <a:fillRef idx="0">
+            <a:schemeClr val="accent1"/>
+          </a:fillRef>
+          <a:effectRef idx="0">
+            <a:schemeClr val="accent1"/>
+          </a:effectRef>
+          <a:fontRef idx="minor">
+            <a:schemeClr val="tx1"/>
+          </a:fontRef>
+        </p:style>
+      </p:cxnSp>
+      <p:sp>
+        <p:nvSpPr>
+          <p:cNvPr id="5" name="フリーフォーム: 図形 4">
+            <a:extLst>
+              <a:ext uri="{FF2B5EF4-FFF2-40B4-BE49-F238E27FC236}">
+                <a16:creationId xmlns:a16="http://schemas.microsoft.com/office/drawing/2014/main" id="{489A5CBD-89FE-DA70-815A-EF509C8E7269}"/>
+              </a:ext>
+            </a:extLst>
+          </p:cNvPr>
+          <p:cNvSpPr/>
+          <p:nvPr/>
+        </p:nvSpPr>
+        <p:spPr>
+          <a:xfrm>
+            <a:off x="330019" y="4293096"/>
+            <a:ext cx="1937725" cy="1584176"/>
+          </a:xfrm>
+          <a:custGeom>
+            <a:avLst/>
+            <a:gdLst>
+              <a:gd name="connsiteX0" fmla="*/ 0 w 2429692"/>
+              <a:gd name="connsiteY0" fmla="*/ 1915885 h 1915885"/>
+              <a:gd name="connsiteX1" fmla="*/ 1706880 w 2429692"/>
+              <a:gd name="connsiteY1" fmla="*/ 975360 h 1915885"/>
+              <a:gd name="connsiteX2" fmla="*/ 2429692 w 2429692"/>
+              <a:gd name="connsiteY2" fmla="*/ 0 h 1915885"/>
+            </a:gdLst>
+            <a:ahLst/>
+            <a:cxnLst>
+              <a:cxn ang="0">
+                <a:pos x="connsiteX0" y="connsiteY0"/>
+              </a:cxn>
+              <a:cxn ang="0">
+                <a:pos x="connsiteX1" y="connsiteY1"/>
+              </a:cxn>
+              <a:cxn ang="0">
+                <a:pos x="connsiteX2" y="connsiteY2"/>
+              </a:cxn>
+            </a:cxnLst>
+            <a:rect l="l" t="t" r="r" b="b"/>
+            <a:pathLst>
+              <a:path w="2429692" h="1915885">
+                <a:moveTo>
+                  <a:pt x="0" y="1915885"/>
+                </a:moveTo>
+                <a:cubicBezTo>
+                  <a:pt x="650965" y="1605279"/>
+                  <a:pt x="1301931" y="1294674"/>
+                  <a:pt x="1706880" y="975360"/>
+                </a:cubicBezTo>
+                <a:cubicBezTo>
+                  <a:pt x="2111829" y="656046"/>
+                  <a:pt x="2270760" y="328023"/>
+                  <a:pt x="2429692" y="0"/>
+                </a:cubicBezTo>
+              </a:path>
+            </a:pathLst>
+          </a:custGeom>
+          <a:noFill/>
+          <a:ln>
+            <a:solidFill>
+              <a:schemeClr val="tx1"/>
+            </a:solidFill>
+          </a:ln>
+        </p:spPr>
+        <p:style>
+          <a:lnRef idx="2">
+            <a:schemeClr val="accent1">
+              <a:shade val="50000"/>
+            </a:schemeClr>
+          </a:lnRef>
+          <a:fillRef idx="1">
+            <a:schemeClr val="accent1"/>
+          </a:fillRef>
+          <a:effectRef idx="0">
+            <a:schemeClr val="accent1"/>
+          </a:effectRef>
+          <a:fontRef idx="minor">
+            <a:schemeClr val="lt1"/>
+          </a:fontRef>
+        </p:style>
+        <p:txBody>
+          <a:bodyPr rtlCol="0" anchor="ctr"/>
+          <a:lstStyle/>
+          <a:p>
+            <a:pPr algn="ctr"/>
+            <a:endParaRPr kumimoji="1" lang="ja-JP" altLang="en-US"/>
+          </a:p>
+        </p:txBody>
+      </p:sp>
+      <p:cxnSp>
+        <p:nvCxnSpPr>
+          <p:cNvPr id="6" name="直線コネクタ 5">
+            <a:extLst>
+              <a:ext uri="{FF2B5EF4-FFF2-40B4-BE49-F238E27FC236}">
+                <a16:creationId xmlns:a16="http://schemas.microsoft.com/office/drawing/2014/main" id="{B91E623B-20A9-F406-D1E5-5DBCDB2DABF8}"/>
+              </a:ext>
+            </a:extLst>
+          </p:cNvPr>
+          <p:cNvCxnSpPr>
+            <a:cxnSpLocks/>
+          </p:cNvCxnSpPr>
+          <p:nvPr/>
+        </p:nvCxnSpPr>
+        <p:spPr>
+          <a:xfrm flipH="1" flipV="1">
+            <a:off x="1043608" y="2564904"/>
+            <a:ext cx="1224136" cy="1728192"/>
+          </a:xfrm>
+          <a:prstGeom prst="line">
+            <a:avLst/>
+          </a:prstGeom>
+          <a:ln>
+            <a:solidFill>
+              <a:schemeClr val="tx1"/>
+            </a:solidFill>
+            <a:headEnd type="none" w="med" len="med"/>
+            <a:tailEnd type="none" w="med" len="med"/>
+          </a:ln>
+        </p:spPr>
+        <p:style>
+          <a:lnRef idx="1">
+            <a:schemeClr val="accent1"/>
+          </a:lnRef>
+          <a:fillRef idx="0">
+            <a:schemeClr val="accent1"/>
+          </a:fillRef>
+          <a:effectRef idx="0">
+            <a:schemeClr val="accent1"/>
+          </a:effectRef>
+          <a:fontRef idx="minor">
+            <a:schemeClr val="tx1"/>
+          </a:fontRef>
+        </p:style>
+      </p:cxnSp>
+      <p:sp>
+        <p:nvSpPr>
+          <p:cNvPr id="7" name="フリーフォーム: 図形 6">
+            <a:extLst>
+              <a:ext uri="{FF2B5EF4-FFF2-40B4-BE49-F238E27FC236}">
+                <a16:creationId xmlns:a16="http://schemas.microsoft.com/office/drawing/2014/main" id="{1BE37549-585F-52E7-28E8-811F422CB345}"/>
+              </a:ext>
+            </a:extLst>
+          </p:cNvPr>
+          <p:cNvSpPr/>
+          <p:nvPr/>
+        </p:nvSpPr>
+        <p:spPr>
+          <a:xfrm>
+            <a:off x="2263322" y="3080752"/>
+            <a:ext cx="1497875" cy="1219200"/>
+          </a:xfrm>
+          <a:custGeom>
+            <a:avLst/>
+            <a:gdLst>
+              <a:gd name="connsiteX0" fmla="*/ 0 w 1497875"/>
+              <a:gd name="connsiteY0" fmla="*/ 1219200 h 1219200"/>
+              <a:gd name="connsiteX1" fmla="*/ 1175657 w 1497875"/>
+              <a:gd name="connsiteY1" fmla="*/ 609600 h 1219200"/>
+              <a:gd name="connsiteX2" fmla="*/ 1497875 w 1497875"/>
+              <a:gd name="connsiteY2" fmla="*/ 0 h 1219200"/>
+            </a:gdLst>
+            <a:ahLst/>
+            <a:cxnLst>
+              <a:cxn ang="0">
+                <a:pos x="connsiteX0" y="connsiteY0"/>
+              </a:cxn>
+              <a:cxn ang="0">
+                <a:pos x="connsiteX1" y="connsiteY1"/>
+              </a:cxn>
+              <a:cxn ang="0">
+                <a:pos x="connsiteX2" y="connsiteY2"/>
+              </a:cxn>
+            </a:cxnLst>
+            <a:rect l="l" t="t" r="r" b="b"/>
+            <a:pathLst>
+              <a:path w="1497875" h="1219200">
+                <a:moveTo>
+                  <a:pt x="0" y="1219200"/>
+                </a:moveTo>
+                <a:cubicBezTo>
+                  <a:pt x="463005" y="1016000"/>
+                  <a:pt x="926011" y="812800"/>
+                  <a:pt x="1175657" y="609600"/>
+                </a:cubicBezTo>
+                <a:cubicBezTo>
+                  <a:pt x="1425303" y="406400"/>
+                  <a:pt x="1461589" y="203200"/>
+                  <a:pt x="1497875" y="0"/>
+                </a:cubicBezTo>
+              </a:path>
+            </a:pathLst>
+          </a:custGeom>
+          <a:noFill/>
+          <a:ln>
+            <a:solidFill>
+              <a:schemeClr val="tx1"/>
+            </a:solidFill>
+          </a:ln>
+        </p:spPr>
+        <p:style>
+          <a:lnRef idx="2">
+            <a:schemeClr val="accent1">
+              <a:shade val="50000"/>
+            </a:schemeClr>
+          </a:lnRef>
+          <a:fillRef idx="1">
+            <a:schemeClr val="accent1"/>
+          </a:fillRef>
+          <a:effectRef idx="0">
+            <a:schemeClr val="accent1"/>
+          </a:effectRef>
+          <a:fontRef idx="minor">
+            <a:schemeClr val="lt1"/>
+          </a:fontRef>
+        </p:style>
+        <p:txBody>
+          <a:bodyPr rtlCol="0" anchor="ctr"/>
+          <a:lstStyle/>
+          <a:p>
+            <a:pPr algn="ctr"/>
+            <a:endParaRPr kumimoji="1" lang="ja-JP" altLang="en-US"/>
+          </a:p>
+        </p:txBody>
+      </p:sp>
+      <p:sp>
+        <p:nvSpPr>
+          <p:cNvPr id="8" name="テキスト ボックス 7">
+            <a:extLst>
+              <a:ext uri="{FF2B5EF4-FFF2-40B4-BE49-F238E27FC236}">
+                <a16:creationId xmlns:a16="http://schemas.microsoft.com/office/drawing/2014/main" id="{76B51B57-7A4C-D62C-4F40-0A83667767C6}"/>
+              </a:ext>
+            </a:extLst>
+          </p:cNvPr>
+          <p:cNvSpPr txBox="1"/>
+          <p:nvPr/>
+        </p:nvSpPr>
+        <p:spPr>
+          <a:xfrm>
+            <a:off x="2843808" y="4941168"/>
+            <a:ext cx="646331" cy="369332"/>
+          </a:xfrm>
+          <a:prstGeom prst="rect">
+            <a:avLst/>
+          </a:prstGeom>
+          <a:noFill/>
+        </p:spPr>
+        <p:txBody>
+          <a:bodyPr wrap="none" rtlCol="0">
+            <a:spAutoFit/>
+          </a:bodyPr>
+          <a:lstStyle/>
+          <a:p>
+            <a:r>
+              <a:rPr lang="ja-JP" altLang="en-US"/>
+              <a:t>気体</a:t>
+            </a:r>
+            <a:endParaRPr kumimoji="1" lang="ja-JP" altLang="en-US"/>
+          </a:p>
+        </p:txBody>
+      </p:sp>
+      <p:sp>
+        <p:nvSpPr>
+          <p:cNvPr id="9" name="テキスト ボックス 8">
+            <a:extLst>
+              <a:ext uri="{FF2B5EF4-FFF2-40B4-BE49-F238E27FC236}">
+                <a16:creationId xmlns:a16="http://schemas.microsoft.com/office/drawing/2014/main" id="{16FC24FB-9CF9-ADCD-E670-1772183A6AD7}"/>
+              </a:ext>
+            </a:extLst>
+          </p:cNvPr>
+          <p:cNvSpPr txBox="1"/>
+          <p:nvPr/>
+        </p:nvSpPr>
+        <p:spPr>
+          <a:xfrm>
+            <a:off x="971600" y="4005064"/>
+            <a:ext cx="646331" cy="369332"/>
+          </a:xfrm>
+          <a:prstGeom prst="rect">
+            <a:avLst/>
+          </a:prstGeom>
+          <a:noFill/>
+        </p:spPr>
+        <p:txBody>
+          <a:bodyPr wrap="none" rtlCol="0">
+            <a:spAutoFit/>
+          </a:bodyPr>
+          <a:lstStyle/>
+          <a:p>
+            <a:r>
+              <a:rPr kumimoji="1" lang="ja-JP" altLang="en-US"/>
+              <a:t>固体</a:t>
+            </a:r>
+          </a:p>
+        </p:txBody>
+      </p:sp>
+      <p:sp>
+        <p:nvSpPr>
+          <p:cNvPr id="10" name="テキスト ボックス 9">
+            <a:extLst>
+              <a:ext uri="{FF2B5EF4-FFF2-40B4-BE49-F238E27FC236}">
+                <a16:creationId xmlns:a16="http://schemas.microsoft.com/office/drawing/2014/main" id="{B56D56D9-14B2-47EB-5D65-005E968C5A8C}"/>
+              </a:ext>
+            </a:extLst>
+          </p:cNvPr>
+          <p:cNvSpPr txBox="1"/>
+          <p:nvPr/>
+        </p:nvSpPr>
+        <p:spPr>
+          <a:xfrm>
+            <a:off x="2123728" y="3140968"/>
+            <a:ext cx="646331" cy="369332"/>
+          </a:xfrm>
+          <a:prstGeom prst="rect">
+            <a:avLst/>
+          </a:prstGeom>
+          <a:noFill/>
+        </p:spPr>
+        <p:txBody>
+          <a:bodyPr wrap="none" rtlCol="0">
+            <a:spAutoFit/>
+          </a:bodyPr>
+          <a:lstStyle/>
+          <a:p>
+            <a:r>
+              <a:rPr lang="ja-JP" altLang="en-US"/>
+              <a:t>液体</a:t>
+            </a:r>
+            <a:endParaRPr kumimoji="1" lang="ja-JP" altLang="en-US"/>
+          </a:p>
+        </p:txBody>
+      </p:sp>
+      <p:sp>
+        <p:nvSpPr>
+          <p:cNvPr id="11" name="テキスト ボックス 10">
+            <a:extLst>
+              <a:ext uri="{FF2B5EF4-FFF2-40B4-BE49-F238E27FC236}">
+                <a16:creationId xmlns:a16="http://schemas.microsoft.com/office/drawing/2014/main" id="{8097F8CD-7642-2A0F-9EE7-83F86B419685}"/>
+              </a:ext>
+            </a:extLst>
+          </p:cNvPr>
+          <p:cNvSpPr txBox="1"/>
+          <p:nvPr/>
+        </p:nvSpPr>
+        <p:spPr>
+          <a:xfrm>
+            <a:off x="35496" y="2060848"/>
+            <a:ext cx="646331" cy="369332"/>
+          </a:xfrm>
+          <a:prstGeom prst="rect">
+            <a:avLst/>
+          </a:prstGeom>
+          <a:noFill/>
+        </p:spPr>
+        <p:txBody>
+          <a:bodyPr wrap="none" rtlCol="0">
+            <a:spAutoFit/>
+          </a:bodyPr>
+          <a:lstStyle/>
+          <a:p>
+            <a:r>
+              <a:rPr kumimoji="1" lang="ja-JP" altLang="en-US"/>
+              <a:t>圧力</a:t>
+            </a:r>
+          </a:p>
+        </p:txBody>
+      </p:sp>
+      <p:sp>
+        <p:nvSpPr>
+          <p:cNvPr id="12" name="テキスト ボックス 11">
+            <a:extLst>
+              <a:ext uri="{FF2B5EF4-FFF2-40B4-BE49-F238E27FC236}">
+                <a16:creationId xmlns:a16="http://schemas.microsoft.com/office/drawing/2014/main" id="{A6DB9553-15C2-1A96-37C3-8DB6632CF1A8}"/>
+              </a:ext>
+            </a:extLst>
+          </p:cNvPr>
+          <p:cNvSpPr txBox="1"/>
+          <p:nvPr/>
+        </p:nvSpPr>
+        <p:spPr>
+          <a:xfrm>
+            <a:off x="4067944" y="5733256"/>
+            <a:ext cx="648072" cy="369332"/>
+          </a:xfrm>
+          <a:prstGeom prst="rect">
+            <a:avLst/>
+          </a:prstGeom>
+          <a:noFill/>
+        </p:spPr>
+        <p:txBody>
+          <a:bodyPr wrap="square" rtlCol="0">
+            <a:spAutoFit/>
+          </a:bodyPr>
+          <a:lstStyle/>
+          <a:p>
+            <a:r>
+              <a:rPr lang="ja-JP" altLang="en-US"/>
+              <a:t>温度</a:t>
+            </a:r>
+            <a:endParaRPr kumimoji="1" lang="ja-JP" altLang="en-US"/>
+          </a:p>
+        </p:txBody>
+      </p:sp>
+      <p:sp>
+        <p:nvSpPr>
+          <p:cNvPr id="13" name="楕円 12">
+            <a:extLst>
+              <a:ext uri="{FF2B5EF4-FFF2-40B4-BE49-F238E27FC236}">
+                <a16:creationId xmlns:a16="http://schemas.microsoft.com/office/drawing/2014/main" id="{44EE7A34-025B-A34F-B77F-2F00D35432CC}"/>
+              </a:ext>
+            </a:extLst>
+          </p:cNvPr>
+          <p:cNvSpPr/>
+          <p:nvPr/>
+        </p:nvSpPr>
+        <p:spPr>
+          <a:xfrm flipV="1">
+            <a:off x="2230572" y="4264633"/>
+            <a:ext cx="72008" cy="72008"/>
+          </a:xfrm>
+          <a:prstGeom prst="ellipse">
+            <a:avLst/>
+          </a:prstGeom>
+          <a:solidFill>
+            <a:srgbClr val="FF0000"/>
+          </a:solidFill>
+          <a:ln>
+            <a:solidFill>
+              <a:schemeClr val="tx1"/>
+            </a:solidFill>
+          </a:ln>
+        </p:spPr>
+        <p:style>
+          <a:lnRef idx="2">
+            <a:schemeClr val="accent1">
+              <a:shade val="50000"/>
+            </a:schemeClr>
+          </a:lnRef>
+          <a:fillRef idx="1">
+            <a:schemeClr val="accent1"/>
+          </a:fillRef>
+          <a:effectRef idx="0">
+            <a:schemeClr val="accent1"/>
+          </a:effectRef>
+          <a:fontRef idx="minor">
+            <a:schemeClr val="lt1"/>
+          </a:fontRef>
+        </p:style>
+        <p:txBody>
+          <a:bodyPr rtlCol="0" anchor="ctr"/>
+          <a:lstStyle/>
+          <a:p>
+            <a:pPr algn="ctr"/>
+            <a:endParaRPr kumimoji="1" lang="ja-JP" altLang="en-US"/>
+          </a:p>
+        </p:txBody>
+      </p:sp>
+      <p:sp>
+        <p:nvSpPr>
+          <p:cNvPr id="14" name="楕円 13">
+            <a:extLst>
+              <a:ext uri="{FF2B5EF4-FFF2-40B4-BE49-F238E27FC236}">
+                <a16:creationId xmlns:a16="http://schemas.microsoft.com/office/drawing/2014/main" id="{BCF12619-2A4E-9BDB-1F24-8D38663E588C}"/>
+              </a:ext>
+            </a:extLst>
+          </p:cNvPr>
+          <p:cNvSpPr/>
+          <p:nvPr/>
+        </p:nvSpPr>
+        <p:spPr>
+          <a:xfrm flipV="1">
+            <a:off x="3725322" y="3051542"/>
+            <a:ext cx="72008" cy="72008"/>
+          </a:xfrm>
+          <a:prstGeom prst="ellipse">
+            <a:avLst/>
+          </a:prstGeom>
+          <a:solidFill>
+            <a:srgbClr val="FF0000"/>
+          </a:solidFill>
+          <a:ln>
+            <a:solidFill>
+              <a:schemeClr val="tx1"/>
+            </a:solidFill>
+          </a:ln>
+        </p:spPr>
+        <p:style>
+          <a:lnRef idx="2">
+            <a:schemeClr val="accent1">
+              <a:shade val="50000"/>
+            </a:schemeClr>
+          </a:lnRef>
+          <a:fillRef idx="1">
+            <a:schemeClr val="accent1"/>
+          </a:fillRef>
+          <a:effectRef idx="0">
+            <a:schemeClr val="accent1"/>
+          </a:effectRef>
+          <a:fontRef idx="minor">
+            <a:schemeClr val="lt1"/>
+          </a:fontRef>
+        </p:style>
+        <p:txBody>
+          <a:bodyPr rtlCol="0" anchor="ctr"/>
+          <a:lstStyle/>
+          <a:p>
+            <a:pPr algn="ctr"/>
+            <a:endParaRPr kumimoji="1" lang="ja-JP" altLang="en-US"/>
+          </a:p>
+        </p:txBody>
+      </p:sp>
+      <p:cxnSp>
+        <p:nvCxnSpPr>
+          <p:cNvPr id="19" name="直線矢印コネクタ 18">
+            <a:extLst>
+              <a:ext uri="{FF2B5EF4-FFF2-40B4-BE49-F238E27FC236}">
+                <a16:creationId xmlns:a16="http://schemas.microsoft.com/office/drawing/2014/main" id="{7053A7B8-F72A-A3FD-0216-CACE5D616762}"/>
+              </a:ext>
+            </a:extLst>
+          </p:cNvPr>
+          <p:cNvCxnSpPr>
+            <a:cxnSpLocks/>
+          </p:cNvCxnSpPr>
+          <p:nvPr/>
+        </p:nvCxnSpPr>
+        <p:spPr>
+          <a:xfrm flipV="1">
+            <a:off x="5220072" y="2420888"/>
+            <a:ext cx="0" cy="3744416"/>
+          </a:xfrm>
+          <a:prstGeom prst="straightConnector1">
+            <a:avLst/>
+          </a:prstGeom>
+          <a:ln>
+            <a:solidFill>
+              <a:schemeClr val="tx1"/>
+            </a:solidFill>
+            <a:headEnd type="none" w="med" len="med"/>
+            <a:tailEnd type="triangle"/>
+          </a:ln>
+        </p:spPr>
+        <p:style>
+          <a:lnRef idx="1">
+            <a:schemeClr val="accent1"/>
+          </a:lnRef>
+          <a:fillRef idx="0">
+            <a:schemeClr val="accent1"/>
+          </a:fillRef>
+          <a:effectRef idx="0">
+            <a:schemeClr val="accent1"/>
+          </a:effectRef>
+          <a:fontRef idx="minor">
+            <a:schemeClr val="tx1"/>
+          </a:fontRef>
+        </p:style>
+      </p:cxnSp>
+      <p:cxnSp>
+        <p:nvCxnSpPr>
+          <p:cNvPr id="20" name="直線矢印コネクタ 19">
+            <a:extLst>
+              <a:ext uri="{FF2B5EF4-FFF2-40B4-BE49-F238E27FC236}">
+                <a16:creationId xmlns:a16="http://schemas.microsoft.com/office/drawing/2014/main" id="{93379EF4-EB8B-7ED8-F9EB-CF7319ECFBE1}"/>
+              </a:ext>
+            </a:extLst>
+          </p:cNvPr>
+          <p:cNvCxnSpPr>
+            <a:cxnSpLocks/>
+          </p:cNvCxnSpPr>
+          <p:nvPr/>
+        </p:nvCxnSpPr>
+        <p:spPr>
+          <a:xfrm>
+            <a:off x="4932040" y="5877272"/>
+            <a:ext cx="3456384" cy="0"/>
+          </a:xfrm>
+          <a:prstGeom prst="straightConnector1">
+            <a:avLst/>
+          </a:prstGeom>
+          <a:ln>
+            <a:solidFill>
+              <a:schemeClr val="tx1"/>
+            </a:solidFill>
+            <a:headEnd type="none" w="med" len="med"/>
+            <a:tailEnd type="triangle"/>
+          </a:ln>
+        </p:spPr>
+        <p:style>
+          <a:lnRef idx="1">
+            <a:schemeClr val="accent1"/>
+          </a:lnRef>
+          <a:fillRef idx="0">
+            <a:schemeClr val="accent1"/>
+          </a:fillRef>
+          <a:effectRef idx="0">
+            <a:schemeClr val="accent1"/>
+          </a:effectRef>
+          <a:fontRef idx="minor">
+            <a:schemeClr val="tx1"/>
+          </a:fontRef>
+        </p:style>
+      </p:cxnSp>
+      <p:sp>
+        <p:nvSpPr>
+          <p:cNvPr id="25" name="テキスト ボックス 24">
+            <a:extLst>
+              <a:ext uri="{FF2B5EF4-FFF2-40B4-BE49-F238E27FC236}">
+                <a16:creationId xmlns:a16="http://schemas.microsoft.com/office/drawing/2014/main" id="{C9C68C76-8FBD-ED5C-4621-785D276F6779}"/>
+              </a:ext>
+            </a:extLst>
+          </p:cNvPr>
+          <p:cNvSpPr txBox="1"/>
+          <p:nvPr/>
+        </p:nvSpPr>
+        <p:spPr>
+          <a:xfrm>
+            <a:off x="4932040" y="1988840"/>
+            <a:ext cx="646331" cy="369332"/>
+          </a:xfrm>
+          <a:prstGeom prst="rect">
+            <a:avLst/>
+          </a:prstGeom>
+          <a:noFill/>
+        </p:spPr>
+        <p:txBody>
+          <a:bodyPr wrap="none" rtlCol="0">
+            <a:spAutoFit/>
+          </a:bodyPr>
+          <a:lstStyle/>
+          <a:p>
+            <a:r>
+              <a:rPr lang="ja-JP" altLang="en-US"/>
+              <a:t>温度</a:t>
+            </a:r>
+            <a:endParaRPr kumimoji="1" lang="ja-JP" altLang="en-US"/>
+          </a:p>
+        </p:txBody>
+      </p:sp>
+      <p:sp>
+        <p:nvSpPr>
+          <p:cNvPr id="26" name="テキスト ボックス 25">
+            <a:extLst>
+              <a:ext uri="{FF2B5EF4-FFF2-40B4-BE49-F238E27FC236}">
+                <a16:creationId xmlns:a16="http://schemas.microsoft.com/office/drawing/2014/main" id="{0022E388-C4EE-6642-47F1-9E044EC88DC3}"/>
+              </a:ext>
+            </a:extLst>
+          </p:cNvPr>
+          <p:cNvSpPr txBox="1"/>
+          <p:nvPr/>
+        </p:nvSpPr>
+        <p:spPr>
+          <a:xfrm>
+            <a:off x="8436744" y="5661248"/>
+            <a:ext cx="648072" cy="369332"/>
+          </a:xfrm>
+          <a:prstGeom prst="rect">
+            <a:avLst/>
+          </a:prstGeom>
+          <a:noFill/>
+        </p:spPr>
+        <p:txBody>
+          <a:bodyPr wrap="square" rtlCol="0">
+            <a:spAutoFit/>
+          </a:bodyPr>
+          <a:lstStyle/>
+          <a:p>
+            <a:r>
+              <a:rPr kumimoji="1" lang="ja-JP" altLang="en-US"/>
+              <a:t>密度</a:t>
+            </a:r>
+          </a:p>
+        </p:txBody>
+      </p:sp>
+      <p:sp>
+        <p:nvSpPr>
+          <p:cNvPr id="27" name="フリーフォーム: 図形 26">
+            <a:extLst>
+              <a:ext uri="{FF2B5EF4-FFF2-40B4-BE49-F238E27FC236}">
+                <a16:creationId xmlns:a16="http://schemas.microsoft.com/office/drawing/2014/main" id="{D04F21BD-2918-7127-86F2-836040D92445}"/>
+              </a:ext>
+            </a:extLst>
+          </p:cNvPr>
+          <p:cNvSpPr/>
+          <p:nvPr/>
+        </p:nvSpPr>
+        <p:spPr>
+          <a:xfrm>
+            <a:off x="5231512" y="3093590"/>
+            <a:ext cx="2113280" cy="2792602"/>
+          </a:xfrm>
+          <a:custGeom>
+            <a:avLst/>
+            <a:gdLst>
+              <a:gd name="connsiteX0" fmla="*/ 0 w 2113280"/>
+              <a:gd name="connsiteY0" fmla="*/ 2792602 h 2792602"/>
+              <a:gd name="connsiteX1" fmla="*/ 1137920 w 2113280"/>
+              <a:gd name="connsiteY1" fmla="*/ 69722 h 2792602"/>
+              <a:gd name="connsiteX2" fmla="*/ 2113280 w 2113280"/>
+              <a:gd name="connsiteY2" fmla="*/ 1075562 h 2792602"/>
+            </a:gdLst>
+            <a:ahLst/>
+            <a:cxnLst>
+              <a:cxn ang="0">
+                <a:pos x="connsiteX0" y="connsiteY0"/>
+              </a:cxn>
+              <a:cxn ang="0">
+                <a:pos x="connsiteX1" y="connsiteY1"/>
+              </a:cxn>
+              <a:cxn ang="0">
+                <a:pos x="connsiteX2" y="connsiteY2"/>
+              </a:cxn>
+            </a:cxnLst>
+            <a:rect l="l" t="t" r="r" b="b"/>
+            <a:pathLst>
+              <a:path w="2113280" h="2792602">
+                <a:moveTo>
+                  <a:pt x="0" y="2792602"/>
+                </a:moveTo>
+                <a:cubicBezTo>
+                  <a:pt x="392853" y="1574248"/>
+                  <a:pt x="785707" y="355895"/>
+                  <a:pt x="1137920" y="69722"/>
+                </a:cubicBezTo>
+                <a:cubicBezTo>
+                  <a:pt x="1490133" y="-216451"/>
+                  <a:pt x="1801706" y="429555"/>
+                  <a:pt x="2113280" y="1075562"/>
+                </a:cubicBezTo>
+              </a:path>
+            </a:pathLst>
+          </a:custGeom>
+          <a:noFill/>
+          <a:ln>
+            <a:solidFill>
+              <a:schemeClr val="tx1"/>
+            </a:solidFill>
+          </a:ln>
+        </p:spPr>
+        <p:style>
+          <a:lnRef idx="2">
+            <a:schemeClr val="accent1">
+              <a:shade val="50000"/>
+            </a:schemeClr>
+          </a:lnRef>
+          <a:fillRef idx="1">
+            <a:schemeClr val="accent1"/>
+          </a:fillRef>
+          <a:effectRef idx="0">
+            <a:schemeClr val="accent1"/>
+          </a:effectRef>
+          <a:fontRef idx="minor">
+            <a:schemeClr val="lt1"/>
+          </a:fontRef>
+        </p:style>
+        <p:txBody>
+          <a:bodyPr rtlCol="0" anchor="ctr"/>
+          <a:lstStyle/>
+          <a:p>
+            <a:pPr algn="ctr"/>
+            <a:endParaRPr kumimoji="1" lang="ja-JP" altLang="en-US"/>
+          </a:p>
+        </p:txBody>
+      </p:sp>
+      <p:sp>
+        <p:nvSpPr>
+          <p:cNvPr id="28" name="フリーフォーム: 図形 27">
+            <a:extLst>
+              <a:ext uri="{FF2B5EF4-FFF2-40B4-BE49-F238E27FC236}">
+                <a16:creationId xmlns:a16="http://schemas.microsoft.com/office/drawing/2014/main" id="{11C878EF-92A6-000C-0C0C-0711D818D074}"/>
+              </a:ext>
+            </a:extLst>
+          </p:cNvPr>
+          <p:cNvSpPr/>
+          <p:nvPr/>
+        </p:nvSpPr>
+        <p:spPr>
+          <a:xfrm>
+            <a:off x="7334632" y="2279392"/>
+            <a:ext cx="802640" cy="1910080"/>
+          </a:xfrm>
+          <a:custGeom>
+            <a:avLst/>
+            <a:gdLst>
+              <a:gd name="connsiteX0" fmla="*/ 0 w 802640"/>
+              <a:gd name="connsiteY0" fmla="*/ 1910080 h 1910080"/>
+              <a:gd name="connsiteX1" fmla="*/ 609600 w 802640"/>
+              <a:gd name="connsiteY1" fmla="*/ 843280 h 1910080"/>
+              <a:gd name="connsiteX2" fmla="*/ 802640 w 802640"/>
+              <a:gd name="connsiteY2" fmla="*/ 0 h 1910080"/>
+            </a:gdLst>
+            <a:ahLst/>
+            <a:cxnLst>
+              <a:cxn ang="0">
+                <a:pos x="connsiteX0" y="connsiteY0"/>
+              </a:cxn>
+              <a:cxn ang="0">
+                <a:pos x="connsiteX1" y="connsiteY1"/>
+              </a:cxn>
+              <a:cxn ang="0">
+                <a:pos x="connsiteX2" y="connsiteY2"/>
+              </a:cxn>
+            </a:cxnLst>
+            <a:rect l="l" t="t" r="r" b="b"/>
+            <a:pathLst>
+              <a:path w="802640" h="1910080">
+                <a:moveTo>
+                  <a:pt x="0" y="1910080"/>
+                </a:moveTo>
+                <a:cubicBezTo>
+                  <a:pt x="237913" y="1535853"/>
+                  <a:pt x="475827" y="1161627"/>
+                  <a:pt x="609600" y="843280"/>
+                </a:cubicBezTo>
+                <a:cubicBezTo>
+                  <a:pt x="743373" y="524933"/>
+                  <a:pt x="773006" y="262466"/>
+                  <a:pt x="802640" y="0"/>
+                </a:cubicBezTo>
+              </a:path>
+            </a:pathLst>
+          </a:custGeom>
+          <a:noFill/>
+          <a:ln>
+            <a:solidFill>
+              <a:schemeClr val="tx1"/>
+            </a:solidFill>
+          </a:ln>
+        </p:spPr>
+        <p:style>
+          <a:lnRef idx="2">
+            <a:schemeClr val="accent1">
+              <a:shade val="50000"/>
+            </a:schemeClr>
+          </a:lnRef>
+          <a:fillRef idx="1">
+            <a:schemeClr val="accent1"/>
+          </a:fillRef>
+          <a:effectRef idx="0">
+            <a:schemeClr val="accent1"/>
+          </a:effectRef>
+          <a:fontRef idx="minor">
+            <a:schemeClr val="lt1"/>
+          </a:fontRef>
+        </p:style>
+        <p:txBody>
+          <a:bodyPr rtlCol="0" anchor="ctr"/>
+          <a:lstStyle/>
+          <a:p>
+            <a:pPr algn="ctr"/>
+            <a:endParaRPr kumimoji="1" lang="ja-JP" altLang="en-US"/>
+          </a:p>
+        </p:txBody>
+      </p:sp>
+      <p:sp>
+        <p:nvSpPr>
+          <p:cNvPr id="29" name="フリーフォーム: 図形 28">
+            <a:extLst>
+              <a:ext uri="{FF2B5EF4-FFF2-40B4-BE49-F238E27FC236}">
+                <a16:creationId xmlns:a16="http://schemas.microsoft.com/office/drawing/2014/main" id="{FD60FDCE-540C-D0EF-7EA8-188482810B7F}"/>
+              </a:ext>
+            </a:extLst>
+          </p:cNvPr>
+          <p:cNvSpPr/>
+          <p:nvPr/>
+        </p:nvSpPr>
+        <p:spPr>
+          <a:xfrm>
+            <a:off x="7649592" y="2330192"/>
+            <a:ext cx="965200" cy="3556000"/>
+          </a:xfrm>
+          <a:custGeom>
+            <a:avLst/>
+            <a:gdLst>
+              <a:gd name="connsiteX0" fmla="*/ 0 w 965200"/>
+              <a:gd name="connsiteY0" fmla="*/ 3556000 h 3556000"/>
+              <a:gd name="connsiteX1" fmla="*/ 802640 w 965200"/>
+              <a:gd name="connsiteY1" fmla="*/ 1005840 h 3556000"/>
+              <a:gd name="connsiteX2" fmla="*/ 965200 w 965200"/>
+              <a:gd name="connsiteY2" fmla="*/ 0 h 3556000"/>
+            </a:gdLst>
+            <a:ahLst/>
+            <a:cxnLst>
+              <a:cxn ang="0">
+                <a:pos x="connsiteX0" y="connsiteY0"/>
+              </a:cxn>
+              <a:cxn ang="0">
+                <a:pos x="connsiteX1" y="connsiteY1"/>
+              </a:cxn>
+              <a:cxn ang="0">
+                <a:pos x="connsiteX2" y="connsiteY2"/>
+              </a:cxn>
+            </a:cxnLst>
+            <a:rect l="l" t="t" r="r" b="b"/>
+            <a:pathLst>
+              <a:path w="965200" h="3556000">
+                <a:moveTo>
+                  <a:pt x="0" y="3556000"/>
+                </a:moveTo>
+                <a:cubicBezTo>
+                  <a:pt x="320886" y="2577253"/>
+                  <a:pt x="641773" y="1598507"/>
+                  <a:pt x="802640" y="1005840"/>
+                </a:cubicBezTo>
+                <a:cubicBezTo>
+                  <a:pt x="963507" y="413173"/>
+                  <a:pt x="964353" y="206586"/>
+                  <a:pt x="965200" y="0"/>
+                </a:cubicBezTo>
+              </a:path>
+            </a:pathLst>
+          </a:custGeom>
+          <a:noFill/>
+          <a:ln>
+            <a:solidFill>
+              <a:schemeClr val="tx1"/>
+            </a:solidFill>
+          </a:ln>
+        </p:spPr>
+        <p:style>
+          <a:lnRef idx="2">
+            <a:schemeClr val="accent1">
+              <a:shade val="50000"/>
+            </a:schemeClr>
+          </a:lnRef>
+          <a:fillRef idx="1">
+            <a:schemeClr val="accent1"/>
+          </a:fillRef>
+          <a:effectRef idx="0">
+            <a:schemeClr val="accent1"/>
+          </a:effectRef>
+          <a:fontRef idx="minor">
+            <a:schemeClr val="lt1"/>
+          </a:fontRef>
+        </p:style>
+        <p:txBody>
+          <a:bodyPr rtlCol="0" anchor="ctr"/>
+          <a:lstStyle/>
+          <a:p>
+            <a:pPr algn="ctr"/>
+            <a:endParaRPr kumimoji="1" lang="ja-JP" altLang="en-US"/>
+          </a:p>
+        </p:txBody>
+      </p:sp>
+      <p:sp>
+        <p:nvSpPr>
+          <p:cNvPr id="30" name="テキスト ボックス 29">
+            <a:extLst>
+              <a:ext uri="{FF2B5EF4-FFF2-40B4-BE49-F238E27FC236}">
+                <a16:creationId xmlns:a16="http://schemas.microsoft.com/office/drawing/2014/main" id="{4A47377B-BE2E-986B-A217-A6CACD11BF85}"/>
+              </a:ext>
+            </a:extLst>
+          </p:cNvPr>
+          <p:cNvSpPr txBox="1"/>
+          <p:nvPr/>
+        </p:nvSpPr>
+        <p:spPr>
+          <a:xfrm>
+            <a:off x="5292080" y="3356992"/>
+            <a:ext cx="646331" cy="369332"/>
+          </a:xfrm>
+          <a:prstGeom prst="rect">
+            <a:avLst/>
+          </a:prstGeom>
+          <a:noFill/>
+        </p:spPr>
+        <p:txBody>
+          <a:bodyPr wrap="none" rtlCol="0">
+            <a:spAutoFit/>
+          </a:bodyPr>
+          <a:lstStyle/>
+          <a:p>
+            <a:r>
+              <a:rPr kumimoji="1" lang="ja-JP" altLang="en-US"/>
+              <a:t>気体</a:t>
+            </a:r>
+          </a:p>
+        </p:txBody>
+      </p:sp>
+      <p:sp>
+        <p:nvSpPr>
+          <p:cNvPr id="31" name="テキスト ボックス 30">
+            <a:extLst>
+              <a:ext uri="{FF2B5EF4-FFF2-40B4-BE49-F238E27FC236}">
+                <a16:creationId xmlns:a16="http://schemas.microsoft.com/office/drawing/2014/main" id="{7D823DB1-2EA7-9253-8FD8-3D916C9C00F7}"/>
+              </a:ext>
+            </a:extLst>
+          </p:cNvPr>
+          <p:cNvSpPr txBox="1"/>
+          <p:nvPr/>
+        </p:nvSpPr>
+        <p:spPr>
+          <a:xfrm>
+            <a:off x="7022013" y="3284984"/>
+            <a:ext cx="646331" cy="369332"/>
+          </a:xfrm>
+          <a:prstGeom prst="rect">
+            <a:avLst/>
+          </a:prstGeom>
+          <a:noFill/>
+        </p:spPr>
+        <p:txBody>
+          <a:bodyPr wrap="none" rtlCol="0">
+            <a:spAutoFit/>
+          </a:bodyPr>
+          <a:lstStyle/>
+          <a:p>
+            <a:r>
+              <a:rPr lang="ja-JP" altLang="en-US"/>
+              <a:t>液体</a:t>
+            </a:r>
+            <a:endParaRPr kumimoji="1" lang="ja-JP" altLang="en-US"/>
+          </a:p>
+        </p:txBody>
+      </p:sp>
+      <p:sp>
+        <p:nvSpPr>
+          <p:cNvPr id="32" name="テキスト ボックス 31">
+            <a:extLst>
+              <a:ext uri="{FF2B5EF4-FFF2-40B4-BE49-F238E27FC236}">
+                <a16:creationId xmlns:a16="http://schemas.microsoft.com/office/drawing/2014/main" id="{9A3926E6-AD7B-945A-9BB2-8685B4655188}"/>
+              </a:ext>
+            </a:extLst>
+          </p:cNvPr>
+          <p:cNvSpPr txBox="1"/>
+          <p:nvPr/>
+        </p:nvSpPr>
+        <p:spPr>
+          <a:xfrm>
+            <a:off x="5868144" y="2564904"/>
+            <a:ext cx="1338828" cy="369332"/>
+          </a:xfrm>
+          <a:prstGeom prst="rect">
+            <a:avLst/>
+          </a:prstGeom>
+          <a:noFill/>
+        </p:spPr>
+        <p:txBody>
+          <a:bodyPr wrap="none" rtlCol="0">
+            <a:spAutoFit/>
+          </a:bodyPr>
+          <a:lstStyle/>
+          <a:p>
+            <a:r>
+              <a:rPr kumimoji="1" lang="ja-JP" altLang="en-US"/>
+              <a:t>超臨界流体</a:t>
+            </a:r>
+          </a:p>
+        </p:txBody>
+      </p:sp>
+      <p:sp>
+        <p:nvSpPr>
+          <p:cNvPr id="33" name="テキスト ボックス 32">
+            <a:extLst>
+              <a:ext uri="{FF2B5EF4-FFF2-40B4-BE49-F238E27FC236}">
+                <a16:creationId xmlns:a16="http://schemas.microsoft.com/office/drawing/2014/main" id="{7521A2A3-70F4-5AF6-4E60-330EA9402182}"/>
+              </a:ext>
+            </a:extLst>
+          </p:cNvPr>
+          <p:cNvSpPr txBox="1"/>
+          <p:nvPr/>
+        </p:nvSpPr>
+        <p:spPr>
+          <a:xfrm>
+            <a:off x="6012160" y="3717032"/>
+            <a:ext cx="1107996" cy="369332"/>
+          </a:xfrm>
+          <a:prstGeom prst="rect">
+            <a:avLst/>
+          </a:prstGeom>
+          <a:noFill/>
+        </p:spPr>
+        <p:txBody>
+          <a:bodyPr wrap="none" rtlCol="0">
+            <a:spAutoFit/>
+          </a:bodyPr>
+          <a:lstStyle/>
+          <a:p>
+            <a:r>
+              <a:rPr kumimoji="1" lang="ja-JP" altLang="en-US"/>
+              <a:t>気液共存</a:t>
+            </a:r>
+          </a:p>
+        </p:txBody>
+      </p:sp>
+      <p:sp>
+        <p:nvSpPr>
+          <p:cNvPr id="34" name="テキスト ボックス 33">
+            <a:extLst>
+              <a:ext uri="{FF2B5EF4-FFF2-40B4-BE49-F238E27FC236}">
+                <a16:creationId xmlns:a16="http://schemas.microsoft.com/office/drawing/2014/main" id="{C21C896A-175C-7657-73E0-A079AB89A225}"/>
+              </a:ext>
+            </a:extLst>
+          </p:cNvPr>
+          <p:cNvSpPr txBox="1"/>
+          <p:nvPr/>
+        </p:nvSpPr>
+        <p:spPr>
+          <a:xfrm>
+            <a:off x="8028384" y="5147900"/>
+            <a:ext cx="646331" cy="369332"/>
+          </a:xfrm>
+          <a:prstGeom prst="rect">
+            <a:avLst/>
+          </a:prstGeom>
+          <a:noFill/>
+        </p:spPr>
+        <p:txBody>
+          <a:bodyPr wrap="none" rtlCol="0">
+            <a:spAutoFit/>
+          </a:bodyPr>
+          <a:lstStyle/>
+          <a:p>
+            <a:r>
+              <a:rPr kumimoji="1" lang="ja-JP" altLang="en-US"/>
+              <a:t>固体</a:t>
+            </a:r>
+          </a:p>
+        </p:txBody>
+      </p:sp>
+      <p:sp>
+        <p:nvSpPr>
+          <p:cNvPr id="35" name="テキスト ボックス 34">
+            <a:extLst>
+              <a:ext uri="{FF2B5EF4-FFF2-40B4-BE49-F238E27FC236}">
+                <a16:creationId xmlns:a16="http://schemas.microsoft.com/office/drawing/2014/main" id="{EBCA44E8-00B2-A593-9888-A34DC130848A}"/>
+              </a:ext>
+            </a:extLst>
+          </p:cNvPr>
+          <p:cNvSpPr txBox="1"/>
+          <p:nvPr/>
+        </p:nvSpPr>
+        <p:spPr>
+          <a:xfrm>
+            <a:off x="7452320" y="4077072"/>
+            <a:ext cx="646331" cy="646331"/>
+          </a:xfrm>
+          <a:prstGeom prst="rect">
+            <a:avLst/>
+          </a:prstGeom>
+          <a:noFill/>
+        </p:spPr>
+        <p:txBody>
+          <a:bodyPr wrap="none" rtlCol="0">
+            <a:spAutoFit/>
+          </a:bodyPr>
+          <a:lstStyle/>
+          <a:p>
+            <a:r>
+              <a:rPr kumimoji="1" lang="ja-JP" altLang="en-US"/>
+              <a:t>固液</a:t>
+            </a:r>
+            <a:endParaRPr kumimoji="1" lang="en-US" altLang="ja-JP"/>
+          </a:p>
+          <a:p>
+            <a:r>
+              <a:rPr lang="ja-JP" altLang="en-US"/>
+              <a:t>共存</a:t>
+            </a:r>
+            <a:endParaRPr kumimoji="1" lang="ja-JP" altLang="en-US"/>
+          </a:p>
+        </p:txBody>
+      </p:sp>
+      <p:sp>
+        <p:nvSpPr>
+          <p:cNvPr id="36" name="テキスト ボックス 35">
+            <a:extLst>
+              <a:ext uri="{FF2B5EF4-FFF2-40B4-BE49-F238E27FC236}">
+                <a16:creationId xmlns:a16="http://schemas.microsoft.com/office/drawing/2014/main" id="{FB9404BE-5FE7-9B13-338E-9E7E2DCE783F}"/>
+              </a:ext>
+            </a:extLst>
+          </p:cNvPr>
+          <p:cNvSpPr txBox="1"/>
+          <p:nvPr/>
+        </p:nvSpPr>
+        <p:spPr>
+          <a:xfrm>
+            <a:off x="395536" y="1196752"/>
+            <a:ext cx="3656770" cy="523220"/>
+          </a:xfrm>
+          <a:prstGeom prst="rect">
+            <a:avLst/>
+          </a:prstGeom>
+          <a:noFill/>
+        </p:spPr>
+        <p:txBody>
+          <a:bodyPr wrap="none" rtlCol="0">
+            <a:spAutoFit/>
+          </a:bodyPr>
+          <a:lstStyle/>
+          <a:p>
+            <a:r>
+              <a:rPr kumimoji="1" lang="ja-JP" altLang="en-US" sz="2800"/>
+              <a:t>圧力ー温度相図</a:t>
+            </a:r>
+            <a:r>
+              <a:rPr kumimoji="1" lang="en-US" altLang="ja-JP" sz="2800"/>
+              <a:t>(NPT)</a:t>
+            </a:r>
+            <a:endParaRPr kumimoji="1" lang="ja-JP" altLang="en-US" sz="2800"/>
+          </a:p>
+        </p:txBody>
+      </p:sp>
+      <p:sp>
+        <p:nvSpPr>
+          <p:cNvPr id="37" name="テキスト ボックス 36">
+            <a:extLst>
+              <a:ext uri="{FF2B5EF4-FFF2-40B4-BE49-F238E27FC236}">
+                <a16:creationId xmlns:a16="http://schemas.microsoft.com/office/drawing/2014/main" id="{B27CEE91-02DD-89FC-391F-CCFE366BB25E}"/>
+              </a:ext>
+            </a:extLst>
+          </p:cNvPr>
+          <p:cNvSpPr txBox="1"/>
+          <p:nvPr/>
+        </p:nvSpPr>
+        <p:spPr>
+          <a:xfrm>
+            <a:off x="5019686" y="1177588"/>
+            <a:ext cx="3656770" cy="523220"/>
+          </a:xfrm>
+          <a:prstGeom prst="rect">
+            <a:avLst/>
+          </a:prstGeom>
+          <a:noFill/>
+        </p:spPr>
+        <p:txBody>
+          <a:bodyPr wrap="none" rtlCol="0">
+            <a:spAutoFit/>
+          </a:bodyPr>
+          <a:lstStyle/>
+          <a:p>
+            <a:r>
+              <a:rPr kumimoji="1" lang="ja-JP" altLang="en-US" sz="2800"/>
+              <a:t>密度ー温度相図</a:t>
+            </a:r>
+            <a:r>
+              <a:rPr kumimoji="1" lang="en-US" altLang="ja-JP" sz="2800"/>
+              <a:t>(NVT)</a:t>
+            </a:r>
+            <a:endParaRPr kumimoji="1" lang="ja-JP" altLang="en-US" sz="2800"/>
+          </a:p>
+        </p:txBody>
+      </p:sp>
+    </p:spTree>
+    <p:extLst>
+      <p:ext uri="{BB962C8B-B14F-4D97-AF65-F5344CB8AC3E}">
+        <p14:creationId xmlns:p14="http://schemas.microsoft.com/office/powerpoint/2010/main" val="2341188749"/>
+      </p:ext>
+    </p:extLst>
+  </p:cSld>
+  <p:clrMapOvr>
+    <a:masterClrMapping/>
+  </p:clrMapOvr>
+</p:sld>
+</file>
+
+<file path=ppt/slides/slide41.xml><?xml version="1.0" encoding="utf-8"?>
+<p:sld xmlns:a="http://schemas.openxmlformats.org/drawingml/2006/main" xmlns:r="http://schemas.openxmlformats.org/officeDocument/2006/relationships" xmlns:p="http://schemas.openxmlformats.org/presentationml/2006/main">
+  <p:cSld>
+    <p:spTree>
+      <p:nvGrpSpPr>
+        <p:cNvPr id="1" name=""/>
+        <p:cNvGrpSpPr/>
+        <p:nvPr/>
+      </p:nvGrpSpPr>
+      <p:grpSpPr>
+        <a:xfrm>
+          <a:off x="0" y="0"/>
+          <a:ext cx="0" cy="0"/>
+          <a:chOff x="0" y="0"/>
+          <a:chExt cx="0" cy="0"/>
+        </a:xfrm>
+      </p:grpSpPr>
+      <p:sp>
+        <p:nvSpPr>
+          <p:cNvPr id="2" name="テキスト プレースホルダー 1">
+            <a:extLst>
+              <a:ext uri="{FF2B5EF4-FFF2-40B4-BE49-F238E27FC236}">
+                <a16:creationId xmlns:a16="http://schemas.microsoft.com/office/drawing/2014/main" id="{21ECA46B-10CB-559C-8623-EBDDB72F5F22}"/>
+              </a:ext>
+            </a:extLst>
+          </p:cNvPr>
+          <p:cNvSpPr>
+            <a:spLocks noGrp="1"/>
+          </p:cNvSpPr>
+          <p:nvPr>
+            <p:ph type="body" sz="quarter" idx="10"/>
+          </p:nvPr>
+        </p:nvSpPr>
+        <p:spPr/>
+        <p:txBody>
+          <a:bodyPr/>
+          <a:lstStyle/>
+          <a:p>
+            <a:r>
+              <a:rPr kumimoji="1" lang="ja-JP" altLang="en-US"/>
+              <a:t>密度ー温度相図の見方</a:t>
+            </a:r>
+          </a:p>
+        </p:txBody>
+      </p:sp>
+      <p:sp>
+        <p:nvSpPr>
+          <p:cNvPr id="3" name="正方形/長方形 2">
+            <a:extLst>
+              <a:ext uri="{FF2B5EF4-FFF2-40B4-BE49-F238E27FC236}">
+                <a16:creationId xmlns:a16="http://schemas.microsoft.com/office/drawing/2014/main" id="{B920A505-B4BC-B3BF-2AC7-7A8F57AA7358}"/>
+              </a:ext>
+            </a:extLst>
+          </p:cNvPr>
+          <p:cNvSpPr/>
+          <p:nvPr/>
+        </p:nvSpPr>
+        <p:spPr>
+          <a:xfrm>
+            <a:off x="755576" y="2276872"/>
+            <a:ext cx="1440160" cy="1152128"/>
+          </a:xfrm>
+          <a:prstGeom prst="rect">
+            <a:avLst/>
+          </a:prstGeom>
+          <a:solidFill>
+            <a:schemeClr val="accent2">
+              <a:lumMod val="40000"/>
+              <a:lumOff val="60000"/>
+            </a:schemeClr>
+          </a:solidFill>
+          <a:ln>
+            <a:solidFill>
+              <a:schemeClr val="tx1"/>
+            </a:solidFill>
+          </a:ln>
+        </p:spPr>
+        <p:style>
+          <a:lnRef idx="2">
+            <a:schemeClr val="accent1">
+              <a:shade val="50000"/>
+            </a:schemeClr>
+          </a:lnRef>
+          <a:fillRef idx="1">
+            <a:schemeClr val="accent1"/>
+          </a:fillRef>
+          <a:effectRef idx="0">
+            <a:schemeClr val="accent1"/>
+          </a:effectRef>
+          <a:fontRef idx="minor">
+            <a:schemeClr val="lt1"/>
+          </a:fontRef>
+        </p:style>
+        <p:txBody>
+          <a:bodyPr rtlCol="0" anchor="ctr"/>
+          <a:lstStyle/>
+          <a:p>
+            <a:pPr algn="ctr"/>
+            <a:endParaRPr kumimoji="1" lang="ja-JP" altLang="en-US"/>
+          </a:p>
+        </p:txBody>
+      </p:sp>
+      <p:sp>
+        <p:nvSpPr>
+          <p:cNvPr id="4" name="正方形/長方形 3">
+            <a:extLst>
+              <a:ext uri="{FF2B5EF4-FFF2-40B4-BE49-F238E27FC236}">
+                <a16:creationId xmlns:a16="http://schemas.microsoft.com/office/drawing/2014/main" id="{17306B3B-AF2E-7F9E-5F67-A707FB0EE2A2}"/>
+              </a:ext>
+            </a:extLst>
+          </p:cNvPr>
+          <p:cNvSpPr/>
+          <p:nvPr/>
+        </p:nvSpPr>
+        <p:spPr>
+          <a:xfrm>
+            <a:off x="755576" y="2276872"/>
+            <a:ext cx="1440160" cy="2160240"/>
+          </a:xfrm>
+          <a:prstGeom prst="rect">
+            <a:avLst/>
+          </a:prstGeom>
+          <a:noFill/>
+          <a:ln w="38100">
+            <a:solidFill>
+              <a:schemeClr val="tx1"/>
+            </a:solidFill>
+          </a:ln>
+        </p:spPr>
+        <p:style>
+          <a:lnRef idx="2">
+            <a:schemeClr val="accent1">
+              <a:shade val="50000"/>
+            </a:schemeClr>
+          </a:lnRef>
+          <a:fillRef idx="1">
+            <a:schemeClr val="accent1"/>
+          </a:fillRef>
+          <a:effectRef idx="0">
+            <a:schemeClr val="accent1"/>
+          </a:effectRef>
+          <a:fontRef idx="minor">
+            <a:schemeClr val="lt1"/>
+          </a:fontRef>
+        </p:style>
+        <p:txBody>
+          <a:bodyPr rtlCol="0" anchor="ctr"/>
+          <a:lstStyle/>
+          <a:p>
+            <a:pPr algn="ctr"/>
+            <a:endParaRPr kumimoji="1" lang="ja-JP" altLang="en-US"/>
+          </a:p>
+        </p:txBody>
+      </p:sp>
+      <p:sp>
+        <p:nvSpPr>
+          <p:cNvPr id="5" name="正方形/長方形 4">
+            <a:extLst>
+              <a:ext uri="{FF2B5EF4-FFF2-40B4-BE49-F238E27FC236}">
+                <a16:creationId xmlns:a16="http://schemas.microsoft.com/office/drawing/2014/main" id="{6983EFE6-29C4-A5B0-E2EB-2ACF326378A0}"/>
+              </a:ext>
+            </a:extLst>
+          </p:cNvPr>
+          <p:cNvSpPr/>
+          <p:nvPr/>
+        </p:nvSpPr>
+        <p:spPr>
+          <a:xfrm>
+            <a:off x="755576" y="3429000"/>
+            <a:ext cx="1440160" cy="1008112"/>
+          </a:xfrm>
+          <a:prstGeom prst="rect">
+            <a:avLst/>
+          </a:prstGeom>
+          <a:solidFill>
+            <a:srgbClr val="011893"/>
+          </a:solidFill>
+          <a:ln>
+            <a:solidFill>
+              <a:schemeClr val="tx1"/>
+            </a:solidFill>
+          </a:ln>
+        </p:spPr>
+        <p:style>
+          <a:lnRef idx="2">
+            <a:schemeClr val="accent1">
+              <a:shade val="50000"/>
+            </a:schemeClr>
+          </a:lnRef>
+          <a:fillRef idx="1">
+            <a:schemeClr val="accent1"/>
+          </a:fillRef>
+          <a:effectRef idx="0">
+            <a:schemeClr val="accent1"/>
+          </a:effectRef>
+          <a:fontRef idx="minor">
+            <a:schemeClr val="lt1"/>
+          </a:fontRef>
+        </p:style>
+        <p:txBody>
+          <a:bodyPr rtlCol="0" anchor="ctr"/>
+          <a:lstStyle/>
+          <a:p>
+            <a:pPr algn="ctr"/>
+            <a:endParaRPr kumimoji="1" lang="ja-JP" altLang="en-US"/>
+          </a:p>
+        </p:txBody>
+      </p:sp>
+      <p:sp>
+        <p:nvSpPr>
+          <p:cNvPr id="6" name="テキスト ボックス 5">
+            <a:extLst>
+              <a:ext uri="{FF2B5EF4-FFF2-40B4-BE49-F238E27FC236}">
+                <a16:creationId xmlns:a16="http://schemas.microsoft.com/office/drawing/2014/main" id="{CE6955E4-483E-90D2-58AB-E91F1FD6DFE6}"/>
+              </a:ext>
+            </a:extLst>
+          </p:cNvPr>
+          <p:cNvSpPr txBox="1"/>
+          <p:nvPr/>
+        </p:nvSpPr>
+        <p:spPr>
+          <a:xfrm>
+            <a:off x="1259632" y="3717032"/>
+            <a:ext cx="415498" cy="369332"/>
+          </a:xfrm>
+          <a:prstGeom prst="rect">
+            <a:avLst/>
+          </a:prstGeom>
+          <a:solidFill>
+            <a:schemeClr val="bg1"/>
+          </a:solidFill>
+        </p:spPr>
+        <p:txBody>
+          <a:bodyPr wrap="none" rtlCol="0">
+            <a:spAutoFit/>
+          </a:bodyPr>
+          <a:lstStyle/>
+          <a:p>
+            <a:r>
+              <a:rPr kumimoji="1" lang="ja-JP" altLang="en-US"/>
+              <a:t>水</a:t>
+            </a:r>
+          </a:p>
+        </p:txBody>
+      </p:sp>
+      <p:sp>
+        <p:nvSpPr>
+          <p:cNvPr id="7" name="テキスト ボックス 6">
+            <a:extLst>
+              <a:ext uri="{FF2B5EF4-FFF2-40B4-BE49-F238E27FC236}">
+                <a16:creationId xmlns:a16="http://schemas.microsoft.com/office/drawing/2014/main" id="{63E16E29-62BF-9874-A928-0F289250954A}"/>
+              </a:ext>
+            </a:extLst>
+          </p:cNvPr>
+          <p:cNvSpPr txBox="1"/>
+          <p:nvPr/>
+        </p:nvSpPr>
+        <p:spPr>
+          <a:xfrm>
+            <a:off x="1043608" y="2636912"/>
+            <a:ext cx="877163" cy="369332"/>
+          </a:xfrm>
+          <a:prstGeom prst="rect">
+            <a:avLst/>
+          </a:prstGeom>
+          <a:noFill/>
+        </p:spPr>
+        <p:txBody>
+          <a:bodyPr wrap="none" rtlCol="0">
+            <a:spAutoFit/>
+          </a:bodyPr>
+          <a:lstStyle/>
+          <a:p>
+            <a:r>
+              <a:rPr kumimoji="1" lang="ja-JP" altLang="en-US"/>
+              <a:t>水蒸気</a:t>
+            </a:r>
+          </a:p>
+        </p:txBody>
+      </p:sp>
+      <p:cxnSp>
+        <p:nvCxnSpPr>
+          <p:cNvPr id="9" name="直線矢印コネクタ 8">
+            <a:extLst>
+              <a:ext uri="{FF2B5EF4-FFF2-40B4-BE49-F238E27FC236}">
+                <a16:creationId xmlns:a16="http://schemas.microsoft.com/office/drawing/2014/main" id="{3F191F91-5A40-FB7D-9FAE-2467CD0DA62B}"/>
+              </a:ext>
+            </a:extLst>
+          </p:cNvPr>
+          <p:cNvCxnSpPr/>
+          <p:nvPr/>
+        </p:nvCxnSpPr>
+        <p:spPr>
+          <a:xfrm flipV="1">
+            <a:off x="5292080" y="1556792"/>
+            <a:ext cx="0" cy="2736304"/>
+          </a:xfrm>
+          <a:prstGeom prst="straightConnector1">
+            <a:avLst/>
+          </a:prstGeom>
+          <a:ln>
+            <a:solidFill>
+              <a:schemeClr val="tx1"/>
+            </a:solidFill>
+            <a:headEnd type="none" w="med" len="med"/>
+            <a:tailEnd type="triangle"/>
+          </a:ln>
+        </p:spPr>
+        <p:style>
+          <a:lnRef idx="1">
+            <a:schemeClr val="accent1"/>
+          </a:lnRef>
+          <a:fillRef idx="0">
+            <a:schemeClr val="accent1"/>
+          </a:fillRef>
+          <a:effectRef idx="0">
+            <a:schemeClr val="accent1"/>
+          </a:effectRef>
+          <a:fontRef idx="minor">
+            <a:schemeClr val="tx1"/>
+          </a:fontRef>
+        </p:style>
+      </p:cxnSp>
+      <p:cxnSp>
+        <p:nvCxnSpPr>
+          <p:cNvPr id="11" name="直線矢印コネクタ 10">
+            <a:extLst>
+              <a:ext uri="{FF2B5EF4-FFF2-40B4-BE49-F238E27FC236}">
+                <a16:creationId xmlns:a16="http://schemas.microsoft.com/office/drawing/2014/main" id="{0CC8A26A-A94A-0B68-E956-E7541E04AAB4}"/>
+              </a:ext>
+            </a:extLst>
+          </p:cNvPr>
+          <p:cNvCxnSpPr/>
+          <p:nvPr/>
+        </p:nvCxnSpPr>
+        <p:spPr>
+          <a:xfrm>
+            <a:off x="5004048" y="4149080"/>
+            <a:ext cx="3240360" cy="0"/>
+          </a:xfrm>
+          <a:prstGeom prst="straightConnector1">
+            <a:avLst/>
+          </a:prstGeom>
+          <a:ln>
+            <a:solidFill>
+              <a:schemeClr val="tx1"/>
+            </a:solidFill>
+            <a:headEnd type="none" w="med" len="med"/>
+            <a:tailEnd type="triangle"/>
+          </a:ln>
+        </p:spPr>
+        <p:style>
+          <a:lnRef idx="1">
+            <a:schemeClr val="accent1"/>
+          </a:lnRef>
+          <a:fillRef idx="0">
+            <a:schemeClr val="accent1"/>
+          </a:fillRef>
+          <a:effectRef idx="0">
+            <a:schemeClr val="accent1"/>
+          </a:effectRef>
+          <a:fontRef idx="minor">
+            <a:schemeClr val="tx1"/>
+          </a:fontRef>
+        </p:style>
+      </p:cxnSp>
+      <p:sp>
+        <p:nvSpPr>
+          <p:cNvPr id="12" name="フリーフォーム: 図形 11">
+            <a:extLst>
+              <a:ext uri="{FF2B5EF4-FFF2-40B4-BE49-F238E27FC236}">
+                <a16:creationId xmlns:a16="http://schemas.microsoft.com/office/drawing/2014/main" id="{DC9CA964-E0F0-2C1E-4046-2CFDF94640E3}"/>
+              </a:ext>
+            </a:extLst>
+          </p:cNvPr>
+          <p:cNvSpPr/>
+          <p:nvPr/>
+        </p:nvSpPr>
+        <p:spPr>
+          <a:xfrm>
+            <a:off x="5283200" y="2178434"/>
+            <a:ext cx="2438400" cy="1987166"/>
+          </a:xfrm>
+          <a:custGeom>
+            <a:avLst/>
+            <a:gdLst>
+              <a:gd name="connsiteX0" fmla="*/ 0 w 2438400"/>
+              <a:gd name="connsiteY0" fmla="*/ 1987166 h 1987166"/>
+              <a:gd name="connsiteX1" fmla="*/ 1229360 w 2438400"/>
+              <a:gd name="connsiteY1" fmla="*/ 16126 h 1987166"/>
+              <a:gd name="connsiteX2" fmla="*/ 2438400 w 2438400"/>
+              <a:gd name="connsiteY2" fmla="*/ 1215006 h 1987166"/>
+            </a:gdLst>
+            <a:ahLst/>
+            <a:cxnLst>
+              <a:cxn ang="0">
+                <a:pos x="connsiteX0" y="connsiteY0"/>
+              </a:cxn>
+              <a:cxn ang="0">
+                <a:pos x="connsiteX1" y="connsiteY1"/>
+              </a:cxn>
+              <a:cxn ang="0">
+                <a:pos x="connsiteX2" y="connsiteY2"/>
+              </a:cxn>
+            </a:cxnLst>
+            <a:rect l="l" t="t" r="r" b="b"/>
+            <a:pathLst>
+              <a:path w="2438400" h="1987166">
+                <a:moveTo>
+                  <a:pt x="0" y="1987166"/>
+                </a:moveTo>
+                <a:cubicBezTo>
+                  <a:pt x="411480" y="1065992"/>
+                  <a:pt x="822960" y="144819"/>
+                  <a:pt x="1229360" y="16126"/>
+                </a:cubicBezTo>
+                <a:cubicBezTo>
+                  <a:pt x="1635760" y="-112567"/>
+                  <a:pt x="2037080" y="551219"/>
+                  <a:pt x="2438400" y="1215006"/>
+                </a:cubicBezTo>
+              </a:path>
+            </a:pathLst>
+          </a:custGeom>
+          <a:noFill/>
+          <a:ln>
+            <a:solidFill>
+              <a:schemeClr val="tx1"/>
+            </a:solidFill>
+          </a:ln>
+        </p:spPr>
+        <p:style>
+          <a:lnRef idx="2">
+            <a:schemeClr val="accent1">
+              <a:shade val="50000"/>
+            </a:schemeClr>
+          </a:lnRef>
+          <a:fillRef idx="1">
+            <a:schemeClr val="accent1"/>
+          </a:fillRef>
+          <a:effectRef idx="0">
+            <a:schemeClr val="accent1"/>
+          </a:effectRef>
+          <a:fontRef idx="minor">
+            <a:schemeClr val="lt1"/>
+          </a:fontRef>
+        </p:style>
+        <p:txBody>
+          <a:bodyPr rtlCol="0" anchor="ctr"/>
+          <a:lstStyle/>
+          <a:p>
+            <a:pPr algn="ctr"/>
+            <a:endParaRPr kumimoji="1" lang="ja-JP" altLang="en-US"/>
+          </a:p>
+        </p:txBody>
+      </p:sp>
+      <p:sp>
+        <p:nvSpPr>
+          <p:cNvPr id="13" name="テキスト ボックス 12">
+            <a:extLst>
+              <a:ext uri="{FF2B5EF4-FFF2-40B4-BE49-F238E27FC236}">
+                <a16:creationId xmlns:a16="http://schemas.microsoft.com/office/drawing/2014/main" id="{7362AD01-AEBC-F0FF-9E97-19ACE4B8FBD7}"/>
+              </a:ext>
+            </a:extLst>
+          </p:cNvPr>
+          <p:cNvSpPr txBox="1"/>
+          <p:nvPr/>
+        </p:nvSpPr>
+        <p:spPr>
+          <a:xfrm>
+            <a:off x="4932040" y="1196752"/>
+            <a:ext cx="646331" cy="369332"/>
+          </a:xfrm>
+          <a:prstGeom prst="rect">
+            <a:avLst/>
+          </a:prstGeom>
+          <a:noFill/>
+        </p:spPr>
+        <p:txBody>
+          <a:bodyPr wrap="none" rtlCol="0">
+            <a:spAutoFit/>
+          </a:bodyPr>
+          <a:lstStyle/>
+          <a:p>
+            <a:r>
+              <a:rPr kumimoji="1" lang="ja-JP" altLang="en-US"/>
+              <a:t>温度</a:t>
+            </a:r>
+          </a:p>
+        </p:txBody>
+      </p:sp>
+      <p:sp>
+        <p:nvSpPr>
+          <p:cNvPr id="14" name="テキスト ボックス 13">
+            <a:extLst>
+              <a:ext uri="{FF2B5EF4-FFF2-40B4-BE49-F238E27FC236}">
+                <a16:creationId xmlns:a16="http://schemas.microsoft.com/office/drawing/2014/main" id="{E87D4F59-A625-6649-753E-4DB7F7833095}"/>
+              </a:ext>
+            </a:extLst>
+          </p:cNvPr>
+          <p:cNvSpPr txBox="1"/>
+          <p:nvPr/>
+        </p:nvSpPr>
+        <p:spPr>
+          <a:xfrm>
+            <a:off x="8316416" y="3933056"/>
+            <a:ext cx="646331" cy="369332"/>
+          </a:xfrm>
+          <a:prstGeom prst="rect">
+            <a:avLst/>
+          </a:prstGeom>
+          <a:noFill/>
+        </p:spPr>
+        <p:txBody>
+          <a:bodyPr wrap="none" rtlCol="0">
+            <a:spAutoFit/>
+          </a:bodyPr>
+          <a:lstStyle/>
+          <a:p>
+            <a:r>
+              <a:rPr kumimoji="1" lang="ja-JP" altLang="en-US"/>
+              <a:t>密度</a:t>
+            </a:r>
+          </a:p>
+        </p:txBody>
+      </p:sp>
+      <p:cxnSp>
+        <p:nvCxnSpPr>
+          <p:cNvPr id="16" name="直線コネクタ 15">
+            <a:extLst>
+              <a:ext uri="{FF2B5EF4-FFF2-40B4-BE49-F238E27FC236}">
+                <a16:creationId xmlns:a16="http://schemas.microsoft.com/office/drawing/2014/main" id="{E79D09C5-D259-840C-3C75-7CD092979603}"/>
+              </a:ext>
+            </a:extLst>
+          </p:cNvPr>
+          <p:cNvCxnSpPr/>
+          <p:nvPr/>
+        </p:nvCxnSpPr>
+        <p:spPr>
+          <a:xfrm>
+            <a:off x="5076056" y="2636912"/>
+            <a:ext cx="2952328" cy="0"/>
+          </a:xfrm>
+          <a:prstGeom prst="line">
+            <a:avLst/>
+          </a:prstGeom>
+          <a:ln>
+            <a:solidFill>
+              <a:schemeClr val="tx1"/>
+            </a:solidFill>
+            <a:headEnd type="none" w="med" len="med"/>
+            <a:tailEnd type="none" w="med" len="med"/>
+          </a:ln>
+        </p:spPr>
+        <p:style>
+          <a:lnRef idx="1">
+            <a:schemeClr val="accent1"/>
+          </a:lnRef>
+          <a:fillRef idx="0">
+            <a:schemeClr val="accent1"/>
+          </a:fillRef>
+          <a:effectRef idx="0">
+            <a:schemeClr val="accent1"/>
+          </a:effectRef>
+          <a:fontRef idx="minor">
+            <a:schemeClr val="tx1"/>
+          </a:fontRef>
+        </p:style>
+      </p:cxnSp>
+      <p:sp>
+        <p:nvSpPr>
+          <p:cNvPr id="17" name="楕円 16">
+            <a:extLst>
+              <a:ext uri="{FF2B5EF4-FFF2-40B4-BE49-F238E27FC236}">
+                <a16:creationId xmlns:a16="http://schemas.microsoft.com/office/drawing/2014/main" id="{D412B206-F43F-6736-7620-D3CCE8CF0591}"/>
+              </a:ext>
+            </a:extLst>
+          </p:cNvPr>
+          <p:cNvSpPr/>
+          <p:nvPr/>
+        </p:nvSpPr>
+        <p:spPr>
+          <a:xfrm>
+            <a:off x="5973296" y="2574176"/>
+            <a:ext cx="162560" cy="134744"/>
+          </a:xfrm>
+          <a:prstGeom prst="ellipse">
+            <a:avLst/>
+          </a:prstGeom>
+          <a:solidFill>
+            <a:srgbClr val="FF0000"/>
+          </a:solidFill>
+          <a:ln>
+            <a:solidFill>
+              <a:schemeClr val="tx1"/>
+            </a:solidFill>
+          </a:ln>
+        </p:spPr>
+        <p:style>
+          <a:lnRef idx="2">
+            <a:schemeClr val="accent1">
+              <a:shade val="50000"/>
+            </a:schemeClr>
+          </a:lnRef>
+          <a:fillRef idx="1">
+            <a:schemeClr val="accent1"/>
+          </a:fillRef>
+          <a:effectRef idx="0">
+            <a:schemeClr val="accent1"/>
+          </a:effectRef>
+          <a:fontRef idx="minor">
+            <a:schemeClr val="lt1"/>
+          </a:fontRef>
+        </p:style>
+        <p:txBody>
+          <a:bodyPr rtlCol="0" anchor="ctr"/>
+          <a:lstStyle/>
+          <a:p>
+            <a:pPr algn="ctr"/>
+            <a:endParaRPr kumimoji="1" lang="ja-JP" altLang="en-US"/>
+          </a:p>
+        </p:txBody>
+      </p:sp>
+      <p:sp>
+        <p:nvSpPr>
+          <p:cNvPr id="18" name="楕円 17">
+            <a:extLst>
+              <a:ext uri="{FF2B5EF4-FFF2-40B4-BE49-F238E27FC236}">
+                <a16:creationId xmlns:a16="http://schemas.microsoft.com/office/drawing/2014/main" id="{E9EF9668-6E05-B804-95E7-7FEDBD394836}"/>
+              </a:ext>
+            </a:extLst>
+          </p:cNvPr>
+          <p:cNvSpPr/>
+          <p:nvPr/>
+        </p:nvSpPr>
+        <p:spPr>
+          <a:xfrm>
+            <a:off x="7145744" y="2564904"/>
+            <a:ext cx="162560" cy="134744"/>
+          </a:xfrm>
+          <a:prstGeom prst="ellipse">
+            <a:avLst/>
+          </a:prstGeom>
+          <a:solidFill>
+            <a:srgbClr val="FF0000"/>
+          </a:solidFill>
+          <a:ln>
+            <a:solidFill>
+              <a:schemeClr val="tx1"/>
+            </a:solidFill>
+          </a:ln>
+        </p:spPr>
+        <p:style>
+          <a:lnRef idx="2">
+            <a:schemeClr val="accent1">
+              <a:shade val="50000"/>
+            </a:schemeClr>
+          </a:lnRef>
+          <a:fillRef idx="1">
+            <a:schemeClr val="accent1"/>
+          </a:fillRef>
+          <a:effectRef idx="0">
+            <a:schemeClr val="accent1"/>
+          </a:effectRef>
+          <a:fontRef idx="minor">
+            <a:schemeClr val="lt1"/>
+          </a:fontRef>
+        </p:style>
+        <p:txBody>
+          <a:bodyPr rtlCol="0" anchor="ctr"/>
+          <a:lstStyle/>
+          <a:p>
+            <a:pPr algn="ctr"/>
+            <a:endParaRPr kumimoji="1" lang="ja-JP" altLang="en-US"/>
+          </a:p>
+        </p:txBody>
+      </p:sp>
+      <p:cxnSp>
+        <p:nvCxnSpPr>
+          <p:cNvPr id="20" name="直線コネクタ 19">
+            <a:extLst>
+              <a:ext uri="{FF2B5EF4-FFF2-40B4-BE49-F238E27FC236}">
+                <a16:creationId xmlns:a16="http://schemas.microsoft.com/office/drawing/2014/main" id="{3E6E0C63-F979-F5EB-89B4-D7F36721E910}"/>
+              </a:ext>
+            </a:extLst>
+          </p:cNvPr>
+          <p:cNvCxnSpPr/>
+          <p:nvPr/>
+        </p:nvCxnSpPr>
+        <p:spPr>
+          <a:xfrm>
+            <a:off x="6042640" y="2276872"/>
+            <a:ext cx="0" cy="2016224"/>
+          </a:xfrm>
+          <a:prstGeom prst="line">
+            <a:avLst/>
+          </a:prstGeom>
+          <a:ln>
+            <a:solidFill>
+              <a:schemeClr val="tx1"/>
+            </a:solidFill>
+            <a:headEnd type="none" w="med" len="med"/>
+            <a:tailEnd type="none" w="med" len="med"/>
+          </a:ln>
+        </p:spPr>
+        <p:style>
+          <a:lnRef idx="1">
+            <a:schemeClr val="accent1"/>
+          </a:lnRef>
+          <a:fillRef idx="0">
+            <a:schemeClr val="accent1"/>
+          </a:fillRef>
+          <a:effectRef idx="0">
+            <a:schemeClr val="accent1"/>
+          </a:effectRef>
+          <a:fontRef idx="minor">
+            <a:schemeClr val="tx1"/>
+          </a:fontRef>
+        </p:style>
+      </p:cxnSp>
+      <p:sp>
+        <p:nvSpPr>
+          <p:cNvPr id="21" name="テキスト ボックス 20">
+            <a:extLst>
+              <a:ext uri="{FF2B5EF4-FFF2-40B4-BE49-F238E27FC236}">
+                <a16:creationId xmlns:a16="http://schemas.microsoft.com/office/drawing/2014/main" id="{1BA86004-3E0E-120F-6450-3B416DDD17C5}"/>
+              </a:ext>
+            </a:extLst>
+          </p:cNvPr>
+          <p:cNvSpPr txBox="1"/>
+          <p:nvPr/>
+        </p:nvSpPr>
+        <p:spPr>
+          <a:xfrm>
+            <a:off x="4750326" y="2483604"/>
+            <a:ext cx="325730" cy="369332"/>
+          </a:xfrm>
+          <a:prstGeom prst="rect">
+            <a:avLst/>
+          </a:prstGeom>
+          <a:noFill/>
+        </p:spPr>
+        <p:txBody>
+          <a:bodyPr wrap="none" rtlCol="0">
+            <a:spAutoFit/>
+          </a:bodyPr>
+          <a:lstStyle/>
+          <a:p>
+            <a:r>
+              <a:rPr kumimoji="1" lang="en-US" altLang="ja-JP"/>
+              <a:t>T</a:t>
+            </a:r>
+            <a:endParaRPr kumimoji="1" lang="ja-JP" altLang="en-US"/>
+          </a:p>
+        </p:txBody>
+      </p:sp>
+      <p:sp>
+        <p:nvSpPr>
+          <p:cNvPr id="22" name="テキスト ボックス 21">
+            <a:extLst>
+              <a:ext uri="{FF2B5EF4-FFF2-40B4-BE49-F238E27FC236}">
+                <a16:creationId xmlns:a16="http://schemas.microsoft.com/office/drawing/2014/main" id="{D58F3B35-E0C3-27B5-8A00-C483B48F45D7}"/>
+              </a:ext>
+            </a:extLst>
+          </p:cNvPr>
+          <p:cNvSpPr txBox="1"/>
+          <p:nvPr/>
+        </p:nvSpPr>
+        <p:spPr>
+          <a:xfrm>
+            <a:off x="1120309" y="1628800"/>
+            <a:ext cx="787395" cy="369332"/>
+          </a:xfrm>
+          <a:prstGeom prst="rect">
+            <a:avLst/>
+          </a:prstGeom>
+          <a:noFill/>
+        </p:spPr>
+        <p:txBody>
+          <a:bodyPr wrap="none" rtlCol="0">
+            <a:spAutoFit/>
+          </a:bodyPr>
+          <a:lstStyle/>
+          <a:p>
+            <a:r>
+              <a:rPr lang="ja-JP" altLang="en-US"/>
+              <a:t>温度</a:t>
+            </a:r>
+            <a:r>
+              <a:rPr kumimoji="1" lang="en-US" altLang="ja-JP"/>
+              <a:t>T</a:t>
+            </a:r>
+            <a:endParaRPr kumimoji="1" lang="ja-JP" altLang="en-US"/>
+          </a:p>
+        </p:txBody>
+      </p:sp>
+      <p:sp>
+        <p:nvSpPr>
+          <p:cNvPr id="23" name="テキスト ボックス 22">
+            <a:extLst>
+              <a:ext uri="{FF2B5EF4-FFF2-40B4-BE49-F238E27FC236}">
+                <a16:creationId xmlns:a16="http://schemas.microsoft.com/office/drawing/2014/main" id="{952EF0C5-FBC7-FC78-EBF2-8C4D18AEA0F7}"/>
+              </a:ext>
+            </a:extLst>
+          </p:cNvPr>
+          <p:cNvSpPr txBox="1"/>
+          <p:nvPr/>
+        </p:nvSpPr>
+        <p:spPr>
+          <a:xfrm>
+            <a:off x="5724128" y="4293096"/>
+            <a:ext cx="646331" cy="646331"/>
+          </a:xfrm>
+          <a:prstGeom prst="rect">
+            <a:avLst/>
+          </a:prstGeom>
+          <a:noFill/>
+        </p:spPr>
+        <p:txBody>
+          <a:bodyPr wrap="none" rtlCol="0">
+            <a:spAutoFit/>
+          </a:bodyPr>
+          <a:lstStyle/>
+          <a:p>
+            <a:r>
+              <a:rPr kumimoji="1" lang="ja-JP" altLang="en-US"/>
+              <a:t>気相</a:t>
+            </a:r>
+            <a:endParaRPr kumimoji="1" lang="en-US" altLang="ja-JP"/>
+          </a:p>
+          <a:p>
+            <a:r>
+              <a:rPr kumimoji="1" lang="ja-JP" altLang="en-US"/>
+              <a:t>密度</a:t>
+            </a:r>
+          </a:p>
+        </p:txBody>
+      </p:sp>
+      <p:cxnSp>
+        <p:nvCxnSpPr>
+          <p:cNvPr id="24" name="直線コネクタ 23">
+            <a:extLst>
+              <a:ext uri="{FF2B5EF4-FFF2-40B4-BE49-F238E27FC236}">
+                <a16:creationId xmlns:a16="http://schemas.microsoft.com/office/drawing/2014/main" id="{F6801563-26A6-E4D0-16F8-FF435844FB8E}"/>
+              </a:ext>
+            </a:extLst>
+          </p:cNvPr>
+          <p:cNvCxnSpPr>
+            <a:cxnSpLocks/>
+          </p:cNvCxnSpPr>
+          <p:nvPr/>
+        </p:nvCxnSpPr>
+        <p:spPr>
+          <a:xfrm>
+            <a:off x="7236296" y="2276872"/>
+            <a:ext cx="0" cy="2232248"/>
+          </a:xfrm>
+          <a:prstGeom prst="line">
+            <a:avLst/>
+          </a:prstGeom>
+          <a:ln>
+            <a:solidFill>
+              <a:schemeClr val="tx1"/>
+            </a:solidFill>
+            <a:headEnd type="none" w="med" len="med"/>
+            <a:tailEnd type="none" w="med" len="med"/>
+          </a:ln>
+        </p:spPr>
+        <p:style>
+          <a:lnRef idx="1">
+            <a:schemeClr val="accent1"/>
+          </a:lnRef>
+          <a:fillRef idx="0">
+            <a:schemeClr val="accent1"/>
+          </a:fillRef>
+          <a:effectRef idx="0">
+            <a:schemeClr val="accent1"/>
+          </a:effectRef>
+          <a:fontRef idx="minor">
+            <a:schemeClr val="tx1"/>
+          </a:fontRef>
+        </p:style>
+      </p:cxnSp>
+      <p:sp>
+        <p:nvSpPr>
+          <p:cNvPr id="25" name="テキスト ボックス 24">
+            <a:extLst>
+              <a:ext uri="{FF2B5EF4-FFF2-40B4-BE49-F238E27FC236}">
+                <a16:creationId xmlns:a16="http://schemas.microsoft.com/office/drawing/2014/main" id="{2930B34E-0DAB-6456-3335-DEA4EEB456A8}"/>
+              </a:ext>
+            </a:extLst>
+          </p:cNvPr>
+          <p:cNvSpPr txBox="1"/>
+          <p:nvPr/>
+        </p:nvSpPr>
+        <p:spPr>
+          <a:xfrm>
+            <a:off x="6948264" y="4797152"/>
+            <a:ext cx="646331" cy="646331"/>
+          </a:xfrm>
+          <a:prstGeom prst="rect">
+            <a:avLst/>
+          </a:prstGeom>
+          <a:noFill/>
+        </p:spPr>
+        <p:txBody>
+          <a:bodyPr wrap="none" rtlCol="0">
+            <a:spAutoFit/>
+          </a:bodyPr>
+          <a:lstStyle/>
+          <a:p>
+            <a:r>
+              <a:rPr kumimoji="1" lang="ja-JP" altLang="en-US"/>
+              <a:t>液相</a:t>
+            </a:r>
+            <a:endParaRPr kumimoji="1" lang="en-US" altLang="ja-JP"/>
+          </a:p>
+          <a:p>
+            <a:r>
+              <a:rPr kumimoji="1" lang="ja-JP" altLang="en-US"/>
+              <a:t>密度</a:t>
+            </a:r>
+          </a:p>
+        </p:txBody>
+      </p:sp>
+      <p:cxnSp>
+        <p:nvCxnSpPr>
+          <p:cNvPr id="28" name="コネクタ: カギ線 27">
+            <a:extLst>
+              <a:ext uri="{FF2B5EF4-FFF2-40B4-BE49-F238E27FC236}">
+                <a16:creationId xmlns:a16="http://schemas.microsoft.com/office/drawing/2014/main" id="{CC2AAAD7-DB46-45CE-990E-B843EB42FB18}"/>
+              </a:ext>
+            </a:extLst>
+          </p:cNvPr>
+          <p:cNvCxnSpPr>
+            <a:stCxn id="23" idx="1"/>
+          </p:cNvCxnSpPr>
+          <p:nvPr/>
+        </p:nvCxnSpPr>
+        <p:spPr>
+          <a:xfrm rot="10800000">
+            <a:off x="2195736" y="2852936"/>
+            <a:ext cx="3528392" cy="1763326"/>
+          </a:xfrm>
+          <a:prstGeom prst="bentConnector3">
+            <a:avLst/>
+          </a:prstGeom>
+          <a:ln>
+            <a:solidFill>
+              <a:schemeClr val="tx1"/>
+            </a:solidFill>
+            <a:headEnd type="none" w="med" len="med"/>
+            <a:tailEnd type="triangle"/>
+          </a:ln>
+        </p:spPr>
+        <p:style>
+          <a:lnRef idx="1">
+            <a:schemeClr val="accent1"/>
+          </a:lnRef>
+          <a:fillRef idx="0">
+            <a:schemeClr val="accent1"/>
+          </a:fillRef>
+          <a:effectRef idx="0">
+            <a:schemeClr val="accent1"/>
+          </a:effectRef>
+          <a:fontRef idx="minor">
+            <a:schemeClr val="tx1"/>
+          </a:fontRef>
+        </p:style>
+      </p:cxnSp>
+      <p:cxnSp>
+        <p:nvCxnSpPr>
+          <p:cNvPr id="30" name="コネクタ: カギ線 29">
+            <a:extLst>
+              <a:ext uri="{FF2B5EF4-FFF2-40B4-BE49-F238E27FC236}">
+                <a16:creationId xmlns:a16="http://schemas.microsoft.com/office/drawing/2014/main" id="{3A804E03-2D20-2F9F-5C86-FBADBE5161F6}"/>
+              </a:ext>
+            </a:extLst>
+          </p:cNvPr>
+          <p:cNvCxnSpPr>
+            <a:stCxn id="25" idx="1"/>
+            <a:endCxn id="5" idx="3"/>
+          </p:cNvCxnSpPr>
+          <p:nvPr/>
+        </p:nvCxnSpPr>
+        <p:spPr>
+          <a:xfrm rot="10800000">
+            <a:off x="2195736" y="3933056"/>
+            <a:ext cx="4752528" cy="1187262"/>
+          </a:xfrm>
+          <a:prstGeom prst="bentConnector3">
+            <a:avLst>
+              <a:gd name="adj1" fmla="val 79502"/>
+            </a:avLst>
+          </a:prstGeom>
+          <a:ln>
+            <a:solidFill>
+              <a:schemeClr val="tx1"/>
+            </a:solidFill>
+            <a:headEnd type="none" w="med" len="med"/>
+            <a:tailEnd type="triangle"/>
+          </a:ln>
+        </p:spPr>
+        <p:style>
+          <a:lnRef idx="1">
+            <a:schemeClr val="accent1"/>
+          </a:lnRef>
+          <a:fillRef idx="0">
+            <a:schemeClr val="accent1"/>
+          </a:fillRef>
+          <a:effectRef idx="0">
+            <a:schemeClr val="accent1"/>
+          </a:effectRef>
+          <a:fontRef idx="minor">
+            <a:schemeClr val="tx1"/>
+          </a:fontRef>
+        </p:style>
+      </p:cxnSp>
+      <p:sp>
+        <p:nvSpPr>
+          <p:cNvPr id="32" name="テキスト ボックス 31">
+            <a:extLst>
+              <a:ext uri="{FF2B5EF4-FFF2-40B4-BE49-F238E27FC236}">
+                <a16:creationId xmlns:a16="http://schemas.microsoft.com/office/drawing/2014/main" id="{66E43DD8-5D9C-B202-96E9-773F115B3FDC}"/>
+              </a:ext>
+            </a:extLst>
+          </p:cNvPr>
+          <p:cNvSpPr txBox="1"/>
+          <p:nvPr/>
+        </p:nvSpPr>
+        <p:spPr>
+          <a:xfrm>
+            <a:off x="179512" y="5601434"/>
+            <a:ext cx="8392041" cy="707886"/>
+          </a:xfrm>
+          <a:prstGeom prst="rect">
+            <a:avLst/>
+          </a:prstGeom>
+          <a:noFill/>
+        </p:spPr>
+        <p:txBody>
+          <a:bodyPr wrap="none" rtlCol="0">
+            <a:spAutoFit/>
+          </a:bodyPr>
+          <a:lstStyle/>
+          <a:p>
+            <a:r>
+              <a:rPr kumimoji="1" lang="ja-JP" altLang="en-US" sz="2000"/>
+              <a:t>ある温度、平均密度では、液相と気相が共存する</a:t>
+            </a:r>
+            <a:r>
+              <a:rPr kumimoji="1" lang="en-US" altLang="ja-JP" sz="2000"/>
+              <a:t>(</a:t>
+            </a:r>
+            <a:r>
+              <a:rPr kumimoji="1" lang="ja-JP" altLang="en-US" sz="2000"/>
+              <a:t>純相にならない</a:t>
+            </a:r>
+            <a:r>
+              <a:rPr kumimoji="1" lang="en-US" altLang="ja-JP" sz="2000"/>
+              <a:t>)</a:t>
+            </a:r>
+          </a:p>
+          <a:p>
+            <a:r>
+              <a:rPr lang="ja-JP" altLang="en-US" sz="2000"/>
+              <a:t>相図は、その温度における共存状態の液相と気相の密度を教えてくれる</a:t>
+            </a:r>
+            <a:endParaRPr kumimoji="1" lang="ja-JP" altLang="en-US" sz="2000"/>
+          </a:p>
+        </p:txBody>
+      </p:sp>
+    </p:spTree>
+    <p:extLst>
+      <p:ext uri="{BB962C8B-B14F-4D97-AF65-F5344CB8AC3E}">
+        <p14:creationId xmlns:p14="http://schemas.microsoft.com/office/powerpoint/2010/main" val="3343476594"/>
+      </p:ext>
+    </p:extLst>
+  </p:cSld>
+  <p:clrMapOvr>
+    <a:masterClrMapping/>
+  </p:clrMapOvr>
+</p:sld>
+</file>
+
+<file path=ppt/slides/slide42.xml><?xml version="1.0" encoding="utf-8"?>
+<p:sld xmlns:a="http://schemas.openxmlformats.org/drawingml/2006/main" xmlns:r="http://schemas.openxmlformats.org/officeDocument/2006/relationships" xmlns:p="http://schemas.openxmlformats.org/presentationml/2006/main">
+  <p:cSld>
+    <p:spTree>
+      <p:nvGrpSpPr>
+        <p:cNvPr id="1" name=""/>
+        <p:cNvGrpSpPr/>
+        <p:nvPr/>
+      </p:nvGrpSpPr>
+      <p:grpSpPr>
+        <a:xfrm>
+          <a:off x="0" y="0"/>
+          <a:ext cx="0" cy="0"/>
+          <a:chOff x="0" y="0"/>
+          <a:chExt cx="0" cy="0"/>
+        </a:xfrm>
+      </p:grpSpPr>
+      <p:sp>
+        <p:nvSpPr>
+          <p:cNvPr id="2" name="テキスト プレースホルダー 1">
+            <a:extLst>
+              <a:ext uri="{FF2B5EF4-FFF2-40B4-BE49-F238E27FC236}">
+                <a16:creationId xmlns:a16="http://schemas.microsoft.com/office/drawing/2014/main" id="{84D351E4-C3C5-5F7E-824C-044B2C724551}"/>
+              </a:ext>
+            </a:extLst>
+          </p:cNvPr>
+          <p:cNvSpPr>
+            <a:spLocks noGrp="1"/>
+          </p:cNvSpPr>
+          <p:nvPr>
+            <p:ph type="body" sz="quarter" idx="10"/>
+          </p:nvPr>
+        </p:nvSpPr>
+        <p:spPr/>
+        <p:txBody>
+          <a:bodyPr/>
+          <a:lstStyle/>
+          <a:p>
+            <a:endParaRPr kumimoji="1" lang="ja-JP" altLang="en-US"/>
+          </a:p>
+        </p:txBody>
+      </p:sp>
+    </p:spTree>
+    <p:extLst>
+      <p:ext uri="{BB962C8B-B14F-4D97-AF65-F5344CB8AC3E}">
+        <p14:creationId xmlns:p14="http://schemas.microsoft.com/office/powerpoint/2010/main" val="140823373"/>
       </p:ext>
     </p:extLst>
   </p:cSld>
